--- a/2조.pptx
+++ b/2조.pptx
@@ -1,33 +1,22 @@
 
 <file path=ppt/presentation.xml><?xml version="1.0" encoding="utf-8"?>
-<p:presentation xmlns:a="http://schemas.openxmlformats.org/drawingml/2006/main" xmlns:r="http://schemas.openxmlformats.org/officeDocument/2006/relationships" xmlns:p="http://schemas.openxmlformats.org/presentationml/2006/main" embedTrueTypeFonts="1" saveSubsetFonts="1" autoCompressPictures="0">
+<p:presentation xmlns:r="http://schemas.openxmlformats.org/officeDocument/2006/relationships" xmlns:c="http://schemas.openxmlformats.org/drawingml/2006/chart" xmlns:a="http://schemas.openxmlformats.org/drawingml/2006/main" xmlns:dgm="http://schemas.openxmlformats.org/drawingml/2006/diagram" xmlns:dsp="http://schemas.microsoft.com/office/drawing/2008/diagram" xmlns:p="http://schemas.openxmlformats.org/presentationml/2006/main" embedTrueTypeFonts="1" saveSubsetFonts="1" autoCompressPictures="0">
   <p:sldMasterIdLst>
-    <p:sldMasterId id="2147483648" r:id="rId1"/>
+    <p:sldMasterId id="2147483671" r:id="rId1"/>
   </p:sldMasterIdLst>
   <p:sldIdLst>
     <p:sldId id="256" r:id="rId2"/>
-    <p:sldId id="258" r:id="rId3"/>
-    <p:sldId id="257" r:id="rId4"/>
+    <p:sldId id="257" r:id="rId3"/>
+    <p:sldId id="258" r:id="rId4"/>
     <p:sldId id="259" r:id="rId5"/>
-    <p:sldId id="266" r:id="rId6"/>
-    <p:sldId id="260" r:id="rId7"/>
-    <p:sldId id="261" r:id="rId8"/>
-    <p:sldId id="264" r:id="rId9"/>
-    <p:sldId id="265" r:id="rId10"/>
+    <p:sldId id="260" r:id="rId6"/>
+    <p:sldId id="261" r:id="rId7"/>
+    <p:sldId id="262" r:id="rId8"/>
+    <p:sldId id="263" r:id="rId9"/>
+    <p:sldId id="264" r:id="rId10"/>
   </p:sldIdLst>
   <p:sldSz cx="12192000" cy="6858000"/>
   <p:notesSz cx="6858000" cy="9144000"/>
-  <p:embeddedFontLst>
-    <p:embeddedFont>
-      <p:font typeface="휴먼옛체" panose="02030504000101010101" pitchFamily="18" charset="-127"/>
-      <p:regular r:id="rId11"/>
-    </p:embeddedFont>
-    <p:embeddedFont>
-      <p:font typeface="맑은 고딕" panose="020B0503020000020004" pitchFamily="50" charset="-127"/>
-      <p:regular r:id="rId12"/>
-      <p:bold r:id="rId13"/>
-    </p:embeddedFont>
-  </p:embeddedFontLst>
   <p:defaultTextStyle>
     <a:defPPr>
       <a:defRPr lang="ko-KR"/>
@@ -123,22 +112,6 @@
       </a:defRPr>
     </a:lvl9pPr>
   </p:defaultTextStyle>
-  <p:extLst>
-    <p:ext uri="{EFAFB233-063F-42B5-8137-9DF3F51BA10A}">
-      <p15:sldGuideLst xmlns:p15="http://schemas.microsoft.com/office/powerpoint/2012/main">
-        <p15:guide id="1" orient="horz" pos="2115" userDrawn="1">
-          <p15:clr>
-            <a:srgbClr val="A4A3A4"/>
-          </p15:clr>
-        </p15:guide>
-        <p15:guide id="2" pos="3840" userDrawn="1">
-          <p15:clr>
-            <a:srgbClr val="A4A3A4"/>
-          </p15:clr>
-        </p15:guide>
-      </p15:sldGuideLst>
-    </p:ext>
-  </p:extLst>
 </p:presentation>
 </file>
 
@@ -4600,10 +4573,10 @@
 </file>
 
 <file path=ppt/slides/slide3.xml><?xml version="1.0" encoding="utf-8"?>
-<p:sld xmlns:a="http://schemas.openxmlformats.org/drawingml/2006/main" xmlns:r="http://schemas.openxmlformats.org/officeDocument/2006/relationships" xmlns:p="http://schemas.openxmlformats.org/presentationml/2006/main">
+<p:sld xmlns:r="http://schemas.openxmlformats.org/officeDocument/2006/relationships" xmlns:c="http://schemas.openxmlformats.org/drawingml/2006/chart" xmlns:a="http://schemas.openxmlformats.org/drawingml/2006/main" xmlns:dgm="http://schemas.openxmlformats.org/drawingml/2006/diagram" xmlns:dsp="http://schemas.microsoft.com/office/drawing/2008/diagram" xmlns:p="http://schemas.openxmlformats.org/presentationml/2006/main">
   <p:cSld>
     <p:bg>
-      <p:bgPr>
+      <p:bgPr shadeToTitle="0">
         <a:blipFill dpi="0" rotWithShape="1">
           <a:blip r:embed="rId2">
             <a:lum/>
@@ -4613,7 +4586,6 @@
             <a:fillRect t="-17000" b="-17000"/>
           </a:stretch>
         </a:blipFill>
-        <a:effectLst/>
       </p:bgPr>
     </p:bg>
     <p:spTree>
@@ -4632,20 +4604,14 @@
       </p:grpSpPr>
       <p:sp>
         <p:nvSpPr>
-          <p:cNvPr id="22" name="TextBox 21">
-            <a:extLst>
-              <a:ext uri="{FF2B5EF4-FFF2-40B4-BE49-F238E27FC236}">
-                <a16:creationId xmlns:a16="http://schemas.microsoft.com/office/drawing/2014/main" id="{FC951402-AD1C-4766-816D-91425216020D}"/>
-              </a:ext>
-            </a:extLst>
-          </p:cNvPr>
+          <p:cNvPr id="22" name="TextBox 21"/>
           <p:cNvSpPr txBox="1"/>
           <p:nvPr/>
         </p:nvSpPr>
         <p:spPr>
           <a:xfrm flipH="1">
             <a:off x="5041092" y="342101"/>
-            <a:ext cx="2123658" cy="307777"/>
+            <a:ext cx="2123658" cy="294169"/>
           </a:xfrm>
           <a:prstGeom prst="rect">
             <a:avLst/>
@@ -4653,50 +4619,46 @@
           <a:noFill/>
         </p:spPr>
         <p:txBody>
-          <a:bodyPr vert="horz" wrap="square" rtlCol="0">
+          <a:bodyPr vert="horz" wrap="square">
             <a:spAutoFit/>
           </a:bodyPr>
           <a:lstStyle/>
           <a:p>
-            <a:pPr algn="dist"/>
-            <a:r>
-              <a:rPr lang="en-US" altLang="ko-KR" sz="1400" dirty="0" smtClean="0">
+            <a:pPr algn="dist">
+              <a:defRPr/>
+            </a:pPr>
+            <a:r>
+              <a:rPr lang="en-US" altLang="ko-KR" sz="1400">
                 <a:solidFill>
                   <a:schemeClr val="tx1">
                     <a:alpha val="71000"/>
                   </a:schemeClr>
                 </a:solidFill>
-                <a:latin typeface="DX영화자막 M" panose="02020600000000000000" pitchFamily="18" charset="-127"/>
-                <a:ea typeface="DX영화자막 M" panose="02020600000000000000" pitchFamily="18" charset="-127"/>
+                <a:latin typeface="DX영화자막 M"/>
+                <a:ea typeface="DX영화자막 M"/>
               </a:rPr>
               <a:t>SLOW THINKING</a:t>
             </a:r>
-            <a:endParaRPr lang="ko-KR" altLang="en-US" sz="1400" dirty="0">
+            <a:endParaRPr lang="ko-KR" altLang="en-US" sz="1400">
               <a:solidFill>
                 <a:schemeClr val="tx1">
                   <a:alpha val="71000"/>
                 </a:schemeClr>
               </a:solidFill>
-              <a:latin typeface="DX영화자막 M" panose="02020600000000000000" pitchFamily="18" charset="-127"/>
-              <a:ea typeface="DX영화자막 M" panose="02020600000000000000" pitchFamily="18" charset="-127"/>
+              <a:latin typeface="DX영화자막 M"/>
+              <a:ea typeface="DX영화자막 M"/>
             </a:endParaRPr>
           </a:p>
         </p:txBody>
       </p:sp>
       <p:grpSp>
         <p:nvGrpSpPr>
-          <p:cNvPr id="4" name="그룹 3">
-            <a:extLst>
-              <a:ext uri="{FF2B5EF4-FFF2-40B4-BE49-F238E27FC236}">
-                <a16:creationId xmlns:a16="http://schemas.microsoft.com/office/drawing/2014/main" id="{B5104845-BD69-45A2-B225-D8EC1A15024D}"/>
-              </a:ext>
-            </a:extLst>
-          </p:cNvPr>
+          <p:cNvPr id="4" name="그룹 3"/>
           <p:cNvGrpSpPr/>
           <p:nvPr/>
         </p:nvGrpSpPr>
         <p:grpSpPr>
-          <a:xfrm>
+          <a:xfrm rot="0">
             <a:off x="240925" y="2941212"/>
             <a:ext cx="163649" cy="975576"/>
             <a:chOff x="306686" y="3281373"/>
@@ -4705,13 +4667,7 @@
         </p:grpSpPr>
         <p:cxnSp>
           <p:nvCxnSpPr>
-            <p:cNvPr id="3" name="직선 연결선 2">
-              <a:extLst>
-                <a:ext uri="{FF2B5EF4-FFF2-40B4-BE49-F238E27FC236}">
-                  <a16:creationId xmlns:a16="http://schemas.microsoft.com/office/drawing/2014/main" id="{F54058FD-5CC4-4A66-A7B6-3537CB5E5100}"/>
-                </a:ext>
-              </a:extLst>
-            </p:cNvPr>
+            <p:cNvPr id="3" name="직선 연결선 2"/>
             <p:cNvCxnSpPr/>
             <p:nvPr/>
           </p:nvCxnSpPr>
@@ -4725,7 +4681,7 @@
             </a:prstGeom>
             <a:ln w="12700">
               <a:solidFill>
-                <a:srgbClr val="AC9D8E"/>
+                <a:srgbClr val="ac9d8e"/>
               </a:solidFill>
             </a:ln>
           </p:spPr>
@@ -4746,13 +4702,7 @@
         </p:cxnSp>
         <p:cxnSp>
           <p:nvCxnSpPr>
-            <p:cNvPr id="40" name="직선 연결선 39">
-              <a:extLst>
-                <a:ext uri="{FF2B5EF4-FFF2-40B4-BE49-F238E27FC236}">
-                  <a16:creationId xmlns:a16="http://schemas.microsoft.com/office/drawing/2014/main" id="{AD5B1849-E784-4150-B8A4-DF03199E56DD}"/>
-                </a:ext>
-              </a:extLst>
-            </p:cNvPr>
+            <p:cNvPr id="40" name="직선 연결선 39"/>
             <p:cNvCxnSpPr/>
             <p:nvPr/>
           </p:nvCxnSpPr>
@@ -4766,7 +4716,7 @@
             </a:prstGeom>
             <a:ln w="12700">
               <a:solidFill>
-                <a:srgbClr val="AC9D8E"/>
+                <a:srgbClr val="ac9d8e"/>
               </a:solidFill>
             </a:ln>
           </p:spPr>
@@ -4787,13 +4737,7 @@
         </p:cxnSp>
         <p:cxnSp>
           <p:nvCxnSpPr>
-            <p:cNvPr id="49" name="직선 연결선 48">
-              <a:extLst>
-                <a:ext uri="{FF2B5EF4-FFF2-40B4-BE49-F238E27FC236}">
-                  <a16:creationId xmlns:a16="http://schemas.microsoft.com/office/drawing/2014/main" id="{8DF5B429-A9C8-410D-A763-A82DD49890F5}"/>
-                </a:ext>
-              </a:extLst>
-            </p:cNvPr>
+            <p:cNvPr id="49" name="직선 연결선 48"/>
             <p:cNvCxnSpPr/>
             <p:nvPr/>
           </p:nvCxnSpPr>
@@ -4807,7 +4751,7 @@
             </a:prstGeom>
             <a:ln w="12700">
               <a:solidFill>
-                <a:srgbClr val="AC9D8E"/>
+                <a:srgbClr val="ac9d8e"/>
               </a:solidFill>
             </a:ln>
           </p:spPr>
@@ -4828,13 +4772,7 @@
         </p:cxnSp>
         <p:cxnSp>
           <p:nvCxnSpPr>
-            <p:cNvPr id="51" name="직선 연결선 50">
-              <a:extLst>
-                <a:ext uri="{FF2B5EF4-FFF2-40B4-BE49-F238E27FC236}">
-                  <a16:creationId xmlns:a16="http://schemas.microsoft.com/office/drawing/2014/main" id="{F3AD4E31-8EC1-43C9-BA21-3E5CE7924706}"/>
-                </a:ext>
-              </a:extLst>
-            </p:cNvPr>
+            <p:cNvPr id="51" name="직선 연결선 50"/>
             <p:cNvCxnSpPr/>
             <p:nvPr/>
           </p:nvCxnSpPr>
@@ -4848,7 +4786,7 @@
             </a:prstGeom>
             <a:ln w="12700">
               <a:solidFill>
-                <a:srgbClr val="AC9D8E"/>
+                <a:srgbClr val="ac9d8e"/>
               </a:solidFill>
             </a:ln>
           </p:spPr>
@@ -4870,13 +4808,7 @@
       </p:grpSp>
       <p:sp>
         <p:nvSpPr>
-          <p:cNvPr id="2" name="TextBox 1">
-            <a:extLst>
-              <a:ext uri="{FF2B5EF4-FFF2-40B4-BE49-F238E27FC236}">
-                <a16:creationId xmlns:a16="http://schemas.microsoft.com/office/drawing/2014/main" id="{5AFF9ABB-33BC-4EB5-BA4F-C3020F548D66}"/>
-              </a:ext>
-            </a:extLst>
-          </p:cNvPr>
+          <p:cNvPr id="2" name="TextBox 1"/>
           <p:cNvSpPr txBox="1"/>
           <p:nvPr/>
         </p:nvSpPr>
@@ -4891,34 +4823,31 @@
           <a:noFill/>
         </p:spPr>
         <p:txBody>
-          <a:bodyPr wrap="square" rtlCol="0">
+          <a:bodyPr wrap="square">
             <a:spAutoFit/>
           </a:bodyPr>
           <a:lstStyle/>
           <a:p>
-            <a:r>
-              <a:rPr lang="ko-KR" altLang="en-US" sz="3600" dirty="0" smtClean="0">
-                <a:latin typeface="DX영화자막 M" panose="02020600000000000000" pitchFamily="18" charset="-127"/>
-                <a:ea typeface="DX영화자막 M" panose="02020600000000000000" pitchFamily="18" charset="-127"/>
+            <a:pPr lvl="0">
+              <a:defRPr/>
+            </a:pPr>
+            <a:r>
+              <a:rPr lang="ko-KR" altLang="en-US" sz="3600">
+                <a:latin typeface="DX영화자막 M"/>
+                <a:ea typeface="DX영화자막 M"/>
               </a:rPr>
               <a:t>홍논문</a:t>
             </a:r>
-            <a:endParaRPr lang="en-US" altLang="ko-KR" sz="3600" dirty="0">
-              <a:latin typeface="DX영화자막 M" panose="02020600000000000000" pitchFamily="18" charset="-127"/>
-              <a:ea typeface="DX영화자막 M" panose="02020600000000000000" pitchFamily="18" charset="-127"/>
+            <a:endParaRPr lang="en-US" altLang="ko-KR" sz="3600">
+              <a:latin typeface="DX영화자막 M"/>
+              <a:ea typeface="DX영화자막 M"/>
             </a:endParaRPr>
           </a:p>
         </p:txBody>
       </p:sp>
       <p:sp>
         <p:nvSpPr>
-          <p:cNvPr id="5" name="직사각형 4">
-            <a:extLst>
-              <a:ext uri="{FF2B5EF4-FFF2-40B4-BE49-F238E27FC236}">
-                <a16:creationId xmlns:a16="http://schemas.microsoft.com/office/drawing/2014/main" id="{1C0DD377-84D8-41C9-85DE-B09F8D209679}"/>
-              </a:ext>
-            </a:extLst>
-          </p:cNvPr>
+          <p:cNvPr id="5" name="직사각형 4"/>
           <p:cNvSpPr/>
           <p:nvPr/>
         </p:nvSpPr>
@@ -4941,7 +4870,6 @@
               <a:gd name="connsiteX4" fmla="*/ 0 w 885524"/>
               <a:gd name="connsiteY4" fmla="*/ 0 h 487788"/>
             </a:gdLst>
-            <a:ahLst/>
             <a:cxnLst>
               <a:cxn ang="0">
                 <a:pos x="connsiteX0" y="connsiteY0"/>
@@ -4992,20 +4920,8 @@
           <a:noFill/>
           <a:ln>
             <a:solidFill>
-              <a:srgbClr val="9A8B85"/>
+              <a:srgbClr val="9a8b85"/>
             </a:solidFill>
-            <a:extLst>
-              <a:ext uri="{C807C97D-BFC1-408E-A445-0C87EB9F89A2}">
-                <ask:lineSketchStyleProps xmlns="" xmlns:ask="http://schemas.microsoft.com/office/drawing/2018/sketchyshapes" sd="1617256088">
-                  <a:prstGeom prst="rect">
-                    <a:avLst/>
-                  </a:prstGeom>
-                  <ask:type>
-                    <ask:lineSketchCurved/>
-                  </ask:type>
-                </ask:lineSketchStyleProps>
-              </a:ext>
-            </a:extLst>
           </a:ln>
         </p:spPr>
         <p:style>
@@ -5025,23 +4941,19 @@
           </a:fontRef>
         </p:style>
         <p:txBody>
-          <a:bodyPr rtlCol="0" anchor="ctr"/>
+          <a:bodyPr anchor="ctr"/>
           <a:lstStyle/>
           <a:p>
-            <a:pPr algn="ctr"/>
-            <a:endParaRPr lang="ko-KR" altLang="en-US" dirty="0"/>
-          </a:p>
-        </p:txBody>
-      </p:sp>
-      <p:sp>
-        <p:nvSpPr>
-          <p:cNvPr id="24" name="직사각형 23">
-            <a:extLst>
-              <a:ext uri="{FF2B5EF4-FFF2-40B4-BE49-F238E27FC236}">
-                <a16:creationId xmlns:a16="http://schemas.microsoft.com/office/drawing/2014/main" id="{A1661E96-A081-4603-B2C5-0BC13D8B72F1}"/>
-              </a:ext>
-            </a:extLst>
-          </p:cNvPr>
+            <a:pPr algn="ctr">
+              <a:defRPr/>
+            </a:pPr>
+            <a:endParaRPr lang="ko-KR" altLang="en-US"/>
+          </a:p>
+        </p:txBody>
+      </p:sp>
+      <p:sp>
+        <p:nvSpPr>
+          <p:cNvPr id="24" name="직사각형 23"/>
           <p:cNvSpPr/>
           <p:nvPr/>
         </p:nvSpPr>
@@ -5068,7 +4980,6 @@
               <a:gd name="connsiteX6" fmla="*/ 0 w 885524"/>
               <a:gd name="connsiteY6" fmla="*/ 0 h 487788"/>
             </a:gdLst>
-            <a:ahLst/>
             <a:cxnLst>
               <a:cxn ang="0">
                 <a:pos x="connsiteX0" y="connsiteY0"/>
@@ -5169,24 +5080,12 @@
             </a:pathLst>
           </a:custGeom>
           <a:solidFill>
-            <a:srgbClr val="D1C9C1"/>
+            <a:srgbClr val="d1c9c1"/>
           </a:solidFill>
           <a:ln>
             <a:solidFill>
-              <a:srgbClr val="9A8B85"/>
+              <a:srgbClr val="9a8b85"/>
             </a:solidFill>
-            <a:extLst>
-              <a:ext uri="{C807C97D-BFC1-408E-A445-0C87EB9F89A2}">
-                <ask:lineSketchStyleProps xmlns="" xmlns:ask="http://schemas.microsoft.com/office/drawing/2018/sketchyshapes" sd="1617256088">
-                  <a:prstGeom prst="rect">
-                    <a:avLst/>
-                  </a:prstGeom>
-                  <ask:type>
-                    <ask:lineSketchScribble/>
-                  </ask:type>
-                </ask:lineSketchStyleProps>
-              </a:ext>
-            </a:extLst>
           </a:ln>
         </p:spPr>
         <p:style>
@@ -5206,11 +5105,13 @@
           </a:fontRef>
         </p:style>
         <p:txBody>
-          <a:bodyPr rtlCol="0" anchor="ctr"/>
+          <a:bodyPr anchor="ctr"/>
           <a:lstStyle/>
           <a:p>
-            <a:pPr algn="ctr"/>
-            <a:endParaRPr lang="ko-KR" altLang="en-US" dirty="0">
+            <a:pPr algn="ctr">
+              <a:defRPr/>
+            </a:pPr>
+            <a:endParaRPr lang="ko-KR" altLang="en-US">
               <a:solidFill>
                 <a:sysClr val="windowText" lastClr="000000"/>
               </a:solidFill>
@@ -5220,13 +5121,7 @@
       </p:sp>
       <p:sp>
         <p:nvSpPr>
-          <p:cNvPr id="6" name="TextBox 5">
-            <a:extLst>
-              <a:ext uri="{FF2B5EF4-FFF2-40B4-BE49-F238E27FC236}">
-                <a16:creationId xmlns:a16="http://schemas.microsoft.com/office/drawing/2014/main" id="{C150FF80-A773-472A-86B1-17473A0375BA}"/>
-              </a:ext>
-            </a:extLst>
-          </p:cNvPr>
+          <p:cNvPr id="6" name="TextBox 5"/>
           <p:cNvSpPr txBox="1"/>
           <p:nvPr/>
         </p:nvSpPr>
@@ -5241,41 +5136,44 @@
           <a:noFill/>
         </p:spPr>
         <p:txBody>
-          <a:bodyPr wrap="square" rtlCol="0">
+          <a:bodyPr wrap="square">
             <a:spAutoFit/>
           </a:bodyPr>
           <a:lstStyle/>
           <a:p>
-            <a:pPr algn="ctr"/>
-            <a:r>
-              <a:rPr lang="ko-KR" altLang="en-US" b="1" dirty="0">
+            <a:pPr algn="ctr">
+              <a:defRPr/>
+            </a:pPr>
+            <a:r>
+              <a:rPr lang="ko-KR" altLang="en-US" b="1">
                 <a:solidFill>
                   <a:sysClr val="windowText" lastClr="000000"/>
                 </a:solidFill>
-                <a:latin typeface="DX영화자막 M" panose="02020600000000000000" pitchFamily="18" charset="-127"/>
-                <a:ea typeface="DX영화자막 M" panose="02020600000000000000" pitchFamily="18" charset="-127"/>
+                <a:latin typeface="DX영화자막 M"/>
+                <a:ea typeface="DX영화자막 M"/>
               </a:rPr>
               <a:t>소 개</a:t>
             </a:r>
-          </a:p>
-        </p:txBody>
-      </p:sp>
-      <p:sp>
-        <p:nvSpPr>
-          <p:cNvPr id="7" name="직사각형 6">
-            <a:extLst>
-              <a:ext uri="{FF2B5EF4-FFF2-40B4-BE49-F238E27FC236}">
-                <a16:creationId xmlns:a16="http://schemas.microsoft.com/office/drawing/2014/main" id="{C2451136-5BF0-48D2-B36C-68ADD7B20E74}"/>
-              </a:ext>
-            </a:extLst>
-          </p:cNvPr>
+            <a:endParaRPr lang="ko-KR" altLang="en-US" b="1">
+              <a:solidFill>
+                <a:sysClr val="windowText" lastClr="000000"/>
+              </a:solidFill>
+              <a:latin typeface="DX영화자막 M"/>
+              <a:ea typeface="DX영화자막 M"/>
+            </a:endParaRPr>
+          </a:p>
+        </p:txBody>
+      </p:sp>
+      <p:sp>
+        <p:nvSpPr>
+          <p:cNvPr id="7" name="직사각형 6"/>
           <p:cNvSpPr/>
           <p:nvPr/>
         </p:nvSpPr>
         <p:spPr>
           <a:xfrm>
-            <a:off x="1268142" y="3189505"/>
-            <a:ext cx="6096000" cy="743280"/>
+            <a:off x="1268142" y="3111750"/>
+            <a:ext cx="6096000" cy="1401195"/>
           </a:xfrm>
           <a:prstGeom prst="rect">
             <a:avLst/>
@@ -5291,89 +5189,121 @@
               <a:lnSpc>
                 <a:spcPct val="120000"/>
               </a:lnSpc>
+              <a:defRPr/>
             </a:pPr>
             <a:r>
-              <a:rPr lang="ko-KR" altLang="en-US" dirty="0">
-                <a:latin typeface="DX영화자막 M" panose="02020600000000000000" pitchFamily="18" charset="-127"/>
-                <a:ea typeface="DX영화자막 M" panose="02020600000000000000" pitchFamily="18" charset="-127"/>
+              <a:rPr lang="ko-KR" altLang="en-US">
+                <a:latin typeface="DX영화자막 M"/>
+                <a:ea typeface="DX영화자막 M"/>
               </a:rPr>
-              <a:t>진지하지만 심각하지 않은 사람</a:t>
-            </a:r>
-            <a:r>
-              <a:rPr lang="en-US" altLang="ko-KR" dirty="0">
-                <a:latin typeface="DX영화자막 M" panose="02020600000000000000" pitchFamily="18" charset="-127"/>
-                <a:ea typeface="DX영화자막 M" panose="02020600000000000000" pitchFamily="18" charset="-127"/>
+              <a:t>서울대학교 공과대학 금속공학과를 졸업</a:t>
+            </a:r>
+            <a:r>
+              <a:rPr lang="en-US" altLang="ko-KR">
+                <a:latin typeface="DX영화자막 M"/>
+                <a:ea typeface="DX영화자막 M"/>
               </a:rPr>
-              <a:t>. </a:t>
-            </a:r>
-            <a:r>
-              <a:rPr lang="ko-KR" altLang="en-US" dirty="0">
-                <a:latin typeface="DX영화자막 M" panose="02020600000000000000" pitchFamily="18" charset="-127"/>
-                <a:ea typeface="DX영화자막 M" panose="02020600000000000000" pitchFamily="18" charset="-127"/>
+              <a:t>,</a:t>
+            </a:r>
+            <a:r>
+              <a:rPr lang="ko-KR" altLang="en-US">
+                <a:latin typeface="DX영화자막 M"/>
+                <a:ea typeface="DX영화자막 M"/>
               </a:rPr>
-              <a:t>밝지만 가볍지 않은 사람</a:t>
-            </a:r>
-            <a:r>
-              <a:rPr lang="en-US" altLang="ko-KR" dirty="0">
-                <a:latin typeface="DX영화자막 M" panose="02020600000000000000" pitchFamily="18" charset="-127"/>
-                <a:ea typeface="DX영화자막 M" panose="02020600000000000000" pitchFamily="18" charset="-127"/>
+              <a:t> </a:t>
+            </a:r>
+            <a:r>
+              <a:rPr lang="en-US" altLang="ko-KR">
+                <a:latin typeface="DX영화자막 M"/>
+                <a:ea typeface="DX영화자막 M"/>
+              </a:rPr>
+              <a:t>KAIST</a:t>
+            </a:r>
+            <a:r>
+              <a:rPr lang="ko-KR" altLang="en-US">
+                <a:latin typeface="DX영화자막 M"/>
+                <a:ea typeface="DX영화자막 M"/>
+              </a:rPr>
+              <a:t>석</a:t>
+            </a:r>
+            <a:r>
+              <a:rPr lang="en-US" altLang="ko-KR">
+                <a:latin typeface="DX영화자막 M"/>
+                <a:ea typeface="DX영화자막 M"/>
               </a:rPr>
               <a:t>.</a:t>
             </a:r>
+            <a:r>
+              <a:rPr lang="ko-KR" altLang="en-US">
+                <a:latin typeface="DX영화자막 M"/>
+                <a:ea typeface="DX영화자막 M"/>
+              </a:rPr>
+              <a:t>박사 학위를 받고 한국표준과학연구원 선임 및 책임 연구원</a:t>
+            </a:r>
+            <a:r>
+              <a:rPr lang="en-US" altLang="ko-KR">
+                <a:latin typeface="DX영화자막 M"/>
+                <a:ea typeface="DX영화자막 M"/>
+              </a:rPr>
+              <a:t>,</a:t>
+            </a:r>
+            <a:r>
+              <a:rPr lang="ko-KR" altLang="en-US">
+                <a:latin typeface="DX영화자막 M"/>
+                <a:ea typeface="DX영화자막 M"/>
+              </a:rPr>
+              <a:t> 미국 국립표준기술원과 일본 금속재료연구소의 객원 연구원</a:t>
+            </a:r>
+            <a:endParaRPr lang="ko-KR" altLang="en-US">
+              <a:latin typeface="DX영화자막 M"/>
+              <a:ea typeface="DX영화자막 M"/>
+            </a:endParaRPr>
           </a:p>
           <a:p>
             <a:pPr>
               <a:lnSpc>
                 <a:spcPct val="120000"/>
               </a:lnSpc>
+              <a:defRPr/>
             </a:pPr>
             <a:r>
-              <a:rPr lang="ko-KR" altLang="en-US" dirty="0">
-                <a:latin typeface="DX영화자막 M" panose="02020600000000000000" pitchFamily="18" charset="-127"/>
-                <a:ea typeface="DX영화자막 M" panose="02020600000000000000" pitchFamily="18" charset="-127"/>
+              <a:rPr lang="ko-KR" altLang="en-US">
+                <a:latin typeface="DX영화자막 M"/>
+                <a:ea typeface="DX영화자막 M"/>
               </a:rPr>
-              <a:t>일러스트레이더 겸 글쟁이이자</a:t>
-            </a:r>
-            <a:r>
-              <a:rPr lang="en-US" altLang="ko-KR" dirty="0">
-                <a:latin typeface="DX영화자막 M" panose="02020600000000000000" pitchFamily="18" charset="-127"/>
-                <a:ea typeface="DX영화자막 M" panose="02020600000000000000" pitchFamily="18" charset="-127"/>
+              <a:t>으로 근무</a:t>
+            </a:r>
+            <a:r>
+              <a:rPr lang="en-US" altLang="ko-KR">
+                <a:latin typeface="DX영화자막 M"/>
+                <a:ea typeface="DX영화자막 M"/>
               </a:rPr>
-              <a:t> </a:t>
-            </a:r>
-            <a:r>
-              <a:rPr lang="ko-KR" altLang="en-US" dirty="0">
-                <a:latin typeface="DX영화자막 M" panose="02020600000000000000" pitchFamily="18" charset="-127"/>
-                <a:ea typeface="DX영화자막 M" panose="02020600000000000000" pitchFamily="18" charset="-127"/>
+              <a:t>,</a:t>
+            </a:r>
+            <a:r>
+              <a:rPr lang="ko-KR" altLang="en-US">
+                <a:latin typeface="DX영화자막 M"/>
+                <a:ea typeface="DX영화자막 M"/>
               </a:rPr>
-              <a:t>괜찮은 그래픽 디자이너</a:t>
-            </a:r>
-            <a:r>
-              <a:rPr lang="en-US" altLang="ko-KR" dirty="0">
-                <a:latin typeface="DX영화자막 M" panose="02020600000000000000" pitchFamily="18" charset="-127"/>
-                <a:ea typeface="DX영화자막 M" panose="02020600000000000000" pitchFamily="18" charset="-127"/>
-              </a:rPr>
-              <a:t>.</a:t>
-            </a:r>
-          </a:p>
-        </p:txBody>
-      </p:sp>
-      <p:sp>
-        <p:nvSpPr>
-          <p:cNvPr id="31" name="TextBox 30">
-            <a:extLst>
-              <a:ext uri="{FF2B5EF4-FFF2-40B4-BE49-F238E27FC236}">
-                <a16:creationId xmlns:a16="http://schemas.microsoft.com/office/drawing/2014/main" id="{944F2719-3751-4CD1-9C03-EEA3C844CBF0}"/>
-              </a:ext>
-            </a:extLst>
-          </p:cNvPr>
+              <a:t> 현재 서울대학교 재료공학부 교수로 재직중</a:t>
+            </a:r>
+            <a:endParaRPr lang="ko-KR" altLang="en-US">
+              <a:latin typeface="DX영화자막 M"/>
+              <a:ea typeface="DX영화자막 M"/>
+            </a:endParaRPr>
+          </a:p>
+        </p:txBody>
+      </p:sp>
+      <p:sp>
+        <p:nvSpPr>
+          <p:cNvPr id="31" name="TextBox 30"/>
           <p:cNvSpPr txBox="1"/>
           <p:nvPr/>
         </p:nvSpPr>
         <p:spPr>
           <a:xfrm>
             <a:off x="8560905" y="6493565"/>
-            <a:ext cx="3578087" cy="307777"/>
+            <a:ext cx="3578086" cy="295855"/>
           </a:xfrm>
           <a:prstGeom prst="rect">
             <a:avLst/>
@@ -5381,56 +5311,38 @@
           <a:noFill/>
         </p:spPr>
         <p:txBody>
-          <a:bodyPr wrap="square" rtlCol="0">
+          <a:bodyPr wrap="square">
             <a:spAutoFit/>
           </a:bodyPr>
           <a:lstStyle/>
           <a:p>
-            <a:pPr algn="r"/>
-            <a:r>
-              <a:rPr lang="ko-KR" altLang="en-US" sz="1400" dirty="0">
-                <a:latin typeface="210 스탠다드 030" panose="02020603020101020101" pitchFamily="18" charset="-127"/>
-                <a:ea typeface="210 스탠다드 030" panose="02020603020101020101" pitchFamily="18" charset="-127"/>
+            <a:pPr algn="r">
+              <a:defRPr/>
+            </a:pPr>
+            <a:r>
+              <a:rPr lang="ko-KR" altLang="en-US" sz="1400">
+                <a:latin typeface="210 스탠다드 030"/>
+                <a:ea typeface="210 스탠다드 030"/>
               </a:rPr>
-              <a:t>출처 </a:t>
-            </a:r>
-            <a:r>
-              <a:rPr lang="ko-KR" altLang="en-US" sz="1400" dirty="0" err="1">
-                <a:latin typeface="210 스탠다드 030" panose="02020603020101020101" pitchFamily="18" charset="-127"/>
-                <a:ea typeface="210 스탠다드 030" panose="02020603020101020101" pitchFamily="18" charset="-127"/>
-              </a:rPr>
-              <a:t>어반브러시</a:t>
-            </a:r>
-            <a:r>
-              <a:rPr lang="ko-KR" altLang="en-US" sz="1400" dirty="0">
-                <a:latin typeface="210 스탠다드 030" panose="02020603020101020101" pitchFamily="18" charset="-127"/>
-                <a:ea typeface="210 스탠다드 030" panose="02020603020101020101" pitchFamily="18" charset="-127"/>
-              </a:rPr>
-              <a:t> </a:t>
-            </a:r>
-            <a:r>
-              <a:rPr lang="en-US" altLang="ko-KR" sz="1400" dirty="0">
-                <a:latin typeface="210 스탠다드 030" panose="02020603020101020101" pitchFamily="18" charset="-127"/>
-                <a:ea typeface="210 스탠다드 030" panose="02020603020101020101" pitchFamily="18" charset="-127"/>
+              <a:t>출처 어반브러시 </a:t>
+            </a:r>
+            <a:r>
+              <a:rPr lang="en-US" altLang="ko-KR" sz="1400">
+                <a:latin typeface="210 스탠다드 030"/>
+                <a:ea typeface="210 스탠다드 030"/>
               </a:rPr>
               <a:t>Tommy</a:t>
             </a:r>
-            <a:endParaRPr lang="ko-KR" altLang="en-US" sz="1400" dirty="0">
-              <a:latin typeface="210 스탠다드 030" panose="02020603020101020101" pitchFamily="18" charset="-127"/>
-              <a:ea typeface="210 스탠다드 030" panose="02020603020101020101" pitchFamily="18" charset="-127"/>
+            <a:endParaRPr lang="ko-KR" altLang="en-US" sz="1400">
+              <a:latin typeface="210 스탠다드 030"/>
+              <a:ea typeface="210 스탠다드 030"/>
             </a:endParaRPr>
           </a:p>
         </p:txBody>
       </p:sp>
       <p:pic>
         <p:nvPicPr>
-          <p:cNvPr id="10" name="그림 9">
-            <a:extLst>
-              <a:ext uri="{FF2B5EF4-FFF2-40B4-BE49-F238E27FC236}">
-                <a16:creationId xmlns:a16="http://schemas.microsoft.com/office/drawing/2014/main" id="{D689EA8B-858C-405D-A33A-DFBEDAD68485}"/>
-              </a:ext>
-            </a:extLst>
-          </p:cNvPr>
+          <p:cNvPr id="10" name="그림 9"/>
           <p:cNvPicPr>
             <a:picLocks noChangeAspect="1"/>
           </p:cNvPicPr>
@@ -5446,8 +5358,10 @@
               <a:prstClr val="white"/>
             </a:duotone>
           </a:blip>
-          <a:srcRect l="9834" t="7113" r="34884" b="17644"/>
-          <a:stretch/>
+          <a:srcRect l="9830" t="7110" r="34880" b="17640"/>
+          <a:stretch>
+            <a:fillRect/>
+          </a:stretch>
         </p:blipFill>
         <p:spPr>
           <a:xfrm flipH="1">
@@ -5461,20 +5375,14 @@
       </p:pic>
       <p:sp>
         <p:nvSpPr>
-          <p:cNvPr id="36" name="TextBox 35">
-            <a:extLst>
-              <a:ext uri="{FF2B5EF4-FFF2-40B4-BE49-F238E27FC236}">
-                <a16:creationId xmlns:a16="http://schemas.microsoft.com/office/drawing/2014/main" id="{C3452619-EFA6-4484-B5BF-1AD9C551E986}"/>
-              </a:ext>
-            </a:extLst>
-          </p:cNvPr>
+          <p:cNvPr id="36" name="TextBox 35"/>
           <p:cNvSpPr txBox="1"/>
           <p:nvPr/>
         </p:nvSpPr>
         <p:spPr>
           <a:xfrm>
             <a:off x="5353147" y="732599"/>
-            <a:ext cx="1499547" cy="461665"/>
+            <a:ext cx="1499546" cy="446596"/>
           </a:xfrm>
           <a:prstGeom prst="rect">
             <a:avLst/>
@@ -5485,53 +5393,59 @@
           </a:ln>
         </p:spPr>
         <p:txBody>
-          <a:bodyPr wrap="square" rtlCol="0">
+          <a:bodyPr wrap="square">
             <a:spAutoFit/>
           </a:bodyPr>
           <a:lstStyle/>
           <a:p>
-            <a:r>
-              <a:rPr lang="ko-KR" altLang="en-US" sz="2400" dirty="0" smtClean="0">
+            <a:pPr lvl="0">
+              <a:defRPr/>
+            </a:pPr>
+            <a:r>
+              <a:rPr lang="ko-KR" altLang="en-US" sz="2400">
                 <a:solidFill>
                   <a:schemeClr val="tx1">
                     <a:alpha val="71000"/>
                   </a:schemeClr>
                 </a:solidFill>
-                <a:latin typeface="DX영화자막 M" panose="02020600000000000000" pitchFamily="18" charset="-127"/>
-                <a:ea typeface="DX영화자막 M" panose="02020600000000000000" pitchFamily="18" charset="-127"/>
+                <a:latin typeface="DX영화자막 M"/>
+                <a:ea typeface="DX영화자막 M"/>
               </a:rPr>
               <a:t>작가소개</a:t>
             </a:r>
-            <a:endParaRPr lang="ko-KR" altLang="en-US" sz="2400" dirty="0">
+            <a:endParaRPr lang="ko-KR" altLang="en-US" sz="2400">
               <a:solidFill>
                 <a:schemeClr val="tx1">
                   <a:alpha val="71000"/>
                 </a:schemeClr>
               </a:solidFill>
-              <a:latin typeface="DX영화자막 M" panose="02020600000000000000" pitchFamily="18" charset="-127"/>
-              <a:ea typeface="DX영화자막 M" panose="02020600000000000000" pitchFamily="18" charset="-127"/>
+              <a:latin typeface="DX영화자막 M"/>
+              <a:ea typeface="DX영화자막 M"/>
             </a:endParaRPr>
           </a:p>
         </p:txBody>
       </p:sp>
     </p:spTree>
-    <p:extLst>
-      <p:ext uri="{BB962C8B-B14F-4D97-AF65-F5344CB8AC3E}">
-        <p14:creationId xmlns:p14="http://schemas.microsoft.com/office/powerpoint/2010/main" val="404711378"/>
-      </p:ext>
-    </p:extLst>
   </p:cSld>
   <p:clrMapOvr>
     <a:masterClrMapping/>
   </p:clrMapOvr>
+  <mc:AlternateContent xmlns:mc="http://schemas.openxmlformats.org/markup-compatibility/2006">
+    <mc:Choice xmlns:p14="http://schemas.microsoft.com/office/powerpoint/2010/main" Requires="p14">
+      <p:transition xmlns:mc="http://schemas.openxmlformats.org/markup-compatibility/2006" xmlns:p14="http://schemas.microsoft.com/office/powerpoint/2010/main" mc:Ignorable="p14" p14:dur="500"/>
+    </mc:Choice>
+    <mc:Fallback>
+      <p:transition/>
+    </mc:Fallback>
+  </mc:AlternateContent>
 </p:sld>
 </file>
 
 <file path=ppt/slides/slide4.xml><?xml version="1.0" encoding="utf-8"?>
-<p:sld xmlns:a="http://schemas.openxmlformats.org/drawingml/2006/main" xmlns:r="http://schemas.openxmlformats.org/officeDocument/2006/relationships" xmlns:p="http://schemas.openxmlformats.org/presentationml/2006/main">
+<p:sld xmlns:r="http://schemas.openxmlformats.org/officeDocument/2006/relationships" xmlns:c="http://schemas.openxmlformats.org/drawingml/2006/chart" xmlns:a="http://schemas.openxmlformats.org/drawingml/2006/main" xmlns:dgm="http://schemas.openxmlformats.org/drawingml/2006/diagram" xmlns:dsp="http://schemas.microsoft.com/office/drawing/2008/diagram" xmlns:p="http://schemas.openxmlformats.org/presentationml/2006/main">
   <p:cSld>
     <p:bg>
-      <p:bgPr>
+      <p:bgPr shadeToTitle="0">
         <a:blipFill dpi="0" rotWithShape="1">
           <a:blip r:embed="rId2">
             <a:lum/>
@@ -5541,7 +5455,6 @@
             <a:fillRect t="-17000" b="-17000"/>
           </a:stretch>
         </a:blipFill>
-        <a:effectLst/>
       </p:bgPr>
     </p:bg>
     <p:spTree>
@@ -5560,18 +5473,12 @@
       </p:grpSpPr>
       <p:grpSp>
         <p:nvGrpSpPr>
-          <p:cNvPr id="4" name="그룹 3">
-            <a:extLst>
-              <a:ext uri="{FF2B5EF4-FFF2-40B4-BE49-F238E27FC236}">
-                <a16:creationId xmlns:a16="http://schemas.microsoft.com/office/drawing/2014/main" id="{B5104845-BD69-45A2-B225-D8EC1A15024D}"/>
-              </a:ext>
-            </a:extLst>
-          </p:cNvPr>
+          <p:cNvPr id="4" name="그룹 3"/>
           <p:cNvGrpSpPr/>
           <p:nvPr/>
         </p:nvGrpSpPr>
         <p:grpSpPr>
-          <a:xfrm>
+          <a:xfrm rot="0">
             <a:off x="240925" y="2941212"/>
             <a:ext cx="163649" cy="975576"/>
             <a:chOff x="306686" y="3281373"/>
@@ -5580,13 +5487,7 @@
         </p:grpSpPr>
         <p:cxnSp>
           <p:nvCxnSpPr>
-            <p:cNvPr id="3" name="직선 연결선 2">
-              <a:extLst>
-                <a:ext uri="{FF2B5EF4-FFF2-40B4-BE49-F238E27FC236}">
-                  <a16:creationId xmlns:a16="http://schemas.microsoft.com/office/drawing/2014/main" id="{F54058FD-5CC4-4A66-A7B6-3537CB5E5100}"/>
-                </a:ext>
-              </a:extLst>
-            </p:cNvPr>
+            <p:cNvPr id="3" name="직선 연결선 2"/>
             <p:cNvCxnSpPr/>
             <p:nvPr/>
           </p:nvCxnSpPr>
@@ -5600,7 +5501,7 @@
             </a:prstGeom>
             <a:ln w="12700">
               <a:solidFill>
-                <a:srgbClr val="AC9D8E"/>
+                <a:srgbClr val="ac9d8e"/>
               </a:solidFill>
             </a:ln>
           </p:spPr>
@@ -5621,13 +5522,7 @@
         </p:cxnSp>
         <p:cxnSp>
           <p:nvCxnSpPr>
-            <p:cNvPr id="40" name="직선 연결선 39">
-              <a:extLst>
-                <a:ext uri="{FF2B5EF4-FFF2-40B4-BE49-F238E27FC236}">
-                  <a16:creationId xmlns:a16="http://schemas.microsoft.com/office/drawing/2014/main" id="{AD5B1849-E784-4150-B8A4-DF03199E56DD}"/>
-                </a:ext>
-              </a:extLst>
-            </p:cNvPr>
+            <p:cNvPr id="40" name="직선 연결선 39"/>
             <p:cNvCxnSpPr/>
             <p:nvPr/>
           </p:nvCxnSpPr>
@@ -5641,7 +5536,7 @@
             </a:prstGeom>
             <a:ln w="12700">
               <a:solidFill>
-                <a:srgbClr val="AC9D8E"/>
+                <a:srgbClr val="ac9d8e"/>
               </a:solidFill>
             </a:ln>
           </p:spPr>
@@ -5662,13 +5557,7 @@
         </p:cxnSp>
         <p:cxnSp>
           <p:nvCxnSpPr>
-            <p:cNvPr id="49" name="직선 연결선 48">
-              <a:extLst>
-                <a:ext uri="{FF2B5EF4-FFF2-40B4-BE49-F238E27FC236}">
-                  <a16:creationId xmlns:a16="http://schemas.microsoft.com/office/drawing/2014/main" id="{8DF5B429-A9C8-410D-A763-A82DD49890F5}"/>
-                </a:ext>
-              </a:extLst>
-            </p:cNvPr>
+            <p:cNvPr id="49" name="직선 연결선 48"/>
             <p:cNvCxnSpPr/>
             <p:nvPr/>
           </p:nvCxnSpPr>
@@ -5682,7 +5571,7 @@
             </a:prstGeom>
             <a:ln w="12700">
               <a:solidFill>
-                <a:srgbClr val="AC9D8E"/>
+                <a:srgbClr val="ac9d8e"/>
               </a:solidFill>
             </a:ln>
           </p:spPr>
@@ -5703,13 +5592,7 @@
         </p:cxnSp>
         <p:cxnSp>
           <p:nvCxnSpPr>
-            <p:cNvPr id="51" name="직선 연결선 50">
-              <a:extLst>
-                <a:ext uri="{FF2B5EF4-FFF2-40B4-BE49-F238E27FC236}">
-                  <a16:creationId xmlns:a16="http://schemas.microsoft.com/office/drawing/2014/main" id="{F3AD4E31-8EC1-43C9-BA21-3E5CE7924706}"/>
-                </a:ext>
-              </a:extLst>
-            </p:cNvPr>
+            <p:cNvPr id="51" name="직선 연결선 50"/>
             <p:cNvCxnSpPr/>
             <p:nvPr/>
           </p:nvCxnSpPr>
@@ -5723,7 +5606,7 @@
             </a:prstGeom>
             <a:ln w="12700">
               <a:solidFill>
-                <a:srgbClr val="AC9D8E"/>
+                <a:srgbClr val="ac9d8e"/>
               </a:solidFill>
             </a:ln>
           </p:spPr>
@@ -5745,20 +5628,14 @@
       </p:grpSp>
       <p:sp>
         <p:nvSpPr>
-          <p:cNvPr id="66" name="TextBox 65">
-            <a:extLst>
-              <a:ext uri="{FF2B5EF4-FFF2-40B4-BE49-F238E27FC236}">
-                <a16:creationId xmlns:a16="http://schemas.microsoft.com/office/drawing/2014/main" id="{C3452619-EFA6-4484-B5BF-1AD9C551E986}"/>
-              </a:ext>
-            </a:extLst>
-          </p:cNvPr>
+          <p:cNvPr id="66" name="TextBox 65"/>
           <p:cNvSpPr txBox="1"/>
           <p:nvPr/>
         </p:nvSpPr>
         <p:spPr>
           <a:xfrm>
             <a:off x="4993154" y="684063"/>
-            <a:ext cx="2539787" cy="461665"/>
+            <a:ext cx="2539787" cy="447507"/>
           </a:xfrm>
           <a:prstGeom prst="rect">
             <a:avLst/>
@@ -5769,285 +5646,71 @@
           </a:ln>
         </p:spPr>
         <p:txBody>
-          <a:bodyPr wrap="square" rtlCol="0">
+          <a:bodyPr wrap="square">
             <a:spAutoFit/>
           </a:bodyPr>
           <a:lstStyle/>
           <a:p>
-            <a:r>
-              <a:rPr lang="ko-KR" altLang="en-US" sz="2400" dirty="0" smtClean="0">
+            <a:pPr lvl="0">
+              <a:defRPr/>
+            </a:pPr>
+            <a:r>
+              <a:rPr lang="ko-KR" altLang="en-US" sz="2400">
                 <a:solidFill>
                   <a:schemeClr val="tx1">
                     <a:alpha val="71000"/>
                   </a:schemeClr>
                 </a:solidFill>
-                <a:latin typeface="DX영화자막 M" panose="02020600000000000000" pitchFamily="18" charset="-127"/>
-                <a:ea typeface="DX영화자막 M" panose="02020600000000000000" pitchFamily="18" charset="-127"/>
+                <a:latin typeface="DX영화자막 M"/>
+                <a:ea typeface="DX영화자막 M"/>
               </a:rPr>
               <a:t>책 소개 </a:t>
             </a:r>
             <a:r>
-              <a:rPr lang="en-US" altLang="ko-KR" sz="2400" dirty="0" smtClean="0">
+              <a:rPr lang="en-US" altLang="ko-KR" sz="2400">
                 <a:solidFill>
                   <a:schemeClr val="tx1">
                     <a:alpha val="71000"/>
                   </a:schemeClr>
                 </a:solidFill>
-                <a:latin typeface="DX영화자막 M" panose="02020600000000000000" pitchFamily="18" charset="-127"/>
-                <a:ea typeface="DX영화자막 M" panose="02020600000000000000" pitchFamily="18" charset="-127"/>
+                <a:latin typeface="DX영화자막 M"/>
+                <a:ea typeface="DX영화자막 M"/>
               </a:rPr>
               <a:t>&amp; </a:t>
             </a:r>
             <a:r>
-              <a:rPr lang="ko-KR" altLang="en-US" sz="2400" dirty="0" smtClean="0">
+              <a:rPr lang="ko-KR" altLang="en-US" sz="2400">
                 <a:solidFill>
                   <a:schemeClr val="tx1">
                     <a:alpha val="71000"/>
                   </a:schemeClr>
                 </a:solidFill>
-                <a:latin typeface="DX영화자막 M" panose="02020600000000000000" pitchFamily="18" charset="-127"/>
-                <a:ea typeface="DX영화자막 M" panose="02020600000000000000" pitchFamily="18" charset="-127"/>
+                <a:latin typeface="DX영화자막 M"/>
+                <a:ea typeface="DX영화자막 M"/>
               </a:rPr>
               <a:t>출처</a:t>
             </a:r>
-            <a:endParaRPr lang="ko-KR" altLang="en-US" sz="2400" dirty="0">
+            <a:endParaRPr lang="ko-KR" altLang="en-US" sz="2400">
               <a:solidFill>
                 <a:schemeClr val="tx1">
                   <a:alpha val="71000"/>
                 </a:schemeClr>
               </a:solidFill>
-              <a:latin typeface="DX영화자막 M" panose="02020600000000000000" pitchFamily="18" charset="-127"/>
-              <a:ea typeface="DX영화자막 M" panose="02020600000000000000" pitchFamily="18" charset="-127"/>
+              <a:latin typeface="DX영화자막 M"/>
+              <a:ea typeface="DX영화자막 M"/>
             </a:endParaRPr>
           </a:p>
         </p:txBody>
       </p:sp>
       <p:sp>
         <p:nvSpPr>
-          <p:cNvPr id="8" name="직사각형 7">
-            <a:extLst>
-              <a:ext uri="{FF2B5EF4-FFF2-40B4-BE49-F238E27FC236}">
-                <a16:creationId xmlns:a16="http://schemas.microsoft.com/office/drawing/2014/main" id="{B816D757-625D-4702-98A6-E95472A7FBF3}"/>
-              </a:ext>
-            </a:extLst>
-          </p:cNvPr>
+          <p:cNvPr id="29" name="직사각형 28"/>
           <p:cNvSpPr/>
           <p:nvPr/>
         </p:nvSpPr>
         <p:spPr>
           <a:xfrm>
-            <a:off x="1383278" y="5029736"/>
-            <a:ext cx="6096000" cy="410882"/>
-          </a:xfrm>
-          <a:prstGeom prst="rect">
-            <a:avLst/>
-          </a:prstGeom>
-        </p:spPr>
-        <p:txBody>
-          <a:bodyPr>
-            <a:spAutoFit/>
-          </a:bodyPr>
-          <a:lstStyle/>
-          <a:p>
-            <a:pPr>
-              <a:lnSpc>
-                <a:spcPct val="120000"/>
-              </a:lnSpc>
-            </a:pPr>
-            <a:r>
-              <a:rPr lang="en-US" altLang="ko-KR" dirty="0" smtClean="0">
-                <a:latin typeface="DX영화자막 M" panose="02020600000000000000" pitchFamily="18" charset="-127"/>
-                <a:ea typeface="DX영화자막 M" panose="02020600000000000000" pitchFamily="18" charset="-127"/>
-              </a:rPr>
-              <a:t>#</a:t>
-            </a:r>
-            <a:r>
-              <a:rPr lang="ko-KR" altLang="en-US" dirty="0" smtClean="0">
-                <a:latin typeface="DX영화자막 M" panose="02020600000000000000" pitchFamily="18" charset="-127"/>
-                <a:ea typeface="DX영화자막 M" panose="02020600000000000000" pitchFamily="18" charset="-127"/>
-              </a:rPr>
-              <a:t>몰입 </a:t>
-            </a:r>
-            <a:r>
-              <a:rPr lang="en-US" altLang="ko-KR" dirty="0" smtClean="0">
-                <a:latin typeface="DX영화자막 M" panose="02020600000000000000" pitchFamily="18" charset="-127"/>
-                <a:ea typeface="DX영화자막 M" panose="02020600000000000000" pitchFamily="18" charset="-127"/>
-              </a:rPr>
-              <a:t>#</a:t>
-            </a:r>
-            <a:r>
-              <a:rPr lang="ko-KR" altLang="en-US" dirty="0" smtClean="0">
-                <a:latin typeface="DX영화자막 M" panose="02020600000000000000" pitchFamily="18" charset="-127"/>
-                <a:ea typeface="DX영화자막 M" panose="02020600000000000000" pitchFamily="18" charset="-127"/>
-              </a:rPr>
-              <a:t>슬로싱킹 </a:t>
-            </a:r>
-            <a:r>
-              <a:rPr lang="en-US" altLang="ko-KR" dirty="0" smtClean="0">
-                <a:latin typeface="DX영화자막 M" panose="02020600000000000000" pitchFamily="18" charset="-127"/>
-                <a:ea typeface="DX영화자막 M" panose="02020600000000000000" pitchFamily="18" charset="-127"/>
-              </a:rPr>
-              <a:t>#</a:t>
-            </a:r>
-            <a:r>
-              <a:rPr lang="ko-KR" altLang="en-US" dirty="0" smtClean="0">
-                <a:latin typeface="DX영화자막 M" panose="02020600000000000000" pitchFamily="18" charset="-127"/>
-                <a:ea typeface="DX영화자막 M" panose="02020600000000000000" pitchFamily="18" charset="-127"/>
-              </a:rPr>
-              <a:t>선잠 </a:t>
-            </a:r>
-            <a:r>
-              <a:rPr lang="en-US" altLang="ko-KR" dirty="0">
-                <a:latin typeface="DX영화자막 M" panose="02020600000000000000" pitchFamily="18" charset="-127"/>
-                <a:ea typeface="DX영화자막 M" panose="02020600000000000000" pitchFamily="18" charset="-127"/>
-              </a:rPr>
-              <a:t>#</a:t>
-            </a:r>
-            <a:endParaRPr lang="ko-KR" altLang="en-US" dirty="0">
-              <a:latin typeface="DX영화자막 M" panose="02020600000000000000" pitchFamily="18" charset="-127"/>
-              <a:ea typeface="DX영화자막 M" panose="02020600000000000000" pitchFamily="18" charset="-127"/>
-            </a:endParaRPr>
-          </a:p>
-        </p:txBody>
-      </p:sp>
-      <p:sp>
-        <p:nvSpPr>
-          <p:cNvPr id="28" name="직사각형 27">
-            <a:extLst>
-              <a:ext uri="{FF2B5EF4-FFF2-40B4-BE49-F238E27FC236}">
-                <a16:creationId xmlns:a16="http://schemas.microsoft.com/office/drawing/2014/main" id="{75BB42F7-5FC0-4A9D-8AA2-9CD8E251B7FB}"/>
-              </a:ext>
-            </a:extLst>
-          </p:cNvPr>
-          <p:cNvSpPr/>
-          <p:nvPr/>
-        </p:nvSpPr>
-        <p:spPr>
-          <a:xfrm>
-            <a:off x="1383278" y="4338707"/>
-            <a:ext cx="1222770" cy="487788"/>
-          </a:xfrm>
-          <a:custGeom>
-            <a:avLst/>
-            <a:gdLst>
-              <a:gd name="connsiteX0" fmla="*/ 0 w 1222770"/>
-              <a:gd name="connsiteY0" fmla="*/ 0 h 487788"/>
-              <a:gd name="connsiteX1" fmla="*/ 1222770 w 1222770"/>
-              <a:gd name="connsiteY1" fmla="*/ 0 h 487788"/>
-              <a:gd name="connsiteX2" fmla="*/ 1222770 w 1222770"/>
-              <a:gd name="connsiteY2" fmla="*/ 487788 h 487788"/>
-              <a:gd name="connsiteX3" fmla="*/ 0 w 1222770"/>
-              <a:gd name="connsiteY3" fmla="*/ 487788 h 487788"/>
-              <a:gd name="connsiteX4" fmla="*/ 0 w 1222770"/>
-              <a:gd name="connsiteY4" fmla="*/ 0 h 487788"/>
-            </a:gdLst>
-            <a:ahLst/>
-            <a:cxnLst>
-              <a:cxn ang="0">
-                <a:pos x="connsiteX0" y="connsiteY0"/>
-              </a:cxn>
-              <a:cxn ang="0">
-                <a:pos x="connsiteX1" y="connsiteY1"/>
-              </a:cxn>
-              <a:cxn ang="0">
-                <a:pos x="connsiteX2" y="connsiteY2"/>
-              </a:cxn>
-              <a:cxn ang="0">
-                <a:pos x="connsiteX3" y="connsiteY3"/>
-              </a:cxn>
-              <a:cxn ang="0">
-                <a:pos x="connsiteX4" y="connsiteY4"/>
-              </a:cxn>
-            </a:cxnLst>
-            <a:rect l="l" t="t" r="r" b="b"/>
-            <a:pathLst>
-              <a:path w="1222770" h="487788" extrusionOk="0">
-                <a:moveTo>
-                  <a:pt x="0" y="0"/>
-                </a:moveTo>
-                <a:cubicBezTo>
-                  <a:pt x="298153" y="-85081"/>
-                  <a:pt x="1038514" y="48879"/>
-                  <a:pt x="1222770" y="0"/>
-                </a:cubicBezTo>
-                <a:cubicBezTo>
-                  <a:pt x="1204109" y="85762"/>
-                  <a:pt x="1185912" y="279246"/>
-                  <a:pt x="1222770" y="487788"/>
-                </a:cubicBezTo>
-                <a:cubicBezTo>
-                  <a:pt x="845463" y="494621"/>
-                  <a:pt x="429202" y="583892"/>
-                  <a:pt x="0" y="487788"/>
-                </a:cubicBezTo>
-                <a:cubicBezTo>
-                  <a:pt x="14357" y="340894"/>
-                  <a:pt x="31857" y="149382"/>
-                  <a:pt x="0" y="0"/>
-                </a:cubicBezTo>
-                <a:close/>
-              </a:path>
-            </a:pathLst>
-          </a:custGeom>
-          <a:noFill/>
-          <a:ln>
-            <a:solidFill>
-              <a:srgbClr val="9A8B85"/>
-            </a:solidFill>
-            <a:extLst>
-              <a:ext uri="{C807C97D-BFC1-408E-A445-0C87EB9F89A2}">
-                <ask:lineSketchStyleProps xmlns="" xmlns:ask="http://schemas.microsoft.com/office/drawing/2018/sketchyshapes" sd="1617256088">
-                  <a:prstGeom prst="rect">
-                    <a:avLst/>
-                  </a:prstGeom>
-                  <ask:type>
-                    <ask:lineSketchCurved/>
-                  </ask:type>
-                </ask:lineSketchStyleProps>
-              </a:ext>
-            </a:extLst>
-          </a:ln>
-        </p:spPr>
-        <p:style>
-          <a:lnRef idx="2">
-            <a:schemeClr val="accent1">
-              <a:shade val="50000"/>
-            </a:schemeClr>
-          </a:lnRef>
-          <a:fillRef idx="1">
-            <a:schemeClr val="accent1"/>
-          </a:fillRef>
-          <a:effectRef idx="0">
-            <a:schemeClr val="accent1"/>
-          </a:effectRef>
-          <a:fontRef idx="minor">
-            <a:schemeClr val="lt1"/>
-          </a:fontRef>
-        </p:style>
-        <p:txBody>
-          <a:bodyPr rtlCol="0" anchor="ctr"/>
-          <a:lstStyle/>
-          <a:p>
-            <a:pPr algn="ctr"/>
-            <a:endParaRPr lang="ko-KR" altLang="en-US" dirty="0"/>
-          </a:p>
-        </p:txBody>
-      </p:sp>
-      <p:sp>
-        <p:nvSpPr>
-          <p:cNvPr id="29" name="직사각형 28">
-            <a:extLst>
-              <a:ext uri="{FF2B5EF4-FFF2-40B4-BE49-F238E27FC236}">
-                <a16:creationId xmlns:a16="http://schemas.microsoft.com/office/drawing/2014/main" id="{957EBE6E-8554-4092-A09C-CFB18523CF0C}"/>
-              </a:ext>
-            </a:extLst>
-          </p:cNvPr>
-          <p:cNvSpPr/>
-          <p:nvPr/>
-        </p:nvSpPr>
-        <p:spPr>
-          <a:xfrm>
-            <a:off x="1383278" y="4350943"/>
+            <a:off x="1451314" y="4914667"/>
             <a:ext cx="1222770" cy="487788"/>
           </a:xfrm>
           <a:custGeom>
@@ -6072,7 +5735,6 @@
               <a:gd name="connsiteX8" fmla="*/ 0 w 1222770"/>
               <a:gd name="connsiteY8" fmla="*/ 0 h 487788"/>
             </a:gdLst>
-            <a:ahLst/>
             <a:cxnLst>
               <a:cxn ang="0">
                 <a:pos x="connsiteX0" y="connsiteY0"/>
@@ -6199,24 +5861,12 @@
             </a:pathLst>
           </a:custGeom>
           <a:solidFill>
-            <a:srgbClr val="D1C9C1"/>
+            <a:srgbClr val="d1c9c1"/>
           </a:solidFill>
           <a:ln>
             <a:solidFill>
-              <a:srgbClr val="9A8B85"/>
+              <a:srgbClr val="9a8b85"/>
             </a:solidFill>
-            <a:extLst>
-              <a:ext uri="{C807C97D-BFC1-408E-A445-0C87EB9F89A2}">
-                <ask:lineSketchStyleProps xmlns="" xmlns:ask="http://schemas.microsoft.com/office/drawing/2018/sketchyshapes" sd="1617256088">
-                  <a:prstGeom prst="rect">
-                    <a:avLst/>
-                  </a:prstGeom>
-                  <ask:type>
-                    <ask:lineSketchScribble/>
-                  </ask:type>
-                </ask:lineSketchStyleProps>
-              </a:ext>
-            </a:extLst>
           </a:ln>
         </p:spPr>
         <p:style>
@@ -6236,11 +5886,13 @@
           </a:fontRef>
         </p:style>
         <p:txBody>
-          <a:bodyPr rtlCol="0" anchor="ctr"/>
+          <a:bodyPr anchor="ctr"/>
           <a:lstStyle/>
           <a:p>
-            <a:pPr algn="ctr"/>
-            <a:endParaRPr lang="ko-KR" altLang="en-US" dirty="0">
+            <a:pPr algn="ctr">
+              <a:defRPr/>
+            </a:pPr>
+            <a:endParaRPr lang="ko-KR" altLang="en-US">
               <a:solidFill>
                 <a:sysClr val="windowText" lastClr="000000"/>
               </a:solidFill>
@@ -6250,20 +5902,14 @@
       </p:sp>
       <p:sp>
         <p:nvSpPr>
-          <p:cNvPr id="30" name="TextBox 29">
-            <a:extLst>
-              <a:ext uri="{FF2B5EF4-FFF2-40B4-BE49-F238E27FC236}">
-                <a16:creationId xmlns:a16="http://schemas.microsoft.com/office/drawing/2014/main" id="{3FBAAA4B-8BD8-4BBB-87D5-D61113B866C1}"/>
-              </a:ext>
-            </a:extLst>
-          </p:cNvPr>
+          <p:cNvPr id="30" name="TextBox 29"/>
           <p:cNvSpPr txBox="1"/>
           <p:nvPr/>
         </p:nvSpPr>
         <p:spPr>
           <a:xfrm>
-            <a:off x="1467590" y="4418662"/>
-            <a:ext cx="1054147" cy="369332"/>
+            <a:off x="1564783" y="4962947"/>
+            <a:ext cx="1054147" cy="359623"/>
           </a:xfrm>
           <a:prstGeom prst="rect">
             <a:avLst/>
@@ -6271,38 +5917,30 @@
           <a:noFill/>
         </p:spPr>
         <p:txBody>
-          <a:bodyPr wrap="square" rtlCol="0">
+          <a:bodyPr wrap="square">
             <a:spAutoFit/>
           </a:bodyPr>
           <a:lstStyle/>
           <a:p>
-            <a:pPr algn="ctr"/>
-            <a:r>
-              <a:rPr lang="ko-KR" altLang="en-US" b="1" dirty="0">
+            <a:pPr algn="ctr">
+              <a:defRPr/>
+            </a:pPr>
+            <a:r>
+              <a:rPr lang="ko-KR" altLang="en-US" b="1">
                 <a:solidFill>
                   <a:sysClr val="windowText" lastClr="000000"/>
                 </a:solidFill>
-                <a:latin typeface="DX영화자막 M" panose="02020600000000000000" pitchFamily="18" charset="-127"/>
-                <a:ea typeface="DX영화자막 M" panose="02020600000000000000" pitchFamily="18" charset="-127"/>
+                <a:latin typeface="DX영화자막 M"/>
+                <a:ea typeface="DX영화자막 M"/>
               </a:rPr>
-              <a:t>키 워 </a:t>
-            </a:r>
-            <a:r>
-              <a:rPr lang="ko-KR" altLang="en-US" b="1" dirty="0" err="1">
-                <a:solidFill>
-                  <a:sysClr val="windowText" lastClr="000000"/>
-                </a:solidFill>
-                <a:latin typeface="DX영화자막 M" panose="02020600000000000000" pitchFamily="18" charset="-127"/>
-                <a:ea typeface="DX영화자막 M" panose="02020600000000000000" pitchFamily="18" charset="-127"/>
-              </a:rPr>
-              <a:t>드</a:t>
-            </a:r>
-            <a:endParaRPr lang="ko-KR" altLang="en-US" b="1" dirty="0">
+              <a:t>키 워 드</a:t>
+            </a:r>
+            <a:endParaRPr lang="ko-KR" altLang="en-US" b="1">
               <a:solidFill>
                 <a:sysClr val="windowText" lastClr="000000"/>
               </a:solidFill>
-              <a:latin typeface="DX영화자막 M" panose="02020600000000000000" pitchFamily="18" charset="-127"/>
-              <a:ea typeface="DX영화자막 M" panose="02020600000000000000" pitchFamily="18" charset="-127"/>
+              <a:latin typeface="DX영화자막 M"/>
+              <a:ea typeface="DX영화자막 M"/>
             </a:endParaRPr>
           </a:p>
         </p:txBody>
@@ -6315,14 +5953,8 @@
           </p:cNvPicPr>
           <p:nvPr/>
         </p:nvPicPr>
-        <p:blipFill>
-          <a:blip r:embed="rId3">
-            <a:extLst>
-              <a:ext uri="{28A0092B-C50C-407E-A947-70E740481C1C}">
-                <a14:useLocalDpi xmlns:a14="http://schemas.microsoft.com/office/drawing/2010/main" val="0"/>
-              </a:ext>
-            </a:extLst>
-          </a:blip>
+        <p:blipFill rotWithShape="1">
+          <a:blip r:embed="rId3"/>
           <a:stretch>
             <a:fillRect/>
           </a:stretch>
@@ -6339,20 +5971,14 @@
       </p:pic>
       <p:sp>
         <p:nvSpPr>
-          <p:cNvPr id="31" name="TextBox 30">
-            <a:extLst>
-              <a:ext uri="{FF2B5EF4-FFF2-40B4-BE49-F238E27FC236}">
-                <a16:creationId xmlns:a16="http://schemas.microsoft.com/office/drawing/2014/main" id="{FC951402-AD1C-4766-816D-91425216020D}"/>
-              </a:ext>
-            </a:extLst>
-          </p:cNvPr>
+          <p:cNvPr id="31" name="TextBox 30"/>
           <p:cNvSpPr txBox="1"/>
           <p:nvPr/>
         </p:nvSpPr>
         <p:spPr>
           <a:xfrm flipH="1">
             <a:off x="5041092" y="342101"/>
-            <a:ext cx="2123658" cy="307777"/>
+            <a:ext cx="2123658" cy="294169"/>
           </a:xfrm>
           <a:prstGeom prst="rect">
             <a:avLst/>
@@ -6360,45 +5986,778 @@
           <a:noFill/>
         </p:spPr>
         <p:txBody>
-          <a:bodyPr vert="horz" wrap="square" rtlCol="0">
+          <a:bodyPr vert="horz" wrap="square">
             <a:spAutoFit/>
           </a:bodyPr>
           <a:lstStyle/>
           <a:p>
-            <a:pPr algn="dist"/>
-            <a:r>
-              <a:rPr lang="en-US" altLang="ko-KR" sz="1400" dirty="0" smtClean="0">
+            <a:pPr algn="dist">
+              <a:defRPr/>
+            </a:pPr>
+            <a:r>
+              <a:rPr lang="en-US" altLang="ko-KR" sz="1400">
                 <a:solidFill>
                   <a:schemeClr val="tx1">
                     <a:alpha val="71000"/>
                   </a:schemeClr>
                 </a:solidFill>
-                <a:latin typeface="DX영화자막 M" panose="02020600000000000000" pitchFamily="18" charset="-127"/>
-                <a:ea typeface="DX영화자막 M" panose="02020600000000000000" pitchFamily="18" charset="-127"/>
+                <a:latin typeface="DX영화자막 M"/>
+                <a:ea typeface="DX영화자막 M"/>
               </a:rPr>
               <a:t>SLOW THINKING</a:t>
             </a:r>
-            <a:endParaRPr lang="ko-KR" altLang="en-US" sz="1400" dirty="0">
+            <a:endParaRPr lang="ko-KR" altLang="en-US" sz="1400">
               <a:solidFill>
                 <a:schemeClr val="tx1">
                   <a:alpha val="71000"/>
                 </a:schemeClr>
               </a:solidFill>
-              <a:latin typeface="DX영화자막 M" panose="02020600000000000000" pitchFamily="18" charset="-127"/>
-              <a:ea typeface="DX영화자막 M" panose="02020600000000000000" pitchFamily="18" charset="-127"/>
+              <a:latin typeface="DX영화자막 M"/>
+              <a:ea typeface="DX영화자막 M"/>
             </a:endParaRPr>
           </a:p>
         </p:txBody>
       </p:sp>
       <p:sp>
         <p:nvSpPr>
-          <p:cNvPr id="37" name="직사각형 4">
-            <a:extLst>
-              <a:ext uri="{FF2B5EF4-FFF2-40B4-BE49-F238E27FC236}">
-                <a16:creationId xmlns:a16="http://schemas.microsoft.com/office/drawing/2014/main" id="{1C0DD377-84D8-41C9-85DE-B09F8D209679}"/>
-              </a:ext>
-            </a:extLst>
-          </p:cNvPr>
+          <p:cNvPr id="38" name="직사각형 23"/>
+          <p:cNvSpPr/>
+          <p:nvPr/>
+        </p:nvSpPr>
+        <p:spPr>
+          <a:xfrm>
+            <a:off x="1449290" y="1632362"/>
+            <a:ext cx="885524" cy="487788"/>
+          </a:xfrm>
+          <a:custGeom>
+            <a:avLst/>
+            <a:gdLst>
+              <a:gd name="connsiteX0" fmla="*/ 0 w 885524"/>
+              <a:gd name="connsiteY0" fmla="*/ 0 h 487788"/>
+              <a:gd name="connsiteX1" fmla="*/ 442762 w 885524"/>
+              <a:gd name="connsiteY1" fmla="*/ 0 h 487788"/>
+              <a:gd name="connsiteX2" fmla="*/ 885524 w 885524"/>
+              <a:gd name="connsiteY2" fmla="*/ 0 h 487788"/>
+              <a:gd name="connsiteX3" fmla="*/ 885524 w 885524"/>
+              <a:gd name="connsiteY3" fmla="*/ 487788 h 487788"/>
+              <a:gd name="connsiteX4" fmla="*/ 425052 w 885524"/>
+              <a:gd name="connsiteY4" fmla="*/ 487788 h 487788"/>
+              <a:gd name="connsiteX5" fmla="*/ 0 w 885524"/>
+              <a:gd name="connsiteY5" fmla="*/ 487788 h 487788"/>
+              <a:gd name="connsiteX6" fmla="*/ 0 w 885524"/>
+              <a:gd name="connsiteY6" fmla="*/ 0 h 487788"/>
+            </a:gdLst>
+            <a:cxnLst>
+              <a:cxn ang="0">
+                <a:pos x="connsiteX0" y="connsiteY0"/>
+              </a:cxn>
+              <a:cxn ang="0">
+                <a:pos x="connsiteX1" y="connsiteY1"/>
+              </a:cxn>
+              <a:cxn ang="0">
+                <a:pos x="connsiteX2" y="connsiteY2"/>
+              </a:cxn>
+              <a:cxn ang="0">
+                <a:pos x="connsiteX3" y="connsiteY3"/>
+              </a:cxn>
+              <a:cxn ang="0">
+                <a:pos x="connsiteX4" y="connsiteY4"/>
+              </a:cxn>
+              <a:cxn ang="0">
+                <a:pos x="connsiteX5" y="connsiteY5"/>
+              </a:cxn>
+              <a:cxn ang="0">
+                <a:pos x="connsiteX6" y="connsiteY6"/>
+              </a:cxn>
+            </a:cxnLst>
+            <a:rect l="l" t="t" r="r" b="b"/>
+            <a:pathLst>
+              <a:path w="885524" h="487788" fill="none" extrusionOk="0">
+                <a:moveTo>
+                  <a:pt x="0" y="0"/>
+                </a:moveTo>
+                <a:cubicBezTo>
+                  <a:pt x="189876" y="-27532"/>
+                  <a:pt x="326699" y="51795"/>
+                  <a:pt x="442762" y="0"/>
+                </a:cubicBezTo>
+                <a:cubicBezTo>
+                  <a:pt x="558825" y="-51795"/>
+                  <a:pt x="711044" y="33536"/>
+                  <a:pt x="885524" y="0"/>
+                </a:cubicBezTo>
+                <a:cubicBezTo>
+                  <a:pt x="936190" y="142469"/>
+                  <a:pt x="840840" y="332089"/>
+                  <a:pt x="885524" y="487788"/>
+                </a:cubicBezTo>
+                <a:cubicBezTo>
+                  <a:pt x="725718" y="528142"/>
+                  <a:pt x="590941" y="462966"/>
+                  <a:pt x="425052" y="487788"/>
+                </a:cubicBezTo>
+                <a:cubicBezTo>
+                  <a:pt x="259163" y="512610"/>
+                  <a:pt x="96867" y="465139"/>
+                  <a:pt x="0" y="487788"/>
+                </a:cubicBezTo>
+                <a:cubicBezTo>
+                  <a:pt x="-48569" y="321016"/>
+                  <a:pt x="48220" y="217248"/>
+                  <a:pt x="0" y="0"/>
+                </a:cubicBezTo>
+                <a:close/>
+              </a:path>
+              <a:path w="885524" h="487788" stroke="0" extrusionOk="0">
+                <a:moveTo>
+                  <a:pt x="0" y="0"/>
+                </a:moveTo>
+                <a:cubicBezTo>
+                  <a:pt x="122179" y="-35847"/>
+                  <a:pt x="263364" y="18882"/>
+                  <a:pt x="442762" y="0"/>
+                </a:cubicBezTo>
+                <a:cubicBezTo>
+                  <a:pt x="622160" y="-18882"/>
+                  <a:pt x="685164" y="38820"/>
+                  <a:pt x="885524" y="0"/>
+                </a:cubicBezTo>
+                <a:cubicBezTo>
+                  <a:pt x="938868" y="105536"/>
+                  <a:pt x="839505" y="276099"/>
+                  <a:pt x="885524" y="487788"/>
+                </a:cubicBezTo>
+                <a:cubicBezTo>
+                  <a:pt x="734272" y="498127"/>
+                  <a:pt x="572546" y="440618"/>
+                  <a:pt x="469328" y="487788"/>
+                </a:cubicBezTo>
+                <a:cubicBezTo>
+                  <a:pt x="366110" y="534958"/>
+                  <a:pt x="174657" y="465725"/>
+                  <a:pt x="0" y="487788"/>
+                </a:cubicBezTo>
+                <a:cubicBezTo>
+                  <a:pt x="-13226" y="342024"/>
+                  <a:pt x="54406" y="214492"/>
+                  <a:pt x="0" y="0"/>
+                </a:cubicBezTo>
+                <a:close/>
+              </a:path>
+            </a:pathLst>
+          </a:custGeom>
+          <a:solidFill>
+            <a:srgbClr val="d1c9c1"/>
+          </a:solidFill>
+          <a:ln>
+            <a:solidFill>
+              <a:srgbClr val="9a8b85"/>
+            </a:solidFill>
+          </a:ln>
+        </p:spPr>
+        <p:style>
+          <a:lnRef idx="2">
+            <a:schemeClr val="accent1">
+              <a:shade val="50000"/>
+            </a:schemeClr>
+          </a:lnRef>
+          <a:fillRef idx="1">
+            <a:schemeClr val="accent1"/>
+          </a:fillRef>
+          <a:effectRef idx="0">
+            <a:schemeClr val="accent1"/>
+          </a:effectRef>
+          <a:fontRef idx="minor">
+            <a:schemeClr val="lt1"/>
+          </a:fontRef>
+        </p:style>
+        <p:txBody>
+          <a:bodyPr anchor="ctr"/>
+          <a:lstStyle/>
+          <a:p>
+            <a:pPr algn="ctr">
+              <a:defRPr/>
+            </a:pPr>
+            <a:endParaRPr lang="ko-KR" altLang="en-US">
+              <a:solidFill>
+                <a:sysClr val="windowText" lastClr="000000"/>
+              </a:solidFill>
+            </a:endParaRPr>
+          </a:p>
+        </p:txBody>
+      </p:sp>
+      <p:sp>
+        <p:nvSpPr>
+          <p:cNvPr id="39" name="TextBox 38"/>
+          <p:cNvSpPr txBox="1"/>
+          <p:nvPr/>
+        </p:nvSpPr>
+        <p:spPr>
+          <a:xfrm>
+            <a:off x="1506948" y="1700081"/>
+            <a:ext cx="750769" cy="369332"/>
+          </a:xfrm>
+          <a:prstGeom prst="rect">
+            <a:avLst/>
+          </a:prstGeom>
+          <a:noFill/>
+        </p:spPr>
+        <p:txBody>
+          <a:bodyPr wrap="square">
+            <a:spAutoFit/>
+          </a:bodyPr>
+          <a:lstStyle/>
+          <a:p>
+            <a:pPr algn="ctr">
+              <a:defRPr/>
+            </a:pPr>
+            <a:r>
+              <a:rPr lang="ko-KR" altLang="en-US" b="1">
+                <a:solidFill>
+                  <a:sysClr val="windowText" lastClr="000000"/>
+                </a:solidFill>
+                <a:latin typeface="DX영화자막 M"/>
+                <a:ea typeface="DX영화자막 M"/>
+              </a:rPr>
+              <a:t>소 개</a:t>
+            </a:r>
+            <a:endParaRPr lang="ko-KR" altLang="en-US" b="1">
+              <a:solidFill>
+                <a:sysClr val="windowText" lastClr="000000"/>
+              </a:solidFill>
+              <a:latin typeface="DX영화자막 M"/>
+              <a:ea typeface="DX영화자막 M"/>
+            </a:endParaRPr>
+          </a:p>
+        </p:txBody>
+      </p:sp>
+      <p:sp>
+        <p:nvSpPr>
+          <p:cNvPr id="41" name="직사각형 40"/>
+          <p:cNvSpPr/>
+          <p:nvPr/>
+        </p:nvSpPr>
+        <p:spPr>
+          <a:xfrm>
+            <a:off x="1431875" y="5612004"/>
+            <a:ext cx="6096000" cy="422607"/>
+          </a:xfrm>
+          <a:prstGeom prst="rect">
+            <a:avLst/>
+          </a:prstGeom>
+        </p:spPr>
+        <p:txBody>
+          <a:bodyPr>
+            <a:spAutoFit/>
+          </a:bodyPr>
+          <a:lstStyle/>
+          <a:p>
+            <a:pPr>
+              <a:lnSpc>
+                <a:spcPct val="120000"/>
+              </a:lnSpc>
+              <a:defRPr/>
+            </a:pPr>
+            <a:r>
+              <a:rPr lang="en-US" altLang="ko-KR">
+                <a:latin typeface="DX영화자막 M"/>
+                <a:ea typeface="DX영화자막 M"/>
+              </a:rPr>
+              <a:t>#</a:t>
+            </a:r>
+            <a:r>
+              <a:rPr lang="ko-KR" altLang="en-US">
+                <a:latin typeface="DX영화자막 M"/>
+                <a:ea typeface="DX영화자막 M"/>
+              </a:rPr>
+              <a:t>몰입 </a:t>
+            </a:r>
+            <a:r>
+              <a:rPr lang="en-US" altLang="ko-KR">
+                <a:latin typeface="DX영화자막 M"/>
+                <a:ea typeface="DX영화자막 M"/>
+              </a:rPr>
+              <a:t>#</a:t>
+            </a:r>
+            <a:r>
+              <a:rPr lang="ko-KR" altLang="en-US">
+                <a:latin typeface="DX영화자막 M"/>
+                <a:ea typeface="DX영화자막 M"/>
+              </a:rPr>
+              <a:t>슬로싱킹 </a:t>
+            </a:r>
+            <a:r>
+              <a:rPr lang="en-US" altLang="ko-KR">
+                <a:latin typeface="DX영화자막 M"/>
+                <a:ea typeface="DX영화자막 M"/>
+              </a:rPr>
+              <a:t>#</a:t>
+            </a:r>
+            <a:r>
+              <a:rPr lang="ko-KR" altLang="en-US">
+                <a:latin typeface="DX영화자막 M"/>
+                <a:ea typeface="DX영화자막 M"/>
+              </a:rPr>
+              <a:t>선잠 </a:t>
+            </a:r>
+            <a:endParaRPr lang="en-US" altLang="ko-KR">
+              <a:latin typeface="DX영화자막 M"/>
+              <a:ea typeface="DX영화자막 M"/>
+            </a:endParaRPr>
+          </a:p>
+        </p:txBody>
+      </p:sp>
+      <p:sp>
+        <p:nvSpPr>
+          <p:cNvPr id="67" name="직사각형 6"/>
+          <p:cNvSpPr/>
+          <p:nvPr/>
+        </p:nvSpPr>
+        <p:spPr>
+          <a:xfrm>
+            <a:off x="1409313" y="2305039"/>
+            <a:ext cx="6096000" cy="2729643"/>
+          </a:xfrm>
+          <a:prstGeom prst="rect">
+            <a:avLst/>
+          </a:prstGeom>
+        </p:spPr>
+        <p:txBody>
+          <a:bodyPr>
+            <a:spAutoFit/>
+          </a:bodyPr>
+          <a:lstStyle/>
+          <a:p>
+            <a:pPr>
+              <a:lnSpc>
+                <a:spcPct val="120000"/>
+              </a:lnSpc>
+              <a:defRPr/>
+            </a:pPr>
+            <a:r>
+              <a:rPr lang="ko-KR" altLang="en-US">
+                <a:latin typeface="DX영화자막 M"/>
+                <a:ea typeface="DX영화자막 M"/>
+              </a:rPr>
+              <a:t>『슬로싱킹』은 몰입의 기반이 되는 생각법 </a:t>
+            </a:r>
+            <a:r>
+              <a:rPr lang="en-US" altLang="ko-KR">
+                <a:latin typeface="DX영화자막 M"/>
+                <a:ea typeface="DX영화자막 M"/>
+              </a:rPr>
+              <a:t>‘</a:t>
+            </a:r>
+            <a:r>
+              <a:rPr lang="ko-KR" altLang="en-US">
+                <a:latin typeface="DX영화자막 M"/>
+                <a:ea typeface="DX영화자막 M"/>
+              </a:rPr>
+              <a:t>슬로싱킹</a:t>
+            </a:r>
+            <a:r>
+              <a:rPr lang="en-US" altLang="ko-KR">
+                <a:latin typeface="DX영화자막 M"/>
+                <a:ea typeface="DX영화자막 M"/>
+              </a:rPr>
+              <a:t>’</a:t>
+            </a:r>
+            <a:r>
+              <a:rPr lang="ko-KR" altLang="en-US">
+                <a:latin typeface="DX영화자막 M"/>
+                <a:ea typeface="DX영화자막 M"/>
+              </a:rPr>
+              <a:t>의 원리를 몰입의 효과와 함께 상세히 다루어 황논문식 생각법을 집대성한 책으로</a:t>
+            </a:r>
+            <a:r>
+              <a:rPr lang="en-US" altLang="ko-KR">
+                <a:latin typeface="DX영화자막 M"/>
+                <a:ea typeface="DX영화자막 M"/>
+              </a:rPr>
+              <a:t>,</a:t>
+            </a:r>
+            <a:r>
+              <a:rPr lang="ko-KR" altLang="en-US">
+                <a:latin typeface="DX영화자막 M"/>
+                <a:ea typeface="DX영화자막 M"/>
+              </a:rPr>
+              <a:t> 업무나 공부에 집중하려는 모든 사람들이 스트레스 없이 자신의 가량을 온전히 발휘하는 데 도움이 되고자 쓰였다</a:t>
+            </a:r>
+            <a:r>
+              <a:rPr lang="en-US" altLang="ko-KR">
+                <a:latin typeface="DX영화자막 M"/>
+                <a:ea typeface="DX영화자막 M"/>
+              </a:rPr>
+              <a:t>.</a:t>
+            </a:r>
+            <a:r>
+              <a:rPr lang="ko-KR" altLang="en-US">
+                <a:latin typeface="DX영화자막 M"/>
+                <a:ea typeface="DX영화자막 M"/>
+              </a:rPr>
+              <a:t> 일상의 크고 작은 문제를 해결하고 역량을 최대로 발휘하게 하는 동시에 </a:t>
+            </a:r>
+            <a:r>
+              <a:rPr lang="en-US" altLang="ko-KR">
+                <a:latin typeface="DX영화자막 M"/>
+                <a:ea typeface="DX영화자막 M"/>
+              </a:rPr>
+              <a:t>,</a:t>
+            </a:r>
+            <a:r>
+              <a:rPr lang="ko-KR" altLang="en-US">
+                <a:latin typeface="DX영화자막 M"/>
+                <a:ea typeface="DX영화자막 M"/>
+              </a:rPr>
+              <a:t> 창의성을 성장시키고 가치관까지 변화 시키는 강력한 생각의 습관</a:t>
+            </a:r>
+            <a:r>
+              <a:rPr lang="en-US" altLang="ko-KR">
+                <a:latin typeface="DX영화자막 M"/>
+                <a:ea typeface="DX영화자막 M"/>
+              </a:rPr>
+              <a:t>,</a:t>
+            </a:r>
+            <a:r>
+              <a:rPr lang="ko-KR" altLang="en-US">
+                <a:latin typeface="DX영화자막 M"/>
+                <a:ea typeface="DX영화자막 M"/>
+              </a:rPr>
+              <a:t> </a:t>
+            </a:r>
+            <a:r>
+              <a:rPr lang="en-US" altLang="ko-KR">
+                <a:latin typeface="DX영화자막 M"/>
+                <a:ea typeface="DX영화자막 M"/>
+              </a:rPr>
+              <a:t>‘</a:t>
+            </a:r>
+            <a:r>
+              <a:rPr lang="ko-KR" altLang="en-US">
+                <a:latin typeface="DX영화자막 M"/>
+                <a:ea typeface="DX영화자막 M"/>
+              </a:rPr>
+              <a:t>슬로싱킹</a:t>
+            </a:r>
+            <a:r>
+              <a:rPr lang="en-US" altLang="ko-KR">
+                <a:latin typeface="DX영화자막 M"/>
+                <a:ea typeface="DX영화자막 M"/>
+              </a:rPr>
+              <a:t>’</a:t>
+            </a:r>
+            <a:r>
+              <a:rPr lang="ko-KR" altLang="en-US">
+                <a:latin typeface="DX영화자막 M"/>
+                <a:ea typeface="DX영화자막 M"/>
+              </a:rPr>
+              <a:t>을 소개한다</a:t>
+            </a:r>
+            <a:r>
+              <a:rPr lang="en-US" altLang="ko-KR">
+                <a:latin typeface="DX영화자막 M"/>
+                <a:ea typeface="DX영화자막 M"/>
+              </a:rPr>
+              <a:t>.</a:t>
+            </a:r>
+            <a:endParaRPr lang="en-US" altLang="ko-KR">
+              <a:latin typeface="DX영화자막 M"/>
+              <a:ea typeface="DX영화자막 M"/>
+            </a:endParaRPr>
+          </a:p>
+          <a:p>
+            <a:pPr>
+              <a:lnSpc>
+                <a:spcPct val="120000"/>
+              </a:lnSpc>
+              <a:defRPr/>
+            </a:pPr>
+            <a:endParaRPr lang="en-US" altLang="ko-KR">
+              <a:latin typeface="DX영화자막 M"/>
+              <a:ea typeface="DX영화자막 M"/>
+            </a:endParaRPr>
+          </a:p>
+        </p:txBody>
+      </p:sp>
+    </p:spTree>
+  </p:cSld>
+  <p:clrMapOvr>
+    <a:masterClrMapping/>
+  </p:clrMapOvr>
+  <mc:AlternateContent xmlns:mc="http://schemas.openxmlformats.org/markup-compatibility/2006">
+    <mc:Choice xmlns:p14="http://schemas.microsoft.com/office/powerpoint/2010/main" Requires="p14">
+      <p:transition xmlns:mc="http://schemas.openxmlformats.org/markup-compatibility/2006" xmlns:p14="http://schemas.microsoft.com/office/powerpoint/2010/main" mc:Ignorable="p14" p14:dur="500"/>
+    </mc:Choice>
+    <mc:Fallback>
+      <p:transition/>
+    </mc:Fallback>
+  </mc:AlternateContent>
+</p:sld>
+</file>
+
+<file path=ppt/slides/slide5.xml><?xml version="1.0" encoding="utf-8"?>
+<p:sld xmlns:r="http://schemas.openxmlformats.org/officeDocument/2006/relationships" xmlns:c="http://schemas.openxmlformats.org/drawingml/2006/chart" xmlns:a="http://schemas.openxmlformats.org/drawingml/2006/main" xmlns:dgm="http://schemas.openxmlformats.org/drawingml/2006/diagram" xmlns:dsp="http://schemas.microsoft.com/office/drawing/2008/diagram" xmlns:p="http://schemas.openxmlformats.org/presentationml/2006/main">
+  <p:cSld>
+    <p:spTree>
+      <p:nvGrpSpPr>
+        <p:cNvPr id="1" name=""/>
+        <p:cNvGrpSpPr/>
+        <p:nvPr/>
+      </p:nvGrpSpPr>
+      <p:grpSpPr>
+        <a:xfrm>
+          <a:off x="0" y="0"/>
+          <a:ext cx="0" cy="0"/>
+          <a:chOff x="0" y="0"/>
+          <a:chExt cx="0" cy="0"/>
+        </a:xfrm>
+      </p:grpSpPr>
+      <p:sp>
+        <p:nvSpPr>
+          <p:cNvPr id="22" name="TextBox 21"/>
+          <p:cNvSpPr txBox="1"/>
+          <p:nvPr/>
+        </p:nvSpPr>
+        <p:spPr>
+          <a:xfrm flipH="1">
+            <a:off x="5041092" y="342101"/>
+            <a:ext cx="2123658" cy="294169"/>
+          </a:xfrm>
+          <a:prstGeom prst="rect">
+            <a:avLst/>
+          </a:prstGeom>
+          <a:noFill/>
+        </p:spPr>
+        <p:txBody>
+          <a:bodyPr vert="horz" wrap="square">
+            <a:spAutoFit/>
+          </a:bodyPr>
+          <a:lstStyle/>
+          <a:p>
+            <a:pPr algn="dist">
+              <a:defRPr/>
+            </a:pPr>
+            <a:r>
+              <a:rPr lang="en-US" altLang="ko-KR" sz="1400">
+                <a:solidFill>
+                  <a:schemeClr val="tx1">
+                    <a:alpha val="71000"/>
+                  </a:schemeClr>
+                </a:solidFill>
+                <a:latin typeface="DX영화자막 M"/>
+                <a:ea typeface="DX영화자막 M"/>
+              </a:rPr>
+              <a:t>SLOW THINKING</a:t>
+            </a:r>
+            <a:endParaRPr lang="ko-KR" altLang="en-US" sz="1400">
+              <a:solidFill>
+                <a:schemeClr val="tx1">
+                  <a:alpha val="71000"/>
+                </a:schemeClr>
+              </a:solidFill>
+              <a:latin typeface="DX영화자막 M"/>
+              <a:ea typeface="DX영화자막 M"/>
+            </a:endParaRPr>
+          </a:p>
+        </p:txBody>
+      </p:sp>
+      <p:grpSp>
+        <p:nvGrpSpPr>
+          <p:cNvPr id="4" name="그룹 3"/>
+          <p:cNvGrpSpPr/>
+          <p:nvPr/>
+        </p:nvGrpSpPr>
+        <p:grpSpPr>
+          <a:xfrm rot="0">
+            <a:off x="240925" y="2941212"/>
+            <a:ext cx="163649" cy="975576"/>
+            <a:chOff x="306686" y="3281373"/>
+            <a:chExt cx="163649" cy="975576"/>
+          </a:xfrm>
+        </p:grpSpPr>
+        <p:cxnSp>
+          <p:nvCxnSpPr>
+            <p:cNvPr id="3" name="직선 연결선 2"/>
+            <p:cNvCxnSpPr/>
+            <p:nvPr/>
+          </p:nvCxnSpPr>
+          <p:spPr>
+            <a:xfrm>
+              <a:off x="306686" y="4127358"/>
+              <a:ext cx="160637" cy="129591"/>
+            </a:xfrm>
+            <a:prstGeom prst="line">
+              <a:avLst/>
+            </a:prstGeom>
+            <a:ln w="12700">
+              <a:solidFill>
+                <a:srgbClr val="ac9d8e"/>
+              </a:solidFill>
+            </a:ln>
+          </p:spPr>
+          <p:style>
+            <a:lnRef idx="1">
+              <a:schemeClr val="accent1"/>
+            </a:lnRef>
+            <a:fillRef idx="0">
+              <a:schemeClr val="accent1"/>
+            </a:fillRef>
+            <a:effectRef idx="0">
+              <a:schemeClr val="accent1"/>
+            </a:effectRef>
+            <a:fontRef idx="minor">
+              <a:schemeClr val="tx1"/>
+            </a:fontRef>
+          </p:style>
+        </p:cxnSp>
+        <p:cxnSp>
+          <p:nvCxnSpPr>
+            <p:cNvPr id="40" name="직선 연결선 39"/>
+            <p:cNvCxnSpPr/>
+            <p:nvPr/>
+          </p:nvCxnSpPr>
+          <p:spPr>
+            <a:xfrm>
+              <a:off x="306686" y="3838775"/>
+              <a:ext cx="160637" cy="129591"/>
+            </a:xfrm>
+            <a:prstGeom prst="line">
+              <a:avLst/>
+            </a:prstGeom>
+            <a:ln w="12700">
+              <a:solidFill>
+                <a:srgbClr val="ac9d8e"/>
+              </a:solidFill>
+            </a:ln>
+          </p:spPr>
+          <p:style>
+            <a:lnRef idx="1">
+              <a:schemeClr val="accent1"/>
+            </a:lnRef>
+            <a:fillRef idx="0">
+              <a:schemeClr val="accent1"/>
+            </a:fillRef>
+            <a:effectRef idx="0">
+              <a:schemeClr val="accent1"/>
+            </a:effectRef>
+            <a:fontRef idx="minor">
+              <a:schemeClr val="tx1"/>
+            </a:fontRef>
+          </p:style>
+        </p:cxnSp>
+        <p:cxnSp>
+          <p:nvCxnSpPr>
+            <p:cNvPr id="49" name="직선 연결선 48"/>
+            <p:cNvCxnSpPr/>
+            <p:nvPr/>
+          </p:nvCxnSpPr>
+          <p:spPr>
+            <a:xfrm>
+              <a:off x="306686" y="3550192"/>
+              <a:ext cx="160637" cy="129591"/>
+            </a:xfrm>
+            <a:prstGeom prst="line">
+              <a:avLst/>
+            </a:prstGeom>
+            <a:ln w="12700">
+              <a:solidFill>
+                <a:srgbClr val="ac9d8e"/>
+              </a:solidFill>
+            </a:ln>
+          </p:spPr>
+          <p:style>
+            <a:lnRef idx="1">
+              <a:schemeClr val="accent1"/>
+            </a:lnRef>
+            <a:fillRef idx="0">
+              <a:schemeClr val="accent1"/>
+            </a:fillRef>
+            <a:effectRef idx="0">
+              <a:schemeClr val="accent1"/>
+            </a:effectRef>
+            <a:fontRef idx="minor">
+              <a:schemeClr val="tx1"/>
+            </a:fontRef>
+          </p:style>
+        </p:cxnSp>
+        <p:cxnSp>
+          <p:nvCxnSpPr>
+            <p:cNvPr id="51" name="직선 연결선 50"/>
+            <p:cNvCxnSpPr/>
+            <p:nvPr/>
+          </p:nvCxnSpPr>
+          <p:spPr>
+            <a:xfrm>
+              <a:off x="309698" y="3281373"/>
+              <a:ext cx="160637" cy="129591"/>
+            </a:xfrm>
+            <a:prstGeom prst="line">
+              <a:avLst/>
+            </a:prstGeom>
+            <a:ln w="12700">
+              <a:solidFill>
+                <a:srgbClr val="ac9d8e"/>
+              </a:solidFill>
+            </a:ln>
+          </p:spPr>
+          <p:style>
+            <a:lnRef idx="1">
+              <a:schemeClr val="accent1"/>
+            </a:lnRef>
+            <a:fillRef idx="0">
+              <a:schemeClr val="accent1"/>
+            </a:fillRef>
+            <a:effectRef idx="0">
+              <a:schemeClr val="accent1"/>
+            </a:effectRef>
+            <a:fontRef idx="minor">
+              <a:schemeClr val="tx1"/>
+            </a:fontRef>
+          </p:style>
+        </p:cxnSp>
+      </p:grpSp>
+      <p:sp>
+        <p:nvSpPr>
+          <p:cNvPr id="2" name="TextBox 1"/>
+          <p:cNvSpPr txBox="1"/>
+          <p:nvPr/>
+        </p:nvSpPr>
+        <p:spPr>
+          <a:xfrm>
+            <a:off x="1268142" y="1611934"/>
+            <a:ext cx="6189707" cy="646331"/>
+          </a:xfrm>
+          <a:prstGeom prst="rect">
+            <a:avLst/>
+          </a:prstGeom>
+          <a:noFill/>
+        </p:spPr>
+        <p:txBody>
+          <a:bodyPr wrap="square">
+            <a:spAutoFit/>
+          </a:bodyPr>
+          <a:lstStyle/>
+          <a:p>
+            <a:pPr lvl="0">
+              <a:defRPr/>
+            </a:pPr>
+            <a:r>
+              <a:rPr lang="ko-KR" altLang="en-US" sz="3600">
+                <a:latin typeface="DX영화자막 M"/>
+                <a:ea typeface="DX영화자막 M"/>
+              </a:rPr>
+              <a:t>홍논문</a:t>
+            </a:r>
+            <a:endParaRPr lang="en-US" altLang="ko-KR" sz="3600">
+              <a:latin typeface="DX영화자막 M"/>
+              <a:ea typeface="DX영화자막 M"/>
+            </a:endParaRPr>
+          </a:p>
+        </p:txBody>
+      </p:sp>
+      <p:sp>
+        <p:nvSpPr>
+          <p:cNvPr id="5" name="직사각형 4"/>
           <p:cNvSpPr/>
           <p:nvPr/>
         </p:nvSpPr>
@@ -6421,7 +6780,6 @@
               <a:gd name="connsiteX4" fmla="*/ 0 w 885524"/>
               <a:gd name="connsiteY4" fmla="*/ 0 h 487788"/>
             </a:gdLst>
-            <a:ahLst/>
             <a:cxnLst>
               <a:cxn ang="0">
                 <a:pos x="connsiteX0" y="connsiteY0"/>
@@ -6472,20 +6830,8 @@
           <a:noFill/>
           <a:ln>
             <a:solidFill>
-              <a:srgbClr val="9A8B85"/>
+              <a:srgbClr val="9a8b85"/>
             </a:solidFill>
-            <a:extLst>
-              <a:ext uri="{C807C97D-BFC1-408E-A445-0C87EB9F89A2}">
-                <ask:lineSketchStyleProps xmlns="" xmlns:ask="http://schemas.microsoft.com/office/drawing/2018/sketchyshapes" sd="1617256088">
-                  <a:prstGeom prst="rect">
-                    <a:avLst/>
-                  </a:prstGeom>
-                  <ask:type>
-                    <ask:lineSketchCurved/>
-                  </ask:type>
-                </ask:lineSketchStyleProps>
-              </a:ext>
-            </a:extLst>
           </a:ln>
         </p:spPr>
         <p:style>
@@ -6505,23 +6851,19 @@
           </a:fontRef>
         </p:style>
         <p:txBody>
-          <a:bodyPr rtlCol="0" anchor="ctr"/>
+          <a:bodyPr anchor="ctr"/>
           <a:lstStyle/>
           <a:p>
-            <a:pPr algn="ctr"/>
-            <a:endParaRPr lang="ko-KR" altLang="en-US" dirty="0"/>
-          </a:p>
-        </p:txBody>
-      </p:sp>
-      <p:sp>
-        <p:nvSpPr>
-          <p:cNvPr id="38" name="직사각형 23">
-            <a:extLst>
-              <a:ext uri="{FF2B5EF4-FFF2-40B4-BE49-F238E27FC236}">
-                <a16:creationId xmlns:a16="http://schemas.microsoft.com/office/drawing/2014/main" id="{A1661E96-A081-4603-B2C5-0BC13D8B72F1}"/>
-              </a:ext>
-            </a:extLst>
-          </p:cNvPr>
+            <a:pPr algn="ctr">
+              <a:defRPr/>
+            </a:pPr>
+            <a:endParaRPr lang="ko-KR" altLang="en-US"/>
+          </a:p>
+        </p:txBody>
+      </p:sp>
+      <p:sp>
+        <p:nvSpPr>
+          <p:cNvPr id="24" name="직사각형 23"/>
           <p:cNvSpPr/>
           <p:nvPr/>
         </p:nvSpPr>
@@ -6548,7 +6890,6 @@
               <a:gd name="connsiteX6" fmla="*/ 0 w 885524"/>
               <a:gd name="connsiteY6" fmla="*/ 0 h 487788"/>
             </a:gdLst>
-            <a:ahLst/>
             <a:cxnLst>
               <a:cxn ang="0">
                 <a:pos x="connsiteX0" y="connsiteY0"/>
@@ -6649,24 +6990,12 @@
             </a:pathLst>
           </a:custGeom>
           <a:solidFill>
-            <a:srgbClr val="D1C9C1"/>
+            <a:srgbClr val="d1c9c1"/>
           </a:solidFill>
           <a:ln>
             <a:solidFill>
-              <a:srgbClr val="9A8B85"/>
+              <a:srgbClr val="9a8b85"/>
             </a:solidFill>
-            <a:extLst>
-              <a:ext uri="{C807C97D-BFC1-408E-A445-0C87EB9F89A2}">
-                <ask:lineSketchStyleProps xmlns="" xmlns:ask="http://schemas.microsoft.com/office/drawing/2018/sketchyshapes" sd="1617256088">
-                  <a:prstGeom prst="rect">
-                    <a:avLst/>
-                  </a:prstGeom>
-                  <ask:type>
-                    <ask:lineSketchScribble/>
-                  </ask:type>
-                </ask:lineSketchStyleProps>
-              </a:ext>
-            </a:extLst>
           </a:ln>
         </p:spPr>
         <p:style>
@@ -6686,11 +7015,13 @@
           </a:fontRef>
         </p:style>
         <p:txBody>
-          <a:bodyPr rtlCol="0" anchor="ctr"/>
+          <a:bodyPr anchor="ctr"/>
           <a:lstStyle/>
           <a:p>
-            <a:pPr algn="ctr"/>
-            <a:endParaRPr lang="ko-KR" altLang="en-US" dirty="0">
+            <a:pPr algn="ctr">
+              <a:defRPr/>
+            </a:pPr>
+            <a:endParaRPr lang="ko-KR" altLang="en-US">
               <a:solidFill>
                 <a:sysClr val="windowText" lastClr="000000"/>
               </a:solidFill>
@@ -6700,13 +7031,7 @@
       </p:sp>
       <p:sp>
         <p:nvSpPr>
-          <p:cNvPr id="39" name="TextBox 38">
-            <a:extLst>
-              <a:ext uri="{FF2B5EF4-FFF2-40B4-BE49-F238E27FC236}">
-                <a16:creationId xmlns:a16="http://schemas.microsoft.com/office/drawing/2014/main" id="{C150FF80-A773-472A-86B1-17473A0375BA}"/>
-              </a:ext>
-            </a:extLst>
-          </p:cNvPr>
+          <p:cNvPr id="6" name="TextBox 5"/>
           <p:cNvSpPr txBox="1"/>
           <p:nvPr/>
         </p:nvSpPr>
@@ -6721,41 +7046,44 @@
           <a:noFill/>
         </p:spPr>
         <p:txBody>
-          <a:bodyPr wrap="square" rtlCol="0">
+          <a:bodyPr wrap="square">
             <a:spAutoFit/>
           </a:bodyPr>
           <a:lstStyle/>
           <a:p>
-            <a:pPr algn="ctr"/>
-            <a:r>
-              <a:rPr lang="ko-KR" altLang="en-US" b="1" dirty="0">
+            <a:pPr algn="ctr">
+              <a:defRPr/>
+            </a:pPr>
+            <a:r>
+              <a:rPr lang="ko-KR" altLang="en-US" b="1">
                 <a:solidFill>
                   <a:sysClr val="windowText" lastClr="000000"/>
                 </a:solidFill>
-                <a:latin typeface="DX영화자막 M" panose="02020600000000000000" pitchFamily="18" charset="-127"/>
-                <a:ea typeface="DX영화자막 M" panose="02020600000000000000" pitchFamily="18" charset="-127"/>
+                <a:latin typeface="DX영화자막 M"/>
+                <a:ea typeface="DX영화자막 M"/>
               </a:rPr>
               <a:t>소 개</a:t>
             </a:r>
-          </a:p>
-        </p:txBody>
-      </p:sp>
-      <p:sp>
-        <p:nvSpPr>
-          <p:cNvPr id="41" name="직사각형 40">
-            <a:extLst>
-              <a:ext uri="{FF2B5EF4-FFF2-40B4-BE49-F238E27FC236}">
-                <a16:creationId xmlns:a16="http://schemas.microsoft.com/office/drawing/2014/main" id="{B816D757-625D-4702-98A6-E95472A7FBF3}"/>
-              </a:ext>
-            </a:extLst>
-          </p:cNvPr>
+            <a:endParaRPr lang="ko-KR" altLang="en-US" b="1">
+              <a:solidFill>
+                <a:sysClr val="windowText" lastClr="000000"/>
+              </a:solidFill>
+              <a:latin typeface="DX영화자막 M"/>
+              <a:ea typeface="DX영화자막 M"/>
+            </a:endParaRPr>
+          </a:p>
+        </p:txBody>
+      </p:sp>
+      <p:sp>
+        <p:nvSpPr>
+          <p:cNvPr id="7" name="직사각형 6"/>
           <p:cNvSpPr/>
           <p:nvPr/>
         </p:nvSpPr>
         <p:spPr>
           <a:xfrm>
-            <a:off x="1383278" y="3178698"/>
-            <a:ext cx="6096000" cy="410882"/>
+            <a:off x="1268142" y="3189505"/>
+            <a:ext cx="6096000" cy="743280"/>
           </a:xfrm>
           <a:prstGeom prst="rect">
             <a:avLst/>
@@ -6771,109 +7099,93 @@
               <a:lnSpc>
                 <a:spcPct val="120000"/>
               </a:lnSpc>
+              <a:defRPr/>
             </a:pPr>
             <a:r>
-              <a:rPr lang="en-US" altLang="ko-KR" dirty="0" smtClean="0">
-                <a:latin typeface="DX영화자막 M" panose="02020600000000000000" pitchFamily="18" charset="-127"/>
-                <a:ea typeface="DX영화자막 M" panose="02020600000000000000" pitchFamily="18" charset="-127"/>
+              <a:rPr lang="ko-KR" altLang="en-US">
+                <a:latin typeface="DX영화자막 M"/>
+                <a:ea typeface="DX영화자막 M"/>
               </a:rPr>
-              <a:t>#</a:t>
-            </a:r>
-            <a:r>
-              <a:rPr lang="ko-KR" altLang="en-US" dirty="0" smtClean="0">
-                <a:latin typeface="DX영화자막 M" panose="02020600000000000000" pitchFamily="18" charset="-127"/>
-                <a:ea typeface="DX영화자막 M" panose="02020600000000000000" pitchFamily="18" charset="-127"/>
+              <a:t>진지하지만 심각하지 않은 사람</a:t>
+            </a:r>
+            <a:r>
+              <a:rPr lang="en-US" altLang="ko-KR">
+                <a:latin typeface="DX영화자막 M"/>
+                <a:ea typeface="DX영화자막 M"/>
               </a:rPr>
-              <a:t>몰입 </a:t>
-            </a:r>
-            <a:r>
-              <a:rPr lang="en-US" altLang="ko-KR" dirty="0" smtClean="0">
-                <a:latin typeface="DX영화자막 M" panose="02020600000000000000" pitchFamily="18" charset="-127"/>
-                <a:ea typeface="DX영화자막 M" panose="02020600000000000000" pitchFamily="18" charset="-127"/>
+              <a:t>. </a:t>
+            </a:r>
+            <a:r>
+              <a:rPr lang="ko-KR" altLang="en-US">
+                <a:latin typeface="DX영화자막 M"/>
+                <a:ea typeface="DX영화자막 M"/>
               </a:rPr>
-              <a:t>#</a:t>
-            </a:r>
-            <a:r>
-              <a:rPr lang="ko-KR" altLang="en-US" dirty="0" smtClean="0">
-                <a:latin typeface="DX영화자막 M" panose="02020600000000000000" pitchFamily="18" charset="-127"/>
-                <a:ea typeface="DX영화자막 M" panose="02020600000000000000" pitchFamily="18" charset="-127"/>
+              <a:t>밝지만 가볍지 않은 사람</a:t>
+            </a:r>
+            <a:r>
+              <a:rPr lang="en-US" altLang="ko-KR">
+                <a:latin typeface="DX영화자막 M"/>
+                <a:ea typeface="DX영화자막 M"/>
               </a:rPr>
-              <a:t>슬로싱킹 </a:t>
-            </a:r>
-            <a:r>
-              <a:rPr lang="en-US" altLang="ko-KR" dirty="0" smtClean="0">
-                <a:latin typeface="DX영화자막 M" panose="02020600000000000000" pitchFamily="18" charset="-127"/>
-                <a:ea typeface="DX영화자막 M" panose="02020600000000000000" pitchFamily="18" charset="-127"/>
+              <a:t>.</a:t>
+            </a:r>
+            <a:endParaRPr lang="en-US" altLang="ko-KR">
+              <a:latin typeface="DX영화자막 M"/>
+              <a:ea typeface="DX영화자막 M"/>
+            </a:endParaRPr>
+          </a:p>
+          <a:p>
+            <a:pPr>
+              <a:lnSpc>
+                <a:spcPct val="120000"/>
+              </a:lnSpc>
+              <a:defRPr/>
+            </a:pPr>
+            <a:r>
+              <a:rPr lang="ko-KR" altLang="en-US">
+                <a:latin typeface="DX영화자막 M"/>
+                <a:ea typeface="DX영화자막 M"/>
               </a:rPr>
-              <a:t>#</a:t>
-            </a:r>
-            <a:r>
-              <a:rPr lang="ko-KR" altLang="en-US" dirty="0" smtClean="0">
-                <a:latin typeface="DX영화자막 M" panose="02020600000000000000" pitchFamily="18" charset="-127"/>
-                <a:ea typeface="DX영화자막 M" panose="02020600000000000000" pitchFamily="18" charset="-127"/>
+              <a:t>일러스트레이더 겸 글쟁이이자</a:t>
+            </a:r>
+            <a:r>
+              <a:rPr lang="en-US" altLang="ko-KR">
+                <a:latin typeface="DX영화자막 M"/>
+                <a:ea typeface="DX영화자막 M"/>
               </a:rPr>
-              <a:t>선잠 </a:t>
-            </a:r>
-            <a:r>
-              <a:rPr lang="en-US" altLang="ko-KR" dirty="0">
-                <a:latin typeface="DX영화자막 M" panose="02020600000000000000" pitchFamily="18" charset="-127"/>
-                <a:ea typeface="DX영화자막 M" panose="02020600000000000000" pitchFamily="18" charset="-127"/>
+              <a:t> </a:t>
+            </a:r>
+            <a:r>
+              <a:rPr lang="ko-KR" altLang="en-US">
+                <a:latin typeface="DX영화자막 M"/>
+                <a:ea typeface="DX영화자막 M"/>
               </a:rPr>
-              <a:t>#</a:t>
-            </a:r>
-            <a:endParaRPr lang="ko-KR" altLang="en-US" dirty="0">
-              <a:latin typeface="DX영화자막 M" panose="02020600000000000000" pitchFamily="18" charset="-127"/>
-              <a:ea typeface="DX영화자막 M" panose="02020600000000000000" pitchFamily="18" charset="-127"/>
+              <a:t>괜찮은 그래픽 디자이너</a:t>
+            </a:r>
+            <a:r>
+              <a:rPr lang="en-US" altLang="ko-KR">
+                <a:latin typeface="DX영화자막 M"/>
+                <a:ea typeface="DX영화자막 M"/>
+              </a:rPr>
+              <a:t>.</a:t>
+            </a:r>
+            <a:endParaRPr lang="en-US" altLang="ko-KR">
+              <a:latin typeface="DX영화자막 M"/>
+              <a:ea typeface="DX영화자막 M"/>
             </a:endParaRPr>
           </a:p>
         </p:txBody>
       </p:sp>
-    </p:spTree>
-    <p:extLst>
-      <p:ext uri="{BB962C8B-B14F-4D97-AF65-F5344CB8AC3E}">
-        <p14:creationId xmlns:p14="http://schemas.microsoft.com/office/powerpoint/2010/main" val="493332775"/>
-      </p:ext>
-    </p:extLst>
-  </p:cSld>
-  <p:clrMapOvr>
-    <a:masterClrMapping/>
-  </p:clrMapOvr>
-</p:sld>
-</file>
-
-<file path=ppt/slides/slide5.xml><?xml version="1.0" encoding="utf-8"?>
-<p:sld xmlns:a="http://schemas.openxmlformats.org/drawingml/2006/main" xmlns:r="http://schemas.openxmlformats.org/officeDocument/2006/relationships" xmlns:p="http://schemas.openxmlformats.org/presentationml/2006/main">
-  <p:cSld>
-    <p:spTree>
-      <p:nvGrpSpPr>
-        <p:cNvPr id="1" name=""/>
-        <p:cNvGrpSpPr/>
-        <p:nvPr/>
-      </p:nvGrpSpPr>
-      <p:grpSpPr>
-        <a:xfrm>
-          <a:off x="0" y="0"/>
-          <a:ext cx="0" cy="0"/>
-          <a:chOff x="0" y="0"/>
-          <a:chExt cx="0" cy="0"/>
-        </a:xfrm>
-      </p:grpSpPr>
-      <p:sp>
-        <p:nvSpPr>
-          <p:cNvPr id="22" name="TextBox 21">
-            <a:extLst>
-              <a:ext uri="{FF2B5EF4-FFF2-40B4-BE49-F238E27FC236}">
-                <a16:creationId xmlns:a16="http://schemas.microsoft.com/office/drawing/2014/main" id="{FC951402-AD1C-4766-816D-91425216020D}"/>
-              </a:ext>
-            </a:extLst>
-          </p:cNvPr>
+      <p:sp>
+        <p:nvSpPr>
+          <p:cNvPr id="31" name="TextBox 30"/>
           <p:cNvSpPr txBox="1"/>
           <p:nvPr/>
         </p:nvSpPr>
         <p:spPr>
-          <a:xfrm flipH="1">
-            <a:off x="5041092" y="342101"/>
-            <a:ext cx="2123658" cy="307777"/>
+          <a:xfrm>
+            <a:off x="8560905" y="6493565"/>
+            <a:ext cx="3578087" cy="295855"/>
           </a:xfrm>
           <a:prstGeom prst="rect">
             <a:avLst/>
@@ -6881,51 +7193,254 @@
           <a:noFill/>
         </p:spPr>
         <p:txBody>
-          <a:bodyPr vert="horz" wrap="square" rtlCol="0">
+          <a:bodyPr wrap="square">
             <a:spAutoFit/>
           </a:bodyPr>
           <a:lstStyle/>
           <a:p>
-            <a:pPr algn="dist"/>
-            <a:r>
-              <a:rPr lang="en-US" altLang="ko-KR" sz="1400" dirty="0" smtClean="0">
+            <a:pPr algn="r">
+              <a:defRPr/>
+            </a:pPr>
+            <a:r>
+              <a:rPr lang="ko-KR" altLang="en-US" sz="1400">
+                <a:latin typeface="210 스탠다드 030"/>
+                <a:ea typeface="210 스탠다드 030"/>
+              </a:rPr>
+              <a:t>출처 어반브러시 </a:t>
+            </a:r>
+            <a:r>
+              <a:rPr lang="en-US" altLang="ko-KR" sz="1400">
+                <a:latin typeface="210 스탠다드 030"/>
+                <a:ea typeface="210 스탠다드 030"/>
+              </a:rPr>
+              <a:t>Tommy</a:t>
+            </a:r>
+            <a:endParaRPr lang="ko-KR" altLang="en-US" sz="1400">
+              <a:latin typeface="210 스탠다드 030"/>
+              <a:ea typeface="210 스탠다드 030"/>
+            </a:endParaRPr>
+          </a:p>
+        </p:txBody>
+      </p:sp>
+      <p:pic>
+        <p:nvPicPr>
+          <p:cNvPr id="10" name="그림 9"/>
+          <p:cNvPicPr>
+            <a:picLocks noChangeAspect="1"/>
+          </p:cNvPicPr>
+          <p:nvPr/>
+        </p:nvPicPr>
+        <p:blipFill rotWithShape="1">
+          <a:blip r:embed="rId2">
+            <a:duotone>
+              <a:schemeClr val="accent3">
+                <a:shade val="45000"/>
+                <a:satMod val="135000"/>
+              </a:schemeClr>
+              <a:prstClr val="white"/>
+            </a:duotone>
+          </a:blip>
+          <a:srcRect l="9830" t="7110" r="34880" b="17640"/>
+          <a:stretch>
+            <a:fillRect/>
+          </a:stretch>
+        </p:blipFill>
+        <p:spPr>
+          <a:xfrm flipH="1">
+            <a:off x="8524889" y="972028"/>
+            <a:ext cx="3578088" cy="5160176"/>
+          </a:xfrm>
+          <a:prstGeom prst="rect">
+            <a:avLst/>
+          </a:prstGeom>
+        </p:spPr>
+      </p:pic>
+      <p:sp>
+        <p:nvSpPr>
+          <p:cNvPr id="36" name="TextBox 35"/>
+          <p:cNvSpPr txBox="1"/>
+          <p:nvPr/>
+        </p:nvSpPr>
+        <p:spPr>
+          <a:xfrm>
+            <a:off x="5353147" y="732599"/>
+            <a:ext cx="1499547" cy="446596"/>
+          </a:xfrm>
+          <a:prstGeom prst="rect">
+            <a:avLst/>
+          </a:prstGeom>
+          <a:noFill/>
+          <a:ln w="9525">
+            <a:noFill/>
+          </a:ln>
+        </p:spPr>
+        <p:txBody>
+          <a:bodyPr wrap="square">
+            <a:spAutoFit/>
+          </a:bodyPr>
+          <a:lstStyle/>
+          <a:p>
+            <a:pPr lvl="0">
+              <a:defRPr/>
+            </a:pPr>
+            <a:r>
+              <a:rPr lang="ko-KR" altLang="en-US" sz="2400">
                 <a:solidFill>
                   <a:schemeClr val="tx1">
                     <a:alpha val="71000"/>
                   </a:schemeClr>
                 </a:solidFill>
-                <a:latin typeface="DX영화자막 M" panose="02020600000000000000" pitchFamily="18" charset="-127"/>
-                <a:ea typeface="DX영화자막 M" panose="02020600000000000000" pitchFamily="18" charset="-127"/>
+                <a:latin typeface="DX영화자막 M"/>
+                <a:ea typeface="DX영화자막 M"/>
               </a:rPr>
-              <a:t>SLOW THINKING</a:t>
-            </a:r>
-            <a:endParaRPr lang="ko-KR" altLang="en-US" sz="1400" dirty="0">
+              <a:t>작가소개</a:t>
+            </a:r>
+            <a:endParaRPr lang="ko-KR" altLang="en-US" sz="2400">
               <a:solidFill>
                 <a:schemeClr val="tx1">
                   <a:alpha val="71000"/>
                 </a:schemeClr>
               </a:solidFill>
-              <a:latin typeface="DX영화자막 M" panose="02020600000000000000" pitchFamily="18" charset="-127"/>
-              <a:ea typeface="DX영화자막 M" panose="02020600000000000000" pitchFamily="18" charset="-127"/>
+              <a:latin typeface="DX영화자막 M"/>
+              <a:ea typeface="DX영화자막 M"/>
+            </a:endParaRPr>
+          </a:p>
+        </p:txBody>
+      </p:sp>
+      <p:pic>
+        <p:nvPicPr>
+          <p:cNvPr id="8" name="그림 7"/>
+          <p:cNvPicPr>
+            <a:picLocks noChangeAspect="1"/>
+          </p:cNvPicPr>
+          <p:nvPr/>
+        </p:nvPicPr>
+        <p:blipFill rotWithShape="1">
+          <a:blip r:embed="rId3"/>
+          <a:stretch>
+            <a:fillRect/>
+          </a:stretch>
+        </p:blipFill>
+        <p:spPr>
+          <a:xfrm>
+            <a:off x="0" y="-1"/>
+            <a:ext cx="12192000" cy="9134475"/>
+          </a:xfrm>
+          <a:prstGeom prst="rect">
+            <a:avLst/>
+          </a:prstGeom>
+        </p:spPr>
+      </p:pic>
+      <p:sp>
+        <p:nvSpPr>
+          <p:cNvPr id="17" name="TextBox 16"/>
+          <p:cNvSpPr txBox="1"/>
+          <p:nvPr/>
+        </p:nvSpPr>
+        <p:spPr>
+          <a:xfrm flipH="1">
+            <a:off x="5041092" y="342101"/>
+            <a:ext cx="2123658" cy="294169"/>
+          </a:xfrm>
+          <a:prstGeom prst="rect">
+            <a:avLst/>
+          </a:prstGeom>
+          <a:noFill/>
+        </p:spPr>
+        <p:txBody>
+          <a:bodyPr vert="horz" wrap="square">
+            <a:spAutoFit/>
+          </a:bodyPr>
+          <a:lstStyle/>
+          <a:p>
+            <a:pPr algn="dist">
+              <a:defRPr/>
+            </a:pPr>
+            <a:r>
+              <a:rPr lang="en-US" altLang="ko-KR" sz="1400">
+                <a:solidFill>
+                  <a:schemeClr val="tx1">
+                    <a:alpha val="71000"/>
+                  </a:schemeClr>
+                </a:solidFill>
+                <a:latin typeface="DX영화자막 M"/>
+                <a:ea typeface="DX영화자막 M"/>
+              </a:rPr>
+              <a:t>SLOW THINKING</a:t>
+            </a:r>
+            <a:endParaRPr lang="ko-KR" altLang="en-US" sz="1400">
+              <a:solidFill>
+                <a:schemeClr val="tx1">
+                  <a:alpha val="71000"/>
+                </a:schemeClr>
+              </a:solidFill>
+              <a:latin typeface="DX영화자막 M"/>
+              <a:ea typeface="DX영화자막 M"/>
+            </a:endParaRPr>
+          </a:p>
+        </p:txBody>
+      </p:sp>
+      <p:sp>
+        <p:nvSpPr>
+          <p:cNvPr id="19" name="TextBox 18"/>
+          <p:cNvSpPr txBox="1"/>
+          <p:nvPr/>
+        </p:nvSpPr>
+        <p:spPr>
+          <a:xfrm>
+            <a:off x="5629302" y="713595"/>
+            <a:ext cx="1499547" cy="446550"/>
+          </a:xfrm>
+          <a:prstGeom prst="rect">
+            <a:avLst/>
+          </a:prstGeom>
+          <a:noFill/>
+          <a:ln w="9525">
+            <a:noFill/>
+          </a:ln>
+        </p:spPr>
+        <p:txBody>
+          <a:bodyPr wrap="square">
+            <a:spAutoFit/>
+          </a:bodyPr>
+          <a:lstStyle/>
+          <a:p>
+            <a:pPr lvl="0">
+              <a:defRPr/>
+            </a:pPr>
+            <a:r>
+              <a:rPr lang="ko-KR" altLang="en-US" sz="2400">
+                <a:solidFill>
+                  <a:schemeClr val="tx1">
+                    <a:alpha val="71000"/>
+                  </a:schemeClr>
+                </a:solidFill>
+                <a:latin typeface="DX영화자막 M"/>
+                <a:ea typeface="DX영화자막 M"/>
+              </a:rPr>
+              <a:t>주 제</a:t>
+            </a:r>
+            <a:endParaRPr lang="ko-KR" altLang="en-US" sz="2400">
+              <a:solidFill>
+                <a:schemeClr val="tx1">
+                  <a:alpha val="71000"/>
+                </a:schemeClr>
+              </a:solidFill>
+              <a:latin typeface="DX영화자막 M"/>
+              <a:ea typeface="DX영화자막 M"/>
             </a:endParaRPr>
           </a:p>
         </p:txBody>
       </p:sp>
       <p:grpSp>
         <p:nvGrpSpPr>
-          <p:cNvPr id="4" name="그룹 3">
-            <a:extLst>
-              <a:ext uri="{FF2B5EF4-FFF2-40B4-BE49-F238E27FC236}">
-                <a16:creationId xmlns:a16="http://schemas.microsoft.com/office/drawing/2014/main" id="{B5104845-BD69-45A2-B225-D8EC1A15024D}"/>
-              </a:ext>
-            </a:extLst>
-          </p:cNvPr>
+          <p:cNvPr id="20" name="그룹 19"/>
           <p:cNvGrpSpPr/>
           <p:nvPr/>
         </p:nvGrpSpPr>
         <p:grpSpPr>
-          <a:xfrm>
-            <a:off x="240925" y="2941212"/>
+          <a:xfrm rot="0">
+            <a:off x="393325" y="3093612"/>
             <a:ext cx="163649" cy="975576"/>
             <a:chOff x="306686" y="3281373"/>
             <a:chExt cx="163649" cy="975576"/>
@@ -6933,13 +7448,7 @@
         </p:grpSpPr>
         <p:cxnSp>
           <p:nvCxnSpPr>
-            <p:cNvPr id="3" name="직선 연결선 2">
-              <a:extLst>
-                <a:ext uri="{FF2B5EF4-FFF2-40B4-BE49-F238E27FC236}">
-                  <a16:creationId xmlns:a16="http://schemas.microsoft.com/office/drawing/2014/main" id="{F54058FD-5CC4-4A66-A7B6-3537CB5E5100}"/>
-                </a:ext>
-              </a:extLst>
-            </p:cNvPr>
+            <p:cNvPr id="21" name="직선 연결선 20"/>
             <p:cNvCxnSpPr/>
             <p:nvPr/>
           </p:nvCxnSpPr>
@@ -6953,7 +7462,7 @@
             </a:prstGeom>
             <a:ln w="12700">
               <a:solidFill>
-                <a:srgbClr val="AC9D8E"/>
+                <a:srgbClr val="ac9d8e"/>
               </a:solidFill>
             </a:ln>
           </p:spPr>
@@ -6974,13 +7483,7 @@
         </p:cxnSp>
         <p:cxnSp>
           <p:nvCxnSpPr>
-            <p:cNvPr id="40" name="직선 연결선 39">
-              <a:extLst>
-                <a:ext uri="{FF2B5EF4-FFF2-40B4-BE49-F238E27FC236}">
-                  <a16:creationId xmlns:a16="http://schemas.microsoft.com/office/drawing/2014/main" id="{AD5B1849-E784-4150-B8A4-DF03199E56DD}"/>
-                </a:ext>
-              </a:extLst>
-            </p:cNvPr>
+            <p:cNvPr id="23" name="직선 연결선 22"/>
             <p:cNvCxnSpPr/>
             <p:nvPr/>
           </p:nvCxnSpPr>
@@ -6994,7 +7497,7 @@
             </a:prstGeom>
             <a:ln w="12700">
               <a:solidFill>
-                <a:srgbClr val="AC9D8E"/>
+                <a:srgbClr val="ac9d8e"/>
               </a:solidFill>
             </a:ln>
           </p:spPr>
@@ -7015,13 +7518,7 @@
         </p:cxnSp>
         <p:cxnSp>
           <p:nvCxnSpPr>
-            <p:cNvPr id="49" name="직선 연결선 48">
-              <a:extLst>
-                <a:ext uri="{FF2B5EF4-FFF2-40B4-BE49-F238E27FC236}">
-                  <a16:creationId xmlns:a16="http://schemas.microsoft.com/office/drawing/2014/main" id="{8DF5B429-A9C8-410D-A763-A82DD49890F5}"/>
-                </a:ext>
-              </a:extLst>
-            </p:cNvPr>
+            <p:cNvPr id="25" name="직선 연결선 24"/>
             <p:cNvCxnSpPr/>
             <p:nvPr/>
           </p:nvCxnSpPr>
@@ -7035,7 +7532,7 @@
             </a:prstGeom>
             <a:ln w="12700">
               <a:solidFill>
-                <a:srgbClr val="AC9D8E"/>
+                <a:srgbClr val="ac9d8e"/>
               </a:solidFill>
             </a:ln>
           </p:spPr>
@@ -7056,13 +7553,7 @@
         </p:cxnSp>
         <p:cxnSp>
           <p:nvCxnSpPr>
-            <p:cNvPr id="51" name="직선 연결선 50">
-              <a:extLst>
-                <a:ext uri="{FF2B5EF4-FFF2-40B4-BE49-F238E27FC236}">
-                  <a16:creationId xmlns:a16="http://schemas.microsoft.com/office/drawing/2014/main" id="{F3AD4E31-8EC1-43C9-BA21-3E5CE7924706}"/>
-                </a:ext>
-              </a:extLst>
-            </p:cNvPr>
+            <p:cNvPr id="26" name="직선 연결선 25"/>
             <p:cNvCxnSpPr/>
             <p:nvPr/>
           </p:nvCxnSpPr>
@@ -7076,7 +7567,7 @@
             </a:prstGeom>
             <a:ln w="12700">
               <a:solidFill>
-                <a:srgbClr val="AC9D8E"/>
+                <a:srgbClr val="ac9d8e"/>
               </a:solidFill>
             </a:ln>
           </p:spPr>
@@ -7098,20 +7589,14 @@
       </p:grpSp>
       <p:sp>
         <p:nvSpPr>
-          <p:cNvPr id="2" name="TextBox 1">
-            <a:extLst>
-              <a:ext uri="{FF2B5EF4-FFF2-40B4-BE49-F238E27FC236}">
-                <a16:creationId xmlns:a16="http://schemas.microsoft.com/office/drawing/2014/main" id="{5AFF9ABB-33BC-4EB5-BA4F-C3020F548D66}"/>
-              </a:ext>
-            </a:extLst>
-          </p:cNvPr>
+          <p:cNvPr id="27" name="TextBox 26"/>
           <p:cNvSpPr txBox="1"/>
           <p:nvPr/>
         </p:nvSpPr>
         <p:spPr>
           <a:xfrm>
-            <a:off x="1268142" y="1611934"/>
-            <a:ext cx="6189707" cy="646331"/>
+            <a:off x="2622054" y="1486705"/>
+            <a:ext cx="1379789" cy="1614393"/>
           </a:xfrm>
           <a:prstGeom prst="rect">
             <a:avLst/>
@@ -7119,349 +7604,86 @@
           <a:noFill/>
         </p:spPr>
         <p:txBody>
-          <a:bodyPr wrap="square" rtlCol="0">
+          <a:bodyPr wrap="square">
             <a:spAutoFit/>
           </a:bodyPr>
           <a:lstStyle/>
           <a:p>
-            <a:r>
-              <a:rPr lang="ko-KR" altLang="en-US" sz="3600" dirty="0" smtClean="0">
-                <a:latin typeface="DX영화자막 M" panose="02020600000000000000" pitchFamily="18" charset="-127"/>
-                <a:ea typeface="DX영화자막 M" panose="02020600000000000000" pitchFamily="18" charset="-127"/>
+            <a:pPr algn="ctr">
+              <a:defRPr/>
+            </a:pPr>
+            <a:r>
+              <a:rPr lang="en-US" altLang="ko-KR" sz="10000">
+                <a:solidFill>
+                  <a:srgbClr val="9a8b85"/>
+                </a:solidFill>
+                <a:latin typeface="휴먼옛체"/>
+                <a:ea typeface="휴먼옛체"/>
               </a:rPr>
-              <a:t>홍논문</a:t>
-            </a:r>
-            <a:endParaRPr lang="en-US" altLang="ko-KR" sz="3600" dirty="0">
-              <a:latin typeface="DX영화자막 M" panose="02020600000000000000" pitchFamily="18" charset="-127"/>
-              <a:ea typeface="DX영화자막 M" panose="02020600000000000000" pitchFamily="18" charset="-127"/>
+              <a:t>“</a:t>
+            </a:r>
+            <a:endParaRPr lang="ko-KR" altLang="en-US" sz="10000">
+              <a:solidFill>
+                <a:srgbClr val="9a8b85"/>
+              </a:solidFill>
+              <a:latin typeface="휴먼옛체"/>
+              <a:ea typeface="휴먼옛체"/>
             </a:endParaRPr>
           </a:p>
         </p:txBody>
       </p:sp>
       <p:sp>
         <p:nvSpPr>
-          <p:cNvPr id="5" name="직사각형 4">
-            <a:extLst>
-              <a:ext uri="{FF2B5EF4-FFF2-40B4-BE49-F238E27FC236}">
-                <a16:creationId xmlns:a16="http://schemas.microsoft.com/office/drawing/2014/main" id="{1C0DD377-84D8-41C9-85DE-B09F8D209679}"/>
-              </a:ext>
-            </a:extLst>
-          </p:cNvPr>
+          <p:cNvPr id="28" name="직사각형 27"/>
           <p:cNvSpPr/>
           <p:nvPr/>
         </p:nvSpPr>
         <p:spPr>
           <a:xfrm>
-            <a:off x="1431961" y="2449168"/>
-            <a:ext cx="885524" cy="487788"/>
+            <a:off x="2712275" y="5245646"/>
+            <a:ext cx="1453225" cy="1612354"/>
           </a:xfrm>
-          <a:custGeom>
+          <a:prstGeom prst="rect">
             <a:avLst/>
-            <a:gdLst>
-              <a:gd name="connsiteX0" fmla="*/ 0 w 885524"/>
-              <a:gd name="connsiteY0" fmla="*/ 0 h 487788"/>
-              <a:gd name="connsiteX1" fmla="*/ 885524 w 885524"/>
-              <a:gd name="connsiteY1" fmla="*/ 0 h 487788"/>
-              <a:gd name="connsiteX2" fmla="*/ 885524 w 885524"/>
-              <a:gd name="connsiteY2" fmla="*/ 487788 h 487788"/>
-              <a:gd name="connsiteX3" fmla="*/ 0 w 885524"/>
-              <a:gd name="connsiteY3" fmla="*/ 487788 h 487788"/>
-              <a:gd name="connsiteX4" fmla="*/ 0 w 885524"/>
-              <a:gd name="connsiteY4" fmla="*/ 0 h 487788"/>
-            </a:gdLst>
-            <a:ahLst/>
-            <a:cxnLst>
-              <a:cxn ang="0">
-                <a:pos x="connsiteX0" y="connsiteY0"/>
-              </a:cxn>
-              <a:cxn ang="0">
-                <a:pos x="connsiteX1" y="connsiteY1"/>
-              </a:cxn>
-              <a:cxn ang="0">
-                <a:pos x="connsiteX2" y="connsiteY2"/>
-              </a:cxn>
-              <a:cxn ang="0">
-                <a:pos x="connsiteX3" y="connsiteY3"/>
-              </a:cxn>
-              <a:cxn ang="0">
-                <a:pos x="connsiteX4" y="connsiteY4"/>
-              </a:cxn>
-            </a:cxnLst>
-            <a:rect l="l" t="t" r="r" b="b"/>
-            <a:pathLst>
-              <a:path w="885524" h="487788" extrusionOk="0">
-                <a:moveTo>
-                  <a:pt x="0" y="0"/>
-                </a:moveTo>
-                <a:cubicBezTo>
-                  <a:pt x="147585" y="73323"/>
-                  <a:pt x="474504" y="43906"/>
-                  <a:pt x="885524" y="0"/>
-                </a:cubicBezTo>
-                <a:cubicBezTo>
-                  <a:pt x="866863" y="85762"/>
-                  <a:pt x="848666" y="279246"/>
-                  <a:pt x="885524" y="487788"/>
-                </a:cubicBezTo>
-                <a:cubicBezTo>
-                  <a:pt x="603390" y="566340"/>
-                  <a:pt x="377373" y="441160"/>
-                  <a:pt x="0" y="487788"/>
-                </a:cubicBezTo>
-                <a:cubicBezTo>
-                  <a:pt x="14357" y="340894"/>
-                  <a:pt x="31857" y="149382"/>
-                  <a:pt x="0" y="0"/>
-                </a:cubicBezTo>
-                <a:close/>
-              </a:path>
-            </a:pathLst>
-          </a:custGeom>
-          <a:noFill/>
-          <a:ln>
-            <a:solidFill>
-              <a:srgbClr val="9A8B85"/>
-            </a:solidFill>
-            <a:extLst>
-              <a:ext uri="{C807C97D-BFC1-408E-A445-0C87EB9F89A2}">
-                <ask:lineSketchStyleProps xmlns="" xmlns:ask="http://schemas.microsoft.com/office/drawing/2018/sketchyshapes" sd="1617256088">
-                  <a:prstGeom prst="rect">
-                    <a:avLst/>
-                  </a:prstGeom>
-                  <ask:type>
-                    <ask:lineSketchCurved/>
-                  </ask:type>
-                </ask:lineSketchStyleProps>
-              </a:ext>
-            </a:extLst>
-          </a:ln>
+          </a:prstGeom>
         </p:spPr>
-        <p:style>
-          <a:lnRef idx="2">
-            <a:schemeClr val="accent1">
-              <a:shade val="50000"/>
-            </a:schemeClr>
-          </a:lnRef>
-          <a:fillRef idx="1">
-            <a:schemeClr val="accent1"/>
-          </a:fillRef>
-          <a:effectRef idx="0">
-            <a:schemeClr val="accent1"/>
-          </a:effectRef>
-          <a:fontRef idx="minor">
-            <a:schemeClr val="lt1"/>
-          </a:fontRef>
-        </p:style>
-        <p:txBody>
-          <a:bodyPr rtlCol="0" anchor="ctr"/>
+        <p:txBody>
+          <a:bodyPr wrap="square">
+            <a:spAutoFit/>
+          </a:bodyPr>
           <a:lstStyle/>
           <a:p>
-            <a:pPr algn="ctr"/>
-            <a:endParaRPr lang="ko-KR" altLang="en-US" dirty="0"/>
-          </a:p>
-        </p:txBody>
-      </p:sp>
-      <p:sp>
-        <p:nvSpPr>
-          <p:cNvPr id="24" name="직사각형 23">
-            <a:extLst>
-              <a:ext uri="{FF2B5EF4-FFF2-40B4-BE49-F238E27FC236}">
-                <a16:creationId xmlns:a16="http://schemas.microsoft.com/office/drawing/2014/main" id="{A1661E96-A081-4603-B2C5-0BC13D8B72F1}"/>
-              </a:ext>
-            </a:extLst>
-          </p:cNvPr>
-          <p:cNvSpPr/>
+            <a:pPr algn="ctr">
+              <a:defRPr/>
+            </a:pPr>
+            <a:r>
+              <a:rPr lang="en-US" altLang="ko-KR" sz="10000">
+                <a:solidFill>
+                  <a:srgbClr val="9a8b85"/>
+                </a:solidFill>
+                <a:latin typeface="휴먼옛체"/>
+                <a:ea typeface="휴먼옛체"/>
+              </a:rPr>
+              <a:t>”</a:t>
+            </a:r>
+            <a:endParaRPr lang="ko-KR" altLang="en-US" sz="10000">
+              <a:solidFill>
+                <a:srgbClr val="9a8b85"/>
+              </a:solidFill>
+            </a:endParaRPr>
+          </a:p>
+        </p:txBody>
+      </p:sp>
+      <p:sp>
+        <p:nvSpPr>
+          <p:cNvPr id="29" name="TextBox 28"/>
+          <p:cNvSpPr txBox="1"/>
           <p:nvPr/>
         </p:nvSpPr>
         <p:spPr>
           <a:xfrm>
-            <a:off x="1410413" y="2487669"/>
-            <a:ext cx="885524" cy="487788"/>
-          </a:xfrm>
-          <a:custGeom>
-            <a:avLst/>
-            <a:gdLst>
-              <a:gd name="connsiteX0" fmla="*/ 0 w 885524"/>
-              <a:gd name="connsiteY0" fmla="*/ 0 h 487788"/>
-              <a:gd name="connsiteX1" fmla="*/ 442762 w 885524"/>
-              <a:gd name="connsiteY1" fmla="*/ 0 h 487788"/>
-              <a:gd name="connsiteX2" fmla="*/ 885524 w 885524"/>
-              <a:gd name="connsiteY2" fmla="*/ 0 h 487788"/>
-              <a:gd name="connsiteX3" fmla="*/ 885524 w 885524"/>
-              <a:gd name="connsiteY3" fmla="*/ 487788 h 487788"/>
-              <a:gd name="connsiteX4" fmla="*/ 425052 w 885524"/>
-              <a:gd name="connsiteY4" fmla="*/ 487788 h 487788"/>
-              <a:gd name="connsiteX5" fmla="*/ 0 w 885524"/>
-              <a:gd name="connsiteY5" fmla="*/ 487788 h 487788"/>
-              <a:gd name="connsiteX6" fmla="*/ 0 w 885524"/>
-              <a:gd name="connsiteY6" fmla="*/ 0 h 487788"/>
-            </a:gdLst>
-            <a:ahLst/>
-            <a:cxnLst>
-              <a:cxn ang="0">
-                <a:pos x="connsiteX0" y="connsiteY0"/>
-              </a:cxn>
-              <a:cxn ang="0">
-                <a:pos x="connsiteX1" y="connsiteY1"/>
-              </a:cxn>
-              <a:cxn ang="0">
-                <a:pos x="connsiteX2" y="connsiteY2"/>
-              </a:cxn>
-              <a:cxn ang="0">
-                <a:pos x="connsiteX3" y="connsiteY3"/>
-              </a:cxn>
-              <a:cxn ang="0">
-                <a:pos x="connsiteX4" y="connsiteY4"/>
-              </a:cxn>
-              <a:cxn ang="0">
-                <a:pos x="connsiteX5" y="connsiteY5"/>
-              </a:cxn>
-              <a:cxn ang="0">
-                <a:pos x="connsiteX6" y="connsiteY6"/>
-              </a:cxn>
-            </a:cxnLst>
-            <a:rect l="l" t="t" r="r" b="b"/>
-            <a:pathLst>
-              <a:path w="885524" h="487788" fill="none" extrusionOk="0">
-                <a:moveTo>
-                  <a:pt x="0" y="0"/>
-                </a:moveTo>
-                <a:cubicBezTo>
-                  <a:pt x="189876" y="-27532"/>
-                  <a:pt x="326699" y="51795"/>
-                  <a:pt x="442762" y="0"/>
-                </a:cubicBezTo>
-                <a:cubicBezTo>
-                  <a:pt x="558825" y="-51795"/>
-                  <a:pt x="711044" y="33536"/>
-                  <a:pt x="885524" y="0"/>
-                </a:cubicBezTo>
-                <a:cubicBezTo>
-                  <a:pt x="936190" y="142469"/>
-                  <a:pt x="840840" y="332089"/>
-                  <a:pt x="885524" y="487788"/>
-                </a:cubicBezTo>
-                <a:cubicBezTo>
-                  <a:pt x="725718" y="528142"/>
-                  <a:pt x="590941" y="462966"/>
-                  <a:pt x="425052" y="487788"/>
-                </a:cubicBezTo>
-                <a:cubicBezTo>
-                  <a:pt x="259163" y="512610"/>
-                  <a:pt x="96867" y="465139"/>
-                  <a:pt x="0" y="487788"/>
-                </a:cubicBezTo>
-                <a:cubicBezTo>
-                  <a:pt x="-48569" y="321016"/>
-                  <a:pt x="48220" y="217248"/>
-                  <a:pt x="0" y="0"/>
-                </a:cubicBezTo>
-                <a:close/>
-              </a:path>
-              <a:path w="885524" h="487788" stroke="0" extrusionOk="0">
-                <a:moveTo>
-                  <a:pt x="0" y="0"/>
-                </a:moveTo>
-                <a:cubicBezTo>
-                  <a:pt x="122179" y="-35847"/>
-                  <a:pt x="263364" y="18882"/>
-                  <a:pt x="442762" y="0"/>
-                </a:cubicBezTo>
-                <a:cubicBezTo>
-                  <a:pt x="622160" y="-18882"/>
-                  <a:pt x="685164" y="38820"/>
-                  <a:pt x="885524" y="0"/>
-                </a:cubicBezTo>
-                <a:cubicBezTo>
-                  <a:pt x="938868" y="105536"/>
-                  <a:pt x="839505" y="276099"/>
-                  <a:pt x="885524" y="487788"/>
-                </a:cubicBezTo>
-                <a:cubicBezTo>
-                  <a:pt x="734272" y="498127"/>
-                  <a:pt x="572546" y="440618"/>
-                  <a:pt x="469328" y="487788"/>
-                </a:cubicBezTo>
-                <a:cubicBezTo>
-                  <a:pt x="366110" y="534958"/>
-                  <a:pt x="174657" y="465725"/>
-                  <a:pt x="0" y="487788"/>
-                </a:cubicBezTo>
-                <a:cubicBezTo>
-                  <a:pt x="-13226" y="342024"/>
-                  <a:pt x="54406" y="214492"/>
-                  <a:pt x="0" y="0"/>
-                </a:cubicBezTo>
-                <a:close/>
-              </a:path>
-            </a:pathLst>
-          </a:custGeom>
-          <a:solidFill>
-            <a:srgbClr val="D1C9C1"/>
-          </a:solidFill>
-          <a:ln>
-            <a:solidFill>
-              <a:srgbClr val="9A8B85"/>
-            </a:solidFill>
-            <a:extLst>
-              <a:ext uri="{C807C97D-BFC1-408E-A445-0C87EB9F89A2}">
-                <ask:lineSketchStyleProps xmlns="" xmlns:ask="http://schemas.microsoft.com/office/drawing/2018/sketchyshapes" sd="1617256088">
-                  <a:prstGeom prst="rect">
-                    <a:avLst/>
-                  </a:prstGeom>
-                  <ask:type>
-                    <ask:lineSketchScribble/>
-                  </ask:type>
-                </ask:lineSketchStyleProps>
-              </a:ext>
-            </a:extLst>
-          </a:ln>
-        </p:spPr>
-        <p:style>
-          <a:lnRef idx="2">
-            <a:schemeClr val="accent1">
-              <a:shade val="50000"/>
-            </a:schemeClr>
-          </a:lnRef>
-          <a:fillRef idx="1">
-            <a:schemeClr val="accent1"/>
-          </a:fillRef>
-          <a:effectRef idx="0">
-            <a:schemeClr val="accent1"/>
-          </a:effectRef>
-          <a:fontRef idx="minor">
-            <a:schemeClr val="lt1"/>
-          </a:fontRef>
-        </p:style>
-        <p:txBody>
-          <a:bodyPr rtlCol="0" anchor="ctr"/>
-          <a:lstStyle/>
-          <a:p>
-            <a:pPr algn="ctr"/>
-            <a:endParaRPr lang="ko-KR" altLang="en-US" dirty="0">
-              <a:solidFill>
-                <a:sysClr val="windowText" lastClr="000000"/>
-              </a:solidFill>
-            </a:endParaRPr>
-          </a:p>
-        </p:txBody>
-      </p:sp>
-      <p:sp>
-        <p:nvSpPr>
-          <p:cNvPr id="6" name="TextBox 5">
-            <a:extLst>
-              <a:ext uri="{FF2B5EF4-FFF2-40B4-BE49-F238E27FC236}">
-                <a16:creationId xmlns:a16="http://schemas.microsoft.com/office/drawing/2014/main" id="{C150FF80-A773-472A-86B1-17473A0375BA}"/>
-              </a:ext>
-            </a:extLst>
-          </p:cNvPr>
-          <p:cNvSpPr txBox="1"/>
-          <p:nvPr/>
-        </p:nvSpPr>
-        <p:spPr>
-          <a:xfrm>
-            <a:off x="1477790" y="2555388"/>
-            <a:ext cx="750769" cy="369332"/>
+            <a:off x="8161965" y="1483595"/>
+            <a:ext cx="1379789" cy="1614536"/>
           </a:xfrm>
           <a:prstGeom prst="rect">
             <a:avLst/>
@@ -7469,240 +7691,86 @@
           <a:noFill/>
         </p:spPr>
         <p:txBody>
-          <a:bodyPr wrap="square" rtlCol="0">
+          <a:bodyPr wrap="square">
             <a:spAutoFit/>
           </a:bodyPr>
           <a:lstStyle/>
           <a:p>
-            <a:pPr algn="ctr"/>
-            <a:r>
-              <a:rPr lang="ko-KR" altLang="en-US" b="1" dirty="0">
+            <a:pPr algn="ctr">
+              <a:defRPr/>
+            </a:pPr>
+            <a:r>
+              <a:rPr lang="en-US" altLang="ko-KR" sz="10000">
                 <a:solidFill>
-                  <a:sysClr val="windowText" lastClr="000000"/>
+                  <a:srgbClr val="9a8b85"/>
                 </a:solidFill>
-                <a:latin typeface="DX영화자막 M" panose="02020600000000000000" pitchFamily="18" charset="-127"/>
-                <a:ea typeface="DX영화자막 M" panose="02020600000000000000" pitchFamily="18" charset="-127"/>
+                <a:latin typeface="휴먼옛체"/>
+                <a:ea typeface="휴먼옛체"/>
               </a:rPr>
-              <a:t>소 개</a:t>
-            </a:r>
-          </a:p>
-        </p:txBody>
-      </p:sp>
-      <p:sp>
-        <p:nvSpPr>
-          <p:cNvPr id="7" name="직사각형 6">
-            <a:extLst>
-              <a:ext uri="{FF2B5EF4-FFF2-40B4-BE49-F238E27FC236}">
-                <a16:creationId xmlns:a16="http://schemas.microsoft.com/office/drawing/2014/main" id="{C2451136-5BF0-48D2-B36C-68ADD7B20E74}"/>
-              </a:ext>
-            </a:extLst>
-          </p:cNvPr>
+              <a:t>“</a:t>
+            </a:r>
+            <a:endParaRPr lang="ko-KR" altLang="en-US" sz="10000">
+              <a:solidFill>
+                <a:srgbClr val="9a8b85"/>
+              </a:solidFill>
+              <a:latin typeface="휴먼옛체"/>
+              <a:ea typeface="휴먼옛체"/>
+            </a:endParaRPr>
+          </a:p>
+        </p:txBody>
+      </p:sp>
+      <p:sp>
+        <p:nvSpPr>
+          <p:cNvPr id="30" name="직사각형 29"/>
           <p:cNvSpPr/>
           <p:nvPr/>
         </p:nvSpPr>
         <p:spPr>
           <a:xfrm>
-            <a:off x="1268142" y="3189505"/>
-            <a:ext cx="6096000" cy="743280"/>
+            <a:off x="8251570" y="5249796"/>
+            <a:ext cx="1451096" cy="1608204"/>
           </a:xfrm>
           <a:prstGeom prst="rect">
             <a:avLst/>
           </a:prstGeom>
         </p:spPr>
         <p:txBody>
-          <a:bodyPr>
+          <a:bodyPr wrap="none">
             <a:spAutoFit/>
           </a:bodyPr>
           <a:lstStyle/>
           <a:p>
-            <a:pPr>
-              <a:lnSpc>
-                <a:spcPct val="120000"/>
-              </a:lnSpc>
+            <a:pPr algn="ctr">
+              <a:defRPr/>
             </a:pPr>
             <a:r>
-              <a:rPr lang="ko-KR" altLang="en-US" dirty="0">
-                <a:latin typeface="DX영화자막 M" panose="02020600000000000000" pitchFamily="18" charset="-127"/>
-                <a:ea typeface="DX영화자막 M" panose="02020600000000000000" pitchFamily="18" charset="-127"/>
+              <a:rPr lang="en-US" altLang="ko-KR" sz="10000">
+                <a:solidFill>
+                  <a:srgbClr val="9a8b85"/>
+                </a:solidFill>
+                <a:latin typeface="휴먼옛체"/>
+                <a:ea typeface="휴먼옛체"/>
               </a:rPr>
-              <a:t>진지하지만 심각하지 않은 사람</a:t>
-            </a:r>
-            <a:r>
-              <a:rPr lang="en-US" altLang="ko-KR" dirty="0">
-                <a:latin typeface="DX영화자막 M" panose="02020600000000000000" pitchFamily="18" charset="-127"/>
-                <a:ea typeface="DX영화자막 M" panose="02020600000000000000" pitchFamily="18" charset="-127"/>
-              </a:rPr>
-              <a:t>. </a:t>
-            </a:r>
-            <a:r>
-              <a:rPr lang="ko-KR" altLang="en-US" dirty="0">
-                <a:latin typeface="DX영화자막 M" panose="02020600000000000000" pitchFamily="18" charset="-127"/>
-                <a:ea typeface="DX영화자막 M" panose="02020600000000000000" pitchFamily="18" charset="-127"/>
-              </a:rPr>
-              <a:t>밝지만 가볍지 않은 사람</a:t>
-            </a:r>
-            <a:r>
-              <a:rPr lang="en-US" altLang="ko-KR" dirty="0">
-                <a:latin typeface="DX영화자막 M" panose="02020600000000000000" pitchFamily="18" charset="-127"/>
-                <a:ea typeface="DX영화자막 M" panose="02020600000000000000" pitchFamily="18" charset="-127"/>
-              </a:rPr>
-              <a:t>.</a:t>
-            </a:r>
-          </a:p>
-          <a:p>
-            <a:pPr>
-              <a:lnSpc>
-                <a:spcPct val="120000"/>
-              </a:lnSpc>
-            </a:pPr>
-            <a:r>
-              <a:rPr lang="ko-KR" altLang="en-US" dirty="0">
-                <a:latin typeface="DX영화자막 M" panose="02020600000000000000" pitchFamily="18" charset="-127"/>
-                <a:ea typeface="DX영화자막 M" panose="02020600000000000000" pitchFamily="18" charset="-127"/>
-              </a:rPr>
-              <a:t>일러스트레이더 겸 글쟁이이자</a:t>
-            </a:r>
-            <a:r>
-              <a:rPr lang="en-US" altLang="ko-KR" dirty="0">
-                <a:latin typeface="DX영화자막 M" panose="02020600000000000000" pitchFamily="18" charset="-127"/>
-                <a:ea typeface="DX영화자막 M" panose="02020600000000000000" pitchFamily="18" charset="-127"/>
-              </a:rPr>
-              <a:t> </a:t>
-            </a:r>
-            <a:r>
-              <a:rPr lang="ko-KR" altLang="en-US" dirty="0">
-                <a:latin typeface="DX영화자막 M" panose="02020600000000000000" pitchFamily="18" charset="-127"/>
-                <a:ea typeface="DX영화자막 M" panose="02020600000000000000" pitchFamily="18" charset="-127"/>
-              </a:rPr>
-              <a:t>괜찮은 그래픽 디자이너</a:t>
-            </a:r>
-            <a:r>
-              <a:rPr lang="en-US" altLang="ko-KR" dirty="0">
-                <a:latin typeface="DX영화자막 M" panose="02020600000000000000" pitchFamily="18" charset="-127"/>
-                <a:ea typeface="DX영화자막 M" panose="02020600000000000000" pitchFamily="18" charset="-127"/>
-              </a:rPr>
-              <a:t>.</a:t>
-            </a:r>
-          </a:p>
-        </p:txBody>
-      </p:sp>
-      <p:sp>
-        <p:nvSpPr>
-          <p:cNvPr id="31" name="TextBox 30">
-            <a:extLst>
-              <a:ext uri="{FF2B5EF4-FFF2-40B4-BE49-F238E27FC236}">
-                <a16:creationId xmlns:a16="http://schemas.microsoft.com/office/drawing/2014/main" id="{944F2719-3751-4CD1-9C03-EEA3C844CBF0}"/>
-              </a:ext>
-            </a:extLst>
-          </p:cNvPr>
+              <a:t>”</a:t>
+            </a:r>
+            <a:endParaRPr lang="ko-KR" altLang="en-US" sz="10000">
+              <a:solidFill>
+                <a:srgbClr val="9a8b85"/>
+              </a:solidFill>
+            </a:endParaRPr>
+          </a:p>
+        </p:txBody>
+      </p:sp>
+      <p:sp>
+        <p:nvSpPr>
+          <p:cNvPr id="32" name="TextBox 31"/>
           <p:cNvSpPr txBox="1"/>
           <p:nvPr/>
         </p:nvSpPr>
         <p:spPr>
           <a:xfrm>
-            <a:off x="8560905" y="6493565"/>
-            <a:ext cx="3578087" cy="307777"/>
-          </a:xfrm>
-          <a:prstGeom prst="rect">
-            <a:avLst/>
-          </a:prstGeom>
-          <a:noFill/>
-        </p:spPr>
-        <p:txBody>
-          <a:bodyPr wrap="square" rtlCol="0">
-            <a:spAutoFit/>
-          </a:bodyPr>
-          <a:lstStyle/>
-          <a:p>
-            <a:pPr algn="r"/>
-            <a:r>
-              <a:rPr lang="ko-KR" altLang="en-US" sz="1400" dirty="0">
-                <a:latin typeface="210 스탠다드 030" panose="02020603020101020101" pitchFamily="18" charset="-127"/>
-                <a:ea typeface="210 스탠다드 030" panose="02020603020101020101" pitchFamily="18" charset="-127"/>
-              </a:rPr>
-              <a:t>출처 </a:t>
-            </a:r>
-            <a:r>
-              <a:rPr lang="ko-KR" altLang="en-US" sz="1400" dirty="0" err="1">
-                <a:latin typeface="210 스탠다드 030" panose="02020603020101020101" pitchFamily="18" charset="-127"/>
-                <a:ea typeface="210 스탠다드 030" panose="02020603020101020101" pitchFamily="18" charset="-127"/>
-              </a:rPr>
-              <a:t>어반브러시</a:t>
-            </a:r>
-            <a:r>
-              <a:rPr lang="ko-KR" altLang="en-US" sz="1400" dirty="0">
-                <a:latin typeface="210 스탠다드 030" panose="02020603020101020101" pitchFamily="18" charset="-127"/>
-                <a:ea typeface="210 스탠다드 030" panose="02020603020101020101" pitchFamily="18" charset="-127"/>
-              </a:rPr>
-              <a:t> </a:t>
-            </a:r>
-            <a:r>
-              <a:rPr lang="en-US" altLang="ko-KR" sz="1400" dirty="0">
-                <a:latin typeface="210 스탠다드 030" panose="02020603020101020101" pitchFamily="18" charset="-127"/>
-                <a:ea typeface="210 스탠다드 030" panose="02020603020101020101" pitchFamily="18" charset="-127"/>
-              </a:rPr>
-              <a:t>Tommy</a:t>
-            </a:r>
-            <a:endParaRPr lang="ko-KR" altLang="en-US" sz="1400" dirty="0">
-              <a:latin typeface="210 스탠다드 030" panose="02020603020101020101" pitchFamily="18" charset="-127"/>
-              <a:ea typeface="210 스탠다드 030" panose="02020603020101020101" pitchFamily="18" charset="-127"/>
-            </a:endParaRPr>
-          </a:p>
-        </p:txBody>
-      </p:sp>
-      <p:pic>
-        <p:nvPicPr>
-          <p:cNvPr id="10" name="그림 9">
-            <a:extLst>
-              <a:ext uri="{FF2B5EF4-FFF2-40B4-BE49-F238E27FC236}">
-                <a16:creationId xmlns:a16="http://schemas.microsoft.com/office/drawing/2014/main" id="{D689EA8B-858C-405D-A33A-DFBEDAD68485}"/>
-              </a:ext>
-            </a:extLst>
-          </p:cNvPr>
-          <p:cNvPicPr>
-            <a:picLocks noChangeAspect="1"/>
-          </p:cNvPicPr>
-          <p:nvPr/>
-        </p:nvPicPr>
-        <p:blipFill rotWithShape="1">
-          <a:blip r:embed="rId2">
-            <a:duotone>
-              <a:schemeClr val="accent3">
-                <a:shade val="45000"/>
-                <a:satMod val="135000"/>
-              </a:schemeClr>
-              <a:prstClr val="white"/>
-            </a:duotone>
-          </a:blip>
-          <a:srcRect l="9834" t="7113" r="34884" b="17644"/>
-          <a:stretch/>
-        </p:blipFill>
-        <p:spPr>
-          <a:xfrm flipH="1">
-            <a:off x="8524889" y="972028"/>
-            <a:ext cx="3578088" cy="5160176"/>
-          </a:xfrm>
-          <a:prstGeom prst="rect">
-            <a:avLst/>
-          </a:prstGeom>
-        </p:spPr>
-      </p:pic>
-      <p:sp>
-        <p:nvSpPr>
-          <p:cNvPr id="36" name="TextBox 35">
-            <a:extLst>
-              <a:ext uri="{FF2B5EF4-FFF2-40B4-BE49-F238E27FC236}">
-                <a16:creationId xmlns:a16="http://schemas.microsoft.com/office/drawing/2014/main" id="{C3452619-EFA6-4484-B5BF-1AD9C551E986}"/>
-              </a:ext>
-            </a:extLst>
-          </p:cNvPr>
-          <p:cNvSpPr txBox="1"/>
-          <p:nvPr/>
-        </p:nvSpPr>
-        <p:spPr>
-          <a:xfrm>
-            <a:off x="5353147" y="732599"/>
-            <a:ext cx="1499547" cy="461665"/>
+            <a:off x="2589326" y="2292914"/>
+            <a:ext cx="1499547" cy="449383"/>
           </a:xfrm>
           <a:prstGeom prst="rect">
             <a:avLst/>
@@ -7713,619 +7781,48 @@
           </a:ln>
         </p:spPr>
         <p:txBody>
-          <a:bodyPr wrap="square" rtlCol="0">
+          <a:bodyPr wrap="square">
             <a:spAutoFit/>
           </a:bodyPr>
           <a:lstStyle/>
           <a:p>
-            <a:r>
-              <a:rPr lang="ko-KR" altLang="en-US" sz="2400" dirty="0" smtClean="0">
+            <a:pPr lvl="0">
+              <a:defRPr/>
+            </a:pPr>
+            <a:r>
+              <a:rPr lang="ko-KR" altLang="en-US" sz="2400">
                 <a:solidFill>
                   <a:schemeClr val="tx1">
                     <a:alpha val="71000"/>
                   </a:schemeClr>
                 </a:solidFill>
-                <a:latin typeface="DX영화자막 M" panose="02020600000000000000" pitchFamily="18" charset="-127"/>
-                <a:ea typeface="DX영화자막 M" panose="02020600000000000000" pitchFamily="18" charset="-127"/>
+                <a:latin typeface="DX영화자막 M"/>
+                <a:ea typeface="DX영화자막 M"/>
               </a:rPr>
-              <a:t>작가소개</a:t>
-            </a:r>
-            <a:endParaRPr lang="ko-KR" altLang="en-US" sz="2400" dirty="0">
+              <a:t>슬로싱킹</a:t>
+            </a:r>
+            <a:endParaRPr lang="ko-KR" altLang="en-US" sz="2400">
               <a:solidFill>
                 <a:schemeClr val="tx1">
                   <a:alpha val="71000"/>
                 </a:schemeClr>
               </a:solidFill>
-              <a:latin typeface="DX영화자막 M" panose="02020600000000000000" pitchFamily="18" charset="-127"/>
-              <a:ea typeface="DX영화자막 M" panose="02020600000000000000" pitchFamily="18" charset="-127"/>
+              <a:latin typeface="DX영화자막 M"/>
+              <a:ea typeface="DX영화자막 M"/>
             </a:endParaRPr>
           </a:p>
         </p:txBody>
       </p:sp>
-      <p:pic>
-        <p:nvPicPr>
-          <p:cNvPr id="8" name="그림 7"/>
-          <p:cNvPicPr>
-            <a:picLocks noChangeAspect="1"/>
-          </p:cNvPicPr>
+      <p:sp>
+        <p:nvSpPr>
+          <p:cNvPr id="33" name="순서도: 처리 61"/>
+          <p:cNvSpPr/>
           <p:nvPr/>
-        </p:nvPicPr>
-        <p:blipFill>
-          <a:blip r:embed="rId3">
-            <a:extLst>
-              <a:ext uri="{28A0092B-C50C-407E-A947-70E740481C1C}">
-                <a14:useLocalDpi xmlns:a14="http://schemas.microsoft.com/office/drawing/2010/main" val="0"/>
-              </a:ext>
-            </a:extLst>
-          </a:blip>
-          <a:stretch>
-            <a:fillRect/>
-          </a:stretch>
-        </p:blipFill>
+        </p:nvSpPr>
         <p:spPr>
           <a:xfrm>
-            <a:off x="0" y="-1"/>
-            <a:ext cx="12192000" cy="9134475"/>
-          </a:xfrm>
-          <a:prstGeom prst="rect">
-            <a:avLst/>
-          </a:prstGeom>
-        </p:spPr>
-      </p:pic>
-      <p:sp>
-        <p:nvSpPr>
-          <p:cNvPr id="17" name="TextBox 16">
-            <a:extLst>
-              <a:ext uri="{FF2B5EF4-FFF2-40B4-BE49-F238E27FC236}">
-                <a16:creationId xmlns:a16="http://schemas.microsoft.com/office/drawing/2014/main" id="{FC951402-AD1C-4766-816D-91425216020D}"/>
-              </a:ext>
-            </a:extLst>
-          </p:cNvPr>
-          <p:cNvSpPr txBox="1"/>
-          <p:nvPr/>
-        </p:nvSpPr>
-        <p:spPr>
-          <a:xfrm flipH="1">
-            <a:off x="5041092" y="342101"/>
-            <a:ext cx="2123658" cy="307777"/>
-          </a:xfrm>
-          <a:prstGeom prst="rect">
-            <a:avLst/>
-          </a:prstGeom>
-          <a:noFill/>
-        </p:spPr>
-        <p:txBody>
-          <a:bodyPr vert="horz" wrap="square" rtlCol="0">
-            <a:spAutoFit/>
-          </a:bodyPr>
-          <a:lstStyle/>
-          <a:p>
-            <a:pPr algn="dist"/>
-            <a:r>
-              <a:rPr lang="en-US" altLang="ko-KR" sz="1400" dirty="0" smtClean="0">
-                <a:solidFill>
-                  <a:schemeClr val="tx1">
-                    <a:alpha val="71000"/>
-                  </a:schemeClr>
-                </a:solidFill>
-                <a:latin typeface="DX영화자막 M" panose="02020600000000000000" pitchFamily="18" charset="-127"/>
-                <a:ea typeface="DX영화자막 M" panose="02020600000000000000" pitchFamily="18" charset="-127"/>
-              </a:rPr>
-              <a:t>SLOW THINKING</a:t>
-            </a:r>
-            <a:endParaRPr lang="ko-KR" altLang="en-US" sz="1400" dirty="0">
-              <a:solidFill>
-                <a:schemeClr val="tx1">
-                  <a:alpha val="71000"/>
-                </a:schemeClr>
-              </a:solidFill>
-              <a:latin typeface="DX영화자막 M" panose="02020600000000000000" pitchFamily="18" charset="-127"/>
-              <a:ea typeface="DX영화자막 M" panose="02020600000000000000" pitchFamily="18" charset="-127"/>
-            </a:endParaRPr>
-          </a:p>
-        </p:txBody>
-      </p:sp>
-      <p:sp>
-        <p:nvSpPr>
-          <p:cNvPr id="19" name="TextBox 18">
-            <a:extLst>
-              <a:ext uri="{FF2B5EF4-FFF2-40B4-BE49-F238E27FC236}">
-                <a16:creationId xmlns:a16="http://schemas.microsoft.com/office/drawing/2014/main" id="{C3452619-EFA6-4484-B5BF-1AD9C551E986}"/>
-              </a:ext>
-            </a:extLst>
-          </p:cNvPr>
-          <p:cNvSpPr txBox="1"/>
-          <p:nvPr/>
-        </p:nvSpPr>
-        <p:spPr>
-          <a:xfrm>
-            <a:off x="5629302" y="713595"/>
-            <a:ext cx="1499547" cy="461665"/>
-          </a:xfrm>
-          <a:prstGeom prst="rect">
-            <a:avLst/>
-          </a:prstGeom>
-          <a:noFill/>
-          <a:ln w="9525">
-            <a:noFill/>
-          </a:ln>
-        </p:spPr>
-        <p:txBody>
-          <a:bodyPr wrap="square" rtlCol="0">
-            <a:spAutoFit/>
-          </a:bodyPr>
-          <a:lstStyle/>
-          <a:p>
-            <a:r>
-              <a:rPr lang="ko-KR" altLang="en-US" sz="2400" dirty="0" smtClean="0">
-                <a:solidFill>
-                  <a:schemeClr val="tx1">
-                    <a:alpha val="71000"/>
-                  </a:schemeClr>
-                </a:solidFill>
-                <a:latin typeface="DX영화자막 M" panose="02020600000000000000" pitchFamily="18" charset="-127"/>
-                <a:ea typeface="DX영화자막 M" panose="02020600000000000000" pitchFamily="18" charset="-127"/>
-              </a:rPr>
-              <a:t>주 제</a:t>
-            </a:r>
-            <a:endParaRPr lang="ko-KR" altLang="en-US" sz="2400" dirty="0">
-              <a:solidFill>
-                <a:schemeClr val="tx1">
-                  <a:alpha val="71000"/>
-                </a:schemeClr>
-              </a:solidFill>
-              <a:latin typeface="DX영화자막 M" panose="02020600000000000000" pitchFamily="18" charset="-127"/>
-              <a:ea typeface="DX영화자막 M" panose="02020600000000000000" pitchFamily="18" charset="-127"/>
-            </a:endParaRPr>
-          </a:p>
-        </p:txBody>
-      </p:sp>
-      <p:grpSp>
-        <p:nvGrpSpPr>
-          <p:cNvPr id="20" name="그룹 19">
-            <a:extLst>
-              <a:ext uri="{FF2B5EF4-FFF2-40B4-BE49-F238E27FC236}">
-                <a16:creationId xmlns:a16="http://schemas.microsoft.com/office/drawing/2014/main" id="{B5104845-BD69-45A2-B225-D8EC1A15024D}"/>
-              </a:ext>
-            </a:extLst>
-          </p:cNvPr>
-          <p:cNvGrpSpPr/>
-          <p:nvPr/>
-        </p:nvGrpSpPr>
-        <p:grpSpPr>
-          <a:xfrm>
-            <a:off x="393325" y="3093612"/>
-            <a:ext cx="163649" cy="975576"/>
-            <a:chOff x="306686" y="3281373"/>
-            <a:chExt cx="163649" cy="975576"/>
-          </a:xfrm>
-        </p:grpSpPr>
-        <p:cxnSp>
-          <p:nvCxnSpPr>
-            <p:cNvPr id="21" name="직선 연결선 20">
-              <a:extLst>
-                <a:ext uri="{FF2B5EF4-FFF2-40B4-BE49-F238E27FC236}">
-                  <a16:creationId xmlns:a16="http://schemas.microsoft.com/office/drawing/2014/main" id="{F54058FD-5CC4-4A66-A7B6-3537CB5E5100}"/>
-                </a:ext>
-              </a:extLst>
-            </p:cNvPr>
-            <p:cNvCxnSpPr/>
-            <p:nvPr/>
-          </p:nvCxnSpPr>
-          <p:spPr>
-            <a:xfrm>
-              <a:off x="306686" y="4127358"/>
-              <a:ext cx="160637" cy="129591"/>
-            </a:xfrm>
-            <a:prstGeom prst="line">
-              <a:avLst/>
-            </a:prstGeom>
-            <a:ln w="12700">
-              <a:solidFill>
-                <a:srgbClr val="AC9D8E"/>
-              </a:solidFill>
-            </a:ln>
-          </p:spPr>
-          <p:style>
-            <a:lnRef idx="1">
-              <a:schemeClr val="accent1"/>
-            </a:lnRef>
-            <a:fillRef idx="0">
-              <a:schemeClr val="accent1"/>
-            </a:fillRef>
-            <a:effectRef idx="0">
-              <a:schemeClr val="accent1"/>
-            </a:effectRef>
-            <a:fontRef idx="minor">
-              <a:schemeClr val="tx1"/>
-            </a:fontRef>
-          </p:style>
-        </p:cxnSp>
-        <p:cxnSp>
-          <p:nvCxnSpPr>
-            <p:cNvPr id="23" name="직선 연결선 22">
-              <a:extLst>
-                <a:ext uri="{FF2B5EF4-FFF2-40B4-BE49-F238E27FC236}">
-                  <a16:creationId xmlns:a16="http://schemas.microsoft.com/office/drawing/2014/main" id="{AD5B1849-E784-4150-B8A4-DF03199E56DD}"/>
-                </a:ext>
-              </a:extLst>
-            </p:cNvPr>
-            <p:cNvCxnSpPr/>
-            <p:nvPr/>
-          </p:nvCxnSpPr>
-          <p:spPr>
-            <a:xfrm>
-              <a:off x="306686" y="3838775"/>
-              <a:ext cx="160637" cy="129591"/>
-            </a:xfrm>
-            <a:prstGeom prst="line">
-              <a:avLst/>
-            </a:prstGeom>
-            <a:ln w="12700">
-              <a:solidFill>
-                <a:srgbClr val="AC9D8E"/>
-              </a:solidFill>
-            </a:ln>
-          </p:spPr>
-          <p:style>
-            <a:lnRef idx="1">
-              <a:schemeClr val="accent1"/>
-            </a:lnRef>
-            <a:fillRef idx="0">
-              <a:schemeClr val="accent1"/>
-            </a:fillRef>
-            <a:effectRef idx="0">
-              <a:schemeClr val="accent1"/>
-            </a:effectRef>
-            <a:fontRef idx="minor">
-              <a:schemeClr val="tx1"/>
-            </a:fontRef>
-          </p:style>
-        </p:cxnSp>
-        <p:cxnSp>
-          <p:nvCxnSpPr>
-            <p:cNvPr id="25" name="직선 연결선 24">
-              <a:extLst>
-                <a:ext uri="{FF2B5EF4-FFF2-40B4-BE49-F238E27FC236}">
-                  <a16:creationId xmlns:a16="http://schemas.microsoft.com/office/drawing/2014/main" id="{8DF5B429-A9C8-410D-A763-A82DD49890F5}"/>
-                </a:ext>
-              </a:extLst>
-            </p:cNvPr>
-            <p:cNvCxnSpPr/>
-            <p:nvPr/>
-          </p:nvCxnSpPr>
-          <p:spPr>
-            <a:xfrm>
-              <a:off x="306686" y="3550192"/>
-              <a:ext cx="160637" cy="129591"/>
-            </a:xfrm>
-            <a:prstGeom prst="line">
-              <a:avLst/>
-            </a:prstGeom>
-            <a:ln w="12700">
-              <a:solidFill>
-                <a:srgbClr val="AC9D8E"/>
-              </a:solidFill>
-            </a:ln>
-          </p:spPr>
-          <p:style>
-            <a:lnRef idx="1">
-              <a:schemeClr val="accent1"/>
-            </a:lnRef>
-            <a:fillRef idx="0">
-              <a:schemeClr val="accent1"/>
-            </a:fillRef>
-            <a:effectRef idx="0">
-              <a:schemeClr val="accent1"/>
-            </a:effectRef>
-            <a:fontRef idx="minor">
-              <a:schemeClr val="tx1"/>
-            </a:fontRef>
-          </p:style>
-        </p:cxnSp>
-        <p:cxnSp>
-          <p:nvCxnSpPr>
-            <p:cNvPr id="26" name="직선 연결선 25">
-              <a:extLst>
-                <a:ext uri="{FF2B5EF4-FFF2-40B4-BE49-F238E27FC236}">
-                  <a16:creationId xmlns:a16="http://schemas.microsoft.com/office/drawing/2014/main" id="{F3AD4E31-8EC1-43C9-BA21-3E5CE7924706}"/>
-                </a:ext>
-              </a:extLst>
-            </p:cNvPr>
-            <p:cNvCxnSpPr/>
-            <p:nvPr/>
-          </p:nvCxnSpPr>
-          <p:spPr>
-            <a:xfrm>
-              <a:off x="309698" y="3281373"/>
-              <a:ext cx="160637" cy="129591"/>
-            </a:xfrm>
-            <a:prstGeom prst="line">
-              <a:avLst/>
-            </a:prstGeom>
-            <a:ln w="12700">
-              <a:solidFill>
-                <a:srgbClr val="AC9D8E"/>
-              </a:solidFill>
-            </a:ln>
-          </p:spPr>
-          <p:style>
-            <a:lnRef idx="1">
-              <a:schemeClr val="accent1"/>
-            </a:lnRef>
-            <a:fillRef idx="0">
-              <a:schemeClr val="accent1"/>
-            </a:fillRef>
-            <a:effectRef idx="0">
-              <a:schemeClr val="accent1"/>
-            </a:effectRef>
-            <a:fontRef idx="minor">
-              <a:schemeClr val="tx1"/>
-            </a:fontRef>
-          </p:style>
-        </p:cxnSp>
-      </p:grpSp>
-      <p:sp>
-        <p:nvSpPr>
-          <p:cNvPr id="27" name="TextBox 26">
-            <a:extLst>
-              <a:ext uri="{FF2B5EF4-FFF2-40B4-BE49-F238E27FC236}">
-                <a16:creationId xmlns:a16="http://schemas.microsoft.com/office/drawing/2014/main" id="{0939B7FC-EED3-431E-B533-25AB4E8EEFEA}"/>
-              </a:ext>
-            </a:extLst>
-          </p:cNvPr>
-          <p:cNvSpPr txBox="1"/>
-          <p:nvPr/>
-        </p:nvSpPr>
-        <p:spPr>
-          <a:xfrm>
-            <a:off x="2369657" y="1860327"/>
-            <a:ext cx="1379789" cy="1631216"/>
-          </a:xfrm>
-          <a:prstGeom prst="rect">
-            <a:avLst/>
-          </a:prstGeom>
-          <a:noFill/>
-        </p:spPr>
-        <p:txBody>
-          <a:bodyPr wrap="square" rtlCol="0">
-            <a:spAutoFit/>
-          </a:bodyPr>
-          <a:lstStyle/>
-          <a:p>
-            <a:pPr algn="ctr"/>
-            <a:r>
-              <a:rPr lang="en-US" altLang="ko-KR" sz="10000" dirty="0">
-                <a:solidFill>
-                  <a:srgbClr val="9A8B85"/>
-                </a:solidFill>
-                <a:latin typeface="휴먼옛체" panose="02030504000101010101" pitchFamily="18" charset="-127"/>
-                <a:ea typeface="휴먼옛체" panose="02030504000101010101" pitchFamily="18" charset="-127"/>
-              </a:rPr>
-              <a:t>“</a:t>
-            </a:r>
-            <a:endParaRPr lang="ko-KR" altLang="en-US" sz="10000" dirty="0">
-              <a:solidFill>
-                <a:srgbClr val="9A8B85"/>
-              </a:solidFill>
-              <a:latin typeface="휴먼옛체" panose="02030504000101010101" pitchFamily="18" charset="-127"/>
-              <a:ea typeface="휴먼옛체" panose="02030504000101010101" pitchFamily="18" charset="-127"/>
-            </a:endParaRPr>
-          </a:p>
-        </p:txBody>
-      </p:sp>
-      <p:sp>
-        <p:nvSpPr>
-          <p:cNvPr id="28" name="직사각형 27">
-            <a:extLst>
-              <a:ext uri="{FF2B5EF4-FFF2-40B4-BE49-F238E27FC236}">
-                <a16:creationId xmlns:a16="http://schemas.microsoft.com/office/drawing/2014/main" id="{8F3917A0-A22D-4158-8A16-BF96A8E9DC07}"/>
-              </a:ext>
-            </a:extLst>
-          </p:cNvPr>
-          <p:cNvSpPr/>
-          <p:nvPr/>
-        </p:nvSpPr>
-        <p:spPr>
-          <a:xfrm>
-            <a:off x="2829216" y="5488064"/>
-            <a:ext cx="1467068" cy="1631216"/>
-          </a:xfrm>
-          <a:prstGeom prst="rect">
-            <a:avLst/>
-          </a:prstGeom>
-        </p:spPr>
-        <p:txBody>
-          <a:bodyPr wrap="none">
-            <a:spAutoFit/>
-          </a:bodyPr>
-          <a:lstStyle/>
-          <a:p>
-            <a:pPr algn="ctr"/>
-            <a:r>
-              <a:rPr lang="en-US" altLang="ko-KR" sz="10000" dirty="0">
-                <a:solidFill>
-                  <a:srgbClr val="9A8B85"/>
-                </a:solidFill>
-                <a:latin typeface="휴먼옛체" panose="02030504000101010101" pitchFamily="18" charset="-127"/>
-                <a:ea typeface="휴먼옛체" panose="02030504000101010101" pitchFamily="18" charset="-127"/>
-              </a:rPr>
-              <a:t>”</a:t>
-            </a:r>
-            <a:endParaRPr lang="ko-KR" altLang="en-US" sz="10000" dirty="0">
-              <a:solidFill>
-                <a:srgbClr val="9A8B85"/>
-              </a:solidFill>
-            </a:endParaRPr>
-          </a:p>
-        </p:txBody>
-      </p:sp>
-      <p:sp>
-        <p:nvSpPr>
-          <p:cNvPr id="29" name="TextBox 28">
-            <a:extLst>
-              <a:ext uri="{FF2B5EF4-FFF2-40B4-BE49-F238E27FC236}">
-                <a16:creationId xmlns:a16="http://schemas.microsoft.com/office/drawing/2014/main" id="{0939B7FC-EED3-431E-B533-25AB4E8EEFEA}"/>
-              </a:ext>
-            </a:extLst>
-          </p:cNvPr>
-          <p:cNvSpPr txBox="1"/>
-          <p:nvPr/>
-        </p:nvSpPr>
-        <p:spPr>
-          <a:xfrm>
-            <a:off x="7781986" y="1839229"/>
-            <a:ext cx="1379789" cy="1631216"/>
-          </a:xfrm>
-          <a:prstGeom prst="rect">
-            <a:avLst/>
-          </a:prstGeom>
-          <a:noFill/>
-        </p:spPr>
-        <p:txBody>
-          <a:bodyPr wrap="square" rtlCol="0">
-            <a:spAutoFit/>
-          </a:bodyPr>
-          <a:lstStyle/>
-          <a:p>
-            <a:pPr algn="ctr"/>
-            <a:r>
-              <a:rPr lang="en-US" altLang="ko-KR" sz="10000" dirty="0">
-                <a:solidFill>
-                  <a:srgbClr val="9A8B85"/>
-                </a:solidFill>
-                <a:latin typeface="휴먼옛체" panose="02030504000101010101" pitchFamily="18" charset="-127"/>
-                <a:ea typeface="휴먼옛체" panose="02030504000101010101" pitchFamily="18" charset="-127"/>
-              </a:rPr>
-              <a:t>“</a:t>
-            </a:r>
-            <a:endParaRPr lang="ko-KR" altLang="en-US" sz="10000" dirty="0">
-              <a:solidFill>
-                <a:srgbClr val="9A8B85"/>
-              </a:solidFill>
-              <a:latin typeface="휴먼옛체" panose="02030504000101010101" pitchFamily="18" charset="-127"/>
-              <a:ea typeface="휴먼옛체" panose="02030504000101010101" pitchFamily="18" charset="-127"/>
-            </a:endParaRPr>
-          </a:p>
-        </p:txBody>
-      </p:sp>
-      <p:sp>
-        <p:nvSpPr>
-          <p:cNvPr id="30" name="직사각형 29">
-            <a:extLst>
-              <a:ext uri="{FF2B5EF4-FFF2-40B4-BE49-F238E27FC236}">
-                <a16:creationId xmlns:a16="http://schemas.microsoft.com/office/drawing/2014/main" id="{8F3917A0-A22D-4158-8A16-BF96A8E9DC07}"/>
-              </a:ext>
-            </a:extLst>
-          </p:cNvPr>
-          <p:cNvSpPr/>
-          <p:nvPr/>
-        </p:nvSpPr>
-        <p:spPr>
-          <a:xfrm>
-            <a:off x="8241545" y="5466966"/>
-            <a:ext cx="1467068" cy="1631216"/>
-          </a:xfrm>
-          <a:prstGeom prst="rect">
-            <a:avLst/>
-          </a:prstGeom>
-        </p:spPr>
-        <p:txBody>
-          <a:bodyPr wrap="none">
-            <a:spAutoFit/>
-          </a:bodyPr>
-          <a:lstStyle/>
-          <a:p>
-            <a:pPr algn="ctr"/>
-            <a:r>
-              <a:rPr lang="en-US" altLang="ko-KR" sz="10000" dirty="0">
-                <a:solidFill>
-                  <a:srgbClr val="9A8B85"/>
-                </a:solidFill>
-                <a:latin typeface="휴먼옛체" panose="02030504000101010101" pitchFamily="18" charset="-127"/>
-                <a:ea typeface="휴먼옛체" panose="02030504000101010101" pitchFamily="18" charset="-127"/>
-              </a:rPr>
-              <a:t>”</a:t>
-            </a:r>
-            <a:endParaRPr lang="ko-KR" altLang="en-US" sz="10000" dirty="0">
-              <a:solidFill>
-                <a:srgbClr val="9A8B85"/>
-              </a:solidFill>
-            </a:endParaRPr>
-          </a:p>
-        </p:txBody>
-      </p:sp>
-      <p:sp>
-        <p:nvSpPr>
-          <p:cNvPr id="32" name="TextBox 31">
-            <a:extLst>
-              <a:ext uri="{FF2B5EF4-FFF2-40B4-BE49-F238E27FC236}">
-                <a16:creationId xmlns:a16="http://schemas.microsoft.com/office/drawing/2014/main" id="{C3452619-EFA6-4484-B5BF-1AD9C551E986}"/>
-              </a:ext>
-            </a:extLst>
-          </p:cNvPr>
-          <p:cNvSpPr txBox="1"/>
-          <p:nvPr/>
-        </p:nvSpPr>
-        <p:spPr>
-          <a:xfrm>
-            <a:off x="2609073" y="2620816"/>
-            <a:ext cx="1499547" cy="461665"/>
-          </a:xfrm>
-          <a:prstGeom prst="rect">
-            <a:avLst/>
-          </a:prstGeom>
-          <a:noFill/>
-          <a:ln w="9525">
-            <a:noFill/>
-          </a:ln>
-        </p:spPr>
-        <p:txBody>
-          <a:bodyPr wrap="square" rtlCol="0">
-            <a:spAutoFit/>
-          </a:bodyPr>
-          <a:lstStyle/>
-          <a:p>
-            <a:r>
-              <a:rPr lang="ko-KR" altLang="en-US" sz="2400" dirty="0" smtClean="0">
-                <a:solidFill>
-                  <a:schemeClr val="tx1">
-                    <a:alpha val="71000"/>
-                  </a:schemeClr>
-                </a:solidFill>
-                <a:latin typeface="DX영화자막 M" panose="02020600000000000000" pitchFamily="18" charset="-127"/>
-                <a:ea typeface="DX영화자막 M" panose="02020600000000000000" pitchFamily="18" charset="-127"/>
-              </a:rPr>
-              <a:t>슬로싱킹</a:t>
-            </a:r>
-            <a:endParaRPr lang="ko-KR" altLang="en-US" sz="2400" dirty="0">
-              <a:solidFill>
-                <a:schemeClr val="tx1">
-                  <a:alpha val="71000"/>
-                </a:schemeClr>
-              </a:solidFill>
-              <a:latin typeface="DX영화자막 M" panose="02020600000000000000" pitchFamily="18" charset="-127"/>
-              <a:ea typeface="DX영화자막 M" panose="02020600000000000000" pitchFamily="18" charset="-127"/>
-            </a:endParaRPr>
-          </a:p>
-        </p:txBody>
-      </p:sp>
-      <p:sp>
-        <p:nvSpPr>
-          <p:cNvPr id="33" name="순서도: 처리 61">
-            <a:extLst>
-              <a:ext uri="{FF2B5EF4-FFF2-40B4-BE49-F238E27FC236}">
-                <a16:creationId xmlns:a16="http://schemas.microsoft.com/office/drawing/2014/main" id="{540F4D73-CA68-4A0E-9EBA-D7CBA3066B70}"/>
-              </a:ext>
-            </a:extLst>
-          </p:cNvPr>
-          <p:cNvSpPr/>
-          <p:nvPr/>
-        </p:nvSpPr>
-        <p:spPr>
-          <a:xfrm>
-            <a:off x="1733445" y="4937382"/>
-            <a:ext cx="3511724" cy="425946"/>
+            <a:off x="1131865" y="3192804"/>
+            <a:ext cx="4825172" cy="1889788"/>
           </a:xfrm>
           <a:custGeom>
             <a:avLst/>
@@ -8375,7 +7872,6 @@
               <a:gd name="connsiteX21" fmla="*/ 0 w 5799809"/>
               <a:gd name="connsiteY21" fmla="*/ 0 h 425946"/>
             </a:gdLst>
-            <a:ahLst/>
             <a:cxnLst>
               <a:cxn ang="0">
                 <a:pos x="connsiteX0" y="connsiteY0"/>
@@ -8679,18 +8175,6 @@
                 <a:lumOff val="60000"/>
               </a:schemeClr>
             </a:solidFill>
-            <a:extLst>
-              <a:ext uri="{C807C97D-BFC1-408E-A445-0C87EB9F89A2}">
-                <ask:lineSketchStyleProps xmlns="" xmlns:ask="http://schemas.microsoft.com/office/drawing/2018/sketchyshapes" sd="2478525612">
-                  <a:prstGeom prst="flowChartProcess">
-                    <a:avLst/>
-                  </a:prstGeom>
-                  <ask:type>
-                    <ask:lineSketchFreehand/>
-                  </ask:type>
-                </ask:lineSketchStyleProps>
-              </a:ext>
-            </a:extLst>
           </a:ln>
         </p:spPr>
         <p:style>
@@ -8710,30 +8194,78 @@
           </a:fontRef>
         </p:style>
         <p:txBody>
-          <a:bodyPr rtlCol="0" anchor="ctr"/>
+          <a:bodyPr anchor="ctr"/>
           <a:lstStyle/>
           <a:p>
-            <a:pPr algn="ctr"/>
-            <a:endParaRPr lang="ko-KR" altLang="en-US" dirty="0"/>
-          </a:p>
-        </p:txBody>
-      </p:sp>
-      <p:sp>
-        <p:nvSpPr>
-          <p:cNvPr id="34" name="순서도: 처리 61">
-            <a:extLst>
-              <a:ext uri="{FF2B5EF4-FFF2-40B4-BE49-F238E27FC236}">
-                <a16:creationId xmlns:a16="http://schemas.microsoft.com/office/drawing/2014/main" id="{540F4D73-CA68-4A0E-9EBA-D7CBA3066B70}"/>
-              </a:ext>
-            </a:extLst>
-          </p:cNvPr>
+            <a:pPr algn="ctr">
+              <a:defRPr/>
+            </a:pPr>
+            <a:endParaRPr lang="ko-KR" altLang="en-US"/>
+          </a:p>
+        </p:txBody>
+      </p:sp>
+      <p:sp>
+        <p:nvSpPr>
+          <p:cNvPr id="35" name="TextBox 34"/>
+          <p:cNvSpPr txBox="1"/>
+          <p:nvPr/>
+        </p:nvSpPr>
+        <p:spPr>
+          <a:xfrm>
+            <a:off x="8320020" y="2367212"/>
+            <a:ext cx="1499548" cy="450283"/>
+          </a:xfrm>
+          <a:prstGeom prst="rect">
+            <a:avLst/>
+          </a:prstGeom>
+          <a:noFill/>
+          <a:ln w="9525">
+            <a:noFill/>
+          </a:ln>
+        </p:spPr>
+        <p:txBody>
+          <a:bodyPr wrap="square">
+            <a:spAutoFit/>
+          </a:bodyPr>
+          <a:lstStyle/>
+          <a:p>
+            <a:pPr lvl="0">
+              <a:defRPr/>
+            </a:pPr>
+            <a:r>
+              <a:rPr lang="ko-KR" altLang="en-US" sz="2400">
+                <a:solidFill>
+                  <a:schemeClr val="tx1">
+                    <a:alpha val="71000"/>
+                  </a:schemeClr>
+                </a:solidFill>
+                <a:latin typeface="DX영화자막 M"/>
+                <a:ea typeface="DX영화자막 M"/>
+              </a:rPr>
+              <a:t>몰 입</a:t>
+            </a:r>
+            <a:endParaRPr lang="ko-KR" altLang="en-US" sz="2400">
+              <a:solidFill>
+                <a:schemeClr val="tx1">
+                  <a:alpha val="71000"/>
+                </a:schemeClr>
+              </a:solidFill>
+              <a:latin typeface="DX영화자막 M"/>
+              <a:ea typeface="DX영화자막 M"/>
+            </a:endParaRPr>
+          </a:p>
+        </p:txBody>
+      </p:sp>
+      <p:sp>
+        <p:nvSpPr>
+          <p:cNvPr id="55" name="순서도: 처리 61"/>
           <p:cNvSpPr/>
           <p:nvPr/>
         </p:nvSpPr>
         <p:spPr>
           <a:xfrm>
-            <a:off x="6780514" y="4931872"/>
-            <a:ext cx="3703772" cy="425946"/>
+            <a:off x="6678424" y="3164731"/>
+            <a:ext cx="4825172" cy="1889788"/>
           </a:xfrm>
           <a:custGeom>
             <a:avLst/>
@@ -8783,7 +8315,6 @@
               <a:gd name="connsiteX21" fmla="*/ 0 w 5799809"/>
               <a:gd name="connsiteY21" fmla="*/ 0 h 425946"/>
             </a:gdLst>
-            <a:ahLst/>
             <a:cxnLst>
               <a:cxn ang="0">
                 <a:pos x="connsiteX0" y="connsiteY0"/>
@@ -9087,18 +8618,6 @@
                 <a:lumOff val="60000"/>
               </a:schemeClr>
             </a:solidFill>
-            <a:extLst>
-              <a:ext uri="{C807C97D-BFC1-408E-A445-0C87EB9F89A2}">
-                <ask:lineSketchStyleProps xmlns="" xmlns:ask="http://schemas.microsoft.com/office/drawing/2018/sketchyshapes" sd="2478525612">
-                  <a:prstGeom prst="flowChartProcess">
-                    <a:avLst/>
-                  </a:prstGeom>
-                  <ask:type>
-                    <ask:lineSketchFreehand/>
-                  </ask:type>
-                </ask:lineSketchStyleProps>
-              </a:ext>
-            </a:extLst>
           </a:ln>
         </p:spPr>
         <p:style>
@@ -9118,87 +8637,183 @@
           </a:fontRef>
         </p:style>
         <p:txBody>
-          <a:bodyPr rtlCol="0" anchor="ctr"/>
+          <a:bodyPr anchor="ctr"/>
           <a:lstStyle/>
           <a:p>
-            <a:pPr algn="ctr"/>
-            <a:endParaRPr lang="ko-KR" altLang="en-US" dirty="0"/>
-          </a:p>
-        </p:txBody>
-      </p:sp>
-      <p:sp>
-        <p:nvSpPr>
-          <p:cNvPr id="35" name="TextBox 34">
-            <a:extLst>
-              <a:ext uri="{FF2B5EF4-FFF2-40B4-BE49-F238E27FC236}">
-                <a16:creationId xmlns:a16="http://schemas.microsoft.com/office/drawing/2014/main" id="{C3452619-EFA6-4484-B5BF-1AD9C551E986}"/>
-              </a:ext>
-            </a:extLst>
-          </p:cNvPr>
-          <p:cNvSpPr txBox="1"/>
+            <a:pPr algn="ctr">
+              <a:defRPr/>
+            </a:pPr>
+            <a:endParaRPr lang="ko-KR" altLang="en-US"/>
+          </a:p>
+        </p:txBody>
+      </p:sp>
+      <p:sp>
+        <p:nvSpPr>
+          <p:cNvPr id="54" name="직사각형 6"/>
+          <p:cNvSpPr/>
           <p:nvPr/>
         </p:nvSpPr>
         <p:spPr>
           <a:xfrm>
-            <a:off x="8320021" y="2607844"/>
-            <a:ext cx="1499547" cy="461665"/>
+            <a:off x="6679634" y="3247583"/>
+            <a:ext cx="4813042" cy="1732087"/>
           </a:xfrm>
           <a:prstGeom prst="rect">
             <a:avLst/>
           </a:prstGeom>
-          <a:noFill/>
-          <a:ln w="9525">
-            <a:noFill/>
-          </a:ln>
         </p:spPr>
         <p:txBody>
-          <a:bodyPr wrap="square" rtlCol="0">
+          <a:bodyPr wrap="square">
             <a:spAutoFit/>
           </a:bodyPr>
           <a:lstStyle/>
           <a:p>
-            <a:r>
-              <a:rPr lang="ko-KR" altLang="en-US" sz="2400" dirty="0" smtClean="0">
-                <a:solidFill>
-                  <a:schemeClr val="tx1">
-                    <a:alpha val="71000"/>
-                  </a:schemeClr>
-                </a:solidFill>
-                <a:latin typeface="DX영화자막 M" panose="02020600000000000000" pitchFamily="18" charset="-127"/>
-                <a:ea typeface="DX영화자막 M" panose="02020600000000000000" pitchFamily="18" charset="-127"/>
-              </a:rPr>
-              <a:t>몰 입</a:t>
-            </a:r>
-            <a:endParaRPr lang="ko-KR" altLang="en-US" sz="2400" dirty="0">
-              <a:solidFill>
-                <a:schemeClr val="tx1">
-                  <a:alpha val="71000"/>
-                </a:schemeClr>
-              </a:solidFill>
-              <a:latin typeface="DX영화자막 M" panose="02020600000000000000" pitchFamily="18" charset="-127"/>
-              <a:ea typeface="DX영화자막 M" panose="02020600000000000000" pitchFamily="18" charset="-127"/>
-            </a:endParaRPr>
+            <a:pPr algn="ctr">
+              <a:defRPr/>
+            </a:pPr>
+            <a:r>
+              <a:rPr lang="ko-KR" altLang="en-US"/>
+              <a:t>1단계의 목표는 자신의 능력에 대해 자신감을 얻는데 있습니다. 2단계의 방법은 하루에 1번, 2주 동안 풀리지 않는 문제를 2시간 동안 생각하는 것이고 2단계는 힘들이지 않고 오래도록 생각하는 방법을 터득하는 </a:t>
+            </a:r>
+            <a:endParaRPr lang="ko-KR" altLang="en-US"/>
+          </a:p>
+          <a:p>
+            <a:pPr algn="ctr">
+              <a:defRPr/>
+            </a:pPr>
+            <a:r>
+              <a:rPr lang="ko-KR" altLang="en-US"/>
+              <a:t>과정이라는데 의미가 있다</a:t>
+            </a:r>
+            <a:r>
+              <a:rPr lang="en-US" altLang="ko-KR"/>
+              <a:t>.</a:t>
+            </a:r>
+            <a:endParaRPr lang="en-US" altLang="ko-KR"/>
+          </a:p>
+        </p:txBody>
+      </p:sp>
+      <p:sp>
+        <p:nvSpPr>
+          <p:cNvPr id="58" name="직사각형 6"/>
+          <p:cNvSpPr/>
+          <p:nvPr/>
+        </p:nvSpPr>
+        <p:spPr>
+          <a:xfrm>
+            <a:off x="1544687" y="3293068"/>
+            <a:ext cx="3938297" cy="1734227"/>
+          </a:xfrm>
+          <a:prstGeom prst="rect">
+            <a:avLst/>
+          </a:prstGeom>
+        </p:spPr>
+        <p:txBody>
+          <a:bodyPr wrap="square">
+            <a:spAutoFit/>
+          </a:bodyPr>
+          <a:lstStyle/>
+          <a:p>
+            <a:pPr algn="ctr">
+              <a:defRPr/>
+            </a:pPr>
+            <a:r>
+              <a:rPr lang="ko-KR" altLang="en-US"/>
+              <a:t>슬로싱킹 말하자면 </a:t>
+            </a:r>
+            <a:r>
+              <a:rPr lang="en-US" altLang="ko-KR"/>
+              <a:t>‘</a:t>
+            </a:r>
+            <a:r>
+              <a:rPr lang="ko-KR" altLang="en-US"/>
+              <a:t>느긋하게</a:t>
+            </a:r>
+            <a:r>
+              <a:rPr lang="en-US" altLang="ko-KR"/>
+              <a:t>,</a:t>
+            </a:r>
+            <a:r>
+              <a:rPr lang="ko-KR" altLang="en-US"/>
+              <a:t> 그러나 </a:t>
+            </a:r>
+            <a:r>
+              <a:rPr lang="en-US" altLang="ko-KR"/>
+              <a:t>1</a:t>
+            </a:r>
+            <a:r>
+              <a:rPr lang="ko-KR" altLang="en-US"/>
+              <a:t>초도 멈춤 없이 계속해서 생각하라</a:t>
+            </a:r>
+            <a:r>
+              <a:rPr lang="en-US" altLang="ko-KR"/>
+              <a:t>’</a:t>
+            </a:r>
+            <a:r>
+              <a:rPr lang="ko-KR" altLang="en-US"/>
+              <a:t>는 것인데 어쩌면 생각이 너무 많아서 피곤한 누군가들에게 이게 통할까 싶기도 하지만 이 </a:t>
+            </a:r>
+            <a:r>
+              <a:rPr lang="en-US" altLang="ko-KR"/>
+              <a:t>‘</a:t>
+            </a:r>
+            <a:r>
+              <a:rPr lang="ko-KR" altLang="en-US"/>
+              <a:t>슬로싱킹은</a:t>
+            </a:r>
+            <a:r>
+              <a:rPr lang="en-US" altLang="ko-KR"/>
+              <a:t>’</a:t>
+            </a:r>
+            <a:r>
+              <a:rPr lang="ko-KR" altLang="en-US"/>
+              <a:t> 은</a:t>
+            </a:r>
+            <a:r>
+              <a:rPr lang="en-US" altLang="ko-KR"/>
+              <a:t>’</a:t>
+            </a:r>
+            <a:r>
+              <a:rPr lang="ko-KR" altLang="en-US"/>
+              <a:t>슬로</a:t>
+            </a:r>
+            <a:r>
+              <a:rPr lang="en-US" altLang="ko-KR"/>
+              <a:t>’</a:t>
+            </a:r>
+            <a:r>
+              <a:rPr lang="ko-KR" altLang="en-US"/>
+              <a:t>에 초점을 둔다</a:t>
+            </a:r>
+            <a:r>
+              <a:rPr lang="en-US" altLang="ko-KR"/>
+              <a:t>.</a:t>
+            </a:r>
+            <a:endParaRPr lang="en-US" altLang="ko-KR"/>
           </a:p>
         </p:txBody>
       </p:sp>
     </p:spTree>
-    <p:extLst>
-      <p:ext uri="{BB962C8B-B14F-4D97-AF65-F5344CB8AC3E}">
-        <p14:creationId xmlns:p14="http://schemas.microsoft.com/office/powerpoint/2010/main" val="2375267964"/>
-      </p:ext>
-    </p:extLst>
   </p:cSld>
   <p:clrMapOvr>
     <a:masterClrMapping/>
   </p:clrMapOvr>
+  <mc:AlternateContent xmlns:mc="http://schemas.openxmlformats.org/markup-compatibility/2006">
+    <mc:Choice xmlns:p14="http://schemas.microsoft.com/office/powerpoint/2010/main" Requires="p14">
+      <p:transition xmlns:mc="http://schemas.openxmlformats.org/markup-compatibility/2006" xmlns:p14="http://schemas.microsoft.com/office/powerpoint/2010/main" mc:Ignorable="p14" p14:dur="500"/>
+    </mc:Choice>
+    <mc:Fallback>
+      <p:transition/>
+    </mc:Fallback>
+  </mc:AlternateContent>
 </p:sld>
 </file>
 
 <file path=ppt/slides/slide6.xml><?xml version="1.0" encoding="utf-8"?>
-<p:sld xmlns:a="http://schemas.openxmlformats.org/drawingml/2006/main" xmlns:r="http://schemas.openxmlformats.org/officeDocument/2006/relationships" xmlns:p="http://schemas.openxmlformats.org/presentationml/2006/main">
+<p:sld xmlns:r="http://schemas.openxmlformats.org/officeDocument/2006/relationships" xmlns:c="http://schemas.openxmlformats.org/drawingml/2006/chart" xmlns:a="http://schemas.openxmlformats.org/drawingml/2006/main" xmlns:dgm="http://schemas.openxmlformats.org/drawingml/2006/diagram" xmlns:dsp="http://schemas.microsoft.com/office/drawing/2008/diagram" xmlns:p="http://schemas.openxmlformats.org/presentationml/2006/main">
   <p:cSld>
     <p:bg>
-      <p:bgPr>
+      <p:bgPr shadeToTitle="0">
         <a:blipFill dpi="0" rotWithShape="1">
           <a:blip r:embed="rId2">
             <a:lum/>
@@ -9208,7 +8823,6 @@
             <a:fillRect t="-17000" b="-17000"/>
           </a:stretch>
         </a:blipFill>
-        <a:effectLst/>
       </p:bgPr>
     </p:bg>
     <p:spTree>
@@ -9225,390 +8839,440 @@
           <a:chExt cx="0" cy="0"/>
         </a:xfrm>
       </p:grpSpPr>
-      <p:sp>
-        <p:nvSpPr>
-          <p:cNvPr id="14" name="순서도: 처리 13">
-            <a:extLst>
-              <a:ext uri="{FF2B5EF4-FFF2-40B4-BE49-F238E27FC236}">
-                <a16:creationId xmlns:a16="http://schemas.microsoft.com/office/drawing/2014/main" id="{DD5B0364-1D20-4EEF-87F7-7A9B64C556DB}"/>
-              </a:ext>
-            </a:extLst>
-          </p:cNvPr>
+      <p:grpSp>
+        <p:nvGrpSpPr>
+          <p:cNvPr id="4" name="그룹 3"/>
+          <p:cNvGrpSpPr/>
+          <p:nvPr/>
+        </p:nvGrpSpPr>
+        <p:grpSpPr>
+          <a:xfrm rot="0">
+            <a:off x="240925" y="2941212"/>
+            <a:ext cx="163649" cy="975576"/>
+            <a:chOff x="306686" y="3281373"/>
+            <a:chExt cx="163649" cy="975576"/>
+          </a:xfrm>
+        </p:grpSpPr>
+        <p:cxnSp>
+          <p:nvCxnSpPr>
+            <p:cNvPr id="3" name="직선 연결선 2"/>
+            <p:cNvCxnSpPr/>
+            <p:nvPr/>
+          </p:nvCxnSpPr>
+          <p:spPr>
+            <a:xfrm>
+              <a:off x="306686" y="4127358"/>
+              <a:ext cx="160637" cy="129591"/>
+            </a:xfrm>
+            <a:prstGeom prst="line">
+              <a:avLst/>
+            </a:prstGeom>
+            <a:ln w="12700">
+              <a:solidFill>
+                <a:srgbClr val="ac9d8e"/>
+              </a:solidFill>
+            </a:ln>
+          </p:spPr>
+          <p:style>
+            <a:lnRef idx="1">
+              <a:schemeClr val="accent1"/>
+            </a:lnRef>
+            <a:fillRef idx="0">
+              <a:schemeClr val="accent1"/>
+            </a:fillRef>
+            <a:effectRef idx="0">
+              <a:schemeClr val="accent1"/>
+            </a:effectRef>
+            <a:fontRef idx="minor">
+              <a:schemeClr val="tx1"/>
+            </a:fontRef>
+          </p:style>
+        </p:cxnSp>
+        <p:cxnSp>
+          <p:nvCxnSpPr>
+            <p:cNvPr id="40" name="직선 연결선 39"/>
+            <p:cNvCxnSpPr/>
+            <p:nvPr/>
+          </p:nvCxnSpPr>
+          <p:spPr>
+            <a:xfrm>
+              <a:off x="306686" y="3838775"/>
+              <a:ext cx="160637" cy="129591"/>
+            </a:xfrm>
+            <a:prstGeom prst="line">
+              <a:avLst/>
+            </a:prstGeom>
+            <a:ln w="12700">
+              <a:solidFill>
+                <a:srgbClr val="ac9d8e"/>
+              </a:solidFill>
+            </a:ln>
+          </p:spPr>
+          <p:style>
+            <a:lnRef idx="1">
+              <a:schemeClr val="accent1"/>
+            </a:lnRef>
+            <a:fillRef idx="0">
+              <a:schemeClr val="accent1"/>
+            </a:fillRef>
+            <a:effectRef idx="0">
+              <a:schemeClr val="accent1"/>
+            </a:effectRef>
+            <a:fontRef idx="minor">
+              <a:schemeClr val="tx1"/>
+            </a:fontRef>
+          </p:style>
+        </p:cxnSp>
+        <p:cxnSp>
+          <p:nvCxnSpPr>
+            <p:cNvPr id="49" name="직선 연결선 48"/>
+            <p:cNvCxnSpPr/>
+            <p:nvPr/>
+          </p:nvCxnSpPr>
+          <p:spPr>
+            <a:xfrm>
+              <a:off x="306686" y="3550192"/>
+              <a:ext cx="160637" cy="129591"/>
+            </a:xfrm>
+            <a:prstGeom prst="line">
+              <a:avLst/>
+            </a:prstGeom>
+            <a:ln w="12700">
+              <a:solidFill>
+                <a:srgbClr val="ac9d8e"/>
+              </a:solidFill>
+            </a:ln>
+          </p:spPr>
+          <p:style>
+            <a:lnRef idx="1">
+              <a:schemeClr val="accent1"/>
+            </a:lnRef>
+            <a:fillRef idx="0">
+              <a:schemeClr val="accent1"/>
+            </a:fillRef>
+            <a:effectRef idx="0">
+              <a:schemeClr val="accent1"/>
+            </a:effectRef>
+            <a:fontRef idx="minor">
+              <a:schemeClr val="tx1"/>
+            </a:fontRef>
+          </p:style>
+        </p:cxnSp>
+        <p:cxnSp>
+          <p:nvCxnSpPr>
+            <p:cNvPr id="51" name="직선 연결선 50"/>
+            <p:cNvCxnSpPr/>
+            <p:nvPr/>
+          </p:nvCxnSpPr>
+          <p:spPr>
+            <a:xfrm>
+              <a:off x="309698" y="3281373"/>
+              <a:ext cx="160637" cy="129591"/>
+            </a:xfrm>
+            <a:prstGeom prst="line">
+              <a:avLst/>
+            </a:prstGeom>
+            <a:ln w="12700">
+              <a:solidFill>
+                <a:srgbClr val="ac9d8e"/>
+              </a:solidFill>
+            </a:ln>
+          </p:spPr>
+          <p:style>
+            <a:lnRef idx="1">
+              <a:schemeClr val="accent1"/>
+            </a:lnRef>
+            <a:fillRef idx="0">
+              <a:schemeClr val="accent1"/>
+            </a:fillRef>
+            <a:effectRef idx="0">
+              <a:schemeClr val="accent1"/>
+            </a:effectRef>
+            <a:fontRef idx="minor">
+              <a:schemeClr val="tx1"/>
+            </a:fontRef>
+          </p:style>
+        </p:cxnSp>
+      </p:grpSp>
+      <p:sp>
+        <p:nvSpPr>
+          <p:cNvPr id="9" name="TextBox 8"/>
+          <p:cNvSpPr txBox="1"/>
+          <p:nvPr/>
+        </p:nvSpPr>
+        <p:spPr>
+          <a:xfrm>
+            <a:off x="5406105" y="1815509"/>
+            <a:ext cx="1379789" cy="1613491"/>
+          </a:xfrm>
+          <a:prstGeom prst="rect">
+            <a:avLst/>
+          </a:prstGeom>
+          <a:noFill/>
+        </p:spPr>
+        <p:txBody>
+          <a:bodyPr wrap="square">
+            <a:spAutoFit/>
+          </a:bodyPr>
+          <a:lstStyle/>
+          <a:p>
+            <a:pPr algn="ctr">
+              <a:defRPr/>
+            </a:pPr>
+            <a:r>
+              <a:rPr lang="en-US" altLang="ko-KR" sz="10000">
+                <a:solidFill>
+                  <a:srgbClr val="9a8b85"/>
+                </a:solidFill>
+                <a:latin typeface="휴먼옛체"/>
+                <a:ea typeface="휴먼옛체"/>
+              </a:rPr>
+              <a:t>“</a:t>
+            </a:r>
+            <a:endParaRPr lang="ko-KR" altLang="en-US" sz="10000">
+              <a:solidFill>
+                <a:srgbClr val="9a8b85"/>
+              </a:solidFill>
+              <a:latin typeface="휴먼옛체"/>
+              <a:ea typeface="휴먼옛체"/>
+            </a:endParaRPr>
+          </a:p>
+        </p:txBody>
+      </p:sp>
+      <p:sp>
+        <p:nvSpPr>
+          <p:cNvPr id="11" name="직사각형 10"/>
           <p:cNvSpPr/>
           <p:nvPr/>
         </p:nvSpPr>
         <p:spPr>
           <a:xfrm>
-            <a:off x="3369655" y="4200939"/>
-            <a:ext cx="5539408" cy="394254"/>
+            <a:off x="5367821" y="4419833"/>
+            <a:ext cx="1457793" cy="1614779"/>
           </a:xfrm>
-          <a:custGeom>
+          <a:prstGeom prst="rect">
             <a:avLst/>
-            <a:gdLst>
-              <a:gd name="connsiteX0" fmla="*/ 0 w 5539408"/>
-              <a:gd name="connsiteY0" fmla="*/ 0 h 394254"/>
-              <a:gd name="connsiteX1" fmla="*/ 747820 w 5539408"/>
-              <a:gd name="connsiteY1" fmla="*/ 0 h 394254"/>
-              <a:gd name="connsiteX2" fmla="*/ 1274064 w 5539408"/>
-              <a:gd name="connsiteY2" fmla="*/ 0 h 394254"/>
-              <a:gd name="connsiteX3" fmla="*/ 1800308 w 5539408"/>
-              <a:gd name="connsiteY3" fmla="*/ 0 h 394254"/>
-              <a:gd name="connsiteX4" fmla="*/ 2437340 w 5539408"/>
-              <a:gd name="connsiteY4" fmla="*/ 0 h 394254"/>
-              <a:gd name="connsiteX5" fmla="*/ 3018977 w 5539408"/>
-              <a:gd name="connsiteY5" fmla="*/ 0 h 394254"/>
-              <a:gd name="connsiteX6" fmla="*/ 3600615 w 5539408"/>
-              <a:gd name="connsiteY6" fmla="*/ 0 h 394254"/>
-              <a:gd name="connsiteX7" fmla="*/ 4293041 w 5539408"/>
-              <a:gd name="connsiteY7" fmla="*/ 0 h 394254"/>
-              <a:gd name="connsiteX8" fmla="*/ 5539408 w 5539408"/>
-              <a:gd name="connsiteY8" fmla="*/ 0 h 394254"/>
-              <a:gd name="connsiteX9" fmla="*/ 5539408 w 5539408"/>
-              <a:gd name="connsiteY9" fmla="*/ 394254 h 394254"/>
-              <a:gd name="connsiteX10" fmla="*/ 5013164 w 5539408"/>
-              <a:gd name="connsiteY10" fmla="*/ 394254 h 394254"/>
-              <a:gd name="connsiteX11" fmla="*/ 4265344 w 5539408"/>
-              <a:gd name="connsiteY11" fmla="*/ 394254 h 394254"/>
-              <a:gd name="connsiteX12" fmla="*/ 3683706 w 5539408"/>
-              <a:gd name="connsiteY12" fmla="*/ 394254 h 394254"/>
-              <a:gd name="connsiteX13" fmla="*/ 2935886 w 5539408"/>
-              <a:gd name="connsiteY13" fmla="*/ 394254 h 394254"/>
-              <a:gd name="connsiteX14" fmla="*/ 2354248 w 5539408"/>
-              <a:gd name="connsiteY14" fmla="*/ 394254 h 394254"/>
-              <a:gd name="connsiteX15" fmla="*/ 1828005 w 5539408"/>
-              <a:gd name="connsiteY15" fmla="*/ 394254 h 394254"/>
-              <a:gd name="connsiteX16" fmla="*/ 1135579 w 5539408"/>
-              <a:gd name="connsiteY16" fmla="*/ 394254 h 394254"/>
-              <a:gd name="connsiteX17" fmla="*/ 0 w 5539408"/>
-              <a:gd name="connsiteY17" fmla="*/ 394254 h 394254"/>
-              <a:gd name="connsiteX18" fmla="*/ 0 w 5539408"/>
-              <a:gd name="connsiteY18" fmla="*/ 0 h 394254"/>
-            </a:gdLst>
-            <a:ahLst/>
-            <a:cxnLst>
-              <a:cxn ang="0">
-                <a:pos x="connsiteX0" y="connsiteY0"/>
-              </a:cxn>
-              <a:cxn ang="0">
-                <a:pos x="connsiteX1" y="connsiteY1"/>
-              </a:cxn>
-              <a:cxn ang="0">
-                <a:pos x="connsiteX2" y="connsiteY2"/>
-              </a:cxn>
-              <a:cxn ang="0">
-                <a:pos x="connsiteX3" y="connsiteY3"/>
-              </a:cxn>
-              <a:cxn ang="0">
-                <a:pos x="connsiteX4" y="connsiteY4"/>
-              </a:cxn>
-              <a:cxn ang="0">
-                <a:pos x="connsiteX5" y="connsiteY5"/>
-              </a:cxn>
-              <a:cxn ang="0">
-                <a:pos x="connsiteX6" y="connsiteY6"/>
-              </a:cxn>
-              <a:cxn ang="0">
-                <a:pos x="connsiteX7" y="connsiteY7"/>
-              </a:cxn>
-              <a:cxn ang="0">
-                <a:pos x="connsiteX8" y="connsiteY8"/>
-              </a:cxn>
-              <a:cxn ang="0">
-                <a:pos x="connsiteX9" y="connsiteY9"/>
-              </a:cxn>
-              <a:cxn ang="0">
-                <a:pos x="connsiteX10" y="connsiteY10"/>
-              </a:cxn>
-              <a:cxn ang="0">
-                <a:pos x="connsiteX11" y="connsiteY11"/>
-              </a:cxn>
-              <a:cxn ang="0">
-                <a:pos x="connsiteX12" y="connsiteY12"/>
-              </a:cxn>
-              <a:cxn ang="0">
-                <a:pos x="connsiteX13" y="connsiteY13"/>
-              </a:cxn>
-              <a:cxn ang="0">
-                <a:pos x="connsiteX14" y="connsiteY14"/>
-              </a:cxn>
-              <a:cxn ang="0">
-                <a:pos x="connsiteX15" y="connsiteY15"/>
-              </a:cxn>
-              <a:cxn ang="0">
-                <a:pos x="connsiteX16" y="connsiteY16"/>
-              </a:cxn>
-              <a:cxn ang="0">
-                <a:pos x="connsiteX17" y="connsiteY17"/>
-              </a:cxn>
-              <a:cxn ang="0">
-                <a:pos x="connsiteX18" y="connsiteY18"/>
-              </a:cxn>
-            </a:cxnLst>
-            <a:rect l="l" t="t" r="r" b="b"/>
-            <a:pathLst>
-              <a:path w="5539408" h="394254" fill="none" extrusionOk="0">
-                <a:moveTo>
-                  <a:pt x="0" y="0"/>
-                </a:moveTo>
-                <a:cubicBezTo>
-                  <a:pt x="284133" y="-19519"/>
-                  <a:pt x="466043" y="-28533"/>
-                  <a:pt x="747820" y="0"/>
-                </a:cubicBezTo>
-                <a:cubicBezTo>
-                  <a:pt x="1029597" y="28533"/>
-                  <a:pt x="1080077" y="-17557"/>
-                  <a:pt x="1274064" y="0"/>
-                </a:cubicBezTo>
-                <a:cubicBezTo>
-                  <a:pt x="1468051" y="17557"/>
-                  <a:pt x="1651767" y="8919"/>
-                  <a:pt x="1800308" y="0"/>
-                </a:cubicBezTo>
-                <a:cubicBezTo>
-                  <a:pt x="1948849" y="-8919"/>
-                  <a:pt x="2122159" y="-7514"/>
-                  <a:pt x="2437340" y="0"/>
-                </a:cubicBezTo>
-                <a:cubicBezTo>
-                  <a:pt x="2752521" y="7514"/>
-                  <a:pt x="2839287" y="-19013"/>
-                  <a:pt x="3018977" y="0"/>
-                </a:cubicBezTo>
-                <a:cubicBezTo>
-                  <a:pt x="3198667" y="19013"/>
-                  <a:pt x="3316911" y="13184"/>
-                  <a:pt x="3600615" y="0"/>
-                </a:cubicBezTo>
-                <a:cubicBezTo>
-                  <a:pt x="3884319" y="-13184"/>
-                  <a:pt x="4107993" y="-15193"/>
-                  <a:pt x="4293041" y="0"/>
-                </a:cubicBezTo>
-                <a:cubicBezTo>
-                  <a:pt x="4478089" y="15193"/>
-                  <a:pt x="5268790" y="529"/>
-                  <a:pt x="5539408" y="0"/>
-                </a:cubicBezTo>
-                <a:cubicBezTo>
-                  <a:pt x="5527939" y="127708"/>
-                  <a:pt x="5552157" y="213759"/>
-                  <a:pt x="5539408" y="394254"/>
-                </a:cubicBezTo>
-                <a:cubicBezTo>
-                  <a:pt x="5415421" y="391683"/>
-                  <a:pt x="5196388" y="408387"/>
-                  <a:pt x="5013164" y="394254"/>
-                </a:cubicBezTo>
-                <a:cubicBezTo>
-                  <a:pt x="4829940" y="380121"/>
-                  <a:pt x="4475602" y="384842"/>
-                  <a:pt x="4265344" y="394254"/>
-                </a:cubicBezTo>
-                <a:cubicBezTo>
-                  <a:pt x="4055086" y="403666"/>
-                  <a:pt x="3890862" y="374922"/>
-                  <a:pt x="3683706" y="394254"/>
-                </a:cubicBezTo>
-                <a:cubicBezTo>
-                  <a:pt x="3476550" y="413586"/>
-                  <a:pt x="3092940" y="362270"/>
-                  <a:pt x="2935886" y="394254"/>
-                </a:cubicBezTo>
-                <a:cubicBezTo>
-                  <a:pt x="2778832" y="426238"/>
-                  <a:pt x="2510645" y="388032"/>
-                  <a:pt x="2354248" y="394254"/>
-                </a:cubicBezTo>
-                <a:cubicBezTo>
-                  <a:pt x="2197851" y="400476"/>
-                  <a:pt x="1977733" y="395266"/>
-                  <a:pt x="1828005" y="394254"/>
-                </a:cubicBezTo>
-                <a:cubicBezTo>
-                  <a:pt x="1678277" y="393242"/>
-                  <a:pt x="1377089" y="411396"/>
-                  <a:pt x="1135579" y="394254"/>
-                </a:cubicBezTo>
-                <a:cubicBezTo>
-                  <a:pt x="894069" y="377112"/>
-                  <a:pt x="333272" y="449940"/>
-                  <a:pt x="0" y="394254"/>
-                </a:cubicBezTo>
-                <a:cubicBezTo>
-                  <a:pt x="-16707" y="200807"/>
-                  <a:pt x="-3480" y="161104"/>
-                  <a:pt x="0" y="0"/>
-                </a:cubicBezTo>
-                <a:close/>
-              </a:path>
-              <a:path w="5539408" h="394254" stroke="0" extrusionOk="0">
-                <a:moveTo>
-                  <a:pt x="0" y="0"/>
-                </a:moveTo>
-                <a:cubicBezTo>
-                  <a:pt x="139064" y="-20763"/>
-                  <a:pt x="334529" y="-16598"/>
-                  <a:pt x="581638" y="0"/>
-                </a:cubicBezTo>
-                <a:cubicBezTo>
-                  <a:pt x="828747" y="16598"/>
-                  <a:pt x="1197486" y="4633"/>
-                  <a:pt x="1384852" y="0"/>
-                </a:cubicBezTo>
-                <a:cubicBezTo>
-                  <a:pt x="1572218" y="-4633"/>
-                  <a:pt x="1704390" y="-2864"/>
-                  <a:pt x="1966490" y="0"/>
-                </a:cubicBezTo>
-                <a:cubicBezTo>
-                  <a:pt x="2228590" y="2864"/>
-                  <a:pt x="2271745" y="-15198"/>
-                  <a:pt x="2492734" y="0"/>
-                </a:cubicBezTo>
-                <a:cubicBezTo>
-                  <a:pt x="2713723" y="15198"/>
-                  <a:pt x="2761841" y="19867"/>
-                  <a:pt x="3018977" y="0"/>
-                </a:cubicBezTo>
-                <a:cubicBezTo>
-                  <a:pt x="3276113" y="-19867"/>
-                  <a:pt x="3475405" y="-21878"/>
-                  <a:pt x="3600615" y="0"/>
-                </a:cubicBezTo>
-                <a:cubicBezTo>
-                  <a:pt x="3725825" y="21878"/>
-                  <a:pt x="4064402" y="-10835"/>
-                  <a:pt x="4403829" y="0"/>
-                </a:cubicBezTo>
-                <a:cubicBezTo>
-                  <a:pt x="4743256" y="10835"/>
-                  <a:pt x="5168492" y="54964"/>
-                  <a:pt x="5539408" y="0"/>
-                </a:cubicBezTo>
-                <a:cubicBezTo>
-                  <a:pt x="5543417" y="106857"/>
-                  <a:pt x="5530478" y="286168"/>
-                  <a:pt x="5539408" y="394254"/>
-                </a:cubicBezTo>
-                <a:cubicBezTo>
-                  <a:pt x="5285817" y="408227"/>
-                  <a:pt x="5173843" y="410836"/>
-                  <a:pt x="4957770" y="394254"/>
-                </a:cubicBezTo>
-                <a:cubicBezTo>
-                  <a:pt x="4741697" y="377672"/>
-                  <a:pt x="4506046" y="405506"/>
-                  <a:pt x="4376132" y="394254"/>
-                </a:cubicBezTo>
-                <a:cubicBezTo>
-                  <a:pt x="4246218" y="383002"/>
-                  <a:pt x="3954246" y="376291"/>
-                  <a:pt x="3739100" y="394254"/>
-                </a:cubicBezTo>
-                <a:cubicBezTo>
-                  <a:pt x="3523954" y="412217"/>
-                  <a:pt x="3303182" y="410006"/>
-                  <a:pt x="3046674" y="394254"/>
-                </a:cubicBezTo>
-                <a:cubicBezTo>
-                  <a:pt x="2790166" y="378502"/>
-                  <a:pt x="2601023" y="406094"/>
-                  <a:pt x="2298854" y="394254"/>
-                </a:cubicBezTo>
-                <a:cubicBezTo>
-                  <a:pt x="1996685" y="382414"/>
-                  <a:pt x="1856837" y="368443"/>
-                  <a:pt x="1717216" y="394254"/>
-                </a:cubicBezTo>
-                <a:cubicBezTo>
-                  <a:pt x="1577595" y="420065"/>
-                  <a:pt x="1308339" y="393410"/>
-                  <a:pt x="1080185" y="394254"/>
-                </a:cubicBezTo>
-                <a:cubicBezTo>
-                  <a:pt x="852031" y="395098"/>
-                  <a:pt x="315029" y="384415"/>
-                  <a:pt x="0" y="394254"/>
-                </a:cubicBezTo>
-                <a:cubicBezTo>
-                  <a:pt x="9982" y="312547"/>
-                  <a:pt x="19557" y="135918"/>
-                  <a:pt x="0" y="0"/>
-                </a:cubicBezTo>
-                <a:close/>
-              </a:path>
-            </a:pathLst>
-          </a:custGeom>
-          <a:solidFill>
-            <a:schemeClr val="accent4">
-              <a:lumMod val="40000"/>
-              <a:lumOff val="60000"/>
-              <a:alpha val="35000"/>
-            </a:schemeClr>
-          </a:solidFill>
-          <a:ln>
-            <a:solidFill>
-              <a:schemeClr val="accent4">
-                <a:lumMod val="40000"/>
-                <a:lumOff val="60000"/>
-              </a:schemeClr>
-            </a:solidFill>
-            <a:extLst>
-              <a:ext uri="{C807C97D-BFC1-408E-A445-0C87EB9F89A2}">
-                <ask:lineSketchStyleProps xmlns="" xmlns:ask="http://schemas.microsoft.com/office/drawing/2018/sketchyshapes" sd="2478525612">
-                  <a:prstGeom prst="flowChartProcess">
-                    <a:avLst/>
-                  </a:prstGeom>
-                  <ask:type>
-                    <ask:lineSketchFreehand/>
-                  </ask:type>
-                </ask:lineSketchStyleProps>
-              </a:ext>
-            </a:extLst>
+          </a:prstGeom>
+        </p:spPr>
+        <p:txBody>
+          <a:bodyPr wrap="none">
+            <a:spAutoFit/>
+          </a:bodyPr>
+          <a:lstStyle/>
+          <a:p>
+            <a:pPr algn="ctr">
+              <a:defRPr/>
+            </a:pPr>
+            <a:r>
+              <a:rPr lang="en-US" altLang="ko-KR" sz="10000">
+                <a:solidFill>
+                  <a:srgbClr val="9a8b85"/>
+                </a:solidFill>
+                <a:latin typeface="휴먼옛체"/>
+                <a:ea typeface="휴먼옛체"/>
+              </a:rPr>
+              <a:t>”</a:t>
+            </a:r>
+            <a:endParaRPr lang="ko-KR" altLang="en-US" sz="10000">
+              <a:solidFill>
+                <a:srgbClr val="9a8b85"/>
+              </a:solidFill>
+            </a:endParaRPr>
+          </a:p>
+        </p:txBody>
+      </p:sp>
+      <p:sp>
+        <p:nvSpPr>
+          <p:cNvPr id="12" name="TextBox 11"/>
+          <p:cNvSpPr txBox="1"/>
+          <p:nvPr/>
+        </p:nvSpPr>
+        <p:spPr>
+          <a:xfrm>
+            <a:off x="1310354" y="2950725"/>
+            <a:ext cx="9594574" cy="638295"/>
+          </a:xfrm>
+          <a:prstGeom prst="rect">
+            <a:avLst/>
+          </a:prstGeom>
+          <a:noFill/>
+        </p:spPr>
+        <p:txBody>
+          <a:bodyPr wrap="square">
+            <a:spAutoFit/>
+          </a:bodyPr>
+          <a:lstStyle/>
+          <a:p>
+            <a:pPr algn="ctr">
+              <a:lnSpc>
+                <a:spcPct val="150000"/>
+              </a:lnSpc>
+              <a:defRPr/>
+            </a:pPr>
+            <a:endParaRPr lang="ko-KR" altLang="en-US" sz="2400">
+              <a:latin typeface="DX영화자막 M"/>
+              <a:ea typeface="DX영화자막 M"/>
+            </a:endParaRPr>
+          </a:p>
+        </p:txBody>
+      </p:sp>
+      <p:sp>
+        <p:nvSpPr>
+          <p:cNvPr id="15" name="TextBox 14"/>
+          <p:cNvSpPr txBox="1"/>
+          <p:nvPr/>
+        </p:nvSpPr>
+        <p:spPr>
+          <a:xfrm>
+            <a:off x="8560905" y="6493565"/>
+            <a:ext cx="3578087" cy="295855"/>
+          </a:xfrm>
+          <a:prstGeom prst="rect">
+            <a:avLst/>
+          </a:prstGeom>
+          <a:noFill/>
+        </p:spPr>
+        <p:txBody>
+          <a:bodyPr wrap="square">
+            <a:spAutoFit/>
+          </a:bodyPr>
+          <a:lstStyle/>
+          <a:p>
+            <a:pPr algn="r">
+              <a:defRPr/>
+            </a:pPr>
+            <a:r>
+              <a:rPr lang="ko-KR" altLang="en-US" sz="1400">
+                <a:latin typeface="210 스탠다드 030"/>
+                <a:ea typeface="210 스탠다드 030"/>
+              </a:rPr>
+              <a:t>책 </a:t>
+            </a:r>
+            <a:r>
+              <a:rPr lang="en-US" altLang="ko-KR" sz="1400">
+                <a:latin typeface="210 스탠다드 030"/>
+                <a:ea typeface="210 스탠다드 030"/>
+              </a:rPr>
+              <a:t>278p</a:t>
+            </a:r>
+            <a:endParaRPr lang="ko-KR" altLang="en-US" sz="1400">
+              <a:latin typeface="210 스탠다드 030"/>
+              <a:ea typeface="210 스탠다드 030"/>
+            </a:endParaRPr>
+          </a:p>
+        </p:txBody>
+      </p:sp>
+      <p:sp>
+        <p:nvSpPr>
+          <p:cNvPr id="52" name="TextBox 51"/>
+          <p:cNvSpPr txBox="1"/>
+          <p:nvPr/>
+        </p:nvSpPr>
+        <p:spPr>
+          <a:xfrm flipH="1">
+            <a:off x="5041092" y="342101"/>
+            <a:ext cx="2123658" cy="294169"/>
+          </a:xfrm>
+          <a:prstGeom prst="rect">
+            <a:avLst/>
+          </a:prstGeom>
+          <a:noFill/>
+        </p:spPr>
+        <p:txBody>
+          <a:bodyPr vert="horz" wrap="square">
+            <a:spAutoFit/>
+          </a:bodyPr>
+          <a:lstStyle/>
+          <a:p>
+            <a:pPr algn="dist">
+              <a:defRPr/>
+            </a:pPr>
+            <a:r>
+              <a:rPr lang="en-US" altLang="ko-KR" sz="1400">
+                <a:solidFill>
+                  <a:schemeClr val="tx1">
+                    <a:alpha val="71000"/>
+                  </a:schemeClr>
+                </a:solidFill>
+                <a:latin typeface="DX영화자막 M"/>
+                <a:ea typeface="DX영화자막 M"/>
+              </a:rPr>
+              <a:t>SLOW THINKING</a:t>
+            </a:r>
+            <a:endParaRPr lang="ko-KR" altLang="en-US" sz="1400">
+              <a:solidFill>
+                <a:schemeClr val="tx1">
+                  <a:alpha val="71000"/>
+                </a:schemeClr>
+              </a:solidFill>
+              <a:latin typeface="DX영화자막 M"/>
+              <a:ea typeface="DX영화자막 M"/>
+            </a:endParaRPr>
+          </a:p>
+        </p:txBody>
+      </p:sp>
+      <p:sp>
+        <p:nvSpPr>
+          <p:cNvPr id="55" name="TextBox 54"/>
+          <p:cNvSpPr txBox="1"/>
+          <p:nvPr/>
+        </p:nvSpPr>
+        <p:spPr>
+          <a:xfrm>
+            <a:off x="5629302" y="713595"/>
+            <a:ext cx="1499547" cy="446550"/>
+          </a:xfrm>
+          <a:prstGeom prst="rect">
+            <a:avLst/>
+          </a:prstGeom>
+          <a:noFill/>
+          <a:ln w="9525">
+            <a:noFill/>
           </a:ln>
         </p:spPr>
-        <p:style>
-          <a:lnRef idx="2">
-            <a:schemeClr val="accent1">
-              <a:shade val="50000"/>
-            </a:schemeClr>
-          </a:lnRef>
-          <a:fillRef idx="1">
-            <a:schemeClr val="accent1"/>
-          </a:fillRef>
-          <a:effectRef idx="0">
-            <a:schemeClr val="accent1"/>
-          </a:effectRef>
-          <a:fontRef idx="minor">
-            <a:schemeClr val="lt1"/>
-          </a:fontRef>
-        </p:style>
-        <p:txBody>
-          <a:bodyPr rtlCol="0" anchor="ctr"/>
+        <p:txBody>
+          <a:bodyPr wrap="square">
+            <a:spAutoFit/>
+          </a:bodyPr>
           <a:lstStyle/>
           <a:p>
-            <a:pPr algn="ctr"/>
-            <a:endParaRPr lang="ko-KR" altLang="en-US"/>
-          </a:p>
-        </p:txBody>
-      </p:sp>
-      <p:sp>
-        <p:nvSpPr>
-          <p:cNvPr id="62" name="순서도: 처리 61">
-            <a:extLst>
-              <a:ext uri="{FF2B5EF4-FFF2-40B4-BE49-F238E27FC236}">
-                <a16:creationId xmlns:a16="http://schemas.microsoft.com/office/drawing/2014/main" id="{540F4D73-CA68-4A0E-9EBA-D7CBA3066B70}"/>
-              </a:ext>
-            </a:extLst>
-          </p:cNvPr>
+            <a:pPr lvl="0">
+              <a:defRPr/>
+            </a:pPr>
+            <a:r>
+              <a:rPr lang="ko-KR" altLang="en-US" sz="2400">
+                <a:solidFill>
+                  <a:schemeClr val="tx1">
+                    <a:alpha val="71000"/>
+                  </a:schemeClr>
+                </a:solidFill>
+                <a:latin typeface="DX영화자막 M"/>
+                <a:ea typeface="DX영화자막 M"/>
+              </a:rPr>
+              <a:t>사 례</a:t>
+            </a:r>
+            <a:endParaRPr lang="ko-KR" altLang="en-US" sz="2400">
+              <a:solidFill>
+                <a:schemeClr val="tx1">
+                  <a:alpha val="71000"/>
+                </a:schemeClr>
+              </a:solidFill>
+              <a:latin typeface="DX영화자막 M"/>
+              <a:ea typeface="DX영화자막 M"/>
+            </a:endParaRPr>
+          </a:p>
+        </p:txBody>
+      </p:sp>
+      <p:sp>
+        <p:nvSpPr>
+          <p:cNvPr id="64" name="순서도: 처리 61"/>
           <p:cNvSpPr/>
           <p:nvPr/>
         </p:nvSpPr>
         <p:spPr>
           <a:xfrm>
-            <a:off x="3142942" y="4741966"/>
-            <a:ext cx="5940000" cy="394254"/>
+            <a:off x="3606362" y="3922233"/>
+            <a:ext cx="2285510" cy="316499"/>
           </a:xfrm>
           <a:custGeom>
             <a:avLst/>
@@ -9658,7 +9322,6 @@
               <a:gd name="connsiteX21" fmla="*/ 0 w 5940000"/>
               <a:gd name="connsiteY21" fmla="*/ 0 h 394254"/>
             </a:gdLst>
-            <a:ahLst/>
             <a:cxnLst>
               <a:cxn ang="0">
                 <a:pos x="connsiteX0" y="connsiteY0"/>
@@ -9962,18 +9625,6 @@
                 <a:lumOff val="60000"/>
               </a:schemeClr>
             </a:solidFill>
-            <a:extLst>
-              <a:ext uri="{C807C97D-BFC1-408E-A445-0C87EB9F89A2}">
-                <ask:lineSketchStyleProps xmlns="" xmlns:ask="http://schemas.microsoft.com/office/drawing/2018/sketchyshapes" sd="2478525612">
-                  <a:prstGeom prst="flowChartProcess">
-                    <a:avLst/>
-                  </a:prstGeom>
-                  <ask:type>
-                    <ask:lineSketchFreehand/>
-                  </ask:type>
-                </ask:lineSketchStyleProps>
-              </a:ext>
-            </a:extLst>
           </a:ln>
         </p:spPr>
         <p:style>
@@ -9993,595 +9644,865 @@
           </a:fontRef>
         </p:style>
         <p:txBody>
-          <a:bodyPr rtlCol="0" anchor="ctr"/>
+          <a:bodyPr anchor="ctr"/>
           <a:lstStyle/>
           <a:p>
-            <a:pPr algn="ctr"/>
-            <a:endParaRPr lang="ko-KR" altLang="en-US" dirty="0"/>
-          </a:p>
-        </p:txBody>
-      </p:sp>
-      <p:grpSp>
-        <p:nvGrpSpPr>
-          <p:cNvPr id="4" name="그룹 3">
-            <a:extLst>
-              <a:ext uri="{FF2B5EF4-FFF2-40B4-BE49-F238E27FC236}">
-                <a16:creationId xmlns:a16="http://schemas.microsoft.com/office/drawing/2014/main" id="{B5104845-BD69-45A2-B225-D8EC1A15024D}"/>
-              </a:ext>
-            </a:extLst>
-          </p:cNvPr>
-          <p:cNvGrpSpPr/>
-          <p:nvPr/>
-        </p:nvGrpSpPr>
-        <p:grpSpPr>
-          <a:xfrm>
-            <a:off x="240925" y="2941212"/>
-            <a:ext cx="163649" cy="975576"/>
-            <a:chOff x="306686" y="3281373"/>
-            <a:chExt cx="163649" cy="975576"/>
-          </a:xfrm>
-        </p:grpSpPr>
-        <p:cxnSp>
-          <p:nvCxnSpPr>
-            <p:cNvPr id="3" name="직선 연결선 2">
-              <a:extLst>
-                <a:ext uri="{FF2B5EF4-FFF2-40B4-BE49-F238E27FC236}">
-                  <a16:creationId xmlns:a16="http://schemas.microsoft.com/office/drawing/2014/main" id="{F54058FD-5CC4-4A66-A7B6-3537CB5E5100}"/>
-                </a:ext>
-              </a:extLst>
-            </p:cNvPr>
-            <p:cNvCxnSpPr/>
-            <p:nvPr/>
-          </p:nvCxnSpPr>
-          <p:spPr>
-            <a:xfrm>
-              <a:off x="306686" y="4127358"/>
-              <a:ext cx="160637" cy="129591"/>
-            </a:xfrm>
-            <a:prstGeom prst="line">
-              <a:avLst/>
-            </a:prstGeom>
-            <a:ln w="12700">
-              <a:solidFill>
-                <a:srgbClr val="AC9D8E"/>
-              </a:solidFill>
-            </a:ln>
-          </p:spPr>
-          <p:style>
-            <a:lnRef idx="1">
-              <a:schemeClr val="accent1"/>
-            </a:lnRef>
-            <a:fillRef idx="0">
-              <a:schemeClr val="accent1"/>
-            </a:fillRef>
-            <a:effectRef idx="0">
-              <a:schemeClr val="accent1"/>
-            </a:effectRef>
-            <a:fontRef idx="minor">
-              <a:schemeClr val="tx1"/>
-            </a:fontRef>
-          </p:style>
-        </p:cxnSp>
-        <p:cxnSp>
-          <p:nvCxnSpPr>
-            <p:cNvPr id="40" name="직선 연결선 39">
-              <a:extLst>
-                <a:ext uri="{FF2B5EF4-FFF2-40B4-BE49-F238E27FC236}">
-                  <a16:creationId xmlns:a16="http://schemas.microsoft.com/office/drawing/2014/main" id="{AD5B1849-E784-4150-B8A4-DF03199E56DD}"/>
-                </a:ext>
-              </a:extLst>
-            </p:cNvPr>
-            <p:cNvCxnSpPr/>
-            <p:nvPr/>
-          </p:nvCxnSpPr>
-          <p:spPr>
-            <a:xfrm>
-              <a:off x="306686" y="3838775"/>
-              <a:ext cx="160637" cy="129591"/>
-            </a:xfrm>
-            <a:prstGeom prst="line">
-              <a:avLst/>
-            </a:prstGeom>
-            <a:ln w="12700">
-              <a:solidFill>
-                <a:srgbClr val="AC9D8E"/>
-              </a:solidFill>
-            </a:ln>
-          </p:spPr>
-          <p:style>
-            <a:lnRef idx="1">
-              <a:schemeClr val="accent1"/>
-            </a:lnRef>
-            <a:fillRef idx="0">
-              <a:schemeClr val="accent1"/>
-            </a:fillRef>
-            <a:effectRef idx="0">
-              <a:schemeClr val="accent1"/>
-            </a:effectRef>
-            <a:fontRef idx="minor">
-              <a:schemeClr val="tx1"/>
-            </a:fontRef>
-          </p:style>
-        </p:cxnSp>
-        <p:cxnSp>
-          <p:nvCxnSpPr>
-            <p:cNvPr id="49" name="직선 연결선 48">
-              <a:extLst>
-                <a:ext uri="{FF2B5EF4-FFF2-40B4-BE49-F238E27FC236}">
-                  <a16:creationId xmlns:a16="http://schemas.microsoft.com/office/drawing/2014/main" id="{8DF5B429-A9C8-410D-A763-A82DD49890F5}"/>
-                </a:ext>
-              </a:extLst>
-            </p:cNvPr>
-            <p:cNvCxnSpPr/>
-            <p:nvPr/>
-          </p:nvCxnSpPr>
-          <p:spPr>
-            <a:xfrm>
-              <a:off x="306686" y="3550192"/>
-              <a:ext cx="160637" cy="129591"/>
-            </a:xfrm>
-            <a:prstGeom prst="line">
-              <a:avLst/>
-            </a:prstGeom>
-            <a:ln w="12700">
-              <a:solidFill>
-                <a:srgbClr val="AC9D8E"/>
-              </a:solidFill>
-            </a:ln>
-          </p:spPr>
-          <p:style>
-            <a:lnRef idx="1">
-              <a:schemeClr val="accent1"/>
-            </a:lnRef>
-            <a:fillRef idx="0">
-              <a:schemeClr val="accent1"/>
-            </a:fillRef>
-            <a:effectRef idx="0">
-              <a:schemeClr val="accent1"/>
-            </a:effectRef>
-            <a:fontRef idx="minor">
-              <a:schemeClr val="tx1"/>
-            </a:fontRef>
-          </p:style>
-        </p:cxnSp>
-        <p:cxnSp>
-          <p:nvCxnSpPr>
-            <p:cNvPr id="51" name="직선 연결선 50">
-              <a:extLst>
-                <a:ext uri="{FF2B5EF4-FFF2-40B4-BE49-F238E27FC236}">
-                  <a16:creationId xmlns:a16="http://schemas.microsoft.com/office/drawing/2014/main" id="{F3AD4E31-8EC1-43C9-BA21-3E5CE7924706}"/>
-                </a:ext>
-              </a:extLst>
-            </p:cNvPr>
-            <p:cNvCxnSpPr/>
-            <p:nvPr/>
-          </p:nvCxnSpPr>
-          <p:spPr>
-            <a:xfrm>
-              <a:off x="309698" y="3281373"/>
-              <a:ext cx="160637" cy="129591"/>
-            </a:xfrm>
-            <a:prstGeom prst="line">
-              <a:avLst/>
-            </a:prstGeom>
-            <a:ln w="12700">
-              <a:solidFill>
-                <a:srgbClr val="AC9D8E"/>
-              </a:solidFill>
-            </a:ln>
-          </p:spPr>
-          <p:style>
-            <a:lnRef idx="1">
-              <a:schemeClr val="accent1"/>
-            </a:lnRef>
-            <a:fillRef idx="0">
-              <a:schemeClr val="accent1"/>
-            </a:fillRef>
-            <a:effectRef idx="0">
-              <a:schemeClr val="accent1"/>
-            </a:effectRef>
-            <a:fontRef idx="minor">
-              <a:schemeClr val="tx1"/>
-            </a:fontRef>
-          </p:style>
-        </p:cxnSp>
-      </p:grpSp>
-      <p:sp>
-        <p:nvSpPr>
-          <p:cNvPr id="9" name="TextBox 8">
-            <a:extLst>
-              <a:ext uri="{FF2B5EF4-FFF2-40B4-BE49-F238E27FC236}">
-                <a16:creationId xmlns:a16="http://schemas.microsoft.com/office/drawing/2014/main" id="{0939B7FC-EED3-431E-B533-25AB4E8EEFEA}"/>
-              </a:ext>
-            </a:extLst>
-          </p:cNvPr>
-          <p:cNvSpPr txBox="1"/>
+            <a:pPr algn="ctr">
+              <a:defRPr/>
+            </a:pPr>
+            <a:endParaRPr lang="ko-KR" altLang="en-US"/>
+          </a:p>
+        </p:txBody>
+      </p:sp>
+      <p:sp>
+        <p:nvSpPr>
+          <p:cNvPr id="14" name="순서도: 처리 13"/>
+          <p:cNvSpPr/>
           <p:nvPr/>
         </p:nvSpPr>
         <p:spPr>
           <a:xfrm>
-            <a:off x="5169743" y="1861229"/>
-            <a:ext cx="1379789" cy="1631216"/>
+            <a:off x="3856208" y="3390900"/>
+            <a:ext cx="2759663" cy="268679"/>
           </a:xfrm>
-          <a:prstGeom prst="rect">
+          <a:custGeom>
             <a:avLst/>
-          </a:prstGeom>
-          <a:noFill/>
+            <a:gdLst>
+              <a:gd name="connsiteX0" fmla="*/ 0 w 5539408"/>
+              <a:gd name="connsiteY0" fmla="*/ 0 h 394254"/>
+              <a:gd name="connsiteX1" fmla="*/ 747820 w 5539408"/>
+              <a:gd name="connsiteY1" fmla="*/ 0 h 394254"/>
+              <a:gd name="connsiteX2" fmla="*/ 1274064 w 5539408"/>
+              <a:gd name="connsiteY2" fmla="*/ 0 h 394254"/>
+              <a:gd name="connsiteX3" fmla="*/ 1800308 w 5539408"/>
+              <a:gd name="connsiteY3" fmla="*/ 0 h 394254"/>
+              <a:gd name="connsiteX4" fmla="*/ 2437340 w 5539408"/>
+              <a:gd name="connsiteY4" fmla="*/ 0 h 394254"/>
+              <a:gd name="connsiteX5" fmla="*/ 3018977 w 5539408"/>
+              <a:gd name="connsiteY5" fmla="*/ 0 h 394254"/>
+              <a:gd name="connsiteX6" fmla="*/ 3600615 w 5539408"/>
+              <a:gd name="connsiteY6" fmla="*/ 0 h 394254"/>
+              <a:gd name="connsiteX7" fmla="*/ 4293041 w 5539408"/>
+              <a:gd name="connsiteY7" fmla="*/ 0 h 394254"/>
+              <a:gd name="connsiteX8" fmla="*/ 5539408 w 5539408"/>
+              <a:gd name="connsiteY8" fmla="*/ 0 h 394254"/>
+              <a:gd name="connsiteX9" fmla="*/ 5539408 w 5539408"/>
+              <a:gd name="connsiteY9" fmla="*/ 394254 h 394254"/>
+              <a:gd name="connsiteX10" fmla="*/ 5013164 w 5539408"/>
+              <a:gd name="connsiteY10" fmla="*/ 394254 h 394254"/>
+              <a:gd name="connsiteX11" fmla="*/ 4265344 w 5539408"/>
+              <a:gd name="connsiteY11" fmla="*/ 394254 h 394254"/>
+              <a:gd name="connsiteX12" fmla="*/ 3683706 w 5539408"/>
+              <a:gd name="connsiteY12" fmla="*/ 394254 h 394254"/>
+              <a:gd name="connsiteX13" fmla="*/ 2935886 w 5539408"/>
+              <a:gd name="connsiteY13" fmla="*/ 394254 h 394254"/>
+              <a:gd name="connsiteX14" fmla="*/ 2354248 w 5539408"/>
+              <a:gd name="connsiteY14" fmla="*/ 394254 h 394254"/>
+              <a:gd name="connsiteX15" fmla="*/ 1828005 w 5539408"/>
+              <a:gd name="connsiteY15" fmla="*/ 394254 h 394254"/>
+              <a:gd name="connsiteX16" fmla="*/ 1135579 w 5539408"/>
+              <a:gd name="connsiteY16" fmla="*/ 394254 h 394254"/>
+              <a:gd name="connsiteX17" fmla="*/ 0 w 5539408"/>
+              <a:gd name="connsiteY17" fmla="*/ 394254 h 394254"/>
+              <a:gd name="connsiteX18" fmla="*/ 0 w 5539408"/>
+              <a:gd name="connsiteY18" fmla="*/ 0 h 394254"/>
+            </a:gdLst>
+            <a:cxnLst>
+              <a:cxn ang="0">
+                <a:pos x="connsiteX0" y="connsiteY0"/>
+              </a:cxn>
+              <a:cxn ang="0">
+                <a:pos x="connsiteX1" y="connsiteY1"/>
+              </a:cxn>
+              <a:cxn ang="0">
+                <a:pos x="connsiteX2" y="connsiteY2"/>
+              </a:cxn>
+              <a:cxn ang="0">
+                <a:pos x="connsiteX3" y="connsiteY3"/>
+              </a:cxn>
+              <a:cxn ang="0">
+                <a:pos x="connsiteX4" y="connsiteY4"/>
+              </a:cxn>
+              <a:cxn ang="0">
+                <a:pos x="connsiteX5" y="connsiteY5"/>
+              </a:cxn>
+              <a:cxn ang="0">
+                <a:pos x="connsiteX6" y="connsiteY6"/>
+              </a:cxn>
+              <a:cxn ang="0">
+                <a:pos x="connsiteX7" y="connsiteY7"/>
+              </a:cxn>
+              <a:cxn ang="0">
+                <a:pos x="connsiteX8" y="connsiteY8"/>
+              </a:cxn>
+              <a:cxn ang="0">
+                <a:pos x="connsiteX9" y="connsiteY9"/>
+              </a:cxn>
+              <a:cxn ang="0">
+                <a:pos x="connsiteX10" y="connsiteY10"/>
+              </a:cxn>
+              <a:cxn ang="0">
+                <a:pos x="connsiteX11" y="connsiteY11"/>
+              </a:cxn>
+              <a:cxn ang="0">
+                <a:pos x="connsiteX12" y="connsiteY12"/>
+              </a:cxn>
+              <a:cxn ang="0">
+                <a:pos x="connsiteX13" y="connsiteY13"/>
+              </a:cxn>
+              <a:cxn ang="0">
+                <a:pos x="connsiteX14" y="connsiteY14"/>
+              </a:cxn>
+              <a:cxn ang="0">
+                <a:pos x="connsiteX15" y="connsiteY15"/>
+              </a:cxn>
+              <a:cxn ang="0">
+                <a:pos x="connsiteX16" y="connsiteY16"/>
+              </a:cxn>
+              <a:cxn ang="0">
+                <a:pos x="connsiteX17" y="connsiteY17"/>
+              </a:cxn>
+              <a:cxn ang="0">
+                <a:pos x="connsiteX18" y="connsiteY18"/>
+              </a:cxn>
+            </a:cxnLst>
+            <a:rect l="l" t="t" r="r" b="b"/>
+            <a:pathLst>
+              <a:path w="5539408" h="394254" fill="none" extrusionOk="0">
+                <a:moveTo>
+                  <a:pt x="0" y="0"/>
+                </a:moveTo>
+                <a:cubicBezTo>
+                  <a:pt x="284133" y="-19519"/>
+                  <a:pt x="466043" y="-28533"/>
+                  <a:pt x="747820" y="0"/>
+                </a:cubicBezTo>
+                <a:cubicBezTo>
+                  <a:pt x="1029597" y="28533"/>
+                  <a:pt x="1080077" y="-17557"/>
+                  <a:pt x="1274064" y="0"/>
+                </a:cubicBezTo>
+                <a:cubicBezTo>
+                  <a:pt x="1468051" y="17557"/>
+                  <a:pt x="1651767" y="8919"/>
+                  <a:pt x="1800308" y="0"/>
+                </a:cubicBezTo>
+                <a:cubicBezTo>
+                  <a:pt x="1948849" y="-8919"/>
+                  <a:pt x="2122159" y="-7514"/>
+                  <a:pt x="2437340" y="0"/>
+                </a:cubicBezTo>
+                <a:cubicBezTo>
+                  <a:pt x="2752521" y="7514"/>
+                  <a:pt x="2839287" y="-19013"/>
+                  <a:pt x="3018977" y="0"/>
+                </a:cubicBezTo>
+                <a:cubicBezTo>
+                  <a:pt x="3198667" y="19013"/>
+                  <a:pt x="3316911" y="13184"/>
+                  <a:pt x="3600615" y="0"/>
+                </a:cubicBezTo>
+                <a:cubicBezTo>
+                  <a:pt x="3884319" y="-13184"/>
+                  <a:pt x="4107993" y="-15193"/>
+                  <a:pt x="4293041" y="0"/>
+                </a:cubicBezTo>
+                <a:cubicBezTo>
+                  <a:pt x="4478089" y="15193"/>
+                  <a:pt x="5268790" y="529"/>
+                  <a:pt x="5539408" y="0"/>
+                </a:cubicBezTo>
+                <a:cubicBezTo>
+                  <a:pt x="5527939" y="127708"/>
+                  <a:pt x="5552157" y="213759"/>
+                  <a:pt x="5539408" y="394254"/>
+                </a:cubicBezTo>
+                <a:cubicBezTo>
+                  <a:pt x="5415421" y="391683"/>
+                  <a:pt x="5196388" y="408387"/>
+                  <a:pt x="5013164" y="394254"/>
+                </a:cubicBezTo>
+                <a:cubicBezTo>
+                  <a:pt x="4829940" y="380121"/>
+                  <a:pt x="4475602" y="384842"/>
+                  <a:pt x="4265344" y="394254"/>
+                </a:cubicBezTo>
+                <a:cubicBezTo>
+                  <a:pt x="4055086" y="403666"/>
+                  <a:pt x="3890862" y="374922"/>
+                  <a:pt x="3683706" y="394254"/>
+                </a:cubicBezTo>
+                <a:cubicBezTo>
+                  <a:pt x="3476550" y="413586"/>
+                  <a:pt x="3092940" y="362270"/>
+                  <a:pt x="2935886" y="394254"/>
+                </a:cubicBezTo>
+                <a:cubicBezTo>
+                  <a:pt x="2778832" y="426238"/>
+                  <a:pt x="2510645" y="388032"/>
+                  <a:pt x="2354248" y="394254"/>
+                </a:cubicBezTo>
+                <a:cubicBezTo>
+                  <a:pt x="2197851" y="400476"/>
+                  <a:pt x="1977733" y="395266"/>
+                  <a:pt x="1828005" y="394254"/>
+                </a:cubicBezTo>
+                <a:cubicBezTo>
+                  <a:pt x="1678277" y="393242"/>
+                  <a:pt x="1377089" y="411396"/>
+                  <a:pt x="1135579" y="394254"/>
+                </a:cubicBezTo>
+                <a:cubicBezTo>
+                  <a:pt x="894069" y="377112"/>
+                  <a:pt x="333272" y="449940"/>
+                  <a:pt x="0" y="394254"/>
+                </a:cubicBezTo>
+                <a:cubicBezTo>
+                  <a:pt x="-16707" y="200807"/>
+                  <a:pt x="-3480" y="161104"/>
+                  <a:pt x="0" y="0"/>
+                </a:cubicBezTo>
+                <a:close/>
+              </a:path>
+              <a:path w="5539408" h="394254" stroke="0" extrusionOk="0">
+                <a:moveTo>
+                  <a:pt x="0" y="0"/>
+                </a:moveTo>
+                <a:cubicBezTo>
+                  <a:pt x="139064" y="-20763"/>
+                  <a:pt x="334529" y="-16598"/>
+                  <a:pt x="581638" y="0"/>
+                </a:cubicBezTo>
+                <a:cubicBezTo>
+                  <a:pt x="828747" y="16598"/>
+                  <a:pt x="1197486" y="4633"/>
+                  <a:pt x="1384852" y="0"/>
+                </a:cubicBezTo>
+                <a:cubicBezTo>
+                  <a:pt x="1572218" y="-4633"/>
+                  <a:pt x="1704390" y="-2864"/>
+                  <a:pt x="1966490" y="0"/>
+                </a:cubicBezTo>
+                <a:cubicBezTo>
+                  <a:pt x="2228590" y="2864"/>
+                  <a:pt x="2271745" y="-15198"/>
+                  <a:pt x="2492734" y="0"/>
+                </a:cubicBezTo>
+                <a:cubicBezTo>
+                  <a:pt x="2713723" y="15198"/>
+                  <a:pt x="2761841" y="19867"/>
+                  <a:pt x="3018977" y="0"/>
+                </a:cubicBezTo>
+                <a:cubicBezTo>
+                  <a:pt x="3276113" y="-19867"/>
+                  <a:pt x="3475405" y="-21878"/>
+                  <a:pt x="3600615" y="0"/>
+                </a:cubicBezTo>
+                <a:cubicBezTo>
+                  <a:pt x="3725825" y="21878"/>
+                  <a:pt x="4064402" y="-10835"/>
+                  <a:pt x="4403829" y="0"/>
+                </a:cubicBezTo>
+                <a:cubicBezTo>
+                  <a:pt x="4743256" y="10835"/>
+                  <a:pt x="5168492" y="54964"/>
+                  <a:pt x="5539408" y="0"/>
+                </a:cubicBezTo>
+                <a:cubicBezTo>
+                  <a:pt x="5543417" y="106857"/>
+                  <a:pt x="5530478" y="286168"/>
+                  <a:pt x="5539408" y="394254"/>
+                </a:cubicBezTo>
+                <a:cubicBezTo>
+                  <a:pt x="5285817" y="408227"/>
+                  <a:pt x="5173843" y="410836"/>
+                  <a:pt x="4957770" y="394254"/>
+                </a:cubicBezTo>
+                <a:cubicBezTo>
+                  <a:pt x="4741697" y="377672"/>
+                  <a:pt x="4506046" y="405506"/>
+                  <a:pt x="4376132" y="394254"/>
+                </a:cubicBezTo>
+                <a:cubicBezTo>
+                  <a:pt x="4246218" y="383002"/>
+                  <a:pt x="3954246" y="376291"/>
+                  <a:pt x="3739100" y="394254"/>
+                </a:cubicBezTo>
+                <a:cubicBezTo>
+                  <a:pt x="3523954" y="412217"/>
+                  <a:pt x="3303182" y="410006"/>
+                  <a:pt x="3046674" y="394254"/>
+                </a:cubicBezTo>
+                <a:cubicBezTo>
+                  <a:pt x="2790166" y="378502"/>
+                  <a:pt x="2601023" y="406094"/>
+                  <a:pt x="2298854" y="394254"/>
+                </a:cubicBezTo>
+                <a:cubicBezTo>
+                  <a:pt x="1996685" y="382414"/>
+                  <a:pt x="1856837" y="368443"/>
+                  <a:pt x="1717216" y="394254"/>
+                </a:cubicBezTo>
+                <a:cubicBezTo>
+                  <a:pt x="1577595" y="420065"/>
+                  <a:pt x="1308339" y="393410"/>
+                  <a:pt x="1080185" y="394254"/>
+                </a:cubicBezTo>
+                <a:cubicBezTo>
+                  <a:pt x="852031" y="395098"/>
+                  <a:pt x="315029" y="384415"/>
+                  <a:pt x="0" y="394254"/>
+                </a:cubicBezTo>
+                <a:cubicBezTo>
+                  <a:pt x="9982" y="312547"/>
+                  <a:pt x="19557" y="135918"/>
+                  <a:pt x="0" y="0"/>
+                </a:cubicBezTo>
+                <a:close/>
+              </a:path>
+            </a:pathLst>
+          </a:custGeom>
+          <a:solidFill>
+            <a:schemeClr val="accent4">
+              <a:lumMod val="40000"/>
+              <a:lumOff val="60000"/>
+              <a:alpha val="35000"/>
+            </a:schemeClr>
+          </a:solidFill>
+          <a:ln>
+            <a:solidFill>
+              <a:schemeClr val="accent4">
+                <a:lumMod val="40000"/>
+                <a:lumOff val="60000"/>
+              </a:schemeClr>
+            </a:solidFill>
+          </a:ln>
         </p:spPr>
-        <p:txBody>
-          <a:bodyPr wrap="square" rtlCol="0">
-            <a:spAutoFit/>
-          </a:bodyPr>
+        <p:style>
+          <a:lnRef idx="2">
+            <a:schemeClr val="accent1">
+              <a:shade val="50000"/>
+            </a:schemeClr>
+          </a:lnRef>
+          <a:fillRef idx="1">
+            <a:schemeClr val="accent1"/>
+          </a:fillRef>
+          <a:effectRef idx="0">
+            <a:schemeClr val="accent1"/>
+          </a:effectRef>
+          <a:fontRef idx="minor">
+            <a:schemeClr val="lt1"/>
+          </a:fontRef>
+        </p:style>
+        <p:txBody>
+          <a:bodyPr anchor="ctr"/>
           <a:lstStyle/>
           <a:p>
-            <a:pPr algn="ctr"/>
-            <a:r>
-              <a:rPr lang="en-US" altLang="ko-KR" sz="10000" dirty="0">
-                <a:solidFill>
-                  <a:srgbClr val="9A8B85"/>
-                </a:solidFill>
-                <a:latin typeface="휴먼옛체" panose="02030504000101010101" pitchFamily="18" charset="-127"/>
-                <a:ea typeface="휴먼옛체" panose="02030504000101010101" pitchFamily="18" charset="-127"/>
-              </a:rPr>
-              <a:t>“</a:t>
-            </a:r>
-            <a:endParaRPr lang="ko-KR" altLang="en-US" sz="10000" dirty="0">
-              <a:solidFill>
-                <a:srgbClr val="9A8B85"/>
-              </a:solidFill>
-              <a:latin typeface="휴먼옛체" panose="02030504000101010101" pitchFamily="18" charset="-127"/>
-              <a:ea typeface="휴먼옛체" panose="02030504000101010101" pitchFamily="18" charset="-127"/>
-            </a:endParaRPr>
-          </a:p>
-        </p:txBody>
-      </p:sp>
-      <p:sp>
-        <p:nvSpPr>
-          <p:cNvPr id="11" name="직사각형 10">
-            <a:extLst>
-              <a:ext uri="{FF2B5EF4-FFF2-40B4-BE49-F238E27FC236}">
-                <a16:creationId xmlns:a16="http://schemas.microsoft.com/office/drawing/2014/main" id="{8F3917A0-A22D-4158-8A16-BF96A8E9DC07}"/>
-              </a:ext>
-            </a:extLst>
-          </p:cNvPr>
+            <a:pPr algn="ctr">
+              <a:defRPr/>
+            </a:pPr>
+            <a:endParaRPr lang="ko-KR" altLang="en-US"/>
+          </a:p>
+        </p:txBody>
+      </p:sp>
+      <p:sp>
+        <p:nvSpPr>
+          <p:cNvPr id="62" name="순서도: 처리 61"/>
           <p:cNvSpPr/>
           <p:nvPr/>
         </p:nvSpPr>
         <p:spPr>
           <a:xfrm>
-            <a:off x="5629302" y="5488966"/>
-            <a:ext cx="1467068" cy="1631216"/>
+            <a:off x="5689421" y="3663115"/>
+            <a:ext cx="2615969" cy="229024"/>
+          </a:xfrm>
+          <a:custGeom>
+            <a:avLst/>
+            <a:gdLst>
+              <a:gd name="connsiteX0" fmla="*/ 0 w 5940000"/>
+              <a:gd name="connsiteY0" fmla="*/ 0 h 394254"/>
+              <a:gd name="connsiteX1" fmla="*/ 481800 w 5940000"/>
+              <a:gd name="connsiteY1" fmla="*/ 0 h 394254"/>
+              <a:gd name="connsiteX2" fmla="*/ 1082400 w 5940000"/>
+              <a:gd name="connsiteY2" fmla="*/ 0 h 394254"/>
+              <a:gd name="connsiteX3" fmla="*/ 1623600 w 5940000"/>
+              <a:gd name="connsiteY3" fmla="*/ 0 h 394254"/>
+              <a:gd name="connsiteX4" fmla="*/ 2164800 w 5940000"/>
+              <a:gd name="connsiteY4" fmla="*/ 0 h 394254"/>
+              <a:gd name="connsiteX5" fmla="*/ 2824800 w 5940000"/>
+              <a:gd name="connsiteY5" fmla="*/ 0 h 394254"/>
+              <a:gd name="connsiteX6" fmla="*/ 3484800 w 5940000"/>
+              <a:gd name="connsiteY6" fmla="*/ 0 h 394254"/>
+              <a:gd name="connsiteX7" fmla="*/ 4026000 w 5940000"/>
+              <a:gd name="connsiteY7" fmla="*/ 0 h 394254"/>
+              <a:gd name="connsiteX8" fmla="*/ 4745400 w 5940000"/>
+              <a:gd name="connsiteY8" fmla="*/ 0 h 394254"/>
+              <a:gd name="connsiteX9" fmla="*/ 5227200 w 5940000"/>
+              <a:gd name="connsiteY9" fmla="*/ 0 h 394254"/>
+              <a:gd name="connsiteX10" fmla="*/ 5940000 w 5940000"/>
+              <a:gd name="connsiteY10" fmla="*/ 0 h 394254"/>
+              <a:gd name="connsiteX11" fmla="*/ 5940000 w 5940000"/>
+              <a:gd name="connsiteY11" fmla="*/ 394254 h 394254"/>
+              <a:gd name="connsiteX12" fmla="*/ 5280000 w 5940000"/>
+              <a:gd name="connsiteY12" fmla="*/ 394254 h 394254"/>
+              <a:gd name="connsiteX13" fmla="*/ 4798200 w 5940000"/>
+              <a:gd name="connsiteY13" fmla="*/ 394254 h 394254"/>
+              <a:gd name="connsiteX14" fmla="*/ 4138200 w 5940000"/>
+              <a:gd name="connsiteY14" fmla="*/ 394254 h 394254"/>
+              <a:gd name="connsiteX15" fmla="*/ 3418800 w 5940000"/>
+              <a:gd name="connsiteY15" fmla="*/ 394254 h 394254"/>
+              <a:gd name="connsiteX16" fmla="*/ 2877600 w 5940000"/>
+              <a:gd name="connsiteY16" fmla="*/ 394254 h 394254"/>
+              <a:gd name="connsiteX17" fmla="*/ 2217600 w 5940000"/>
+              <a:gd name="connsiteY17" fmla="*/ 394254 h 394254"/>
+              <a:gd name="connsiteX18" fmla="*/ 1498200 w 5940000"/>
+              <a:gd name="connsiteY18" fmla="*/ 394254 h 394254"/>
+              <a:gd name="connsiteX19" fmla="*/ 838200 w 5940000"/>
+              <a:gd name="connsiteY19" fmla="*/ 394254 h 394254"/>
+              <a:gd name="connsiteX20" fmla="*/ 0 w 5940000"/>
+              <a:gd name="connsiteY20" fmla="*/ 394254 h 394254"/>
+              <a:gd name="connsiteX21" fmla="*/ 0 w 5940000"/>
+              <a:gd name="connsiteY21" fmla="*/ 0 h 394254"/>
+            </a:gdLst>
+            <a:cxnLst>
+              <a:cxn ang="0">
+                <a:pos x="connsiteX0" y="connsiteY0"/>
+              </a:cxn>
+              <a:cxn ang="0">
+                <a:pos x="connsiteX1" y="connsiteY1"/>
+              </a:cxn>
+              <a:cxn ang="0">
+                <a:pos x="connsiteX2" y="connsiteY2"/>
+              </a:cxn>
+              <a:cxn ang="0">
+                <a:pos x="connsiteX3" y="connsiteY3"/>
+              </a:cxn>
+              <a:cxn ang="0">
+                <a:pos x="connsiteX4" y="connsiteY4"/>
+              </a:cxn>
+              <a:cxn ang="0">
+                <a:pos x="connsiteX5" y="connsiteY5"/>
+              </a:cxn>
+              <a:cxn ang="0">
+                <a:pos x="connsiteX6" y="connsiteY6"/>
+              </a:cxn>
+              <a:cxn ang="0">
+                <a:pos x="connsiteX7" y="connsiteY7"/>
+              </a:cxn>
+              <a:cxn ang="0">
+                <a:pos x="connsiteX8" y="connsiteY8"/>
+              </a:cxn>
+              <a:cxn ang="0">
+                <a:pos x="connsiteX9" y="connsiteY9"/>
+              </a:cxn>
+              <a:cxn ang="0">
+                <a:pos x="connsiteX10" y="connsiteY10"/>
+              </a:cxn>
+              <a:cxn ang="0">
+                <a:pos x="connsiteX11" y="connsiteY11"/>
+              </a:cxn>
+              <a:cxn ang="0">
+                <a:pos x="connsiteX12" y="connsiteY12"/>
+              </a:cxn>
+              <a:cxn ang="0">
+                <a:pos x="connsiteX13" y="connsiteY13"/>
+              </a:cxn>
+              <a:cxn ang="0">
+                <a:pos x="connsiteX14" y="connsiteY14"/>
+              </a:cxn>
+              <a:cxn ang="0">
+                <a:pos x="connsiteX15" y="connsiteY15"/>
+              </a:cxn>
+              <a:cxn ang="0">
+                <a:pos x="connsiteX16" y="connsiteY16"/>
+              </a:cxn>
+              <a:cxn ang="0">
+                <a:pos x="connsiteX17" y="connsiteY17"/>
+              </a:cxn>
+              <a:cxn ang="0">
+                <a:pos x="connsiteX18" y="connsiteY18"/>
+              </a:cxn>
+              <a:cxn ang="0">
+                <a:pos x="connsiteX19" y="connsiteY19"/>
+              </a:cxn>
+              <a:cxn ang="0">
+                <a:pos x="connsiteX20" y="connsiteY20"/>
+              </a:cxn>
+              <a:cxn ang="0">
+                <a:pos x="connsiteX21" y="connsiteY21"/>
+              </a:cxn>
+            </a:cxnLst>
+            <a:rect l="l" t="t" r="r" b="b"/>
+            <a:pathLst>
+              <a:path w="5940000" h="394254" fill="none" extrusionOk="0">
+                <a:moveTo>
+                  <a:pt x="0" y="0"/>
+                </a:moveTo>
+                <a:cubicBezTo>
+                  <a:pt x="180234" y="8070"/>
+                  <a:pt x="327935" y="-6618"/>
+                  <a:pt x="481800" y="0"/>
+                </a:cubicBezTo>
+                <a:cubicBezTo>
+                  <a:pt x="635665" y="6618"/>
+                  <a:pt x="911184" y="3231"/>
+                  <a:pt x="1082400" y="0"/>
+                </a:cubicBezTo>
+                <a:cubicBezTo>
+                  <a:pt x="1253616" y="-3231"/>
+                  <a:pt x="1383789" y="26143"/>
+                  <a:pt x="1623600" y="0"/>
+                </a:cubicBezTo>
+                <a:cubicBezTo>
+                  <a:pt x="1863411" y="-26143"/>
+                  <a:pt x="1999318" y="-15733"/>
+                  <a:pt x="2164800" y="0"/>
+                </a:cubicBezTo>
+                <a:cubicBezTo>
+                  <a:pt x="2330282" y="15733"/>
+                  <a:pt x="2547575" y="-6540"/>
+                  <a:pt x="2824800" y="0"/>
+                </a:cubicBezTo>
+                <a:cubicBezTo>
+                  <a:pt x="3102025" y="6540"/>
+                  <a:pt x="3197772" y="5889"/>
+                  <a:pt x="3484800" y="0"/>
+                </a:cubicBezTo>
+                <a:cubicBezTo>
+                  <a:pt x="3771828" y="-5889"/>
+                  <a:pt x="3879156" y="-22176"/>
+                  <a:pt x="4026000" y="0"/>
+                </a:cubicBezTo>
+                <a:cubicBezTo>
+                  <a:pt x="4172844" y="22176"/>
+                  <a:pt x="4459898" y="-16494"/>
+                  <a:pt x="4745400" y="0"/>
+                </a:cubicBezTo>
+                <a:cubicBezTo>
+                  <a:pt x="5030902" y="16494"/>
+                  <a:pt x="5116687" y="-20569"/>
+                  <a:pt x="5227200" y="0"/>
+                </a:cubicBezTo>
+                <a:cubicBezTo>
+                  <a:pt x="5337713" y="20569"/>
+                  <a:pt x="5731145" y="-26427"/>
+                  <a:pt x="5940000" y="0"/>
+                </a:cubicBezTo>
+                <a:cubicBezTo>
+                  <a:pt x="5955965" y="187069"/>
+                  <a:pt x="5938429" y="235809"/>
+                  <a:pt x="5940000" y="394254"/>
+                </a:cubicBezTo>
+                <a:cubicBezTo>
+                  <a:pt x="5728365" y="399197"/>
+                  <a:pt x="5567406" y="419755"/>
+                  <a:pt x="5280000" y="394254"/>
+                </a:cubicBezTo>
+                <a:cubicBezTo>
+                  <a:pt x="4992594" y="368753"/>
+                  <a:pt x="5006558" y="400414"/>
+                  <a:pt x="4798200" y="394254"/>
+                </a:cubicBezTo>
+                <a:cubicBezTo>
+                  <a:pt x="4589842" y="388094"/>
+                  <a:pt x="4392035" y="388787"/>
+                  <a:pt x="4138200" y="394254"/>
+                </a:cubicBezTo>
+                <a:cubicBezTo>
+                  <a:pt x="3884365" y="399721"/>
+                  <a:pt x="3655200" y="399403"/>
+                  <a:pt x="3418800" y="394254"/>
+                </a:cubicBezTo>
+                <a:cubicBezTo>
+                  <a:pt x="3182400" y="389105"/>
+                  <a:pt x="2993592" y="385858"/>
+                  <a:pt x="2877600" y="394254"/>
+                </a:cubicBezTo>
+                <a:cubicBezTo>
+                  <a:pt x="2761608" y="402650"/>
+                  <a:pt x="2437936" y="408386"/>
+                  <a:pt x="2217600" y="394254"/>
+                </a:cubicBezTo>
+                <a:cubicBezTo>
+                  <a:pt x="1997264" y="380122"/>
+                  <a:pt x="1836941" y="361431"/>
+                  <a:pt x="1498200" y="394254"/>
+                </a:cubicBezTo>
+                <a:cubicBezTo>
+                  <a:pt x="1159459" y="427077"/>
+                  <a:pt x="1026651" y="404549"/>
+                  <a:pt x="838200" y="394254"/>
+                </a:cubicBezTo>
+                <a:cubicBezTo>
+                  <a:pt x="649749" y="383959"/>
+                  <a:pt x="267558" y="377821"/>
+                  <a:pt x="0" y="394254"/>
+                </a:cubicBezTo>
+                <a:cubicBezTo>
+                  <a:pt x="-16703" y="292461"/>
+                  <a:pt x="-1088" y="173573"/>
+                  <a:pt x="0" y="0"/>
+                </a:cubicBezTo>
+                <a:close/>
+              </a:path>
+              <a:path w="5940000" h="394254" stroke="0" extrusionOk="0">
+                <a:moveTo>
+                  <a:pt x="0" y="0"/>
+                </a:moveTo>
+                <a:cubicBezTo>
+                  <a:pt x="175556" y="26685"/>
+                  <a:pt x="411656" y="-20869"/>
+                  <a:pt x="541200" y="0"/>
+                </a:cubicBezTo>
+                <a:cubicBezTo>
+                  <a:pt x="670744" y="20869"/>
+                  <a:pt x="957355" y="-13904"/>
+                  <a:pt x="1320000" y="0"/>
+                </a:cubicBezTo>
+                <a:cubicBezTo>
+                  <a:pt x="1682645" y="13904"/>
+                  <a:pt x="1672872" y="1311"/>
+                  <a:pt x="1861200" y="0"/>
+                </a:cubicBezTo>
+                <a:cubicBezTo>
+                  <a:pt x="2049528" y="-1311"/>
+                  <a:pt x="2176571" y="-6635"/>
+                  <a:pt x="2343000" y="0"/>
+                </a:cubicBezTo>
+                <a:cubicBezTo>
+                  <a:pt x="2509429" y="6635"/>
+                  <a:pt x="2670777" y="-17696"/>
+                  <a:pt x="2824800" y="0"/>
+                </a:cubicBezTo>
+                <a:cubicBezTo>
+                  <a:pt x="2978823" y="17696"/>
+                  <a:pt x="3125206" y="-4569"/>
+                  <a:pt x="3366000" y="0"/>
+                </a:cubicBezTo>
+                <a:cubicBezTo>
+                  <a:pt x="3606794" y="4569"/>
+                  <a:pt x="3938093" y="31803"/>
+                  <a:pt x="4144800" y="0"/>
+                </a:cubicBezTo>
+                <a:cubicBezTo>
+                  <a:pt x="4351507" y="-31803"/>
+                  <a:pt x="4523917" y="-5109"/>
+                  <a:pt x="4804800" y="0"/>
+                </a:cubicBezTo>
+                <a:cubicBezTo>
+                  <a:pt x="5085683" y="5109"/>
+                  <a:pt x="5701500" y="-2554"/>
+                  <a:pt x="5940000" y="0"/>
+                </a:cubicBezTo>
+                <a:cubicBezTo>
+                  <a:pt x="5920881" y="96151"/>
+                  <a:pt x="5942589" y="231191"/>
+                  <a:pt x="5940000" y="394254"/>
+                </a:cubicBezTo>
+                <a:cubicBezTo>
+                  <a:pt x="5745358" y="372191"/>
+                  <a:pt x="5596142" y="411898"/>
+                  <a:pt x="5458200" y="394254"/>
+                </a:cubicBezTo>
+                <a:cubicBezTo>
+                  <a:pt x="5320258" y="376610"/>
+                  <a:pt x="5050095" y="376793"/>
+                  <a:pt x="4857600" y="394254"/>
+                </a:cubicBezTo>
+                <a:cubicBezTo>
+                  <a:pt x="4665105" y="411715"/>
+                  <a:pt x="4337531" y="365544"/>
+                  <a:pt x="4197600" y="394254"/>
+                </a:cubicBezTo>
+                <a:cubicBezTo>
+                  <a:pt x="4057669" y="422964"/>
+                  <a:pt x="3692745" y="395287"/>
+                  <a:pt x="3478200" y="394254"/>
+                </a:cubicBezTo>
+                <a:cubicBezTo>
+                  <a:pt x="3263655" y="393221"/>
+                  <a:pt x="3150715" y="392166"/>
+                  <a:pt x="2937000" y="394254"/>
+                </a:cubicBezTo>
+                <a:cubicBezTo>
+                  <a:pt x="2723285" y="396342"/>
+                  <a:pt x="2486600" y="384165"/>
+                  <a:pt x="2336400" y="394254"/>
+                </a:cubicBezTo>
+                <a:cubicBezTo>
+                  <a:pt x="2186200" y="404343"/>
+                  <a:pt x="1892539" y="395496"/>
+                  <a:pt x="1676400" y="394254"/>
+                </a:cubicBezTo>
+                <a:cubicBezTo>
+                  <a:pt x="1460261" y="393012"/>
+                  <a:pt x="1225708" y="371078"/>
+                  <a:pt x="1075800" y="394254"/>
+                </a:cubicBezTo>
+                <a:cubicBezTo>
+                  <a:pt x="925892" y="417430"/>
+                  <a:pt x="313851" y="360128"/>
+                  <a:pt x="0" y="394254"/>
+                </a:cubicBezTo>
+                <a:cubicBezTo>
+                  <a:pt x="10824" y="205634"/>
+                  <a:pt x="-307" y="188157"/>
+                  <a:pt x="0" y="0"/>
+                </a:cubicBezTo>
+                <a:close/>
+              </a:path>
+            </a:pathLst>
+          </a:custGeom>
+          <a:solidFill>
+            <a:schemeClr val="accent4">
+              <a:lumMod val="40000"/>
+              <a:lumOff val="60000"/>
+              <a:alpha val="35000"/>
+            </a:schemeClr>
+          </a:solidFill>
+          <a:ln>
+            <a:solidFill>
+              <a:schemeClr val="accent4">
+                <a:lumMod val="40000"/>
+                <a:lumOff val="60000"/>
+              </a:schemeClr>
+            </a:solidFill>
+          </a:ln>
+        </p:spPr>
+        <p:style>
+          <a:lnRef idx="2">
+            <a:schemeClr val="accent1">
+              <a:shade val="50000"/>
+            </a:schemeClr>
+          </a:lnRef>
+          <a:fillRef idx="1">
+            <a:schemeClr val="accent1"/>
+          </a:fillRef>
+          <a:effectRef idx="0">
+            <a:schemeClr val="accent1"/>
+          </a:effectRef>
+          <a:fontRef idx="minor">
+            <a:schemeClr val="lt1"/>
+          </a:fontRef>
+        </p:style>
+        <p:txBody>
+          <a:bodyPr anchor="ctr"/>
+          <a:lstStyle/>
+          <a:p>
+            <a:pPr algn="ctr">
+              <a:defRPr/>
+            </a:pPr>
+            <a:endParaRPr lang="ko-KR" altLang="en-US"/>
+          </a:p>
+        </p:txBody>
+      </p:sp>
+      <p:sp>
+        <p:nvSpPr>
+          <p:cNvPr id="63" name="직사각형 6"/>
+          <p:cNvSpPr/>
+          <p:nvPr/>
+        </p:nvSpPr>
+        <p:spPr>
+          <a:xfrm>
+            <a:off x="3121866" y="3061412"/>
+            <a:ext cx="5250415" cy="1186389"/>
           </a:xfrm>
           <a:prstGeom prst="rect">
             <a:avLst/>
           </a:prstGeom>
         </p:spPr>
         <p:txBody>
-          <a:bodyPr wrap="none">
+          <a:bodyPr wrap="square">
             <a:spAutoFit/>
           </a:bodyPr>
           <a:lstStyle/>
           <a:p>
-            <a:pPr algn="ctr"/>
-            <a:r>
-              <a:rPr lang="en-US" altLang="ko-KR" sz="10000" dirty="0">
-                <a:solidFill>
-                  <a:srgbClr val="9A8B85"/>
-                </a:solidFill>
-                <a:latin typeface="휴먼옛체" panose="02030504000101010101" pitchFamily="18" charset="-127"/>
-                <a:ea typeface="휴먼옛체" panose="02030504000101010101" pitchFamily="18" charset="-127"/>
-              </a:rPr>
+            <a:pPr algn="ctr">
+              <a:defRPr/>
+            </a:pPr>
+            <a:r>
+              <a:rPr lang="ko-KR" altLang="en-US"/>
+              <a:t>만유인력을 어떻게 발견 했냐는 질문에 아이작 뉴턴은 </a:t>
+            </a:r>
+            <a:r>
+              <a:rPr lang="en-US" altLang="ko-KR"/>
+              <a:t>“</a:t>
+            </a:r>
+            <a:r>
+              <a:rPr lang="ko-KR" altLang="en-US"/>
+              <a:t>내내 그생각만 했으니까</a:t>
+            </a:r>
+            <a:r>
+              <a:rPr lang="en-US" altLang="ko-KR"/>
               <a:t>”</a:t>
             </a:r>
-            <a:endParaRPr lang="ko-KR" altLang="en-US" sz="10000" dirty="0">
-              <a:solidFill>
-                <a:srgbClr val="9A8B85"/>
-              </a:solidFill>
-            </a:endParaRPr>
-          </a:p>
-        </p:txBody>
-      </p:sp>
-      <p:sp>
-        <p:nvSpPr>
-          <p:cNvPr id="12" name="TextBox 11">
-            <a:extLst>
-              <a:ext uri="{FF2B5EF4-FFF2-40B4-BE49-F238E27FC236}">
-                <a16:creationId xmlns:a16="http://schemas.microsoft.com/office/drawing/2014/main" id="{9EB874C6-191C-48BC-B176-F690701E4CF6}"/>
-              </a:ext>
-            </a:extLst>
-          </p:cNvPr>
-          <p:cNvSpPr txBox="1"/>
-          <p:nvPr/>
-        </p:nvSpPr>
-        <p:spPr>
-          <a:xfrm>
-            <a:off x="1310354" y="2950725"/>
-            <a:ext cx="9594574" cy="2243691"/>
-          </a:xfrm>
-          <a:prstGeom prst="rect">
-            <a:avLst/>
-          </a:prstGeom>
-          <a:noFill/>
-        </p:spPr>
-        <p:txBody>
-          <a:bodyPr wrap="square" rtlCol="0">
-            <a:spAutoFit/>
-          </a:bodyPr>
-          <a:lstStyle/>
+            <a:r>
+              <a:rPr lang="ko-KR" altLang="en-US"/>
+              <a:t> 라고 대답했다</a:t>
+            </a:r>
+            <a:r>
+              <a:rPr lang="en-US" altLang="ko-KR"/>
+              <a:t>.</a:t>
+            </a:r>
+            <a:r>
+              <a:rPr lang="ko-KR" altLang="en-US"/>
+              <a:t> </a:t>
+            </a:r>
+            <a:endParaRPr lang="ko-KR" altLang="en-US"/>
+          </a:p>
           <a:p>
             <a:pPr algn="ctr">
-              <a:lnSpc>
-                <a:spcPct val="150000"/>
-              </a:lnSpc>
+              <a:defRPr/>
             </a:pPr>
             <a:r>
-              <a:rPr lang="ko-KR" altLang="en-US" sz="2400" dirty="0">
-                <a:latin typeface="DX영화자막 M" panose="02020600000000000000" pitchFamily="18" charset="-127"/>
-                <a:ea typeface="DX영화자막 M" panose="02020600000000000000" pitchFamily="18" charset="-127"/>
-              </a:rPr>
-              <a:t>무엇이 삶을 </a:t>
-            </a:r>
-            <a:r>
-              <a:rPr lang="ko-KR" altLang="en-US" sz="2400" dirty="0" err="1">
-                <a:latin typeface="DX영화자막 M" panose="02020600000000000000" pitchFamily="18" charset="-127"/>
-                <a:ea typeface="DX영화자막 M" panose="02020600000000000000" pitchFamily="18" charset="-127"/>
-              </a:rPr>
-              <a:t>의미있게</a:t>
-            </a:r>
-            <a:r>
-              <a:rPr lang="ko-KR" altLang="en-US" sz="2400" dirty="0">
-                <a:latin typeface="DX영화자막 M" panose="02020600000000000000" pitchFamily="18" charset="-127"/>
-                <a:ea typeface="DX영화자막 M" panose="02020600000000000000" pitchFamily="18" charset="-127"/>
-              </a:rPr>
-              <a:t> 하는가</a:t>
-            </a:r>
-            <a:r>
-              <a:rPr lang="en-US" altLang="ko-KR" sz="2400" dirty="0">
-                <a:latin typeface="DX영화자막 M" panose="02020600000000000000" pitchFamily="18" charset="-127"/>
-                <a:ea typeface="DX영화자막 M" panose="02020600000000000000" pitchFamily="18" charset="-127"/>
-              </a:rPr>
-              <a:t>?</a:t>
-            </a:r>
-          </a:p>
-          <a:p>
-            <a:pPr algn="ctr">
-              <a:lnSpc>
-                <a:spcPct val="150000"/>
-              </a:lnSpc>
-            </a:pPr>
-            <a:r>
-              <a:rPr lang="ko-KR" altLang="en-US" sz="2400" dirty="0">
-                <a:latin typeface="DX영화자막 M" panose="02020600000000000000" pitchFamily="18" charset="-127"/>
-                <a:ea typeface="DX영화자막 M" panose="02020600000000000000" pitchFamily="18" charset="-127"/>
-              </a:rPr>
-              <a:t>많은 질문 끝에 내가 찾은 답은</a:t>
-            </a:r>
-            <a:endParaRPr lang="en-US" altLang="ko-KR" sz="2400" dirty="0">
-              <a:latin typeface="DX영화자막 M" panose="02020600000000000000" pitchFamily="18" charset="-127"/>
-              <a:ea typeface="DX영화자막 M" panose="02020600000000000000" pitchFamily="18" charset="-127"/>
-            </a:endParaRPr>
-          </a:p>
-          <a:p>
-            <a:pPr algn="ctr">
-              <a:lnSpc>
-                <a:spcPct val="150000"/>
-              </a:lnSpc>
-            </a:pPr>
-            <a:r>
-              <a:rPr lang="ko-KR" altLang="en-US" sz="2400" dirty="0">
-                <a:latin typeface="DX영화자막 M" panose="02020600000000000000" pitchFamily="18" charset="-127"/>
-                <a:ea typeface="DX영화자막 M" panose="02020600000000000000" pitchFamily="18" charset="-127"/>
-              </a:rPr>
-              <a:t>개인의 영역에서 공공의 영역으로 나아가</a:t>
-            </a:r>
-            <a:endParaRPr lang="en-US" altLang="ko-KR" sz="2400" dirty="0">
-              <a:latin typeface="DX영화자막 M" panose="02020600000000000000" pitchFamily="18" charset="-127"/>
-              <a:ea typeface="DX영화자막 M" panose="02020600000000000000" pitchFamily="18" charset="-127"/>
-            </a:endParaRPr>
-          </a:p>
-          <a:p>
-            <a:pPr algn="ctr">
-              <a:lnSpc>
-                <a:spcPct val="150000"/>
-              </a:lnSpc>
-            </a:pPr>
-            <a:r>
-              <a:rPr lang="ko-KR" altLang="en-US" sz="2400" dirty="0">
-                <a:latin typeface="DX영화자막 M" panose="02020600000000000000" pitchFamily="18" charset="-127"/>
-                <a:ea typeface="DX영화자막 M" panose="02020600000000000000" pitchFamily="18" charset="-127"/>
-              </a:rPr>
-              <a:t>사회 안에서 자신의 가치를 실현하는 것이다</a:t>
-            </a:r>
-            <a:r>
-              <a:rPr lang="en-US" altLang="ko-KR" sz="2400" dirty="0">
-                <a:latin typeface="DX영화자막 M" panose="02020600000000000000" pitchFamily="18" charset="-127"/>
-                <a:ea typeface="DX영화자막 M" panose="02020600000000000000" pitchFamily="18" charset="-127"/>
-              </a:rPr>
+              <a:rPr lang="ko-KR" altLang="en-US"/>
+              <a:t>알베르트 아이슈타인도 </a:t>
+            </a:r>
+            <a:r>
+              <a:rPr lang="en-US" altLang="ko-KR"/>
+              <a:t>”</a:t>
+            </a:r>
+            <a:r>
+              <a:rPr lang="ko-KR" altLang="en-US"/>
+              <a:t>나는 몇달이고 몇 년이고 생각하고 또 생각한다</a:t>
+            </a:r>
+            <a:r>
+              <a:rPr lang="en-US" altLang="ko-KR"/>
+              <a:t>”</a:t>
+            </a:r>
+            <a:r>
+              <a:rPr lang="ko-KR" altLang="en-US"/>
+              <a:t> 라고 말한 바 있다</a:t>
+            </a:r>
+            <a:r>
+              <a:rPr lang="en-US" altLang="ko-KR"/>
               <a:t>.</a:t>
             </a:r>
-            <a:endParaRPr lang="ko-KR" altLang="en-US" sz="2400" dirty="0">
-              <a:latin typeface="DX영화자막 M" panose="02020600000000000000" pitchFamily="18" charset="-127"/>
-              <a:ea typeface="DX영화자막 M" panose="02020600000000000000" pitchFamily="18" charset="-127"/>
-            </a:endParaRPr>
-          </a:p>
-        </p:txBody>
-      </p:sp>
-      <p:sp>
-        <p:nvSpPr>
-          <p:cNvPr id="15" name="TextBox 14">
-            <a:extLst>
-              <a:ext uri="{FF2B5EF4-FFF2-40B4-BE49-F238E27FC236}">
-                <a16:creationId xmlns:a16="http://schemas.microsoft.com/office/drawing/2014/main" id="{A0289305-60BA-406E-A9BC-69EC55207E9A}"/>
-              </a:ext>
-            </a:extLst>
-          </p:cNvPr>
-          <p:cNvSpPr txBox="1"/>
-          <p:nvPr/>
-        </p:nvSpPr>
-        <p:spPr>
-          <a:xfrm>
-            <a:off x="8560905" y="6493565"/>
-            <a:ext cx="3578087" cy="307777"/>
-          </a:xfrm>
-          <a:prstGeom prst="rect">
-            <a:avLst/>
-          </a:prstGeom>
-          <a:noFill/>
-        </p:spPr>
-        <p:txBody>
-          <a:bodyPr wrap="square" rtlCol="0">
-            <a:spAutoFit/>
-          </a:bodyPr>
-          <a:lstStyle/>
-          <a:p>
-            <a:pPr algn="r"/>
-            <a:r>
-              <a:rPr lang="ko-KR" altLang="en-US" sz="1400">
-                <a:latin typeface="210 스탠다드 030" panose="02020603020101020101" pitchFamily="18" charset="-127"/>
-                <a:ea typeface="210 스탠다드 030" panose="02020603020101020101" pitchFamily="18" charset="-127"/>
-              </a:rPr>
-              <a:t>책 </a:t>
-            </a:r>
-            <a:r>
-              <a:rPr lang="en-US" altLang="ko-KR" sz="1400" dirty="0">
-                <a:latin typeface="210 스탠다드 030" panose="02020603020101020101" pitchFamily="18" charset="-127"/>
-                <a:ea typeface="210 스탠다드 030" panose="02020603020101020101" pitchFamily="18" charset="-127"/>
-              </a:rPr>
-              <a:t>278p</a:t>
-            </a:r>
-            <a:endParaRPr lang="ko-KR" altLang="en-US" sz="1400" dirty="0">
-              <a:latin typeface="210 스탠다드 030" panose="02020603020101020101" pitchFamily="18" charset="-127"/>
-              <a:ea typeface="210 스탠다드 030" panose="02020603020101020101" pitchFamily="18" charset="-127"/>
-            </a:endParaRPr>
-          </a:p>
-        </p:txBody>
-      </p:sp>
-      <p:sp>
-        <p:nvSpPr>
-          <p:cNvPr id="52" name="TextBox 51">
-            <a:extLst>
-              <a:ext uri="{FF2B5EF4-FFF2-40B4-BE49-F238E27FC236}">
-                <a16:creationId xmlns:a16="http://schemas.microsoft.com/office/drawing/2014/main" id="{FC951402-AD1C-4766-816D-91425216020D}"/>
-              </a:ext>
-            </a:extLst>
-          </p:cNvPr>
-          <p:cNvSpPr txBox="1"/>
-          <p:nvPr/>
-        </p:nvSpPr>
-        <p:spPr>
-          <a:xfrm flipH="1">
-            <a:off x="5041092" y="342101"/>
-            <a:ext cx="2123658" cy="307777"/>
-          </a:xfrm>
-          <a:prstGeom prst="rect">
-            <a:avLst/>
-          </a:prstGeom>
-          <a:noFill/>
-        </p:spPr>
-        <p:txBody>
-          <a:bodyPr vert="horz" wrap="square" rtlCol="0">
-            <a:spAutoFit/>
-          </a:bodyPr>
-          <a:lstStyle/>
-          <a:p>
-            <a:pPr algn="dist"/>
-            <a:r>
-              <a:rPr lang="en-US" altLang="ko-KR" sz="1400" dirty="0" smtClean="0">
-                <a:solidFill>
-                  <a:schemeClr val="tx1">
-                    <a:alpha val="71000"/>
-                  </a:schemeClr>
-                </a:solidFill>
-                <a:latin typeface="DX영화자막 M" panose="02020600000000000000" pitchFamily="18" charset="-127"/>
-                <a:ea typeface="DX영화자막 M" panose="02020600000000000000" pitchFamily="18" charset="-127"/>
-              </a:rPr>
-              <a:t>SLOW THINKING</a:t>
-            </a:r>
-            <a:endParaRPr lang="ko-KR" altLang="en-US" sz="1400" dirty="0">
-              <a:solidFill>
-                <a:schemeClr val="tx1">
-                  <a:alpha val="71000"/>
-                </a:schemeClr>
-              </a:solidFill>
-              <a:latin typeface="DX영화자막 M" panose="02020600000000000000" pitchFamily="18" charset="-127"/>
-              <a:ea typeface="DX영화자막 M" panose="02020600000000000000" pitchFamily="18" charset="-127"/>
-            </a:endParaRPr>
-          </a:p>
-        </p:txBody>
-      </p:sp>
-      <p:sp>
-        <p:nvSpPr>
-          <p:cNvPr id="55" name="TextBox 54">
-            <a:extLst>
-              <a:ext uri="{FF2B5EF4-FFF2-40B4-BE49-F238E27FC236}">
-                <a16:creationId xmlns:a16="http://schemas.microsoft.com/office/drawing/2014/main" id="{C3452619-EFA6-4484-B5BF-1AD9C551E986}"/>
-              </a:ext>
-            </a:extLst>
-          </p:cNvPr>
-          <p:cNvSpPr txBox="1"/>
-          <p:nvPr/>
-        </p:nvSpPr>
-        <p:spPr>
-          <a:xfrm>
-            <a:off x="5629302" y="713595"/>
-            <a:ext cx="1499547" cy="461665"/>
-          </a:xfrm>
-          <a:prstGeom prst="rect">
-            <a:avLst/>
-          </a:prstGeom>
-          <a:noFill/>
-          <a:ln w="9525">
-            <a:noFill/>
-          </a:ln>
-        </p:spPr>
-        <p:txBody>
-          <a:bodyPr wrap="square" rtlCol="0">
-            <a:spAutoFit/>
-          </a:bodyPr>
-          <a:lstStyle/>
-          <a:p>
-            <a:r>
-              <a:rPr lang="ko-KR" altLang="en-US" sz="2400" dirty="0" smtClean="0">
-                <a:solidFill>
-                  <a:schemeClr val="tx1">
-                    <a:alpha val="71000"/>
-                  </a:schemeClr>
-                </a:solidFill>
-                <a:latin typeface="DX영화자막 M" panose="02020600000000000000" pitchFamily="18" charset="-127"/>
-                <a:ea typeface="DX영화자막 M" panose="02020600000000000000" pitchFamily="18" charset="-127"/>
-              </a:rPr>
-              <a:t>사 례</a:t>
-            </a:r>
-            <a:endParaRPr lang="ko-KR" altLang="en-US" sz="2400" dirty="0">
-              <a:solidFill>
-                <a:schemeClr val="tx1">
-                  <a:alpha val="71000"/>
-                </a:schemeClr>
-              </a:solidFill>
-              <a:latin typeface="DX영화자막 M" panose="02020600000000000000" pitchFamily="18" charset="-127"/>
-              <a:ea typeface="DX영화자막 M" panose="02020600000000000000" pitchFamily="18" charset="-127"/>
-            </a:endParaRPr>
+            <a:endParaRPr lang="en-US" altLang="ko-KR"/>
           </a:p>
         </p:txBody>
       </p:sp>
     </p:spTree>
-    <p:extLst>
-      <p:ext uri="{BB962C8B-B14F-4D97-AF65-F5344CB8AC3E}">
-        <p14:creationId xmlns:p14="http://schemas.microsoft.com/office/powerpoint/2010/main" val="842631138"/>
-      </p:ext>
-    </p:extLst>
   </p:cSld>
   <p:clrMapOvr>
     <a:masterClrMapping/>
   </p:clrMapOvr>
+  <mc:AlternateContent xmlns:mc="http://schemas.openxmlformats.org/markup-compatibility/2006">
+    <mc:Choice xmlns:p14="http://schemas.microsoft.com/office/powerpoint/2010/main" Requires="p14">
+      <p:transition xmlns:mc="http://schemas.openxmlformats.org/markup-compatibility/2006" xmlns:p14="http://schemas.microsoft.com/office/powerpoint/2010/main" mc:Ignorable="p14" p14:dur="500"/>
+    </mc:Choice>
+    <mc:Fallback>
+      <p:transition/>
+    </mc:Fallback>
+  </mc:AlternateContent>
 </p:sld>
 </file>
 
 <file path=ppt/slides/slide7.xml><?xml version="1.0" encoding="utf-8"?>
-<p:sld xmlns:a="http://schemas.openxmlformats.org/drawingml/2006/main" xmlns:r="http://schemas.openxmlformats.org/officeDocument/2006/relationships" xmlns:p="http://schemas.openxmlformats.org/presentationml/2006/main">
+<p:sld xmlns:r="http://schemas.openxmlformats.org/officeDocument/2006/relationships" xmlns:c="http://schemas.openxmlformats.org/drawingml/2006/chart" xmlns:a="http://schemas.openxmlformats.org/drawingml/2006/main" xmlns:dgm="http://schemas.openxmlformats.org/drawingml/2006/diagram" xmlns:dsp="http://schemas.microsoft.com/office/drawing/2008/diagram" xmlns:p="http://schemas.openxmlformats.org/presentationml/2006/main">
   <p:cSld>
     <p:bg>
-      <p:bgPr>
+      <p:bgPr shadeToTitle="0">
         <a:blipFill dpi="0" rotWithShape="1">
           <a:blip r:embed="rId2">
             <a:lum/>
@@ -10591,7 +10512,6 @@
             <a:fillRect t="-17000" b="-17000"/>
           </a:stretch>
         </a:blipFill>
-        <a:effectLst/>
       </p:bgPr>
     </p:bg>
     <p:spTree>
@@ -10610,20 +10530,14 @@
       </p:grpSpPr>
       <p:sp>
         <p:nvSpPr>
-          <p:cNvPr id="62" name="순서도: 처리 61">
-            <a:extLst>
-              <a:ext uri="{FF2B5EF4-FFF2-40B4-BE49-F238E27FC236}">
-                <a16:creationId xmlns:a16="http://schemas.microsoft.com/office/drawing/2014/main" id="{540F4D73-CA68-4A0E-9EBA-D7CBA3066B70}"/>
-              </a:ext>
-            </a:extLst>
-          </p:cNvPr>
+          <p:cNvPr id="62" name="순서도: 처리 61"/>
           <p:cNvSpPr/>
           <p:nvPr/>
         </p:nvSpPr>
         <p:spPr>
           <a:xfrm>
-            <a:off x="3755007" y="4768470"/>
-            <a:ext cx="5799809" cy="425946"/>
+            <a:off x="1461230" y="3216027"/>
+            <a:ext cx="1280294" cy="425946"/>
           </a:xfrm>
           <a:custGeom>
             <a:avLst/>
@@ -10673,7 +10587,6 @@
               <a:gd name="connsiteX21" fmla="*/ 0 w 5799809"/>
               <a:gd name="connsiteY21" fmla="*/ 0 h 425946"/>
             </a:gdLst>
-            <a:ahLst/>
             <a:cxnLst>
               <a:cxn ang="0">
                 <a:pos x="connsiteX0" y="connsiteY0"/>
@@ -10977,18 +10890,6 @@
                 <a:lumOff val="60000"/>
               </a:schemeClr>
             </a:solidFill>
-            <a:extLst>
-              <a:ext uri="{C807C97D-BFC1-408E-A445-0C87EB9F89A2}">
-                <ask:lineSketchStyleProps xmlns="" xmlns:ask="http://schemas.microsoft.com/office/drawing/2018/sketchyshapes" sd="2478525612">
-                  <a:prstGeom prst="flowChartProcess">
-                    <a:avLst/>
-                  </a:prstGeom>
-                  <ask:type>
-                    <ask:lineSketchFreehand/>
-                  </ask:type>
-                </ask:lineSketchStyleProps>
-              </a:ext>
-            </a:extLst>
           </a:ln>
         </p:spPr>
         <p:style>
@@ -11008,28 +10909,24 @@
           </a:fontRef>
         </p:style>
         <p:txBody>
-          <a:bodyPr rtlCol="0" anchor="ctr"/>
+          <a:bodyPr anchor="ctr"/>
           <a:lstStyle/>
           <a:p>
-            <a:pPr algn="ctr"/>
-            <a:endParaRPr lang="ko-KR" altLang="en-US" dirty="0"/>
+            <a:pPr algn="ctr">
+              <a:defRPr/>
+            </a:pPr>
+            <a:endParaRPr lang="ko-KR" altLang="en-US"/>
           </a:p>
         </p:txBody>
       </p:sp>
       <p:grpSp>
         <p:nvGrpSpPr>
-          <p:cNvPr id="4" name="그룹 3">
-            <a:extLst>
-              <a:ext uri="{FF2B5EF4-FFF2-40B4-BE49-F238E27FC236}">
-                <a16:creationId xmlns:a16="http://schemas.microsoft.com/office/drawing/2014/main" id="{B5104845-BD69-45A2-B225-D8EC1A15024D}"/>
-              </a:ext>
-            </a:extLst>
-          </p:cNvPr>
+          <p:cNvPr id="4" name="그룹 3"/>
           <p:cNvGrpSpPr/>
           <p:nvPr/>
         </p:nvGrpSpPr>
         <p:grpSpPr>
-          <a:xfrm>
+          <a:xfrm rot="0">
             <a:off x="240925" y="2941212"/>
             <a:ext cx="163649" cy="975576"/>
             <a:chOff x="306686" y="3281373"/>
@@ -11038,13 +10935,7 @@
         </p:grpSpPr>
         <p:cxnSp>
           <p:nvCxnSpPr>
-            <p:cNvPr id="3" name="직선 연결선 2">
-              <a:extLst>
-                <a:ext uri="{FF2B5EF4-FFF2-40B4-BE49-F238E27FC236}">
-                  <a16:creationId xmlns:a16="http://schemas.microsoft.com/office/drawing/2014/main" id="{F54058FD-5CC4-4A66-A7B6-3537CB5E5100}"/>
-                </a:ext>
-              </a:extLst>
-            </p:cNvPr>
+            <p:cNvPr id="3" name="직선 연결선 2"/>
             <p:cNvCxnSpPr/>
             <p:nvPr/>
           </p:nvCxnSpPr>
@@ -11058,7 +10949,7 @@
             </a:prstGeom>
             <a:ln w="12700">
               <a:solidFill>
-                <a:srgbClr val="AC9D8E"/>
+                <a:srgbClr val="ac9d8e"/>
               </a:solidFill>
             </a:ln>
           </p:spPr>
@@ -11079,13 +10970,7 @@
         </p:cxnSp>
         <p:cxnSp>
           <p:nvCxnSpPr>
-            <p:cNvPr id="40" name="직선 연결선 39">
-              <a:extLst>
-                <a:ext uri="{FF2B5EF4-FFF2-40B4-BE49-F238E27FC236}">
-                  <a16:creationId xmlns:a16="http://schemas.microsoft.com/office/drawing/2014/main" id="{AD5B1849-E784-4150-B8A4-DF03199E56DD}"/>
-                </a:ext>
-              </a:extLst>
-            </p:cNvPr>
+            <p:cNvPr id="40" name="직선 연결선 39"/>
             <p:cNvCxnSpPr/>
             <p:nvPr/>
           </p:nvCxnSpPr>
@@ -11099,7 +10984,7 @@
             </a:prstGeom>
             <a:ln w="12700">
               <a:solidFill>
-                <a:srgbClr val="AC9D8E"/>
+                <a:srgbClr val="ac9d8e"/>
               </a:solidFill>
             </a:ln>
           </p:spPr>
@@ -11120,13 +11005,7 @@
         </p:cxnSp>
         <p:cxnSp>
           <p:nvCxnSpPr>
-            <p:cNvPr id="49" name="직선 연결선 48">
-              <a:extLst>
-                <a:ext uri="{FF2B5EF4-FFF2-40B4-BE49-F238E27FC236}">
-                  <a16:creationId xmlns:a16="http://schemas.microsoft.com/office/drawing/2014/main" id="{8DF5B429-A9C8-410D-A763-A82DD49890F5}"/>
-                </a:ext>
-              </a:extLst>
-            </p:cNvPr>
+            <p:cNvPr id="49" name="직선 연결선 48"/>
             <p:cNvCxnSpPr/>
             <p:nvPr/>
           </p:nvCxnSpPr>
@@ -11140,7 +11019,7 @@
             </a:prstGeom>
             <a:ln w="12700">
               <a:solidFill>
-                <a:srgbClr val="AC9D8E"/>
+                <a:srgbClr val="ac9d8e"/>
               </a:solidFill>
             </a:ln>
           </p:spPr>
@@ -11161,13 +11040,7 @@
         </p:cxnSp>
         <p:cxnSp>
           <p:nvCxnSpPr>
-            <p:cNvPr id="51" name="직선 연결선 50">
-              <a:extLst>
-                <a:ext uri="{FF2B5EF4-FFF2-40B4-BE49-F238E27FC236}">
-                  <a16:creationId xmlns:a16="http://schemas.microsoft.com/office/drawing/2014/main" id="{F3AD4E31-8EC1-43C9-BA21-3E5CE7924706}"/>
-                </a:ext>
-              </a:extLst>
-            </p:cNvPr>
+            <p:cNvPr id="51" name="직선 연결선 50"/>
             <p:cNvCxnSpPr/>
             <p:nvPr/>
           </p:nvCxnSpPr>
@@ -11181,7 +11054,7 @@
             </a:prstGeom>
             <a:ln w="12700">
               <a:solidFill>
-                <a:srgbClr val="AC9D8E"/>
+                <a:srgbClr val="ac9d8e"/>
               </a:solidFill>
             </a:ln>
           </p:spPr>
@@ -11203,20 +11076,14 @@
       </p:grpSp>
       <p:sp>
         <p:nvSpPr>
-          <p:cNvPr id="9" name="TextBox 8">
-            <a:extLst>
-              <a:ext uri="{FF2B5EF4-FFF2-40B4-BE49-F238E27FC236}">
-                <a16:creationId xmlns:a16="http://schemas.microsoft.com/office/drawing/2014/main" id="{0939B7FC-EED3-431E-B533-25AB4E8EEFEA}"/>
-              </a:ext>
-            </a:extLst>
-          </p:cNvPr>
+          <p:cNvPr id="9" name="TextBox 8"/>
           <p:cNvSpPr txBox="1"/>
           <p:nvPr/>
         </p:nvSpPr>
         <p:spPr>
           <a:xfrm>
-            <a:off x="5169743" y="1861229"/>
-            <a:ext cx="1379789" cy="1631216"/>
+            <a:off x="5406105" y="1815509"/>
+            <a:ext cx="1379789" cy="1613491"/>
           </a:xfrm>
           <a:prstGeom prst="rect">
             <a:avLst/>
@@ -11224,94 +11091,44 @@
           <a:noFill/>
         </p:spPr>
         <p:txBody>
-          <a:bodyPr wrap="square" rtlCol="0">
+          <a:bodyPr wrap="square">
             <a:spAutoFit/>
           </a:bodyPr>
           <a:lstStyle/>
           <a:p>
-            <a:pPr algn="ctr"/>
-            <a:r>
-              <a:rPr lang="en-US" altLang="ko-KR" sz="10000" dirty="0">
+            <a:pPr algn="ctr">
+              <a:defRPr/>
+            </a:pPr>
+            <a:r>
+              <a:rPr lang="en-US" altLang="ko-KR" sz="10000">
                 <a:solidFill>
-                  <a:srgbClr val="9A8B85"/>
+                  <a:srgbClr val="9a8b85"/>
                 </a:solidFill>
-                <a:latin typeface="휴먼옛체" panose="02030504000101010101" pitchFamily="18" charset="-127"/>
-                <a:ea typeface="휴먼옛체" panose="02030504000101010101" pitchFamily="18" charset="-127"/>
+                <a:latin typeface="휴먼옛체"/>
+                <a:ea typeface="휴먼옛체"/>
               </a:rPr>
               <a:t>“</a:t>
             </a:r>
-            <a:endParaRPr lang="ko-KR" altLang="en-US" sz="10000" dirty="0">
+            <a:endParaRPr lang="ko-KR" altLang="en-US" sz="10000">
               <a:solidFill>
-                <a:srgbClr val="9A8B85"/>
+                <a:srgbClr val="9a8b85"/>
               </a:solidFill>
-              <a:latin typeface="휴먼옛체" panose="02030504000101010101" pitchFamily="18" charset="-127"/>
-              <a:ea typeface="휴먼옛체" panose="02030504000101010101" pitchFamily="18" charset="-127"/>
+              <a:latin typeface="휴먼옛체"/>
+              <a:ea typeface="휴먼옛체"/>
             </a:endParaRPr>
           </a:p>
         </p:txBody>
       </p:sp>
       <p:sp>
         <p:nvSpPr>
-          <p:cNvPr id="11" name="직사각형 10">
-            <a:extLst>
-              <a:ext uri="{FF2B5EF4-FFF2-40B4-BE49-F238E27FC236}">
-                <a16:creationId xmlns:a16="http://schemas.microsoft.com/office/drawing/2014/main" id="{8F3917A0-A22D-4158-8A16-BF96A8E9DC07}"/>
-              </a:ext>
-            </a:extLst>
-          </p:cNvPr>
-          <p:cNvSpPr/>
+          <p:cNvPr id="12" name="TextBox 11"/>
+          <p:cNvSpPr txBox="1"/>
           <p:nvPr/>
         </p:nvSpPr>
         <p:spPr>
           <a:xfrm>
-            <a:off x="5629302" y="5488966"/>
-            <a:ext cx="1467068" cy="1631216"/>
-          </a:xfrm>
-          <a:prstGeom prst="rect">
-            <a:avLst/>
-          </a:prstGeom>
-        </p:spPr>
-        <p:txBody>
-          <a:bodyPr wrap="none">
-            <a:spAutoFit/>
-          </a:bodyPr>
-          <a:lstStyle/>
-          <a:p>
-            <a:pPr algn="ctr"/>
-            <a:r>
-              <a:rPr lang="en-US" altLang="ko-KR" sz="10000" dirty="0">
-                <a:solidFill>
-                  <a:srgbClr val="9A8B85"/>
-                </a:solidFill>
-                <a:latin typeface="휴먼옛체" panose="02030504000101010101" pitchFamily="18" charset="-127"/>
-                <a:ea typeface="휴먼옛체" panose="02030504000101010101" pitchFamily="18" charset="-127"/>
-              </a:rPr>
-              <a:t>”</a:t>
-            </a:r>
-            <a:endParaRPr lang="ko-KR" altLang="en-US" sz="10000" dirty="0">
-              <a:solidFill>
-                <a:srgbClr val="9A8B85"/>
-              </a:solidFill>
-            </a:endParaRPr>
-          </a:p>
-        </p:txBody>
-      </p:sp>
-      <p:sp>
-        <p:nvSpPr>
-          <p:cNvPr id="15" name="TextBox 14">
-            <a:extLst>
-              <a:ext uri="{FF2B5EF4-FFF2-40B4-BE49-F238E27FC236}">
-                <a16:creationId xmlns:a16="http://schemas.microsoft.com/office/drawing/2014/main" id="{A0289305-60BA-406E-A9BC-69EC55207E9A}"/>
-              </a:ext>
-            </a:extLst>
-          </p:cNvPr>
-          <p:cNvSpPr txBox="1"/>
-          <p:nvPr/>
-        </p:nvSpPr>
-        <p:spPr>
-          <a:xfrm>
-            <a:off x="8560905" y="6493565"/>
-            <a:ext cx="3578087" cy="307777"/>
+            <a:off x="1298712" y="3045196"/>
+            <a:ext cx="9594574" cy="2287094"/>
           </a:xfrm>
           <a:prstGeom prst="rect">
             <a:avLst/>
@@ -11319,49 +11136,83 @@
           <a:noFill/>
         </p:spPr>
         <p:txBody>
-          <a:bodyPr wrap="square" rtlCol="0">
+          <a:bodyPr wrap="square">
             <a:spAutoFit/>
           </a:bodyPr>
           <a:lstStyle/>
           <a:p>
-            <a:pPr algn="r"/>
-            <a:r>
-              <a:rPr lang="ko-KR" altLang="en-US" sz="1400" dirty="0">
-                <a:latin typeface="210 스탠다드 030" panose="02020603020101020101" pitchFamily="18" charset="-127"/>
-                <a:ea typeface="210 스탠다드 030" panose="02020603020101020101" pitchFamily="18" charset="-127"/>
+            <a:pPr algn="ctr">
+              <a:lnSpc>
+                <a:spcPct val="150000"/>
+              </a:lnSpc>
+              <a:defRPr/>
+            </a:pPr>
+            <a:r>
+              <a:rPr lang="ko-KR" altLang="en-US" sz="2400">
+                <a:latin typeface="DX영화자막 M"/>
+                <a:ea typeface="DX영화자막 M"/>
               </a:rPr>
-              <a:t>책 </a:t>
-            </a:r>
-            <a:r>
-              <a:rPr lang="en-US" altLang="ko-KR" sz="1400" dirty="0">
-                <a:latin typeface="210 스탠다드 030" panose="02020603020101020101" pitchFamily="18" charset="-127"/>
-                <a:ea typeface="210 스탠다드 030" panose="02020603020101020101" pitchFamily="18" charset="-127"/>
+              <a:t>슬로싱킹을 익힌다는 것은 곧 생각의 습관을 바꾸는 과정이다. 그리고 단순 몰입으로 들어가는 과정뿐 아니라, 몰입을 유지해야 하는 이유도 제시했다. 한번 몰입된 상태에서는 유지하기도 쉽고, 강한 몰입을 하면 다음번에도 몰입하기 좀 더 쉽다는 것이다.</a:t>
+            </a:r>
+            <a:endParaRPr lang="ko-KR" altLang="en-US" sz="2400">
+              <a:latin typeface="DX영화자막 M"/>
+              <a:ea typeface="DX영화자막 M"/>
+            </a:endParaRPr>
+          </a:p>
+        </p:txBody>
+      </p:sp>
+      <p:sp>
+        <p:nvSpPr>
+          <p:cNvPr id="11" name="직사각형 10"/>
+          <p:cNvSpPr/>
+          <p:nvPr/>
+        </p:nvSpPr>
+        <p:spPr>
+          <a:xfrm>
+            <a:off x="5367821" y="5430648"/>
+            <a:ext cx="1457793" cy="1615363"/>
+          </a:xfrm>
+          <a:prstGeom prst="rect">
+            <a:avLst/>
+          </a:prstGeom>
+        </p:spPr>
+        <p:txBody>
+          <a:bodyPr wrap="none">
+            <a:spAutoFit/>
+          </a:bodyPr>
+          <a:lstStyle/>
+          <a:p>
+            <a:pPr algn="ctr">
+              <a:defRPr/>
+            </a:pPr>
+            <a:r>
+              <a:rPr lang="en-US" altLang="ko-KR" sz="10000">
+                <a:solidFill>
+                  <a:srgbClr val="9a8b85"/>
+                </a:solidFill>
+                <a:latin typeface="휴먼옛체"/>
+                <a:ea typeface="휴먼옛체"/>
               </a:rPr>
-              <a:t>279p</a:t>
-            </a:r>
-            <a:endParaRPr lang="ko-KR" altLang="en-US" sz="1400" dirty="0">
-              <a:latin typeface="210 스탠다드 030" panose="02020603020101020101" pitchFamily="18" charset="-127"/>
-              <a:ea typeface="210 스탠다드 030" panose="02020603020101020101" pitchFamily="18" charset="-127"/>
+              <a:t>”</a:t>
+            </a:r>
+            <a:endParaRPr lang="ko-KR" altLang="en-US" sz="10000">
+              <a:solidFill>
+                <a:srgbClr val="9a8b85"/>
+              </a:solidFill>
             </a:endParaRPr>
           </a:p>
         </p:txBody>
       </p:sp>
       <p:sp>
         <p:nvSpPr>
-          <p:cNvPr id="12" name="TextBox 11">
-            <a:extLst>
-              <a:ext uri="{FF2B5EF4-FFF2-40B4-BE49-F238E27FC236}">
-                <a16:creationId xmlns:a16="http://schemas.microsoft.com/office/drawing/2014/main" id="{9EB874C6-191C-48BC-B176-F690701E4CF6}"/>
-              </a:ext>
-            </a:extLst>
-          </p:cNvPr>
+          <p:cNvPr id="15" name="TextBox 14"/>
           <p:cNvSpPr txBox="1"/>
           <p:nvPr/>
         </p:nvSpPr>
         <p:spPr>
           <a:xfrm>
-            <a:off x="1310354" y="2950725"/>
-            <a:ext cx="9594574" cy="2243691"/>
+            <a:off x="8560905" y="6493565"/>
+            <a:ext cx="3578087" cy="295855"/>
           </a:xfrm>
           <a:prstGeom prst="rect">
             <a:avLst/>
@@ -11369,141 +11220,45 @@
           <a:noFill/>
         </p:spPr>
         <p:txBody>
-          <a:bodyPr wrap="square" rtlCol="0">
+          <a:bodyPr wrap="square">
             <a:spAutoFit/>
           </a:bodyPr>
           <a:lstStyle/>
           <a:p>
-            <a:pPr algn="ctr">
-              <a:lnSpc>
-                <a:spcPct val="150000"/>
-              </a:lnSpc>
+            <a:pPr algn="r">
+              <a:defRPr/>
             </a:pPr>
             <a:r>
-              <a:rPr lang="ko-KR" altLang="en-US" sz="2400" dirty="0">
-                <a:latin typeface="DX영화자막 M" panose="02020600000000000000" pitchFamily="18" charset="-127"/>
-                <a:ea typeface="DX영화자막 M" panose="02020600000000000000" pitchFamily="18" charset="-127"/>
+              <a:rPr lang="ko-KR" altLang="en-US" sz="1400">
+                <a:latin typeface="210 스탠다드 030"/>
+                <a:ea typeface="210 스탠다드 030"/>
               </a:rPr>
-              <a:t>열심히 일하고</a:t>
-            </a:r>
-            <a:r>
-              <a:rPr lang="en-US" altLang="ko-KR" sz="2400" dirty="0">
-                <a:latin typeface="DX영화자막 M" panose="02020600000000000000" pitchFamily="18" charset="-127"/>
-                <a:ea typeface="DX영화자막 M" panose="02020600000000000000" pitchFamily="18" charset="-127"/>
+              <a:t>책 </a:t>
+            </a:r>
+            <a:r>
+              <a:rPr lang="en-US" altLang="ko-KR" sz="1400">
+                <a:latin typeface="210 스탠다드 030"/>
+                <a:ea typeface="210 스탠다드 030"/>
               </a:rPr>
-              <a:t>, </a:t>
-            </a:r>
-            <a:r>
-              <a:rPr lang="ko-KR" altLang="en-US" sz="2400" dirty="0">
-                <a:latin typeface="DX영화자막 M" panose="02020600000000000000" pitchFamily="18" charset="-127"/>
-                <a:ea typeface="DX영화자막 M" panose="02020600000000000000" pitchFamily="18" charset="-127"/>
-              </a:rPr>
-              <a:t>사랑하는 사람들과 대화하고</a:t>
-            </a:r>
-            <a:r>
-              <a:rPr lang="en-US" altLang="ko-KR" sz="2400" dirty="0">
-                <a:latin typeface="DX영화자막 M" panose="02020600000000000000" pitchFamily="18" charset="-127"/>
-                <a:ea typeface="DX영화자막 M" panose="02020600000000000000" pitchFamily="18" charset="-127"/>
-              </a:rPr>
-              <a:t>,</a:t>
-            </a:r>
-          </a:p>
-          <a:p>
-            <a:pPr algn="ctr">
-              <a:lnSpc>
-                <a:spcPct val="150000"/>
-              </a:lnSpc>
-            </a:pPr>
-            <a:r>
-              <a:rPr lang="ko-KR" altLang="en-US" sz="2400" dirty="0">
-                <a:latin typeface="DX영화자막 M" panose="02020600000000000000" pitchFamily="18" charset="-127"/>
-                <a:ea typeface="DX영화자막 M" panose="02020600000000000000" pitchFamily="18" charset="-127"/>
-              </a:rPr>
-              <a:t>함께 맛있는 것을 먹고</a:t>
-            </a:r>
-            <a:r>
-              <a:rPr lang="en-US" altLang="ko-KR" sz="2400" dirty="0">
-                <a:latin typeface="DX영화자막 M" panose="02020600000000000000" pitchFamily="18" charset="-127"/>
-                <a:ea typeface="DX영화자막 M" panose="02020600000000000000" pitchFamily="18" charset="-127"/>
-              </a:rPr>
-              <a:t>, </a:t>
-            </a:r>
-            <a:r>
-              <a:rPr lang="ko-KR" altLang="en-US" sz="2400" dirty="0">
-                <a:latin typeface="DX영화자막 M" panose="02020600000000000000" pitchFamily="18" charset="-127"/>
-                <a:ea typeface="DX영화자막 M" panose="02020600000000000000" pitchFamily="18" charset="-127"/>
-              </a:rPr>
-              <a:t>좋아하는 노래와 좋은 책과 함께하며</a:t>
-            </a:r>
-            <a:endParaRPr lang="en-US" altLang="ko-KR" sz="2400" dirty="0">
-              <a:latin typeface="DX영화자막 M" panose="02020600000000000000" pitchFamily="18" charset="-127"/>
-              <a:ea typeface="DX영화자막 M" panose="02020600000000000000" pitchFamily="18" charset="-127"/>
+              <a:t>279p</a:t>
+            </a:r>
+            <a:endParaRPr lang="ko-KR" altLang="en-US" sz="1400">
+              <a:latin typeface="210 스탠다드 030"/>
+              <a:ea typeface="210 스탠다드 030"/>
             </a:endParaRPr>
           </a:p>
-          <a:p>
-            <a:pPr algn="ctr">
-              <a:lnSpc>
-                <a:spcPct val="150000"/>
-              </a:lnSpc>
-            </a:pPr>
-            <a:r>
-              <a:rPr lang="ko-KR" altLang="en-US" sz="2400" dirty="0">
-                <a:latin typeface="DX영화자막 M" panose="02020600000000000000" pitchFamily="18" charset="-127"/>
-                <a:ea typeface="DX영화자막 M" panose="02020600000000000000" pitchFamily="18" charset="-127"/>
-              </a:rPr>
-              <a:t>날씨가 좋은 날 햇볕을 쬐는 것</a:t>
-            </a:r>
-            <a:r>
-              <a:rPr lang="en-US" altLang="ko-KR" sz="2400" dirty="0">
-                <a:latin typeface="DX영화자막 M" panose="02020600000000000000" pitchFamily="18" charset="-127"/>
-                <a:ea typeface="DX영화자막 M" panose="02020600000000000000" pitchFamily="18" charset="-127"/>
-              </a:rPr>
-              <a:t>.</a:t>
-            </a:r>
-          </a:p>
-          <a:p>
-            <a:pPr algn="ctr">
-              <a:lnSpc>
-                <a:spcPct val="150000"/>
-              </a:lnSpc>
-            </a:pPr>
-            <a:r>
-              <a:rPr lang="ko-KR" altLang="en-US" sz="2400" dirty="0">
-                <a:latin typeface="DX영화자막 M" panose="02020600000000000000" pitchFamily="18" charset="-127"/>
-                <a:ea typeface="DX영화자막 M" panose="02020600000000000000" pitchFamily="18" charset="-127"/>
-              </a:rPr>
-              <a:t>나는 그 일상이 따스함이 좋은 삶의 전부라 생각한다</a:t>
-            </a:r>
-            <a:r>
-              <a:rPr lang="en-US" altLang="ko-KR" sz="2400" dirty="0">
-                <a:latin typeface="DX영화자막 M" panose="02020600000000000000" pitchFamily="18" charset="-127"/>
-                <a:ea typeface="DX영화자막 M" panose="02020600000000000000" pitchFamily="18" charset="-127"/>
-              </a:rPr>
-              <a:t>.</a:t>
-            </a:r>
-            <a:endParaRPr lang="ko-KR" altLang="en-US" sz="2400" dirty="0">
-              <a:latin typeface="DX영화자막 M" panose="02020600000000000000" pitchFamily="18" charset="-127"/>
-              <a:ea typeface="DX영화자막 M" panose="02020600000000000000" pitchFamily="18" charset="-127"/>
-            </a:endParaRPr>
-          </a:p>
-        </p:txBody>
-      </p:sp>
-      <p:sp>
-        <p:nvSpPr>
-          <p:cNvPr id="52" name="TextBox 51">
-            <a:extLst>
-              <a:ext uri="{FF2B5EF4-FFF2-40B4-BE49-F238E27FC236}">
-                <a16:creationId xmlns:a16="http://schemas.microsoft.com/office/drawing/2014/main" id="{FC951402-AD1C-4766-816D-91425216020D}"/>
-              </a:ext>
-            </a:extLst>
-          </p:cNvPr>
+        </p:txBody>
+      </p:sp>
+      <p:sp>
+        <p:nvSpPr>
+          <p:cNvPr id="52" name="TextBox 51"/>
           <p:cNvSpPr txBox="1"/>
           <p:nvPr/>
         </p:nvSpPr>
         <p:spPr>
           <a:xfrm flipH="1">
             <a:off x="5041092" y="342101"/>
-            <a:ext cx="2123658" cy="307777"/>
+            <a:ext cx="2123658" cy="294169"/>
           </a:xfrm>
           <a:prstGeom prst="rect">
             <a:avLst/>
@@ -11511,52 +11266,48 @@
           <a:noFill/>
         </p:spPr>
         <p:txBody>
-          <a:bodyPr vert="horz" wrap="square" rtlCol="0">
+          <a:bodyPr vert="horz" wrap="square">
             <a:spAutoFit/>
           </a:bodyPr>
           <a:lstStyle/>
           <a:p>
-            <a:pPr algn="dist"/>
-            <a:r>
-              <a:rPr lang="en-US" altLang="ko-KR" sz="1400" dirty="0" smtClean="0">
+            <a:pPr algn="dist">
+              <a:defRPr/>
+            </a:pPr>
+            <a:r>
+              <a:rPr lang="en-US" altLang="ko-KR" sz="1400">
                 <a:solidFill>
                   <a:schemeClr val="tx1">
                     <a:alpha val="71000"/>
                   </a:schemeClr>
                 </a:solidFill>
-                <a:latin typeface="DX영화자막 M" panose="02020600000000000000" pitchFamily="18" charset="-127"/>
-                <a:ea typeface="DX영화자막 M" panose="02020600000000000000" pitchFamily="18" charset="-127"/>
+                <a:latin typeface="DX영화자막 M"/>
+                <a:ea typeface="DX영화자막 M"/>
               </a:rPr>
               <a:t>SLOW THINKING</a:t>
             </a:r>
-            <a:endParaRPr lang="ko-KR" altLang="en-US" sz="1400" dirty="0">
+            <a:endParaRPr lang="ko-KR" altLang="en-US" sz="1400">
               <a:solidFill>
                 <a:schemeClr val="tx1">
                   <a:alpha val="71000"/>
                 </a:schemeClr>
               </a:solidFill>
-              <a:latin typeface="DX영화자막 M" panose="02020600000000000000" pitchFamily="18" charset="-127"/>
-              <a:ea typeface="DX영화자막 M" panose="02020600000000000000" pitchFamily="18" charset="-127"/>
+              <a:latin typeface="DX영화자막 M"/>
+              <a:ea typeface="DX영화자막 M"/>
             </a:endParaRPr>
           </a:p>
         </p:txBody>
       </p:sp>
       <p:sp>
         <p:nvSpPr>
-          <p:cNvPr id="53" name="TextBox 52">
-            <a:extLst>
-              <a:ext uri="{FF2B5EF4-FFF2-40B4-BE49-F238E27FC236}">
-                <a16:creationId xmlns:a16="http://schemas.microsoft.com/office/drawing/2014/main" id="{C3452619-EFA6-4484-B5BF-1AD9C551E986}"/>
-              </a:ext>
-            </a:extLst>
-          </p:cNvPr>
+          <p:cNvPr id="53" name="TextBox 52"/>
           <p:cNvSpPr txBox="1"/>
           <p:nvPr/>
         </p:nvSpPr>
         <p:spPr>
           <a:xfrm>
             <a:off x="5629302" y="713595"/>
-            <a:ext cx="1499547" cy="461665"/>
+            <a:ext cx="1499547" cy="446550"/>
           </a:xfrm>
           <a:prstGeom prst="rect">
             <a:avLst/>
@@ -11567,53 +11318,59 @@
           </a:ln>
         </p:spPr>
         <p:txBody>
-          <a:bodyPr wrap="square" rtlCol="0">
+          <a:bodyPr wrap="square">
             <a:spAutoFit/>
           </a:bodyPr>
           <a:lstStyle/>
           <a:p>
-            <a:r>
-              <a:rPr lang="ko-KR" altLang="en-US" sz="2400" dirty="0" smtClean="0">
+            <a:pPr lvl="0">
+              <a:defRPr/>
+            </a:pPr>
+            <a:r>
+              <a:rPr lang="ko-KR" altLang="en-US" sz="2400">
                 <a:solidFill>
                   <a:schemeClr val="tx1">
                     <a:alpha val="71000"/>
                   </a:schemeClr>
                 </a:solidFill>
-                <a:latin typeface="DX영화자막 M" panose="02020600000000000000" pitchFamily="18" charset="-127"/>
-                <a:ea typeface="DX영화자막 M" panose="02020600000000000000" pitchFamily="18" charset="-127"/>
+                <a:latin typeface="DX영화자막 M"/>
+                <a:ea typeface="DX영화자막 M"/>
               </a:rPr>
               <a:t>효 과</a:t>
             </a:r>
-            <a:endParaRPr lang="ko-KR" altLang="en-US" sz="2400" dirty="0">
+            <a:endParaRPr lang="ko-KR" altLang="en-US" sz="2400">
               <a:solidFill>
                 <a:schemeClr val="tx1">
                   <a:alpha val="71000"/>
                 </a:schemeClr>
               </a:solidFill>
-              <a:latin typeface="DX영화자막 M" panose="02020600000000000000" pitchFamily="18" charset="-127"/>
-              <a:ea typeface="DX영화자막 M" panose="02020600000000000000" pitchFamily="18" charset="-127"/>
+              <a:latin typeface="DX영화자막 M"/>
+              <a:ea typeface="DX영화자막 M"/>
             </a:endParaRPr>
           </a:p>
         </p:txBody>
       </p:sp>
     </p:spTree>
-    <p:extLst>
-      <p:ext uri="{BB962C8B-B14F-4D97-AF65-F5344CB8AC3E}">
-        <p14:creationId xmlns:p14="http://schemas.microsoft.com/office/powerpoint/2010/main" val="1183919865"/>
-      </p:ext>
-    </p:extLst>
   </p:cSld>
   <p:clrMapOvr>
     <a:masterClrMapping/>
   </p:clrMapOvr>
+  <mc:AlternateContent xmlns:mc="http://schemas.openxmlformats.org/markup-compatibility/2006">
+    <mc:Choice xmlns:p14="http://schemas.microsoft.com/office/powerpoint/2010/main" Requires="p14">
+      <p:transition xmlns:mc="http://schemas.openxmlformats.org/markup-compatibility/2006" xmlns:p14="http://schemas.microsoft.com/office/powerpoint/2010/main" mc:Ignorable="p14" p14:dur="500"/>
+    </mc:Choice>
+    <mc:Fallback>
+      <p:transition/>
+    </mc:Fallback>
+  </mc:AlternateContent>
 </p:sld>
 </file>
 
 <file path=ppt/slides/slide8.xml><?xml version="1.0" encoding="utf-8"?>
-<p:sld xmlns:a="http://schemas.openxmlformats.org/drawingml/2006/main" xmlns:r="http://schemas.openxmlformats.org/officeDocument/2006/relationships" xmlns:p="http://schemas.openxmlformats.org/presentationml/2006/main">
+<p:sld xmlns:r="http://schemas.openxmlformats.org/officeDocument/2006/relationships" xmlns:c="http://schemas.openxmlformats.org/drawingml/2006/chart" xmlns:a="http://schemas.openxmlformats.org/drawingml/2006/main" xmlns:dgm="http://schemas.openxmlformats.org/drawingml/2006/diagram" xmlns:dsp="http://schemas.microsoft.com/office/drawing/2008/diagram" xmlns:p="http://schemas.openxmlformats.org/presentationml/2006/main">
   <p:cSld>
     <p:bg>
-      <p:bgPr>
+      <p:bgPr shadeToTitle="0">
         <a:blipFill dpi="0" rotWithShape="1">
           <a:blip r:embed="rId2">
             <a:lum/>
@@ -11623,7 +11380,6 @@
             <a:fillRect t="-17000" b="-17000"/>
           </a:stretch>
         </a:blipFill>
-        <a:effectLst/>
       </p:bgPr>
     </p:bg>
     <p:spTree>
@@ -11642,18 +11398,12 @@
       </p:grpSpPr>
       <p:grpSp>
         <p:nvGrpSpPr>
-          <p:cNvPr id="4" name="그룹 3">
-            <a:extLst>
-              <a:ext uri="{FF2B5EF4-FFF2-40B4-BE49-F238E27FC236}">
-                <a16:creationId xmlns:a16="http://schemas.microsoft.com/office/drawing/2014/main" id="{B5104845-BD69-45A2-B225-D8EC1A15024D}"/>
-              </a:ext>
-            </a:extLst>
-          </p:cNvPr>
+          <p:cNvPr id="4" name="그룹 3"/>
           <p:cNvGrpSpPr/>
           <p:nvPr/>
         </p:nvGrpSpPr>
         <p:grpSpPr>
-          <a:xfrm>
+          <a:xfrm rot="0">
             <a:off x="240925" y="2941212"/>
             <a:ext cx="163649" cy="975576"/>
             <a:chOff x="306686" y="3281373"/>
@@ -11662,13 +11412,7 @@
         </p:grpSpPr>
         <p:cxnSp>
           <p:nvCxnSpPr>
-            <p:cNvPr id="3" name="직선 연결선 2">
-              <a:extLst>
-                <a:ext uri="{FF2B5EF4-FFF2-40B4-BE49-F238E27FC236}">
-                  <a16:creationId xmlns:a16="http://schemas.microsoft.com/office/drawing/2014/main" id="{F54058FD-5CC4-4A66-A7B6-3537CB5E5100}"/>
-                </a:ext>
-              </a:extLst>
-            </p:cNvPr>
+            <p:cNvPr id="3" name="직선 연결선 2"/>
             <p:cNvCxnSpPr/>
             <p:nvPr/>
           </p:nvCxnSpPr>
@@ -11682,7 +11426,7 @@
             </a:prstGeom>
             <a:ln w="12700">
               <a:solidFill>
-                <a:srgbClr val="AC9D8E"/>
+                <a:srgbClr val="ac9d8e"/>
               </a:solidFill>
             </a:ln>
           </p:spPr>
@@ -11703,13 +11447,7 @@
         </p:cxnSp>
         <p:cxnSp>
           <p:nvCxnSpPr>
-            <p:cNvPr id="40" name="직선 연결선 39">
-              <a:extLst>
-                <a:ext uri="{FF2B5EF4-FFF2-40B4-BE49-F238E27FC236}">
-                  <a16:creationId xmlns:a16="http://schemas.microsoft.com/office/drawing/2014/main" id="{AD5B1849-E784-4150-B8A4-DF03199E56DD}"/>
-                </a:ext>
-              </a:extLst>
-            </p:cNvPr>
+            <p:cNvPr id="40" name="직선 연결선 39"/>
             <p:cNvCxnSpPr/>
             <p:nvPr/>
           </p:nvCxnSpPr>
@@ -11723,7 +11461,7 @@
             </a:prstGeom>
             <a:ln w="12700">
               <a:solidFill>
-                <a:srgbClr val="AC9D8E"/>
+                <a:srgbClr val="ac9d8e"/>
               </a:solidFill>
             </a:ln>
           </p:spPr>
@@ -11744,13 +11482,7 @@
         </p:cxnSp>
         <p:cxnSp>
           <p:nvCxnSpPr>
-            <p:cNvPr id="49" name="직선 연결선 48">
-              <a:extLst>
-                <a:ext uri="{FF2B5EF4-FFF2-40B4-BE49-F238E27FC236}">
-                  <a16:creationId xmlns:a16="http://schemas.microsoft.com/office/drawing/2014/main" id="{8DF5B429-A9C8-410D-A763-A82DD49890F5}"/>
-                </a:ext>
-              </a:extLst>
-            </p:cNvPr>
+            <p:cNvPr id="49" name="직선 연결선 48"/>
             <p:cNvCxnSpPr/>
             <p:nvPr/>
           </p:nvCxnSpPr>
@@ -11764,7 +11496,7 @@
             </a:prstGeom>
             <a:ln w="12700">
               <a:solidFill>
-                <a:srgbClr val="AC9D8E"/>
+                <a:srgbClr val="ac9d8e"/>
               </a:solidFill>
             </a:ln>
           </p:spPr>
@@ -11785,13 +11517,7 @@
         </p:cxnSp>
         <p:cxnSp>
           <p:nvCxnSpPr>
-            <p:cNvPr id="51" name="직선 연결선 50">
-              <a:extLst>
-                <a:ext uri="{FF2B5EF4-FFF2-40B4-BE49-F238E27FC236}">
-                  <a16:creationId xmlns:a16="http://schemas.microsoft.com/office/drawing/2014/main" id="{F3AD4E31-8EC1-43C9-BA21-3E5CE7924706}"/>
-                </a:ext>
-              </a:extLst>
-            </p:cNvPr>
+            <p:cNvPr id="51" name="직선 연결선 50"/>
             <p:cNvCxnSpPr/>
             <p:nvPr/>
           </p:nvCxnSpPr>
@@ -11805,7 +11531,7 @@
             </a:prstGeom>
             <a:ln w="12700">
               <a:solidFill>
-                <a:srgbClr val="AC9D8E"/>
+                <a:srgbClr val="ac9d8e"/>
               </a:solidFill>
             </a:ln>
           </p:spPr>
@@ -11827,19 +11553,13 @@
       </p:grpSp>
       <p:sp>
         <p:nvSpPr>
-          <p:cNvPr id="6" name="별: 꼭짓점 5개 5">
-            <a:extLst>
-              <a:ext uri="{FF2B5EF4-FFF2-40B4-BE49-F238E27FC236}">
-                <a16:creationId xmlns:a16="http://schemas.microsoft.com/office/drawing/2014/main" id="{ED9AF8E4-E3F1-4C71-B261-9BE31E3A5A17}"/>
-              </a:ext>
-            </a:extLst>
-          </p:cNvPr>
+          <p:cNvPr id="6" name="별: 꼭짓점 5개 5"/>
           <p:cNvSpPr/>
           <p:nvPr/>
         </p:nvSpPr>
         <p:spPr>
           <a:xfrm>
-            <a:off x="2652800" y="2622850"/>
+            <a:off x="2649731" y="2311829"/>
             <a:ext cx="1230890" cy="1230890"/>
           </a:xfrm>
           <a:custGeom>
@@ -11868,7 +11588,6 @@
               <a:gd name="connsiteX10" fmla="*/ 1 w 1230890"/>
               <a:gd name="connsiteY10" fmla="*/ 470157 h 1230890"/>
             </a:gdLst>
-            <a:ahLst/>
             <a:cxnLst>
               <a:cxn ang="0">
                 <a:pos x="connsiteX0" y="connsiteY0"/>
@@ -12028,20 +11747,8 @@
           </a:solidFill>
           <a:ln>
             <a:solidFill>
-              <a:srgbClr val="9A8B85"/>
+              <a:srgbClr val="9a8b85"/>
             </a:solidFill>
-            <a:extLst>
-              <a:ext uri="{C807C97D-BFC1-408E-A445-0C87EB9F89A2}">
-                <ask:lineSketchStyleProps xmlns="" xmlns:ask="http://schemas.microsoft.com/office/drawing/2018/sketchyshapes" sd="750326407">
-                  <a:prstGeom prst="star5">
-                    <a:avLst/>
-                  </a:prstGeom>
-                  <ask:type>
-                    <ask:lineSketchCurved/>
-                  </ask:type>
-                </ask:lineSketchStyleProps>
-              </a:ext>
-            </a:extLst>
           </a:ln>
         </p:spPr>
         <p:style>
@@ -12061,29 +11768,25 @@
           </a:fontRef>
         </p:style>
         <p:txBody>
-          <a:bodyPr rtlCol="0" anchor="ctr"/>
+          <a:bodyPr anchor="ctr"/>
           <a:lstStyle/>
           <a:p>
-            <a:pPr algn="ctr"/>
+            <a:pPr algn="ctr">
+              <a:defRPr/>
+            </a:pPr>
             <a:endParaRPr lang="ko-KR" altLang="en-US"/>
           </a:p>
         </p:txBody>
       </p:sp>
       <p:sp>
         <p:nvSpPr>
-          <p:cNvPr id="48" name="별: 꼭짓점 5개 47">
-            <a:extLst>
-              <a:ext uri="{FF2B5EF4-FFF2-40B4-BE49-F238E27FC236}">
-                <a16:creationId xmlns:a16="http://schemas.microsoft.com/office/drawing/2014/main" id="{22991F3E-111F-4DBF-A992-6FA0BDE87F16}"/>
-              </a:ext>
-            </a:extLst>
-          </p:cNvPr>
+          <p:cNvPr id="48" name="별: 꼭짓점 5개 47"/>
           <p:cNvSpPr/>
           <p:nvPr/>
         </p:nvSpPr>
         <p:spPr>
           <a:xfrm>
-            <a:off x="4068212" y="2622850"/>
+            <a:off x="4065143" y="2311829"/>
             <a:ext cx="1230890" cy="1230890"/>
           </a:xfrm>
           <a:custGeom>
@@ -12112,7 +11815,6 @@
               <a:gd name="connsiteX10" fmla="*/ 1 w 1230890"/>
               <a:gd name="connsiteY10" fmla="*/ 470157 h 1230890"/>
             </a:gdLst>
-            <a:ahLst/>
             <a:cxnLst>
               <a:cxn ang="0">
                 <a:pos x="connsiteX0" y="connsiteY0"/>
@@ -12272,20 +11974,8 @@
           </a:solidFill>
           <a:ln>
             <a:solidFill>
-              <a:srgbClr val="9A8B85"/>
+              <a:srgbClr val="9a8b85"/>
             </a:solidFill>
-            <a:extLst>
-              <a:ext uri="{C807C97D-BFC1-408E-A445-0C87EB9F89A2}">
-                <ask:lineSketchStyleProps xmlns="" xmlns:ask="http://schemas.microsoft.com/office/drawing/2018/sketchyshapes" sd="1251975454">
-                  <a:prstGeom prst="star5">
-                    <a:avLst/>
-                  </a:prstGeom>
-                  <ask:type>
-                    <ask:lineSketchCurved/>
-                  </ask:type>
-                </ask:lineSketchStyleProps>
-              </a:ext>
-            </a:extLst>
           </a:ln>
         </p:spPr>
         <p:style>
@@ -12305,29 +11995,25 @@
           </a:fontRef>
         </p:style>
         <p:txBody>
-          <a:bodyPr rtlCol="0" anchor="ctr"/>
+          <a:bodyPr anchor="ctr"/>
           <a:lstStyle/>
           <a:p>
-            <a:pPr algn="ctr"/>
+            <a:pPr algn="ctr">
+              <a:defRPr/>
+            </a:pPr>
             <a:endParaRPr lang="ko-KR" altLang="en-US"/>
           </a:p>
         </p:txBody>
       </p:sp>
       <p:sp>
         <p:nvSpPr>
-          <p:cNvPr id="50" name="별: 꼭짓점 5개 49">
-            <a:extLst>
-              <a:ext uri="{FF2B5EF4-FFF2-40B4-BE49-F238E27FC236}">
-                <a16:creationId xmlns:a16="http://schemas.microsoft.com/office/drawing/2014/main" id="{34A84A21-7EBC-4691-AAC7-5076FF3972F7}"/>
-              </a:ext>
-            </a:extLst>
-          </p:cNvPr>
+          <p:cNvPr id="50" name="별: 꼭짓점 5개 49"/>
           <p:cNvSpPr/>
           <p:nvPr/>
         </p:nvSpPr>
         <p:spPr>
           <a:xfrm>
-            <a:off x="8314449" y="2622850"/>
+            <a:off x="8311380" y="2311829"/>
             <a:ext cx="1230890" cy="1230890"/>
           </a:xfrm>
           <a:custGeom>
@@ -12356,7 +12042,6 @@
               <a:gd name="connsiteX10" fmla="*/ 1 w 1230890"/>
               <a:gd name="connsiteY10" fmla="*/ 470157 h 1230890"/>
             </a:gdLst>
-            <a:ahLst/>
             <a:cxnLst>
               <a:cxn ang="0">
                 <a:pos x="connsiteX0" y="connsiteY0"/>
@@ -12516,20 +12201,8 @@
           </a:solidFill>
           <a:ln>
             <a:solidFill>
-              <a:srgbClr val="9A8B85"/>
+              <a:srgbClr val="9a8b85"/>
             </a:solidFill>
-            <a:extLst>
-              <a:ext uri="{C807C97D-BFC1-408E-A445-0C87EB9F89A2}">
-                <ask:lineSketchStyleProps xmlns="" xmlns:ask="http://schemas.microsoft.com/office/drawing/2018/sketchyshapes" sd="702677453">
-                  <a:prstGeom prst="star5">
-                    <a:avLst/>
-                  </a:prstGeom>
-                  <ask:type>
-                    <ask:lineSketchCurved/>
-                  </ask:type>
-                </ask:lineSketchStyleProps>
-              </a:ext>
-            </a:extLst>
           </a:ln>
         </p:spPr>
         <p:style>
@@ -12549,29 +12222,25 @@
           </a:fontRef>
         </p:style>
         <p:txBody>
-          <a:bodyPr rtlCol="0" anchor="ctr"/>
+          <a:bodyPr anchor="ctr"/>
           <a:lstStyle/>
           <a:p>
-            <a:pPr algn="ctr"/>
+            <a:pPr algn="ctr">
+              <a:defRPr/>
+            </a:pPr>
             <a:endParaRPr lang="ko-KR" altLang="en-US"/>
           </a:p>
         </p:txBody>
       </p:sp>
       <p:sp>
         <p:nvSpPr>
-          <p:cNvPr id="62" name="별: 꼭짓점 5개 61">
-            <a:extLst>
-              <a:ext uri="{FF2B5EF4-FFF2-40B4-BE49-F238E27FC236}">
-                <a16:creationId xmlns:a16="http://schemas.microsoft.com/office/drawing/2014/main" id="{FE9D55A6-C1D1-4C19-BD9F-DAE48A1C8590}"/>
-              </a:ext>
-            </a:extLst>
-          </p:cNvPr>
+          <p:cNvPr id="62" name="별: 꼭짓점 5개 61"/>
           <p:cNvSpPr/>
           <p:nvPr/>
         </p:nvSpPr>
         <p:spPr>
           <a:xfrm>
-            <a:off x="5483624" y="2622850"/>
+            <a:off x="5480555" y="2311829"/>
             <a:ext cx="1230890" cy="1230890"/>
           </a:xfrm>
           <a:custGeom>
@@ -12600,7 +12269,6 @@
               <a:gd name="connsiteX10" fmla="*/ 1 w 1230890"/>
               <a:gd name="connsiteY10" fmla="*/ 470157 h 1230890"/>
             </a:gdLst>
-            <a:ahLst/>
             <a:cxnLst>
               <a:cxn ang="0">
                 <a:pos x="connsiteX0" y="connsiteY0"/>
@@ -12760,20 +12428,8 @@
           </a:solidFill>
           <a:ln>
             <a:solidFill>
-              <a:srgbClr val="9A8B85"/>
+              <a:srgbClr val="9a8b85"/>
             </a:solidFill>
-            <a:extLst>
-              <a:ext uri="{C807C97D-BFC1-408E-A445-0C87EB9F89A2}">
-                <ask:lineSketchStyleProps xmlns="" xmlns:ask="http://schemas.microsoft.com/office/drawing/2018/sketchyshapes" sd="3240471801">
-                  <a:prstGeom prst="star5">
-                    <a:avLst/>
-                  </a:prstGeom>
-                  <ask:type>
-                    <ask:lineSketchCurved/>
-                  </ask:type>
-                </ask:lineSketchStyleProps>
-              </a:ext>
-            </a:extLst>
           </a:ln>
         </p:spPr>
         <p:style>
@@ -12793,29 +12449,25 @@
           </a:fontRef>
         </p:style>
         <p:txBody>
-          <a:bodyPr rtlCol="0" anchor="ctr"/>
+          <a:bodyPr anchor="ctr"/>
           <a:lstStyle/>
           <a:p>
-            <a:pPr algn="ctr"/>
+            <a:pPr algn="ctr">
+              <a:defRPr/>
+            </a:pPr>
             <a:endParaRPr lang="ko-KR" altLang="en-US"/>
           </a:p>
         </p:txBody>
       </p:sp>
       <p:sp>
         <p:nvSpPr>
-          <p:cNvPr id="65" name="별: 꼭짓점 5개 64">
-            <a:extLst>
-              <a:ext uri="{FF2B5EF4-FFF2-40B4-BE49-F238E27FC236}">
-                <a16:creationId xmlns:a16="http://schemas.microsoft.com/office/drawing/2014/main" id="{9B3FCAE5-4847-40DF-AB07-35C42246BBAD}"/>
-              </a:ext>
-            </a:extLst>
-          </p:cNvPr>
+          <p:cNvPr id="65" name="별: 꼭짓점 5개 64"/>
           <p:cNvSpPr/>
           <p:nvPr/>
         </p:nvSpPr>
         <p:spPr>
           <a:xfrm>
-            <a:off x="6899036" y="2622850"/>
+            <a:off x="6895967" y="2311829"/>
             <a:ext cx="1230890" cy="1230890"/>
           </a:xfrm>
           <a:custGeom>
@@ -12844,7 +12496,6 @@
               <a:gd name="connsiteX10" fmla="*/ 1 w 1230890"/>
               <a:gd name="connsiteY10" fmla="*/ 470157 h 1230890"/>
             </a:gdLst>
-            <a:ahLst/>
             <a:cxnLst>
               <a:cxn ang="0">
                 <a:pos x="connsiteX0" y="connsiteY0"/>
@@ -13004,20 +12655,8 @@
           </a:solidFill>
           <a:ln>
             <a:solidFill>
-              <a:srgbClr val="9A8B85"/>
+              <a:srgbClr val="9a8b85"/>
             </a:solidFill>
-            <a:extLst>
-              <a:ext uri="{C807C97D-BFC1-408E-A445-0C87EB9F89A2}">
-                <ask:lineSketchStyleProps xmlns="" xmlns:ask="http://schemas.microsoft.com/office/drawing/2018/sketchyshapes" sd="3584032255">
-                  <a:prstGeom prst="star5">
-                    <a:avLst/>
-                  </a:prstGeom>
-                  <ask:type>
-                    <ask:lineSketchCurved/>
-                  </ask:type>
-                </ask:lineSketchStyleProps>
-              </a:ext>
-            </a:extLst>
           </a:ln>
         </p:spPr>
         <p:style>
@@ -13037,30 +12676,26 @@
           </a:fontRef>
         </p:style>
         <p:txBody>
-          <a:bodyPr rtlCol="0" anchor="ctr"/>
+          <a:bodyPr anchor="ctr"/>
           <a:lstStyle/>
           <a:p>
-            <a:pPr algn="ctr"/>
+            <a:pPr algn="ctr">
+              <a:defRPr/>
+            </a:pPr>
             <a:endParaRPr lang="ko-KR" altLang="en-US"/>
           </a:p>
         </p:txBody>
       </p:sp>
       <p:sp>
         <p:nvSpPr>
-          <p:cNvPr id="9" name="TextBox 8">
-            <a:extLst>
-              <a:ext uri="{FF2B5EF4-FFF2-40B4-BE49-F238E27FC236}">
-                <a16:creationId xmlns:a16="http://schemas.microsoft.com/office/drawing/2014/main" id="{0FA090F0-973B-4440-A2E0-B8619B380927}"/>
-              </a:ext>
-            </a:extLst>
-          </p:cNvPr>
+          <p:cNvPr id="9" name="TextBox 8"/>
           <p:cNvSpPr txBox="1"/>
           <p:nvPr/>
         </p:nvSpPr>
         <p:spPr>
           <a:xfrm>
-            <a:off x="2652800" y="4823791"/>
-            <a:ext cx="6689983" cy="1292662"/>
+            <a:off x="2652799" y="4435015"/>
+            <a:ext cx="6689984" cy="1251254"/>
           </a:xfrm>
           <a:prstGeom prst="rect">
             <a:avLst/>
@@ -13068,92 +12703,105 @@
           <a:noFill/>
         </p:spPr>
         <p:txBody>
-          <a:bodyPr wrap="square" rtlCol="0">
+          <a:bodyPr wrap="square">
             <a:spAutoFit/>
           </a:bodyPr>
           <a:lstStyle/>
           <a:p>
-            <a:pPr algn="ctr"/>
-            <a:r>
-              <a:rPr lang="en-US" altLang="ko-KR" sz="2200" dirty="0">
+            <a:pPr algn="ctr">
+              <a:defRPr/>
+            </a:pPr>
+            <a:r>
+              <a:rPr lang="en-US" altLang="ko-KR" sz="2200">
                 <a:solidFill>
-                  <a:srgbClr val="C80000"/>
+                  <a:srgbClr val="c80000"/>
                 </a:solidFill>
-                <a:latin typeface="210 스탠다드 040" panose="02020603020101020101" pitchFamily="18" charset="-127"/>
-                <a:ea typeface="210 스탠다드 040" panose="02020603020101020101" pitchFamily="18" charset="-127"/>
+                <a:latin typeface="210 스탠다드 040"/>
+                <a:ea typeface="210 스탠다드 040"/>
               </a:rPr>
               <a:t>“</a:t>
             </a:r>
             <a:r>
-              <a:rPr lang="ko-KR" altLang="en-US" sz="2200" dirty="0">
+              <a:rPr lang="ko-KR" altLang="en-US" sz="2200">
                 <a:solidFill>
-                  <a:srgbClr val="C80000"/>
+                  <a:srgbClr val="c80000"/>
                 </a:solidFill>
-                <a:latin typeface="210 스탠다드 040" panose="02020603020101020101" pitchFamily="18" charset="-127"/>
-                <a:ea typeface="210 스탠다드 040" panose="02020603020101020101" pitchFamily="18" charset="-127"/>
+                <a:latin typeface="210 스탠다드 040"/>
+                <a:ea typeface="210 스탠다드 040"/>
               </a:rPr>
               <a:t>완전 추천해요</a:t>
             </a:r>
             <a:r>
-              <a:rPr lang="en-US" altLang="ko-KR" sz="2200" dirty="0">
+              <a:rPr lang="en-US" altLang="ko-KR" sz="2200">
                 <a:solidFill>
-                  <a:srgbClr val="C80000"/>
+                  <a:srgbClr val="c80000"/>
                 </a:solidFill>
-                <a:latin typeface="210 스탠다드 040" panose="02020603020101020101" pitchFamily="18" charset="-127"/>
-                <a:ea typeface="210 스탠다드 040" panose="02020603020101020101" pitchFamily="18" charset="-127"/>
+                <a:latin typeface="210 스탠다드 040"/>
+                <a:ea typeface="210 스탠다드 040"/>
               </a:rPr>
               <a:t>.”</a:t>
             </a:r>
-          </a:p>
-          <a:p>
-            <a:pPr algn="ctr"/>
-            <a:endParaRPr lang="en-US" altLang="ko-KR" dirty="0">
-              <a:latin typeface="DX영화자막 M" panose="02020600000000000000" pitchFamily="18" charset="-127"/>
-              <a:ea typeface="DX영화자막 M" panose="02020600000000000000" pitchFamily="18" charset="-127"/>
+            <a:endParaRPr lang="en-US" altLang="ko-KR" sz="2200">
+              <a:solidFill>
+                <a:srgbClr val="c80000"/>
+              </a:solidFill>
+              <a:latin typeface="210 스탠다드 040"/>
+              <a:ea typeface="210 스탠다드 040"/>
             </a:endParaRPr>
           </a:p>
           <a:p>
-            <a:pPr algn="ctr"/>
-            <a:r>
-              <a:rPr lang="ko-KR" altLang="en-US" dirty="0">
-                <a:latin typeface="DX영화자막 M" panose="02020600000000000000" pitchFamily="18" charset="-127"/>
-                <a:ea typeface="DX영화자막 M" panose="02020600000000000000" pitchFamily="18" charset="-127"/>
+            <a:pPr algn="ctr">
+              <a:defRPr/>
+            </a:pPr>
+            <a:endParaRPr lang="en-US" altLang="ko-KR">
+              <a:latin typeface="DX영화자막 M"/>
+              <a:ea typeface="DX영화자막 M"/>
+            </a:endParaRPr>
+          </a:p>
+          <a:p>
+            <a:pPr algn="ctr">
+              <a:defRPr/>
+            </a:pPr>
+            <a:r>
+              <a:rPr lang="ko-KR" altLang="en-US">
+                <a:latin typeface="DX영화자막 M"/>
+                <a:ea typeface="DX영화자막 M"/>
               </a:rPr>
               <a:t>힘들 때마다 꺼내 보며 위로 받고 싶은 책</a:t>
             </a:r>
-            <a:endParaRPr lang="en-US" altLang="ko-KR" dirty="0">
-              <a:latin typeface="DX영화자막 M" panose="02020600000000000000" pitchFamily="18" charset="-127"/>
-              <a:ea typeface="DX영화자막 M" panose="02020600000000000000" pitchFamily="18" charset="-127"/>
+            <a:endParaRPr lang="ko-KR" altLang="en-US">
+              <a:latin typeface="DX영화자막 M"/>
+              <a:ea typeface="DX영화자막 M"/>
             </a:endParaRPr>
           </a:p>
           <a:p>
-            <a:pPr algn="ctr"/>
-            <a:r>
-              <a:rPr lang="ko-KR" altLang="en-US" dirty="0">
-                <a:latin typeface="DX영화자막 M" panose="02020600000000000000" pitchFamily="18" charset="-127"/>
-                <a:ea typeface="DX영화자막 M" panose="02020600000000000000" pitchFamily="18" charset="-127"/>
+            <a:pPr algn="ctr">
+              <a:defRPr/>
+            </a:pPr>
+            <a:r>
+              <a:rPr lang="ko-KR" altLang="en-US">
+                <a:latin typeface="DX영화자막 M"/>
+                <a:ea typeface="DX영화자막 M"/>
               </a:rPr>
               <a:t>소중한 사람에게 선물하면 좋을 책</a:t>
             </a:r>
-          </a:p>
-        </p:txBody>
-      </p:sp>
-      <p:sp>
-        <p:nvSpPr>
-          <p:cNvPr id="42" name="TextBox 41">
-            <a:extLst>
-              <a:ext uri="{FF2B5EF4-FFF2-40B4-BE49-F238E27FC236}">
-                <a16:creationId xmlns:a16="http://schemas.microsoft.com/office/drawing/2014/main" id="{C3452619-EFA6-4484-B5BF-1AD9C551E986}"/>
-              </a:ext>
-            </a:extLst>
-          </p:cNvPr>
+            <a:endParaRPr lang="ko-KR" altLang="en-US">
+              <a:latin typeface="DX영화자막 M"/>
+              <a:ea typeface="DX영화자막 M"/>
+            </a:endParaRPr>
+          </a:p>
+        </p:txBody>
+      </p:sp>
+      <p:sp>
+        <p:nvSpPr>
+          <p:cNvPr id="42" name="TextBox 41"/>
           <p:cNvSpPr txBox="1"/>
           <p:nvPr/>
         </p:nvSpPr>
         <p:spPr>
           <a:xfrm>
             <a:off x="5629302" y="713595"/>
-            <a:ext cx="1499547" cy="461665"/>
+            <a:ext cx="1499546" cy="446550"/>
           </a:xfrm>
           <a:prstGeom prst="rect">
             <a:avLst/>
@@ -13164,51 +12812,48 @@
           </a:ln>
         </p:spPr>
         <p:txBody>
-          <a:bodyPr wrap="square" rtlCol="0">
+          <a:bodyPr wrap="square">
             <a:spAutoFit/>
           </a:bodyPr>
           <a:lstStyle/>
           <a:p>
-            <a:r>
-              <a:rPr lang="ko-KR" altLang="en-US" sz="2400" dirty="0" smtClean="0">
+            <a:pPr lvl="0">
+              <a:defRPr/>
+            </a:pPr>
+            <a:r>
+              <a:rPr lang="ko-KR" altLang="en-US" sz="2400">
                 <a:solidFill>
                   <a:schemeClr val="tx1">
                     <a:alpha val="71000"/>
                   </a:schemeClr>
                 </a:solidFill>
-                <a:latin typeface="DX영화자막 M" panose="02020600000000000000" pitchFamily="18" charset="-127"/>
-                <a:ea typeface="DX영화자막 M" panose="02020600000000000000" pitchFamily="18" charset="-127"/>
+                <a:latin typeface="DX영화자막 M"/>
+                <a:ea typeface="DX영화자막 M"/>
               </a:rPr>
               <a:t>후 기</a:t>
             </a:r>
-            <a:endParaRPr lang="ko-KR" altLang="en-US" sz="2400" dirty="0">
+            <a:endParaRPr lang="ko-KR" altLang="en-US" sz="2400">
               <a:solidFill>
                 <a:schemeClr val="tx1">
                   <a:alpha val="71000"/>
                 </a:schemeClr>
               </a:solidFill>
-              <a:latin typeface="DX영화자막 M" panose="02020600000000000000" pitchFamily="18" charset="-127"/>
-              <a:ea typeface="DX영화자막 M" panose="02020600000000000000" pitchFamily="18" charset="-127"/>
+              <a:latin typeface="DX영화자막 M"/>
+              <a:ea typeface="DX영화자막 M"/>
             </a:endParaRPr>
           </a:p>
         </p:txBody>
       </p:sp>
       <p:sp>
         <p:nvSpPr>
-          <p:cNvPr id="53" name="TextBox 52">
-            <a:extLst>
-              <a:ext uri="{FF2B5EF4-FFF2-40B4-BE49-F238E27FC236}">
-                <a16:creationId xmlns:a16="http://schemas.microsoft.com/office/drawing/2014/main" id="{FC951402-AD1C-4766-816D-91425216020D}"/>
-              </a:ext>
-            </a:extLst>
-          </p:cNvPr>
+          <p:cNvPr id="53" name="TextBox 52"/>
           <p:cNvSpPr txBox="1"/>
           <p:nvPr/>
         </p:nvSpPr>
         <p:spPr>
           <a:xfrm flipH="1">
             <a:off x="5041092" y="342101"/>
-            <a:ext cx="2123658" cy="307777"/>
+            <a:ext cx="2123658" cy="294169"/>
           </a:xfrm>
           <a:prstGeom prst="rect">
             <a:avLst/>
@@ -13216,46 +12861,51 @@
           <a:noFill/>
         </p:spPr>
         <p:txBody>
-          <a:bodyPr vert="horz" wrap="square" rtlCol="0">
+          <a:bodyPr vert="horz" wrap="square">
             <a:spAutoFit/>
           </a:bodyPr>
           <a:lstStyle/>
           <a:p>
-            <a:pPr algn="dist"/>
-            <a:r>
-              <a:rPr lang="en-US" altLang="ko-KR" sz="1400" dirty="0" smtClean="0">
+            <a:pPr algn="dist">
+              <a:defRPr/>
+            </a:pPr>
+            <a:r>
+              <a:rPr lang="en-US" altLang="ko-KR" sz="1400">
                 <a:solidFill>
                   <a:schemeClr val="tx1">
                     <a:alpha val="71000"/>
                   </a:schemeClr>
                 </a:solidFill>
-                <a:latin typeface="DX영화자막 M" panose="02020600000000000000" pitchFamily="18" charset="-127"/>
-                <a:ea typeface="DX영화자막 M" panose="02020600000000000000" pitchFamily="18" charset="-127"/>
+                <a:latin typeface="DX영화자막 M"/>
+                <a:ea typeface="DX영화자막 M"/>
               </a:rPr>
               <a:t>SLOW THINKING</a:t>
             </a:r>
-            <a:endParaRPr lang="ko-KR" altLang="en-US" sz="1400" dirty="0">
+            <a:endParaRPr lang="ko-KR" altLang="en-US" sz="1400">
               <a:solidFill>
                 <a:schemeClr val="tx1">
                   <a:alpha val="71000"/>
                 </a:schemeClr>
               </a:solidFill>
-              <a:latin typeface="DX영화자막 M" panose="02020600000000000000" pitchFamily="18" charset="-127"/>
-              <a:ea typeface="DX영화자막 M" panose="02020600000000000000" pitchFamily="18" charset="-127"/>
+              <a:latin typeface="DX영화자막 M"/>
+              <a:ea typeface="DX영화자막 M"/>
             </a:endParaRPr>
           </a:p>
         </p:txBody>
       </p:sp>
     </p:spTree>
-    <p:extLst>
-      <p:ext uri="{BB962C8B-B14F-4D97-AF65-F5344CB8AC3E}">
-        <p14:creationId xmlns:p14="http://schemas.microsoft.com/office/powerpoint/2010/main" val="1974470257"/>
-      </p:ext>
-    </p:extLst>
   </p:cSld>
   <p:clrMapOvr>
     <a:masterClrMapping/>
   </p:clrMapOvr>
+  <mc:AlternateContent xmlns:mc="http://schemas.openxmlformats.org/markup-compatibility/2006">
+    <mc:Choice xmlns:p14="http://schemas.microsoft.com/office/powerpoint/2010/main" Requires="p14">
+      <p:transition xmlns:mc="http://schemas.openxmlformats.org/markup-compatibility/2006" xmlns:p14="http://schemas.microsoft.com/office/powerpoint/2010/main" mc:Ignorable="p14" p14:dur="500"/>
+    </mc:Choice>
+    <mc:Fallback>
+      <p:transition/>
+    </mc:Fallback>
+  </mc:AlternateContent>
 </p:sld>
 </file>
 
@@ -13649,52 +13299,52 @@
 </file>
 
 <file path=ppt/theme/theme1.xml><?xml version="1.0" encoding="utf-8"?>
-<a:theme xmlns:a="http://schemas.openxmlformats.org/drawingml/2006/main" name="Office 테마">
+<a:theme xmlns:r="http://schemas.openxmlformats.org/officeDocument/2006/relationships" xmlns:c="http://schemas.openxmlformats.org/drawingml/2006/chart" xmlns:dgm="http://schemas.openxmlformats.org/drawingml/2006/diagram" xmlns:dsp="http://schemas.microsoft.com/office/drawing/2008/diagram" xmlns:a="http://schemas.openxmlformats.org/drawingml/2006/main" xmlns:pic="http://schemas.openxmlformats.org/drawingml/2006/picture" xmlns:wp="http://schemas.openxmlformats.org/drawingml/2006/wordprocessingDrawing" xmlns:xdr="http://schemas.openxmlformats.org/drawingml/2006/spreadsheetDrawing" xmlns:p="http://schemas.openxmlformats.org/presentationml/2006/main" name="Office 테마">
   <a:themeElements>
     <a:clrScheme name="Office">
       <a:dk1>
         <a:sysClr val="windowText" lastClr="000000"/>
       </a:dk1>
       <a:lt1>
-        <a:sysClr val="window" lastClr="FFFFFF"/>
+        <a:sysClr val="window" lastClr="ffffff"/>
       </a:lt1>
       <a:dk2>
-        <a:srgbClr val="44546A"/>
+        <a:srgbClr val="44546a"/>
       </a:dk2>
       <a:lt2>
-        <a:srgbClr val="E7E6E6"/>
+        <a:srgbClr val="e7e6e6"/>
       </a:lt2>
       <a:accent1>
-        <a:srgbClr val="4472C4"/>
+        <a:srgbClr val="4472c4"/>
       </a:accent1>
       <a:accent2>
-        <a:srgbClr val="ED7D31"/>
+        <a:srgbClr val="ed7d31"/>
       </a:accent2>
       <a:accent3>
-        <a:srgbClr val="A5A5A5"/>
+        <a:srgbClr val="a5a5a5"/>
       </a:accent3>
       <a:accent4>
-        <a:srgbClr val="FFC000"/>
+        <a:srgbClr val="ffc000"/>
       </a:accent4>
       <a:accent5>
-        <a:srgbClr val="5B9BD5"/>
+        <a:srgbClr val="5b9bd5"/>
       </a:accent5>
       <a:accent6>
-        <a:srgbClr val="70AD47"/>
+        <a:srgbClr val="70ad47"/>
       </a:accent6>
       <a:hlink>
-        <a:srgbClr val="0563C1"/>
+        <a:srgbClr val="0563c1"/>
       </a:hlink>
       <a:folHlink>
-        <a:srgbClr val="954F72"/>
+        <a:srgbClr val="954f72"/>
       </a:folHlink>
     </a:clrScheme>
     <a:fontScheme name="Office">
       <a:majorFont>
-        <a:latin typeface="맑은 고딕" panose="020F0302020204030204"/>
+        <a:latin typeface="맑은 고딕" panose="20"/>
         <a:ea typeface=""/>
         <a:cs typeface=""/>
-        <a:font script="Jpan" typeface="游ゴシック Light"/>
+        <a:font script="Jpan" typeface="Yu Gothic Light"/>
         <a:font script="Hang" typeface="맑은 고딕"/>
         <a:font script="Hans" typeface="等线 Light"/>
         <a:font script="Hant" typeface="新細明體"/>
@@ -13743,10 +13393,10 @@
         <a:font script="Tfng" typeface="Ebrima"/>
       </a:majorFont>
       <a:minorFont>
-        <a:latin typeface="맑은 고딕" panose="020F0502020204030204"/>
+        <a:latin typeface="맑은 고딕" panose="20"/>
         <a:ea typeface=""/>
         <a:cs typeface=""/>
-        <a:font script="Jpan" typeface="游ゴシック"/>
+        <a:font script="Jpan" typeface="Yu Gothic"/>
         <a:font script="Hang" typeface="맑은 고딕"/>
         <a:font script="Hans" typeface="等线"/>
         <a:font script="Hant" typeface="新細明體"/>
@@ -13859,21 +13509,21 @@
             <a:schemeClr val="phClr"/>
           </a:solidFill>
           <a:prstDash val="solid"/>
-          <a:miter lim="800000"/>
+          <a:miter/>
         </a:ln>
         <a:ln w="12700" cap="flat" cmpd="sng" algn="ctr">
           <a:solidFill>
             <a:schemeClr val="phClr"/>
           </a:solidFill>
           <a:prstDash val="solid"/>
-          <a:miter lim="800000"/>
+          <a:miter/>
         </a:ln>
         <a:ln w="19050" cap="flat" cmpd="sng" algn="ctr">
           <a:solidFill>
             <a:schemeClr val="phClr"/>
           </a:solidFill>
           <a:prstDash val="solid"/>
-          <a:miter lim="800000"/>
+          <a:miter/>
         </a:ln>
       </a:lnStyleLst>
       <a:effectStyleLst>
@@ -13933,12 +13583,5 @@
       </a:bgFillStyleLst>
     </a:fmtScheme>
   </a:themeElements>
-  <a:objectDefaults/>
-  <a:extraClrSchemeLst/>
-  <a:extLst>
-    <a:ext uri="{05A4C25C-085E-4340-85A3-A5531E510DB2}">
-      <thm15:themeFamily xmlns:thm15="http://schemas.microsoft.com/office/thememl/2012/main" name="Office Theme" id="{62F939B6-93AF-4DB8-9C6B-D6C7DFDC589F}" vid="{4A3C46E8-61CC-4603-A589-7422A47A8E4A}"/>
-    </a:ext>
-  </a:extLst>
 </a:theme>
 </file>
--- a/2조.pptx
+++ b/2조.pptx
@@ -2,7 +2,7 @@
 <file path=ppt/presentation.xml><?xml version="1.0" encoding="utf-8"?>
 <p:presentation xmlns:r="http://schemas.openxmlformats.org/officeDocument/2006/relationships" xmlns:c="http://schemas.openxmlformats.org/drawingml/2006/chart" xmlns:a="http://schemas.openxmlformats.org/drawingml/2006/main" xmlns:dgm="http://schemas.openxmlformats.org/drawingml/2006/diagram" xmlns:dsp="http://schemas.microsoft.com/office/drawing/2008/diagram" xmlns:p="http://schemas.openxmlformats.org/presentationml/2006/main" embedTrueTypeFonts="1" saveSubsetFonts="1" autoCompressPictures="0">
   <p:sldMasterIdLst>
-    <p:sldMasterId id="2147483671" r:id="rId1"/>
+    <p:sldMasterId id="2147483665" r:id="rId1"/>
   </p:sldMasterIdLst>
   <p:sldIdLst>
     <p:sldId id="256" r:id="rId2"/>
@@ -3313,10 +3313,10 @@
 </file>
 
 <file path=ppt/slides/slide1.xml><?xml version="1.0" encoding="utf-8"?>
-<p:sld xmlns:a="http://schemas.openxmlformats.org/drawingml/2006/main" xmlns:r="http://schemas.openxmlformats.org/officeDocument/2006/relationships" xmlns:p="http://schemas.openxmlformats.org/presentationml/2006/main">
+<p:sld xmlns:r="http://schemas.openxmlformats.org/officeDocument/2006/relationships" xmlns:c="http://schemas.openxmlformats.org/drawingml/2006/chart" xmlns:a="http://schemas.openxmlformats.org/drawingml/2006/main" xmlns:dgm="http://schemas.openxmlformats.org/drawingml/2006/diagram" xmlns:dsp="http://schemas.microsoft.com/office/drawing/2008/diagram" xmlns:p="http://schemas.openxmlformats.org/presentationml/2006/main">
   <p:cSld>
     <p:bg>
-      <p:bgPr>
+      <p:bgPr shadeToTitle="0">
         <a:blipFill dpi="0" rotWithShape="1">
           <a:blip r:embed="rId2">
             <a:lum/>
@@ -3326,7 +3326,6 @@
             <a:fillRect t="-17000" b="-17000"/>
           </a:stretch>
         </a:blipFill>
-        <a:effectLst/>
       </p:bgPr>
     </p:bg>
     <p:spTree>
@@ -3345,20 +3344,14 @@
       </p:grpSpPr>
       <p:sp>
         <p:nvSpPr>
-          <p:cNvPr id="22" name="TextBox 21">
-            <a:extLst>
-              <a:ext uri="{FF2B5EF4-FFF2-40B4-BE49-F238E27FC236}">
-                <a16:creationId xmlns:a16="http://schemas.microsoft.com/office/drawing/2014/main" id="{FC951402-AD1C-4766-816D-91425216020D}"/>
-              </a:ext>
-            </a:extLst>
-          </p:cNvPr>
+          <p:cNvPr id="22" name="TextBox 21"/>
           <p:cNvSpPr txBox="1"/>
           <p:nvPr/>
         </p:nvSpPr>
         <p:spPr>
           <a:xfrm>
-            <a:off x="7759443" y="6284647"/>
-            <a:ext cx="3997943" cy="307777"/>
+            <a:off x="7759442" y="6284647"/>
+            <a:ext cx="3997944" cy="295223"/>
           </a:xfrm>
           <a:prstGeom prst="rect">
             <a:avLst/>
@@ -3366,82 +3359,73 @@
           <a:noFill/>
         </p:spPr>
         <p:txBody>
-          <a:bodyPr wrap="square" rtlCol="0">
+          <a:bodyPr wrap="square">
             <a:spAutoFit/>
           </a:bodyPr>
           <a:lstStyle/>
           <a:p>
-            <a:pPr algn="r"/>
-            <a:r>
-              <a:rPr lang="ko-KR" altLang="en-US" sz="1400" dirty="0" smtClean="0">
+            <a:pPr algn="r">
+              <a:defRPr/>
+            </a:pPr>
+            <a:r>
+              <a:rPr lang="ko-KR" altLang="en-US" sz="1400">
                 <a:solidFill>
                   <a:schemeClr val="tx1">
                     <a:alpha val="71000"/>
                   </a:schemeClr>
                 </a:solidFill>
-                <a:latin typeface="DX영화자막 M" panose="02020600000000000000" pitchFamily="18" charset="-127"/>
-                <a:ea typeface="DX영화자막 M" panose="02020600000000000000" pitchFamily="18" charset="-127"/>
+                <a:latin typeface="DX영화자막 M"/>
+                <a:ea typeface="DX영화자막 M"/>
               </a:rPr>
               <a:t>작가 </a:t>
             </a:r>
             <a:r>
-              <a:rPr lang="en-US" altLang="ko-KR" sz="1400" dirty="0" smtClean="0">
+              <a:rPr lang="en-US" altLang="ko-KR" sz="1400">
                 <a:solidFill>
                   <a:schemeClr val="tx1">
                     <a:alpha val="71000"/>
                   </a:schemeClr>
                 </a:solidFill>
-                <a:latin typeface="DX영화자막 M" panose="02020600000000000000" pitchFamily="18" charset="-127"/>
-                <a:ea typeface="DX영화자막 M" panose="02020600000000000000" pitchFamily="18" charset="-127"/>
+                <a:latin typeface="DX영화자막 M"/>
+                <a:ea typeface="DX영화자막 M"/>
               </a:rPr>
               <a:t>/ </a:t>
             </a:r>
             <a:r>
-              <a:rPr lang="ko-KR" altLang="en-US" sz="1400" dirty="0" smtClean="0">
+              <a:rPr lang="ko-KR" altLang="en-US" sz="1400">
                 <a:solidFill>
                   <a:schemeClr val="tx1">
                     <a:alpha val="71000"/>
                   </a:schemeClr>
                 </a:solidFill>
-                <a:latin typeface="DX영화자막 M" panose="02020600000000000000" pitchFamily="18" charset="-127"/>
-                <a:ea typeface="DX영화자막 M" panose="02020600000000000000" pitchFamily="18" charset="-127"/>
+                <a:latin typeface="DX영화자막 M"/>
+                <a:ea typeface="DX영화자막 M"/>
               </a:rPr>
               <a:t>황논문</a:t>
             </a:r>
-            <a:endParaRPr lang="ko-KR" altLang="en-US" sz="1400" dirty="0">
+            <a:endParaRPr lang="ko-KR" altLang="en-US" sz="1400">
               <a:solidFill>
                 <a:schemeClr val="tx1">
                   <a:alpha val="71000"/>
                 </a:schemeClr>
               </a:solidFill>
-              <a:latin typeface="DX영화자막 M" panose="02020600000000000000" pitchFamily="18" charset="-127"/>
-              <a:ea typeface="DX영화자막 M" panose="02020600000000000000" pitchFamily="18" charset="-127"/>
+              <a:latin typeface="DX영화자막 M"/>
+              <a:ea typeface="DX영화자막 M"/>
             </a:endParaRPr>
           </a:p>
         </p:txBody>
       </p:sp>
       <p:pic>
         <p:nvPicPr>
-          <p:cNvPr id="50" name="그림 49" descr="테이블, 그리기이(가) 표시된 사진&#10;&#10;자동 생성된 설명">
-            <a:extLst>
-              <a:ext uri="{FF2B5EF4-FFF2-40B4-BE49-F238E27FC236}">
-                <a16:creationId xmlns:a16="http://schemas.microsoft.com/office/drawing/2014/main" id="{7D63E280-2250-45FB-8FFA-98253549A73A}"/>
-              </a:ext>
-            </a:extLst>
-          </p:cNvPr>
+          <p:cNvPr id="50" name="그림 49" descr="테이블, 그리기이(가) 표시된 사진  자동 생성된 설명"/>
           <p:cNvPicPr>
             <a:picLocks noChangeAspect="1"/>
           </p:cNvPicPr>
           <p:nvPr/>
         </p:nvPicPr>
-        <p:blipFill>
+        <p:blipFill rotWithShape="1">
           <a:blip r:embed="rId3">
             <a:alphaModFix amt="70000"/>
-            <a:extLst>
-              <a:ext uri="{28A0092B-C50C-407E-A947-70E740481C1C}">
-                <a14:useLocalDpi xmlns:a14="http://schemas.microsoft.com/office/drawing/2010/main" val="0"/>
-              </a:ext>
-            </a:extLst>
           </a:blip>
           <a:stretch>
             <a:fillRect/>
@@ -3459,14 +3443,14 @@
       </p:pic>
       <p:sp>
         <p:nvSpPr>
-          <p:cNvPr id="3" name="TextBox 2"/>
+          <p:cNvPr id="40" name="TextBox 39"/>
           <p:cNvSpPr txBox="1"/>
           <p:nvPr/>
         </p:nvSpPr>
         <p:spPr>
-          <a:xfrm>
-            <a:off x="5233366" y="5576761"/>
-            <a:ext cx="2236510" cy="707886"/>
+          <a:xfrm flipH="1">
+            <a:off x="5034171" y="441771"/>
+            <a:ext cx="2123658" cy="299274"/>
           </a:xfrm>
           <a:prstGeom prst="rect">
             <a:avLst/>
@@ -3474,65 +3458,439 @@
           <a:noFill/>
         </p:spPr>
         <p:txBody>
-          <a:bodyPr wrap="none" rtlCol="0">
+          <a:bodyPr vert="horz" wrap="square">
             <a:spAutoFit/>
           </a:bodyPr>
           <a:lstStyle/>
           <a:p>
-            <a:r>
-              <a:rPr lang="ko-KR" altLang="en-US" sz="4000" dirty="0" smtClean="0"/>
-              <a:t>슬로싱킹</a:t>
-            </a:r>
-            <a:endParaRPr lang="ko-KR" altLang="en-US" sz="4000" dirty="0"/>
-          </a:p>
-        </p:txBody>
-      </p:sp>
-      <p:pic>
-        <p:nvPicPr>
-          <p:cNvPr id="6" name="그림 5"/>
-          <p:cNvPicPr>
-            <a:picLocks noChangeAspect="1"/>
-          </p:cNvPicPr>
+            <a:pPr algn="dist">
+              <a:defRPr/>
+            </a:pPr>
+            <a:r>
+              <a:rPr lang="en-US" altLang="ko-KR" sz="1400">
+                <a:solidFill>
+                  <a:schemeClr val="tx1">
+                    <a:alpha val="71000"/>
+                  </a:schemeClr>
+                </a:solidFill>
+                <a:latin typeface="DX영화자막 M"/>
+                <a:ea typeface="DX영화자막 M"/>
+              </a:rPr>
+              <a:t>SLOW THINKING</a:t>
+            </a:r>
+            <a:endParaRPr lang="ko-KR" altLang="en-US" sz="1400">
+              <a:solidFill>
+                <a:schemeClr val="tx1">
+                  <a:alpha val="71000"/>
+                </a:schemeClr>
+              </a:solidFill>
+              <a:latin typeface="DX영화자막 M"/>
+              <a:ea typeface="DX영화자막 M"/>
+            </a:endParaRPr>
+          </a:p>
+        </p:txBody>
+      </p:sp>
+      <p:sp>
+        <p:nvSpPr>
+          <p:cNvPr id="51" name="순서도: 처리 61"/>
+          <p:cNvSpPr/>
           <p:nvPr/>
-        </p:nvPicPr>
-        <p:blipFill>
-          <a:blip r:embed="rId4">
-            <a:extLst>
-              <a:ext uri="{28A0092B-C50C-407E-A947-70E740481C1C}">
-                <a14:useLocalDpi xmlns:a14="http://schemas.microsoft.com/office/drawing/2010/main" val="0"/>
-              </a:ext>
-            </a:extLst>
-          </a:blip>
-          <a:stretch>
-            <a:fillRect/>
-          </a:stretch>
-        </p:blipFill>
+        </p:nvSpPr>
         <p:spPr>
           <a:xfrm>
-            <a:off x="4920646" y="1106057"/>
-            <a:ext cx="2861950" cy="4245166"/>
+            <a:off x="3123913" y="3251117"/>
+            <a:ext cx="5963225" cy="1889788"/>
           </a:xfrm>
-          <a:prstGeom prst="rect">
+          <a:custGeom>
             <a:avLst/>
-          </a:prstGeom>
+            <a:gdLst>
+              <a:gd name="connsiteX0" fmla="*/ 0 w 5799809"/>
+              <a:gd name="connsiteY0" fmla="*/ 0 h 425946"/>
+              <a:gd name="connsiteX1" fmla="*/ 470429 w 5799809"/>
+              <a:gd name="connsiteY1" fmla="*/ 0 h 425946"/>
+              <a:gd name="connsiteX2" fmla="*/ 1056854 w 5799809"/>
+              <a:gd name="connsiteY2" fmla="*/ 0 h 425946"/>
+              <a:gd name="connsiteX3" fmla="*/ 1585281 w 5799809"/>
+              <a:gd name="connsiteY3" fmla="*/ 0 h 425946"/>
+              <a:gd name="connsiteX4" fmla="*/ 2113708 w 5799809"/>
+              <a:gd name="connsiteY4" fmla="*/ 0 h 425946"/>
+              <a:gd name="connsiteX5" fmla="*/ 2758131 w 5799809"/>
+              <a:gd name="connsiteY5" fmla="*/ 0 h 425946"/>
+              <a:gd name="connsiteX6" fmla="*/ 3402555 w 5799809"/>
+              <a:gd name="connsiteY6" fmla="*/ 0 h 425946"/>
+              <a:gd name="connsiteX7" fmla="*/ 3930982 w 5799809"/>
+              <a:gd name="connsiteY7" fmla="*/ 0 h 425946"/>
+              <a:gd name="connsiteX8" fmla="*/ 4633403 w 5799809"/>
+              <a:gd name="connsiteY8" fmla="*/ 0 h 425946"/>
+              <a:gd name="connsiteX9" fmla="*/ 5103832 w 5799809"/>
+              <a:gd name="connsiteY9" fmla="*/ 0 h 425946"/>
+              <a:gd name="connsiteX10" fmla="*/ 5799809 w 5799809"/>
+              <a:gd name="connsiteY10" fmla="*/ 0 h 425946"/>
+              <a:gd name="connsiteX11" fmla="*/ 5799809 w 5799809"/>
+              <a:gd name="connsiteY11" fmla="*/ 425946 h 425946"/>
+              <a:gd name="connsiteX12" fmla="*/ 5155386 w 5799809"/>
+              <a:gd name="connsiteY12" fmla="*/ 425946 h 425946"/>
+              <a:gd name="connsiteX13" fmla="*/ 4684957 w 5799809"/>
+              <a:gd name="connsiteY13" fmla="*/ 425946 h 425946"/>
+              <a:gd name="connsiteX14" fmla="*/ 4040534 w 5799809"/>
+              <a:gd name="connsiteY14" fmla="*/ 425946 h 425946"/>
+              <a:gd name="connsiteX15" fmla="*/ 3338112 w 5799809"/>
+              <a:gd name="connsiteY15" fmla="*/ 425946 h 425946"/>
+              <a:gd name="connsiteX16" fmla="*/ 2809685 w 5799809"/>
+              <a:gd name="connsiteY16" fmla="*/ 425946 h 425946"/>
+              <a:gd name="connsiteX17" fmla="*/ 2165262 w 5799809"/>
+              <a:gd name="connsiteY17" fmla="*/ 425946 h 425946"/>
+              <a:gd name="connsiteX18" fmla="*/ 1462841 w 5799809"/>
+              <a:gd name="connsiteY18" fmla="*/ 425946 h 425946"/>
+              <a:gd name="connsiteX19" fmla="*/ 818417 w 5799809"/>
+              <a:gd name="connsiteY19" fmla="*/ 425946 h 425946"/>
+              <a:gd name="connsiteX20" fmla="*/ 0 w 5799809"/>
+              <a:gd name="connsiteY20" fmla="*/ 425946 h 425946"/>
+              <a:gd name="connsiteX21" fmla="*/ 0 w 5799809"/>
+              <a:gd name="connsiteY21" fmla="*/ 0 h 425946"/>
+            </a:gdLst>
+            <a:cxnLst>
+              <a:cxn ang="0">
+                <a:pos x="connsiteX0" y="connsiteY0"/>
+              </a:cxn>
+              <a:cxn ang="0">
+                <a:pos x="connsiteX1" y="connsiteY1"/>
+              </a:cxn>
+              <a:cxn ang="0">
+                <a:pos x="connsiteX2" y="connsiteY2"/>
+              </a:cxn>
+              <a:cxn ang="0">
+                <a:pos x="connsiteX3" y="connsiteY3"/>
+              </a:cxn>
+              <a:cxn ang="0">
+                <a:pos x="connsiteX4" y="connsiteY4"/>
+              </a:cxn>
+              <a:cxn ang="0">
+                <a:pos x="connsiteX5" y="connsiteY5"/>
+              </a:cxn>
+              <a:cxn ang="0">
+                <a:pos x="connsiteX6" y="connsiteY6"/>
+              </a:cxn>
+              <a:cxn ang="0">
+                <a:pos x="connsiteX7" y="connsiteY7"/>
+              </a:cxn>
+              <a:cxn ang="0">
+                <a:pos x="connsiteX8" y="connsiteY8"/>
+              </a:cxn>
+              <a:cxn ang="0">
+                <a:pos x="connsiteX9" y="connsiteY9"/>
+              </a:cxn>
+              <a:cxn ang="0">
+                <a:pos x="connsiteX10" y="connsiteY10"/>
+              </a:cxn>
+              <a:cxn ang="0">
+                <a:pos x="connsiteX11" y="connsiteY11"/>
+              </a:cxn>
+              <a:cxn ang="0">
+                <a:pos x="connsiteX12" y="connsiteY12"/>
+              </a:cxn>
+              <a:cxn ang="0">
+                <a:pos x="connsiteX13" y="connsiteY13"/>
+              </a:cxn>
+              <a:cxn ang="0">
+                <a:pos x="connsiteX14" y="connsiteY14"/>
+              </a:cxn>
+              <a:cxn ang="0">
+                <a:pos x="connsiteX15" y="connsiteY15"/>
+              </a:cxn>
+              <a:cxn ang="0">
+                <a:pos x="connsiteX16" y="connsiteY16"/>
+              </a:cxn>
+              <a:cxn ang="0">
+                <a:pos x="connsiteX17" y="connsiteY17"/>
+              </a:cxn>
+              <a:cxn ang="0">
+                <a:pos x="connsiteX18" y="connsiteY18"/>
+              </a:cxn>
+              <a:cxn ang="0">
+                <a:pos x="connsiteX19" y="connsiteY19"/>
+              </a:cxn>
+              <a:cxn ang="0">
+                <a:pos x="connsiteX20" y="connsiteY20"/>
+              </a:cxn>
+              <a:cxn ang="0">
+                <a:pos x="connsiteX21" y="connsiteY21"/>
+              </a:cxn>
+            </a:cxnLst>
+            <a:rect l="l" t="t" r="r" b="b"/>
+            <a:pathLst>
+              <a:path w="5799809" h="425946" fill="none" extrusionOk="0">
+                <a:moveTo>
+                  <a:pt x="0" y="0"/>
+                </a:moveTo>
+                <a:cubicBezTo>
+                  <a:pt x="232930" y="11357"/>
+                  <a:pt x="338405" y="-11052"/>
+                  <a:pt x="470429" y="0"/>
+                </a:cubicBezTo>
+                <a:cubicBezTo>
+                  <a:pt x="602453" y="11052"/>
+                  <a:pt x="809389" y="-26878"/>
+                  <a:pt x="1056854" y="0"/>
+                </a:cubicBezTo>
+                <a:cubicBezTo>
+                  <a:pt x="1304320" y="26878"/>
+                  <a:pt x="1468530" y="-24406"/>
+                  <a:pt x="1585281" y="0"/>
+                </a:cubicBezTo>
+                <a:cubicBezTo>
+                  <a:pt x="1702032" y="24406"/>
+                  <a:pt x="2004466" y="14170"/>
+                  <a:pt x="2113708" y="0"/>
+                </a:cubicBezTo>
+                <a:cubicBezTo>
+                  <a:pt x="2222950" y="-14170"/>
+                  <a:pt x="2556011" y="28112"/>
+                  <a:pt x="2758131" y="0"/>
+                </a:cubicBezTo>
+                <a:cubicBezTo>
+                  <a:pt x="2960251" y="-28112"/>
+                  <a:pt x="3097544" y="-7034"/>
+                  <a:pt x="3402555" y="0"/>
+                </a:cubicBezTo>
+                <a:cubicBezTo>
+                  <a:pt x="3707566" y="7034"/>
+                  <a:pt x="3772141" y="4589"/>
+                  <a:pt x="3930982" y="0"/>
+                </a:cubicBezTo>
+                <a:cubicBezTo>
+                  <a:pt x="4089823" y="-4589"/>
+                  <a:pt x="4481847" y="28392"/>
+                  <a:pt x="4633403" y="0"/>
+                </a:cubicBezTo>
+                <a:cubicBezTo>
+                  <a:pt x="4784959" y="-28392"/>
+                  <a:pt x="4910939" y="-2346"/>
+                  <a:pt x="5103832" y="0"/>
+                </a:cubicBezTo>
+                <a:cubicBezTo>
+                  <a:pt x="5296725" y="2346"/>
+                  <a:pt x="5508736" y="-20318"/>
+                  <a:pt x="5799809" y="0"/>
+                </a:cubicBezTo>
+                <a:cubicBezTo>
+                  <a:pt x="5788599" y="198653"/>
+                  <a:pt x="5812935" y="266898"/>
+                  <a:pt x="5799809" y="425946"/>
+                </a:cubicBezTo>
+                <a:cubicBezTo>
+                  <a:pt x="5617430" y="412954"/>
+                  <a:pt x="5331856" y="449678"/>
+                  <a:pt x="5155386" y="425946"/>
+                </a:cubicBezTo>
+                <a:cubicBezTo>
+                  <a:pt x="4978916" y="402214"/>
+                  <a:pt x="4857030" y="423944"/>
+                  <a:pt x="4684957" y="425946"/>
+                </a:cubicBezTo>
+                <a:cubicBezTo>
+                  <a:pt x="4512884" y="427948"/>
+                  <a:pt x="4342832" y="445858"/>
+                  <a:pt x="4040534" y="425946"/>
+                </a:cubicBezTo>
+                <a:cubicBezTo>
+                  <a:pt x="3738236" y="406034"/>
+                  <a:pt x="3513554" y="443777"/>
+                  <a:pt x="3338112" y="425946"/>
+                </a:cubicBezTo>
+                <a:cubicBezTo>
+                  <a:pt x="3162670" y="408115"/>
+                  <a:pt x="3031362" y="412638"/>
+                  <a:pt x="2809685" y="425946"/>
+                </a:cubicBezTo>
+                <a:cubicBezTo>
+                  <a:pt x="2588008" y="439254"/>
+                  <a:pt x="2396513" y="447981"/>
+                  <a:pt x="2165262" y="425946"/>
+                </a:cubicBezTo>
+                <a:cubicBezTo>
+                  <a:pt x="1934011" y="403911"/>
+                  <a:pt x="1762479" y="426888"/>
+                  <a:pt x="1462841" y="425946"/>
+                </a:cubicBezTo>
+                <a:cubicBezTo>
+                  <a:pt x="1163203" y="425004"/>
+                  <a:pt x="955896" y="428651"/>
+                  <a:pt x="818417" y="425946"/>
+                </a:cubicBezTo>
+                <a:cubicBezTo>
+                  <a:pt x="680938" y="423241"/>
+                  <a:pt x="240620" y="433396"/>
+                  <a:pt x="0" y="425946"/>
+                </a:cubicBezTo>
+                <a:cubicBezTo>
+                  <a:pt x="-13937" y="217353"/>
+                  <a:pt x="3380" y="194608"/>
+                  <a:pt x="0" y="0"/>
+                </a:cubicBezTo>
+                <a:close/>
+              </a:path>
+              <a:path w="5799809" h="425946" stroke="0" extrusionOk="0">
+                <a:moveTo>
+                  <a:pt x="0" y="0"/>
+                </a:moveTo>
+                <a:cubicBezTo>
+                  <a:pt x="156451" y="-5263"/>
+                  <a:pt x="344124" y="-7670"/>
+                  <a:pt x="528427" y="0"/>
+                </a:cubicBezTo>
+                <a:cubicBezTo>
+                  <a:pt x="712730" y="7670"/>
+                  <a:pt x="1052845" y="3624"/>
+                  <a:pt x="1288846" y="0"/>
+                </a:cubicBezTo>
+                <a:cubicBezTo>
+                  <a:pt x="1524847" y="-3624"/>
+                  <a:pt x="1572216" y="2669"/>
+                  <a:pt x="1817273" y="0"/>
+                </a:cubicBezTo>
+                <a:cubicBezTo>
+                  <a:pt x="2062330" y="-2669"/>
+                  <a:pt x="2125614" y="-1841"/>
+                  <a:pt x="2287702" y="0"/>
+                </a:cubicBezTo>
+                <a:cubicBezTo>
+                  <a:pt x="2449790" y="1841"/>
+                  <a:pt x="2540838" y="-10545"/>
+                  <a:pt x="2758131" y="0"/>
+                </a:cubicBezTo>
+                <a:cubicBezTo>
+                  <a:pt x="2975424" y="10545"/>
+                  <a:pt x="3070417" y="16952"/>
+                  <a:pt x="3286558" y="0"/>
+                </a:cubicBezTo>
+                <a:cubicBezTo>
+                  <a:pt x="3502699" y="-16952"/>
+                  <a:pt x="3772879" y="25154"/>
+                  <a:pt x="4046978" y="0"/>
+                </a:cubicBezTo>
+                <a:cubicBezTo>
+                  <a:pt x="4321077" y="-25154"/>
+                  <a:pt x="4471091" y="-15419"/>
+                  <a:pt x="4691401" y="0"/>
+                </a:cubicBezTo>
+                <a:cubicBezTo>
+                  <a:pt x="4911711" y="15419"/>
+                  <a:pt x="5486808" y="-34903"/>
+                  <a:pt x="5799809" y="0"/>
+                </a:cubicBezTo>
+                <a:cubicBezTo>
+                  <a:pt x="5811781" y="117662"/>
+                  <a:pt x="5813135" y="213997"/>
+                  <a:pt x="5799809" y="425946"/>
+                </a:cubicBezTo>
+                <a:cubicBezTo>
+                  <a:pt x="5631023" y="426859"/>
+                  <a:pt x="5495897" y="406180"/>
+                  <a:pt x="5329380" y="425946"/>
+                </a:cubicBezTo>
+                <a:cubicBezTo>
+                  <a:pt x="5162863" y="445712"/>
+                  <a:pt x="4971538" y="414601"/>
+                  <a:pt x="4742955" y="425946"/>
+                </a:cubicBezTo>
+                <a:cubicBezTo>
+                  <a:pt x="4514373" y="437291"/>
+                  <a:pt x="4305792" y="401898"/>
+                  <a:pt x="4098532" y="425946"/>
+                </a:cubicBezTo>
+                <a:cubicBezTo>
+                  <a:pt x="3891272" y="449994"/>
+                  <a:pt x="3550710" y="452828"/>
+                  <a:pt x="3396110" y="425946"/>
+                </a:cubicBezTo>
+                <a:cubicBezTo>
+                  <a:pt x="3241510" y="399064"/>
+                  <a:pt x="2987621" y="437035"/>
+                  <a:pt x="2867683" y="425946"/>
+                </a:cubicBezTo>
+                <a:cubicBezTo>
+                  <a:pt x="2747745" y="414857"/>
+                  <a:pt x="2500791" y="420398"/>
+                  <a:pt x="2281258" y="425946"/>
+                </a:cubicBezTo>
+                <a:cubicBezTo>
+                  <a:pt x="2061725" y="431494"/>
+                  <a:pt x="1816635" y="426101"/>
+                  <a:pt x="1636835" y="425946"/>
+                </a:cubicBezTo>
+                <a:cubicBezTo>
+                  <a:pt x="1457035" y="425791"/>
+                  <a:pt x="1307407" y="428836"/>
+                  <a:pt x="1050410" y="425946"/>
+                </a:cubicBezTo>
+                <a:cubicBezTo>
+                  <a:pt x="793414" y="423056"/>
+                  <a:pt x="415100" y="437818"/>
+                  <a:pt x="0" y="425946"/>
+                </a:cubicBezTo>
+                <a:cubicBezTo>
+                  <a:pt x="553" y="260129"/>
+                  <a:pt x="10725" y="188645"/>
+                  <a:pt x="0" y="0"/>
+                </a:cubicBezTo>
+                <a:close/>
+              </a:path>
+            </a:pathLst>
+          </a:custGeom>
+          <a:solidFill>
+            <a:schemeClr val="accent4">
+              <a:lumMod val="40000"/>
+              <a:lumOff val="60000"/>
+              <a:alpha val="35000"/>
+            </a:schemeClr>
+          </a:solidFill>
+          <a:ln>
+            <a:solidFill>
+              <a:schemeClr val="accent4">
+                <a:lumMod val="40000"/>
+                <a:lumOff val="60000"/>
+              </a:schemeClr>
+            </a:solidFill>
+          </a:ln>
         </p:spPr>
-      </p:pic>
-      <p:sp>
-        <p:nvSpPr>
-          <p:cNvPr id="40" name="TextBox 39">
-            <a:extLst>
-              <a:ext uri="{FF2B5EF4-FFF2-40B4-BE49-F238E27FC236}">
-                <a16:creationId xmlns:a16="http://schemas.microsoft.com/office/drawing/2014/main" id="{FC951402-AD1C-4766-816D-91425216020D}"/>
-              </a:ext>
-            </a:extLst>
-          </p:cNvPr>
+        <p:style>
+          <a:lnRef idx="2">
+            <a:schemeClr val="accent1">
+              <a:shade val="50000"/>
+            </a:schemeClr>
+          </a:lnRef>
+          <a:fillRef idx="1">
+            <a:schemeClr val="accent1"/>
+          </a:fillRef>
+          <a:effectRef idx="0">
+            <a:schemeClr val="accent1"/>
+          </a:effectRef>
+          <a:fontRef idx="minor">
+            <a:schemeClr val="lt1"/>
+          </a:fontRef>
+        </p:style>
+        <p:txBody>
+          <a:bodyPr anchor="ctr"/>
+          <a:lstStyle/>
+          <a:p>
+            <a:pPr algn="ctr">
+              <a:defRPr/>
+            </a:pPr>
+            <a:endParaRPr lang="ko-KR" altLang="en-US"/>
+          </a:p>
+        </p:txBody>
+      </p:sp>
+      <p:sp>
+        <p:nvSpPr>
+          <p:cNvPr id="52" name="TextBox 11"/>
           <p:cNvSpPr txBox="1"/>
           <p:nvPr/>
         </p:nvSpPr>
         <p:spPr>
-          <a:xfrm flipH="1">
-            <a:off x="5289792" y="454142"/>
-            <a:ext cx="2123658" cy="307777"/>
+          <a:xfrm>
+            <a:off x="1298712" y="3429000"/>
+            <a:ext cx="9594576" cy="1455870"/>
           </a:xfrm>
           <a:prstGeom prst="rect">
             <a:avLst/>
@@ -3540,54 +3898,151 @@
           <a:noFill/>
         </p:spPr>
         <p:txBody>
-          <a:bodyPr vert="horz" wrap="square" rtlCol="0">
+          <a:bodyPr vert="horz" wrap="square" lIns="91440" tIns="45720" rIns="91440" bIns="45720" anchor="t">
             <a:spAutoFit/>
           </a:bodyPr>
           <a:lstStyle/>
           <a:p>
-            <a:pPr algn="dist"/>
-            <a:r>
-              <a:rPr lang="en-US" altLang="ko-KR" sz="1400" dirty="0" smtClean="0">
+            <a:pPr algn="ctr">
+              <a:lnSpc>
+                <a:spcPct val="150000"/>
+              </a:lnSpc>
+              <a:defRPr/>
+            </a:pPr>
+            <a:r>
+              <a:rPr lang="en-US" altLang="ko-KR" sz="3000" kern="1400">
                 <a:solidFill>
-                  <a:schemeClr val="tx1">
-                    <a:alpha val="71000"/>
-                  </a:schemeClr>
+                  <a:schemeClr val="tx1"/>
                 </a:solidFill>
-                <a:latin typeface="DX영화자막 M" panose="02020600000000000000" pitchFamily="18" charset="-127"/>
-                <a:ea typeface="DX영화자막 M" panose="02020600000000000000" pitchFamily="18" charset="-127"/>
+                <a:latin typeface="DX영화자막 M"/>
+                <a:ea typeface="DX영화자막 M"/>
               </a:rPr>
-              <a:t>SLOW THINKING</a:t>
-            </a:r>
-            <a:endParaRPr lang="ko-KR" altLang="en-US" sz="1400" dirty="0">
+              <a:t>‘1</a:t>
+            </a:r>
+            <a:r>
+              <a:rPr lang="ko-KR" altLang="en-US" sz="3000" kern="1400">
+                <a:solidFill>
+                  <a:schemeClr val="tx1"/>
+                </a:solidFill>
+                <a:latin typeface="DX영화자막 M"/>
+                <a:ea typeface="DX영화자막 M"/>
+              </a:rPr>
+              <a:t>분</a:t>
+            </a:r>
+            <a:r>
+              <a:rPr lang="en-US" altLang="ko-KR" sz="3000" kern="1400">
+                <a:solidFill>
+                  <a:schemeClr val="tx1"/>
+                </a:solidFill>
+                <a:latin typeface="DX영화자막 M"/>
+                <a:ea typeface="DX영화자막 M"/>
+              </a:rPr>
+              <a:t>’</a:t>
+            </a:r>
+            <a:r>
+              <a:rPr lang="ko-KR" altLang="en-US" sz="3000" kern="1400">
+                <a:solidFill>
+                  <a:schemeClr val="tx1"/>
+                </a:solidFill>
+                <a:latin typeface="DX영화자막 M"/>
+                <a:ea typeface="DX영화자막 M"/>
+              </a:rPr>
+              <a:t> 밖에 생각할 줄 모르면</a:t>
+            </a:r>
+            <a:endParaRPr lang="ko-KR" altLang="en-US" sz="3000" kern="1400">
               <a:solidFill>
-                <a:schemeClr val="tx1">
-                  <a:alpha val="71000"/>
-                </a:schemeClr>
+                <a:schemeClr val="tx1"/>
               </a:solidFill>
-              <a:latin typeface="DX영화자막 M" panose="02020600000000000000" pitchFamily="18" charset="-127"/>
-              <a:ea typeface="DX영화자막 M" panose="02020600000000000000" pitchFamily="18" charset="-127"/>
+              <a:latin typeface="DX영화자막 M"/>
             </a:endParaRPr>
           </a:p>
+          <a:p>
+            <a:pPr algn="ctr">
+              <a:lnSpc>
+                <a:spcPct val="150000"/>
+              </a:lnSpc>
+              <a:defRPr/>
+            </a:pPr>
+            <a:r>
+              <a:rPr lang="en-US" altLang="ko-KR" sz="3000" kern="1400">
+                <a:solidFill>
+                  <a:schemeClr val="tx1"/>
+                </a:solidFill>
+                <a:latin typeface="DX영화자막 M"/>
+                <a:ea typeface="DX영화자막 M"/>
+              </a:rPr>
+              <a:t>‘1</a:t>
+            </a:r>
+            <a:r>
+              <a:rPr lang="ko-KR" altLang="en-US" sz="3000" kern="1400">
+                <a:solidFill>
+                  <a:schemeClr val="tx1"/>
+                </a:solidFill>
+                <a:latin typeface="DX영화자막 M"/>
+                <a:ea typeface="DX영화자막 M"/>
+              </a:rPr>
+              <a:t>분</a:t>
+            </a:r>
+            <a:r>
+              <a:rPr lang="en-US" altLang="ko-KR" sz="3000" kern="1400">
+                <a:solidFill>
+                  <a:schemeClr val="tx1"/>
+                </a:solidFill>
+                <a:latin typeface="DX영화자막 M"/>
+                <a:ea typeface="DX영화자막 M"/>
+              </a:rPr>
+              <a:t>’</a:t>
+            </a:r>
+            <a:r>
+              <a:rPr lang="ko-KR" altLang="en-US" sz="3000" kern="1400">
+                <a:solidFill>
+                  <a:schemeClr val="tx1"/>
+                </a:solidFill>
+                <a:latin typeface="DX영화자막 M"/>
+                <a:ea typeface="DX영화자막 M"/>
+              </a:rPr>
+              <a:t> 걸려 해결할 문제밖에 못푼다</a:t>
+            </a:r>
+            <a:r>
+              <a:rPr lang="en-US" altLang="ko-KR" sz="3000" kern="1400">
+                <a:solidFill>
+                  <a:schemeClr val="tx1"/>
+                </a:solidFill>
+                <a:latin typeface="DX영화자막 M"/>
+                <a:ea typeface="DX영화자막 M"/>
+              </a:rPr>
+              <a:t>.</a:t>
+            </a:r>
+            <a:endParaRPr lang="en-US" altLang="ko-KR" sz="3000" kern="1400">
+              <a:solidFill>
+                <a:schemeClr val="tx1"/>
+              </a:solidFill>
+              <a:latin typeface="DX영화자막 M"/>
+            </a:endParaRPr>
+          </a:p>
         </p:txBody>
       </p:sp>
     </p:spTree>
-    <p:extLst>
-      <p:ext uri="{BB962C8B-B14F-4D97-AF65-F5344CB8AC3E}">
-        <p14:creationId xmlns:p14="http://schemas.microsoft.com/office/powerpoint/2010/main" val="3114210003"/>
-      </p:ext>
-    </p:extLst>
   </p:cSld>
   <p:clrMapOvr>
     <a:masterClrMapping/>
   </p:clrMapOvr>
+  <mc:AlternateContent xmlns:mc="http://schemas.openxmlformats.org/markup-compatibility/2006">
+    <mc:Choice xmlns:p14="http://schemas.microsoft.com/office/powerpoint/2010/main" Requires="p14">
+      <p:transition xmlns:mc="http://schemas.openxmlformats.org/markup-compatibility/2006" xmlns:p14="http://schemas.microsoft.com/office/powerpoint/2010/main" mc:Ignorable="p14" p14:dur="500"/>
+    </mc:Choice>
+    <mc:Fallback>
+      <p:transition/>
+    </mc:Fallback>
+  </mc:AlternateContent>
 </p:sld>
 </file>
 
 <file path=ppt/slides/slide2.xml><?xml version="1.0" encoding="utf-8"?>
-<p:sld xmlns:a="http://schemas.openxmlformats.org/drawingml/2006/main" xmlns:r="http://schemas.openxmlformats.org/officeDocument/2006/relationships" xmlns:p="http://schemas.openxmlformats.org/presentationml/2006/main">
+<p:sld xmlns:r="http://schemas.openxmlformats.org/officeDocument/2006/relationships" xmlns:c="http://schemas.openxmlformats.org/drawingml/2006/chart" xmlns:a="http://schemas.openxmlformats.org/drawingml/2006/main" xmlns:dgm="http://schemas.openxmlformats.org/drawingml/2006/diagram" xmlns:dsp="http://schemas.microsoft.com/office/drawing/2008/diagram" xmlns:p="http://schemas.openxmlformats.org/presentationml/2006/main">
   <p:cSld>
     <p:bg>
-      <p:bgPr>
+      <p:bgPr shadeToTitle="0">
         <a:blipFill dpi="0" rotWithShape="1">
           <a:blip r:embed="rId2">
             <a:lum/>
@@ -3597,7 +4052,6 @@
             <a:fillRect t="-17000" b="-17000"/>
           </a:stretch>
         </a:blipFill>
-        <a:effectLst/>
       </p:bgPr>
     </p:bg>
     <p:spTree>
@@ -3622,14 +4076,8 @@
           </p:cNvPicPr>
           <p:nvPr/>
         </p:nvPicPr>
-        <p:blipFill>
-          <a:blip r:embed="rId3">
-            <a:extLst>
-              <a:ext uri="{28A0092B-C50C-407E-A947-70E740481C1C}">
-                <a14:useLocalDpi xmlns:a14="http://schemas.microsoft.com/office/drawing/2010/main" val="0"/>
-              </a:ext>
-            </a:extLst>
-          </a:blip>
+        <p:blipFill rotWithShape="1">
+          <a:blip r:embed="rId3"/>
           <a:stretch>
             <a:fillRect/>
           </a:stretch>
@@ -3646,20 +4094,14 @@
       </p:pic>
       <p:sp>
         <p:nvSpPr>
-          <p:cNvPr id="59" name="TextBox 58">
-            <a:extLst>
-              <a:ext uri="{FF2B5EF4-FFF2-40B4-BE49-F238E27FC236}">
-                <a16:creationId xmlns:a16="http://schemas.microsoft.com/office/drawing/2014/main" id="{2289AA0A-AC74-492F-A699-06BB4D764434}"/>
-              </a:ext>
-            </a:extLst>
-          </p:cNvPr>
+          <p:cNvPr id="59" name="TextBox 58"/>
           <p:cNvSpPr txBox="1"/>
           <p:nvPr/>
         </p:nvSpPr>
         <p:spPr>
           <a:xfrm>
             <a:off x="5559292" y="810061"/>
-            <a:ext cx="495284" cy="461665"/>
+            <a:ext cx="495284" cy="445334"/>
           </a:xfrm>
           <a:prstGeom prst="rect">
             <a:avLst/>
@@ -3670,42 +4112,48 @@
           </a:ln>
         </p:spPr>
         <p:txBody>
-          <a:bodyPr wrap="square" rtlCol="0">
+          <a:bodyPr wrap="square">
             <a:spAutoFit/>
           </a:bodyPr>
           <a:lstStyle/>
           <a:p>
-            <a:r>
-              <a:rPr lang="ko-KR" altLang="en-US" sz="2400" dirty="0">
+            <a:pPr lvl="0">
+              <a:defRPr/>
+            </a:pPr>
+            <a:r>
+              <a:rPr lang="ko-KR" altLang="en-US" sz="2400">
                 <a:solidFill>
                   <a:schemeClr val="tx1">
                     <a:alpha val="71000"/>
                   </a:schemeClr>
                 </a:solidFill>
-                <a:latin typeface="DX영화자막 M" panose="02020600000000000000" pitchFamily="18" charset="-127"/>
-                <a:ea typeface="DX영화자막 M" panose="02020600000000000000" pitchFamily="18" charset="-127"/>
+                <a:latin typeface="DX영화자막 M"/>
+                <a:ea typeface="DX영화자막 M"/>
               </a:rPr>
               <a:t>목</a:t>
             </a:r>
-          </a:p>
-        </p:txBody>
-      </p:sp>
-      <p:sp>
-        <p:nvSpPr>
-          <p:cNvPr id="60" name="TextBox 59">
-            <a:extLst>
-              <a:ext uri="{FF2B5EF4-FFF2-40B4-BE49-F238E27FC236}">
-                <a16:creationId xmlns:a16="http://schemas.microsoft.com/office/drawing/2014/main" id="{8B6B7DF6-ED14-4205-9CA4-EC405A122E0E}"/>
-              </a:ext>
-            </a:extLst>
-          </p:cNvPr>
+            <a:endParaRPr lang="ko-KR" altLang="en-US" sz="2400">
+              <a:solidFill>
+                <a:schemeClr val="tx1">
+                  <a:alpha val="71000"/>
+                </a:schemeClr>
+              </a:solidFill>
+              <a:latin typeface="DX영화자막 M"/>
+              <a:ea typeface="DX영화자막 M"/>
+            </a:endParaRPr>
+          </a:p>
+        </p:txBody>
+      </p:sp>
+      <p:sp>
+        <p:nvSpPr>
+          <p:cNvPr id="60" name="TextBox 59"/>
           <p:cNvSpPr txBox="1"/>
           <p:nvPr/>
         </p:nvSpPr>
         <p:spPr>
           <a:xfrm>
             <a:off x="6054576" y="810061"/>
-            <a:ext cx="495284" cy="461665"/>
+            <a:ext cx="495284" cy="445334"/>
           </a:xfrm>
           <a:prstGeom prst="rect">
             <a:avLst/>
@@ -3716,35 +4164,41 @@
           </a:ln>
         </p:spPr>
         <p:txBody>
-          <a:bodyPr wrap="square" rtlCol="0">
+          <a:bodyPr wrap="square">
             <a:spAutoFit/>
           </a:bodyPr>
           <a:lstStyle/>
           <a:p>
-            <a:r>
-              <a:rPr lang="ko-KR" altLang="en-US" sz="2400" dirty="0">
+            <a:pPr lvl="0">
+              <a:defRPr/>
+            </a:pPr>
+            <a:r>
+              <a:rPr lang="ko-KR" altLang="en-US" sz="2400">
                 <a:solidFill>
                   <a:schemeClr val="tx1">
                     <a:alpha val="71000"/>
                   </a:schemeClr>
                 </a:solidFill>
-                <a:latin typeface="DX영화자막 M" panose="02020600000000000000" pitchFamily="18" charset="-127"/>
-                <a:ea typeface="DX영화자막 M" panose="02020600000000000000" pitchFamily="18" charset="-127"/>
+                <a:latin typeface="DX영화자막 M"/>
+                <a:ea typeface="DX영화자막 M"/>
               </a:rPr>
               <a:t>차</a:t>
             </a:r>
-          </a:p>
-        </p:txBody>
-      </p:sp>
-      <p:sp>
-        <p:nvSpPr>
-          <p:cNvPr id="2" name="TextBox 1">
-            <a:extLst>
-              <a:ext uri="{FF2B5EF4-FFF2-40B4-BE49-F238E27FC236}">
-                <a16:creationId xmlns:a16="http://schemas.microsoft.com/office/drawing/2014/main" id="{FFDEBCB5-6CD5-4474-B5D5-364D27C68346}"/>
-              </a:ext>
-            </a:extLst>
-          </p:cNvPr>
+            <a:endParaRPr lang="ko-KR" altLang="en-US" sz="2400">
+              <a:solidFill>
+                <a:schemeClr val="tx1">
+                  <a:alpha val="71000"/>
+                </a:schemeClr>
+              </a:solidFill>
+              <a:latin typeface="DX영화자막 M"/>
+              <a:ea typeface="DX영화자막 M"/>
+            </a:endParaRPr>
+          </a:p>
+        </p:txBody>
+      </p:sp>
+      <p:sp>
+        <p:nvSpPr>
+          <p:cNvPr id="2" name="TextBox 1"/>
           <p:cNvSpPr txBox="1"/>
           <p:nvPr/>
         </p:nvSpPr>
@@ -3759,41 +4213,37 @@
           <a:noFill/>
         </p:spPr>
         <p:txBody>
-          <a:bodyPr wrap="square" rtlCol="0">
+          <a:bodyPr wrap="square">
             <a:spAutoFit/>
           </a:bodyPr>
           <a:lstStyle/>
           <a:p>
-            <a:pPr algn="ctr"/>
-            <a:r>
-              <a:rPr lang="en-US" altLang="ko-KR" b="1" dirty="0">
+            <a:pPr algn="ctr">
+              <a:defRPr/>
+            </a:pPr>
+            <a:r>
+              <a:rPr lang="en-US" altLang="ko-KR" b="1">
                 <a:solidFill>
-                  <a:srgbClr val="AC9D8E"/>
+                  <a:srgbClr val="ac9d8e"/>
                 </a:solidFill>
-                <a:latin typeface="DX영화자막 M" panose="02020600000000000000" pitchFamily="18" charset="-127"/>
-                <a:ea typeface="DX영화자막 M" panose="02020600000000000000" pitchFamily="18" charset="-127"/>
+                <a:latin typeface="DX영화자막 M"/>
+                <a:ea typeface="DX영화자막 M"/>
               </a:rPr>
               <a:t>01</a:t>
             </a:r>
-            <a:endParaRPr lang="ko-KR" altLang="en-US" b="1" dirty="0">
+            <a:endParaRPr lang="ko-KR" altLang="en-US" b="1">
               <a:solidFill>
-                <a:srgbClr val="AC9D8E"/>
+                <a:srgbClr val="ac9d8e"/>
               </a:solidFill>
-              <a:latin typeface="DX영화자막 M" panose="02020600000000000000" pitchFamily="18" charset="-127"/>
-              <a:ea typeface="DX영화자막 M" panose="02020600000000000000" pitchFamily="18" charset="-127"/>
+              <a:latin typeface="DX영화자막 M"/>
+              <a:ea typeface="DX영화자막 M"/>
             </a:endParaRPr>
           </a:p>
         </p:txBody>
       </p:sp>
       <p:sp>
         <p:nvSpPr>
-          <p:cNvPr id="62" name="TextBox 61">
-            <a:extLst>
-              <a:ext uri="{FF2B5EF4-FFF2-40B4-BE49-F238E27FC236}">
-                <a16:creationId xmlns:a16="http://schemas.microsoft.com/office/drawing/2014/main" id="{AAE9A407-AF2C-4D1A-A768-6F8C935E246A}"/>
-              </a:ext>
-            </a:extLst>
-          </p:cNvPr>
+          <p:cNvPr id="62" name="TextBox 61"/>
           <p:cNvSpPr txBox="1"/>
           <p:nvPr/>
         </p:nvSpPr>
@@ -3808,60 +4258,51 @@
           <a:noFill/>
         </p:spPr>
         <p:txBody>
-          <a:bodyPr wrap="square" rtlCol="0">
+          <a:bodyPr wrap="square">
             <a:spAutoFit/>
           </a:bodyPr>
           <a:lstStyle/>
           <a:p>
-            <a:pPr algn="ctr"/>
-            <a:r>
-              <a:rPr lang="en-US" altLang="ko-KR" b="1" dirty="0">
+            <a:pPr algn="ctr">
+              <a:defRPr/>
+            </a:pPr>
+            <a:r>
+              <a:rPr lang="en-US" altLang="ko-KR" b="1">
                 <a:solidFill>
-                  <a:srgbClr val="AC9D8E"/>
+                  <a:srgbClr val="ac9d8e"/>
                 </a:solidFill>
-                <a:latin typeface="DX영화자막 M" panose="02020600000000000000" pitchFamily="18" charset="-127"/>
-                <a:ea typeface="DX영화자막 M" panose="02020600000000000000" pitchFamily="18" charset="-127"/>
+                <a:latin typeface="DX영화자막 M"/>
+                <a:ea typeface="DX영화자막 M"/>
               </a:rPr>
               <a:t>02</a:t>
             </a:r>
-            <a:endParaRPr lang="ko-KR" altLang="en-US" b="1" dirty="0">
+            <a:endParaRPr lang="ko-KR" altLang="en-US" b="1">
               <a:solidFill>
-                <a:srgbClr val="AC9D8E"/>
+                <a:srgbClr val="ac9d8e"/>
               </a:solidFill>
-              <a:latin typeface="DX영화자막 M" panose="02020600000000000000" pitchFamily="18" charset="-127"/>
-              <a:ea typeface="DX영화자막 M" panose="02020600000000000000" pitchFamily="18" charset="-127"/>
+              <a:latin typeface="DX영화자막 M"/>
+              <a:ea typeface="DX영화자막 M"/>
             </a:endParaRPr>
           </a:p>
         </p:txBody>
       </p:sp>
       <p:pic>
         <p:nvPicPr>
-          <p:cNvPr id="4" name="그림 3">
-            <a:extLst>
-              <a:ext uri="{FF2B5EF4-FFF2-40B4-BE49-F238E27FC236}">
-                <a16:creationId xmlns:a16="http://schemas.microsoft.com/office/drawing/2014/main" id="{CA6FB3B0-04C5-4705-990F-F3339D2A387E}"/>
-              </a:ext>
-            </a:extLst>
-          </p:cNvPr>
+          <p:cNvPr id="4" name="그림 3"/>
           <p:cNvPicPr>
             <a:picLocks noChangeAspect="1"/>
           </p:cNvPicPr>
           <p:nvPr/>
         </p:nvPicPr>
-        <p:blipFill>
+        <p:blipFill rotWithShape="1">
           <a:blip r:embed="rId4">
             <a:duotone>
               <a:prstClr val="black"/>
-              <a:srgbClr val="AC9D8E">
+              <a:srgbClr val="ac9d8e">
                 <a:tint val="45000"/>
                 <a:satMod val="400000"/>
               </a:srgbClr>
             </a:duotone>
-            <a:extLst>
-              <a:ext uri="{28A0092B-C50C-407E-A947-70E740481C1C}">
-                <a14:useLocalDpi xmlns:a14="http://schemas.microsoft.com/office/drawing/2010/main" val="0"/>
-              </a:ext>
-            </a:extLst>
           </a:blip>
           <a:stretch>
             <a:fillRect/>
@@ -3879,32 +4320,21 @@
       </p:pic>
       <p:pic>
         <p:nvPicPr>
-          <p:cNvPr id="6" name="그림 5">
-            <a:extLst>
-              <a:ext uri="{FF2B5EF4-FFF2-40B4-BE49-F238E27FC236}">
-                <a16:creationId xmlns:a16="http://schemas.microsoft.com/office/drawing/2014/main" id="{0647C9BE-7BBE-4D38-BD86-F631C0D4106C}"/>
-              </a:ext>
-            </a:extLst>
-          </p:cNvPr>
+          <p:cNvPr id="6" name="그림 5"/>
           <p:cNvPicPr>
             <a:picLocks noChangeAspect="1"/>
           </p:cNvPicPr>
           <p:nvPr/>
         </p:nvPicPr>
-        <p:blipFill>
+        <p:blipFill rotWithShape="1">
           <a:blip r:embed="rId5">
             <a:duotone>
               <a:prstClr val="black"/>
-              <a:srgbClr val="AC9D8E">
+              <a:srgbClr val="ac9d8e">
                 <a:tint val="45000"/>
                 <a:satMod val="400000"/>
               </a:srgbClr>
             </a:duotone>
-            <a:extLst>
-              <a:ext uri="{28A0092B-C50C-407E-A947-70E740481C1C}">
-                <a14:useLocalDpi xmlns:a14="http://schemas.microsoft.com/office/drawing/2010/main" val="0"/>
-              </a:ext>
-            </a:extLst>
           </a:blip>
           <a:stretch>
             <a:fillRect/>
@@ -3922,32 +4352,21 @@
       </p:pic>
       <p:pic>
         <p:nvPicPr>
-          <p:cNvPr id="8" name="그림 7">
-            <a:extLst>
-              <a:ext uri="{FF2B5EF4-FFF2-40B4-BE49-F238E27FC236}">
-                <a16:creationId xmlns:a16="http://schemas.microsoft.com/office/drawing/2014/main" id="{82CE849C-C170-4870-96FA-C4E583E48D0A}"/>
-              </a:ext>
-            </a:extLst>
-          </p:cNvPr>
+          <p:cNvPr id="8" name="그림 7"/>
           <p:cNvPicPr>
             <a:picLocks noChangeAspect="1"/>
           </p:cNvPicPr>
           <p:nvPr/>
         </p:nvPicPr>
-        <p:blipFill>
+        <p:blipFill rotWithShape="1">
           <a:blip r:embed="rId6">
             <a:duotone>
               <a:prstClr val="black"/>
-              <a:srgbClr val="AC9D8E">
+              <a:srgbClr val="ac9d8e">
                 <a:tint val="45000"/>
                 <a:satMod val="400000"/>
               </a:srgbClr>
             </a:duotone>
-            <a:extLst>
-              <a:ext uri="{28A0092B-C50C-407E-A947-70E740481C1C}">
-                <a14:useLocalDpi xmlns:a14="http://schemas.microsoft.com/office/drawing/2010/main" val="0"/>
-              </a:ext>
-            </a:extLst>
           </a:blip>
           <a:stretch>
             <a:fillRect/>
@@ -3965,32 +4384,21 @@
       </p:pic>
       <p:pic>
         <p:nvPicPr>
-          <p:cNvPr id="10" name="그림 9">
-            <a:extLst>
-              <a:ext uri="{FF2B5EF4-FFF2-40B4-BE49-F238E27FC236}">
-                <a16:creationId xmlns:a16="http://schemas.microsoft.com/office/drawing/2014/main" id="{11EA516A-3685-4AFB-80D7-C37F24C5F217}"/>
-              </a:ext>
-            </a:extLst>
-          </p:cNvPr>
+          <p:cNvPr id="10" name="그림 9"/>
           <p:cNvPicPr>
             <a:picLocks noChangeAspect="1"/>
           </p:cNvPicPr>
           <p:nvPr/>
         </p:nvPicPr>
-        <p:blipFill>
+        <p:blipFill rotWithShape="1">
           <a:blip r:embed="rId7">
             <a:duotone>
               <a:prstClr val="black"/>
-              <a:srgbClr val="AC9D8E">
+              <a:srgbClr val="ac9d8e">
                 <a:tint val="45000"/>
                 <a:satMod val="400000"/>
               </a:srgbClr>
             </a:duotone>
-            <a:extLst>
-              <a:ext uri="{28A0092B-C50C-407E-A947-70E740481C1C}">
-                <a14:useLocalDpi xmlns:a14="http://schemas.microsoft.com/office/drawing/2010/main" val="0"/>
-              </a:ext>
-            </a:extLst>
           </a:blip>
           <a:stretch>
             <a:fillRect/>
@@ -4008,13 +4416,7 @@
       </p:pic>
       <p:sp>
         <p:nvSpPr>
-          <p:cNvPr id="64" name="TextBox 63">
-            <a:extLst>
-              <a:ext uri="{FF2B5EF4-FFF2-40B4-BE49-F238E27FC236}">
-                <a16:creationId xmlns:a16="http://schemas.microsoft.com/office/drawing/2014/main" id="{0802FF7C-829C-4DF0-A198-35F39FB088A2}"/>
-              </a:ext>
-            </a:extLst>
-          </p:cNvPr>
+          <p:cNvPr id="64" name="TextBox 63"/>
           <p:cNvSpPr txBox="1"/>
           <p:nvPr/>
         </p:nvSpPr>
@@ -4029,41 +4431,37 @@
           <a:noFill/>
         </p:spPr>
         <p:txBody>
-          <a:bodyPr wrap="square" rtlCol="0">
+          <a:bodyPr wrap="square">
             <a:spAutoFit/>
           </a:bodyPr>
           <a:lstStyle/>
           <a:p>
-            <a:pPr algn="ctr"/>
-            <a:r>
-              <a:rPr lang="en-US" altLang="ko-KR" b="1" dirty="0">
+            <a:pPr algn="ctr">
+              <a:defRPr/>
+            </a:pPr>
+            <a:r>
+              <a:rPr lang="en-US" altLang="ko-KR" b="1">
                 <a:solidFill>
-                  <a:srgbClr val="AC9D8E"/>
+                  <a:srgbClr val="ac9d8e"/>
                 </a:solidFill>
-                <a:latin typeface="DX영화자막 M" panose="02020600000000000000" pitchFamily="18" charset="-127"/>
-                <a:ea typeface="DX영화자막 M" panose="02020600000000000000" pitchFamily="18" charset="-127"/>
+                <a:latin typeface="DX영화자막 M"/>
+                <a:ea typeface="DX영화자막 M"/>
               </a:rPr>
               <a:t>03</a:t>
             </a:r>
-            <a:endParaRPr lang="ko-KR" altLang="en-US" b="1" dirty="0">
+            <a:endParaRPr lang="ko-KR" altLang="en-US" b="1">
               <a:solidFill>
-                <a:srgbClr val="AC9D8E"/>
+                <a:srgbClr val="ac9d8e"/>
               </a:solidFill>
-              <a:latin typeface="DX영화자막 M" panose="02020600000000000000" pitchFamily="18" charset="-127"/>
-              <a:ea typeface="DX영화자막 M" panose="02020600000000000000" pitchFamily="18" charset="-127"/>
+              <a:latin typeface="DX영화자막 M"/>
+              <a:ea typeface="DX영화자막 M"/>
             </a:endParaRPr>
           </a:p>
         </p:txBody>
       </p:sp>
       <p:sp>
         <p:nvSpPr>
-          <p:cNvPr id="65" name="TextBox 64">
-            <a:extLst>
-              <a:ext uri="{FF2B5EF4-FFF2-40B4-BE49-F238E27FC236}">
-                <a16:creationId xmlns:a16="http://schemas.microsoft.com/office/drawing/2014/main" id="{3ED8D37F-2AC5-40B6-8BD1-7B3278982619}"/>
-              </a:ext>
-            </a:extLst>
-          </p:cNvPr>
+          <p:cNvPr id="65" name="TextBox 64"/>
           <p:cNvSpPr txBox="1"/>
           <p:nvPr/>
         </p:nvSpPr>
@@ -4078,41 +4476,37 @@
           <a:noFill/>
         </p:spPr>
         <p:txBody>
-          <a:bodyPr wrap="square" rtlCol="0">
+          <a:bodyPr wrap="square">
             <a:spAutoFit/>
           </a:bodyPr>
           <a:lstStyle/>
           <a:p>
-            <a:pPr algn="ctr"/>
-            <a:r>
-              <a:rPr lang="en-US" altLang="ko-KR" b="1" dirty="0" smtClean="0">
+            <a:pPr algn="ctr">
+              <a:defRPr/>
+            </a:pPr>
+            <a:r>
+              <a:rPr lang="en-US" altLang="ko-KR" b="1">
                 <a:solidFill>
-                  <a:srgbClr val="AC9D8E"/>
+                  <a:srgbClr val="ac9d8e"/>
                 </a:solidFill>
-                <a:latin typeface="DX영화자막 M" panose="02020600000000000000" pitchFamily="18" charset="-127"/>
-                <a:ea typeface="DX영화자막 M" panose="02020600000000000000" pitchFamily="18" charset="-127"/>
+                <a:latin typeface="DX영화자막 M"/>
+                <a:ea typeface="DX영화자막 M"/>
               </a:rPr>
               <a:t>06</a:t>
             </a:r>
-            <a:endParaRPr lang="ko-KR" altLang="en-US" b="1" dirty="0">
+            <a:endParaRPr lang="ko-KR" altLang="en-US" b="1">
               <a:solidFill>
-                <a:srgbClr val="AC9D8E"/>
+                <a:srgbClr val="ac9d8e"/>
               </a:solidFill>
-              <a:latin typeface="DX영화자막 M" panose="02020600000000000000" pitchFamily="18" charset="-127"/>
-              <a:ea typeface="DX영화자막 M" panose="02020600000000000000" pitchFamily="18" charset="-127"/>
+              <a:latin typeface="DX영화자막 M"/>
+              <a:ea typeface="DX영화자막 M"/>
             </a:endParaRPr>
           </a:p>
         </p:txBody>
       </p:sp>
       <p:sp>
         <p:nvSpPr>
-          <p:cNvPr id="11" name="TextBox 10">
-            <a:extLst>
-              <a:ext uri="{FF2B5EF4-FFF2-40B4-BE49-F238E27FC236}">
-                <a16:creationId xmlns:a16="http://schemas.microsoft.com/office/drawing/2014/main" id="{059B7711-A4FA-4D4E-AD18-71214967A868}"/>
-              </a:ext>
-            </a:extLst>
-          </p:cNvPr>
+          <p:cNvPr id="11" name="TextBox 10"/>
           <p:cNvSpPr txBox="1"/>
           <p:nvPr/>
         </p:nvSpPr>
@@ -4127,30 +4521,29 @@
           <a:noFill/>
         </p:spPr>
         <p:txBody>
-          <a:bodyPr wrap="square" rtlCol="0">
+          <a:bodyPr wrap="square">
             <a:spAutoFit/>
           </a:bodyPr>
           <a:lstStyle/>
           <a:p>
-            <a:pPr algn="ctr"/>
-            <a:r>
-              <a:rPr lang="ko-KR" altLang="en-US" b="1" dirty="0">
-                <a:ea typeface="DX영화자막 M" panose="02020600000000000000" pitchFamily="18" charset="-127"/>
+            <a:pPr algn="ctr">
+              <a:defRPr/>
+            </a:pPr>
+            <a:r>
+              <a:rPr lang="ko-KR" altLang="en-US" b="1">
+                <a:ea typeface="DX영화자막 M"/>
               </a:rPr>
               <a:t>작가 소개</a:t>
             </a:r>
-          </a:p>
-        </p:txBody>
-      </p:sp>
-      <p:sp>
-        <p:nvSpPr>
-          <p:cNvPr id="66" name="TextBox 65">
-            <a:extLst>
-              <a:ext uri="{FF2B5EF4-FFF2-40B4-BE49-F238E27FC236}">
-                <a16:creationId xmlns:a16="http://schemas.microsoft.com/office/drawing/2014/main" id="{8D851BD7-6257-4413-8413-425B06D322F9}"/>
-              </a:ext>
-            </a:extLst>
-          </p:cNvPr>
+            <a:endParaRPr lang="ko-KR" altLang="en-US" b="1">
+              <a:ea typeface="DX영화자막 M"/>
+            </a:endParaRPr>
+          </a:p>
+        </p:txBody>
+      </p:sp>
+      <p:sp>
+        <p:nvSpPr>
+          <p:cNvPr id="66" name="TextBox 65"/>
           <p:cNvSpPr txBox="1"/>
           <p:nvPr/>
         </p:nvSpPr>
@@ -4165,56 +4558,45 @@
           <a:noFill/>
         </p:spPr>
         <p:txBody>
-          <a:bodyPr wrap="square" rtlCol="0">
+          <a:bodyPr wrap="square">
             <a:spAutoFit/>
           </a:bodyPr>
           <a:lstStyle/>
           <a:p>
-            <a:pPr algn="ctr"/>
-            <a:r>
-              <a:rPr lang="ko-KR" altLang="en-US" b="1" dirty="0">
-                <a:latin typeface="DX영화자막 M" panose="02020600000000000000" pitchFamily="18" charset="-127"/>
-                <a:ea typeface="DX영화자막 M" panose="02020600000000000000" pitchFamily="18" charset="-127"/>
+            <a:pPr algn="ctr">
+              <a:defRPr/>
+            </a:pPr>
+            <a:r>
+              <a:rPr lang="ko-KR" altLang="en-US" b="1">
+                <a:latin typeface="DX영화자막 M"/>
+                <a:ea typeface="DX영화자막 M"/>
               </a:rPr>
-              <a:t>책 </a:t>
-            </a:r>
-            <a:r>
-              <a:rPr lang="ko-KR" altLang="en-US" b="1" dirty="0" smtClean="0">
-                <a:latin typeface="DX영화자막 M" panose="02020600000000000000" pitchFamily="18" charset="-127"/>
-                <a:ea typeface="DX영화자막 M" panose="02020600000000000000" pitchFamily="18" charset="-127"/>
-              </a:rPr>
-              <a:t>소개 </a:t>
-            </a:r>
-            <a:r>
-              <a:rPr lang="en-US" altLang="ko-KR" b="1" dirty="0" smtClean="0">
-                <a:latin typeface="DX영화자막 M" panose="02020600000000000000" pitchFamily="18" charset="-127"/>
-                <a:ea typeface="DX영화자막 M" panose="02020600000000000000" pitchFamily="18" charset="-127"/>
+              <a:t>책 소개 </a:t>
+            </a:r>
+            <a:r>
+              <a:rPr lang="en-US" altLang="ko-KR" b="1">
+                <a:latin typeface="DX영화자막 M"/>
+                <a:ea typeface="DX영화자막 M"/>
               </a:rPr>
               <a:t>&amp; </a:t>
             </a:r>
             <a:r>
-              <a:rPr lang="ko-KR" altLang="en-US" b="1" dirty="0" smtClean="0">
-                <a:latin typeface="DX영화자막 M" panose="02020600000000000000" pitchFamily="18" charset="-127"/>
-                <a:ea typeface="DX영화자막 M" panose="02020600000000000000" pitchFamily="18" charset="-127"/>
+              <a:rPr lang="ko-KR" altLang="en-US" b="1">
+                <a:latin typeface="DX영화자막 M"/>
+                <a:ea typeface="DX영화자막 M"/>
               </a:rPr>
               <a:t>출처</a:t>
             </a:r>
-            <a:endParaRPr lang="ko-KR" altLang="en-US" b="1" dirty="0">
-              <a:latin typeface="DX영화자막 M" panose="02020600000000000000" pitchFamily="18" charset="-127"/>
-              <a:ea typeface="DX영화자막 M" panose="02020600000000000000" pitchFamily="18" charset="-127"/>
+            <a:endParaRPr lang="ko-KR" altLang="en-US" b="1">
+              <a:latin typeface="DX영화자막 M"/>
+              <a:ea typeface="DX영화자막 M"/>
             </a:endParaRPr>
           </a:p>
         </p:txBody>
       </p:sp>
       <p:sp>
         <p:nvSpPr>
-          <p:cNvPr id="67" name="TextBox 66">
-            <a:extLst>
-              <a:ext uri="{FF2B5EF4-FFF2-40B4-BE49-F238E27FC236}">
-                <a16:creationId xmlns:a16="http://schemas.microsoft.com/office/drawing/2014/main" id="{76EE5115-E2ED-43CD-BB72-C7AA0409E12E}"/>
-              </a:ext>
-            </a:extLst>
-          </p:cNvPr>
+          <p:cNvPr id="67" name="TextBox 66"/>
           <p:cNvSpPr txBox="1"/>
           <p:nvPr/>
         </p:nvSpPr>
@@ -4229,35 +4611,31 @@
           <a:noFill/>
         </p:spPr>
         <p:txBody>
-          <a:bodyPr wrap="square" rtlCol="0">
+          <a:bodyPr wrap="square">
             <a:spAutoFit/>
           </a:bodyPr>
           <a:lstStyle/>
           <a:p>
-            <a:pPr algn="ctr"/>
-            <a:r>
-              <a:rPr lang="ko-KR" altLang="en-US" b="1" dirty="0" smtClean="0">
-                <a:latin typeface="DX영화자막 M" panose="02020600000000000000" pitchFamily="18" charset="-127"/>
-                <a:ea typeface="DX영화자막 M" panose="02020600000000000000" pitchFamily="18" charset="-127"/>
+            <a:pPr algn="ctr">
+              <a:defRPr/>
+            </a:pPr>
+            <a:r>
+              <a:rPr lang="ko-KR" altLang="en-US" b="1">
+                <a:latin typeface="DX영화자막 M"/>
+                <a:ea typeface="DX영화자막 M"/>
               </a:rPr>
               <a:t>주 제</a:t>
             </a:r>
-            <a:endParaRPr lang="ko-KR" altLang="en-US" b="1" dirty="0">
-              <a:latin typeface="DX영화자막 M" panose="02020600000000000000" pitchFamily="18" charset="-127"/>
-              <a:ea typeface="DX영화자막 M" panose="02020600000000000000" pitchFamily="18" charset="-127"/>
+            <a:endParaRPr lang="ko-KR" altLang="en-US" b="1">
+              <a:latin typeface="DX영화자막 M"/>
+              <a:ea typeface="DX영화자막 M"/>
             </a:endParaRPr>
           </a:p>
         </p:txBody>
       </p:sp>
       <p:sp>
         <p:nvSpPr>
-          <p:cNvPr id="68" name="TextBox 67">
-            <a:extLst>
-              <a:ext uri="{FF2B5EF4-FFF2-40B4-BE49-F238E27FC236}">
-                <a16:creationId xmlns:a16="http://schemas.microsoft.com/office/drawing/2014/main" id="{5A5AD942-7BDD-415B-BCC7-E86EBB8C7426}"/>
-              </a:ext>
-            </a:extLst>
-          </p:cNvPr>
+          <p:cNvPr id="68" name="TextBox 67"/>
           <p:cNvSpPr txBox="1"/>
           <p:nvPr/>
         </p:nvSpPr>
@@ -4272,22 +4650,24 @@
           <a:noFill/>
         </p:spPr>
         <p:txBody>
-          <a:bodyPr wrap="square" rtlCol="0">
+          <a:bodyPr wrap="square">
             <a:spAutoFit/>
           </a:bodyPr>
           <a:lstStyle/>
           <a:p>
-            <a:pPr algn="ctr"/>
-            <a:r>
-              <a:rPr lang="ko-KR" altLang="en-US" b="1" dirty="0" smtClean="0">
-                <a:latin typeface="DX영화자막 M" panose="02020600000000000000" pitchFamily="18" charset="-127"/>
-                <a:ea typeface="DX영화자막 M" panose="02020600000000000000" pitchFamily="18" charset="-127"/>
+            <a:pPr algn="ctr">
+              <a:defRPr/>
+            </a:pPr>
+            <a:r>
+              <a:rPr lang="ko-KR" altLang="en-US" b="1">
+                <a:latin typeface="DX영화자막 M"/>
+                <a:ea typeface="DX영화자막 M"/>
               </a:rPr>
               <a:t>후 기</a:t>
             </a:r>
-            <a:endParaRPr lang="ko-KR" altLang="en-US" b="1" dirty="0">
-              <a:latin typeface="DX영화자막 M" panose="02020600000000000000" pitchFamily="18" charset="-127"/>
-              <a:ea typeface="DX영화자막 M" panose="02020600000000000000" pitchFamily="18" charset="-127"/>
+            <a:endParaRPr lang="ko-KR" altLang="en-US" b="1">
+              <a:latin typeface="DX영화자막 M"/>
+              <a:ea typeface="DX영화자막 M"/>
             </a:endParaRPr>
           </a:p>
         </p:txBody>
@@ -4300,14 +4680,8 @@
           </p:cNvPicPr>
           <p:nvPr/>
         </p:nvPicPr>
-        <p:blipFill>
-          <a:blip r:embed="rId8">
-            <a:extLst>
-              <a:ext uri="{28A0092B-C50C-407E-A947-70E740481C1C}">
-                <a14:useLocalDpi xmlns:a14="http://schemas.microsoft.com/office/drawing/2010/main" val="0"/>
-              </a:ext>
-            </a:extLst>
-          </a:blip>
+        <p:blipFill rotWithShape="1">
+          <a:blip r:embed="rId8"/>
           <a:stretch>
             <a:fillRect/>
           </a:stretch>
@@ -4324,13 +4698,7 @@
       </p:pic>
       <p:sp>
         <p:nvSpPr>
-          <p:cNvPr id="25" name="TextBox 24">
-            <a:extLst>
-              <a:ext uri="{FF2B5EF4-FFF2-40B4-BE49-F238E27FC236}">
-                <a16:creationId xmlns:a16="http://schemas.microsoft.com/office/drawing/2014/main" id="{76EE5115-E2ED-43CD-BB72-C7AA0409E12E}"/>
-              </a:ext>
-            </a:extLst>
-          </p:cNvPr>
+          <p:cNvPr id="25" name="TextBox 24"/>
           <p:cNvSpPr txBox="1"/>
           <p:nvPr/>
         </p:nvSpPr>
@@ -4345,35 +4713,31 @@
           <a:noFill/>
         </p:spPr>
         <p:txBody>
-          <a:bodyPr wrap="square" rtlCol="0">
+          <a:bodyPr wrap="square">
             <a:spAutoFit/>
           </a:bodyPr>
           <a:lstStyle/>
           <a:p>
-            <a:pPr algn="ctr"/>
-            <a:r>
-              <a:rPr lang="ko-KR" altLang="en-US" b="1" dirty="0" smtClean="0">
-                <a:latin typeface="DX영화자막 M" panose="02020600000000000000" pitchFamily="18" charset="-127"/>
-                <a:ea typeface="DX영화자막 M" panose="02020600000000000000" pitchFamily="18" charset="-127"/>
+            <a:pPr algn="ctr">
+              <a:defRPr/>
+            </a:pPr>
+            <a:r>
+              <a:rPr lang="ko-KR" altLang="en-US" b="1">
+                <a:latin typeface="DX영화자막 M"/>
+                <a:ea typeface="DX영화자막 M"/>
               </a:rPr>
               <a:t>사 례</a:t>
             </a:r>
-            <a:endParaRPr lang="ko-KR" altLang="en-US" b="1" dirty="0">
-              <a:latin typeface="DX영화자막 M" panose="02020600000000000000" pitchFamily="18" charset="-127"/>
-              <a:ea typeface="DX영화자막 M" panose="02020600000000000000" pitchFamily="18" charset="-127"/>
+            <a:endParaRPr lang="ko-KR" altLang="en-US" b="1">
+              <a:latin typeface="DX영화자막 M"/>
+              <a:ea typeface="DX영화자막 M"/>
             </a:endParaRPr>
           </a:p>
         </p:txBody>
       </p:sp>
       <p:sp>
         <p:nvSpPr>
-          <p:cNvPr id="26" name="TextBox 25">
-            <a:extLst>
-              <a:ext uri="{FF2B5EF4-FFF2-40B4-BE49-F238E27FC236}">
-                <a16:creationId xmlns:a16="http://schemas.microsoft.com/office/drawing/2014/main" id="{0802FF7C-829C-4DF0-A198-35F39FB088A2}"/>
-              </a:ext>
-            </a:extLst>
-          </p:cNvPr>
+          <p:cNvPr id="26" name="TextBox 25"/>
           <p:cNvSpPr txBox="1"/>
           <p:nvPr/>
         </p:nvSpPr>
@@ -4388,41 +4752,37 @@
           <a:noFill/>
         </p:spPr>
         <p:txBody>
-          <a:bodyPr wrap="square" rtlCol="0">
+          <a:bodyPr wrap="square">
             <a:spAutoFit/>
           </a:bodyPr>
           <a:lstStyle/>
           <a:p>
-            <a:pPr algn="ctr"/>
-            <a:r>
-              <a:rPr lang="en-US" altLang="ko-KR" b="1" dirty="0" smtClean="0">
+            <a:pPr algn="ctr">
+              <a:defRPr/>
+            </a:pPr>
+            <a:r>
+              <a:rPr lang="en-US" altLang="ko-KR" b="1">
                 <a:solidFill>
-                  <a:srgbClr val="AC9D8E"/>
+                  <a:srgbClr val="ac9d8e"/>
                 </a:solidFill>
-                <a:latin typeface="DX영화자막 M" panose="02020600000000000000" pitchFamily="18" charset="-127"/>
-                <a:ea typeface="DX영화자막 M" panose="02020600000000000000" pitchFamily="18" charset="-127"/>
+                <a:latin typeface="DX영화자막 M"/>
+                <a:ea typeface="DX영화자막 M"/>
               </a:rPr>
               <a:t>04</a:t>
             </a:r>
-            <a:endParaRPr lang="ko-KR" altLang="en-US" b="1" dirty="0">
+            <a:endParaRPr lang="ko-KR" altLang="en-US" b="1">
               <a:solidFill>
-                <a:srgbClr val="AC9D8E"/>
+                <a:srgbClr val="ac9d8e"/>
               </a:solidFill>
-              <a:latin typeface="DX영화자막 M" panose="02020600000000000000" pitchFamily="18" charset="-127"/>
-              <a:ea typeface="DX영화자막 M" panose="02020600000000000000" pitchFamily="18" charset="-127"/>
+              <a:latin typeface="DX영화자막 M"/>
+              <a:ea typeface="DX영화자막 M"/>
             </a:endParaRPr>
           </a:p>
         </p:txBody>
       </p:sp>
       <p:sp>
         <p:nvSpPr>
-          <p:cNvPr id="27" name="TextBox 26">
-            <a:extLst>
-              <a:ext uri="{FF2B5EF4-FFF2-40B4-BE49-F238E27FC236}">
-                <a16:creationId xmlns:a16="http://schemas.microsoft.com/office/drawing/2014/main" id="{0802FF7C-829C-4DF0-A198-35F39FB088A2}"/>
-              </a:ext>
-            </a:extLst>
-          </p:cNvPr>
+          <p:cNvPr id="27" name="TextBox 26"/>
           <p:cNvSpPr txBox="1"/>
           <p:nvPr/>
         </p:nvSpPr>
@@ -4437,41 +4797,37 @@
           <a:noFill/>
         </p:spPr>
         <p:txBody>
-          <a:bodyPr wrap="square" rtlCol="0">
+          <a:bodyPr wrap="square">
             <a:spAutoFit/>
           </a:bodyPr>
           <a:lstStyle/>
           <a:p>
-            <a:pPr algn="ctr"/>
-            <a:r>
-              <a:rPr lang="en-US" altLang="ko-KR" b="1" dirty="0" smtClean="0">
+            <a:pPr algn="ctr">
+              <a:defRPr/>
+            </a:pPr>
+            <a:r>
+              <a:rPr lang="en-US" altLang="ko-KR" b="1">
                 <a:solidFill>
-                  <a:srgbClr val="AC9D8E"/>
+                  <a:srgbClr val="ac9d8e"/>
                 </a:solidFill>
-                <a:latin typeface="DX영화자막 M" panose="02020600000000000000" pitchFamily="18" charset="-127"/>
-                <a:ea typeface="DX영화자막 M" panose="02020600000000000000" pitchFamily="18" charset="-127"/>
+                <a:latin typeface="DX영화자막 M"/>
+                <a:ea typeface="DX영화자막 M"/>
               </a:rPr>
               <a:t>05</a:t>
             </a:r>
-            <a:endParaRPr lang="ko-KR" altLang="en-US" b="1" dirty="0">
+            <a:endParaRPr lang="ko-KR" altLang="en-US" b="1">
               <a:solidFill>
-                <a:srgbClr val="AC9D8E"/>
+                <a:srgbClr val="ac9d8e"/>
               </a:solidFill>
-              <a:latin typeface="DX영화자막 M" panose="02020600000000000000" pitchFamily="18" charset="-127"/>
-              <a:ea typeface="DX영화자막 M" panose="02020600000000000000" pitchFamily="18" charset="-127"/>
+              <a:latin typeface="DX영화자막 M"/>
+              <a:ea typeface="DX영화자막 M"/>
             </a:endParaRPr>
           </a:p>
         </p:txBody>
       </p:sp>
       <p:sp>
         <p:nvSpPr>
-          <p:cNvPr id="29" name="TextBox 28">
-            <a:extLst>
-              <a:ext uri="{FF2B5EF4-FFF2-40B4-BE49-F238E27FC236}">
-                <a16:creationId xmlns:a16="http://schemas.microsoft.com/office/drawing/2014/main" id="{5A5AD942-7BDD-415B-BCC7-E86EBB8C7426}"/>
-              </a:ext>
-            </a:extLst>
-          </p:cNvPr>
+          <p:cNvPr id="29" name="TextBox 28"/>
           <p:cNvSpPr txBox="1"/>
           <p:nvPr/>
         </p:nvSpPr>
@@ -4486,42 +4842,38 @@
           <a:noFill/>
         </p:spPr>
         <p:txBody>
-          <a:bodyPr wrap="square" rtlCol="0">
+          <a:bodyPr wrap="square">
             <a:spAutoFit/>
           </a:bodyPr>
           <a:lstStyle/>
           <a:p>
-            <a:pPr algn="ctr"/>
-            <a:r>
-              <a:rPr lang="ko-KR" altLang="en-US" b="1" dirty="0" smtClean="0">
-                <a:latin typeface="DX영화자막 M" panose="02020600000000000000" pitchFamily="18" charset="-127"/>
-                <a:ea typeface="DX영화자막 M" panose="02020600000000000000" pitchFamily="18" charset="-127"/>
+            <a:pPr algn="ctr">
+              <a:defRPr/>
+            </a:pPr>
+            <a:r>
+              <a:rPr lang="ko-KR" altLang="en-US" b="1">
+                <a:latin typeface="DX영화자막 M"/>
+                <a:ea typeface="DX영화자막 M"/>
               </a:rPr>
               <a:t>효 과</a:t>
             </a:r>
-            <a:endParaRPr lang="ko-KR" altLang="en-US" b="1" dirty="0">
-              <a:latin typeface="DX영화자막 M" panose="02020600000000000000" pitchFamily="18" charset="-127"/>
-              <a:ea typeface="DX영화자막 M" panose="02020600000000000000" pitchFamily="18" charset="-127"/>
+            <a:endParaRPr lang="ko-KR" altLang="en-US" b="1">
+              <a:latin typeface="DX영화자막 M"/>
+              <a:ea typeface="DX영화자막 M"/>
             </a:endParaRPr>
           </a:p>
         </p:txBody>
       </p:sp>
       <p:sp>
         <p:nvSpPr>
-          <p:cNvPr id="30" name="TextBox 29">
-            <a:extLst>
-              <a:ext uri="{FF2B5EF4-FFF2-40B4-BE49-F238E27FC236}">
-                <a16:creationId xmlns:a16="http://schemas.microsoft.com/office/drawing/2014/main" id="{FC951402-AD1C-4766-816D-91425216020D}"/>
-              </a:ext>
-            </a:extLst>
-          </p:cNvPr>
+          <p:cNvPr id="30" name="TextBox 29"/>
           <p:cNvSpPr txBox="1"/>
           <p:nvPr/>
         </p:nvSpPr>
         <p:spPr>
           <a:xfrm flipH="1">
             <a:off x="5041092" y="342101"/>
-            <a:ext cx="2123658" cy="307777"/>
+            <a:ext cx="2123658" cy="294169"/>
           </a:xfrm>
           <a:prstGeom prst="rect">
             <a:avLst/>
@@ -4529,46 +4881,51 @@
           <a:noFill/>
         </p:spPr>
         <p:txBody>
-          <a:bodyPr vert="horz" wrap="square" rtlCol="0">
+          <a:bodyPr vert="horz" wrap="square">
             <a:spAutoFit/>
           </a:bodyPr>
           <a:lstStyle/>
           <a:p>
-            <a:pPr algn="dist"/>
-            <a:r>
-              <a:rPr lang="en-US" altLang="ko-KR" sz="1400" dirty="0" smtClean="0">
+            <a:pPr algn="dist">
+              <a:defRPr/>
+            </a:pPr>
+            <a:r>
+              <a:rPr lang="en-US" altLang="ko-KR" sz="1400">
                 <a:solidFill>
                   <a:schemeClr val="tx1">
                     <a:alpha val="71000"/>
                   </a:schemeClr>
                 </a:solidFill>
-                <a:latin typeface="DX영화자막 M" panose="02020600000000000000" pitchFamily="18" charset="-127"/>
-                <a:ea typeface="DX영화자막 M" panose="02020600000000000000" pitchFamily="18" charset="-127"/>
+                <a:latin typeface="DX영화자막 M"/>
+                <a:ea typeface="DX영화자막 M"/>
               </a:rPr>
               <a:t>SLOW THINKING</a:t>
             </a:r>
-            <a:endParaRPr lang="ko-KR" altLang="en-US" sz="1400" dirty="0">
+            <a:endParaRPr lang="ko-KR" altLang="en-US" sz="1400">
               <a:solidFill>
                 <a:schemeClr val="tx1">
                   <a:alpha val="71000"/>
                 </a:schemeClr>
               </a:solidFill>
-              <a:latin typeface="DX영화자막 M" panose="02020600000000000000" pitchFamily="18" charset="-127"/>
-              <a:ea typeface="DX영화자막 M" panose="02020600000000000000" pitchFamily="18" charset="-127"/>
+              <a:latin typeface="DX영화자막 M"/>
+              <a:ea typeface="DX영화자막 M"/>
             </a:endParaRPr>
           </a:p>
         </p:txBody>
       </p:sp>
     </p:spTree>
-    <p:extLst>
-      <p:ext uri="{BB962C8B-B14F-4D97-AF65-F5344CB8AC3E}">
-        <p14:creationId xmlns:p14="http://schemas.microsoft.com/office/powerpoint/2010/main" val="355617857"/>
-      </p:ext>
-    </p:extLst>
   </p:cSld>
   <p:clrMapOvr>
     <a:masterClrMapping/>
   </p:clrMapOvr>
+  <mc:AlternateContent xmlns:mc="http://schemas.openxmlformats.org/markup-compatibility/2006">
+    <mc:Choice xmlns:p14="http://schemas.microsoft.com/office/powerpoint/2010/main" Requires="p14">
+      <p:transition xmlns:mc="http://schemas.openxmlformats.org/markup-compatibility/2006" xmlns:p14="http://schemas.microsoft.com/office/powerpoint/2010/main" mc:Ignorable="p14" p14:dur="500"/>
+    </mc:Choice>
+    <mc:Fallback>
+      <p:transition/>
+    </mc:Fallback>
+  </mc:AlternateContent>
 </p:sld>
 </file>
 
@@ -4808,573 +5165,6 @@
       </p:grpSp>
       <p:sp>
         <p:nvSpPr>
-          <p:cNvPr id="2" name="TextBox 1"/>
-          <p:cNvSpPr txBox="1"/>
-          <p:nvPr/>
-        </p:nvSpPr>
-        <p:spPr>
-          <a:xfrm>
-            <a:off x="1268142" y="1611934"/>
-            <a:ext cx="6189707" cy="646331"/>
-          </a:xfrm>
-          <a:prstGeom prst="rect">
-            <a:avLst/>
-          </a:prstGeom>
-          <a:noFill/>
-        </p:spPr>
-        <p:txBody>
-          <a:bodyPr wrap="square">
-            <a:spAutoFit/>
-          </a:bodyPr>
-          <a:lstStyle/>
-          <a:p>
-            <a:pPr lvl="0">
-              <a:defRPr/>
-            </a:pPr>
-            <a:r>
-              <a:rPr lang="ko-KR" altLang="en-US" sz="3600">
-                <a:latin typeface="DX영화자막 M"/>
-                <a:ea typeface="DX영화자막 M"/>
-              </a:rPr>
-              <a:t>홍논문</a:t>
-            </a:r>
-            <a:endParaRPr lang="en-US" altLang="ko-KR" sz="3600">
-              <a:latin typeface="DX영화자막 M"/>
-              <a:ea typeface="DX영화자막 M"/>
-            </a:endParaRPr>
-          </a:p>
-        </p:txBody>
-      </p:sp>
-      <p:sp>
-        <p:nvSpPr>
-          <p:cNvPr id="5" name="직사각형 4"/>
-          <p:cNvSpPr/>
-          <p:nvPr/>
-        </p:nvSpPr>
-        <p:spPr>
-          <a:xfrm>
-            <a:off x="1431961" y="2449168"/>
-            <a:ext cx="885524" cy="487788"/>
-          </a:xfrm>
-          <a:custGeom>
-            <a:avLst/>
-            <a:gdLst>
-              <a:gd name="connsiteX0" fmla="*/ 0 w 885524"/>
-              <a:gd name="connsiteY0" fmla="*/ 0 h 487788"/>
-              <a:gd name="connsiteX1" fmla="*/ 885524 w 885524"/>
-              <a:gd name="connsiteY1" fmla="*/ 0 h 487788"/>
-              <a:gd name="connsiteX2" fmla="*/ 885524 w 885524"/>
-              <a:gd name="connsiteY2" fmla="*/ 487788 h 487788"/>
-              <a:gd name="connsiteX3" fmla="*/ 0 w 885524"/>
-              <a:gd name="connsiteY3" fmla="*/ 487788 h 487788"/>
-              <a:gd name="connsiteX4" fmla="*/ 0 w 885524"/>
-              <a:gd name="connsiteY4" fmla="*/ 0 h 487788"/>
-            </a:gdLst>
-            <a:cxnLst>
-              <a:cxn ang="0">
-                <a:pos x="connsiteX0" y="connsiteY0"/>
-              </a:cxn>
-              <a:cxn ang="0">
-                <a:pos x="connsiteX1" y="connsiteY1"/>
-              </a:cxn>
-              <a:cxn ang="0">
-                <a:pos x="connsiteX2" y="connsiteY2"/>
-              </a:cxn>
-              <a:cxn ang="0">
-                <a:pos x="connsiteX3" y="connsiteY3"/>
-              </a:cxn>
-              <a:cxn ang="0">
-                <a:pos x="connsiteX4" y="connsiteY4"/>
-              </a:cxn>
-            </a:cxnLst>
-            <a:rect l="l" t="t" r="r" b="b"/>
-            <a:pathLst>
-              <a:path w="885524" h="487788" extrusionOk="0">
-                <a:moveTo>
-                  <a:pt x="0" y="0"/>
-                </a:moveTo>
-                <a:cubicBezTo>
-                  <a:pt x="147585" y="73323"/>
-                  <a:pt x="474504" y="43906"/>
-                  <a:pt x="885524" y="0"/>
-                </a:cubicBezTo>
-                <a:cubicBezTo>
-                  <a:pt x="866863" y="85762"/>
-                  <a:pt x="848666" y="279246"/>
-                  <a:pt x="885524" y="487788"/>
-                </a:cubicBezTo>
-                <a:cubicBezTo>
-                  <a:pt x="603390" y="566340"/>
-                  <a:pt x="377373" y="441160"/>
-                  <a:pt x="0" y="487788"/>
-                </a:cubicBezTo>
-                <a:cubicBezTo>
-                  <a:pt x="14357" y="340894"/>
-                  <a:pt x="31857" y="149382"/>
-                  <a:pt x="0" y="0"/>
-                </a:cubicBezTo>
-                <a:close/>
-              </a:path>
-            </a:pathLst>
-          </a:custGeom>
-          <a:noFill/>
-          <a:ln>
-            <a:solidFill>
-              <a:srgbClr val="9a8b85"/>
-            </a:solidFill>
-          </a:ln>
-        </p:spPr>
-        <p:style>
-          <a:lnRef idx="2">
-            <a:schemeClr val="accent1">
-              <a:shade val="50000"/>
-            </a:schemeClr>
-          </a:lnRef>
-          <a:fillRef idx="1">
-            <a:schemeClr val="accent1"/>
-          </a:fillRef>
-          <a:effectRef idx="0">
-            <a:schemeClr val="accent1"/>
-          </a:effectRef>
-          <a:fontRef idx="minor">
-            <a:schemeClr val="lt1"/>
-          </a:fontRef>
-        </p:style>
-        <p:txBody>
-          <a:bodyPr anchor="ctr"/>
-          <a:lstStyle/>
-          <a:p>
-            <a:pPr algn="ctr">
-              <a:defRPr/>
-            </a:pPr>
-            <a:endParaRPr lang="ko-KR" altLang="en-US"/>
-          </a:p>
-        </p:txBody>
-      </p:sp>
-      <p:sp>
-        <p:nvSpPr>
-          <p:cNvPr id="24" name="직사각형 23"/>
-          <p:cNvSpPr/>
-          <p:nvPr/>
-        </p:nvSpPr>
-        <p:spPr>
-          <a:xfrm>
-            <a:off x="1410413" y="2487669"/>
-            <a:ext cx="885524" cy="487788"/>
-          </a:xfrm>
-          <a:custGeom>
-            <a:avLst/>
-            <a:gdLst>
-              <a:gd name="connsiteX0" fmla="*/ 0 w 885524"/>
-              <a:gd name="connsiteY0" fmla="*/ 0 h 487788"/>
-              <a:gd name="connsiteX1" fmla="*/ 442762 w 885524"/>
-              <a:gd name="connsiteY1" fmla="*/ 0 h 487788"/>
-              <a:gd name="connsiteX2" fmla="*/ 885524 w 885524"/>
-              <a:gd name="connsiteY2" fmla="*/ 0 h 487788"/>
-              <a:gd name="connsiteX3" fmla="*/ 885524 w 885524"/>
-              <a:gd name="connsiteY3" fmla="*/ 487788 h 487788"/>
-              <a:gd name="connsiteX4" fmla="*/ 425052 w 885524"/>
-              <a:gd name="connsiteY4" fmla="*/ 487788 h 487788"/>
-              <a:gd name="connsiteX5" fmla="*/ 0 w 885524"/>
-              <a:gd name="connsiteY5" fmla="*/ 487788 h 487788"/>
-              <a:gd name="connsiteX6" fmla="*/ 0 w 885524"/>
-              <a:gd name="connsiteY6" fmla="*/ 0 h 487788"/>
-            </a:gdLst>
-            <a:cxnLst>
-              <a:cxn ang="0">
-                <a:pos x="connsiteX0" y="connsiteY0"/>
-              </a:cxn>
-              <a:cxn ang="0">
-                <a:pos x="connsiteX1" y="connsiteY1"/>
-              </a:cxn>
-              <a:cxn ang="0">
-                <a:pos x="connsiteX2" y="connsiteY2"/>
-              </a:cxn>
-              <a:cxn ang="0">
-                <a:pos x="connsiteX3" y="connsiteY3"/>
-              </a:cxn>
-              <a:cxn ang="0">
-                <a:pos x="connsiteX4" y="connsiteY4"/>
-              </a:cxn>
-              <a:cxn ang="0">
-                <a:pos x="connsiteX5" y="connsiteY5"/>
-              </a:cxn>
-              <a:cxn ang="0">
-                <a:pos x="connsiteX6" y="connsiteY6"/>
-              </a:cxn>
-            </a:cxnLst>
-            <a:rect l="l" t="t" r="r" b="b"/>
-            <a:pathLst>
-              <a:path w="885524" h="487788" fill="none" extrusionOk="0">
-                <a:moveTo>
-                  <a:pt x="0" y="0"/>
-                </a:moveTo>
-                <a:cubicBezTo>
-                  <a:pt x="189876" y="-27532"/>
-                  <a:pt x="326699" y="51795"/>
-                  <a:pt x="442762" y="0"/>
-                </a:cubicBezTo>
-                <a:cubicBezTo>
-                  <a:pt x="558825" y="-51795"/>
-                  <a:pt x="711044" y="33536"/>
-                  <a:pt x="885524" y="0"/>
-                </a:cubicBezTo>
-                <a:cubicBezTo>
-                  <a:pt x="936190" y="142469"/>
-                  <a:pt x="840840" y="332089"/>
-                  <a:pt x="885524" y="487788"/>
-                </a:cubicBezTo>
-                <a:cubicBezTo>
-                  <a:pt x="725718" y="528142"/>
-                  <a:pt x="590941" y="462966"/>
-                  <a:pt x="425052" y="487788"/>
-                </a:cubicBezTo>
-                <a:cubicBezTo>
-                  <a:pt x="259163" y="512610"/>
-                  <a:pt x="96867" y="465139"/>
-                  <a:pt x="0" y="487788"/>
-                </a:cubicBezTo>
-                <a:cubicBezTo>
-                  <a:pt x="-48569" y="321016"/>
-                  <a:pt x="48220" y="217248"/>
-                  <a:pt x="0" y="0"/>
-                </a:cubicBezTo>
-                <a:close/>
-              </a:path>
-              <a:path w="885524" h="487788" stroke="0" extrusionOk="0">
-                <a:moveTo>
-                  <a:pt x="0" y="0"/>
-                </a:moveTo>
-                <a:cubicBezTo>
-                  <a:pt x="122179" y="-35847"/>
-                  <a:pt x="263364" y="18882"/>
-                  <a:pt x="442762" y="0"/>
-                </a:cubicBezTo>
-                <a:cubicBezTo>
-                  <a:pt x="622160" y="-18882"/>
-                  <a:pt x="685164" y="38820"/>
-                  <a:pt x="885524" y="0"/>
-                </a:cubicBezTo>
-                <a:cubicBezTo>
-                  <a:pt x="938868" y="105536"/>
-                  <a:pt x="839505" y="276099"/>
-                  <a:pt x="885524" y="487788"/>
-                </a:cubicBezTo>
-                <a:cubicBezTo>
-                  <a:pt x="734272" y="498127"/>
-                  <a:pt x="572546" y="440618"/>
-                  <a:pt x="469328" y="487788"/>
-                </a:cubicBezTo>
-                <a:cubicBezTo>
-                  <a:pt x="366110" y="534958"/>
-                  <a:pt x="174657" y="465725"/>
-                  <a:pt x="0" y="487788"/>
-                </a:cubicBezTo>
-                <a:cubicBezTo>
-                  <a:pt x="-13226" y="342024"/>
-                  <a:pt x="54406" y="214492"/>
-                  <a:pt x="0" y="0"/>
-                </a:cubicBezTo>
-                <a:close/>
-              </a:path>
-            </a:pathLst>
-          </a:custGeom>
-          <a:solidFill>
-            <a:srgbClr val="d1c9c1"/>
-          </a:solidFill>
-          <a:ln>
-            <a:solidFill>
-              <a:srgbClr val="9a8b85"/>
-            </a:solidFill>
-          </a:ln>
-        </p:spPr>
-        <p:style>
-          <a:lnRef idx="2">
-            <a:schemeClr val="accent1">
-              <a:shade val="50000"/>
-            </a:schemeClr>
-          </a:lnRef>
-          <a:fillRef idx="1">
-            <a:schemeClr val="accent1"/>
-          </a:fillRef>
-          <a:effectRef idx="0">
-            <a:schemeClr val="accent1"/>
-          </a:effectRef>
-          <a:fontRef idx="minor">
-            <a:schemeClr val="lt1"/>
-          </a:fontRef>
-        </p:style>
-        <p:txBody>
-          <a:bodyPr anchor="ctr"/>
-          <a:lstStyle/>
-          <a:p>
-            <a:pPr algn="ctr">
-              <a:defRPr/>
-            </a:pPr>
-            <a:endParaRPr lang="ko-KR" altLang="en-US">
-              <a:solidFill>
-                <a:sysClr val="windowText" lastClr="000000"/>
-              </a:solidFill>
-            </a:endParaRPr>
-          </a:p>
-        </p:txBody>
-      </p:sp>
-      <p:sp>
-        <p:nvSpPr>
-          <p:cNvPr id="6" name="TextBox 5"/>
-          <p:cNvSpPr txBox="1"/>
-          <p:nvPr/>
-        </p:nvSpPr>
-        <p:spPr>
-          <a:xfrm>
-            <a:off x="1477790" y="2555388"/>
-            <a:ext cx="750769" cy="369332"/>
-          </a:xfrm>
-          <a:prstGeom prst="rect">
-            <a:avLst/>
-          </a:prstGeom>
-          <a:noFill/>
-        </p:spPr>
-        <p:txBody>
-          <a:bodyPr wrap="square">
-            <a:spAutoFit/>
-          </a:bodyPr>
-          <a:lstStyle/>
-          <a:p>
-            <a:pPr algn="ctr">
-              <a:defRPr/>
-            </a:pPr>
-            <a:r>
-              <a:rPr lang="ko-KR" altLang="en-US" b="1">
-                <a:solidFill>
-                  <a:sysClr val="windowText" lastClr="000000"/>
-                </a:solidFill>
-                <a:latin typeface="DX영화자막 M"/>
-                <a:ea typeface="DX영화자막 M"/>
-              </a:rPr>
-              <a:t>소 개</a:t>
-            </a:r>
-            <a:endParaRPr lang="ko-KR" altLang="en-US" b="1">
-              <a:solidFill>
-                <a:sysClr val="windowText" lastClr="000000"/>
-              </a:solidFill>
-              <a:latin typeface="DX영화자막 M"/>
-              <a:ea typeface="DX영화자막 M"/>
-            </a:endParaRPr>
-          </a:p>
-        </p:txBody>
-      </p:sp>
-      <p:sp>
-        <p:nvSpPr>
-          <p:cNvPr id="7" name="직사각형 6"/>
-          <p:cNvSpPr/>
-          <p:nvPr/>
-        </p:nvSpPr>
-        <p:spPr>
-          <a:xfrm>
-            <a:off x="1268142" y="3111750"/>
-            <a:ext cx="6096000" cy="1401195"/>
-          </a:xfrm>
-          <a:prstGeom prst="rect">
-            <a:avLst/>
-          </a:prstGeom>
-        </p:spPr>
-        <p:txBody>
-          <a:bodyPr>
-            <a:spAutoFit/>
-          </a:bodyPr>
-          <a:lstStyle/>
-          <a:p>
-            <a:pPr>
-              <a:lnSpc>
-                <a:spcPct val="120000"/>
-              </a:lnSpc>
-              <a:defRPr/>
-            </a:pPr>
-            <a:r>
-              <a:rPr lang="ko-KR" altLang="en-US">
-                <a:latin typeface="DX영화자막 M"/>
-                <a:ea typeface="DX영화자막 M"/>
-              </a:rPr>
-              <a:t>서울대학교 공과대학 금속공학과를 졸업</a:t>
-            </a:r>
-            <a:r>
-              <a:rPr lang="en-US" altLang="ko-KR">
-                <a:latin typeface="DX영화자막 M"/>
-                <a:ea typeface="DX영화자막 M"/>
-              </a:rPr>
-              <a:t>,</a:t>
-            </a:r>
-            <a:r>
-              <a:rPr lang="ko-KR" altLang="en-US">
-                <a:latin typeface="DX영화자막 M"/>
-                <a:ea typeface="DX영화자막 M"/>
-              </a:rPr>
-              <a:t> </a:t>
-            </a:r>
-            <a:r>
-              <a:rPr lang="en-US" altLang="ko-KR">
-                <a:latin typeface="DX영화자막 M"/>
-                <a:ea typeface="DX영화자막 M"/>
-              </a:rPr>
-              <a:t>KAIST</a:t>
-            </a:r>
-            <a:r>
-              <a:rPr lang="ko-KR" altLang="en-US">
-                <a:latin typeface="DX영화자막 M"/>
-                <a:ea typeface="DX영화자막 M"/>
-              </a:rPr>
-              <a:t>석</a:t>
-            </a:r>
-            <a:r>
-              <a:rPr lang="en-US" altLang="ko-KR">
-                <a:latin typeface="DX영화자막 M"/>
-                <a:ea typeface="DX영화자막 M"/>
-              </a:rPr>
-              <a:t>.</a:t>
-            </a:r>
-            <a:r>
-              <a:rPr lang="ko-KR" altLang="en-US">
-                <a:latin typeface="DX영화자막 M"/>
-                <a:ea typeface="DX영화자막 M"/>
-              </a:rPr>
-              <a:t>박사 학위를 받고 한국표준과학연구원 선임 및 책임 연구원</a:t>
-            </a:r>
-            <a:r>
-              <a:rPr lang="en-US" altLang="ko-KR">
-                <a:latin typeface="DX영화자막 M"/>
-                <a:ea typeface="DX영화자막 M"/>
-              </a:rPr>
-              <a:t>,</a:t>
-            </a:r>
-            <a:r>
-              <a:rPr lang="ko-KR" altLang="en-US">
-                <a:latin typeface="DX영화자막 M"/>
-                <a:ea typeface="DX영화자막 M"/>
-              </a:rPr>
-              <a:t> 미국 국립표준기술원과 일본 금속재료연구소의 객원 연구원</a:t>
-            </a:r>
-            <a:endParaRPr lang="ko-KR" altLang="en-US">
-              <a:latin typeface="DX영화자막 M"/>
-              <a:ea typeface="DX영화자막 M"/>
-            </a:endParaRPr>
-          </a:p>
-          <a:p>
-            <a:pPr>
-              <a:lnSpc>
-                <a:spcPct val="120000"/>
-              </a:lnSpc>
-              <a:defRPr/>
-            </a:pPr>
-            <a:r>
-              <a:rPr lang="ko-KR" altLang="en-US">
-                <a:latin typeface="DX영화자막 M"/>
-                <a:ea typeface="DX영화자막 M"/>
-              </a:rPr>
-              <a:t>으로 근무</a:t>
-            </a:r>
-            <a:r>
-              <a:rPr lang="en-US" altLang="ko-KR">
-                <a:latin typeface="DX영화자막 M"/>
-                <a:ea typeface="DX영화자막 M"/>
-              </a:rPr>
-              <a:t>,</a:t>
-            </a:r>
-            <a:r>
-              <a:rPr lang="ko-KR" altLang="en-US">
-                <a:latin typeface="DX영화자막 M"/>
-                <a:ea typeface="DX영화자막 M"/>
-              </a:rPr>
-              <a:t> 현재 서울대학교 재료공학부 교수로 재직중</a:t>
-            </a:r>
-            <a:endParaRPr lang="ko-KR" altLang="en-US">
-              <a:latin typeface="DX영화자막 M"/>
-              <a:ea typeface="DX영화자막 M"/>
-            </a:endParaRPr>
-          </a:p>
-        </p:txBody>
-      </p:sp>
-      <p:sp>
-        <p:nvSpPr>
-          <p:cNvPr id="31" name="TextBox 30"/>
-          <p:cNvSpPr txBox="1"/>
-          <p:nvPr/>
-        </p:nvSpPr>
-        <p:spPr>
-          <a:xfrm>
-            <a:off x="8560905" y="6493565"/>
-            <a:ext cx="3578086" cy="295855"/>
-          </a:xfrm>
-          <a:prstGeom prst="rect">
-            <a:avLst/>
-          </a:prstGeom>
-          <a:noFill/>
-        </p:spPr>
-        <p:txBody>
-          <a:bodyPr wrap="square">
-            <a:spAutoFit/>
-          </a:bodyPr>
-          <a:lstStyle/>
-          <a:p>
-            <a:pPr algn="r">
-              <a:defRPr/>
-            </a:pPr>
-            <a:r>
-              <a:rPr lang="ko-KR" altLang="en-US" sz="1400">
-                <a:latin typeface="210 스탠다드 030"/>
-                <a:ea typeface="210 스탠다드 030"/>
-              </a:rPr>
-              <a:t>출처 어반브러시 </a:t>
-            </a:r>
-            <a:r>
-              <a:rPr lang="en-US" altLang="ko-KR" sz="1400">
-                <a:latin typeface="210 스탠다드 030"/>
-                <a:ea typeface="210 스탠다드 030"/>
-              </a:rPr>
-              <a:t>Tommy</a:t>
-            </a:r>
-            <a:endParaRPr lang="ko-KR" altLang="en-US" sz="1400">
-              <a:latin typeface="210 스탠다드 030"/>
-              <a:ea typeface="210 스탠다드 030"/>
-            </a:endParaRPr>
-          </a:p>
-        </p:txBody>
-      </p:sp>
-      <p:pic>
-        <p:nvPicPr>
-          <p:cNvPr id="10" name="그림 9"/>
-          <p:cNvPicPr>
-            <a:picLocks noChangeAspect="1"/>
-          </p:cNvPicPr>
-          <p:nvPr/>
-        </p:nvPicPr>
-        <p:blipFill rotWithShape="1">
-          <a:blip r:embed="rId3">
-            <a:duotone>
-              <a:schemeClr val="accent3">
-                <a:shade val="45000"/>
-                <a:satMod val="135000"/>
-              </a:schemeClr>
-              <a:prstClr val="white"/>
-            </a:duotone>
-          </a:blip>
-          <a:srcRect l="9830" t="7110" r="34880" b="17640"/>
-          <a:stretch>
-            <a:fillRect/>
-          </a:stretch>
-        </p:blipFill>
-        <p:spPr>
-          <a:xfrm flipH="1">
-            <a:off x="8524889" y="972028"/>
-            <a:ext cx="3578088" cy="5160176"/>
-          </a:xfrm>
-          <a:prstGeom prst="rect">
-            <a:avLst/>
-          </a:prstGeom>
-        </p:spPr>
-      </p:pic>
-      <p:sp>
-        <p:nvSpPr>
           <p:cNvPr id="36" name="TextBox 35"/>
           <p:cNvSpPr txBox="1"/>
           <p:nvPr/>
@@ -5425,6 +5215,30 @@
           </a:p>
         </p:txBody>
       </p:sp>
+      <p:pic>
+        <p:nvPicPr>
+          <p:cNvPr id="52" name=""/>
+          <p:cNvPicPr>
+            <a:picLocks noChangeAspect="1"/>
+          </p:cNvPicPr>
+          <p:nvPr/>
+        </p:nvPicPr>
+        <p:blipFill rotWithShape="1">
+          <a:blip r:embed="rId3"/>
+          <a:stretch>
+            <a:fillRect/>
+          </a:stretch>
+        </p:blipFill>
+        <p:spPr>
+          <a:xfrm>
+            <a:off x="1827415" y="1461385"/>
+            <a:ext cx="8537169" cy="4780815"/>
+          </a:xfrm>
+          <a:prstGeom prst="rect">
+            <a:avLst/>
+          </a:prstGeom>
+        </p:spPr>
+      </p:pic>
     </p:spTree>
   </p:cSld>
   <p:clrMapOvr>
@@ -5634,8 +5448,8 @@
         </p:nvSpPr>
         <p:spPr>
           <a:xfrm>
-            <a:off x="4993154" y="684063"/>
-            <a:ext cx="2539787" cy="447507"/>
+            <a:off x="5450798" y="671692"/>
+            <a:ext cx="1290404" cy="453198"/>
           </a:xfrm>
           <a:prstGeom prst="rect">
             <a:avLst/>
@@ -5666,278 +5480,11 @@
               </a:rPr>
               <a:t>책 소개 </a:t>
             </a:r>
-            <a:r>
-              <a:rPr lang="en-US" altLang="ko-KR" sz="2400">
-                <a:solidFill>
-                  <a:schemeClr val="tx1">
-                    <a:alpha val="71000"/>
-                  </a:schemeClr>
-                </a:solidFill>
-                <a:latin typeface="DX영화자막 M"/>
-                <a:ea typeface="DX영화자막 M"/>
-              </a:rPr>
-              <a:t>&amp; </a:t>
-            </a:r>
-            <a:r>
-              <a:rPr lang="ko-KR" altLang="en-US" sz="2400">
-                <a:solidFill>
-                  <a:schemeClr val="tx1">
-                    <a:alpha val="71000"/>
-                  </a:schemeClr>
-                </a:solidFill>
-                <a:latin typeface="DX영화자막 M"/>
-                <a:ea typeface="DX영화자막 M"/>
-              </a:rPr>
-              <a:t>출처</a:t>
-            </a:r>
-            <a:endParaRPr lang="ko-KR" altLang="en-US" sz="2400">
+            <a:endParaRPr lang="en-US" altLang="ko-KR" sz="2400">
               <a:solidFill>
                 <a:schemeClr val="tx1">
                   <a:alpha val="71000"/>
                 </a:schemeClr>
-              </a:solidFill>
-              <a:latin typeface="DX영화자막 M"/>
-              <a:ea typeface="DX영화자막 M"/>
-            </a:endParaRPr>
-          </a:p>
-        </p:txBody>
-      </p:sp>
-      <p:sp>
-        <p:nvSpPr>
-          <p:cNvPr id="29" name="직사각형 28"/>
-          <p:cNvSpPr/>
-          <p:nvPr/>
-        </p:nvSpPr>
-        <p:spPr>
-          <a:xfrm>
-            <a:off x="1451314" y="4914667"/>
-            <a:ext cx="1222770" cy="487788"/>
-          </a:xfrm>
-          <a:custGeom>
-            <a:avLst/>
-            <a:gdLst>
-              <a:gd name="connsiteX0" fmla="*/ 0 w 1222770"/>
-              <a:gd name="connsiteY0" fmla="*/ 0 h 487788"/>
-              <a:gd name="connsiteX1" fmla="*/ 432045 w 1222770"/>
-              <a:gd name="connsiteY1" fmla="*/ 0 h 487788"/>
-              <a:gd name="connsiteX2" fmla="*/ 864091 w 1222770"/>
-              <a:gd name="connsiteY2" fmla="*/ 0 h 487788"/>
-              <a:gd name="connsiteX3" fmla="*/ 1222770 w 1222770"/>
-              <a:gd name="connsiteY3" fmla="*/ 0 h 487788"/>
-              <a:gd name="connsiteX4" fmla="*/ 1222770 w 1222770"/>
-              <a:gd name="connsiteY4" fmla="*/ 487788 h 487788"/>
-              <a:gd name="connsiteX5" fmla="*/ 802952 w 1222770"/>
-              <a:gd name="connsiteY5" fmla="*/ 487788 h 487788"/>
-              <a:gd name="connsiteX6" fmla="*/ 432045 w 1222770"/>
-              <a:gd name="connsiteY6" fmla="*/ 487788 h 487788"/>
-              <a:gd name="connsiteX7" fmla="*/ 0 w 1222770"/>
-              <a:gd name="connsiteY7" fmla="*/ 487788 h 487788"/>
-              <a:gd name="connsiteX8" fmla="*/ 0 w 1222770"/>
-              <a:gd name="connsiteY8" fmla="*/ 0 h 487788"/>
-            </a:gdLst>
-            <a:cxnLst>
-              <a:cxn ang="0">
-                <a:pos x="connsiteX0" y="connsiteY0"/>
-              </a:cxn>
-              <a:cxn ang="0">
-                <a:pos x="connsiteX1" y="connsiteY1"/>
-              </a:cxn>
-              <a:cxn ang="0">
-                <a:pos x="connsiteX2" y="connsiteY2"/>
-              </a:cxn>
-              <a:cxn ang="0">
-                <a:pos x="connsiteX3" y="connsiteY3"/>
-              </a:cxn>
-              <a:cxn ang="0">
-                <a:pos x="connsiteX4" y="connsiteY4"/>
-              </a:cxn>
-              <a:cxn ang="0">
-                <a:pos x="connsiteX5" y="connsiteY5"/>
-              </a:cxn>
-              <a:cxn ang="0">
-                <a:pos x="connsiteX6" y="connsiteY6"/>
-              </a:cxn>
-              <a:cxn ang="0">
-                <a:pos x="connsiteX7" y="connsiteY7"/>
-              </a:cxn>
-              <a:cxn ang="0">
-                <a:pos x="connsiteX8" y="connsiteY8"/>
-              </a:cxn>
-            </a:cxnLst>
-            <a:rect l="l" t="t" r="r" b="b"/>
-            <a:pathLst>
-              <a:path w="1222770" h="487788" fill="none" extrusionOk="0">
-                <a:moveTo>
-                  <a:pt x="0" y="0"/>
-                </a:moveTo>
-                <a:cubicBezTo>
-                  <a:pt x="205746" y="-30789"/>
-                  <a:pt x="336756" y="35191"/>
-                  <a:pt x="432045" y="0"/>
-                </a:cubicBezTo>
-                <a:cubicBezTo>
-                  <a:pt x="527334" y="-35191"/>
-                  <a:pt x="668779" y="16933"/>
-                  <a:pt x="864091" y="0"/>
-                </a:cubicBezTo>
-                <a:cubicBezTo>
-                  <a:pt x="1059403" y="-16933"/>
-                  <a:pt x="1110172" y="16023"/>
-                  <a:pt x="1222770" y="0"/>
-                </a:cubicBezTo>
-                <a:cubicBezTo>
-                  <a:pt x="1235110" y="122807"/>
-                  <a:pt x="1196531" y="315633"/>
-                  <a:pt x="1222770" y="487788"/>
-                </a:cubicBezTo>
-                <a:cubicBezTo>
-                  <a:pt x="1061999" y="532797"/>
-                  <a:pt x="914449" y="463341"/>
-                  <a:pt x="802952" y="487788"/>
-                </a:cubicBezTo>
-                <a:cubicBezTo>
-                  <a:pt x="691455" y="512235"/>
-                  <a:pt x="582083" y="447931"/>
-                  <a:pt x="432045" y="487788"/>
-                </a:cubicBezTo>
-                <a:cubicBezTo>
-                  <a:pt x="282007" y="527645"/>
-                  <a:pt x="102307" y="455788"/>
-                  <a:pt x="0" y="487788"/>
-                </a:cubicBezTo>
-                <a:cubicBezTo>
-                  <a:pt x="-16106" y="323226"/>
-                  <a:pt x="43387" y="135647"/>
-                  <a:pt x="0" y="0"/>
-                </a:cubicBezTo>
-                <a:close/>
-              </a:path>
-              <a:path w="1222770" h="487788" stroke="0" extrusionOk="0">
-                <a:moveTo>
-                  <a:pt x="0" y="0"/>
-                </a:moveTo>
-                <a:cubicBezTo>
-                  <a:pt x="116679" y="-10713"/>
-                  <a:pt x="238357" y="35314"/>
-                  <a:pt x="407590" y="0"/>
-                </a:cubicBezTo>
-                <a:cubicBezTo>
-                  <a:pt x="576823" y="-35314"/>
-                  <a:pt x="606075" y="31441"/>
-                  <a:pt x="790725" y="0"/>
-                </a:cubicBezTo>
-                <a:cubicBezTo>
-                  <a:pt x="975376" y="-31441"/>
-                  <a:pt x="1085338" y="25550"/>
-                  <a:pt x="1222770" y="0"/>
-                </a:cubicBezTo>
-                <a:cubicBezTo>
-                  <a:pt x="1252314" y="193527"/>
-                  <a:pt x="1205546" y="384945"/>
-                  <a:pt x="1222770" y="487788"/>
-                </a:cubicBezTo>
-                <a:cubicBezTo>
-                  <a:pt x="1108196" y="519220"/>
-                  <a:pt x="956819" y="466090"/>
-                  <a:pt x="827408" y="487788"/>
-                </a:cubicBezTo>
-                <a:cubicBezTo>
-                  <a:pt x="697997" y="509486"/>
-                  <a:pt x="522194" y="478756"/>
-                  <a:pt x="444273" y="487788"/>
-                </a:cubicBezTo>
-                <a:cubicBezTo>
-                  <a:pt x="366352" y="496820"/>
-                  <a:pt x="193784" y="487771"/>
-                  <a:pt x="0" y="487788"/>
-                </a:cubicBezTo>
-                <a:cubicBezTo>
-                  <a:pt x="-51002" y="316365"/>
-                  <a:pt x="5327" y="208728"/>
-                  <a:pt x="0" y="0"/>
-                </a:cubicBezTo>
-                <a:close/>
-              </a:path>
-            </a:pathLst>
-          </a:custGeom>
-          <a:solidFill>
-            <a:srgbClr val="d1c9c1"/>
-          </a:solidFill>
-          <a:ln>
-            <a:solidFill>
-              <a:srgbClr val="9a8b85"/>
-            </a:solidFill>
-          </a:ln>
-        </p:spPr>
-        <p:style>
-          <a:lnRef idx="2">
-            <a:schemeClr val="accent1">
-              <a:shade val="50000"/>
-            </a:schemeClr>
-          </a:lnRef>
-          <a:fillRef idx="1">
-            <a:schemeClr val="accent1"/>
-          </a:fillRef>
-          <a:effectRef idx="0">
-            <a:schemeClr val="accent1"/>
-          </a:effectRef>
-          <a:fontRef idx="minor">
-            <a:schemeClr val="lt1"/>
-          </a:fontRef>
-        </p:style>
-        <p:txBody>
-          <a:bodyPr anchor="ctr"/>
-          <a:lstStyle/>
-          <a:p>
-            <a:pPr algn="ctr">
-              <a:defRPr/>
-            </a:pPr>
-            <a:endParaRPr lang="ko-KR" altLang="en-US">
-              <a:solidFill>
-                <a:sysClr val="windowText" lastClr="000000"/>
-              </a:solidFill>
-            </a:endParaRPr>
-          </a:p>
-        </p:txBody>
-      </p:sp>
-      <p:sp>
-        <p:nvSpPr>
-          <p:cNvPr id="30" name="TextBox 29"/>
-          <p:cNvSpPr txBox="1"/>
-          <p:nvPr/>
-        </p:nvSpPr>
-        <p:spPr>
-          <a:xfrm>
-            <a:off x="1564783" y="4962947"/>
-            <a:ext cx="1054147" cy="359623"/>
-          </a:xfrm>
-          <a:prstGeom prst="rect">
-            <a:avLst/>
-          </a:prstGeom>
-          <a:noFill/>
-        </p:spPr>
-        <p:txBody>
-          <a:bodyPr wrap="square">
-            <a:spAutoFit/>
-          </a:bodyPr>
-          <a:lstStyle/>
-          <a:p>
-            <a:pPr algn="ctr">
-              <a:defRPr/>
-            </a:pPr>
-            <a:r>
-              <a:rPr lang="ko-KR" altLang="en-US" b="1">
-                <a:solidFill>
-                  <a:sysClr val="windowText" lastClr="000000"/>
-                </a:solidFill>
-                <a:latin typeface="DX영화자막 M"/>
-                <a:ea typeface="DX영화자막 M"/>
-              </a:rPr>
-              <a:t>키 워 드</a:t>
-            </a:r>
-            <a:endParaRPr lang="ko-KR" altLang="en-US" b="1">
-              <a:solidFill>
-                <a:sysClr val="windowText" lastClr="000000"/>
               </a:solidFill>
               <a:latin typeface="DX영화자막 M"/>
               <a:ea typeface="DX영화자막 M"/>
@@ -5961,8 +5508,8 @@
         </p:blipFill>
         <p:spPr>
           <a:xfrm>
-            <a:off x="7826426" y="686950"/>
-            <a:ext cx="3852956" cy="5715139"/>
+            <a:off x="4330058" y="1317810"/>
+            <a:ext cx="3531884" cy="5238889"/>
           </a:xfrm>
           <a:prstGeom prst="rect">
             <a:avLst/>
@@ -6012,467 +5559,6 @@
                   <a:alpha val="71000"/>
                 </a:schemeClr>
               </a:solidFill>
-              <a:latin typeface="DX영화자막 M"/>
-              <a:ea typeface="DX영화자막 M"/>
-            </a:endParaRPr>
-          </a:p>
-        </p:txBody>
-      </p:sp>
-      <p:sp>
-        <p:nvSpPr>
-          <p:cNvPr id="38" name="직사각형 23"/>
-          <p:cNvSpPr/>
-          <p:nvPr/>
-        </p:nvSpPr>
-        <p:spPr>
-          <a:xfrm>
-            <a:off x="1449290" y="1632362"/>
-            <a:ext cx="885524" cy="487788"/>
-          </a:xfrm>
-          <a:custGeom>
-            <a:avLst/>
-            <a:gdLst>
-              <a:gd name="connsiteX0" fmla="*/ 0 w 885524"/>
-              <a:gd name="connsiteY0" fmla="*/ 0 h 487788"/>
-              <a:gd name="connsiteX1" fmla="*/ 442762 w 885524"/>
-              <a:gd name="connsiteY1" fmla="*/ 0 h 487788"/>
-              <a:gd name="connsiteX2" fmla="*/ 885524 w 885524"/>
-              <a:gd name="connsiteY2" fmla="*/ 0 h 487788"/>
-              <a:gd name="connsiteX3" fmla="*/ 885524 w 885524"/>
-              <a:gd name="connsiteY3" fmla="*/ 487788 h 487788"/>
-              <a:gd name="connsiteX4" fmla="*/ 425052 w 885524"/>
-              <a:gd name="connsiteY4" fmla="*/ 487788 h 487788"/>
-              <a:gd name="connsiteX5" fmla="*/ 0 w 885524"/>
-              <a:gd name="connsiteY5" fmla="*/ 487788 h 487788"/>
-              <a:gd name="connsiteX6" fmla="*/ 0 w 885524"/>
-              <a:gd name="connsiteY6" fmla="*/ 0 h 487788"/>
-            </a:gdLst>
-            <a:cxnLst>
-              <a:cxn ang="0">
-                <a:pos x="connsiteX0" y="connsiteY0"/>
-              </a:cxn>
-              <a:cxn ang="0">
-                <a:pos x="connsiteX1" y="connsiteY1"/>
-              </a:cxn>
-              <a:cxn ang="0">
-                <a:pos x="connsiteX2" y="connsiteY2"/>
-              </a:cxn>
-              <a:cxn ang="0">
-                <a:pos x="connsiteX3" y="connsiteY3"/>
-              </a:cxn>
-              <a:cxn ang="0">
-                <a:pos x="connsiteX4" y="connsiteY4"/>
-              </a:cxn>
-              <a:cxn ang="0">
-                <a:pos x="connsiteX5" y="connsiteY5"/>
-              </a:cxn>
-              <a:cxn ang="0">
-                <a:pos x="connsiteX6" y="connsiteY6"/>
-              </a:cxn>
-            </a:cxnLst>
-            <a:rect l="l" t="t" r="r" b="b"/>
-            <a:pathLst>
-              <a:path w="885524" h="487788" fill="none" extrusionOk="0">
-                <a:moveTo>
-                  <a:pt x="0" y="0"/>
-                </a:moveTo>
-                <a:cubicBezTo>
-                  <a:pt x="189876" y="-27532"/>
-                  <a:pt x="326699" y="51795"/>
-                  <a:pt x="442762" y="0"/>
-                </a:cubicBezTo>
-                <a:cubicBezTo>
-                  <a:pt x="558825" y="-51795"/>
-                  <a:pt x="711044" y="33536"/>
-                  <a:pt x="885524" y="0"/>
-                </a:cubicBezTo>
-                <a:cubicBezTo>
-                  <a:pt x="936190" y="142469"/>
-                  <a:pt x="840840" y="332089"/>
-                  <a:pt x="885524" y="487788"/>
-                </a:cubicBezTo>
-                <a:cubicBezTo>
-                  <a:pt x="725718" y="528142"/>
-                  <a:pt x="590941" y="462966"/>
-                  <a:pt x="425052" y="487788"/>
-                </a:cubicBezTo>
-                <a:cubicBezTo>
-                  <a:pt x="259163" y="512610"/>
-                  <a:pt x="96867" y="465139"/>
-                  <a:pt x="0" y="487788"/>
-                </a:cubicBezTo>
-                <a:cubicBezTo>
-                  <a:pt x="-48569" y="321016"/>
-                  <a:pt x="48220" y="217248"/>
-                  <a:pt x="0" y="0"/>
-                </a:cubicBezTo>
-                <a:close/>
-              </a:path>
-              <a:path w="885524" h="487788" stroke="0" extrusionOk="0">
-                <a:moveTo>
-                  <a:pt x="0" y="0"/>
-                </a:moveTo>
-                <a:cubicBezTo>
-                  <a:pt x="122179" y="-35847"/>
-                  <a:pt x="263364" y="18882"/>
-                  <a:pt x="442762" y="0"/>
-                </a:cubicBezTo>
-                <a:cubicBezTo>
-                  <a:pt x="622160" y="-18882"/>
-                  <a:pt x="685164" y="38820"/>
-                  <a:pt x="885524" y="0"/>
-                </a:cubicBezTo>
-                <a:cubicBezTo>
-                  <a:pt x="938868" y="105536"/>
-                  <a:pt x="839505" y="276099"/>
-                  <a:pt x="885524" y="487788"/>
-                </a:cubicBezTo>
-                <a:cubicBezTo>
-                  <a:pt x="734272" y="498127"/>
-                  <a:pt x="572546" y="440618"/>
-                  <a:pt x="469328" y="487788"/>
-                </a:cubicBezTo>
-                <a:cubicBezTo>
-                  <a:pt x="366110" y="534958"/>
-                  <a:pt x="174657" y="465725"/>
-                  <a:pt x="0" y="487788"/>
-                </a:cubicBezTo>
-                <a:cubicBezTo>
-                  <a:pt x="-13226" y="342024"/>
-                  <a:pt x="54406" y="214492"/>
-                  <a:pt x="0" y="0"/>
-                </a:cubicBezTo>
-                <a:close/>
-              </a:path>
-            </a:pathLst>
-          </a:custGeom>
-          <a:solidFill>
-            <a:srgbClr val="d1c9c1"/>
-          </a:solidFill>
-          <a:ln>
-            <a:solidFill>
-              <a:srgbClr val="9a8b85"/>
-            </a:solidFill>
-          </a:ln>
-        </p:spPr>
-        <p:style>
-          <a:lnRef idx="2">
-            <a:schemeClr val="accent1">
-              <a:shade val="50000"/>
-            </a:schemeClr>
-          </a:lnRef>
-          <a:fillRef idx="1">
-            <a:schemeClr val="accent1"/>
-          </a:fillRef>
-          <a:effectRef idx="0">
-            <a:schemeClr val="accent1"/>
-          </a:effectRef>
-          <a:fontRef idx="minor">
-            <a:schemeClr val="lt1"/>
-          </a:fontRef>
-        </p:style>
-        <p:txBody>
-          <a:bodyPr anchor="ctr"/>
-          <a:lstStyle/>
-          <a:p>
-            <a:pPr algn="ctr">
-              <a:defRPr/>
-            </a:pPr>
-            <a:endParaRPr lang="ko-KR" altLang="en-US">
-              <a:solidFill>
-                <a:sysClr val="windowText" lastClr="000000"/>
-              </a:solidFill>
-            </a:endParaRPr>
-          </a:p>
-        </p:txBody>
-      </p:sp>
-      <p:sp>
-        <p:nvSpPr>
-          <p:cNvPr id="39" name="TextBox 38"/>
-          <p:cNvSpPr txBox="1"/>
-          <p:nvPr/>
-        </p:nvSpPr>
-        <p:spPr>
-          <a:xfrm>
-            <a:off x="1506948" y="1700081"/>
-            <a:ext cx="750769" cy="369332"/>
-          </a:xfrm>
-          <a:prstGeom prst="rect">
-            <a:avLst/>
-          </a:prstGeom>
-          <a:noFill/>
-        </p:spPr>
-        <p:txBody>
-          <a:bodyPr wrap="square">
-            <a:spAutoFit/>
-          </a:bodyPr>
-          <a:lstStyle/>
-          <a:p>
-            <a:pPr algn="ctr">
-              <a:defRPr/>
-            </a:pPr>
-            <a:r>
-              <a:rPr lang="ko-KR" altLang="en-US" b="1">
-                <a:solidFill>
-                  <a:sysClr val="windowText" lastClr="000000"/>
-                </a:solidFill>
-                <a:latin typeface="DX영화자막 M"/>
-                <a:ea typeface="DX영화자막 M"/>
-              </a:rPr>
-              <a:t>소 개</a:t>
-            </a:r>
-            <a:endParaRPr lang="ko-KR" altLang="en-US" b="1">
-              <a:solidFill>
-                <a:sysClr val="windowText" lastClr="000000"/>
-              </a:solidFill>
-              <a:latin typeface="DX영화자막 M"/>
-              <a:ea typeface="DX영화자막 M"/>
-            </a:endParaRPr>
-          </a:p>
-        </p:txBody>
-      </p:sp>
-      <p:sp>
-        <p:nvSpPr>
-          <p:cNvPr id="41" name="직사각형 40"/>
-          <p:cNvSpPr/>
-          <p:nvPr/>
-        </p:nvSpPr>
-        <p:spPr>
-          <a:xfrm>
-            <a:off x="1431875" y="5612004"/>
-            <a:ext cx="6096000" cy="422607"/>
-          </a:xfrm>
-          <a:prstGeom prst="rect">
-            <a:avLst/>
-          </a:prstGeom>
-        </p:spPr>
-        <p:txBody>
-          <a:bodyPr>
-            <a:spAutoFit/>
-          </a:bodyPr>
-          <a:lstStyle/>
-          <a:p>
-            <a:pPr>
-              <a:lnSpc>
-                <a:spcPct val="120000"/>
-              </a:lnSpc>
-              <a:defRPr/>
-            </a:pPr>
-            <a:r>
-              <a:rPr lang="en-US" altLang="ko-KR">
-                <a:latin typeface="DX영화자막 M"/>
-                <a:ea typeface="DX영화자막 M"/>
-              </a:rPr>
-              <a:t>#</a:t>
-            </a:r>
-            <a:r>
-              <a:rPr lang="ko-KR" altLang="en-US">
-                <a:latin typeface="DX영화자막 M"/>
-                <a:ea typeface="DX영화자막 M"/>
-              </a:rPr>
-              <a:t>몰입 </a:t>
-            </a:r>
-            <a:r>
-              <a:rPr lang="en-US" altLang="ko-KR">
-                <a:latin typeface="DX영화자막 M"/>
-                <a:ea typeface="DX영화자막 M"/>
-              </a:rPr>
-              <a:t>#</a:t>
-            </a:r>
-            <a:r>
-              <a:rPr lang="ko-KR" altLang="en-US">
-                <a:latin typeface="DX영화자막 M"/>
-                <a:ea typeface="DX영화자막 M"/>
-              </a:rPr>
-              <a:t>슬로싱킹 </a:t>
-            </a:r>
-            <a:r>
-              <a:rPr lang="en-US" altLang="ko-KR">
-                <a:latin typeface="DX영화자막 M"/>
-                <a:ea typeface="DX영화자막 M"/>
-              </a:rPr>
-              <a:t>#</a:t>
-            </a:r>
-            <a:r>
-              <a:rPr lang="ko-KR" altLang="en-US">
-                <a:latin typeface="DX영화자막 M"/>
-                <a:ea typeface="DX영화자막 M"/>
-              </a:rPr>
-              <a:t>선잠 </a:t>
-            </a:r>
-            <a:endParaRPr lang="en-US" altLang="ko-KR">
-              <a:latin typeface="DX영화자막 M"/>
-              <a:ea typeface="DX영화자막 M"/>
-            </a:endParaRPr>
-          </a:p>
-        </p:txBody>
-      </p:sp>
-      <p:sp>
-        <p:nvSpPr>
-          <p:cNvPr id="67" name="직사각형 6"/>
-          <p:cNvSpPr/>
-          <p:nvPr/>
-        </p:nvSpPr>
-        <p:spPr>
-          <a:xfrm>
-            <a:off x="1409313" y="2305039"/>
-            <a:ext cx="6096000" cy="2729643"/>
-          </a:xfrm>
-          <a:prstGeom prst="rect">
-            <a:avLst/>
-          </a:prstGeom>
-        </p:spPr>
-        <p:txBody>
-          <a:bodyPr>
-            <a:spAutoFit/>
-          </a:bodyPr>
-          <a:lstStyle/>
-          <a:p>
-            <a:pPr>
-              <a:lnSpc>
-                <a:spcPct val="120000"/>
-              </a:lnSpc>
-              <a:defRPr/>
-            </a:pPr>
-            <a:r>
-              <a:rPr lang="ko-KR" altLang="en-US">
-                <a:latin typeface="DX영화자막 M"/>
-                <a:ea typeface="DX영화자막 M"/>
-              </a:rPr>
-              <a:t>『슬로싱킹』은 몰입의 기반이 되는 생각법 </a:t>
-            </a:r>
-            <a:r>
-              <a:rPr lang="en-US" altLang="ko-KR">
-                <a:latin typeface="DX영화자막 M"/>
-                <a:ea typeface="DX영화자막 M"/>
-              </a:rPr>
-              <a:t>‘</a:t>
-            </a:r>
-            <a:r>
-              <a:rPr lang="ko-KR" altLang="en-US">
-                <a:latin typeface="DX영화자막 M"/>
-                <a:ea typeface="DX영화자막 M"/>
-              </a:rPr>
-              <a:t>슬로싱킹</a:t>
-            </a:r>
-            <a:r>
-              <a:rPr lang="en-US" altLang="ko-KR">
-                <a:latin typeface="DX영화자막 M"/>
-                <a:ea typeface="DX영화자막 M"/>
-              </a:rPr>
-              <a:t>’</a:t>
-            </a:r>
-            <a:r>
-              <a:rPr lang="ko-KR" altLang="en-US">
-                <a:latin typeface="DX영화자막 M"/>
-                <a:ea typeface="DX영화자막 M"/>
-              </a:rPr>
-              <a:t>의 원리를 몰입의 효과와 함께 상세히 다루어 황논문식 생각법을 집대성한 책으로</a:t>
-            </a:r>
-            <a:r>
-              <a:rPr lang="en-US" altLang="ko-KR">
-                <a:latin typeface="DX영화자막 M"/>
-                <a:ea typeface="DX영화자막 M"/>
-              </a:rPr>
-              <a:t>,</a:t>
-            </a:r>
-            <a:r>
-              <a:rPr lang="ko-KR" altLang="en-US">
-                <a:latin typeface="DX영화자막 M"/>
-                <a:ea typeface="DX영화자막 M"/>
-              </a:rPr>
-              <a:t> 업무나 공부에 집중하려는 모든 사람들이 스트레스 없이 자신의 가량을 온전히 발휘하는 데 도움이 되고자 쓰였다</a:t>
-            </a:r>
-            <a:r>
-              <a:rPr lang="en-US" altLang="ko-KR">
-                <a:latin typeface="DX영화자막 M"/>
-                <a:ea typeface="DX영화자막 M"/>
-              </a:rPr>
-              <a:t>.</a:t>
-            </a:r>
-            <a:r>
-              <a:rPr lang="ko-KR" altLang="en-US">
-                <a:latin typeface="DX영화자막 M"/>
-                <a:ea typeface="DX영화자막 M"/>
-              </a:rPr>
-              <a:t> 일상의 크고 작은 문제를 해결하고 역량을 최대로 발휘하게 하는 동시에 </a:t>
-            </a:r>
-            <a:r>
-              <a:rPr lang="en-US" altLang="ko-KR">
-                <a:latin typeface="DX영화자막 M"/>
-                <a:ea typeface="DX영화자막 M"/>
-              </a:rPr>
-              <a:t>,</a:t>
-            </a:r>
-            <a:r>
-              <a:rPr lang="ko-KR" altLang="en-US">
-                <a:latin typeface="DX영화자막 M"/>
-                <a:ea typeface="DX영화자막 M"/>
-              </a:rPr>
-              <a:t> 창의성을 성장시키고 가치관까지 변화 시키는 강력한 생각의 습관</a:t>
-            </a:r>
-            <a:r>
-              <a:rPr lang="en-US" altLang="ko-KR">
-                <a:latin typeface="DX영화자막 M"/>
-                <a:ea typeface="DX영화자막 M"/>
-              </a:rPr>
-              <a:t>,</a:t>
-            </a:r>
-            <a:r>
-              <a:rPr lang="ko-KR" altLang="en-US">
-                <a:latin typeface="DX영화자막 M"/>
-                <a:ea typeface="DX영화자막 M"/>
-              </a:rPr>
-              <a:t> </a:t>
-            </a:r>
-            <a:r>
-              <a:rPr lang="en-US" altLang="ko-KR">
-                <a:latin typeface="DX영화자막 M"/>
-                <a:ea typeface="DX영화자막 M"/>
-              </a:rPr>
-              <a:t>‘</a:t>
-            </a:r>
-            <a:r>
-              <a:rPr lang="ko-KR" altLang="en-US">
-                <a:latin typeface="DX영화자막 M"/>
-                <a:ea typeface="DX영화자막 M"/>
-              </a:rPr>
-              <a:t>슬로싱킹</a:t>
-            </a:r>
-            <a:r>
-              <a:rPr lang="en-US" altLang="ko-KR">
-                <a:latin typeface="DX영화자막 M"/>
-                <a:ea typeface="DX영화자막 M"/>
-              </a:rPr>
-              <a:t>’</a:t>
-            </a:r>
-            <a:r>
-              <a:rPr lang="ko-KR" altLang="en-US">
-                <a:latin typeface="DX영화자막 M"/>
-                <a:ea typeface="DX영화자막 M"/>
-              </a:rPr>
-              <a:t>을 소개한다</a:t>
-            </a:r>
-            <a:r>
-              <a:rPr lang="en-US" altLang="ko-KR">
-                <a:latin typeface="DX영화자막 M"/>
-                <a:ea typeface="DX영화자막 M"/>
-              </a:rPr>
-              <a:t>.</a:t>
-            </a:r>
-            <a:endParaRPr lang="en-US" altLang="ko-KR">
-              <a:latin typeface="DX영화자막 M"/>
-              <a:ea typeface="DX영화자막 M"/>
-            </a:endParaRPr>
-          </a:p>
-          <a:p>
-            <a:pPr>
-              <a:lnSpc>
-                <a:spcPct val="120000"/>
-              </a:lnSpc>
-              <a:defRPr/>
-            </a:pPr>
-            <a:endParaRPr lang="en-US" altLang="ko-KR">
               <a:latin typeface="DX영화자막 M"/>
               <a:ea typeface="DX영화자막 M"/>
             </a:endParaRPr>
@@ -8649,147 +7735,182 @@
       </p:sp>
       <p:sp>
         <p:nvSpPr>
-          <p:cNvPr id="54" name="직사각형 6"/>
-          <p:cNvSpPr/>
+          <p:cNvPr id="60" name="TextBox 11"/>
+          <p:cNvSpPr txBox="1"/>
           <p:nvPr/>
         </p:nvSpPr>
         <p:spPr>
           <a:xfrm>
-            <a:off x="6679634" y="3247583"/>
-            <a:ext cx="4813042" cy="1732087"/>
+            <a:off x="6625512" y="3662265"/>
+            <a:ext cx="4744601" cy="641130"/>
           </a:xfrm>
           <a:prstGeom prst="rect">
             <a:avLst/>
           </a:prstGeom>
+          <a:noFill/>
         </p:spPr>
         <p:txBody>
-          <a:bodyPr wrap="square">
+          <a:bodyPr vert="horz" wrap="square" lIns="91440" tIns="45720" rIns="91440" bIns="45720" anchor="t">
             <a:spAutoFit/>
           </a:bodyPr>
           <a:lstStyle/>
           <a:p>
             <a:pPr algn="ctr">
+              <a:lnSpc>
+                <a:spcPct val="150000"/>
+              </a:lnSpc>
               <a:defRPr/>
             </a:pPr>
             <a:r>
-              <a:rPr lang="ko-KR" altLang="en-US"/>
-              <a:t>1단계의 목표는 자신의 능력에 대해 자신감을 얻는데 있습니다. 2단계의 방법은 하루에 1번, 2주 동안 풀리지 않는 문제를 2시간 동안 생각하는 것이고 2단계는 힘들이지 않고 오래도록 생각하는 방법을 터득하는 </a:t>
-            </a:r>
-            <a:endParaRPr lang="ko-KR" altLang="en-US"/>
-          </a:p>
-          <a:p>
-            <a:pPr algn="ctr">
-              <a:defRPr/>
-            </a:pPr>
-            <a:r>
-              <a:rPr lang="ko-KR" altLang="en-US"/>
-              <a:t>과정이라는데 의미가 있다</a:t>
-            </a:r>
-            <a:r>
-              <a:rPr lang="en-US" altLang="ko-KR"/>
-              <a:t>.</a:t>
-            </a:r>
-            <a:endParaRPr lang="en-US" altLang="ko-KR"/>
-          </a:p>
-        </p:txBody>
-      </p:sp>
-      <p:sp>
-        <p:nvSpPr>
-          <p:cNvPr id="58" name="직사각형 6"/>
-          <p:cNvSpPr/>
+              <a:rPr lang="ko-KR" altLang="en-US" sz="2400" kern="1400">
+                <a:solidFill>
+                  <a:schemeClr val="tx1"/>
+                </a:solidFill>
+                <a:latin typeface="DX영화자막 M"/>
+                <a:ea typeface="DX영화자막 M"/>
+              </a:rPr>
+              <a:t>몰입의 다른 표현은 </a:t>
+            </a:r>
+            <a:r>
+              <a:rPr lang="en-US" altLang="ko-KR" sz="2400" kern="1400">
+                <a:solidFill>
+                  <a:schemeClr val="tx1"/>
+                </a:solidFill>
+                <a:latin typeface="DX영화자막 M"/>
+                <a:ea typeface="DX영화자막 M"/>
+              </a:rPr>
+              <a:t>‘</a:t>
+            </a:r>
+            <a:r>
+              <a:rPr lang="ko-KR" altLang="en-US" sz="2400" kern="1400">
+                <a:solidFill>
+                  <a:schemeClr val="tx1"/>
+                </a:solidFill>
+                <a:latin typeface="DX영화자막 M"/>
+                <a:ea typeface="DX영화자막 M"/>
+              </a:rPr>
+              <a:t>행복</a:t>
+            </a:r>
+            <a:r>
+              <a:rPr lang="en-US" altLang="ko-KR" sz="2400" kern="1400">
+                <a:solidFill>
+                  <a:schemeClr val="tx1"/>
+                </a:solidFill>
+                <a:latin typeface="DX영화자막 M"/>
+                <a:ea typeface="DX영화자막 M"/>
+              </a:rPr>
+              <a:t>’</a:t>
+            </a:r>
+            <a:endParaRPr lang="ko-KR" altLang="en-US" sz="2400" kern="1400">
+              <a:solidFill>
+                <a:schemeClr val="tx1"/>
+              </a:solidFill>
+              <a:latin typeface="DX영화자막 M"/>
+              <a:ea typeface="DX영화자막 M"/>
+            </a:endParaRPr>
+          </a:p>
+        </p:txBody>
+      </p:sp>
+      <p:sp>
+        <p:nvSpPr>
+          <p:cNvPr id="61" name="TextBox 11"/>
+          <p:cNvSpPr txBox="1"/>
           <p:nvPr/>
         </p:nvSpPr>
         <p:spPr>
           <a:xfrm>
-            <a:off x="1544687" y="3293068"/>
-            <a:ext cx="3938297" cy="1734227"/>
+            <a:off x="1189266" y="3561961"/>
+            <a:ext cx="4744601" cy="1184250"/>
           </a:xfrm>
           <a:prstGeom prst="rect">
             <a:avLst/>
           </a:prstGeom>
+          <a:noFill/>
         </p:spPr>
         <p:txBody>
-          <a:bodyPr wrap="square">
+          <a:bodyPr vert="horz" wrap="square" lIns="91440" tIns="45720" rIns="91440" bIns="45720" anchor="t">
             <a:spAutoFit/>
           </a:bodyPr>
           <a:lstStyle/>
           <a:p>
             <a:pPr algn="ctr">
+              <a:lnSpc>
+                <a:spcPct val="150000"/>
+              </a:lnSpc>
               <a:defRPr/>
             </a:pPr>
             <a:r>
-              <a:rPr lang="ko-KR" altLang="en-US"/>
-              <a:t>슬로싱킹 말하자면 </a:t>
-            </a:r>
-            <a:r>
-              <a:rPr lang="en-US" altLang="ko-KR"/>
+              <a:rPr lang="ko-KR" altLang="en-US" sz="2400" kern="1400">
+                <a:solidFill>
+                  <a:schemeClr val="tx1"/>
+                </a:solidFill>
+                <a:latin typeface="DX영화자막 M"/>
+                <a:ea typeface="DX영화자막 M"/>
+              </a:rPr>
+              <a:t>속도를 늦출수록 탁월해지는</a:t>
+            </a:r>
+            <a:endParaRPr lang="ko-KR" altLang="en-US" sz="2400" kern="1400">
+              <a:solidFill>
+                <a:schemeClr val="tx1"/>
+              </a:solidFill>
+              <a:latin typeface="DX영화자막 M"/>
+              <a:ea typeface="DX영화자막 M"/>
+            </a:endParaRPr>
+          </a:p>
+          <a:p>
+            <a:pPr algn="ctr">
+              <a:lnSpc>
+                <a:spcPct val="150000"/>
+              </a:lnSpc>
+              <a:defRPr/>
+            </a:pPr>
+            <a:r>
+              <a:rPr lang="ko-KR" altLang="en-US" sz="2400" kern="1400">
+                <a:solidFill>
+                  <a:schemeClr val="tx1"/>
+                </a:solidFill>
+                <a:latin typeface="DX영화자막 M"/>
+                <a:ea typeface="DX영화자막 M"/>
+              </a:rPr>
+              <a:t> 생각의 </a:t>
+            </a:r>
+            <a:r>
+              <a:rPr lang="en-US" altLang="ko-KR" sz="2400" kern="1400">
+                <a:solidFill>
+                  <a:schemeClr val="tx1"/>
+                </a:solidFill>
+                <a:latin typeface="DX영화자막 M"/>
+                <a:ea typeface="DX영화자막 M"/>
+              </a:rPr>
               <a:t>‘</a:t>
             </a:r>
             <a:r>
-              <a:rPr lang="ko-KR" altLang="en-US"/>
-              <a:t>느긋하게</a:t>
-            </a:r>
-            <a:r>
-              <a:rPr lang="en-US" altLang="ko-KR"/>
-              <a:t>,</a:t>
-            </a:r>
-            <a:r>
-              <a:rPr lang="ko-KR" altLang="en-US"/>
-              <a:t> 그러나 </a:t>
-            </a:r>
-            <a:r>
-              <a:rPr lang="en-US" altLang="ko-KR"/>
-              <a:t>1</a:t>
-            </a:r>
-            <a:r>
-              <a:rPr lang="ko-KR" altLang="en-US"/>
-              <a:t>초도 멈춤 없이 계속해서 생각하라</a:t>
-            </a:r>
-            <a:r>
-              <a:rPr lang="en-US" altLang="ko-KR"/>
+              <a:rPr lang="ko-KR" altLang="en-US" sz="2400" kern="1400">
+                <a:solidFill>
+                  <a:schemeClr val="tx1"/>
+                </a:solidFill>
+                <a:latin typeface="DX영화자막 M"/>
+                <a:ea typeface="DX영화자막 M"/>
+              </a:rPr>
+              <a:t>힘</a:t>
+            </a:r>
+            <a:r>
+              <a:rPr lang="en-US" altLang="ko-KR" sz="2400" kern="1400">
+                <a:solidFill>
+                  <a:schemeClr val="tx1"/>
+                </a:solidFill>
+                <a:latin typeface="DX영화자막 M"/>
+                <a:ea typeface="DX영화자막 M"/>
+              </a:rPr>
               <a:t>’</a:t>
             </a:r>
-            <a:r>
-              <a:rPr lang="ko-KR" altLang="en-US"/>
-              <a:t>는 것인데 어쩌면 생각이 너무 많아서 피곤한 누군가들에게 이게 통할까 싶기도 하지만 이 </a:t>
-            </a:r>
-            <a:r>
-              <a:rPr lang="en-US" altLang="ko-KR"/>
-              <a:t>‘</a:t>
-            </a:r>
-            <a:r>
-              <a:rPr lang="ko-KR" altLang="en-US"/>
-              <a:t>슬로싱킹은</a:t>
-            </a:r>
-            <a:r>
-              <a:rPr lang="en-US" altLang="ko-KR"/>
-              <a:t>’</a:t>
-            </a:r>
-            <a:r>
-              <a:rPr lang="ko-KR" altLang="en-US"/>
-              <a:t> 은</a:t>
-            </a:r>
-            <a:r>
-              <a:rPr lang="en-US" altLang="ko-KR"/>
-              <a:t>’</a:t>
-            </a:r>
-            <a:r>
-              <a:rPr lang="ko-KR" altLang="en-US"/>
-              <a:t>슬로</a:t>
-            </a:r>
-            <a:r>
-              <a:rPr lang="en-US" altLang="ko-KR"/>
-              <a:t>’</a:t>
-            </a:r>
-            <a:r>
-              <a:rPr lang="ko-KR" altLang="en-US"/>
-              <a:t>에 초점을 둔다</a:t>
-            </a:r>
-            <a:r>
-              <a:rPr lang="en-US" altLang="ko-KR"/>
-              <a:t>.</a:t>
-            </a:r>
-            <a:endParaRPr lang="en-US" altLang="ko-KR"/>
+            <a:endParaRPr lang="en-US" altLang="ko-KR" sz="2400" kern="1400">
+              <a:solidFill>
+                <a:schemeClr val="tx1"/>
+              </a:solidFill>
+              <a:latin typeface="DX영화자막 M"/>
+              <a:ea typeface="DX영화자막 M"/>
+            </a:endParaRPr>
           </a:p>
         </p:txBody>
       </p:sp>
@@ -9118,52 +8239,6 @@
       </p:sp>
       <p:sp>
         <p:nvSpPr>
-          <p:cNvPr id="15" name="TextBox 14"/>
-          <p:cNvSpPr txBox="1"/>
-          <p:nvPr/>
-        </p:nvSpPr>
-        <p:spPr>
-          <a:xfrm>
-            <a:off x="8560905" y="6493565"/>
-            <a:ext cx="3578087" cy="295855"/>
-          </a:xfrm>
-          <a:prstGeom prst="rect">
-            <a:avLst/>
-          </a:prstGeom>
-          <a:noFill/>
-        </p:spPr>
-        <p:txBody>
-          <a:bodyPr wrap="square">
-            <a:spAutoFit/>
-          </a:bodyPr>
-          <a:lstStyle/>
-          <a:p>
-            <a:pPr algn="r">
-              <a:defRPr/>
-            </a:pPr>
-            <a:r>
-              <a:rPr lang="ko-KR" altLang="en-US" sz="1400">
-                <a:latin typeface="210 스탠다드 030"/>
-                <a:ea typeface="210 스탠다드 030"/>
-              </a:rPr>
-              <a:t>책 </a:t>
-            </a:r>
-            <a:r>
-              <a:rPr lang="en-US" altLang="ko-KR" sz="1400">
-                <a:latin typeface="210 스탠다드 030"/>
-                <a:ea typeface="210 스탠다드 030"/>
-              </a:rPr>
-              <a:t>278p</a:t>
-            </a:r>
-            <a:endParaRPr lang="ko-KR" altLang="en-US" sz="1400">
-              <a:latin typeface="210 스탠다드 030"/>
-              <a:ea typeface="210 스탠다드 030"/>
-            </a:endParaRPr>
-          </a:p>
-        </p:txBody>
-      </p:sp>
-      <p:sp>
-        <p:nvSpPr>
           <p:cNvPr id="52" name="TextBox 51"/>
           <p:cNvSpPr txBox="1"/>
           <p:nvPr/>
@@ -9271,8 +8346,8 @@
         </p:nvSpPr>
         <p:spPr>
           <a:xfrm>
-            <a:off x="3606362" y="3922233"/>
-            <a:ext cx="2285510" cy="316499"/>
+            <a:off x="5549656" y="3688967"/>
+            <a:ext cx="4239107" cy="316499"/>
           </a:xfrm>
           <a:custGeom>
             <a:avLst/>
@@ -9662,8 +8737,8 @@
         </p:nvSpPr>
         <p:spPr>
           <a:xfrm>
-            <a:off x="3856208" y="3390900"/>
-            <a:ext cx="2759663" cy="268679"/>
+            <a:off x="3330584" y="3289023"/>
+            <a:ext cx="3469177" cy="356153"/>
           </a:xfrm>
           <a:custGeom>
             <a:avLst/>
@@ -10013,8 +9088,8 @@
         </p:nvSpPr>
         <p:spPr>
           <a:xfrm>
-            <a:off x="5689421" y="3663115"/>
-            <a:ext cx="2615969" cy="229024"/>
+            <a:off x="3480031" y="4081631"/>
+            <a:ext cx="2509055" cy="287340"/>
           </a:xfrm>
           <a:custGeom>
             <a:avLst/>
@@ -10398,18 +9473,19 @@
       </p:sp>
       <p:sp>
         <p:nvSpPr>
-          <p:cNvPr id="63" name="직사각형 6"/>
-          <p:cNvSpPr/>
+          <p:cNvPr id="65" name="TextBox 11"/>
+          <p:cNvSpPr txBox="1"/>
           <p:nvPr/>
         </p:nvSpPr>
         <p:spPr>
           <a:xfrm>
-            <a:off x="3121866" y="3061412"/>
-            <a:ext cx="5250415" cy="1186389"/>
+            <a:off x="2202616" y="2909124"/>
+            <a:ext cx="7786768" cy="1557168"/>
           </a:xfrm>
           <a:prstGeom prst="rect">
             <a:avLst/>
           </a:prstGeom>
+          <a:noFill/>
         </p:spPr>
         <p:txBody>
           <a:bodyPr wrap="square">
@@ -10421,64 +9497,64 @@
               <a:defRPr/>
             </a:pPr>
             <a:r>
-              <a:rPr lang="ko-KR" altLang="en-US"/>
+              <a:rPr lang="ko-KR" altLang="en-US" sz="2400"/>
               <a:t>만유인력을 어떻게 발견 했냐는 질문에 아이작 뉴턴은 </a:t>
             </a:r>
             <a:r>
-              <a:rPr lang="en-US" altLang="ko-KR"/>
+              <a:rPr lang="en-US" altLang="ko-KR" sz="2400"/>
               <a:t>“</a:t>
             </a:r>
             <a:r>
-              <a:rPr lang="ko-KR" altLang="en-US"/>
+              <a:rPr lang="ko-KR" altLang="en-US" sz="2400"/>
               <a:t>내내 그생각만 했으니까</a:t>
             </a:r>
             <a:r>
-              <a:rPr lang="en-US" altLang="ko-KR"/>
+              <a:rPr lang="en-US" altLang="ko-KR" sz="2400"/>
               <a:t>”</a:t>
             </a:r>
             <a:r>
-              <a:rPr lang="ko-KR" altLang="en-US"/>
+              <a:rPr lang="ko-KR" altLang="en-US" sz="2400"/>
               <a:t> 라고 대답했다</a:t>
             </a:r>
             <a:r>
-              <a:rPr lang="en-US" altLang="ko-KR"/>
+              <a:rPr lang="en-US" altLang="ko-KR" sz="2400"/>
               <a:t>.</a:t>
             </a:r>
             <a:r>
-              <a:rPr lang="ko-KR" altLang="en-US"/>
+              <a:rPr lang="ko-KR" altLang="en-US" sz="2400"/>
               <a:t> </a:t>
             </a:r>
-            <a:endParaRPr lang="ko-KR" altLang="en-US"/>
+            <a:endParaRPr lang="ko-KR" altLang="en-US" sz="2400"/>
           </a:p>
           <a:p>
             <a:pPr algn="ctr">
               <a:defRPr/>
             </a:pPr>
             <a:r>
-              <a:rPr lang="ko-KR" altLang="en-US"/>
+              <a:rPr lang="ko-KR" altLang="en-US" sz="2400"/>
               <a:t>알베르트 아이슈타인도 </a:t>
             </a:r>
             <a:r>
-              <a:rPr lang="en-US" altLang="ko-KR"/>
+              <a:rPr lang="en-US" altLang="ko-KR" sz="2400"/>
               <a:t>”</a:t>
             </a:r>
             <a:r>
-              <a:rPr lang="ko-KR" altLang="en-US"/>
+              <a:rPr lang="ko-KR" altLang="en-US" sz="2400"/>
               <a:t>나는 몇달이고 몇 년이고 생각하고 또 생각한다</a:t>
             </a:r>
             <a:r>
-              <a:rPr lang="en-US" altLang="ko-KR"/>
+              <a:rPr lang="en-US" altLang="ko-KR" sz="2400"/>
               <a:t>”</a:t>
             </a:r>
             <a:r>
-              <a:rPr lang="ko-KR" altLang="en-US"/>
+              <a:rPr lang="ko-KR" altLang="en-US" sz="2400"/>
               <a:t> 라고 말한 바 있다</a:t>
             </a:r>
             <a:r>
-              <a:rPr lang="en-US" altLang="ko-KR"/>
+              <a:rPr lang="en-US" altLang="ko-KR" sz="2400"/>
               <a:t>.</a:t>
             </a:r>
-            <a:endParaRPr lang="en-US" altLang="ko-KR"/>
+            <a:endParaRPr lang="en-US" altLang="ko-KR" sz="2400"/>
           </a:p>
         </p:txBody>
       </p:sp>
@@ -11199,52 +10275,6 @@
               <a:solidFill>
                 <a:srgbClr val="9a8b85"/>
               </a:solidFill>
-            </a:endParaRPr>
-          </a:p>
-        </p:txBody>
-      </p:sp>
-      <p:sp>
-        <p:nvSpPr>
-          <p:cNvPr id="15" name="TextBox 14"/>
-          <p:cNvSpPr txBox="1"/>
-          <p:nvPr/>
-        </p:nvSpPr>
-        <p:spPr>
-          <a:xfrm>
-            <a:off x="8560905" y="6493565"/>
-            <a:ext cx="3578087" cy="295855"/>
-          </a:xfrm>
-          <a:prstGeom prst="rect">
-            <a:avLst/>
-          </a:prstGeom>
-          <a:noFill/>
-        </p:spPr>
-        <p:txBody>
-          <a:bodyPr wrap="square">
-            <a:spAutoFit/>
-          </a:bodyPr>
-          <a:lstStyle/>
-          <a:p>
-            <a:pPr algn="r">
-              <a:defRPr/>
-            </a:pPr>
-            <a:r>
-              <a:rPr lang="ko-KR" altLang="en-US" sz="1400">
-                <a:latin typeface="210 스탠다드 030"/>
-                <a:ea typeface="210 스탠다드 030"/>
-              </a:rPr>
-              <a:t>책 </a:t>
-            </a:r>
-            <a:r>
-              <a:rPr lang="en-US" altLang="ko-KR" sz="1400">
-                <a:latin typeface="210 스탠다드 030"/>
-                <a:ea typeface="210 스탠다드 030"/>
-              </a:rPr>
-              <a:t>279p</a:t>
-            </a:r>
-            <a:endParaRPr lang="ko-KR" altLang="en-US" sz="1400">
-              <a:latin typeface="210 스탠다드 030"/>
-              <a:ea typeface="210 스탠다드 030"/>
             </a:endParaRPr>
           </a:p>
         </p:txBody>

--- a/2조.pptx
+++ b/2조.pptx
@@ -2,7 +2,7 @@
 <file path=ppt/presentation.xml><?xml version="1.0" encoding="utf-8"?>
 <p:presentation xmlns:r="http://schemas.openxmlformats.org/officeDocument/2006/relationships" xmlns:c="http://schemas.openxmlformats.org/drawingml/2006/chart" xmlns:a="http://schemas.openxmlformats.org/drawingml/2006/main" xmlns:dgm="http://schemas.openxmlformats.org/drawingml/2006/diagram" xmlns:dsp="http://schemas.microsoft.com/office/drawing/2008/diagram" xmlns:p="http://schemas.openxmlformats.org/presentationml/2006/main" embedTrueTypeFonts="1" saveSubsetFonts="1" autoCompressPictures="0">
   <p:sldMasterIdLst>
-    <p:sldMasterId id="2147483665" r:id="rId1"/>
+    <p:sldMasterId id="2147483670" r:id="rId1"/>
   </p:sldMasterIdLst>
   <p:sldIdLst>
     <p:sldId id="256" r:id="rId2"/>
@@ -5217,7 +5217,7 @@
       </p:sp>
       <p:pic>
         <p:nvPicPr>
-          <p:cNvPr id="52" name=""/>
+          <p:cNvPr id="54" name=""/>
           <p:cNvPicPr>
             <a:picLocks noChangeAspect="1"/>
           </p:cNvPicPr>
@@ -5231,8 +5231,8 @@
         </p:blipFill>
         <p:spPr>
           <a:xfrm>
-            <a:off x="1827415" y="1461385"/>
-            <a:ext cx="8537169" cy="4780815"/>
+            <a:off x="1433312" y="1353926"/>
+            <a:ext cx="9325376" cy="5222210"/>
           </a:xfrm>
           <a:prstGeom prst="rect">
             <a:avLst/>

--- a/2조.pptx
+++ b/2조.pptx
@@ -2,7 +2,7 @@
 <file path=ppt/presentation.xml><?xml version="1.0" encoding="utf-8"?>
 <p:presentation xmlns:r="http://schemas.openxmlformats.org/officeDocument/2006/relationships" xmlns:c="http://schemas.openxmlformats.org/drawingml/2006/chart" xmlns:a="http://schemas.openxmlformats.org/drawingml/2006/main" xmlns:dgm="http://schemas.openxmlformats.org/drawingml/2006/diagram" xmlns:dsp="http://schemas.microsoft.com/office/drawing/2008/diagram" xmlns:p="http://schemas.openxmlformats.org/presentationml/2006/main" embedTrueTypeFonts="1" saveSubsetFonts="1" autoCompressPictures="0">
   <p:sldMasterIdLst>
-    <p:sldMasterId id="2147483670" r:id="rId1"/>
+    <p:sldMasterId id="2147483660" r:id="rId1"/>
   </p:sldMasterIdLst>
   <p:sldIdLst>
     <p:sldId id="256" r:id="rId2"/>
@@ -3389,7 +3389,7 @@
                 <a:latin typeface="DX영화자막 M"/>
                 <a:ea typeface="DX영화자막 M"/>
               </a:rPr>
-              <a:t>/ </a:t>
+              <a:t>/</a:t>
             </a:r>
             <a:r>
               <a:rPr lang="ko-KR" altLang="en-US" sz="1400">
@@ -3415,32 +3415,6 @@
           </a:p>
         </p:txBody>
       </p:sp>
-      <p:pic>
-        <p:nvPicPr>
-          <p:cNvPr id="50" name="그림 49" descr="테이블, 그리기이(가) 표시된 사진  자동 생성된 설명"/>
-          <p:cNvPicPr>
-            <a:picLocks noChangeAspect="1"/>
-          </p:cNvPicPr>
-          <p:nvPr/>
-        </p:nvPicPr>
-        <p:blipFill rotWithShape="1">
-          <a:blip r:embed="rId3">
-            <a:alphaModFix amt="70000"/>
-          </a:blip>
-          <a:stretch>
-            <a:fillRect/>
-          </a:stretch>
-        </p:blipFill>
-        <p:spPr>
-          <a:xfrm>
-            <a:off x="5535496" y="1271681"/>
-            <a:ext cx="1375565" cy="1375565"/>
-          </a:xfrm>
-          <a:prstGeom prst="rect">
-            <a:avLst/>
-          </a:prstGeom>
-        </p:spPr>
-      </p:pic>
       <p:sp>
         <p:nvSpPr>
           <p:cNvPr id="40" name="TextBox 39"/>
@@ -3498,8 +3472,8 @@
         </p:nvSpPr>
         <p:spPr>
           <a:xfrm>
-            <a:off x="3123913" y="3251117"/>
-            <a:ext cx="5963225" cy="1889788"/>
+            <a:off x="1" y="4178877"/>
+            <a:ext cx="12191999" cy="1889788"/>
           </a:xfrm>
           <a:custGeom>
             <a:avLst/>
@@ -3889,8 +3863,8 @@
         </p:nvSpPr>
         <p:spPr>
           <a:xfrm>
-            <a:off x="1298712" y="3429000"/>
-            <a:ext cx="9594576" cy="1455870"/>
+            <a:off x="1289186" y="4356760"/>
+            <a:ext cx="9594576" cy="1461110"/>
           </a:xfrm>
           <a:prstGeom prst="rect">
             <a:avLst/>
@@ -3954,6 +3928,7 @@
                 <a:schemeClr val="tx1"/>
               </a:solidFill>
               <a:latin typeface="DX영화자막 M"/>
+              <a:ea typeface="DX영화자막 M"/>
             </a:endParaRPr>
           </a:p>
           <a:p>
@@ -4022,6 +3997,30 @@
           </a:p>
         </p:txBody>
       </p:sp>
+      <p:pic>
+        <p:nvPicPr>
+          <p:cNvPr id="53" name=""/>
+          <p:cNvPicPr>
+            <a:picLocks noChangeAspect="1"/>
+          </p:cNvPicPr>
+          <p:nvPr/>
+        </p:nvPicPr>
+        <p:blipFill rotWithShape="1">
+          <a:blip r:embed="rId3"/>
+          <a:stretch>
+            <a:fillRect/>
+          </a:stretch>
+        </p:blipFill>
+        <p:spPr>
+          <a:xfrm>
+            <a:off x="4473138" y="884564"/>
+            <a:ext cx="3245724" cy="3245724"/>
+          </a:xfrm>
+          <a:prstGeom prst="rect">
+            <a:avLst/>
+          </a:prstGeom>
+        </p:spPr>
+      </p:pic>
     </p:spTree>
   </p:cSld>
   <p:clrMapOvr>
@@ -8117,93 +8116,6 @@
       </p:grpSp>
       <p:sp>
         <p:nvSpPr>
-          <p:cNvPr id="9" name="TextBox 8"/>
-          <p:cNvSpPr txBox="1"/>
-          <p:nvPr/>
-        </p:nvSpPr>
-        <p:spPr>
-          <a:xfrm>
-            <a:off x="5406105" y="1815509"/>
-            <a:ext cx="1379789" cy="1613491"/>
-          </a:xfrm>
-          <a:prstGeom prst="rect">
-            <a:avLst/>
-          </a:prstGeom>
-          <a:noFill/>
-        </p:spPr>
-        <p:txBody>
-          <a:bodyPr wrap="square">
-            <a:spAutoFit/>
-          </a:bodyPr>
-          <a:lstStyle/>
-          <a:p>
-            <a:pPr algn="ctr">
-              <a:defRPr/>
-            </a:pPr>
-            <a:r>
-              <a:rPr lang="en-US" altLang="ko-KR" sz="10000">
-                <a:solidFill>
-                  <a:srgbClr val="9a8b85"/>
-                </a:solidFill>
-                <a:latin typeface="휴먼옛체"/>
-                <a:ea typeface="휴먼옛체"/>
-              </a:rPr>
-              <a:t>“</a:t>
-            </a:r>
-            <a:endParaRPr lang="ko-KR" altLang="en-US" sz="10000">
-              <a:solidFill>
-                <a:srgbClr val="9a8b85"/>
-              </a:solidFill>
-              <a:latin typeface="휴먼옛체"/>
-              <a:ea typeface="휴먼옛체"/>
-            </a:endParaRPr>
-          </a:p>
-        </p:txBody>
-      </p:sp>
-      <p:sp>
-        <p:nvSpPr>
-          <p:cNvPr id="11" name="직사각형 10"/>
-          <p:cNvSpPr/>
-          <p:nvPr/>
-        </p:nvSpPr>
-        <p:spPr>
-          <a:xfrm>
-            <a:off x="5367821" y="4419833"/>
-            <a:ext cx="1457793" cy="1614779"/>
-          </a:xfrm>
-          <a:prstGeom prst="rect">
-            <a:avLst/>
-          </a:prstGeom>
-        </p:spPr>
-        <p:txBody>
-          <a:bodyPr wrap="none">
-            <a:spAutoFit/>
-          </a:bodyPr>
-          <a:lstStyle/>
-          <a:p>
-            <a:pPr algn="ctr">
-              <a:defRPr/>
-            </a:pPr>
-            <a:r>
-              <a:rPr lang="en-US" altLang="ko-KR" sz="10000">
-                <a:solidFill>
-                  <a:srgbClr val="9a8b85"/>
-                </a:solidFill>
-                <a:latin typeface="휴먼옛체"/>
-                <a:ea typeface="휴먼옛체"/>
-              </a:rPr>
-              <a:t>”</a:t>
-            </a:r>
-            <a:endParaRPr lang="ko-KR" altLang="en-US" sz="10000">
-              <a:solidFill>
-                <a:srgbClr val="9a8b85"/>
-              </a:solidFill>
-            </a:endParaRPr>
-          </a:p>
-        </p:txBody>
-      </p:sp>
-      <p:sp>
-        <p:nvSpPr>
           <p:cNvPr id="12" name="TextBox 11"/>
           <p:cNvSpPr txBox="1"/>
           <p:nvPr/>
@@ -8338,1226 +8250,30 @@
           </a:p>
         </p:txBody>
       </p:sp>
-      <p:sp>
-        <p:nvSpPr>
-          <p:cNvPr id="64" name="순서도: 처리 61"/>
-          <p:cNvSpPr/>
+      <p:pic>
+        <p:nvPicPr>
+          <p:cNvPr id="66" name=""/>
+          <p:cNvPicPr>
+            <a:picLocks noChangeAspect="1"/>
+          </p:cNvPicPr>
           <p:nvPr/>
-        </p:nvSpPr>
+        </p:nvPicPr>
+        <p:blipFill rotWithShape="1">
+          <a:blip r:embed="rId3"/>
+          <a:stretch>
+            <a:fillRect/>
+          </a:stretch>
+        </p:blipFill>
         <p:spPr>
           <a:xfrm>
-            <a:off x="5549656" y="3688967"/>
-            <a:ext cx="4239107" cy="316499"/>
-          </a:xfrm>
-          <a:custGeom>
-            <a:avLst/>
-            <a:gdLst>
-              <a:gd name="connsiteX0" fmla="*/ 0 w 5940000"/>
-              <a:gd name="connsiteY0" fmla="*/ 0 h 394254"/>
-              <a:gd name="connsiteX1" fmla="*/ 481800 w 5940000"/>
-              <a:gd name="connsiteY1" fmla="*/ 0 h 394254"/>
-              <a:gd name="connsiteX2" fmla="*/ 1082400 w 5940000"/>
-              <a:gd name="connsiteY2" fmla="*/ 0 h 394254"/>
-              <a:gd name="connsiteX3" fmla="*/ 1623600 w 5940000"/>
-              <a:gd name="connsiteY3" fmla="*/ 0 h 394254"/>
-              <a:gd name="connsiteX4" fmla="*/ 2164800 w 5940000"/>
-              <a:gd name="connsiteY4" fmla="*/ 0 h 394254"/>
-              <a:gd name="connsiteX5" fmla="*/ 2824800 w 5940000"/>
-              <a:gd name="connsiteY5" fmla="*/ 0 h 394254"/>
-              <a:gd name="connsiteX6" fmla="*/ 3484800 w 5940000"/>
-              <a:gd name="connsiteY6" fmla="*/ 0 h 394254"/>
-              <a:gd name="connsiteX7" fmla="*/ 4026000 w 5940000"/>
-              <a:gd name="connsiteY7" fmla="*/ 0 h 394254"/>
-              <a:gd name="connsiteX8" fmla="*/ 4745400 w 5940000"/>
-              <a:gd name="connsiteY8" fmla="*/ 0 h 394254"/>
-              <a:gd name="connsiteX9" fmla="*/ 5227200 w 5940000"/>
-              <a:gd name="connsiteY9" fmla="*/ 0 h 394254"/>
-              <a:gd name="connsiteX10" fmla="*/ 5940000 w 5940000"/>
-              <a:gd name="connsiteY10" fmla="*/ 0 h 394254"/>
-              <a:gd name="connsiteX11" fmla="*/ 5940000 w 5940000"/>
-              <a:gd name="connsiteY11" fmla="*/ 394254 h 394254"/>
-              <a:gd name="connsiteX12" fmla="*/ 5280000 w 5940000"/>
-              <a:gd name="connsiteY12" fmla="*/ 394254 h 394254"/>
-              <a:gd name="connsiteX13" fmla="*/ 4798200 w 5940000"/>
-              <a:gd name="connsiteY13" fmla="*/ 394254 h 394254"/>
-              <a:gd name="connsiteX14" fmla="*/ 4138200 w 5940000"/>
-              <a:gd name="connsiteY14" fmla="*/ 394254 h 394254"/>
-              <a:gd name="connsiteX15" fmla="*/ 3418800 w 5940000"/>
-              <a:gd name="connsiteY15" fmla="*/ 394254 h 394254"/>
-              <a:gd name="connsiteX16" fmla="*/ 2877600 w 5940000"/>
-              <a:gd name="connsiteY16" fmla="*/ 394254 h 394254"/>
-              <a:gd name="connsiteX17" fmla="*/ 2217600 w 5940000"/>
-              <a:gd name="connsiteY17" fmla="*/ 394254 h 394254"/>
-              <a:gd name="connsiteX18" fmla="*/ 1498200 w 5940000"/>
-              <a:gd name="connsiteY18" fmla="*/ 394254 h 394254"/>
-              <a:gd name="connsiteX19" fmla="*/ 838200 w 5940000"/>
-              <a:gd name="connsiteY19" fmla="*/ 394254 h 394254"/>
-              <a:gd name="connsiteX20" fmla="*/ 0 w 5940000"/>
-              <a:gd name="connsiteY20" fmla="*/ 394254 h 394254"/>
-              <a:gd name="connsiteX21" fmla="*/ 0 w 5940000"/>
-              <a:gd name="connsiteY21" fmla="*/ 0 h 394254"/>
-            </a:gdLst>
-            <a:cxnLst>
-              <a:cxn ang="0">
-                <a:pos x="connsiteX0" y="connsiteY0"/>
-              </a:cxn>
-              <a:cxn ang="0">
-                <a:pos x="connsiteX1" y="connsiteY1"/>
-              </a:cxn>
-              <a:cxn ang="0">
-                <a:pos x="connsiteX2" y="connsiteY2"/>
-              </a:cxn>
-              <a:cxn ang="0">
-                <a:pos x="connsiteX3" y="connsiteY3"/>
-              </a:cxn>
-              <a:cxn ang="0">
-                <a:pos x="connsiteX4" y="connsiteY4"/>
-              </a:cxn>
-              <a:cxn ang="0">
-                <a:pos x="connsiteX5" y="connsiteY5"/>
-              </a:cxn>
-              <a:cxn ang="0">
-                <a:pos x="connsiteX6" y="connsiteY6"/>
-              </a:cxn>
-              <a:cxn ang="0">
-                <a:pos x="connsiteX7" y="connsiteY7"/>
-              </a:cxn>
-              <a:cxn ang="0">
-                <a:pos x="connsiteX8" y="connsiteY8"/>
-              </a:cxn>
-              <a:cxn ang="0">
-                <a:pos x="connsiteX9" y="connsiteY9"/>
-              </a:cxn>
-              <a:cxn ang="0">
-                <a:pos x="connsiteX10" y="connsiteY10"/>
-              </a:cxn>
-              <a:cxn ang="0">
-                <a:pos x="connsiteX11" y="connsiteY11"/>
-              </a:cxn>
-              <a:cxn ang="0">
-                <a:pos x="connsiteX12" y="connsiteY12"/>
-              </a:cxn>
-              <a:cxn ang="0">
-                <a:pos x="connsiteX13" y="connsiteY13"/>
-              </a:cxn>
-              <a:cxn ang="0">
-                <a:pos x="connsiteX14" y="connsiteY14"/>
-              </a:cxn>
-              <a:cxn ang="0">
-                <a:pos x="connsiteX15" y="connsiteY15"/>
-              </a:cxn>
-              <a:cxn ang="0">
-                <a:pos x="connsiteX16" y="connsiteY16"/>
-              </a:cxn>
-              <a:cxn ang="0">
-                <a:pos x="connsiteX17" y="connsiteY17"/>
-              </a:cxn>
-              <a:cxn ang="0">
-                <a:pos x="connsiteX18" y="connsiteY18"/>
-              </a:cxn>
-              <a:cxn ang="0">
-                <a:pos x="connsiteX19" y="connsiteY19"/>
-              </a:cxn>
-              <a:cxn ang="0">
-                <a:pos x="connsiteX20" y="connsiteY20"/>
-              </a:cxn>
-              <a:cxn ang="0">
-                <a:pos x="connsiteX21" y="connsiteY21"/>
-              </a:cxn>
-            </a:cxnLst>
-            <a:rect l="l" t="t" r="r" b="b"/>
-            <a:pathLst>
-              <a:path w="5940000" h="394254" fill="none" extrusionOk="0">
-                <a:moveTo>
-                  <a:pt x="0" y="0"/>
-                </a:moveTo>
-                <a:cubicBezTo>
-                  <a:pt x="180234" y="8070"/>
-                  <a:pt x="327935" y="-6618"/>
-                  <a:pt x="481800" y="0"/>
-                </a:cubicBezTo>
-                <a:cubicBezTo>
-                  <a:pt x="635665" y="6618"/>
-                  <a:pt x="911184" y="3231"/>
-                  <a:pt x="1082400" y="0"/>
-                </a:cubicBezTo>
-                <a:cubicBezTo>
-                  <a:pt x="1253616" y="-3231"/>
-                  <a:pt x="1383789" y="26143"/>
-                  <a:pt x="1623600" y="0"/>
-                </a:cubicBezTo>
-                <a:cubicBezTo>
-                  <a:pt x="1863411" y="-26143"/>
-                  <a:pt x="1999318" y="-15733"/>
-                  <a:pt x="2164800" y="0"/>
-                </a:cubicBezTo>
-                <a:cubicBezTo>
-                  <a:pt x="2330282" y="15733"/>
-                  <a:pt x="2547575" y="-6540"/>
-                  <a:pt x="2824800" y="0"/>
-                </a:cubicBezTo>
-                <a:cubicBezTo>
-                  <a:pt x="3102025" y="6540"/>
-                  <a:pt x="3197772" y="5889"/>
-                  <a:pt x="3484800" y="0"/>
-                </a:cubicBezTo>
-                <a:cubicBezTo>
-                  <a:pt x="3771828" y="-5889"/>
-                  <a:pt x="3879156" y="-22176"/>
-                  <a:pt x="4026000" y="0"/>
-                </a:cubicBezTo>
-                <a:cubicBezTo>
-                  <a:pt x="4172844" y="22176"/>
-                  <a:pt x="4459898" y="-16494"/>
-                  <a:pt x="4745400" y="0"/>
-                </a:cubicBezTo>
-                <a:cubicBezTo>
-                  <a:pt x="5030902" y="16494"/>
-                  <a:pt x="5116687" y="-20569"/>
-                  <a:pt x="5227200" y="0"/>
-                </a:cubicBezTo>
-                <a:cubicBezTo>
-                  <a:pt x="5337713" y="20569"/>
-                  <a:pt x="5731145" y="-26427"/>
-                  <a:pt x="5940000" y="0"/>
-                </a:cubicBezTo>
-                <a:cubicBezTo>
-                  <a:pt x="5955965" y="187069"/>
-                  <a:pt x="5938429" y="235809"/>
-                  <a:pt x="5940000" y="394254"/>
-                </a:cubicBezTo>
-                <a:cubicBezTo>
-                  <a:pt x="5728365" y="399197"/>
-                  <a:pt x="5567406" y="419755"/>
-                  <a:pt x="5280000" y="394254"/>
-                </a:cubicBezTo>
-                <a:cubicBezTo>
-                  <a:pt x="4992594" y="368753"/>
-                  <a:pt x="5006558" y="400414"/>
-                  <a:pt x="4798200" y="394254"/>
-                </a:cubicBezTo>
-                <a:cubicBezTo>
-                  <a:pt x="4589842" y="388094"/>
-                  <a:pt x="4392035" y="388787"/>
-                  <a:pt x="4138200" y="394254"/>
-                </a:cubicBezTo>
-                <a:cubicBezTo>
-                  <a:pt x="3884365" y="399721"/>
-                  <a:pt x="3655200" y="399403"/>
-                  <a:pt x="3418800" y="394254"/>
-                </a:cubicBezTo>
-                <a:cubicBezTo>
-                  <a:pt x="3182400" y="389105"/>
-                  <a:pt x="2993592" y="385858"/>
-                  <a:pt x="2877600" y="394254"/>
-                </a:cubicBezTo>
-                <a:cubicBezTo>
-                  <a:pt x="2761608" y="402650"/>
-                  <a:pt x="2437936" y="408386"/>
-                  <a:pt x="2217600" y="394254"/>
-                </a:cubicBezTo>
-                <a:cubicBezTo>
-                  <a:pt x="1997264" y="380122"/>
-                  <a:pt x="1836941" y="361431"/>
-                  <a:pt x="1498200" y="394254"/>
-                </a:cubicBezTo>
-                <a:cubicBezTo>
-                  <a:pt x="1159459" y="427077"/>
-                  <a:pt x="1026651" y="404549"/>
-                  <a:pt x="838200" y="394254"/>
-                </a:cubicBezTo>
-                <a:cubicBezTo>
-                  <a:pt x="649749" y="383959"/>
-                  <a:pt x="267558" y="377821"/>
-                  <a:pt x="0" y="394254"/>
-                </a:cubicBezTo>
-                <a:cubicBezTo>
-                  <a:pt x="-16703" y="292461"/>
-                  <a:pt x="-1088" y="173573"/>
-                  <a:pt x="0" y="0"/>
-                </a:cubicBezTo>
-                <a:close/>
-              </a:path>
-              <a:path w="5940000" h="394254" stroke="0" extrusionOk="0">
-                <a:moveTo>
-                  <a:pt x="0" y="0"/>
-                </a:moveTo>
-                <a:cubicBezTo>
-                  <a:pt x="175556" y="26685"/>
-                  <a:pt x="411656" y="-20869"/>
-                  <a:pt x="541200" y="0"/>
-                </a:cubicBezTo>
-                <a:cubicBezTo>
-                  <a:pt x="670744" y="20869"/>
-                  <a:pt x="957355" y="-13904"/>
-                  <a:pt x="1320000" y="0"/>
-                </a:cubicBezTo>
-                <a:cubicBezTo>
-                  <a:pt x="1682645" y="13904"/>
-                  <a:pt x="1672872" y="1311"/>
-                  <a:pt x="1861200" y="0"/>
-                </a:cubicBezTo>
-                <a:cubicBezTo>
-                  <a:pt x="2049528" y="-1311"/>
-                  <a:pt x="2176571" y="-6635"/>
-                  <a:pt x="2343000" y="0"/>
-                </a:cubicBezTo>
-                <a:cubicBezTo>
-                  <a:pt x="2509429" y="6635"/>
-                  <a:pt x="2670777" y="-17696"/>
-                  <a:pt x="2824800" y="0"/>
-                </a:cubicBezTo>
-                <a:cubicBezTo>
-                  <a:pt x="2978823" y="17696"/>
-                  <a:pt x="3125206" y="-4569"/>
-                  <a:pt x="3366000" y="0"/>
-                </a:cubicBezTo>
-                <a:cubicBezTo>
-                  <a:pt x="3606794" y="4569"/>
-                  <a:pt x="3938093" y="31803"/>
-                  <a:pt x="4144800" y="0"/>
-                </a:cubicBezTo>
-                <a:cubicBezTo>
-                  <a:pt x="4351507" y="-31803"/>
-                  <a:pt x="4523917" y="-5109"/>
-                  <a:pt x="4804800" y="0"/>
-                </a:cubicBezTo>
-                <a:cubicBezTo>
-                  <a:pt x="5085683" y="5109"/>
-                  <a:pt x="5701500" y="-2554"/>
-                  <a:pt x="5940000" y="0"/>
-                </a:cubicBezTo>
-                <a:cubicBezTo>
-                  <a:pt x="5920881" y="96151"/>
-                  <a:pt x="5942589" y="231191"/>
-                  <a:pt x="5940000" y="394254"/>
-                </a:cubicBezTo>
-                <a:cubicBezTo>
-                  <a:pt x="5745358" y="372191"/>
-                  <a:pt x="5596142" y="411898"/>
-                  <a:pt x="5458200" y="394254"/>
-                </a:cubicBezTo>
-                <a:cubicBezTo>
-                  <a:pt x="5320258" y="376610"/>
-                  <a:pt x="5050095" y="376793"/>
-                  <a:pt x="4857600" y="394254"/>
-                </a:cubicBezTo>
-                <a:cubicBezTo>
-                  <a:pt x="4665105" y="411715"/>
-                  <a:pt x="4337531" y="365544"/>
-                  <a:pt x="4197600" y="394254"/>
-                </a:cubicBezTo>
-                <a:cubicBezTo>
-                  <a:pt x="4057669" y="422964"/>
-                  <a:pt x="3692745" y="395287"/>
-                  <a:pt x="3478200" y="394254"/>
-                </a:cubicBezTo>
-                <a:cubicBezTo>
-                  <a:pt x="3263655" y="393221"/>
-                  <a:pt x="3150715" y="392166"/>
-                  <a:pt x="2937000" y="394254"/>
-                </a:cubicBezTo>
-                <a:cubicBezTo>
-                  <a:pt x="2723285" y="396342"/>
-                  <a:pt x="2486600" y="384165"/>
-                  <a:pt x="2336400" y="394254"/>
-                </a:cubicBezTo>
-                <a:cubicBezTo>
-                  <a:pt x="2186200" y="404343"/>
-                  <a:pt x="1892539" y="395496"/>
-                  <a:pt x="1676400" y="394254"/>
-                </a:cubicBezTo>
-                <a:cubicBezTo>
-                  <a:pt x="1460261" y="393012"/>
-                  <a:pt x="1225708" y="371078"/>
-                  <a:pt x="1075800" y="394254"/>
-                </a:cubicBezTo>
-                <a:cubicBezTo>
-                  <a:pt x="925892" y="417430"/>
-                  <a:pt x="313851" y="360128"/>
-                  <a:pt x="0" y="394254"/>
-                </a:cubicBezTo>
-                <a:cubicBezTo>
-                  <a:pt x="10824" y="205634"/>
-                  <a:pt x="-307" y="188157"/>
-                  <a:pt x="0" y="0"/>
-                </a:cubicBezTo>
-                <a:close/>
-              </a:path>
-            </a:pathLst>
-          </a:custGeom>
-          <a:solidFill>
-            <a:schemeClr val="accent4">
-              <a:lumMod val="40000"/>
-              <a:lumOff val="60000"/>
-              <a:alpha val="35000"/>
-            </a:schemeClr>
-          </a:solidFill>
-          <a:ln>
-            <a:solidFill>
-              <a:schemeClr val="accent4">
-                <a:lumMod val="40000"/>
-                <a:lumOff val="60000"/>
-              </a:schemeClr>
-            </a:solidFill>
-          </a:ln>
-        </p:spPr>
-        <p:style>
-          <a:lnRef idx="2">
-            <a:schemeClr val="accent1">
-              <a:shade val="50000"/>
-            </a:schemeClr>
-          </a:lnRef>
-          <a:fillRef idx="1">
-            <a:schemeClr val="accent1"/>
-          </a:fillRef>
-          <a:effectRef idx="0">
-            <a:schemeClr val="accent1"/>
-          </a:effectRef>
-          <a:fontRef idx="minor">
-            <a:schemeClr val="lt1"/>
-          </a:fontRef>
-        </p:style>
-        <p:txBody>
-          <a:bodyPr anchor="ctr"/>
-          <a:lstStyle/>
-          <a:p>
-            <a:pPr algn="ctr">
-              <a:defRPr/>
-            </a:pPr>
-            <a:endParaRPr lang="ko-KR" altLang="en-US"/>
-          </a:p>
-        </p:txBody>
-      </p:sp>
-      <p:sp>
-        <p:nvSpPr>
-          <p:cNvPr id="14" name="순서도: 처리 13"/>
-          <p:cNvSpPr/>
-          <p:nvPr/>
-        </p:nvSpPr>
-        <p:spPr>
-          <a:xfrm>
-            <a:off x="3330584" y="3289023"/>
-            <a:ext cx="3469177" cy="356153"/>
-          </a:xfrm>
-          <a:custGeom>
-            <a:avLst/>
-            <a:gdLst>
-              <a:gd name="connsiteX0" fmla="*/ 0 w 5539408"/>
-              <a:gd name="connsiteY0" fmla="*/ 0 h 394254"/>
-              <a:gd name="connsiteX1" fmla="*/ 747820 w 5539408"/>
-              <a:gd name="connsiteY1" fmla="*/ 0 h 394254"/>
-              <a:gd name="connsiteX2" fmla="*/ 1274064 w 5539408"/>
-              <a:gd name="connsiteY2" fmla="*/ 0 h 394254"/>
-              <a:gd name="connsiteX3" fmla="*/ 1800308 w 5539408"/>
-              <a:gd name="connsiteY3" fmla="*/ 0 h 394254"/>
-              <a:gd name="connsiteX4" fmla="*/ 2437340 w 5539408"/>
-              <a:gd name="connsiteY4" fmla="*/ 0 h 394254"/>
-              <a:gd name="connsiteX5" fmla="*/ 3018977 w 5539408"/>
-              <a:gd name="connsiteY5" fmla="*/ 0 h 394254"/>
-              <a:gd name="connsiteX6" fmla="*/ 3600615 w 5539408"/>
-              <a:gd name="connsiteY6" fmla="*/ 0 h 394254"/>
-              <a:gd name="connsiteX7" fmla="*/ 4293041 w 5539408"/>
-              <a:gd name="connsiteY7" fmla="*/ 0 h 394254"/>
-              <a:gd name="connsiteX8" fmla="*/ 5539408 w 5539408"/>
-              <a:gd name="connsiteY8" fmla="*/ 0 h 394254"/>
-              <a:gd name="connsiteX9" fmla="*/ 5539408 w 5539408"/>
-              <a:gd name="connsiteY9" fmla="*/ 394254 h 394254"/>
-              <a:gd name="connsiteX10" fmla="*/ 5013164 w 5539408"/>
-              <a:gd name="connsiteY10" fmla="*/ 394254 h 394254"/>
-              <a:gd name="connsiteX11" fmla="*/ 4265344 w 5539408"/>
-              <a:gd name="connsiteY11" fmla="*/ 394254 h 394254"/>
-              <a:gd name="connsiteX12" fmla="*/ 3683706 w 5539408"/>
-              <a:gd name="connsiteY12" fmla="*/ 394254 h 394254"/>
-              <a:gd name="connsiteX13" fmla="*/ 2935886 w 5539408"/>
-              <a:gd name="connsiteY13" fmla="*/ 394254 h 394254"/>
-              <a:gd name="connsiteX14" fmla="*/ 2354248 w 5539408"/>
-              <a:gd name="connsiteY14" fmla="*/ 394254 h 394254"/>
-              <a:gd name="connsiteX15" fmla="*/ 1828005 w 5539408"/>
-              <a:gd name="connsiteY15" fmla="*/ 394254 h 394254"/>
-              <a:gd name="connsiteX16" fmla="*/ 1135579 w 5539408"/>
-              <a:gd name="connsiteY16" fmla="*/ 394254 h 394254"/>
-              <a:gd name="connsiteX17" fmla="*/ 0 w 5539408"/>
-              <a:gd name="connsiteY17" fmla="*/ 394254 h 394254"/>
-              <a:gd name="connsiteX18" fmla="*/ 0 w 5539408"/>
-              <a:gd name="connsiteY18" fmla="*/ 0 h 394254"/>
-            </a:gdLst>
-            <a:cxnLst>
-              <a:cxn ang="0">
-                <a:pos x="connsiteX0" y="connsiteY0"/>
-              </a:cxn>
-              <a:cxn ang="0">
-                <a:pos x="connsiteX1" y="connsiteY1"/>
-              </a:cxn>
-              <a:cxn ang="0">
-                <a:pos x="connsiteX2" y="connsiteY2"/>
-              </a:cxn>
-              <a:cxn ang="0">
-                <a:pos x="connsiteX3" y="connsiteY3"/>
-              </a:cxn>
-              <a:cxn ang="0">
-                <a:pos x="connsiteX4" y="connsiteY4"/>
-              </a:cxn>
-              <a:cxn ang="0">
-                <a:pos x="connsiteX5" y="connsiteY5"/>
-              </a:cxn>
-              <a:cxn ang="0">
-                <a:pos x="connsiteX6" y="connsiteY6"/>
-              </a:cxn>
-              <a:cxn ang="0">
-                <a:pos x="connsiteX7" y="connsiteY7"/>
-              </a:cxn>
-              <a:cxn ang="0">
-                <a:pos x="connsiteX8" y="connsiteY8"/>
-              </a:cxn>
-              <a:cxn ang="0">
-                <a:pos x="connsiteX9" y="connsiteY9"/>
-              </a:cxn>
-              <a:cxn ang="0">
-                <a:pos x="connsiteX10" y="connsiteY10"/>
-              </a:cxn>
-              <a:cxn ang="0">
-                <a:pos x="connsiteX11" y="connsiteY11"/>
-              </a:cxn>
-              <a:cxn ang="0">
-                <a:pos x="connsiteX12" y="connsiteY12"/>
-              </a:cxn>
-              <a:cxn ang="0">
-                <a:pos x="connsiteX13" y="connsiteY13"/>
-              </a:cxn>
-              <a:cxn ang="0">
-                <a:pos x="connsiteX14" y="connsiteY14"/>
-              </a:cxn>
-              <a:cxn ang="0">
-                <a:pos x="connsiteX15" y="connsiteY15"/>
-              </a:cxn>
-              <a:cxn ang="0">
-                <a:pos x="connsiteX16" y="connsiteY16"/>
-              </a:cxn>
-              <a:cxn ang="0">
-                <a:pos x="connsiteX17" y="connsiteY17"/>
-              </a:cxn>
-              <a:cxn ang="0">
-                <a:pos x="connsiteX18" y="connsiteY18"/>
-              </a:cxn>
-            </a:cxnLst>
-            <a:rect l="l" t="t" r="r" b="b"/>
-            <a:pathLst>
-              <a:path w="5539408" h="394254" fill="none" extrusionOk="0">
-                <a:moveTo>
-                  <a:pt x="0" y="0"/>
-                </a:moveTo>
-                <a:cubicBezTo>
-                  <a:pt x="284133" y="-19519"/>
-                  <a:pt x="466043" y="-28533"/>
-                  <a:pt x="747820" y="0"/>
-                </a:cubicBezTo>
-                <a:cubicBezTo>
-                  <a:pt x="1029597" y="28533"/>
-                  <a:pt x="1080077" y="-17557"/>
-                  <a:pt x="1274064" y="0"/>
-                </a:cubicBezTo>
-                <a:cubicBezTo>
-                  <a:pt x="1468051" y="17557"/>
-                  <a:pt x="1651767" y="8919"/>
-                  <a:pt x="1800308" y="0"/>
-                </a:cubicBezTo>
-                <a:cubicBezTo>
-                  <a:pt x="1948849" y="-8919"/>
-                  <a:pt x="2122159" y="-7514"/>
-                  <a:pt x="2437340" y="0"/>
-                </a:cubicBezTo>
-                <a:cubicBezTo>
-                  <a:pt x="2752521" y="7514"/>
-                  <a:pt x="2839287" y="-19013"/>
-                  <a:pt x="3018977" y="0"/>
-                </a:cubicBezTo>
-                <a:cubicBezTo>
-                  <a:pt x="3198667" y="19013"/>
-                  <a:pt x="3316911" y="13184"/>
-                  <a:pt x="3600615" y="0"/>
-                </a:cubicBezTo>
-                <a:cubicBezTo>
-                  <a:pt x="3884319" y="-13184"/>
-                  <a:pt x="4107993" y="-15193"/>
-                  <a:pt x="4293041" y="0"/>
-                </a:cubicBezTo>
-                <a:cubicBezTo>
-                  <a:pt x="4478089" y="15193"/>
-                  <a:pt x="5268790" y="529"/>
-                  <a:pt x="5539408" y="0"/>
-                </a:cubicBezTo>
-                <a:cubicBezTo>
-                  <a:pt x="5527939" y="127708"/>
-                  <a:pt x="5552157" y="213759"/>
-                  <a:pt x="5539408" y="394254"/>
-                </a:cubicBezTo>
-                <a:cubicBezTo>
-                  <a:pt x="5415421" y="391683"/>
-                  <a:pt x="5196388" y="408387"/>
-                  <a:pt x="5013164" y="394254"/>
-                </a:cubicBezTo>
-                <a:cubicBezTo>
-                  <a:pt x="4829940" y="380121"/>
-                  <a:pt x="4475602" y="384842"/>
-                  <a:pt x="4265344" y="394254"/>
-                </a:cubicBezTo>
-                <a:cubicBezTo>
-                  <a:pt x="4055086" y="403666"/>
-                  <a:pt x="3890862" y="374922"/>
-                  <a:pt x="3683706" y="394254"/>
-                </a:cubicBezTo>
-                <a:cubicBezTo>
-                  <a:pt x="3476550" y="413586"/>
-                  <a:pt x="3092940" y="362270"/>
-                  <a:pt x="2935886" y="394254"/>
-                </a:cubicBezTo>
-                <a:cubicBezTo>
-                  <a:pt x="2778832" y="426238"/>
-                  <a:pt x="2510645" y="388032"/>
-                  <a:pt x="2354248" y="394254"/>
-                </a:cubicBezTo>
-                <a:cubicBezTo>
-                  <a:pt x="2197851" y="400476"/>
-                  <a:pt x="1977733" y="395266"/>
-                  <a:pt x="1828005" y="394254"/>
-                </a:cubicBezTo>
-                <a:cubicBezTo>
-                  <a:pt x="1678277" y="393242"/>
-                  <a:pt x="1377089" y="411396"/>
-                  <a:pt x="1135579" y="394254"/>
-                </a:cubicBezTo>
-                <a:cubicBezTo>
-                  <a:pt x="894069" y="377112"/>
-                  <a:pt x="333272" y="449940"/>
-                  <a:pt x="0" y="394254"/>
-                </a:cubicBezTo>
-                <a:cubicBezTo>
-                  <a:pt x="-16707" y="200807"/>
-                  <a:pt x="-3480" y="161104"/>
-                  <a:pt x="0" y="0"/>
-                </a:cubicBezTo>
-                <a:close/>
-              </a:path>
-              <a:path w="5539408" h="394254" stroke="0" extrusionOk="0">
-                <a:moveTo>
-                  <a:pt x="0" y="0"/>
-                </a:moveTo>
-                <a:cubicBezTo>
-                  <a:pt x="139064" y="-20763"/>
-                  <a:pt x="334529" y="-16598"/>
-                  <a:pt x="581638" y="0"/>
-                </a:cubicBezTo>
-                <a:cubicBezTo>
-                  <a:pt x="828747" y="16598"/>
-                  <a:pt x="1197486" y="4633"/>
-                  <a:pt x="1384852" y="0"/>
-                </a:cubicBezTo>
-                <a:cubicBezTo>
-                  <a:pt x="1572218" y="-4633"/>
-                  <a:pt x="1704390" y="-2864"/>
-                  <a:pt x="1966490" y="0"/>
-                </a:cubicBezTo>
-                <a:cubicBezTo>
-                  <a:pt x="2228590" y="2864"/>
-                  <a:pt x="2271745" y="-15198"/>
-                  <a:pt x="2492734" y="0"/>
-                </a:cubicBezTo>
-                <a:cubicBezTo>
-                  <a:pt x="2713723" y="15198"/>
-                  <a:pt x="2761841" y="19867"/>
-                  <a:pt x="3018977" y="0"/>
-                </a:cubicBezTo>
-                <a:cubicBezTo>
-                  <a:pt x="3276113" y="-19867"/>
-                  <a:pt x="3475405" y="-21878"/>
-                  <a:pt x="3600615" y="0"/>
-                </a:cubicBezTo>
-                <a:cubicBezTo>
-                  <a:pt x="3725825" y="21878"/>
-                  <a:pt x="4064402" y="-10835"/>
-                  <a:pt x="4403829" y="0"/>
-                </a:cubicBezTo>
-                <a:cubicBezTo>
-                  <a:pt x="4743256" y="10835"/>
-                  <a:pt x="5168492" y="54964"/>
-                  <a:pt x="5539408" y="0"/>
-                </a:cubicBezTo>
-                <a:cubicBezTo>
-                  <a:pt x="5543417" y="106857"/>
-                  <a:pt x="5530478" y="286168"/>
-                  <a:pt x="5539408" y="394254"/>
-                </a:cubicBezTo>
-                <a:cubicBezTo>
-                  <a:pt x="5285817" y="408227"/>
-                  <a:pt x="5173843" y="410836"/>
-                  <a:pt x="4957770" y="394254"/>
-                </a:cubicBezTo>
-                <a:cubicBezTo>
-                  <a:pt x="4741697" y="377672"/>
-                  <a:pt x="4506046" y="405506"/>
-                  <a:pt x="4376132" y="394254"/>
-                </a:cubicBezTo>
-                <a:cubicBezTo>
-                  <a:pt x="4246218" y="383002"/>
-                  <a:pt x="3954246" y="376291"/>
-                  <a:pt x="3739100" y="394254"/>
-                </a:cubicBezTo>
-                <a:cubicBezTo>
-                  <a:pt x="3523954" y="412217"/>
-                  <a:pt x="3303182" y="410006"/>
-                  <a:pt x="3046674" y="394254"/>
-                </a:cubicBezTo>
-                <a:cubicBezTo>
-                  <a:pt x="2790166" y="378502"/>
-                  <a:pt x="2601023" y="406094"/>
-                  <a:pt x="2298854" y="394254"/>
-                </a:cubicBezTo>
-                <a:cubicBezTo>
-                  <a:pt x="1996685" y="382414"/>
-                  <a:pt x="1856837" y="368443"/>
-                  <a:pt x="1717216" y="394254"/>
-                </a:cubicBezTo>
-                <a:cubicBezTo>
-                  <a:pt x="1577595" y="420065"/>
-                  <a:pt x="1308339" y="393410"/>
-                  <a:pt x="1080185" y="394254"/>
-                </a:cubicBezTo>
-                <a:cubicBezTo>
-                  <a:pt x="852031" y="395098"/>
-                  <a:pt x="315029" y="384415"/>
-                  <a:pt x="0" y="394254"/>
-                </a:cubicBezTo>
-                <a:cubicBezTo>
-                  <a:pt x="9982" y="312547"/>
-                  <a:pt x="19557" y="135918"/>
-                  <a:pt x="0" y="0"/>
-                </a:cubicBezTo>
-                <a:close/>
-              </a:path>
-            </a:pathLst>
-          </a:custGeom>
-          <a:solidFill>
-            <a:schemeClr val="accent4">
-              <a:lumMod val="40000"/>
-              <a:lumOff val="60000"/>
-              <a:alpha val="35000"/>
-            </a:schemeClr>
-          </a:solidFill>
-          <a:ln>
-            <a:solidFill>
-              <a:schemeClr val="accent4">
-                <a:lumMod val="40000"/>
-                <a:lumOff val="60000"/>
-              </a:schemeClr>
-            </a:solidFill>
-          </a:ln>
-        </p:spPr>
-        <p:style>
-          <a:lnRef idx="2">
-            <a:schemeClr val="accent1">
-              <a:shade val="50000"/>
-            </a:schemeClr>
-          </a:lnRef>
-          <a:fillRef idx="1">
-            <a:schemeClr val="accent1"/>
-          </a:fillRef>
-          <a:effectRef idx="0">
-            <a:schemeClr val="accent1"/>
-          </a:effectRef>
-          <a:fontRef idx="minor">
-            <a:schemeClr val="lt1"/>
-          </a:fontRef>
-        </p:style>
-        <p:txBody>
-          <a:bodyPr anchor="ctr"/>
-          <a:lstStyle/>
-          <a:p>
-            <a:pPr algn="ctr">
-              <a:defRPr/>
-            </a:pPr>
-            <a:endParaRPr lang="ko-KR" altLang="en-US"/>
-          </a:p>
-        </p:txBody>
-      </p:sp>
-      <p:sp>
-        <p:nvSpPr>
-          <p:cNvPr id="62" name="순서도: 처리 61"/>
-          <p:cNvSpPr/>
-          <p:nvPr/>
-        </p:nvSpPr>
-        <p:spPr>
-          <a:xfrm>
-            <a:off x="3480031" y="4081631"/>
-            <a:ext cx="2509055" cy="287340"/>
-          </a:xfrm>
-          <a:custGeom>
-            <a:avLst/>
-            <a:gdLst>
-              <a:gd name="connsiteX0" fmla="*/ 0 w 5940000"/>
-              <a:gd name="connsiteY0" fmla="*/ 0 h 394254"/>
-              <a:gd name="connsiteX1" fmla="*/ 481800 w 5940000"/>
-              <a:gd name="connsiteY1" fmla="*/ 0 h 394254"/>
-              <a:gd name="connsiteX2" fmla="*/ 1082400 w 5940000"/>
-              <a:gd name="connsiteY2" fmla="*/ 0 h 394254"/>
-              <a:gd name="connsiteX3" fmla="*/ 1623600 w 5940000"/>
-              <a:gd name="connsiteY3" fmla="*/ 0 h 394254"/>
-              <a:gd name="connsiteX4" fmla="*/ 2164800 w 5940000"/>
-              <a:gd name="connsiteY4" fmla="*/ 0 h 394254"/>
-              <a:gd name="connsiteX5" fmla="*/ 2824800 w 5940000"/>
-              <a:gd name="connsiteY5" fmla="*/ 0 h 394254"/>
-              <a:gd name="connsiteX6" fmla="*/ 3484800 w 5940000"/>
-              <a:gd name="connsiteY6" fmla="*/ 0 h 394254"/>
-              <a:gd name="connsiteX7" fmla="*/ 4026000 w 5940000"/>
-              <a:gd name="connsiteY7" fmla="*/ 0 h 394254"/>
-              <a:gd name="connsiteX8" fmla="*/ 4745400 w 5940000"/>
-              <a:gd name="connsiteY8" fmla="*/ 0 h 394254"/>
-              <a:gd name="connsiteX9" fmla="*/ 5227200 w 5940000"/>
-              <a:gd name="connsiteY9" fmla="*/ 0 h 394254"/>
-              <a:gd name="connsiteX10" fmla="*/ 5940000 w 5940000"/>
-              <a:gd name="connsiteY10" fmla="*/ 0 h 394254"/>
-              <a:gd name="connsiteX11" fmla="*/ 5940000 w 5940000"/>
-              <a:gd name="connsiteY11" fmla="*/ 394254 h 394254"/>
-              <a:gd name="connsiteX12" fmla="*/ 5280000 w 5940000"/>
-              <a:gd name="connsiteY12" fmla="*/ 394254 h 394254"/>
-              <a:gd name="connsiteX13" fmla="*/ 4798200 w 5940000"/>
-              <a:gd name="connsiteY13" fmla="*/ 394254 h 394254"/>
-              <a:gd name="connsiteX14" fmla="*/ 4138200 w 5940000"/>
-              <a:gd name="connsiteY14" fmla="*/ 394254 h 394254"/>
-              <a:gd name="connsiteX15" fmla="*/ 3418800 w 5940000"/>
-              <a:gd name="connsiteY15" fmla="*/ 394254 h 394254"/>
-              <a:gd name="connsiteX16" fmla="*/ 2877600 w 5940000"/>
-              <a:gd name="connsiteY16" fmla="*/ 394254 h 394254"/>
-              <a:gd name="connsiteX17" fmla="*/ 2217600 w 5940000"/>
-              <a:gd name="connsiteY17" fmla="*/ 394254 h 394254"/>
-              <a:gd name="connsiteX18" fmla="*/ 1498200 w 5940000"/>
-              <a:gd name="connsiteY18" fmla="*/ 394254 h 394254"/>
-              <a:gd name="connsiteX19" fmla="*/ 838200 w 5940000"/>
-              <a:gd name="connsiteY19" fmla="*/ 394254 h 394254"/>
-              <a:gd name="connsiteX20" fmla="*/ 0 w 5940000"/>
-              <a:gd name="connsiteY20" fmla="*/ 394254 h 394254"/>
-              <a:gd name="connsiteX21" fmla="*/ 0 w 5940000"/>
-              <a:gd name="connsiteY21" fmla="*/ 0 h 394254"/>
-            </a:gdLst>
-            <a:cxnLst>
-              <a:cxn ang="0">
-                <a:pos x="connsiteX0" y="connsiteY0"/>
-              </a:cxn>
-              <a:cxn ang="0">
-                <a:pos x="connsiteX1" y="connsiteY1"/>
-              </a:cxn>
-              <a:cxn ang="0">
-                <a:pos x="connsiteX2" y="connsiteY2"/>
-              </a:cxn>
-              <a:cxn ang="0">
-                <a:pos x="connsiteX3" y="connsiteY3"/>
-              </a:cxn>
-              <a:cxn ang="0">
-                <a:pos x="connsiteX4" y="connsiteY4"/>
-              </a:cxn>
-              <a:cxn ang="0">
-                <a:pos x="connsiteX5" y="connsiteY5"/>
-              </a:cxn>
-              <a:cxn ang="0">
-                <a:pos x="connsiteX6" y="connsiteY6"/>
-              </a:cxn>
-              <a:cxn ang="0">
-                <a:pos x="connsiteX7" y="connsiteY7"/>
-              </a:cxn>
-              <a:cxn ang="0">
-                <a:pos x="connsiteX8" y="connsiteY8"/>
-              </a:cxn>
-              <a:cxn ang="0">
-                <a:pos x="connsiteX9" y="connsiteY9"/>
-              </a:cxn>
-              <a:cxn ang="0">
-                <a:pos x="connsiteX10" y="connsiteY10"/>
-              </a:cxn>
-              <a:cxn ang="0">
-                <a:pos x="connsiteX11" y="connsiteY11"/>
-              </a:cxn>
-              <a:cxn ang="0">
-                <a:pos x="connsiteX12" y="connsiteY12"/>
-              </a:cxn>
-              <a:cxn ang="0">
-                <a:pos x="connsiteX13" y="connsiteY13"/>
-              </a:cxn>
-              <a:cxn ang="0">
-                <a:pos x="connsiteX14" y="connsiteY14"/>
-              </a:cxn>
-              <a:cxn ang="0">
-                <a:pos x="connsiteX15" y="connsiteY15"/>
-              </a:cxn>
-              <a:cxn ang="0">
-                <a:pos x="connsiteX16" y="connsiteY16"/>
-              </a:cxn>
-              <a:cxn ang="0">
-                <a:pos x="connsiteX17" y="connsiteY17"/>
-              </a:cxn>
-              <a:cxn ang="0">
-                <a:pos x="connsiteX18" y="connsiteY18"/>
-              </a:cxn>
-              <a:cxn ang="0">
-                <a:pos x="connsiteX19" y="connsiteY19"/>
-              </a:cxn>
-              <a:cxn ang="0">
-                <a:pos x="connsiteX20" y="connsiteY20"/>
-              </a:cxn>
-              <a:cxn ang="0">
-                <a:pos x="connsiteX21" y="connsiteY21"/>
-              </a:cxn>
-            </a:cxnLst>
-            <a:rect l="l" t="t" r="r" b="b"/>
-            <a:pathLst>
-              <a:path w="5940000" h="394254" fill="none" extrusionOk="0">
-                <a:moveTo>
-                  <a:pt x="0" y="0"/>
-                </a:moveTo>
-                <a:cubicBezTo>
-                  <a:pt x="180234" y="8070"/>
-                  <a:pt x="327935" y="-6618"/>
-                  <a:pt x="481800" y="0"/>
-                </a:cubicBezTo>
-                <a:cubicBezTo>
-                  <a:pt x="635665" y="6618"/>
-                  <a:pt x="911184" y="3231"/>
-                  <a:pt x="1082400" y="0"/>
-                </a:cubicBezTo>
-                <a:cubicBezTo>
-                  <a:pt x="1253616" y="-3231"/>
-                  <a:pt x="1383789" y="26143"/>
-                  <a:pt x="1623600" y="0"/>
-                </a:cubicBezTo>
-                <a:cubicBezTo>
-                  <a:pt x="1863411" y="-26143"/>
-                  <a:pt x="1999318" y="-15733"/>
-                  <a:pt x="2164800" y="0"/>
-                </a:cubicBezTo>
-                <a:cubicBezTo>
-                  <a:pt x="2330282" y="15733"/>
-                  <a:pt x="2547575" y="-6540"/>
-                  <a:pt x="2824800" y="0"/>
-                </a:cubicBezTo>
-                <a:cubicBezTo>
-                  <a:pt x="3102025" y="6540"/>
-                  <a:pt x="3197772" y="5889"/>
-                  <a:pt x="3484800" y="0"/>
-                </a:cubicBezTo>
-                <a:cubicBezTo>
-                  <a:pt x="3771828" y="-5889"/>
-                  <a:pt x="3879156" y="-22176"/>
-                  <a:pt x="4026000" y="0"/>
-                </a:cubicBezTo>
-                <a:cubicBezTo>
-                  <a:pt x="4172844" y="22176"/>
-                  <a:pt x="4459898" y="-16494"/>
-                  <a:pt x="4745400" y="0"/>
-                </a:cubicBezTo>
-                <a:cubicBezTo>
-                  <a:pt x="5030902" y="16494"/>
-                  <a:pt x="5116687" y="-20569"/>
-                  <a:pt x="5227200" y="0"/>
-                </a:cubicBezTo>
-                <a:cubicBezTo>
-                  <a:pt x="5337713" y="20569"/>
-                  <a:pt x="5731145" y="-26427"/>
-                  <a:pt x="5940000" y="0"/>
-                </a:cubicBezTo>
-                <a:cubicBezTo>
-                  <a:pt x="5955965" y="187069"/>
-                  <a:pt x="5938429" y="235809"/>
-                  <a:pt x="5940000" y="394254"/>
-                </a:cubicBezTo>
-                <a:cubicBezTo>
-                  <a:pt x="5728365" y="399197"/>
-                  <a:pt x="5567406" y="419755"/>
-                  <a:pt x="5280000" y="394254"/>
-                </a:cubicBezTo>
-                <a:cubicBezTo>
-                  <a:pt x="4992594" y="368753"/>
-                  <a:pt x="5006558" y="400414"/>
-                  <a:pt x="4798200" y="394254"/>
-                </a:cubicBezTo>
-                <a:cubicBezTo>
-                  <a:pt x="4589842" y="388094"/>
-                  <a:pt x="4392035" y="388787"/>
-                  <a:pt x="4138200" y="394254"/>
-                </a:cubicBezTo>
-                <a:cubicBezTo>
-                  <a:pt x="3884365" y="399721"/>
-                  <a:pt x="3655200" y="399403"/>
-                  <a:pt x="3418800" y="394254"/>
-                </a:cubicBezTo>
-                <a:cubicBezTo>
-                  <a:pt x="3182400" y="389105"/>
-                  <a:pt x="2993592" y="385858"/>
-                  <a:pt x="2877600" y="394254"/>
-                </a:cubicBezTo>
-                <a:cubicBezTo>
-                  <a:pt x="2761608" y="402650"/>
-                  <a:pt x="2437936" y="408386"/>
-                  <a:pt x="2217600" y="394254"/>
-                </a:cubicBezTo>
-                <a:cubicBezTo>
-                  <a:pt x="1997264" y="380122"/>
-                  <a:pt x="1836941" y="361431"/>
-                  <a:pt x="1498200" y="394254"/>
-                </a:cubicBezTo>
-                <a:cubicBezTo>
-                  <a:pt x="1159459" y="427077"/>
-                  <a:pt x="1026651" y="404549"/>
-                  <a:pt x="838200" y="394254"/>
-                </a:cubicBezTo>
-                <a:cubicBezTo>
-                  <a:pt x="649749" y="383959"/>
-                  <a:pt x="267558" y="377821"/>
-                  <a:pt x="0" y="394254"/>
-                </a:cubicBezTo>
-                <a:cubicBezTo>
-                  <a:pt x="-16703" y="292461"/>
-                  <a:pt x="-1088" y="173573"/>
-                  <a:pt x="0" y="0"/>
-                </a:cubicBezTo>
-                <a:close/>
-              </a:path>
-              <a:path w="5940000" h="394254" stroke="0" extrusionOk="0">
-                <a:moveTo>
-                  <a:pt x="0" y="0"/>
-                </a:moveTo>
-                <a:cubicBezTo>
-                  <a:pt x="175556" y="26685"/>
-                  <a:pt x="411656" y="-20869"/>
-                  <a:pt x="541200" y="0"/>
-                </a:cubicBezTo>
-                <a:cubicBezTo>
-                  <a:pt x="670744" y="20869"/>
-                  <a:pt x="957355" y="-13904"/>
-                  <a:pt x="1320000" y="0"/>
-                </a:cubicBezTo>
-                <a:cubicBezTo>
-                  <a:pt x="1682645" y="13904"/>
-                  <a:pt x="1672872" y="1311"/>
-                  <a:pt x="1861200" y="0"/>
-                </a:cubicBezTo>
-                <a:cubicBezTo>
-                  <a:pt x="2049528" y="-1311"/>
-                  <a:pt x="2176571" y="-6635"/>
-                  <a:pt x="2343000" y="0"/>
-                </a:cubicBezTo>
-                <a:cubicBezTo>
-                  <a:pt x="2509429" y="6635"/>
-                  <a:pt x="2670777" y="-17696"/>
-                  <a:pt x="2824800" y="0"/>
-                </a:cubicBezTo>
-                <a:cubicBezTo>
-                  <a:pt x="2978823" y="17696"/>
-                  <a:pt x="3125206" y="-4569"/>
-                  <a:pt x="3366000" y="0"/>
-                </a:cubicBezTo>
-                <a:cubicBezTo>
-                  <a:pt x="3606794" y="4569"/>
-                  <a:pt x="3938093" y="31803"/>
-                  <a:pt x="4144800" y="0"/>
-                </a:cubicBezTo>
-                <a:cubicBezTo>
-                  <a:pt x="4351507" y="-31803"/>
-                  <a:pt x="4523917" y="-5109"/>
-                  <a:pt x="4804800" y="0"/>
-                </a:cubicBezTo>
-                <a:cubicBezTo>
-                  <a:pt x="5085683" y="5109"/>
-                  <a:pt x="5701500" y="-2554"/>
-                  <a:pt x="5940000" y="0"/>
-                </a:cubicBezTo>
-                <a:cubicBezTo>
-                  <a:pt x="5920881" y="96151"/>
-                  <a:pt x="5942589" y="231191"/>
-                  <a:pt x="5940000" y="394254"/>
-                </a:cubicBezTo>
-                <a:cubicBezTo>
-                  <a:pt x="5745358" y="372191"/>
-                  <a:pt x="5596142" y="411898"/>
-                  <a:pt x="5458200" y="394254"/>
-                </a:cubicBezTo>
-                <a:cubicBezTo>
-                  <a:pt x="5320258" y="376610"/>
-                  <a:pt x="5050095" y="376793"/>
-                  <a:pt x="4857600" y="394254"/>
-                </a:cubicBezTo>
-                <a:cubicBezTo>
-                  <a:pt x="4665105" y="411715"/>
-                  <a:pt x="4337531" y="365544"/>
-                  <a:pt x="4197600" y="394254"/>
-                </a:cubicBezTo>
-                <a:cubicBezTo>
-                  <a:pt x="4057669" y="422964"/>
-                  <a:pt x="3692745" y="395287"/>
-                  <a:pt x="3478200" y="394254"/>
-                </a:cubicBezTo>
-                <a:cubicBezTo>
-                  <a:pt x="3263655" y="393221"/>
-                  <a:pt x="3150715" y="392166"/>
-                  <a:pt x="2937000" y="394254"/>
-                </a:cubicBezTo>
-                <a:cubicBezTo>
-                  <a:pt x="2723285" y="396342"/>
-                  <a:pt x="2486600" y="384165"/>
-                  <a:pt x="2336400" y="394254"/>
-                </a:cubicBezTo>
-                <a:cubicBezTo>
-                  <a:pt x="2186200" y="404343"/>
-                  <a:pt x="1892539" y="395496"/>
-                  <a:pt x="1676400" y="394254"/>
-                </a:cubicBezTo>
-                <a:cubicBezTo>
-                  <a:pt x="1460261" y="393012"/>
-                  <a:pt x="1225708" y="371078"/>
-                  <a:pt x="1075800" y="394254"/>
-                </a:cubicBezTo>
-                <a:cubicBezTo>
-                  <a:pt x="925892" y="417430"/>
-                  <a:pt x="313851" y="360128"/>
-                  <a:pt x="0" y="394254"/>
-                </a:cubicBezTo>
-                <a:cubicBezTo>
-                  <a:pt x="10824" y="205634"/>
-                  <a:pt x="-307" y="188157"/>
-                  <a:pt x="0" y="0"/>
-                </a:cubicBezTo>
-                <a:close/>
-              </a:path>
-            </a:pathLst>
-          </a:custGeom>
-          <a:solidFill>
-            <a:schemeClr val="accent4">
-              <a:lumMod val="40000"/>
-              <a:lumOff val="60000"/>
-              <a:alpha val="35000"/>
-            </a:schemeClr>
-          </a:solidFill>
-          <a:ln>
-            <a:solidFill>
-              <a:schemeClr val="accent4">
-                <a:lumMod val="40000"/>
-                <a:lumOff val="60000"/>
-              </a:schemeClr>
-            </a:solidFill>
-          </a:ln>
-        </p:spPr>
-        <p:style>
-          <a:lnRef idx="2">
-            <a:schemeClr val="accent1">
-              <a:shade val="50000"/>
-            </a:schemeClr>
-          </a:lnRef>
-          <a:fillRef idx="1">
-            <a:schemeClr val="accent1"/>
-          </a:fillRef>
-          <a:effectRef idx="0">
-            <a:schemeClr val="accent1"/>
-          </a:effectRef>
-          <a:fontRef idx="minor">
-            <a:schemeClr val="lt1"/>
-          </a:fontRef>
-        </p:style>
-        <p:txBody>
-          <a:bodyPr anchor="ctr"/>
-          <a:lstStyle/>
-          <a:p>
-            <a:pPr algn="ctr">
-              <a:defRPr/>
-            </a:pPr>
-            <a:endParaRPr lang="ko-KR" altLang="en-US"/>
-          </a:p>
-        </p:txBody>
-      </p:sp>
-      <p:sp>
-        <p:nvSpPr>
-          <p:cNvPr id="65" name="TextBox 11"/>
-          <p:cNvSpPr txBox="1"/>
-          <p:nvPr/>
-        </p:nvSpPr>
-        <p:spPr>
-          <a:xfrm>
-            <a:off x="2202616" y="2909124"/>
-            <a:ext cx="7786768" cy="1557168"/>
+            <a:off x="3113053" y="1380849"/>
+            <a:ext cx="5965893" cy="5240757"/>
           </a:xfrm>
           <a:prstGeom prst="rect">
             <a:avLst/>
           </a:prstGeom>
-          <a:noFill/>
         </p:spPr>
-        <p:txBody>
-          <a:bodyPr wrap="square">
-            <a:spAutoFit/>
-          </a:bodyPr>
-          <a:lstStyle/>
-          <a:p>
-            <a:pPr algn="ctr">
-              <a:defRPr/>
-            </a:pPr>
-            <a:r>
-              <a:rPr lang="ko-KR" altLang="en-US" sz="2400"/>
-              <a:t>만유인력을 어떻게 발견 했냐는 질문에 아이작 뉴턴은 </a:t>
-            </a:r>
-            <a:r>
-              <a:rPr lang="en-US" altLang="ko-KR" sz="2400"/>
-              <a:t>“</a:t>
-            </a:r>
-            <a:r>
-              <a:rPr lang="ko-KR" altLang="en-US" sz="2400"/>
-              <a:t>내내 그생각만 했으니까</a:t>
-            </a:r>
-            <a:r>
-              <a:rPr lang="en-US" altLang="ko-KR" sz="2400"/>
-              <a:t>”</a:t>
-            </a:r>
-            <a:r>
-              <a:rPr lang="ko-KR" altLang="en-US" sz="2400"/>
-              <a:t> 라고 대답했다</a:t>
-            </a:r>
-            <a:r>
-              <a:rPr lang="en-US" altLang="ko-KR" sz="2400"/>
-              <a:t>.</a:t>
-            </a:r>
-            <a:r>
-              <a:rPr lang="ko-KR" altLang="en-US" sz="2400"/>
-              <a:t> </a:t>
-            </a:r>
-            <a:endParaRPr lang="ko-KR" altLang="en-US" sz="2400"/>
-          </a:p>
-          <a:p>
-            <a:pPr algn="ctr">
-              <a:defRPr/>
-            </a:pPr>
-            <a:r>
-              <a:rPr lang="ko-KR" altLang="en-US" sz="2400"/>
-              <a:t>알베르트 아이슈타인도 </a:t>
-            </a:r>
-            <a:r>
-              <a:rPr lang="en-US" altLang="ko-KR" sz="2400"/>
-              <a:t>”</a:t>
-            </a:r>
-            <a:r>
-              <a:rPr lang="ko-KR" altLang="en-US" sz="2400"/>
-              <a:t>나는 몇달이고 몇 년이고 생각하고 또 생각한다</a:t>
-            </a:r>
-            <a:r>
-              <a:rPr lang="en-US" altLang="ko-KR" sz="2400"/>
-              <a:t>”</a:t>
-            </a:r>
-            <a:r>
-              <a:rPr lang="ko-KR" altLang="en-US" sz="2400"/>
-              <a:t> 라고 말한 바 있다</a:t>
-            </a:r>
-            <a:r>
-              <a:rPr lang="en-US" altLang="ko-KR" sz="2400"/>
-              <a:t>.</a:t>
-            </a:r>
-            <a:endParaRPr lang="en-US" altLang="ko-KR" sz="2400"/>
-          </a:p>
-        </p:txBody>
-      </p:sp>
+      </p:pic>
     </p:spTree>
   </p:cSld>
   <p:clrMapOvr>
@@ -9604,397 +8320,6 @@
           <a:chExt cx="0" cy="0"/>
         </a:xfrm>
       </p:grpSpPr>
-      <p:sp>
-        <p:nvSpPr>
-          <p:cNvPr id="62" name="순서도: 처리 61"/>
-          <p:cNvSpPr/>
-          <p:nvPr/>
-        </p:nvSpPr>
-        <p:spPr>
-          <a:xfrm>
-            <a:off x="1461230" y="3216027"/>
-            <a:ext cx="1280294" cy="425946"/>
-          </a:xfrm>
-          <a:custGeom>
-            <a:avLst/>
-            <a:gdLst>
-              <a:gd name="connsiteX0" fmla="*/ 0 w 5799809"/>
-              <a:gd name="connsiteY0" fmla="*/ 0 h 425946"/>
-              <a:gd name="connsiteX1" fmla="*/ 470429 w 5799809"/>
-              <a:gd name="connsiteY1" fmla="*/ 0 h 425946"/>
-              <a:gd name="connsiteX2" fmla="*/ 1056854 w 5799809"/>
-              <a:gd name="connsiteY2" fmla="*/ 0 h 425946"/>
-              <a:gd name="connsiteX3" fmla="*/ 1585281 w 5799809"/>
-              <a:gd name="connsiteY3" fmla="*/ 0 h 425946"/>
-              <a:gd name="connsiteX4" fmla="*/ 2113708 w 5799809"/>
-              <a:gd name="connsiteY4" fmla="*/ 0 h 425946"/>
-              <a:gd name="connsiteX5" fmla="*/ 2758131 w 5799809"/>
-              <a:gd name="connsiteY5" fmla="*/ 0 h 425946"/>
-              <a:gd name="connsiteX6" fmla="*/ 3402555 w 5799809"/>
-              <a:gd name="connsiteY6" fmla="*/ 0 h 425946"/>
-              <a:gd name="connsiteX7" fmla="*/ 3930982 w 5799809"/>
-              <a:gd name="connsiteY7" fmla="*/ 0 h 425946"/>
-              <a:gd name="connsiteX8" fmla="*/ 4633403 w 5799809"/>
-              <a:gd name="connsiteY8" fmla="*/ 0 h 425946"/>
-              <a:gd name="connsiteX9" fmla="*/ 5103832 w 5799809"/>
-              <a:gd name="connsiteY9" fmla="*/ 0 h 425946"/>
-              <a:gd name="connsiteX10" fmla="*/ 5799809 w 5799809"/>
-              <a:gd name="connsiteY10" fmla="*/ 0 h 425946"/>
-              <a:gd name="connsiteX11" fmla="*/ 5799809 w 5799809"/>
-              <a:gd name="connsiteY11" fmla="*/ 425946 h 425946"/>
-              <a:gd name="connsiteX12" fmla="*/ 5155386 w 5799809"/>
-              <a:gd name="connsiteY12" fmla="*/ 425946 h 425946"/>
-              <a:gd name="connsiteX13" fmla="*/ 4684957 w 5799809"/>
-              <a:gd name="connsiteY13" fmla="*/ 425946 h 425946"/>
-              <a:gd name="connsiteX14" fmla="*/ 4040534 w 5799809"/>
-              <a:gd name="connsiteY14" fmla="*/ 425946 h 425946"/>
-              <a:gd name="connsiteX15" fmla="*/ 3338112 w 5799809"/>
-              <a:gd name="connsiteY15" fmla="*/ 425946 h 425946"/>
-              <a:gd name="connsiteX16" fmla="*/ 2809685 w 5799809"/>
-              <a:gd name="connsiteY16" fmla="*/ 425946 h 425946"/>
-              <a:gd name="connsiteX17" fmla="*/ 2165262 w 5799809"/>
-              <a:gd name="connsiteY17" fmla="*/ 425946 h 425946"/>
-              <a:gd name="connsiteX18" fmla="*/ 1462841 w 5799809"/>
-              <a:gd name="connsiteY18" fmla="*/ 425946 h 425946"/>
-              <a:gd name="connsiteX19" fmla="*/ 818417 w 5799809"/>
-              <a:gd name="connsiteY19" fmla="*/ 425946 h 425946"/>
-              <a:gd name="connsiteX20" fmla="*/ 0 w 5799809"/>
-              <a:gd name="connsiteY20" fmla="*/ 425946 h 425946"/>
-              <a:gd name="connsiteX21" fmla="*/ 0 w 5799809"/>
-              <a:gd name="connsiteY21" fmla="*/ 0 h 425946"/>
-            </a:gdLst>
-            <a:cxnLst>
-              <a:cxn ang="0">
-                <a:pos x="connsiteX0" y="connsiteY0"/>
-              </a:cxn>
-              <a:cxn ang="0">
-                <a:pos x="connsiteX1" y="connsiteY1"/>
-              </a:cxn>
-              <a:cxn ang="0">
-                <a:pos x="connsiteX2" y="connsiteY2"/>
-              </a:cxn>
-              <a:cxn ang="0">
-                <a:pos x="connsiteX3" y="connsiteY3"/>
-              </a:cxn>
-              <a:cxn ang="0">
-                <a:pos x="connsiteX4" y="connsiteY4"/>
-              </a:cxn>
-              <a:cxn ang="0">
-                <a:pos x="connsiteX5" y="connsiteY5"/>
-              </a:cxn>
-              <a:cxn ang="0">
-                <a:pos x="connsiteX6" y="connsiteY6"/>
-              </a:cxn>
-              <a:cxn ang="0">
-                <a:pos x="connsiteX7" y="connsiteY7"/>
-              </a:cxn>
-              <a:cxn ang="0">
-                <a:pos x="connsiteX8" y="connsiteY8"/>
-              </a:cxn>
-              <a:cxn ang="0">
-                <a:pos x="connsiteX9" y="connsiteY9"/>
-              </a:cxn>
-              <a:cxn ang="0">
-                <a:pos x="connsiteX10" y="connsiteY10"/>
-              </a:cxn>
-              <a:cxn ang="0">
-                <a:pos x="connsiteX11" y="connsiteY11"/>
-              </a:cxn>
-              <a:cxn ang="0">
-                <a:pos x="connsiteX12" y="connsiteY12"/>
-              </a:cxn>
-              <a:cxn ang="0">
-                <a:pos x="connsiteX13" y="connsiteY13"/>
-              </a:cxn>
-              <a:cxn ang="0">
-                <a:pos x="connsiteX14" y="connsiteY14"/>
-              </a:cxn>
-              <a:cxn ang="0">
-                <a:pos x="connsiteX15" y="connsiteY15"/>
-              </a:cxn>
-              <a:cxn ang="0">
-                <a:pos x="connsiteX16" y="connsiteY16"/>
-              </a:cxn>
-              <a:cxn ang="0">
-                <a:pos x="connsiteX17" y="connsiteY17"/>
-              </a:cxn>
-              <a:cxn ang="0">
-                <a:pos x="connsiteX18" y="connsiteY18"/>
-              </a:cxn>
-              <a:cxn ang="0">
-                <a:pos x="connsiteX19" y="connsiteY19"/>
-              </a:cxn>
-              <a:cxn ang="0">
-                <a:pos x="connsiteX20" y="connsiteY20"/>
-              </a:cxn>
-              <a:cxn ang="0">
-                <a:pos x="connsiteX21" y="connsiteY21"/>
-              </a:cxn>
-            </a:cxnLst>
-            <a:rect l="l" t="t" r="r" b="b"/>
-            <a:pathLst>
-              <a:path w="5799809" h="425946" fill="none" extrusionOk="0">
-                <a:moveTo>
-                  <a:pt x="0" y="0"/>
-                </a:moveTo>
-                <a:cubicBezTo>
-                  <a:pt x="232930" y="11357"/>
-                  <a:pt x="338405" y="-11052"/>
-                  <a:pt x="470429" y="0"/>
-                </a:cubicBezTo>
-                <a:cubicBezTo>
-                  <a:pt x="602453" y="11052"/>
-                  <a:pt x="809389" y="-26878"/>
-                  <a:pt x="1056854" y="0"/>
-                </a:cubicBezTo>
-                <a:cubicBezTo>
-                  <a:pt x="1304320" y="26878"/>
-                  <a:pt x="1468530" y="-24406"/>
-                  <a:pt x="1585281" y="0"/>
-                </a:cubicBezTo>
-                <a:cubicBezTo>
-                  <a:pt x="1702032" y="24406"/>
-                  <a:pt x="2004466" y="14170"/>
-                  <a:pt x="2113708" y="0"/>
-                </a:cubicBezTo>
-                <a:cubicBezTo>
-                  <a:pt x="2222950" y="-14170"/>
-                  <a:pt x="2556011" y="28112"/>
-                  <a:pt x="2758131" y="0"/>
-                </a:cubicBezTo>
-                <a:cubicBezTo>
-                  <a:pt x="2960251" y="-28112"/>
-                  <a:pt x="3097544" y="-7034"/>
-                  <a:pt x="3402555" y="0"/>
-                </a:cubicBezTo>
-                <a:cubicBezTo>
-                  <a:pt x="3707566" y="7034"/>
-                  <a:pt x="3772141" y="4589"/>
-                  <a:pt x="3930982" y="0"/>
-                </a:cubicBezTo>
-                <a:cubicBezTo>
-                  <a:pt x="4089823" y="-4589"/>
-                  <a:pt x="4481847" y="28392"/>
-                  <a:pt x="4633403" y="0"/>
-                </a:cubicBezTo>
-                <a:cubicBezTo>
-                  <a:pt x="4784959" y="-28392"/>
-                  <a:pt x="4910939" y="-2346"/>
-                  <a:pt x="5103832" y="0"/>
-                </a:cubicBezTo>
-                <a:cubicBezTo>
-                  <a:pt x="5296725" y="2346"/>
-                  <a:pt x="5508736" y="-20318"/>
-                  <a:pt x="5799809" y="0"/>
-                </a:cubicBezTo>
-                <a:cubicBezTo>
-                  <a:pt x="5788599" y="198653"/>
-                  <a:pt x="5812935" y="266898"/>
-                  <a:pt x="5799809" y="425946"/>
-                </a:cubicBezTo>
-                <a:cubicBezTo>
-                  <a:pt x="5617430" y="412954"/>
-                  <a:pt x="5331856" y="449678"/>
-                  <a:pt x="5155386" y="425946"/>
-                </a:cubicBezTo>
-                <a:cubicBezTo>
-                  <a:pt x="4978916" y="402214"/>
-                  <a:pt x="4857030" y="423944"/>
-                  <a:pt x="4684957" y="425946"/>
-                </a:cubicBezTo>
-                <a:cubicBezTo>
-                  <a:pt x="4512884" y="427948"/>
-                  <a:pt x="4342832" y="445858"/>
-                  <a:pt x="4040534" y="425946"/>
-                </a:cubicBezTo>
-                <a:cubicBezTo>
-                  <a:pt x="3738236" y="406034"/>
-                  <a:pt x="3513554" y="443777"/>
-                  <a:pt x="3338112" y="425946"/>
-                </a:cubicBezTo>
-                <a:cubicBezTo>
-                  <a:pt x="3162670" y="408115"/>
-                  <a:pt x="3031362" y="412638"/>
-                  <a:pt x="2809685" y="425946"/>
-                </a:cubicBezTo>
-                <a:cubicBezTo>
-                  <a:pt x="2588008" y="439254"/>
-                  <a:pt x="2396513" y="447981"/>
-                  <a:pt x="2165262" y="425946"/>
-                </a:cubicBezTo>
-                <a:cubicBezTo>
-                  <a:pt x="1934011" y="403911"/>
-                  <a:pt x="1762479" y="426888"/>
-                  <a:pt x="1462841" y="425946"/>
-                </a:cubicBezTo>
-                <a:cubicBezTo>
-                  <a:pt x="1163203" y="425004"/>
-                  <a:pt x="955896" y="428651"/>
-                  <a:pt x="818417" y="425946"/>
-                </a:cubicBezTo>
-                <a:cubicBezTo>
-                  <a:pt x="680938" y="423241"/>
-                  <a:pt x="240620" y="433396"/>
-                  <a:pt x="0" y="425946"/>
-                </a:cubicBezTo>
-                <a:cubicBezTo>
-                  <a:pt x="-13937" y="217353"/>
-                  <a:pt x="3380" y="194608"/>
-                  <a:pt x="0" y="0"/>
-                </a:cubicBezTo>
-                <a:close/>
-              </a:path>
-              <a:path w="5799809" h="425946" stroke="0" extrusionOk="0">
-                <a:moveTo>
-                  <a:pt x="0" y="0"/>
-                </a:moveTo>
-                <a:cubicBezTo>
-                  <a:pt x="156451" y="-5263"/>
-                  <a:pt x="344124" y="-7670"/>
-                  <a:pt x="528427" y="0"/>
-                </a:cubicBezTo>
-                <a:cubicBezTo>
-                  <a:pt x="712730" y="7670"/>
-                  <a:pt x="1052845" y="3624"/>
-                  <a:pt x="1288846" y="0"/>
-                </a:cubicBezTo>
-                <a:cubicBezTo>
-                  <a:pt x="1524847" y="-3624"/>
-                  <a:pt x="1572216" y="2669"/>
-                  <a:pt x="1817273" y="0"/>
-                </a:cubicBezTo>
-                <a:cubicBezTo>
-                  <a:pt x="2062330" y="-2669"/>
-                  <a:pt x="2125614" y="-1841"/>
-                  <a:pt x="2287702" y="0"/>
-                </a:cubicBezTo>
-                <a:cubicBezTo>
-                  <a:pt x="2449790" y="1841"/>
-                  <a:pt x="2540838" y="-10545"/>
-                  <a:pt x="2758131" y="0"/>
-                </a:cubicBezTo>
-                <a:cubicBezTo>
-                  <a:pt x="2975424" y="10545"/>
-                  <a:pt x="3070417" y="16952"/>
-                  <a:pt x="3286558" y="0"/>
-                </a:cubicBezTo>
-                <a:cubicBezTo>
-                  <a:pt x="3502699" y="-16952"/>
-                  <a:pt x="3772879" y="25154"/>
-                  <a:pt x="4046978" y="0"/>
-                </a:cubicBezTo>
-                <a:cubicBezTo>
-                  <a:pt x="4321077" y="-25154"/>
-                  <a:pt x="4471091" y="-15419"/>
-                  <a:pt x="4691401" y="0"/>
-                </a:cubicBezTo>
-                <a:cubicBezTo>
-                  <a:pt x="4911711" y="15419"/>
-                  <a:pt x="5486808" y="-34903"/>
-                  <a:pt x="5799809" y="0"/>
-                </a:cubicBezTo>
-                <a:cubicBezTo>
-                  <a:pt x="5811781" y="117662"/>
-                  <a:pt x="5813135" y="213997"/>
-                  <a:pt x="5799809" y="425946"/>
-                </a:cubicBezTo>
-                <a:cubicBezTo>
-                  <a:pt x="5631023" y="426859"/>
-                  <a:pt x="5495897" y="406180"/>
-                  <a:pt x="5329380" y="425946"/>
-                </a:cubicBezTo>
-                <a:cubicBezTo>
-                  <a:pt x="5162863" y="445712"/>
-                  <a:pt x="4971538" y="414601"/>
-                  <a:pt x="4742955" y="425946"/>
-                </a:cubicBezTo>
-                <a:cubicBezTo>
-                  <a:pt x="4514373" y="437291"/>
-                  <a:pt x="4305792" y="401898"/>
-                  <a:pt x="4098532" y="425946"/>
-                </a:cubicBezTo>
-                <a:cubicBezTo>
-                  <a:pt x="3891272" y="449994"/>
-                  <a:pt x="3550710" y="452828"/>
-                  <a:pt x="3396110" y="425946"/>
-                </a:cubicBezTo>
-                <a:cubicBezTo>
-                  <a:pt x="3241510" y="399064"/>
-                  <a:pt x="2987621" y="437035"/>
-                  <a:pt x="2867683" y="425946"/>
-                </a:cubicBezTo>
-                <a:cubicBezTo>
-                  <a:pt x="2747745" y="414857"/>
-                  <a:pt x="2500791" y="420398"/>
-                  <a:pt x="2281258" y="425946"/>
-                </a:cubicBezTo>
-                <a:cubicBezTo>
-                  <a:pt x="2061725" y="431494"/>
-                  <a:pt x="1816635" y="426101"/>
-                  <a:pt x="1636835" y="425946"/>
-                </a:cubicBezTo>
-                <a:cubicBezTo>
-                  <a:pt x="1457035" y="425791"/>
-                  <a:pt x="1307407" y="428836"/>
-                  <a:pt x="1050410" y="425946"/>
-                </a:cubicBezTo>
-                <a:cubicBezTo>
-                  <a:pt x="793414" y="423056"/>
-                  <a:pt x="415100" y="437818"/>
-                  <a:pt x="0" y="425946"/>
-                </a:cubicBezTo>
-                <a:cubicBezTo>
-                  <a:pt x="553" y="260129"/>
-                  <a:pt x="10725" y="188645"/>
-                  <a:pt x="0" y="0"/>
-                </a:cubicBezTo>
-                <a:close/>
-              </a:path>
-            </a:pathLst>
-          </a:custGeom>
-          <a:solidFill>
-            <a:schemeClr val="accent4">
-              <a:lumMod val="40000"/>
-              <a:lumOff val="60000"/>
-              <a:alpha val="35000"/>
-            </a:schemeClr>
-          </a:solidFill>
-          <a:ln>
-            <a:solidFill>
-              <a:schemeClr val="accent4">
-                <a:lumMod val="40000"/>
-                <a:lumOff val="60000"/>
-              </a:schemeClr>
-            </a:solidFill>
-          </a:ln>
-        </p:spPr>
-        <p:style>
-          <a:lnRef idx="2">
-            <a:schemeClr val="accent1">
-              <a:shade val="50000"/>
-            </a:schemeClr>
-          </a:lnRef>
-          <a:fillRef idx="1">
-            <a:schemeClr val="accent1"/>
-          </a:fillRef>
-          <a:effectRef idx="0">
-            <a:schemeClr val="accent1"/>
-          </a:effectRef>
-          <a:fontRef idx="minor">
-            <a:schemeClr val="lt1"/>
-          </a:fontRef>
-        </p:style>
-        <p:txBody>
-          <a:bodyPr anchor="ctr"/>
-          <a:lstStyle/>
-          <a:p>
-            <a:pPr algn="ctr">
-              <a:defRPr/>
-            </a:pPr>
-            <a:endParaRPr lang="ko-KR" altLang="en-US"/>
-          </a:p>
-        </p:txBody>
-      </p:sp>
       <p:grpSp>
         <p:nvGrpSpPr>
           <p:cNvPr id="4" name="그룹 3"/>
@@ -10152,135 +8477,6 @@
       </p:grpSp>
       <p:sp>
         <p:nvSpPr>
-          <p:cNvPr id="9" name="TextBox 8"/>
-          <p:cNvSpPr txBox="1"/>
-          <p:nvPr/>
-        </p:nvSpPr>
-        <p:spPr>
-          <a:xfrm>
-            <a:off x="5406105" y="1815509"/>
-            <a:ext cx="1379789" cy="1613491"/>
-          </a:xfrm>
-          <a:prstGeom prst="rect">
-            <a:avLst/>
-          </a:prstGeom>
-          <a:noFill/>
-        </p:spPr>
-        <p:txBody>
-          <a:bodyPr wrap="square">
-            <a:spAutoFit/>
-          </a:bodyPr>
-          <a:lstStyle/>
-          <a:p>
-            <a:pPr algn="ctr">
-              <a:defRPr/>
-            </a:pPr>
-            <a:r>
-              <a:rPr lang="en-US" altLang="ko-KR" sz="10000">
-                <a:solidFill>
-                  <a:srgbClr val="9a8b85"/>
-                </a:solidFill>
-                <a:latin typeface="휴먼옛체"/>
-                <a:ea typeface="휴먼옛체"/>
-              </a:rPr>
-              <a:t>“</a:t>
-            </a:r>
-            <a:endParaRPr lang="ko-KR" altLang="en-US" sz="10000">
-              <a:solidFill>
-                <a:srgbClr val="9a8b85"/>
-              </a:solidFill>
-              <a:latin typeface="휴먼옛체"/>
-              <a:ea typeface="휴먼옛체"/>
-            </a:endParaRPr>
-          </a:p>
-        </p:txBody>
-      </p:sp>
-      <p:sp>
-        <p:nvSpPr>
-          <p:cNvPr id="12" name="TextBox 11"/>
-          <p:cNvSpPr txBox="1"/>
-          <p:nvPr/>
-        </p:nvSpPr>
-        <p:spPr>
-          <a:xfrm>
-            <a:off x="1298712" y="3045196"/>
-            <a:ext cx="9594574" cy="2287094"/>
-          </a:xfrm>
-          <a:prstGeom prst="rect">
-            <a:avLst/>
-          </a:prstGeom>
-          <a:noFill/>
-        </p:spPr>
-        <p:txBody>
-          <a:bodyPr wrap="square">
-            <a:spAutoFit/>
-          </a:bodyPr>
-          <a:lstStyle/>
-          <a:p>
-            <a:pPr algn="ctr">
-              <a:lnSpc>
-                <a:spcPct val="150000"/>
-              </a:lnSpc>
-              <a:defRPr/>
-            </a:pPr>
-            <a:r>
-              <a:rPr lang="ko-KR" altLang="en-US" sz="2400">
-                <a:latin typeface="DX영화자막 M"/>
-                <a:ea typeface="DX영화자막 M"/>
-              </a:rPr>
-              <a:t>슬로싱킹을 익힌다는 것은 곧 생각의 습관을 바꾸는 과정이다. 그리고 단순 몰입으로 들어가는 과정뿐 아니라, 몰입을 유지해야 하는 이유도 제시했다. 한번 몰입된 상태에서는 유지하기도 쉽고, 강한 몰입을 하면 다음번에도 몰입하기 좀 더 쉽다는 것이다.</a:t>
-            </a:r>
-            <a:endParaRPr lang="ko-KR" altLang="en-US" sz="2400">
-              <a:latin typeface="DX영화자막 M"/>
-              <a:ea typeface="DX영화자막 M"/>
-            </a:endParaRPr>
-          </a:p>
-        </p:txBody>
-      </p:sp>
-      <p:sp>
-        <p:nvSpPr>
-          <p:cNvPr id="11" name="직사각형 10"/>
-          <p:cNvSpPr/>
-          <p:nvPr/>
-        </p:nvSpPr>
-        <p:spPr>
-          <a:xfrm>
-            <a:off x="5367821" y="5430648"/>
-            <a:ext cx="1457793" cy="1615363"/>
-          </a:xfrm>
-          <a:prstGeom prst="rect">
-            <a:avLst/>
-          </a:prstGeom>
-        </p:spPr>
-        <p:txBody>
-          <a:bodyPr wrap="none">
-            <a:spAutoFit/>
-          </a:bodyPr>
-          <a:lstStyle/>
-          <a:p>
-            <a:pPr algn="ctr">
-              <a:defRPr/>
-            </a:pPr>
-            <a:r>
-              <a:rPr lang="en-US" altLang="ko-KR" sz="10000">
-                <a:solidFill>
-                  <a:srgbClr val="9a8b85"/>
-                </a:solidFill>
-                <a:latin typeface="휴먼옛체"/>
-                <a:ea typeface="휴먼옛체"/>
-              </a:rPr>
-              <a:t>”</a:t>
-            </a:r>
-            <a:endParaRPr lang="ko-KR" altLang="en-US" sz="10000">
-              <a:solidFill>
-                <a:srgbClr val="9a8b85"/>
-              </a:solidFill>
-            </a:endParaRPr>
-          </a:p>
-        </p:txBody>
-      </p:sp>
-      <p:sp>
-        <p:nvSpPr>
           <p:cNvPr id="52" name="TextBox 51"/>
           <p:cNvSpPr txBox="1"/>
           <p:nvPr/>
@@ -10380,6 +8576,30 @@
           </a:p>
         </p:txBody>
       </p:sp>
+      <p:pic>
+        <p:nvPicPr>
+          <p:cNvPr id="63" name=""/>
+          <p:cNvPicPr>
+            <a:picLocks noChangeAspect="1"/>
+          </p:cNvPicPr>
+          <p:nvPr/>
+        </p:nvPicPr>
+        <p:blipFill rotWithShape="1">
+          <a:blip r:embed="rId3"/>
+          <a:stretch>
+            <a:fillRect/>
+          </a:stretch>
+        </p:blipFill>
+        <p:spPr>
+          <a:xfrm>
+            <a:off x="3104572" y="1392052"/>
+            <a:ext cx="5982854" cy="5255656"/>
+          </a:xfrm>
+          <a:prstGeom prst="rect">
+            <a:avLst/>
+          </a:prstGeom>
+        </p:spPr>
+      </p:pic>
     </p:spTree>
   </p:cSld>
   <p:clrMapOvr>
@@ -11940,10 +10160,10 @@
 </file>
 
 <file path=ppt/slides/slide9.xml><?xml version="1.0" encoding="utf-8"?>
-<p:sld xmlns:a="http://schemas.openxmlformats.org/drawingml/2006/main" xmlns:r="http://schemas.openxmlformats.org/officeDocument/2006/relationships" xmlns:p="http://schemas.openxmlformats.org/presentationml/2006/main">
+<p:sld xmlns:r="http://schemas.openxmlformats.org/officeDocument/2006/relationships" xmlns:c="http://schemas.openxmlformats.org/drawingml/2006/chart" xmlns:a="http://schemas.openxmlformats.org/drawingml/2006/main" xmlns:dgm="http://schemas.openxmlformats.org/drawingml/2006/diagram" xmlns:dsp="http://schemas.microsoft.com/office/drawing/2008/diagram" xmlns:p="http://schemas.openxmlformats.org/presentationml/2006/main">
   <p:cSld>
     <p:bg>
-      <p:bgPr>
+      <p:bgPr shadeToTitle="0">
         <a:blipFill dpi="0" rotWithShape="1">
           <a:blip r:embed="rId2">
             <a:lum/>
@@ -11953,7 +10173,6 @@
             <a:fillRect t="-17000" b="-17000"/>
           </a:stretch>
         </a:blipFill>
-        <a:effectLst/>
       </p:bgPr>
     </p:bg>
     <p:spTree>
@@ -11972,18 +10191,12 @@
       </p:grpSpPr>
       <p:grpSp>
         <p:nvGrpSpPr>
-          <p:cNvPr id="4" name="그룹 3">
-            <a:extLst>
-              <a:ext uri="{FF2B5EF4-FFF2-40B4-BE49-F238E27FC236}">
-                <a16:creationId xmlns:a16="http://schemas.microsoft.com/office/drawing/2014/main" id="{B5104845-BD69-45A2-B225-D8EC1A15024D}"/>
-              </a:ext>
-            </a:extLst>
-          </p:cNvPr>
+          <p:cNvPr id="4" name="그룹 3"/>
           <p:cNvGrpSpPr/>
           <p:nvPr/>
         </p:nvGrpSpPr>
         <p:grpSpPr>
-          <a:xfrm>
+          <a:xfrm rot="0">
             <a:off x="240925" y="2941212"/>
             <a:ext cx="163649" cy="975576"/>
             <a:chOff x="306686" y="3281373"/>
@@ -11992,13 +10205,7 @@
         </p:grpSpPr>
         <p:cxnSp>
           <p:nvCxnSpPr>
-            <p:cNvPr id="3" name="직선 연결선 2">
-              <a:extLst>
-                <a:ext uri="{FF2B5EF4-FFF2-40B4-BE49-F238E27FC236}">
-                  <a16:creationId xmlns:a16="http://schemas.microsoft.com/office/drawing/2014/main" id="{F54058FD-5CC4-4A66-A7B6-3537CB5E5100}"/>
-                </a:ext>
-              </a:extLst>
-            </p:cNvPr>
+            <p:cNvPr id="3" name="직선 연결선 2"/>
             <p:cNvCxnSpPr/>
             <p:nvPr/>
           </p:nvCxnSpPr>
@@ -12012,7 +10219,7 @@
             </a:prstGeom>
             <a:ln w="12700">
               <a:solidFill>
-                <a:srgbClr val="AC9D8E"/>
+                <a:srgbClr val="ac9d8e"/>
               </a:solidFill>
             </a:ln>
           </p:spPr>
@@ -12033,13 +10240,7 @@
         </p:cxnSp>
         <p:cxnSp>
           <p:nvCxnSpPr>
-            <p:cNvPr id="40" name="직선 연결선 39">
-              <a:extLst>
-                <a:ext uri="{FF2B5EF4-FFF2-40B4-BE49-F238E27FC236}">
-                  <a16:creationId xmlns:a16="http://schemas.microsoft.com/office/drawing/2014/main" id="{AD5B1849-E784-4150-B8A4-DF03199E56DD}"/>
-                </a:ext>
-              </a:extLst>
-            </p:cNvPr>
+            <p:cNvPr id="40" name="직선 연결선 39"/>
             <p:cNvCxnSpPr/>
             <p:nvPr/>
           </p:nvCxnSpPr>
@@ -12053,7 +10254,7 @@
             </a:prstGeom>
             <a:ln w="12700">
               <a:solidFill>
-                <a:srgbClr val="AC9D8E"/>
+                <a:srgbClr val="ac9d8e"/>
               </a:solidFill>
             </a:ln>
           </p:spPr>
@@ -12074,13 +10275,7 @@
         </p:cxnSp>
         <p:cxnSp>
           <p:nvCxnSpPr>
-            <p:cNvPr id="49" name="직선 연결선 48">
-              <a:extLst>
-                <a:ext uri="{FF2B5EF4-FFF2-40B4-BE49-F238E27FC236}">
-                  <a16:creationId xmlns:a16="http://schemas.microsoft.com/office/drawing/2014/main" id="{8DF5B429-A9C8-410D-A763-A82DD49890F5}"/>
-                </a:ext>
-              </a:extLst>
-            </p:cNvPr>
+            <p:cNvPr id="49" name="직선 연결선 48"/>
             <p:cNvCxnSpPr/>
             <p:nvPr/>
           </p:nvCxnSpPr>
@@ -12094,7 +10289,7 @@
             </a:prstGeom>
             <a:ln w="12700">
               <a:solidFill>
-                <a:srgbClr val="AC9D8E"/>
+                <a:srgbClr val="ac9d8e"/>
               </a:solidFill>
             </a:ln>
           </p:spPr>
@@ -12115,13 +10310,7 @@
         </p:cxnSp>
         <p:cxnSp>
           <p:nvCxnSpPr>
-            <p:cNvPr id="51" name="직선 연결선 50">
-              <a:extLst>
-                <a:ext uri="{FF2B5EF4-FFF2-40B4-BE49-F238E27FC236}">
-                  <a16:creationId xmlns:a16="http://schemas.microsoft.com/office/drawing/2014/main" id="{F3AD4E31-8EC1-43C9-BA21-3E5CE7924706}"/>
-                </a:ext>
-              </a:extLst>
-            </p:cNvPr>
+            <p:cNvPr id="51" name="직선 연결선 50"/>
             <p:cNvCxnSpPr/>
             <p:nvPr/>
           </p:nvCxnSpPr>
@@ -12135,7 +10324,7 @@
             </a:prstGeom>
             <a:ln w="12700">
               <a:solidFill>
-                <a:srgbClr val="AC9D8E"/>
+                <a:srgbClr val="ac9d8e"/>
               </a:solidFill>
             </a:ln>
           </p:spPr>
@@ -12155,52 +10344,9 @@
           </p:style>
         </p:cxnSp>
       </p:grpSp>
-      <p:pic>
-        <p:nvPicPr>
-          <p:cNvPr id="69" name="그림 68" descr="테이블, 그리기이(가) 표시된 사진&#10;&#10;자동 생성된 설명">
-            <a:extLst>
-              <a:ext uri="{FF2B5EF4-FFF2-40B4-BE49-F238E27FC236}">
-                <a16:creationId xmlns:a16="http://schemas.microsoft.com/office/drawing/2014/main" id="{3E80198D-457B-4301-A290-8FD833F7D5B6}"/>
-              </a:ext>
-            </a:extLst>
-          </p:cNvPr>
-          <p:cNvPicPr>
-            <a:picLocks noChangeAspect="1"/>
-          </p:cNvPicPr>
-          <p:nvPr/>
-        </p:nvPicPr>
-        <p:blipFill>
-          <a:blip r:embed="rId3">
-            <a:alphaModFix amt="70000"/>
-            <a:extLst>
-              <a:ext uri="{28A0092B-C50C-407E-A947-70E740481C1C}">
-                <a14:useLocalDpi xmlns:a14="http://schemas.microsoft.com/office/drawing/2010/main" val="0"/>
-              </a:ext>
-            </a:extLst>
-          </a:blip>
-          <a:stretch>
-            <a:fillRect/>
-          </a:stretch>
-        </p:blipFill>
-        <p:spPr>
-          <a:xfrm>
-            <a:off x="5357811" y="2042698"/>
-            <a:ext cx="1375565" cy="1375565"/>
-          </a:xfrm>
-          <a:prstGeom prst="rect">
-            <a:avLst/>
-          </a:prstGeom>
-        </p:spPr>
-      </p:pic>
-      <p:sp>
-        <p:nvSpPr>
-          <p:cNvPr id="26" name="TextBox 25">
-            <a:extLst>
-              <a:ext uri="{FF2B5EF4-FFF2-40B4-BE49-F238E27FC236}">
-                <a16:creationId xmlns:a16="http://schemas.microsoft.com/office/drawing/2014/main" id="{FC951402-AD1C-4766-816D-91425216020D}"/>
-              </a:ext>
-            </a:extLst>
-          </p:cNvPr>
+      <p:sp>
+        <p:nvSpPr>
+          <p:cNvPr id="26" name="TextBox 25"/>
           <p:cNvSpPr txBox="1"/>
           <p:nvPr/>
         </p:nvSpPr>
@@ -12215,100 +10361,56 @@
           <a:noFill/>
         </p:spPr>
         <p:txBody>
-          <a:bodyPr vert="horz" wrap="square" rtlCol="0">
+          <a:bodyPr vert="horz" wrap="square">
             <a:spAutoFit/>
           </a:bodyPr>
           <a:lstStyle/>
           <a:p>
-            <a:pPr algn="dist"/>
-            <a:r>
-              <a:rPr lang="en-US" altLang="ko-KR" sz="2000" dirty="0" smtClean="0">
+            <a:pPr algn="dist">
+              <a:defRPr/>
+            </a:pPr>
+            <a:r>
+              <a:rPr lang="en-US" altLang="ko-KR" sz="2000">
                 <a:solidFill>
                   <a:schemeClr val="tx1">
                     <a:alpha val="71000"/>
                   </a:schemeClr>
                 </a:solidFill>
-                <a:latin typeface="DX영화자막 M" panose="02020600000000000000" pitchFamily="18" charset="-127"/>
-                <a:ea typeface="DX영화자막 M" panose="02020600000000000000" pitchFamily="18" charset="-127"/>
+                <a:latin typeface="DX영화자막 M"/>
+                <a:ea typeface="DX영화자막 M"/>
               </a:rPr>
               <a:t>SLOW THINKING</a:t>
             </a:r>
-            <a:endParaRPr lang="ko-KR" altLang="en-US" sz="2000" dirty="0">
+            <a:endParaRPr lang="ko-KR" altLang="en-US" sz="2000">
               <a:solidFill>
                 <a:schemeClr val="tx1">
                   <a:alpha val="71000"/>
                 </a:schemeClr>
               </a:solidFill>
-              <a:latin typeface="DX영화자막 M" panose="02020600000000000000" pitchFamily="18" charset="-127"/>
-              <a:ea typeface="DX영화자막 M" panose="02020600000000000000" pitchFamily="18" charset="-127"/>
-            </a:endParaRPr>
-          </a:p>
-        </p:txBody>
-      </p:sp>
-      <p:sp>
-        <p:nvSpPr>
-          <p:cNvPr id="5" name="TextBox 4"/>
-          <p:cNvSpPr txBox="1"/>
-          <p:nvPr/>
-        </p:nvSpPr>
-        <p:spPr>
-          <a:xfrm>
-            <a:off x="3610469" y="4894793"/>
-            <a:ext cx="4870244" cy="1169551"/>
-          </a:xfrm>
-          <a:prstGeom prst="rect">
-            <a:avLst/>
-          </a:prstGeom>
-          <a:noFill/>
-        </p:spPr>
-        <p:txBody>
-          <a:bodyPr wrap="none" rtlCol="0">
-            <a:spAutoFit/>
-          </a:bodyPr>
-          <a:lstStyle/>
-          <a:p>
-            <a:r>
-              <a:rPr lang="ko-KR" altLang="en-US" sz="7000" dirty="0" smtClean="0">
-                <a:ea typeface="DX영화자막 M" panose="02020600000000000000"/>
-              </a:rPr>
-              <a:t>감사합니다</a:t>
-            </a:r>
-            <a:r>
-              <a:rPr lang="en-US" altLang="ko-KR" sz="7000" dirty="0">
-                <a:ea typeface="DX영화자막 M" panose="02020600000000000000"/>
-              </a:rPr>
-              <a:t>.</a:t>
-            </a:r>
-            <a:endParaRPr lang="ko-KR" altLang="en-US" sz="7000" dirty="0">
-              <a:ea typeface="DX영화자막 M" panose="02020600000000000000"/>
+              <a:latin typeface="DX영화자막 M"/>
+              <a:ea typeface="DX영화자막 M"/>
             </a:endParaRPr>
           </a:p>
         </p:txBody>
       </p:sp>
       <p:pic>
         <p:nvPicPr>
-          <p:cNvPr id="6" name="그림 5"/>
+          <p:cNvPr id="70" name=""/>
           <p:cNvPicPr>
             <a:picLocks noChangeAspect="1"/>
           </p:cNvPicPr>
           <p:nvPr/>
         </p:nvPicPr>
-        <p:blipFill>
-          <a:blip r:embed="rId4">
-            <a:extLst>
-              <a:ext uri="{28A0092B-C50C-407E-A947-70E740481C1C}">
-                <a14:useLocalDpi xmlns:a14="http://schemas.microsoft.com/office/drawing/2010/main" val="0"/>
-              </a:ext>
-            </a:extLst>
-          </a:blip>
+        <p:blipFill rotWithShape="1">
+          <a:blip r:embed="rId3"/>
           <a:stretch>
             <a:fillRect/>
           </a:stretch>
         </p:blipFill>
         <p:spPr>
           <a:xfrm>
-            <a:off x="4969064" y="1409180"/>
-            <a:ext cx="2153055" cy="3193654"/>
+            <a:off x="2804307" y="137307"/>
+            <a:ext cx="6583385" cy="6583385"/>
           </a:xfrm>
           <a:prstGeom prst="rect">
             <a:avLst/>
@@ -12316,15 +10418,18 @@
         </p:spPr>
       </p:pic>
     </p:spTree>
-    <p:extLst>
-      <p:ext uri="{BB962C8B-B14F-4D97-AF65-F5344CB8AC3E}">
-        <p14:creationId xmlns:p14="http://schemas.microsoft.com/office/powerpoint/2010/main" val="3584600601"/>
-      </p:ext>
-    </p:extLst>
   </p:cSld>
   <p:clrMapOvr>
     <a:masterClrMapping/>
   </p:clrMapOvr>
+  <mc:AlternateContent xmlns:mc="http://schemas.openxmlformats.org/markup-compatibility/2006">
+    <mc:Choice xmlns:p14="http://schemas.microsoft.com/office/powerpoint/2010/main" Requires="p14">
+      <p:transition xmlns:mc="http://schemas.openxmlformats.org/markup-compatibility/2006" xmlns:p14="http://schemas.microsoft.com/office/powerpoint/2010/main" mc:Ignorable="p14" p14:dur="500"/>
+    </mc:Choice>
+    <mc:Fallback>
+      <p:transition/>
+    </mc:Fallback>
+  </mc:AlternateContent>
 </p:sld>
 </file>
 

--- a/2조.pptx
+++ b/2조.pptx
@@ -2,7 +2,7 @@
 <file path=ppt/presentation.xml><?xml version="1.0" encoding="utf-8"?>
 <p:presentation xmlns:r="http://schemas.openxmlformats.org/officeDocument/2006/relationships" xmlns:c="http://schemas.openxmlformats.org/drawingml/2006/chart" xmlns:a="http://schemas.openxmlformats.org/drawingml/2006/main" xmlns:dgm="http://schemas.openxmlformats.org/drawingml/2006/diagram" xmlns:dsp="http://schemas.microsoft.com/office/drawing/2008/diagram" xmlns:p="http://schemas.openxmlformats.org/presentationml/2006/main" embedTrueTypeFonts="1" saveSubsetFonts="1" autoCompressPictures="0">
   <p:sldMasterIdLst>
-    <p:sldMasterId id="2147483660" r:id="rId1"/>
+    <p:sldMasterId id="2147483665" r:id="rId1"/>
   </p:sldMasterIdLst>
   <p:sldIdLst>
     <p:sldId id="256" r:id="rId2"/>
@@ -14,6 +14,9 @@
     <p:sldId id="262" r:id="rId8"/>
     <p:sldId id="263" r:id="rId9"/>
     <p:sldId id="264" r:id="rId10"/>
+    <p:sldId id="265" r:id="rId11"/>
+    <p:sldId id="266" r:id="rId12"/>
+    <p:sldId id="267" r:id="rId13"/>
   </p:sldIdLst>
   <p:sldSz cx="12192000" cy="6858000"/>
   <p:notesSz cx="6858000" cy="9144000"/>
@@ -4037,6 +4040,2149 @@
 </p:sld>
 </file>
 
+<file path=ppt/slides/slide10.xml><?xml version="1.0" encoding="utf-8"?>
+<p:sld xmlns:r="http://schemas.openxmlformats.org/officeDocument/2006/relationships" xmlns:c="http://schemas.openxmlformats.org/drawingml/2006/chart" xmlns:a="http://schemas.openxmlformats.org/drawingml/2006/main" xmlns:dgm="http://schemas.openxmlformats.org/drawingml/2006/diagram" xmlns:dsp="http://schemas.microsoft.com/office/drawing/2008/diagram" xmlns:p="http://schemas.openxmlformats.org/presentationml/2006/main">
+  <p:cSld>
+    <p:bg>
+      <p:bgPr shadeToTitle="0">
+        <a:blipFill dpi="0" rotWithShape="1">
+          <a:blip r:embed="rId2">
+            <a:lum/>
+          </a:blip>
+          <a:srcRect/>
+          <a:stretch>
+            <a:fillRect t="-17000" b="-17000"/>
+          </a:stretch>
+        </a:blipFill>
+      </p:bgPr>
+    </p:bg>
+    <p:spTree>
+      <p:nvGrpSpPr>
+        <p:cNvPr id="1" name=""/>
+        <p:cNvGrpSpPr/>
+        <p:nvPr/>
+      </p:nvGrpSpPr>
+      <p:grpSpPr>
+        <a:xfrm>
+          <a:off x="0" y="0"/>
+          <a:ext cx="0" cy="0"/>
+          <a:chOff x="0" y="0"/>
+          <a:chExt cx="0" cy="0"/>
+        </a:xfrm>
+      </p:grpSpPr>
+      <p:grpSp>
+        <p:nvGrpSpPr>
+          <p:cNvPr id="4" name="그룹 3"/>
+          <p:cNvGrpSpPr/>
+          <p:nvPr/>
+        </p:nvGrpSpPr>
+        <p:grpSpPr>
+          <a:xfrm rot="0">
+            <a:off x="240925" y="2941212"/>
+            <a:ext cx="163649" cy="975576"/>
+            <a:chOff x="306686" y="3281373"/>
+            <a:chExt cx="163649" cy="975576"/>
+          </a:xfrm>
+        </p:grpSpPr>
+        <p:cxnSp>
+          <p:nvCxnSpPr>
+            <p:cNvPr id="3" name="직선 연결선 2"/>
+            <p:cNvCxnSpPr/>
+            <p:nvPr/>
+          </p:nvCxnSpPr>
+          <p:spPr>
+            <a:xfrm>
+              <a:off x="306686" y="4127358"/>
+              <a:ext cx="160637" cy="129591"/>
+            </a:xfrm>
+            <a:prstGeom prst="line">
+              <a:avLst/>
+            </a:prstGeom>
+            <a:ln w="12700">
+              <a:solidFill>
+                <a:srgbClr val="ac9d8e"/>
+              </a:solidFill>
+            </a:ln>
+          </p:spPr>
+          <p:style>
+            <a:lnRef idx="1">
+              <a:schemeClr val="accent1"/>
+            </a:lnRef>
+            <a:fillRef idx="0">
+              <a:schemeClr val="accent1"/>
+            </a:fillRef>
+            <a:effectRef idx="0">
+              <a:schemeClr val="accent1"/>
+            </a:effectRef>
+            <a:fontRef idx="minor">
+              <a:schemeClr val="tx1"/>
+            </a:fontRef>
+          </p:style>
+        </p:cxnSp>
+        <p:cxnSp>
+          <p:nvCxnSpPr>
+            <p:cNvPr id="40" name="직선 연결선 39"/>
+            <p:cNvCxnSpPr/>
+            <p:nvPr/>
+          </p:nvCxnSpPr>
+          <p:spPr>
+            <a:xfrm>
+              <a:off x="306686" y="3838775"/>
+              <a:ext cx="160637" cy="129591"/>
+            </a:xfrm>
+            <a:prstGeom prst="line">
+              <a:avLst/>
+            </a:prstGeom>
+            <a:ln w="12700">
+              <a:solidFill>
+                <a:srgbClr val="ac9d8e"/>
+              </a:solidFill>
+            </a:ln>
+          </p:spPr>
+          <p:style>
+            <a:lnRef idx="1">
+              <a:schemeClr val="accent1"/>
+            </a:lnRef>
+            <a:fillRef idx="0">
+              <a:schemeClr val="accent1"/>
+            </a:fillRef>
+            <a:effectRef idx="0">
+              <a:schemeClr val="accent1"/>
+            </a:effectRef>
+            <a:fontRef idx="minor">
+              <a:schemeClr val="tx1"/>
+            </a:fontRef>
+          </p:style>
+        </p:cxnSp>
+        <p:cxnSp>
+          <p:nvCxnSpPr>
+            <p:cNvPr id="49" name="직선 연결선 48"/>
+            <p:cNvCxnSpPr/>
+            <p:nvPr/>
+          </p:nvCxnSpPr>
+          <p:spPr>
+            <a:xfrm>
+              <a:off x="306686" y="3550192"/>
+              <a:ext cx="160637" cy="129591"/>
+            </a:xfrm>
+            <a:prstGeom prst="line">
+              <a:avLst/>
+            </a:prstGeom>
+            <a:ln w="12700">
+              <a:solidFill>
+                <a:srgbClr val="ac9d8e"/>
+              </a:solidFill>
+            </a:ln>
+          </p:spPr>
+          <p:style>
+            <a:lnRef idx="1">
+              <a:schemeClr val="accent1"/>
+            </a:lnRef>
+            <a:fillRef idx="0">
+              <a:schemeClr val="accent1"/>
+            </a:fillRef>
+            <a:effectRef idx="0">
+              <a:schemeClr val="accent1"/>
+            </a:effectRef>
+            <a:fontRef idx="minor">
+              <a:schemeClr val="tx1"/>
+            </a:fontRef>
+          </p:style>
+        </p:cxnSp>
+        <p:cxnSp>
+          <p:nvCxnSpPr>
+            <p:cNvPr id="51" name="직선 연결선 50"/>
+            <p:cNvCxnSpPr/>
+            <p:nvPr/>
+          </p:nvCxnSpPr>
+          <p:spPr>
+            <a:xfrm>
+              <a:off x="309698" y="3281373"/>
+              <a:ext cx="160637" cy="129591"/>
+            </a:xfrm>
+            <a:prstGeom prst="line">
+              <a:avLst/>
+            </a:prstGeom>
+            <a:ln w="12700">
+              <a:solidFill>
+                <a:srgbClr val="ac9d8e"/>
+              </a:solidFill>
+            </a:ln>
+          </p:spPr>
+          <p:style>
+            <a:lnRef idx="1">
+              <a:schemeClr val="accent1"/>
+            </a:lnRef>
+            <a:fillRef idx="0">
+              <a:schemeClr val="accent1"/>
+            </a:fillRef>
+            <a:effectRef idx="0">
+              <a:schemeClr val="accent1"/>
+            </a:effectRef>
+            <a:fontRef idx="minor">
+              <a:schemeClr val="tx1"/>
+            </a:fontRef>
+          </p:style>
+        </p:cxnSp>
+      </p:grpSp>
+      <p:sp>
+        <p:nvSpPr>
+          <p:cNvPr id="52" name="TextBox 51"/>
+          <p:cNvSpPr txBox="1"/>
+          <p:nvPr/>
+        </p:nvSpPr>
+        <p:spPr>
+          <a:xfrm flipH="1">
+            <a:off x="5041092" y="342101"/>
+            <a:ext cx="2123658" cy="294169"/>
+          </a:xfrm>
+          <a:prstGeom prst="rect">
+            <a:avLst/>
+          </a:prstGeom>
+          <a:noFill/>
+        </p:spPr>
+        <p:txBody>
+          <a:bodyPr vert="horz" wrap="square">
+            <a:spAutoFit/>
+          </a:bodyPr>
+          <a:lstStyle/>
+          <a:p>
+            <a:pPr algn="dist">
+              <a:defRPr/>
+            </a:pPr>
+            <a:r>
+              <a:rPr lang="en-US" altLang="ko-KR" sz="1400">
+                <a:solidFill>
+                  <a:schemeClr val="tx1">
+                    <a:alpha val="71000"/>
+                  </a:schemeClr>
+                </a:solidFill>
+                <a:latin typeface="DX영화자막 M"/>
+                <a:ea typeface="DX영화자막 M"/>
+              </a:rPr>
+              <a:t>SLOW THINKING</a:t>
+            </a:r>
+            <a:endParaRPr lang="ko-KR" altLang="en-US" sz="1400">
+              <a:solidFill>
+                <a:schemeClr val="tx1">
+                  <a:alpha val="71000"/>
+                </a:schemeClr>
+              </a:solidFill>
+              <a:latin typeface="DX영화자막 M"/>
+              <a:ea typeface="DX영화자막 M"/>
+            </a:endParaRPr>
+          </a:p>
+        </p:txBody>
+      </p:sp>
+      <p:sp>
+        <p:nvSpPr>
+          <p:cNvPr id="53" name="TextBox 52"/>
+          <p:cNvSpPr txBox="1"/>
+          <p:nvPr/>
+        </p:nvSpPr>
+        <p:spPr>
+          <a:xfrm>
+            <a:off x="5629302" y="713595"/>
+            <a:ext cx="1499547" cy="446550"/>
+          </a:xfrm>
+          <a:prstGeom prst="rect">
+            <a:avLst/>
+          </a:prstGeom>
+          <a:noFill/>
+          <a:ln w="9525">
+            <a:noFill/>
+          </a:ln>
+        </p:spPr>
+        <p:txBody>
+          <a:bodyPr wrap="square">
+            <a:spAutoFit/>
+          </a:bodyPr>
+          <a:lstStyle/>
+          <a:p>
+            <a:pPr lvl="0">
+              <a:defRPr/>
+            </a:pPr>
+            <a:r>
+              <a:rPr lang="ko-KR" altLang="en-US" sz="2400">
+                <a:solidFill>
+                  <a:schemeClr val="tx1">
+                    <a:alpha val="71000"/>
+                  </a:schemeClr>
+                </a:solidFill>
+                <a:latin typeface="DX영화자막 M"/>
+                <a:ea typeface="DX영화자막 M"/>
+              </a:rPr>
+              <a:t>효 과</a:t>
+            </a:r>
+            <a:endParaRPr lang="ko-KR" altLang="en-US" sz="2400">
+              <a:solidFill>
+                <a:schemeClr val="tx1">
+                  <a:alpha val="71000"/>
+                </a:schemeClr>
+              </a:solidFill>
+              <a:latin typeface="DX영화자막 M"/>
+              <a:ea typeface="DX영화자막 M"/>
+            </a:endParaRPr>
+          </a:p>
+        </p:txBody>
+      </p:sp>
+      <p:pic>
+        <p:nvPicPr>
+          <p:cNvPr id="63" name=""/>
+          <p:cNvPicPr>
+            <a:picLocks noChangeAspect="1"/>
+          </p:cNvPicPr>
+          <p:nvPr/>
+        </p:nvPicPr>
+        <p:blipFill rotWithShape="1">
+          <a:blip r:embed="rId3"/>
+          <a:stretch>
+            <a:fillRect/>
+          </a:stretch>
+        </p:blipFill>
+        <p:spPr>
+          <a:xfrm>
+            <a:off x="3104572" y="1392052"/>
+            <a:ext cx="5982854" cy="5255656"/>
+          </a:xfrm>
+          <a:prstGeom prst="rect">
+            <a:avLst/>
+          </a:prstGeom>
+        </p:spPr>
+      </p:pic>
+    </p:spTree>
+  </p:cSld>
+  <p:clrMapOvr>
+    <a:masterClrMapping/>
+  </p:clrMapOvr>
+  <mc:AlternateContent xmlns:mc="http://schemas.openxmlformats.org/markup-compatibility/2006">
+    <mc:Choice xmlns:p14="http://schemas.microsoft.com/office/powerpoint/2010/main" Requires="p14">
+      <p:transition xmlns:mc="http://schemas.openxmlformats.org/markup-compatibility/2006" xmlns:p14="http://schemas.microsoft.com/office/powerpoint/2010/main" mc:Ignorable="p14" p14:dur="500"/>
+    </mc:Choice>
+    <mc:Fallback>
+      <p:transition/>
+    </mc:Fallback>
+  </mc:AlternateContent>
+</p:sld>
+</file>
+
+<file path=ppt/slides/slide11.xml><?xml version="1.0" encoding="utf-8"?>
+<p:sld xmlns:r="http://schemas.openxmlformats.org/officeDocument/2006/relationships" xmlns:c="http://schemas.openxmlformats.org/drawingml/2006/chart" xmlns:a="http://schemas.openxmlformats.org/drawingml/2006/main" xmlns:dgm="http://schemas.openxmlformats.org/drawingml/2006/diagram" xmlns:dsp="http://schemas.microsoft.com/office/drawing/2008/diagram" xmlns:p="http://schemas.openxmlformats.org/presentationml/2006/main">
+  <p:cSld>
+    <p:bg>
+      <p:bgPr shadeToTitle="0">
+        <a:blipFill dpi="0" rotWithShape="1">
+          <a:blip r:embed="rId2">
+            <a:lum/>
+          </a:blip>
+          <a:srcRect/>
+          <a:stretch>
+            <a:fillRect t="-17000" b="-17000"/>
+          </a:stretch>
+        </a:blipFill>
+      </p:bgPr>
+    </p:bg>
+    <p:spTree>
+      <p:nvGrpSpPr>
+        <p:cNvPr id="1" name=""/>
+        <p:cNvGrpSpPr/>
+        <p:nvPr/>
+      </p:nvGrpSpPr>
+      <p:grpSpPr>
+        <a:xfrm>
+          <a:off x="0" y="0"/>
+          <a:ext cx="0" cy="0"/>
+          <a:chOff x="0" y="0"/>
+          <a:chExt cx="0" cy="0"/>
+        </a:xfrm>
+      </p:grpSpPr>
+      <p:grpSp>
+        <p:nvGrpSpPr>
+          <p:cNvPr id="4" name="그룹 3"/>
+          <p:cNvGrpSpPr/>
+          <p:nvPr/>
+        </p:nvGrpSpPr>
+        <p:grpSpPr>
+          <a:xfrm rot="0">
+            <a:off x="240925" y="2941212"/>
+            <a:ext cx="163649" cy="975576"/>
+            <a:chOff x="306686" y="3281373"/>
+            <a:chExt cx="163649" cy="975576"/>
+          </a:xfrm>
+        </p:grpSpPr>
+        <p:cxnSp>
+          <p:nvCxnSpPr>
+            <p:cNvPr id="3" name="직선 연결선 2"/>
+            <p:cNvCxnSpPr/>
+            <p:nvPr/>
+          </p:nvCxnSpPr>
+          <p:spPr>
+            <a:xfrm>
+              <a:off x="306686" y="4127358"/>
+              <a:ext cx="160637" cy="129591"/>
+            </a:xfrm>
+            <a:prstGeom prst="line">
+              <a:avLst/>
+            </a:prstGeom>
+            <a:ln w="12700">
+              <a:solidFill>
+                <a:srgbClr val="ac9d8e"/>
+              </a:solidFill>
+            </a:ln>
+          </p:spPr>
+          <p:style>
+            <a:lnRef idx="1">
+              <a:schemeClr val="accent1"/>
+            </a:lnRef>
+            <a:fillRef idx="0">
+              <a:schemeClr val="accent1"/>
+            </a:fillRef>
+            <a:effectRef idx="0">
+              <a:schemeClr val="accent1"/>
+            </a:effectRef>
+            <a:fontRef idx="minor">
+              <a:schemeClr val="tx1"/>
+            </a:fontRef>
+          </p:style>
+        </p:cxnSp>
+        <p:cxnSp>
+          <p:nvCxnSpPr>
+            <p:cNvPr id="40" name="직선 연결선 39"/>
+            <p:cNvCxnSpPr/>
+            <p:nvPr/>
+          </p:nvCxnSpPr>
+          <p:spPr>
+            <a:xfrm>
+              <a:off x="306686" y="3838775"/>
+              <a:ext cx="160637" cy="129591"/>
+            </a:xfrm>
+            <a:prstGeom prst="line">
+              <a:avLst/>
+            </a:prstGeom>
+            <a:ln w="12700">
+              <a:solidFill>
+                <a:srgbClr val="ac9d8e"/>
+              </a:solidFill>
+            </a:ln>
+          </p:spPr>
+          <p:style>
+            <a:lnRef idx="1">
+              <a:schemeClr val="accent1"/>
+            </a:lnRef>
+            <a:fillRef idx="0">
+              <a:schemeClr val="accent1"/>
+            </a:fillRef>
+            <a:effectRef idx="0">
+              <a:schemeClr val="accent1"/>
+            </a:effectRef>
+            <a:fontRef idx="minor">
+              <a:schemeClr val="tx1"/>
+            </a:fontRef>
+          </p:style>
+        </p:cxnSp>
+        <p:cxnSp>
+          <p:nvCxnSpPr>
+            <p:cNvPr id="49" name="직선 연결선 48"/>
+            <p:cNvCxnSpPr/>
+            <p:nvPr/>
+          </p:nvCxnSpPr>
+          <p:spPr>
+            <a:xfrm>
+              <a:off x="306686" y="3550192"/>
+              <a:ext cx="160637" cy="129591"/>
+            </a:xfrm>
+            <a:prstGeom prst="line">
+              <a:avLst/>
+            </a:prstGeom>
+            <a:ln w="12700">
+              <a:solidFill>
+                <a:srgbClr val="ac9d8e"/>
+              </a:solidFill>
+            </a:ln>
+          </p:spPr>
+          <p:style>
+            <a:lnRef idx="1">
+              <a:schemeClr val="accent1"/>
+            </a:lnRef>
+            <a:fillRef idx="0">
+              <a:schemeClr val="accent1"/>
+            </a:fillRef>
+            <a:effectRef idx="0">
+              <a:schemeClr val="accent1"/>
+            </a:effectRef>
+            <a:fontRef idx="minor">
+              <a:schemeClr val="tx1"/>
+            </a:fontRef>
+          </p:style>
+        </p:cxnSp>
+        <p:cxnSp>
+          <p:nvCxnSpPr>
+            <p:cNvPr id="51" name="직선 연결선 50"/>
+            <p:cNvCxnSpPr/>
+            <p:nvPr/>
+          </p:nvCxnSpPr>
+          <p:spPr>
+            <a:xfrm>
+              <a:off x="309698" y="3281373"/>
+              <a:ext cx="160637" cy="129591"/>
+            </a:xfrm>
+            <a:prstGeom prst="line">
+              <a:avLst/>
+            </a:prstGeom>
+            <a:ln w="12700">
+              <a:solidFill>
+                <a:srgbClr val="ac9d8e"/>
+              </a:solidFill>
+            </a:ln>
+          </p:spPr>
+          <p:style>
+            <a:lnRef idx="1">
+              <a:schemeClr val="accent1"/>
+            </a:lnRef>
+            <a:fillRef idx="0">
+              <a:schemeClr val="accent1"/>
+            </a:fillRef>
+            <a:effectRef idx="0">
+              <a:schemeClr val="accent1"/>
+            </a:effectRef>
+            <a:fontRef idx="minor">
+              <a:schemeClr val="tx1"/>
+            </a:fontRef>
+          </p:style>
+        </p:cxnSp>
+      </p:grpSp>
+      <p:sp>
+        <p:nvSpPr>
+          <p:cNvPr id="6" name="별: 꼭짓점 5개 5"/>
+          <p:cNvSpPr/>
+          <p:nvPr/>
+        </p:nvSpPr>
+        <p:spPr>
+          <a:xfrm>
+            <a:off x="2649731" y="2311829"/>
+            <a:ext cx="1230890" cy="1230890"/>
+          </a:xfrm>
+          <a:custGeom>
+            <a:avLst/>
+            <a:gdLst>
+              <a:gd name="connsiteX0" fmla="*/ 1 w 1230890"/>
+              <a:gd name="connsiteY0" fmla="*/ 470157 h 1230890"/>
+              <a:gd name="connsiteX1" fmla="*/ 470161 w 1230890"/>
+              <a:gd name="connsiteY1" fmla="*/ 470160 h 1230890"/>
+              <a:gd name="connsiteX2" fmla="*/ 615445 w 1230890"/>
+              <a:gd name="connsiteY2" fmla="*/ 0 h 1230890"/>
+              <a:gd name="connsiteX3" fmla="*/ 760729 w 1230890"/>
+              <a:gd name="connsiteY3" fmla="*/ 470160 h 1230890"/>
+              <a:gd name="connsiteX4" fmla="*/ 1230889 w 1230890"/>
+              <a:gd name="connsiteY4" fmla="*/ 470157 h 1230890"/>
+              <a:gd name="connsiteX5" fmla="*/ 850520 w 1230890"/>
+              <a:gd name="connsiteY5" fmla="*/ 760729 h 1230890"/>
+              <a:gd name="connsiteX6" fmla="*/ 995810 w 1230890"/>
+              <a:gd name="connsiteY6" fmla="*/ 1230887 h 1230890"/>
+              <a:gd name="connsiteX7" fmla="*/ 615445 w 1230890"/>
+              <a:gd name="connsiteY7" fmla="*/ 940310 h 1230890"/>
+              <a:gd name="connsiteX8" fmla="*/ 235080 w 1230890"/>
+              <a:gd name="connsiteY8" fmla="*/ 1230887 h 1230890"/>
+              <a:gd name="connsiteX9" fmla="*/ 380370 w 1230890"/>
+              <a:gd name="connsiteY9" fmla="*/ 760729 h 1230890"/>
+              <a:gd name="connsiteX10" fmla="*/ 1 w 1230890"/>
+              <a:gd name="connsiteY10" fmla="*/ 470157 h 1230890"/>
+            </a:gdLst>
+            <a:cxnLst>
+              <a:cxn ang="0">
+                <a:pos x="connsiteX0" y="connsiteY0"/>
+              </a:cxn>
+              <a:cxn ang="0">
+                <a:pos x="connsiteX1" y="connsiteY1"/>
+              </a:cxn>
+              <a:cxn ang="0">
+                <a:pos x="connsiteX2" y="connsiteY2"/>
+              </a:cxn>
+              <a:cxn ang="0">
+                <a:pos x="connsiteX3" y="connsiteY3"/>
+              </a:cxn>
+              <a:cxn ang="0">
+                <a:pos x="connsiteX4" y="connsiteY4"/>
+              </a:cxn>
+              <a:cxn ang="0">
+                <a:pos x="connsiteX5" y="connsiteY5"/>
+              </a:cxn>
+              <a:cxn ang="0">
+                <a:pos x="connsiteX6" y="connsiteY6"/>
+              </a:cxn>
+              <a:cxn ang="0">
+                <a:pos x="connsiteX7" y="connsiteY7"/>
+              </a:cxn>
+              <a:cxn ang="0">
+                <a:pos x="connsiteX8" y="connsiteY8"/>
+              </a:cxn>
+              <a:cxn ang="0">
+                <a:pos x="connsiteX9" y="connsiteY9"/>
+              </a:cxn>
+              <a:cxn ang="0">
+                <a:pos x="connsiteX10" y="connsiteY10"/>
+              </a:cxn>
+            </a:cxnLst>
+            <a:rect l="l" t="t" r="r" b="b"/>
+            <a:pathLst>
+              <a:path w="1230890" h="1230890" fill="none" extrusionOk="0">
+                <a:moveTo>
+                  <a:pt x="1" y="470157"/>
+                </a:moveTo>
+                <a:cubicBezTo>
+                  <a:pt x="62045" y="431715"/>
+                  <a:pt x="418737" y="476414"/>
+                  <a:pt x="470161" y="470160"/>
+                </a:cubicBezTo>
+                <a:cubicBezTo>
+                  <a:pt x="555303" y="255256"/>
+                  <a:pt x="557614" y="201808"/>
+                  <a:pt x="615445" y="0"/>
+                </a:cubicBezTo>
+                <a:cubicBezTo>
+                  <a:pt x="643281" y="54737"/>
+                  <a:pt x="701875" y="289644"/>
+                  <a:pt x="760729" y="470160"/>
+                </a:cubicBezTo>
+                <a:cubicBezTo>
+                  <a:pt x="911619" y="474694"/>
+                  <a:pt x="998425" y="444636"/>
+                  <a:pt x="1230889" y="470157"/>
+                </a:cubicBezTo>
+                <a:cubicBezTo>
+                  <a:pt x="1074688" y="559898"/>
+                  <a:pt x="976153" y="681499"/>
+                  <a:pt x="850520" y="760729"/>
+                </a:cubicBezTo>
+                <a:cubicBezTo>
+                  <a:pt x="911470" y="832050"/>
+                  <a:pt x="985980" y="1060852"/>
+                  <a:pt x="995810" y="1230887"/>
+                </a:cubicBezTo>
+                <a:cubicBezTo>
+                  <a:pt x="926340" y="1139406"/>
+                  <a:pt x="661291" y="967915"/>
+                  <a:pt x="615445" y="940310"/>
+                </a:cubicBezTo>
+                <a:cubicBezTo>
+                  <a:pt x="559388" y="1014130"/>
+                  <a:pt x="303251" y="1163077"/>
+                  <a:pt x="235080" y="1230887"/>
+                </a:cubicBezTo>
+                <a:cubicBezTo>
+                  <a:pt x="310778" y="1031663"/>
+                  <a:pt x="307163" y="914246"/>
+                  <a:pt x="380370" y="760729"/>
+                </a:cubicBezTo>
+                <a:cubicBezTo>
+                  <a:pt x="244606" y="685045"/>
+                  <a:pt x="23818" y="537421"/>
+                  <a:pt x="1" y="470157"/>
+                </a:cubicBezTo>
+                <a:close/>
+              </a:path>
+              <a:path w="1230890" h="1230890" stroke="0" extrusionOk="0">
+                <a:moveTo>
+                  <a:pt x="1" y="470157"/>
+                </a:moveTo>
+                <a:cubicBezTo>
+                  <a:pt x="73081" y="458614"/>
+                  <a:pt x="291136" y="504584"/>
+                  <a:pt x="470161" y="470160"/>
+                </a:cubicBezTo>
+                <a:cubicBezTo>
+                  <a:pt x="538194" y="358141"/>
+                  <a:pt x="563341" y="64620"/>
+                  <a:pt x="615445" y="0"/>
+                </a:cubicBezTo>
+                <a:cubicBezTo>
+                  <a:pt x="640133" y="71347"/>
+                  <a:pt x="666876" y="245704"/>
+                  <a:pt x="760729" y="470160"/>
+                </a:cubicBezTo>
+                <a:cubicBezTo>
+                  <a:pt x="933453" y="444551"/>
+                  <a:pt x="1045680" y="510482"/>
+                  <a:pt x="1230889" y="470157"/>
+                </a:cubicBezTo>
+                <a:cubicBezTo>
+                  <a:pt x="1093586" y="571503"/>
+                  <a:pt x="984634" y="683784"/>
+                  <a:pt x="850520" y="760729"/>
+                </a:cubicBezTo>
+                <a:cubicBezTo>
+                  <a:pt x="936956" y="929277"/>
+                  <a:pt x="949966" y="1067070"/>
+                  <a:pt x="995810" y="1230887"/>
+                </a:cubicBezTo>
+                <a:cubicBezTo>
+                  <a:pt x="914004" y="1178870"/>
+                  <a:pt x="786340" y="1059692"/>
+                  <a:pt x="615445" y="940310"/>
+                </a:cubicBezTo>
+                <a:cubicBezTo>
+                  <a:pt x="500923" y="1061078"/>
+                  <a:pt x="330669" y="1124548"/>
+                  <a:pt x="235080" y="1230887"/>
+                </a:cubicBezTo>
+                <a:cubicBezTo>
+                  <a:pt x="287761" y="1152149"/>
+                  <a:pt x="338978" y="965975"/>
+                  <a:pt x="380370" y="760729"/>
+                </a:cubicBezTo>
+                <a:cubicBezTo>
+                  <a:pt x="265706" y="677559"/>
+                  <a:pt x="186398" y="560795"/>
+                  <a:pt x="1" y="470157"/>
+                </a:cubicBezTo>
+                <a:close/>
+              </a:path>
+            </a:pathLst>
+          </a:custGeom>
+          <a:solidFill>
+            <a:schemeClr val="accent4">
+              <a:lumMod val="60000"/>
+              <a:lumOff val="40000"/>
+            </a:schemeClr>
+          </a:solidFill>
+          <a:ln>
+            <a:solidFill>
+              <a:srgbClr val="9a8b85"/>
+            </a:solidFill>
+          </a:ln>
+        </p:spPr>
+        <p:style>
+          <a:lnRef idx="2">
+            <a:schemeClr val="accent1">
+              <a:shade val="50000"/>
+            </a:schemeClr>
+          </a:lnRef>
+          <a:fillRef idx="1">
+            <a:schemeClr val="accent1"/>
+          </a:fillRef>
+          <a:effectRef idx="0">
+            <a:schemeClr val="accent1"/>
+          </a:effectRef>
+          <a:fontRef idx="minor">
+            <a:schemeClr val="lt1"/>
+          </a:fontRef>
+        </p:style>
+        <p:txBody>
+          <a:bodyPr anchor="ctr"/>
+          <a:lstStyle/>
+          <a:p>
+            <a:pPr algn="ctr">
+              <a:defRPr/>
+            </a:pPr>
+            <a:endParaRPr lang="ko-KR" altLang="en-US"/>
+          </a:p>
+        </p:txBody>
+      </p:sp>
+      <p:sp>
+        <p:nvSpPr>
+          <p:cNvPr id="48" name="별: 꼭짓점 5개 47"/>
+          <p:cNvSpPr/>
+          <p:nvPr/>
+        </p:nvSpPr>
+        <p:spPr>
+          <a:xfrm>
+            <a:off x="4065143" y="2311829"/>
+            <a:ext cx="1230890" cy="1230890"/>
+          </a:xfrm>
+          <a:custGeom>
+            <a:avLst/>
+            <a:gdLst>
+              <a:gd name="connsiteX0" fmla="*/ 1 w 1230890"/>
+              <a:gd name="connsiteY0" fmla="*/ 470157 h 1230890"/>
+              <a:gd name="connsiteX1" fmla="*/ 470161 w 1230890"/>
+              <a:gd name="connsiteY1" fmla="*/ 470160 h 1230890"/>
+              <a:gd name="connsiteX2" fmla="*/ 615445 w 1230890"/>
+              <a:gd name="connsiteY2" fmla="*/ 0 h 1230890"/>
+              <a:gd name="connsiteX3" fmla="*/ 760729 w 1230890"/>
+              <a:gd name="connsiteY3" fmla="*/ 470160 h 1230890"/>
+              <a:gd name="connsiteX4" fmla="*/ 1230889 w 1230890"/>
+              <a:gd name="connsiteY4" fmla="*/ 470157 h 1230890"/>
+              <a:gd name="connsiteX5" fmla="*/ 850520 w 1230890"/>
+              <a:gd name="connsiteY5" fmla="*/ 760729 h 1230890"/>
+              <a:gd name="connsiteX6" fmla="*/ 995810 w 1230890"/>
+              <a:gd name="connsiteY6" fmla="*/ 1230887 h 1230890"/>
+              <a:gd name="connsiteX7" fmla="*/ 615445 w 1230890"/>
+              <a:gd name="connsiteY7" fmla="*/ 940310 h 1230890"/>
+              <a:gd name="connsiteX8" fmla="*/ 235080 w 1230890"/>
+              <a:gd name="connsiteY8" fmla="*/ 1230887 h 1230890"/>
+              <a:gd name="connsiteX9" fmla="*/ 380370 w 1230890"/>
+              <a:gd name="connsiteY9" fmla="*/ 760729 h 1230890"/>
+              <a:gd name="connsiteX10" fmla="*/ 1 w 1230890"/>
+              <a:gd name="connsiteY10" fmla="*/ 470157 h 1230890"/>
+            </a:gdLst>
+            <a:cxnLst>
+              <a:cxn ang="0">
+                <a:pos x="connsiteX0" y="connsiteY0"/>
+              </a:cxn>
+              <a:cxn ang="0">
+                <a:pos x="connsiteX1" y="connsiteY1"/>
+              </a:cxn>
+              <a:cxn ang="0">
+                <a:pos x="connsiteX2" y="connsiteY2"/>
+              </a:cxn>
+              <a:cxn ang="0">
+                <a:pos x="connsiteX3" y="connsiteY3"/>
+              </a:cxn>
+              <a:cxn ang="0">
+                <a:pos x="connsiteX4" y="connsiteY4"/>
+              </a:cxn>
+              <a:cxn ang="0">
+                <a:pos x="connsiteX5" y="connsiteY5"/>
+              </a:cxn>
+              <a:cxn ang="0">
+                <a:pos x="connsiteX6" y="connsiteY6"/>
+              </a:cxn>
+              <a:cxn ang="0">
+                <a:pos x="connsiteX7" y="connsiteY7"/>
+              </a:cxn>
+              <a:cxn ang="0">
+                <a:pos x="connsiteX8" y="connsiteY8"/>
+              </a:cxn>
+              <a:cxn ang="0">
+                <a:pos x="connsiteX9" y="connsiteY9"/>
+              </a:cxn>
+              <a:cxn ang="0">
+                <a:pos x="connsiteX10" y="connsiteY10"/>
+              </a:cxn>
+            </a:cxnLst>
+            <a:rect l="l" t="t" r="r" b="b"/>
+            <a:pathLst>
+              <a:path w="1230890" h="1230890" fill="none" extrusionOk="0">
+                <a:moveTo>
+                  <a:pt x="1" y="470157"/>
+                </a:moveTo>
+                <a:cubicBezTo>
+                  <a:pt x="97639" y="505676"/>
+                  <a:pt x="357867" y="481253"/>
+                  <a:pt x="470161" y="470160"/>
+                </a:cubicBezTo>
+                <a:cubicBezTo>
+                  <a:pt x="515381" y="430941"/>
+                  <a:pt x="568926" y="188625"/>
+                  <a:pt x="615445" y="0"/>
+                </a:cubicBezTo>
+                <a:cubicBezTo>
+                  <a:pt x="669787" y="101310"/>
+                  <a:pt x="725881" y="228364"/>
+                  <a:pt x="760729" y="470160"/>
+                </a:cubicBezTo>
+                <a:cubicBezTo>
+                  <a:pt x="844443" y="493595"/>
+                  <a:pt x="1136519" y="508393"/>
+                  <a:pt x="1230889" y="470157"/>
+                </a:cubicBezTo>
+                <a:cubicBezTo>
+                  <a:pt x="1082116" y="626938"/>
+                  <a:pt x="978489" y="622054"/>
+                  <a:pt x="850520" y="760729"/>
+                </a:cubicBezTo>
+                <a:cubicBezTo>
+                  <a:pt x="952712" y="968616"/>
+                  <a:pt x="893178" y="1015093"/>
+                  <a:pt x="995810" y="1230887"/>
+                </a:cubicBezTo>
+                <a:cubicBezTo>
+                  <a:pt x="947557" y="1178776"/>
+                  <a:pt x="737853" y="1044306"/>
+                  <a:pt x="615445" y="940310"/>
+                </a:cubicBezTo>
+                <a:cubicBezTo>
+                  <a:pt x="432759" y="1053646"/>
+                  <a:pt x="277257" y="1153749"/>
+                  <a:pt x="235080" y="1230887"/>
+                </a:cubicBezTo>
+                <a:cubicBezTo>
+                  <a:pt x="246569" y="1048582"/>
+                  <a:pt x="301933" y="891027"/>
+                  <a:pt x="380370" y="760729"/>
+                </a:cubicBezTo>
+                <a:cubicBezTo>
+                  <a:pt x="282569" y="701366"/>
+                  <a:pt x="152070" y="543328"/>
+                  <a:pt x="1" y="470157"/>
+                </a:cubicBezTo>
+                <a:close/>
+              </a:path>
+              <a:path w="1230890" h="1230890" stroke="0" extrusionOk="0">
+                <a:moveTo>
+                  <a:pt x="1" y="470157"/>
+                </a:moveTo>
+                <a:cubicBezTo>
+                  <a:pt x="163295" y="428449"/>
+                  <a:pt x="419645" y="455504"/>
+                  <a:pt x="470161" y="470160"/>
+                </a:cubicBezTo>
+                <a:cubicBezTo>
+                  <a:pt x="526475" y="303641"/>
+                  <a:pt x="567351" y="77954"/>
+                  <a:pt x="615445" y="0"/>
+                </a:cubicBezTo>
+                <a:cubicBezTo>
+                  <a:pt x="599529" y="59348"/>
+                  <a:pt x="674069" y="311339"/>
+                  <a:pt x="760729" y="470160"/>
+                </a:cubicBezTo>
+                <a:cubicBezTo>
+                  <a:pt x="809273" y="434665"/>
+                  <a:pt x="1019992" y="457597"/>
+                  <a:pt x="1230889" y="470157"/>
+                </a:cubicBezTo>
+                <a:cubicBezTo>
+                  <a:pt x="1083347" y="609924"/>
+                  <a:pt x="941265" y="695588"/>
+                  <a:pt x="850520" y="760729"/>
+                </a:cubicBezTo>
+                <a:cubicBezTo>
+                  <a:pt x="942979" y="947086"/>
+                  <a:pt x="931195" y="1145567"/>
+                  <a:pt x="995810" y="1230887"/>
+                </a:cubicBezTo>
+                <a:cubicBezTo>
+                  <a:pt x="802514" y="1112882"/>
+                  <a:pt x="763778" y="1100926"/>
+                  <a:pt x="615445" y="940310"/>
+                </a:cubicBezTo>
+                <a:cubicBezTo>
+                  <a:pt x="546200" y="994680"/>
+                  <a:pt x="282761" y="1210392"/>
+                  <a:pt x="235080" y="1230887"/>
+                </a:cubicBezTo>
+                <a:cubicBezTo>
+                  <a:pt x="226715" y="1156783"/>
+                  <a:pt x="290774" y="904408"/>
+                  <a:pt x="380370" y="760729"/>
+                </a:cubicBezTo>
+                <a:cubicBezTo>
+                  <a:pt x="296438" y="661914"/>
+                  <a:pt x="59253" y="527444"/>
+                  <a:pt x="1" y="470157"/>
+                </a:cubicBezTo>
+                <a:close/>
+              </a:path>
+            </a:pathLst>
+          </a:custGeom>
+          <a:solidFill>
+            <a:schemeClr val="accent4">
+              <a:lumMod val="60000"/>
+              <a:lumOff val="40000"/>
+            </a:schemeClr>
+          </a:solidFill>
+          <a:ln>
+            <a:solidFill>
+              <a:srgbClr val="9a8b85"/>
+            </a:solidFill>
+          </a:ln>
+        </p:spPr>
+        <p:style>
+          <a:lnRef idx="2">
+            <a:schemeClr val="accent1">
+              <a:shade val="50000"/>
+            </a:schemeClr>
+          </a:lnRef>
+          <a:fillRef idx="1">
+            <a:schemeClr val="accent1"/>
+          </a:fillRef>
+          <a:effectRef idx="0">
+            <a:schemeClr val="accent1"/>
+          </a:effectRef>
+          <a:fontRef idx="minor">
+            <a:schemeClr val="lt1"/>
+          </a:fontRef>
+        </p:style>
+        <p:txBody>
+          <a:bodyPr anchor="ctr"/>
+          <a:lstStyle/>
+          <a:p>
+            <a:pPr algn="ctr">
+              <a:defRPr/>
+            </a:pPr>
+            <a:endParaRPr lang="ko-KR" altLang="en-US"/>
+          </a:p>
+        </p:txBody>
+      </p:sp>
+      <p:sp>
+        <p:nvSpPr>
+          <p:cNvPr id="50" name="별: 꼭짓점 5개 49"/>
+          <p:cNvSpPr/>
+          <p:nvPr/>
+        </p:nvSpPr>
+        <p:spPr>
+          <a:xfrm>
+            <a:off x="8311380" y="2311829"/>
+            <a:ext cx="1230890" cy="1230890"/>
+          </a:xfrm>
+          <a:custGeom>
+            <a:avLst/>
+            <a:gdLst>
+              <a:gd name="connsiteX0" fmla="*/ 1 w 1230890"/>
+              <a:gd name="connsiteY0" fmla="*/ 470157 h 1230890"/>
+              <a:gd name="connsiteX1" fmla="*/ 470161 w 1230890"/>
+              <a:gd name="connsiteY1" fmla="*/ 470160 h 1230890"/>
+              <a:gd name="connsiteX2" fmla="*/ 615445 w 1230890"/>
+              <a:gd name="connsiteY2" fmla="*/ 0 h 1230890"/>
+              <a:gd name="connsiteX3" fmla="*/ 760729 w 1230890"/>
+              <a:gd name="connsiteY3" fmla="*/ 470160 h 1230890"/>
+              <a:gd name="connsiteX4" fmla="*/ 1230889 w 1230890"/>
+              <a:gd name="connsiteY4" fmla="*/ 470157 h 1230890"/>
+              <a:gd name="connsiteX5" fmla="*/ 850520 w 1230890"/>
+              <a:gd name="connsiteY5" fmla="*/ 760729 h 1230890"/>
+              <a:gd name="connsiteX6" fmla="*/ 995810 w 1230890"/>
+              <a:gd name="connsiteY6" fmla="*/ 1230887 h 1230890"/>
+              <a:gd name="connsiteX7" fmla="*/ 615445 w 1230890"/>
+              <a:gd name="connsiteY7" fmla="*/ 940310 h 1230890"/>
+              <a:gd name="connsiteX8" fmla="*/ 235080 w 1230890"/>
+              <a:gd name="connsiteY8" fmla="*/ 1230887 h 1230890"/>
+              <a:gd name="connsiteX9" fmla="*/ 380370 w 1230890"/>
+              <a:gd name="connsiteY9" fmla="*/ 760729 h 1230890"/>
+              <a:gd name="connsiteX10" fmla="*/ 1 w 1230890"/>
+              <a:gd name="connsiteY10" fmla="*/ 470157 h 1230890"/>
+            </a:gdLst>
+            <a:cxnLst>
+              <a:cxn ang="0">
+                <a:pos x="connsiteX0" y="connsiteY0"/>
+              </a:cxn>
+              <a:cxn ang="0">
+                <a:pos x="connsiteX1" y="connsiteY1"/>
+              </a:cxn>
+              <a:cxn ang="0">
+                <a:pos x="connsiteX2" y="connsiteY2"/>
+              </a:cxn>
+              <a:cxn ang="0">
+                <a:pos x="connsiteX3" y="connsiteY3"/>
+              </a:cxn>
+              <a:cxn ang="0">
+                <a:pos x="connsiteX4" y="connsiteY4"/>
+              </a:cxn>
+              <a:cxn ang="0">
+                <a:pos x="connsiteX5" y="connsiteY5"/>
+              </a:cxn>
+              <a:cxn ang="0">
+                <a:pos x="connsiteX6" y="connsiteY6"/>
+              </a:cxn>
+              <a:cxn ang="0">
+                <a:pos x="connsiteX7" y="connsiteY7"/>
+              </a:cxn>
+              <a:cxn ang="0">
+                <a:pos x="connsiteX8" y="connsiteY8"/>
+              </a:cxn>
+              <a:cxn ang="0">
+                <a:pos x="connsiteX9" y="connsiteY9"/>
+              </a:cxn>
+              <a:cxn ang="0">
+                <a:pos x="connsiteX10" y="connsiteY10"/>
+              </a:cxn>
+            </a:cxnLst>
+            <a:rect l="l" t="t" r="r" b="b"/>
+            <a:pathLst>
+              <a:path w="1230890" h="1230890" fill="none" extrusionOk="0">
+                <a:moveTo>
+                  <a:pt x="1" y="470157"/>
+                </a:moveTo>
+                <a:cubicBezTo>
+                  <a:pt x="53909" y="491104"/>
+                  <a:pt x="254166" y="478029"/>
+                  <a:pt x="470161" y="470160"/>
+                </a:cubicBezTo>
+                <a:cubicBezTo>
+                  <a:pt x="501787" y="358986"/>
+                  <a:pt x="541724" y="203367"/>
+                  <a:pt x="615445" y="0"/>
+                </a:cubicBezTo>
+                <a:cubicBezTo>
+                  <a:pt x="652349" y="177559"/>
+                  <a:pt x="740711" y="372818"/>
+                  <a:pt x="760729" y="470160"/>
+                </a:cubicBezTo>
+                <a:cubicBezTo>
+                  <a:pt x="942310" y="504783"/>
+                  <a:pt x="1173608" y="438923"/>
+                  <a:pt x="1230889" y="470157"/>
+                </a:cubicBezTo>
+                <a:cubicBezTo>
+                  <a:pt x="1055012" y="618879"/>
+                  <a:pt x="997956" y="657494"/>
+                  <a:pt x="850520" y="760729"/>
+                </a:cubicBezTo>
+                <a:cubicBezTo>
+                  <a:pt x="879243" y="849599"/>
+                  <a:pt x="904272" y="1004792"/>
+                  <a:pt x="995810" y="1230887"/>
+                </a:cubicBezTo>
+                <a:cubicBezTo>
+                  <a:pt x="879261" y="1164905"/>
+                  <a:pt x="671092" y="959022"/>
+                  <a:pt x="615445" y="940310"/>
+                </a:cubicBezTo>
+                <a:cubicBezTo>
+                  <a:pt x="575091" y="967633"/>
+                  <a:pt x="328141" y="1157825"/>
+                  <a:pt x="235080" y="1230887"/>
+                </a:cubicBezTo>
+                <a:cubicBezTo>
+                  <a:pt x="267300" y="1017116"/>
+                  <a:pt x="348037" y="1007369"/>
+                  <a:pt x="380370" y="760729"/>
+                </a:cubicBezTo>
+                <a:cubicBezTo>
+                  <a:pt x="255654" y="663053"/>
+                  <a:pt x="109789" y="554798"/>
+                  <a:pt x="1" y="470157"/>
+                </a:cubicBezTo>
+                <a:close/>
+              </a:path>
+              <a:path w="1230890" h="1230890" stroke="0" extrusionOk="0">
+                <a:moveTo>
+                  <a:pt x="1" y="470157"/>
+                </a:moveTo>
+                <a:cubicBezTo>
+                  <a:pt x="153207" y="465525"/>
+                  <a:pt x="278011" y="503219"/>
+                  <a:pt x="470161" y="470160"/>
+                </a:cubicBezTo>
+                <a:cubicBezTo>
+                  <a:pt x="542629" y="240650"/>
+                  <a:pt x="589736" y="162780"/>
+                  <a:pt x="615445" y="0"/>
+                </a:cubicBezTo>
+                <a:cubicBezTo>
+                  <a:pt x="656766" y="85811"/>
+                  <a:pt x="730616" y="265011"/>
+                  <a:pt x="760729" y="470160"/>
+                </a:cubicBezTo>
+                <a:cubicBezTo>
+                  <a:pt x="813553" y="509498"/>
+                  <a:pt x="1081742" y="474157"/>
+                  <a:pt x="1230889" y="470157"/>
+                </a:cubicBezTo>
+                <a:cubicBezTo>
+                  <a:pt x="1100567" y="604356"/>
+                  <a:pt x="959198" y="716030"/>
+                  <a:pt x="850520" y="760729"/>
+                </a:cubicBezTo>
+                <a:cubicBezTo>
+                  <a:pt x="911621" y="919119"/>
+                  <a:pt x="915917" y="1065829"/>
+                  <a:pt x="995810" y="1230887"/>
+                </a:cubicBezTo>
+                <a:cubicBezTo>
+                  <a:pt x="907509" y="1162989"/>
+                  <a:pt x="741924" y="1000738"/>
+                  <a:pt x="615445" y="940310"/>
+                </a:cubicBezTo>
+                <a:cubicBezTo>
+                  <a:pt x="475641" y="1067777"/>
+                  <a:pt x="319714" y="1113114"/>
+                  <a:pt x="235080" y="1230887"/>
+                </a:cubicBezTo>
+                <a:cubicBezTo>
+                  <a:pt x="295206" y="1131551"/>
+                  <a:pt x="392599" y="859167"/>
+                  <a:pt x="380370" y="760729"/>
+                </a:cubicBezTo>
+                <a:cubicBezTo>
+                  <a:pt x="331828" y="743269"/>
+                  <a:pt x="114714" y="547124"/>
+                  <a:pt x="1" y="470157"/>
+                </a:cubicBezTo>
+                <a:close/>
+              </a:path>
+            </a:pathLst>
+          </a:custGeom>
+          <a:solidFill>
+            <a:schemeClr val="accent4">
+              <a:lumMod val="60000"/>
+              <a:lumOff val="40000"/>
+            </a:schemeClr>
+          </a:solidFill>
+          <a:ln>
+            <a:solidFill>
+              <a:srgbClr val="9a8b85"/>
+            </a:solidFill>
+          </a:ln>
+        </p:spPr>
+        <p:style>
+          <a:lnRef idx="2">
+            <a:schemeClr val="accent1">
+              <a:shade val="50000"/>
+            </a:schemeClr>
+          </a:lnRef>
+          <a:fillRef idx="1">
+            <a:schemeClr val="accent1"/>
+          </a:fillRef>
+          <a:effectRef idx="0">
+            <a:schemeClr val="accent1"/>
+          </a:effectRef>
+          <a:fontRef idx="minor">
+            <a:schemeClr val="lt1"/>
+          </a:fontRef>
+        </p:style>
+        <p:txBody>
+          <a:bodyPr anchor="ctr"/>
+          <a:lstStyle/>
+          <a:p>
+            <a:pPr algn="ctr">
+              <a:defRPr/>
+            </a:pPr>
+            <a:endParaRPr lang="ko-KR" altLang="en-US"/>
+          </a:p>
+        </p:txBody>
+      </p:sp>
+      <p:sp>
+        <p:nvSpPr>
+          <p:cNvPr id="62" name="별: 꼭짓점 5개 61"/>
+          <p:cNvSpPr/>
+          <p:nvPr/>
+        </p:nvSpPr>
+        <p:spPr>
+          <a:xfrm>
+            <a:off x="5480555" y="2311829"/>
+            <a:ext cx="1230890" cy="1230890"/>
+          </a:xfrm>
+          <a:custGeom>
+            <a:avLst/>
+            <a:gdLst>
+              <a:gd name="connsiteX0" fmla="*/ 1 w 1230890"/>
+              <a:gd name="connsiteY0" fmla="*/ 470157 h 1230890"/>
+              <a:gd name="connsiteX1" fmla="*/ 470161 w 1230890"/>
+              <a:gd name="connsiteY1" fmla="*/ 470160 h 1230890"/>
+              <a:gd name="connsiteX2" fmla="*/ 615445 w 1230890"/>
+              <a:gd name="connsiteY2" fmla="*/ 0 h 1230890"/>
+              <a:gd name="connsiteX3" fmla="*/ 760729 w 1230890"/>
+              <a:gd name="connsiteY3" fmla="*/ 470160 h 1230890"/>
+              <a:gd name="connsiteX4" fmla="*/ 1230889 w 1230890"/>
+              <a:gd name="connsiteY4" fmla="*/ 470157 h 1230890"/>
+              <a:gd name="connsiteX5" fmla="*/ 850520 w 1230890"/>
+              <a:gd name="connsiteY5" fmla="*/ 760729 h 1230890"/>
+              <a:gd name="connsiteX6" fmla="*/ 995810 w 1230890"/>
+              <a:gd name="connsiteY6" fmla="*/ 1230887 h 1230890"/>
+              <a:gd name="connsiteX7" fmla="*/ 615445 w 1230890"/>
+              <a:gd name="connsiteY7" fmla="*/ 940310 h 1230890"/>
+              <a:gd name="connsiteX8" fmla="*/ 235080 w 1230890"/>
+              <a:gd name="connsiteY8" fmla="*/ 1230887 h 1230890"/>
+              <a:gd name="connsiteX9" fmla="*/ 380370 w 1230890"/>
+              <a:gd name="connsiteY9" fmla="*/ 760729 h 1230890"/>
+              <a:gd name="connsiteX10" fmla="*/ 1 w 1230890"/>
+              <a:gd name="connsiteY10" fmla="*/ 470157 h 1230890"/>
+            </a:gdLst>
+            <a:cxnLst>
+              <a:cxn ang="0">
+                <a:pos x="connsiteX0" y="connsiteY0"/>
+              </a:cxn>
+              <a:cxn ang="0">
+                <a:pos x="connsiteX1" y="connsiteY1"/>
+              </a:cxn>
+              <a:cxn ang="0">
+                <a:pos x="connsiteX2" y="connsiteY2"/>
+              </a:cxn>
+              <a:cxn ang="0">
+                <a:pos x="connsiteX3" y="connsiteY3"/>
+              </a:cxn>
+              <a:cxn ang="0">
+                <a:pos x="connsiteX4" y="connsiteY4"/>
+              </a:cxn>
+              <a:cxn ang="0">
+                <a:pos x="connsiteX5" y="connsiteY5"/>
+              </a:cxn>
+              <a:cxn ang="0">
+                <a:pos x="connsiteX6" y="connsiteY6"/>
+              </a:cxn>
+              <a:cxn ang="0">
+                <a:pos x="connsiteX7" y="connsiteY7"/>
+              </a:cxn>
+              <a:cxn ang="0">
+                <a:pos x="connsiteX8" y="connsiteY8"/>
+              </a:cxn>
+              <a:cxn ang="0">
+                <a:pos x="connsiteX9" y="connsiteY9"/>
+              </a:cxn>
+              <a:cxn ang="0">
+                <a:pos x="connsiteX10" y="connsiteY10"/>
+              </a:cxn>
+            </a:cxnLst>
+            <a:rect l="l" t="t" r="r" b="b"/>
+            <a:pathLst>
+              <a:path w="1230890" h="1230890" fill="none" extrusionOk="0">
+                <a:moveTo>
+                  <a:pt x="1" y="470157"/>
+                </a:moveTo>
+                <a:cubicBezTo>
+                  <a:pt x="224332" y="437811"/>
+                  <a:pt x="421605" y="442267"/>
+                  <a:pt x="470161" y="470160"/>
+                </a:cubicBezTo>
+                <a:cubicBezTo>
+                  <a:pt x="549671" y="278847"/>
+                  <a:pt x="593782" y="65927"/>
+                  <a:pt x="615445" y="0"/>
+                </a:cubicBezTo>
+                <a:cubicBezTo>
+                  <a:pt x="677391" y="158609"/>
+                  <a:pt x="775428" y="380652"/>
+                  <a:pt x="760729" y="470160"/>
+                </a:cubicBezTo>
+                <a:cubicBezTo>
+                  <a:pt x="953097" y="478871"/>
+                  <a:pt x="1138106" y="479262"/>
+                  <a:pt x="1230889" y="470157"/>
+                </a:cubicBezTo>
+                <a:cubicBezTo>
+                  <a:pt x="1117668" y="551521"/>
+                  <a:pt x="925657" y="713319"/>
+                  <a:pt x="850520" y="760729"/>
+                </a:cubicBezTo>
+                <a:cubicBezTo>
+                  <a:pt x="860430" y="879215"/>
+                  <a:pt x="1010581" y="1134810"/>
+                  <a:pt x="995810" y="1230887"/>
+                </a:cubicBezTo>
+                <a:cubicBezTo>
+                  <a:pt x="949958" y="1176968"/>
+                  <a:pt x="685203" y="948725"/>
+                  <a:pt x="615445" y="940310"/>
+                </a:cubicBezTo>
+                <a:cubicBezTo>
+                  <a:pt x="543246" y="999626"/>
+                  <a:pt x="306940" y="1127034"/>
+                  <a:pt x="235080" y="1230887"/>
+                </a:cubicBezTo>
+                <a:cubicBezTo>
+                  <a:pt x="250169" y="1132616"/>
+                  <a:pt x="325291" y="843033"/>
+                  <a:pt x="380370" y="760729"/>
+                </a:cubicBezTo>
+                <a:cubicBezTo>
+                  <a:pt x="279688" y="688647"/>
+                  <a:pt x="94758" y="499026"/>
+                  <a:pt x="1" y="470157"/>
+                </a:cubicBezTo>
+                <a:close/>
+              </a:path>
+              <a:path w="1230890" h="1230890" stroke="0" extrusionOk="0">
+                <a:moveTo>
+                  <a:pt x="1" y="470157"/>
+                </a:moveTo>
+                <a:cubicBezTo>
+                  <a:pt x="229013" y="456353"/>
+                  <a:pt x="422641" y="483990"/>
+                  <a:pt x="470161" y="470160"/>
+                </a:cubicBezTo>
+                <a:cubicBezTo>
+                  <a:pt x="515430" y="276895"/>
+                  <a:pt x="566887" y="133851"/>
+                  <a:pt x="615445" y="0"/>
+                </a:cubicBezTo>
+                <a:cubicBezTo>
+                  <a:pt x="663845" y="229510"/>
+                  <a:pt x="733322" y="369564"/>
+                  <a:pt x="760729" y="470160"/>
+                </a:cubicBezTo>
+                <a:cubicBezTo>
+                  <a:pt x="946376" y="434213"/>
+                  <a:pt x="1033356" y="490993"/>
+                  <a:pt x="1230889" y="470157"/>
+                </a:cubicBezTo>
+                <a:cubicBezTo>
+                  <a:pt x="1146049" y="566245"/>
+                  <a:pt x="977012" y="670307"/>
+                  <a:pt x="850520" y="760729"/>
+                </a:cubicBezTo>
+                <a:cubicBezTo>
+                  <a:pt x="893448" y="877831"/>
+                  <a:pt x="922971" y="1113452"/>
+                  <a:pt x="995810" y="1230887"/>
+                </a:cubicBezTo>
+                <a:cubicBezTo>
+                  <a:pt x="880630" y="1195903"/>
+                  <a:pt x="760150" y="1091697"/>
+                  <a:pt x="615445" y="940310"/>
+                </a:cubicBezTo>
+                <a:cubicBezTo>
+                  <a:pt x="466526" y="1018633"/>
+                  <a:pt x="284228" y="1190036"/>
+                  <a:pt x="235080" y="1230887"/>
+                </a:cubicBezTo>
+                <a:cubicBezTo>
+                  <a:pt x="247064" y="1098319"/>
+                  <a:pt x="323610" y="875957"/>
+                  <a:pt x="380370" y="760729"/>
+                </a:cubicBezTo>
+                <a:cubicBezTo>
+                  <a:pt x="222145" y="646314"/>
+                  <a:pt x="72748" y="488444"/>
+                  <a:pt x="1" y="470157"/>
+                </a:cubicBezTo>
+                <a:close/>
+              </a:path>
+            </a:pathLst>
+          </a:custGeom>
+          <a:solidFill>
+            <a:schemeClr val="accent4">
+              <a:lumMod val="60000"/>
+              <a:lumOff val="40000"/>
+            </a:schemeClr>
+          </a:solidFill>
+          <a:ln>
+            <a:solidFill>
+              <a:srgbClr val="9a8b85"/>
+            </a:solidFill>
+          </a:ln>
+        </p:spPr>
+        <p:style>
+          <a:lnRef idx="2">
+            <a:schemeClr val="accent1">
+              <a:shade val="50000"/>
+            </a:schemeClr>
+          </a:lnRef>
+          <a:fillRef idx="1">
+            <a:schemeClr val="accent1"/>
+          </a:fillRef>
+          <a:effectRef idx="0">
+            <a:schemeClr val="accent1"/>
+          </a:effectRef>
+          <a:fontRef idx="minor">
+            <a:schemeClr val="lt1"/>
+          </a:fontRef>
+        </p:style>
+        <p:txBody>
+          <a:bodyPr anchor="ctr"/>
+          <a:lstStyle/>
+          <a:p>
+            <a:pPr algn="ctr">
+              <a:defRPr/>
+            </a:pPr>
+            <a:endParaRPr lang="ko-KR" altLang="en-US"/>
+          </a:p>
+        </p:txBody>
+      </p:sp>
+      <p:sp>
+        <p:nvSpPr>
+          <p:cNvPr id="65" name="별: 꼭짓점 5개 64"/>
+          <p:cNvSpPr/>
+          <p:nvPr/>
+        </p:nvSpPr>
+        <p:spPr>
+          <a:xfrm>
+            <a:off x="6895967" y="2311829"/>
+            <a:ext cx="1230890" cy="1230890"/>
+          </a:xfrm>
+          <a:custGeom>
+            <a:avLst/>
+            <a:gdLst>
+              <a:gd name="connsiteX0" fmla="*/ 1 w 1230890"/>
+              <a:gd name="connsiteY0" fmla="*/ 470157 h 1230890"/>
+              <a:gd name="connsiteX1" fmla="*/ 470161 w 1230890"/>
+              <a:gd name="connsiteY1" fmla="*/ 470160 h 1230890"/>
+              <a:gd name="connsiteX2" fmla="*/ 615445 w 1230890"/>
+              <a:gd name="connsiteY2" fmla="*/ 0 h 1230890"/>
+              <a:gd name="connsiteX3" fmla="*/ 760729 w 1230890"/>
+              <a:gd name="connsiteY3" fmla="*/ 470160 h 1230890"/>
+              <a:gd name="connsiteX4" fmla="*/ 1230889 w 1230890"/>
+              <a:gd name="connsiteY4" fmla="*/ 470157 h 1230890"/>
+              <a:gd name="connsiteX5" fmla="*/ 850520 w 1230890"/>
+              <a:gd name="connsiteY5" fmla="*/ 760729 h 1230890"/>
+              <a:gd name="connsiteX6" fmla="*/ 995810 w 1230890"/>
+              <a:gd name="connsiteY6" fmla="*/ 1230887 h 1230890"/>
+              <a:gd name="connsiteX7" fmla="*/ 615445 w 1230890"/>
+              <a:gd name="connsiteY7" fmla="*/ 940310 h 1230890"/>
+              <a:gd name="connsiteX8" fmla="*/ 235080 w 1230890"/>
+              <a:gd name="connsiteY8" fmla="*/ 1230887 h 1230890"/>
+              <a:gd name="connsiteX9" fmla="*/ 380370 w 1230890"/>
+              <a:gd name="connsiteY9" fmla="*/ 760729 h 1230890"/>
+              <a:gd name="connsiteX10" fmla="*/ 1 w 1230890"/>
+              <a:gd name="connsiteY10" fmla="*/ 470157 h 1230890"/>
+            </a:gdLst>
+            <a:cxnLst>
+              <a:cxn ang="0">
+                <a:pos x="connsiteX0" y="connsiteY0"/>
+              </a:cxn>
+              <a:cxn ang="0">
+                <a:pos x="connsiteX1" y="connsiteY1"/>
+              </a:cxn>
+              <a:cxn ang="0">
+                <a:pos x="connsiteX2" y="connsiteY2"/>
+              </a:cxn>
+              <a:cxn ang="0">
+                <a:pos x="connsiteX3" y="connsiteY3"/>
+              </a:cxn>
+              <a:cxn ang="0">
+                <a:pos x="connsiteX4" y="connsiteY4"/>
+              </a:cxn>
+              <a:cxn ang="0">
+                <a:pos x="connsiteX5" y="connsiteY5"/>
+              </a:cxn>
+              <a:cxn ang="0">
+                <a:pos x="connsiteX6" y="connsiteY6"/>
+              </a:cxn>
+              <a:cxn ang="0">
+                <a:pos x="connsiteX7" y="connsiteY7"/>
+              </a:cxn>
+              <a:cxn ang="0">
+                <a:pos x="connsiteX8" y="connsiteY8"/>
+              </a:cxn>
+              <a:cxn ang="0">
+                <a:pos x="connsiteX9" y="connsiteY9"/>
+              </a:cxn>
+              <a:cxn ang="0">
+                <a:pos x="connsiteX10" y="connsiteY10"/>
+              </a:cxn>
+            </a:cxnLst>
+            <a:rect l="l" t="t" r="r" b="b"/>
+            <a:pathLst>
+              <a:path w="1230890" h="1230890" fill="none" extrusionOk="0">
+                <a:moveTo>
+                  <a:pt x="1" y="470157"/>
+                </a:moveTo>
+                <a:cubicBezTo>
+                  <a:pt x="211214" y="493508"/>
+                  <a:pt x="405853" y="489665"/>
+                  <a:pt x="470161" y="470160"/>
+                </a:cubicBezTo>
+                <a:cubicBezTo>
+                  <a:pt x="554975" y="329814"/>
+                  <a:pt x="605306" y="49782"/>
+                  <a:pt x="615445" y="0"/>
+                </a:cubicBezTo>
+                <a:cubicBezTo>
+                  <a:pt x="671961" y="193661"/>
+                  <a:pt x="759804" y="346584"/>
+                  <a:pt x="760729" y="470160"/>
+                </a:cubicBezTo>
+                <a:cubicBezTo>
+                  <a:pt x="909629" y="503552"/>
+                  <a:pt x="1179519" y="443540"/>
+                  <a:pt x="1230889" y="470157"/>
+                </a:cubicBezTo>
+                <a:cubicBezTo>
+                  <a:pt x="1177729" y="502890"/>
+                  <a:pt x="938074" y="693583"/>
+                  <a:pt x="850520" y="760729"/>
+                </a:cubicBezTo>
+                <a:cubicBezTo>
+                  <a:pt x="898703" y="807084"/>
+                  <a:pt x="954016" y="1034414"/>
+                  <a:pt x="995810" y="1230887"/>
+                </a:cubicBezTo>
+                <a:cubicBezTo>
+                  <a:pt x="902575" y="1213444"/>
+                  <a:pt x="782712" y="1087920"/>
+                  <a:pt x="615445" y="940310"/>
+                </a:cubicBezTo>
+                <a:cubicBezTo>
+                  <a:pt x="512017" y="1000454"/>
+                  <a:pt x="353343" y="1137732"/>
+                  <a:pt x="235080" y="1230887"/>
+                </a:cubicBezTo>
+                <a:cubicBezTo>
+                  <a:pt x="224056" y="1128106"/>
+                  <a:pt x="310888" y="890419"/>
+                  <a:pt x="380370" y="760729"/>
+                </a:cubicBezTo>
+                <a:cubicBezTo>
+                  <a:pt x="229745" y="650541"/>
+                  <a:pt x="41873" y="526954"/>
+                  <a:pt x="1" y="470157"/>
+                </a:cubicBezTo>
+                <a:close/>
+              </a:path>
+              <a:path w="1230890" h="1230890" stroke="0" extrusionOk="0">
+                <a:moveTo>
+                  <a:pt x="1" y="470157"/>
+                </a:moveTo>
+                <a:cubicBezTo>
+                  <a:pt x="143999" y="463619"/>
+                  <a:pt x="291709" y="492831"/>
+                  <a:pt x="470161" y="470160"/>
+                </a:cubicBezTo>
+                <a:cubicBezTo>
+                  <a:pt x="519087" y="230185"/>
+                  <a:pt x="530214" y="134804"/>
+                  <a:pt x="615445" y="0"/>
+                </a:cubicBezTo>
+                <a:cubicBezTo>
+                  <a:pt x="651203" y="162238"/>
+                  <a:pt x="660196" y="263789"/>
+                  <a:pt x="760729" y="470160"/>
+                </a:cubicBezTo>
+                <a:cubicBezTo>
+                  <a:pt x="885501" y="453349"/>
+                  <a:pt x="1160276" y="446024"/>
+                  <a:pt x="1230889" y="470157"/>
+                </a:cubicBezTo>
+                <a:cubicBezTo>
+                  <a:pt x="1159953" y="556302"/>
+                  <a:pt x="1045858" y="653174"/>
+                  <a:pt x="850520" y="760729"/>
+                </a:cubicBezTo>
+                <a:cubicBezTo>
+                  <a:pt x="893006" y="869418"/>
+                  <a:pt x="927877" y="1035802"/>
+                  <a:pt x="995810" y="1230887"/>
+                </a:cubicBezTo>
+                <a:cubicBezTo>
+                  <a:pt x="880442" y="1106521"/>
+                  <a:pt x="816209" y="1070680"/>
+                  <a:pt x="615445" y="940310"/>
+                </a:cubicBezTo>
+                <a:cubicBezTo>
+                  <a:pt x="586220" y="1012287"/>
+                  <a:pt x="343556" y="1138751"/>
+                  <a:pt x="235080" y="1230887"/>
+                </a:cubicBezTo>
+                <a:cubicBezTo>
+                  <a:pt x="335038" y="1055925"/>
+                  <a:pt x="321716" y="809912"/>
+                  <a:pt x="380370" y="760729"/>
+                </a:cubicBezTo>
+                <a:cubicBezTo>
+                  <a:pt x="363796" y="695611"/>
+                  <a:pt x="129356" y="568695"/>
+                  <a:pt x="1" y="470157"/>
+                </a:cubicBezTo>
+                <a:close/>
+              </a:path>
+            </a:pathLst>
+          </a:custGeom>
+          <a:solidFill>
+            <a:schemeClr val="accent4">
+              <a:lumMod val="60000"/>
+              <a:lumOff val="40000"/>
+            </a:schemeClr>
+          </a:solidFill>
+          <a:ln>
+            <a:solidFill>
+              <a:srgbClr val="9a8b85"/>
+            </a:solidFill>
+          </a:ln>
+        </p:spPr>
+        <p:style>
+          <a:lnRef idx="2">
+            <a:schemeClr val="accent1">
+              <a:shade val="50000"/>
+            </a:schemeClr>
+          </a:lnRef>
+          <a:fillRef idx="1">
+            <a:schemeClr val="accent1"/>
+          </a:fillRef>
+          <a:effectRef idx="0">
+            <a:schemeClr val="accent1"/>
+          </a:effectRef>
+          <a:fontRef idx="minor">
+            <a:schemeClr val="lt1"/>
+          </a:fontRef>
+        </p:style>
+        <p:txBody>
+          <a:bodyPr anchor="ctr"/>
+          <a:lstStyle/>
+          <a:p>
+            <a:pPr algn="ctr">
+              <a:defRPr/>
+            </a:pPr>
+            <a:endParaRPr lang="ko-KR" altLang="en-US"/>
+          </a:p>
+        </p:txBody>
+      </p:sp>
+      <p:sp>
+        <p:nvSpPr>
+          <p:cNvPr id="9" name="TextBox 8"/>
+          <p:cNvSpPr txBox="1"/>
+          <p:nvPr/>
+        </p:nvSpPr>
+        <p:spPr>
+          <a:xfrm>
+            <a:off x="2652799" y="4435015"/>
+            <a:ext cx="6689984" cy="1251254"/>
+          </a:xfrm>
+          <a:prstGeom prst="rect">
+            <a:avLst/>
+          </a:prstGeom>
+          <a:noFill/>
+        </p:spPr>
+        <p:txBody>
+          <a:bodyPr wrap="square">
+            <a:spAutoFit/>
+          </a:bodyPr>
+          <a:lstStyle/>
+          <a:p>
+            <a:pPr algn="ctr">
+              <a:defRPr/>
+            </a:pPr>
+            <a:r>
+              <a:rPr lang="en-US" altLang="ko-KR" sz="2200">
+                <a:solidFill>
+                  <a:srgbClr val="c80000"/>
+                </a:solidFill>
+                <a:latin typeface="210 스탠다드 040"/>
+                <a:ea typeface="210 스탠다드 040"/>
+              </a:rPr>
+              <a:t>“</a:t>
+            </a:r>
+            <a:r>
+              <a:rPr lang="ko-KR" altLang="en-US" sz="2200">
+                <a:solidFill>
+                  <a:srgbClr val="c80000"/>
+                </a:solidFill>
+                <a:latin typeface="210 스탠다드 040"/>
+                <a:ea typeface="210 스탠다드 040"/>
+              </a:rPr>
+              <a:t>완전 추천해요</a:t>
+            </a:r>
+            <a:r>
+              <a:rPr lang="en-US" altLang="ko-KR" sz="2200">
+                <a:solidFill>
+                  <a:srgbClr val="c80000"/>
+                </a:solidFill>
+                <a:latin typeface="210 스탠다드 040"/>
+                <a:ea typeface="210 스탠다드 040"/>
+              </a:rPr>
+              <a:t>.”</a:t>
+            </a:r>
+            <a:endParaRPr lang="en-US" altLang="ko-KR" sz="2200">
+              <a:solidFill>
+                <a:srgbClr val="c80000"/>
+              </a:solidFill>
+              <a:latin typeface="210 스탠다드 040"/>
+              <a:ea typeface="210 스탠다드 040"/>
+            </a:endParaRPr>
+          </a:p>
+          <a:p>
+            <a:pPr algn="ctr">
+              <a:defRPr/>
+            </a:pPr>
+            <a:endParaRPr lang="en-US" altLang="ko-KR">
+              <a:latin typeface="DX영화자막 M"/>
+              <a:ea typeface="DX영화자막 M"/>
+            </a:endParaRPr>
+          </a:p>
+          <a:p>
+            <a:pPr algn="ctr">
+              <a:defRPr/>
+            </a:pPr>
+            <a:r>
+              <a:rPr lang="ko-KR" altLang="en-US">
+                <a:latin typeface="DX영화자막 M"/>
+                <a:ea typeface="DX영화자막 M"/>
+              </a:rPr>
+              <a:t>힘들 때마다 꺼내 보며 위로 받고 싶은 책</a:t>
+            </a:r>
+            <a:endParaRPr lang="ko-KR" altLang="en-US">
+              <a:latin typeface="DX영화자막 M"/>
+              <a:ea typeface="DX영화자막 M"/>
+            </a:endParaRPr>
+          </a:p>
+          <a:p>
+            <a:pPr algn="ctr">
+              <a:defRPr/>
+            </a:pPr>
+            <a:r>
+              <a:rPr lang="ko-KR" altLang="en-US">
+                <a:latin typeface="DX영화자막 M"/>
+                <a:ea typeface="DX영화자막 M"/>
+              </a:rPr>
+              <a:t>소중한 사람에게 선물하면 좋을 책</a:t>
+            </a:r>
+            <a:endParaRPr lang="ko-KR" altLang="en-US">
+              <a:latin typeface="DX영화자막 M"/>
+              <a:ea typeface="DX영화자막 M"/>
+            </a:endParaRPr>
+          </a:p>
+        </p:txBody>
+      </p:sp>
+      <p:sp>
+        <p:nvSpPr>
+          <p:cNvPr id="42" name="TextBox 41"/>
+          <p:cNvSpPr txBox="1"/>
+          <p:nvPr/>
+        </p:nvSpPr>
+        <p:spPr>
+          <a:xfrm>
+            <a:off x="5629302" y="713595"/>
+            <a:ext cx="1499546" cy="446550"/>
+          </a:xfrm>
+          <a:prstGeom prst="rect">
+            <a:avLst/>
+          </a:prstGeom>
+          <a:noFill/>
+          <a:ln w="9525">
+            <a:noFill/>
+          </a:ln>
+        </p:spPr>
+        <p:txBody>
+          <a:bodyPr wrap="square">
+            <a:spAutoFit/>
+          </a:bodyPr>
+          <a:lstStyle/>
+          <a:p>
+            <a:pPr lvl="0">
+              <a:defRPr/>
+            </a:pPr>
+            <a:r>
+              <a:rPr lang="ko-KR" altLang="en-US" sz="2400">
+                <a:solidFill>
+                  <a:schemeClr val="tx1">
+                    <a:alpha val="71000"/>
+                  </a:schemeClr>
+                </a:solidFill>
+                <a:latin typeface="DX영화자막 M"/>
+                <a:ea typeface="DX영화자막 M"/>
+              </a:rPr>
+              <a:t>후 기</a:t>
+            </a:r>
+            <a:endParaRPr lang="ko-KR" altLang="en-US" sz="2400">
+              <a:solidFill>
+                <a:schemeClr val="tx1">
+                  <a:alpha val="71000"/>
+                </a:schemeClr>
+              </a:solidFill>
+              <a:latin typeface="DX영화자막 M"/>
+              <a:ea typeface="DX영화자막 M"/>
+            </a:endParaRPr>
+          </a:p>
+        </p:txBody>
+      </p:sp>
+      <p:sp>
+        <p:nvSpPr>
+          <p:cNvPr id="53" name="TextBox 52"/>
+          <p:cNvSpPr txBox="1"/>
+          <p:nvPr/>
+        </p:nvSpPr>
+        <p:spPr>
+          <a:xfrm flipH="1">
+            <a:off x="5041092" y="342101"/>
+            <a:ext cx="2123658" cy="294169"/>
+          </a:xfrm>
+          <a:prstGeom prst="rect">
+            <a:avLst/>
+          </a:prstGeom>
+          <a:noFill/>
+        </p:spPr>
+        <p:txBody>
+          <a:bodyPr vert="horz" wrap="square">
+            <a:spAutoFit/>
+          </a:bodyPr>
+          <a:lstStyle/>
+          <a:p>
+            <a:pPr algn="dist">
+              <a:defRPr/>
+            </a:pPr>
+            <a:r>
+              <a:rPr lang="en-US" altLang="ko-KR" sz="1400">
+                <a:solidFill>
+                  <a:schemeClr val="tx1">
+                    <a:alpha val="71000"/>
+                  </a:schemeClr>
+                </a:solidFill>
+                <a:latin typeface="DX영화자막 M"/>
+                <a:ea typeface="DX영화자막 M"/>
+              </a:rPr>
+              <a:t>SLOW THINKING</a:t>
+            </a:r>
+            <a:endParaRPr lang="ko-KR" altLang="en-US" sz="1400">
+              <a:solidFill>
+                <a:schemeClr val="tx1">
+                  <a:alpha val="71000"/>
+                </a:schemeClr>
+              </a:solidFill>
+              <a:latin typeface="DX영화자막 M"/>
+              <a:ea typeface="DX영화자막 M"/>
+            </a:endParaRPr>
+          </a:p>
+        </p:txBody>
+      </p:sp>
+    </p:spTree>
+  </p:cSld>
+  <p:clrMapOvr>
+    <a:masterClrMapping/>
+  </p:clrMapOvr>
+  <mc:AlternateContent xmlns:mc="http://schemas.openxmlformats.org/markup-compatibility/2006">
+    <mc:Choice xmlns:p14="http://schemas.microsoft.com/office/powerpoint/2010/main" Requires="p14">
+      <p:transition xmlns:mc="http://schemas.openxmlformats.org/markup-compatibility/2006" xmlns:p14="http://schemas.microsoft.com/office/powerpoint/2010/main" mc:Ignorable="p14" p14:dur="500"/>
+    </mc:Choice>
+    <mc:Fallback>
+      <p:transition/>
+    </mc:Fallback>
+  </mc:AlternateContent>
+</p:sld>
+</file>
+
+<file path=ppt/slides/slide12.xml><?xml version="1.0" encoding="utf-8"?>
+<p:sld xmlns:r="http://schemas.openxmlformats.org/officeDocument/2006/relationships" xmlns:c="http://schemas.openxmlformats.org/drawingml/2006/chart" xmlns:a="http://schemas.openxmlformats.org/drawingml/2006/main" xmlns:dgm="http://schemas.openxmlformats.org/drawingml/2006/diagram" xmlns:dsp="http://schemas.microsoft.com/office/drawing/2008/diagram" xmlns:p="http://schemas.openxmlformats.org/presentationml/2006/main">
+  <p:cSld>
+    <p:bg>
+      <p:bgPr shadeToTitle="0">
+        <a:blipFill dpi="0" rotWithShape="1">
+          <a:blip r:embed="rId2">
+            <a:lum/>
+          </a:blip>
+          <a:srcRect/>
+          <a:stretch>
+            <a:fillRect t="-17000" b="-17000"/>
+          </a:stretch>
+        </a:blipFill>
+      </p:bgPr>
+    </p:bg>
+    <p:spTree>
+      <p:nvGrpSpPr>
+        <p:cNvPr id="1" name=""/>
+        <p:cNvGrpSpPr/>
+        <p:nvPr/>
+      </p:nvGrpSpPr>
+      <p:grpSpPr>
+        <a:xfrm>
+          <a:off x="0" y="0"/>
+          <a:ext cx="0" cy="0"/>
+          <a:chOff x="0" y="0"/>
+          <a:chExt cx="0" cy="0"/>
+        </a:xfrm>
+      </p:grpSpPr>
+      <p:grpSp>
+        <p:nvGrpSpPr>
+          <p:cNvPr id="4" name="그룹 3"/>
+          <p:cNvGrpSpPr/>
+          <p:nvPr/>
+        </p:nvGrpSpPr>
+        <p:grpSpPr>
+          <a:xfrm rot="0">
+            <a:off x="240925" y="2941212"/>
+            <a:ext cx="163649" cy="975576"/>
+            <a:chOff x="306686" y="3281373"/>
+            <a:chExt cx="163649" cy="975576"/>
+          </a:xfrm>
+        </p:grpSpPr>
+        <p:cxnSp>
+          <p:nvCxnSpPr>
+            <p:cNvPr id="3" name="직선 연결선 2"/>
+            <p:cNvCxnSpPr/>
+            <p:nvPr/>
+          </p:nvCxnSpPr>
+          <p:spPr>
+            <a:xfrm>
+              <a:off x="306686" y="4127358"/>
+              <a:ext cx="160637" cy="129591"/>
+            </a:xfrm>
+            <a:prstGeom prst="line">
+              <a:avLst/>
+            </a:prstGeom>
+            <a:ln w="12700">
+              <a:solidFill>
+                <a:srgbClr val="ac9d8e"/>
+              </a:solidFill>
+            </a:ln>
+          </p:spPr>
+          <p:style>
+            <a:lnRef idx="1">
+              <a:schemeClr val="accent1"/>
+            </a:lnRef>
+            <a:fillRef idx="0">
+              <a:schemeClr val="accent1"/>
+            </a:fillRef>
+            <a:effectRef idx="0">
+              <a:schemeClr val="accent1"/>
+            </a:effectRef>
+            <a:fontRef idx="minor">
+              <a:schemeClr val="tx1"/>
+            </a:fontRef>
+          </p:style>
+        </p:cxnSp>
+        <p:cxnSp>
+          <p:nvCxnSpPr>
+            <p:cNvPr id="40" name="직선 연결선 39"/>
+            <p:cNvCxnSpPr/>
+            <p:nvPr/>
+          </p:nvCxnSpPr>
+          <p:spPr>
+            <a:xfrm>
+              <a:off x="306686" y="3838775"/>
+              <a:ext cx="160637" cy="129591"/>
+            </a:xfrm>
+            <a:prstGeom prst="line">
+              <a:avLst/>
+            </a:prstGeom>
+            <a:ln w="12700">
+              <a:solidFill>
+                <a:srgbClr val="ac9d8e"/>
+              </a:solidFill>
+            </a:ln>
+          </p:spPr>
+          <p:style>
+            <a:lnRef idx="1">
+              <a:schemeClr val="accent1"/>
+            </a:lnRef>
+            <a:fillRef idx="0">
+              <a:schemeClr val="accent1"/>
+            </a:fillRef>
+            <a:effectRef idx="0">
+              <a:schemeClr val="accent1"/>
+            </a:effectRef>
+            <a:fontRef idx="minor">
+              <a:schemeClr val="tx1"/>
+            </a:fontRef>
+          </p:style>
+        </p:cxnSp>
+        <p:cxnSp>
+          <p:nvCxnSpPr>
+            <p:cNvPr id="49" name="직선 연결선 48"/>
+            <p:cNvCxnSpPr/>
+            <p:nvPr/>
+          </p:nvCxnSpPr>
+          <p:spPr>
+            <a:xfrm>
+              <a:off x="306686" y="3550192"/>
+              <a:ext cx="160637" cy="129591"/>
+            </a:xfrm>
+            <a:prstGeom prst="line">
+              <a:avLst/>
+            </a:prstGeom>
+            <a:ln w="12700">
+              <a:solidFill>
+                <a:srgbClr val="ac9d8e"/>
+              </a:solidFill>
+            </a:ln>
+          </p:spPr>
+          <p:style>
+            <a:lnRef idx="1">
+              <a:schemeClr val="accent1"/>
+            </a:lnRef>
+            <a:fillRef idx="0">
+              <a:schemeClr val="accent1"/>
+            </a:fillRef>
+            <a:effectRef idx="0">
+              <a:schemeClr val="accent1"/>
+            </a:effectRef>
+            <a:fontRef idx="minor">
+              <a:schemeClr val="tx1"/>
+            </a:fontRef>
+          </p:style>
+        </p:cxnSp>
+        <p:cxnSp>
+          <p:nvCxnSpPr>
+            <p:cNvPr id="51" name="직선 연결선 50"/>
+            <p:cNvCxnSpPr/>
+            <p:nvPr/>
+          </p:nvCxnSpPr>
+          <p:spPr>
+            <a:xfrm>
+              <a:off x="309698" y="3281373"/>
+              <a:ext cx="160637" cy="129591"/>
+            </a:xfrm>
+            <a:prstGeom prst="line">
+              <a:avLst/>
+            </a:prstGeom>
+            <a:ln w="12700">
+              <a:solidFill>
+                <a:srgbClr val="ac9d8e"/>
+              </a:solidFill>
+            </a:ln>
+          </p:spPr>
+          <p:style>
+            <a:lnRef idx="1">
+              <a:schemeClr val="accent1"/>
+            </a:lnRef>
+            <a:fillRef idx="0">
+              <a:schemeClr val="accent1"/>
+            </a:fillRef>
+            <a:effectRef idx="0">
+              <a:schemeClr val="accent1"/>
+            </a:effectRef>
+            <a:fontRef idx="minor">
+              <a:schemeClr val="tx1"/>
+            </a:fontRef>
+          </p:style>
+        </p:cxnSp>
+      </p:grpSp>
+      <p:sp>
+        <p:nvSpPr>
+          <p:cNvPr id="26" name="TextBox 25"/>
+          <p:cNvSpPr txBox="1"/>
+          <p:nvPr/>
+        </p:nvSpPr>
+        <p:spPr>
+          <a:xfrm flipH="1">
+            <a:off x="4506439" y="717111"/>
+            <a:ext cx="3078306" cy="400110"/>
+          </a:xfrm>
+          <a:prstGeom prst="rect">
+            <a:avLst/>
+          </a:prstGeom>
+          <a:noFill/>
+        </p:spPr>
+        <p:txBody>
+          <a:bodyPr vert="horz" wrap="square">
+            <a:spAutoFit/>
+          </a:bodyPr>
+          <a:lstStyle/>
+          <a:p>
+            <a:pPr algn="dist">
+              <a:defRPr/>
+            </a:pPr>
+            <a:r>
+              <a:rPr lang="en-US" altLang="ko-KR" sz="2000">
+                <a:solidFill>
+                  <a:schemeClr val="tx1">
+                    <a:alpha val="71000"/>
+                  </a:schemeClr>
+                </a:solidFill>
+                <a:latin typeface="DX영화자막 M"/>
+                <a:ea typeface="DX영화자막 M"/>
+              </a:rPr>
+              <a:t>SLOW THINKING</a:t>
+            </a:r>
+            <a:endParaRPr lang="ko-KR" altLang="en-US" sz="2000">
+              <a:solidFill>
+                <a:schemeClr val="tx1">
+                  <a:alpha val="71000"/>
+                </a:schemeClr>
+              </a:solidFill>
+              <a:latin typeface="DX영화자막 M"/>
+              <a:ea typeface="DX영화자막 M"/>
+            </a:endParaRPr>
+          </a:p>
+        </p:txBody>
+      </p:sp>
+      <p:pic>
+        <p:nvPicPr>
+          <p:cNvPr id="70" name=""/>
+          <p:cNvPicPr>
+            <a:picLocks noChangeAspect="1"/>
+          </p:cNvPicPr>
+          <p:nvPr/>
+        </p:nvPicPr>
+        <p:blipFill rotWithShape="1">
+          <a:blip r:embed="rId3"/>
+          <a:stretch>
+            <a:fillRect/>
+          </a:stretch>
+        </p:blipFill>
+        <p:spPr>
+          <a:xfrm>
+            <a:off x="2804307" y="137307"/>
+            <a:ext cx="6583385" cy="6583385"/>
+          </a:xfrm>
+          <a:prstGeom prst="rect">
+            <a:avLst/>
+          </a:prstGeom>
+        </p:spPr>
+      </p:pic>
+    </p:spTree>
+  </p:cSld>
+  <p:clrMapOvr>
+    <a:masterClrMapping/>
+  </p:clrMapOvr>
+  <mc:AlternateContent xmlns:mc="http://schemas.openxmlformats.org/markup-compatibility/2006">
+    <mc:Choice xmlns:p14="http://schemas.microsoft.com/office/powerpoint/2010/main" Requires="p14">
+      <p:transition xmlns:mc="http://schemas.openxmlformats.org/markup-compatibility/2006" xmlns:p14="http://schemas.microsoft.com/office/powerpoint/2010/main" mc:Ignorable="p14" p14:dur="500"/>
+    </mc:Choice>
+    <mc:Fallback>
+      <p:transition/>
+    </mc:Fallback>
+  </mc:AlternateContent>
+</p:sld>
+</file>
+
 <file path=ppt/slides/slide2.xml><?xml version="1.0" encoding="utf-8"?>
 <p:sld xmlns:r="http://schemas.openxmlformats.org/officeDocument/2006/relationships" xmlns:c="http://schemas.openxmlformats.org/drawingml/2006/chart" xmlns:a="http://schemas.openxmlformats.org/drawingml/2006/main" xmlns:dgm="http://schemas.openxmlformats.org/drawingml/2006/diagram" xmlns:dsp="http://schemas.microsoft.com/office/drawing/2008/diagram" xmlns:p="http://schemas.openxmlformats.org/presentationml/2006/main">
   <p:cSld>
@@ -5216,7 +7362,7 @@
       </p:sp>
       <p:pic>
         <p:nvPicPr>
-          <p:cNvPr id="54" name=""/>
+          <p:cNvPr id="55" name=""/>
           <p:cNvPicPr>
             <a:picLocks noChangeAspect="1"/>
           </p:cNvPicPr>
@@ -5230,1684 +7376,82 @@
         </p:blipFill>
         <p:spPr>
           <a:xfrm>
-            <a:off x="1433312" y="1353926"/>
-            <a:ext cx="9325376" cy="5222210"/>
+            <a:off x="2376246" y="1433055"/>
+            <a:ext cx="3719754" cy="4902664"/>
           </a:xfrm>
           <a:prstGeom prst="rect">
             <a:avLst/>
           </a:prstGeom>
         </p:spPr>
       </p:pic>
-    </p:spTree>
-  </p:cSld>
-  <p:clrMapOvr>
-    <a:masterClrMapping/>
-  </p:clrMapOvr>
-  <mc:AlternateContent xmlns:mc="http://schemas.openxmlformats.org/markup-compatibility/2006">
-    <mc:Choice xmlns:p14="http://schemas.microsoft.com/office/powerpoint/2010/main" Requires="p14">
-      <p:transition xmlns:mc="http://schemas.openxmlformats.org/markup-compatibility/2006" xmlns:p14="http://schemas.microsoft.com/office/powerpoint/2010/main" mc:Ignorable="p14" p14:dur="500"/>
-    </mc:Choice>
-    <mc:Fallback>
-      <p:transition/>
-    </mc:Fallback>
-  </mc:AlternateContent>
-</p:sld>
-</file>
-
-<file path=ppt/slides/slide4.xml><?xml version="1.0" encoding="utf-8"?>
-<p:sld xmlns:r="http://schemas.openxmlformats.org/officeDocument/2006/relationships" xmlns:c="http://schemas.openxmlformats.org/drawingml/2006/chart" xmlns:a="http://schemas.openxmlformats.org/drawingml/2006/main" xmlns:dgm="http://schemas.openxmlformats.org/drawingml/2006/diagram" xmlns:dsp="http://schemas.microsoft.com/office/drawing/2008/diagram" xmlns:p="http://schemas.openxmlformats.org/presentationml/2006/main">
-  <p:cSld>
-    <p:bg>
-      <p:bgPr shadeToTitle="0">
-        <a:blipFill dpi="0" rotWithShape="1">
-          <a:blip r:embed="rId2">
-            <a:lum/>
-          </a:blip>
-          <a:srcRect/>
-          <a:stretch>
-            <a:fillRect t="-17000" b="-17000"/>
-          </a:stretch>
-        </a:blipFill>
-      </p:bgPr>
-    </p:bg>
-    <p:spTree>
-      <p:nvGrpSpPr>
-        <p:cNvPr id="1" name=""/>
-        <p:cNvGrpSpPr/>
-        <p:nvPr/>
-      </p:nvGrpSpPr>
-      <p:grpSpPr>
-        <a:xfrm>
-          <a:off x="0" y="0"/>
-          <a:ext cx="0" cy="0"/>
-          <a:chOff x="0" y="0"/>
-          <a:chExt cx="0" cy="0"/>
-        </a:xfrm>
-      </p:grpSpPr>
-      <p:grpSp>
-        <p:nvGrpSpPr>
-          <p:cNvPr id="4" name="그룹 3"/>
-          <p:cNvGrpSpPr/>
-          <p:nvPr/>
-        </p:nvGrpSpPr>
-        <p:grpSpPr>
-          <a:xfrm rot="0">
-            <a:off x="240925" y="2941212"/>
-            <a:ext cx="163649" cy="975576"/>
-            <a:chOff x="306686" y="3281373"/>
-            <a:chExt cx="163649" cy="975576"/>
-          </a:xfrm>
-        </p:grpSpPr>
-        <p:cxnSp>
-          <p:nvCxnSpPr>
-            <p:cNvPr id="3" name="직선 연결선 2"/>
-            <p:cNvCxnSpPr/>
-            <p:nvPr/>
-          </p:nvCxnSpPr>
-          <p:spPr>
-            <a:xfrm>
-              <a:off x="306686" y="4127358"/>
-              <a:ext cx="160637" cy="129591"/>
-            </a:xfrm>
-            <a:prstGeom prst="line">
-              <a:avLst/>
-            </a:prstGeom>
-            <a:ln w="12700">
-              <a:solidFill>
-                <a:srgbClr val="ac9d8e"/>
-              </a:solidFill>
-            </a:ln>
-          </p:spPr>
-          <p:style>
-            <a:lnRef idx="1">
-              <a:schemeClr val="accent1"/>
-            </a:lnRef>
-            <a:fillRef idx="0">
-              <a:schemeClr val="accent1"/>
-            </a:fillRef>
-            <a:effectRef idx="0">
-              <a:schemeClr val="accent1"/>
-            </a:effectRef>
-            <a:fontRef idx="minor">
-              <a:schemeClr val="tx1"/>
-            </a:fontRef>
-          </p:style>
-        </p:cxnSp>
-        <p:cxnSp>
-          <p:nvCxnSpPr>
-            <p:cNvPr id="40" name="직선 연결선 39"/>
-            <p:cNvCxnSpPr/>
-            <p:nvPr/>
-          </p:nvCxnSpPr>
-          <p:spPr>
-            <a:xfrm>
-              <a:off x="306686" y="3838775"/>
-              <a:ext cx="160637" cy="129591"/>
-            </a:xfrm>
-            <a:prstGeom prst="line">
-              <a:avLst/>
-            </a:prstGeom>
-            <a:ln w="12700">
-              <a:solidFill>
-                <a:srgbClr val="ac9d8e"/>
-              </a:solidFill>
-            </a:ln>
-          </p:spPr>
-          <p:style>
-            <a:lnRef idx="1">
-              <a:schemeClr val="accent1"/>
-            </a:lnRef>
-            <a:fillRef idx="0">
-              <a:schemeClr val="accent1"/>
-            </a:fillRef>
-            <a:effectRef idx="0">
-              <a:schemeClr val="accent1"/>
-            </a:effectRef>
-            <a:fontRef idx="minor">
-              <a:schemeClr val="tx1"/>
-            </a:fontRef>
-          </p:style>
-        </p:cxnSp>
-        <p:cxnSp>
-          <p:nvCxnSpPr>
-            <p:cNvPr id="49" name="직선 연결선 48"/>
-            <p:cNvCxnSpPr/>
-            <p:nvPr/>
-          </p:nvCxnSpPr>
-          <p:spPr>
-            <a:xfrm>
-              <a:off x="306686" y="3550192"/>
-              <a:ext cx="160637" cy="129591"/>
-            </a:xfrm>
-            <a:prstGeom prst="line">
-              <a:avLst/>
-            </a:prstGeom>
-            <a:ln w="12700">
-              <a:solidFill>
-                <a:srgbClr val="ac9d8e"/>
-              </a:solidFill>
-            </a:ln>
-          </p:spPr>
-          <p:style>
-            <a:lnRef idx="1">
-              <a:schemeClr val="accent1"/>
-            </a:lnRef>
-            <a:fillRef idx="0">
-              <a:schemeClr val="accent1"/>
-            </a:fillRef>
-            <a:effectRef idx="0">
-              <a:schemeClr val="accent1"/>
-            </a:effectRef>
-            <a:fontRef idx="minor">
-              <a:schemeClr val="tx1"/>
-            </a:fontRef>
-          </p:style>
-        </p:cxnSp>
-        <p:cxnSp>
-          <p:nvCxnSpPr>
-            <p:cNvPr id="51" name="직선 연결선 50"/>
-            <p:cNvCxnSpPr/>
-            <p:nvPr/>
-          </p:nvCxnSpPr>
-          <p:spPr>
-            <a:xfrm>
-              <a:off x="309698" y="3281373"/>
-              <a:ext cx="160637" cy="129591"/>
-            </a:xfrm>
-            <a:prstGeom prst="line">
-              <a:avLst/>
-            </a:prstGeom>
-            <a:ln w="12700">
-              <a:solidFill>
-                <a:srgbClr val="ac9d8e"/>
-              </a:solidFill>
-            </a:ln>
-          </p:spPr>
-          <p:style>
-            <a:lnRef idx="1">
-              <a:schemeClr val="accent1"/>
-            </a:lnRef>
-            <a:fillRef idx="0">
-              <a:schemeClr val="accent1"/>
-            </a:fillRef>
-            <a:effectRef idx="0">
-              <a:schemeClr val="accent1"/>
-            </a:effectRef>
-            <a:fontRef idx="minor">
-              <a:schemeClr val="tx1"/>
-            </a:fontRef>
-          </p:style>
-        </p:cxnSp>
-      </p:grpSp>
-      <p:sp>
-        <p:nvSpPr>
-          <p:cNvPr id="66" name="TextBox 65"/>
+      <p:sp>
+        <p:nvSpPr>
+          <p:cNvPr id="56" name=""/>
           <p:cNvSpPr txBox="1"/>
           <p:nvPr/>
         </p:nvSpPr>
         <p:spPr>
           <a:xfrm>
-            <a:off x="5450798" y="671692"/>
-            <a:ext cx="1290404" cy="453198"/>
-          </a:xfrm>
-          <a:prstGeom prst="rect">
-            <a:avLst/>
-          </a:prstGeom>
-          <a:noFill/>
-          <a:ln w="9525">
-            <a:noFill/>
-          </a:ln>
-        </p:spPr>
-        <p:txBody>
-          <a:bodyPr wrap="square">
-            <a:spAutoFit/>
-          </a:bodyPr>
-          <a:lstStyle/>
-          <a:p>
-            <a:pPr lvl="0">
-              <a:defRPr/>
-            </a:pPr>
-            <a:r>
-              <a:rPr lang="ko-KR" altLang="en-US" sz="2400">
-                <a:solidFill>
-                  <a:schemeClr val="tx1">
-                    <a:alpha val="71000"/>
-                  </a:schemeClr>
-                </a:solidFill>
-                <a:latin typeface="DX영화자막 M"/>
-                <a:ea typeface="DX영화자막 M"/>
-              </a:rPr>
-              <a:t>책 소개 </a:t>
-            </a:r>
-            <a:endParaRPr lang="en-US" altLang="ko-KR" sz="2400">
-              <a:solidFill>
-                <a:schemeClr val="tx1">
-                  <a:alpha val="71000"/>
-                </a:schemeClr>
-              </a:solidFill>
-              <a:latin typeface="DX영화자막 M"/>
-              <a:ea typeface="DX영화자막 M"/>
-            </a:endParaRPr>
-          </a:p>
-        </p:txBody>
-      </p:sp>
-      <p:pic>
-        <p:nvPicPr>
-          <p:cNvPr id="6" name="그림 5"/>
-          <p:cNvPicPr>
-            <a:picLocks noChangeAspect="1"/>
-          </p:cNvPicPr>
-          <p:nvPr/>
-        </p:nvPicPr>
-        <p:blipFill rotWithShape="1">
-          <a:blip r:embed="rId3"/>
-          <a:stretch>
-            <a:fillRect/>
-          </a:stretch>
-        </p:blipFill>
-        <p:spPr>
-          <a:xfrm>
-            <a:off x="4330058" y="1317810"/>
-            <a:ext cx="3531884" cy="5238889"/>
+            <a:off x="8026739" y="2457192"/>
+            <a:ext cx="284775" cy="360303"/>
           </a:xfrm>
           <a:prstGeom prst="rect">
             <a:avLst/>
           </a:prstGeom>
         </p:spPr>
-      </p:pic>
-      <p:sp>
-        <p:nvSpPr>
-          <p:cNvPr id="31" name="TextBox 30"/>
+        <p:txBody>
+          <a:bodyPr wrap="none">
+            <a:spAutoFit/>
+          </a:bodyPr>
+          <a:p>
+            <a:pPr>
+              <a:defRPr/>
+            </a:pPr>
+            <a:endParaRPr lang="en-US" altLang="ko-KR"/>
+          </a:p>
+        </p:txBody>
+      </p:sp>
+      <p:sp>
+        <p:nvSpPr>
+          <p:cNvPr id="57" name=""/>
           <p:cNvSpPr txBox="1"/>
           <p:nvPr/>
         </p:nvSpPr>
         <p:spPr>
-          <a:xfrm flipH="1">
-            <a:off x="5041092" y="342101"/>
-            <a:ext cx="2123658" cy="294169"/>
-          </a:xfrm>
-          <a:prstGeom prst="rect">
-            <a:avLst/>
-          </a:prstGeom>
-          <a:noFill/>
-        </p:spPr>
-        <p:txBody>
-          <a:bodyPr vert="horz" wrap="square">
-            <a:spAutoFit/>
-          </a:bodyPr>
-          <a:lstStyle/>
-          <a:p>
-            <a:pPr algn="dist">
-              <a:defRPr/>
-            </a:pPr>
-            <a:r>
-              <a:rPr lang="en-US" altLang="ko-KR" sz="1400">
-                <a:solidFill>
-                  <a:schemeClr val="tx1">
-                    <a:alpha val="71000"/>
-                  </a:schemeClr>
-                </a:solidFill>
-                <a:latin typeface="DX영화자막 M"/>
-                <a:ea typeface="DX영화자막 M"/>
-              </a:rPr>
-              <a:t>SLOW THINKING</a:t>
-            </a:r>
-            <a:endParaRPr lang="ko-KR" altLang="en-US" sz="1400">
-              <a:solidFill>
-                <a:schemeClr val="tx1">
-                  <a:alpha val="71000"/>
-                </a:schemeClr>
-              </a:solidFill>
-              <a:latin typeface="DX영화자막 M"/>
-              <a:ea typeface="DX영화자막 M"/>
-            </a:endParaRPr>
-          </a:p>
-        </p:txBody>
-      </p:sp>
-    </p:spTree>
-  </p:cSld>
-  <p:clrMapOvr>
-    <a:masterClrMapping/>
-  </p:clrMapOvr>
-  <mc:AlternateContent xmlns:mc="http://schemas.openxmlformats.org/markup-compatibility/2006">
-    <mc:Choice xmlns:p14="http://schemas.microsoft.com/office/powerpoint/2010/main" Requires="p14">
-      <p:transition xmlns:mc="http://schemas.openxmlformats.org/markup-compatibility/2006" xmlns:p14="http://schemas.microsoft.com/office/powerpoint/2010/main" mc:Ignorable="p14" p14:dur="500"/>
-    </mc:Choice>
-    <mc:Fallback>
-      <p:transition/>
-    </mc:Fallback>
-  </mc:AlternateContent>
-</p:sld>
-</file>
-
-<file path=ppt/slides/slide5.xml><?xml version="1.0" encoding="utf-8"?>
-<p:sld xmlns:r="http://schemas.openxmlformats.org/officeDocument/2006/relationships" xmlns:c="http://schemas.openxmlformats.org/drawingml/2006/chart" xmlns:a="http://schemas.openxmlformats.org/drawingml/2006/main" xmlns:dgm="http://schemas.openxmlformats.org/drawingml/2006/diagram" xmlns:dsp="http://schemas.microsoft.com/office/drawing/2008/diagram" xmlns:p="http://schemas.openxmlformats.org/presentationml/2006/main">
-  <p:cSld>
-    <p:spTree>
-      <p:nvGrpSpPr>
-        <p:cNvPr id="1" name=""/>
-        <p:cNvGrpSpPr/>
-        <p:nvPr/>
-      </p:nvGrpSpPr>
-      <p:grpSpPr>
-        <a:xfrm>
-          <a:off x="0" y="0"/>
-          <a:ext cx="0" cy="0"/>
-          <a:chOff x="0" y="0"/>
-          <a:chExt cx="0" cy="0"/>
-        </a:xfrm>
-      </p:grpSpPr>
-      <p:sp>
-        <p:nvSpPr>
-          <p:cNvPr id="22" name="TextBox 21"/>
-          <p:cNvSpPr txBox="1"/>
-          <p:nvPr/>
-        </p:nvSpPr>
-        <p:spPr>
-          <a:xfrm flipH="1">
-            <a:off x="5041092" y="342101"/>
-            <a:ext cx="2123658" cy="294169"/>
-          </a:xfrm>
-          <a:prstGeom prst="rect">
-            <a:avLst/>
-          </a:prstGeom>
-          <a:noFill/>
-        </p:spPr>
-        <p:txBody>
-          <a:bodyPr vert="horz" wrap="square">
-            <a:spAutoFit/>
-          </a:bodyPr>
-          <a:lstStyle/>
-          <a:p>
-            <a:pPr algn="dist">
-              <a:defRPr/>
-            </a:pPr>
-            <a:r>
-              <a:rPr lang="en-US" altLang="ko-KR" sz="1400">
-                <a:solidFill>
-                  <a:schemeClr val="tx1">
-                    <a:alpha val="71000"/>
-                  </a:schemeClr>
-                </a:solidFill>
-                <a:latin typeface="DX영화자막 M"/>
-                <a:ea typeface="DX영화자막 M"/>
-              </a:rPr>
-              <a:t>SLOW THINKING</a:t>
-            </a:r>
-            <a:endParaRPr lang="ko-KR" altLang="en-US" sz="1400">
-              <a:solidFill>
-                <a:schemeClr val="tx1">
-                  <a:alpha val="71000"/>
-                </a:schemeClr>
-              </a:solidFill>
-              <a:latin typeface="DX영화자막 M"/>
-              <a:ea typeface="DX영화자막 M"/>
-            </a:endParaRPr>
-          </a:p>
-        </p:txBody>
-      </p:sp>
-      <p:grpSp>
-        <p:nvGrpSpPr>
-          <p:cNvPr id="4" name="그룹 3"/>
-          <p:cNvGrpSpPr/>
-          <p:nvPr/>
-        </p:nvGrpSpPr>
-        <p:grpSpPr>
-          <a:xfrm rot="0">
-            <a:off x="240925" y="2941212"/>
-            <a:ext cx="163649" cy="975576"/>
-            <a:chOff x="306686" y="3281373"/>
-            <a:chExt cx="163649" cy="975576"/>
-          </a:xfrm>
-        </p:grpSpPr>
-        <p:cxnSp>
-          <p:nvCxnSpPr>
-            <p:cNvPr id="3" name="직선 연결선 2"/>
-            <p:cNvCxnSpPr/>
-            <p:nvPr/>
-          </p:nvCxnSpPr>
-          <p:spPr>
-            <a:xfrm>
-              <a:off x="306686" y="4127358"/>
-              <a:ext cx="160637" cy="129591"/>
-            </a:xfrm>
-            <a:prstGeom prst="line">
-              <a:avLst/>
-            </a:prstGeom>
-            <a:ln w="12700">
-              <a:solidFill>
-                <a:srgbClr val="ac9d8e"/>
-              </a:solidFill>
-            </a:ln>
-          </p:spPr>
-          <p:style>
-            <a:lnRef idx="1">
-              <a:schemeClr val="accent1"/>
-            </a:lnRef>
-            <a:fillRef idx="0">
-              <a:schemeClr val="accent1"/>
-            </a:fillRef>
-            <a:effectRef idx="0">
-              <a:schemeClr val="accent1"/>
-            </a:effectRef>
-            <a:fontRef idx="minor">
-              <a:schemeClr val="tx1"/>
-            </a:fontRef>
-          </p:style>
-        </p:cxnSp>
-        <p:cxnSp>
-          <p:nvCxnSpPr>
-            <p:cNvPr id="40" name="직선 연결선 39"/>
-            <p:cNvCxnSpPr/>
-            <p:nvPr/>
-          </p:nvCxnSpPr>
-          <p:spPr>
-            <a:xfrm>
-              <a:off x="306686" y="3838775"/>
-              <a:ext cx="160637" cy="129591"/>
-            </a:xfrm>
-            <a:prstGeom prst="line">
-              <a:avLst/>
-            </a:prstGeom>
-            <a:ln w="12700">
-              <a:solidFill>
-                <a:srgbClr val="ac9d8e"/>
-              </a:solidFill>
-            </a:ln>
-          </p:spPr>
-          <p:style>
-            <a:lnRef idx="1">
-              <a:schemeClr val="accent1"/>
-            </a:lnRef>
-            <a:fillRef idx="0">
-              <a:schemeClr val="accent1"/>
-            </a:fillRef>
-            <a:effectRef idx="0">
-              <a:schemeClr val="accent1"/>
-            </a:effectRef>
-            <a:fontRef idx="minor">
-              <a:schemeClr val="tx1"/>
-            </a:fontRef>
-          </p:style>
-        </p:cxnSp>
-        <p:cxnSp>
-          <p:nvCxnSpPr>
-            <p:cNvPr id="49" name="직선 연결선 48"/>
-            <p:cNvCxnSpPr/>
-            <p:nvPr/>
-          </p:nvCxnSpPr>
-          <p:spPr>
-            <a:xfrm>
-              <a:off x="306686" y="3550192"/>
-              <a:ext cx="160637" cy="129591"/>
-            </a:xfrm>
-            <a:prstGeom prst="line">
-              <a:avLst/>
-            </a:prstGeom>
-            <a:ln w="12700">
-              <a:solidFill>
-                <a:srgbClr val="ac9d8e"/>
-              </a:solidFill>
-            </a:ln>
-          </p:spPr>
-          <p:style>
-            <a:lnRef idx="1">
-              <a:schemeClr val="accent1"/>
-            </a:lnRef>
-            <a:fillRef idx="0">
-              <a:schemeClr val="accent1"/>
-            </a:fillRef>
-            <a:effectRef idx="0">
-              <a:schemeClr val="accent1"/>
-            </a:effectRef>
-            <a:fontRef idx="minor">
-              <a:schemeClr val="tx1"/>
-            </a:fontRef>
-          </p:style>
-        </p:cxnSp>
-        <p:cxnSp>
-          <p:nvCxnSpPr>
-            <p:cNvPr id="51" name="직선 연결선 50"/>
-            <p:cNvCxnSpPr/>
-            <p:nvPr/>
-          </p:nvCxnSpPr>
-          <p:spPr>
-            <a:xfrm>
-              <a:off x="309698" y="3281373"/>
-              <a:ext cx="160637" cy="129591"/>
-            </a:xfrm>
-            <a:prstGeom prst="line">
-              <a:avLst/>
-            </a:prstGeom>
-            <a:ln w="12700">
-              <a:solidFill>
-                <a:srgbClr val="ac9d8e"/>
-              </a:solidFill>
-            </a:ln>
-          </p:spPr>
-          <p:style>
-            <a:lnRef idx="1">
-              <a:schemeClr val="accent1"/>
-            </a:lnRef>
-            <a:fillRef idx="0">
-              <a:schemeClr val="accent1"/>
-            </a:fillRef>
-            <a:effectRef idx="0">
-              <a:schemeClr val="accent1"/>
-            </a:effectRef>
-            <a:fontRef idx="minor">
-              <a:schemeClr val="tx1"/>
-            </a:fontRef>
-          </p:style>
-        </p:cxnSp>
-      </p:grpSp>
-      <p:sp>
-        <p:nvSpPr>
-          <p:cNvPr id="2" name="TextBox 1"/>
-          <p:cNvSpPr txBox="1"/>
-          <p:nvPr/>
-        </p:nvSpPr>
-        <p:spPr>
           <a:xfrm>
-            <a:off x="1268142" y="1611934"/>
-            <a:ext cx="6189707" cy="646331"/>
-          </a:xfrm>
-          <a:prstGeom prst="rect">
-            <a:avLst/>
-          </a:prstGeom>
-          <a:noFill/>
-        </p:spPr>
-        <p:txBody>
-          <a:bodyPr wrap="square">
-            <a:spAutoFit/>
-          </a:bodyPr>
-          <a:lstStyle/>
-          <a:p>
-            <a:pPr lvl="0">
-              <a:defRPr/>
-            </a:pPr>
-            <a:r>
-              <a:rPr lang="ko-KR" altLang="en-US" sz="3600">
-                <a:latin typeface="DX영화자막 M"/>
-                <a:ea typeface="DX영화자막 M"/>
-              </a:rPr>
-              <a:t>홍논문</a:t>
-            </a:r>
-            <a:endParaRPr lang="en-US" altLang="ko-KR" sz="3600">
-              <a:latin typeface="DX영화자막 M"/>
-              <a:ea typeface="DX영화자막 M"/>
-            </a:endParaRPr>
-          </a:p>
-        </p:txBody>
-      </p:sp>
-      <p:sp>
-        <p:nvSpPr>
-          <p:cNvPr id="5" name="직사각형 4"/>
-          <p:cNvSpPr/>
-          <p:nvPr/>
-        </p:nvSpPr>
-        <p:spPr>
-          <a:xfrm>
-            <a:off x="1431961" y="2449168"/>
-            <a:ext cx="885524" cy="487788"/>
-          </a:xfrm>
-          <a:custGeom>
-            <a:avLst/>
-            <a:gdLst>
-              <a:gd name="connsiteX0" fmla="*/ 0 w 885524"/>
-              <a:gd name="connsiteY0" fmla="*/ 0 h 487788"/>
-              <a:gd name="connsiteX1" fmla="*/ 885524 w 885524"/>
-              <a:gd name="connsiteY1" fmla="*/ 0 h 487788"/>
-              <a:gd name="connsiteX2" fmla="*/ 885524 w 885524"/>
-              <a:gd name="connsiteY2" fmla="*/ 487788 h 487788"/>
-              <a:gd name="connsiteX3" fmla="*/ 0 w 885524"/>
-              <a:gd name="connsiteY3" fmla="*/ 487788 h 487788"/>
-              <a:gd name="connsiteX4" fmla="*/ 0 w 885524"/>
-              <a:gd name="connsiteY4" fmla="*/ 0 h 487788"/>
-            </a:gdLst>
-            <a:cxnLst>
-              <a:cxn ang="0">
-                <a:pos x="connsiteX0" y="connsiteY0"/>
-              </a:cxn>
-              <a:cxn ang="0">
-                <a:pos x="connsiteX1" y="connsiteY1"/>
-              </a:cxn>
-              <a:cxn ang="0">
-                <a:pos x="connsiteX2" y="connsiteY2"/>
-              </a:cxn>
-              <a:cxn ang="0">
-                <a:pos x="connsiteX3" y="connsiteY3"/>
-              </a:cxn>
-              <a:cxn ang="0">
-                <a:pos x="connsiteX4" y="connsiteY4"/>
-              </a:cxn>
-            </a:cxnLst>
-            <a:rect l="l" t="t" r="r" b="b"/>
-            <a:pathLst>
-              <a:path w="885524" h="487788" extrusionOk="0">
-                <a:moveTo>
-                  <a:pt x="0" y="0"/>
-                </a:moveTo>
-                <a:cubicBezTo>
-                  <a:pt x="147585" y="73323"/>
-                  <a:pt x="474504" y="43906"/>
-                  <a:pt x="885524" y="0"/>
-                </a:cubicBezTo>
-                <a:cubicBezTo>
-                  <a:pt x="866863" y="85762"/>
-                  <a:pt x="848666" y="279246"/>
-                  <a:pt x="885524" y="487788"/>
-                </a:cubicBezTo>
-                <a:cubicBezTo>
-                  <a:pt x="603390" y="566340"/>
-                  <a:pt x="377373" y="441160"/>
-                  <a:pt x="0" y="487788"/>
-                </a:cubicBezTo>
-                <a:cubicBezTo>
-                  <a:pt x="14357" y="340894"/>
-                  <a:pt x="31857" y="149382"/>
-                  <a:pt x="0" y="0"/>
-                </a:cubicBezTo>
-                <a:close/>
-              </a:path>
-            </a:pathLst>
-          </a:custGeom>
-          <a:noFill/>
-          <a:ln>
-            <a:solidFill>
-              <a:srgbClr val="9a8b85"/>
-            </a:solidFill>
-          </a:ln>
-        </p:spPr>
-        <p:style>
-          <a:lnRef idx="2">
-            <a:schemeClr val="accent1">
-              <a:shade val="50000"/>
-            </a:schemeClr>
-          </a:lnRef>
-          <a:fillRef idx="1">
-            <a:schemeClr val="accent1"/>
-          </a:fillRef>
-          <a:effectRef idx="0">
-            <a:schemeClr val="accent1"/>
-          </a:effectRef>
-          <a:fontRef idx="minor">
-            <a:schemeClr val="lt1"/>
-          </a:fontRef>
-        </p:style>
-        <p:txBody>
-          <a:bodyPr anchor="ctr"/>
-          <a:lstStyle/>
-          <a:p>
-            <a:pPr algn="ctr">
-              <a:defRPr/>
-            </a:pPr>
-            <a:endParaRPr lang="ko-KR" altLang="en-US"/>
-          </a:p>
-        </p:txBody>
-      </p:sp>
-      <p:sp>
-        <p:nvSpPr>
-          <p:cNvPr id="24" name="직사각형 23"/>
-          <p:cNvSpPr/>
-          <p:nvPr/>
-        </p:nvSpPr>
-        <p:spPr>
-          <a:xfrm>
-            <a:off x="1410413" y="2487669"/>
-            <a:ext cx="885524" cy="487788"/>
-          </a:xfrm>
-          <a:custGeom>
-            <a:avLst/>
-            <a:gdLst>
-              <a:gd name="connsiteX0" fmla="*/ 0 w 885524"/>
-              <a:gd name="connsiteY0" fmla="*/ 0 h 487788"/>
-              <a:gd name="connsiteX1" fmla="*/ 442762 w 885524"/>
-              <a:gd name="connsiteY1" fmla="*/ 0 h 487788"/>
-              <a:gd name="connsiteX2" fmla="*/ 885524 w 885524"/>
-              <a:gd name="connsiteY2" fmla="*/ 0 h 487788"/>
-              <a:gd name="connsiteX3" fmla="*/ 885524 w 885524"/>
-              <a:gd name="connsiteY3" fmla="*/ 487788 h 487788"/>
-              <a:gd name="connsiteX4" fmla="*/ 425052 w 885524"/>
-              <a:gd name="connsiteY4" fmla="*/ 487788 h 487788"/>
-              <a:gd name="connsiteX5" fmla="*/ 0 w 885524"/>
-              <a:gd name="connsiteY5" fmla="*/ 487788 h 487788"/>
-              <a:gd name="connsiteX6" fmla="*/ 0 w 885524"/>
-              <a:gd name="connsiteY6" fmla="*/ 0 h 487788"/>
-            </a:gdLst>
-            <a:cxnLst>
-              <a:cxn ang="0">
-                <a:pos x="connsiteX0" y="connsiteY0"/>
-              </a:cxn>
-              <a:cxn ang="0">
-                <a:pos x="connsiteX1" y="connsiteY1"/>
-              </a:cxn>
-              <a:cxn ang="0">
-                <a:pos x="connsiteX2" y="connsiteY2"/>
-              </a:cxn>
-              <a:cxn ang="0">
-                <a:pos x="connsiteX3" y="connsiteY3"/>
-              </a:cxn>
-              <a:cxn ang="0">
-                <a:pos x="connsiteX4" y="connsiteY4"/>
-              </a:cxn>
-              <a:cxn ang="0">
-                <a:pos x="connsiteX5" y="connsiteY5"/>
-              </a:cxn>
-              <a:cxn ang="0">
-                <a:pos x="connsiteX6" y="connsiteY6"/>
-              </a:cxn>
-            </a:cxnLst>
-            <a:rect l="l" t="t" r="r" b="b"/>
-            <a:pathLst>
-              <a:path w="885524" h="487788" fill="none" extrusionOk="0">
-                <a:moveTo>
-                  <a:pt x="0" y="0"/>
-                </a:moveTo>
-                <a:cubicBezTo>
-                  <a:pt x="189876" y="-27532"/>
-                  <a:pt x="326699" y="51795"/>
-                  <a:pt x="442762" y="0"/>
-                </a:cubicBezTo>
-                <a:cubicBezTo>
-                  <a:pt x="558825" y="-51795"/>
-                  <a:pt x="711044" y="33536"/>
-                  <a:pt x="885524" y="0"/>
-                </a:cubicBezTo>
-                <a:cubicBezTo>
-                  <a:pt x="936190" y="142469"/>
-                  <a:pt x="840840" y="332089"/>
-                  <a:pt x="885524" y="487788"/>
-                </a:cubicBezTo>
-                <a:cubicBezTo>
-                  <a:pt x="725718" y="528142"/>
-                  <a:pt x="590941" y="462966"/>
-                  <a:pt x="425052" y="487788"/>
-                </a:cubicBezTo>
-                <a:cubicBezTo>
-                  <a:pt x="259163" y="512610"/>
-                  <a:pt x="96867" y="465139"/>
-                  <a:pt x="0" y="487788"/>
-                </a:cubicBezTo>
-                <a:cubicBezTo>
-                  <a:pt x="-48569" y="321016"/>
-                  <a:pt x="48220" y="217248"/>
-                  <a:pt x="0" y="0"/>
-                </a:cubicBezTo>
-                <a:close/>
-              </a:path>
-              <a:path w="885524" h="487788" stroke="0" extrusionOk="0">
-                <a:moveTo>
-                  <a:pt x="0" y="0"/>
-                </a:moveTo>
-                <a:cubicBezTo>
-                  <a:pt x="122179" y="-35847"/>
-                  <a:pt x="263364" y="18882"/>
-                  <a:pt x="442762" y="0"/>
-                </a:cubicBezTo>
-                <a:cubicBezTo>
-                  <a:pt x="622160" y="-18882"/>
-                  <a:pt x="685164" y="38820"/>
-                  <a:pt x="885524" y="0"/>
-                </a:cubicBezTo>
-                <a:cubicBezTo>
-                  <a:pt x="938868" y="105536"/>
-                  <a:pt x="839505" y="276099"/>
-                  <a:pt x="885524" y="487788"/>
-                </a:cubicBezTo>
-                <a:cubicBezTo>
-                  <a:pt x="734272" y="498127"/>
-                  <a:pt x="572546" y="440618"/>
-                  <a:pt x="469328" y="487788"/>
-                </a:cubicBezTo>
-                <a:cubicBezTo>
-                  <a:pt x="366110" y="534958"/>
-                  <a:pt x="174657" y="465725"/>
-                  <a:pt x="0" y="487788"/>
-                </a:cubicBezTo>
-                <a:cubicBezTo>
-                  <a:pt x="-13226" y="342024"/>
-                  <a:pt x="54406" y="214492"/>
-                  <a:pt x="0" y="0"/>
-                </a:cubicBezTo>
-                <a:close/>
-              </a:path>
-            </a:pathLst>
-          </a:custGeom>
-          <a:solidFill>
-            <a:srgbClr val="d1c9c1"/>
-          </a:solidFill>
-          <a:ln>
-            <a:solidFill>
-              <a:srgbClr val="9a8b85"/>
-            </a:solidFill>
-          </a:ln>
-        </p:spPr>
-        <p:style>
-          <a:lnRef idx="2">
-            <a:schemeClr val="accent1">
-              <a:shade val="50000"/>
-            </a:schemeClr>
-          </a:lnRef>
-          <a:fillRef idx="1">
-            <a:schemeClr val="accent1"/>
-          </a:fillRef>
-          <a:effectRef idx="0">
-            <a:schemeClr val="accent1"/>
-          </a:effectRef>
-          <a:fontRef idx="minor">
-            <a:schemeClr val="lt1"/>
-          </a:fontRef>
-        </p:style>
-        <p:txBody>
-          <a:bodyPr anchor="ctr"/>
-          <a:lstStyle/>
-          <a:p>
-            <a:pPr algn="ctr">
-              <a:defRPr/>
-            </a:pPr>
-            <a:endParaRPr lang="ko-KR" altLang="en-US">
-              <a:solidFill>
-                <a:sysClr val="windowText" lastClr="000000"/>
-              </a:solidFill>
-            </a:endParaRPr>
-          </a:p>
-        </p:txBody>
-      </p:sp>
-      <p:sp>
-        <p:nvSpPr>
-          <p:cNvPr id="6" name="TextBox 5"/>
-          <p:cNvSpPr txBox="1"/>
-          <p:nvPr/>
-        </p:nvSpPr>
-        <p:spPr>
-          <a:xfrm>
-            <a:off x="1477790" y="2555388"/>
-            <a:ext cx="750769" cy="369332"/>
-          </a:xfrm>
-          <a:prstGeom prst="rect">
-            <a:avLst/>
-          </a:prstGeom>
-          <a:noFill/>
-        </p:spPr>
-        <p:txBody>
-          <a:bodyPr wrap="square">
-            <a:spAutoFit/>
-          </a:bodyPr>
-          <a:lstStyle/>
-          <a:p>
-            <a:pPr algn="ctr">
-              <a:defRPr/>
-            </a:pPr>
-            <a:r>
-              <a:rPr lang="ko-KR" altLang="en-US" b="1">
-                <a:solidFill>
-                  <a:sysClr val="windowText" lastClr="000000"/>
-                </a:solidFill>
-                <a:latin typeface="DX영화자막 M"/>
-                <a:ea typeface="DX영화자막 M"/>
-              </a:rPr>
-              <a:t>소 개</a:t>
-            </a:r>
-            <a:endParaRPr lang="ko-KR" altLang="en-US" b="1">
-              <a:solidFill>
-                <a:sysClr val="windowText" lastClr="000000"/>
-              </a:solidFill>
-              <a:latin typeface="DX영화자막 M"/>
-              <a:ea typeface="DX영화자막 M"/>
-            </a:endParaRPr>
-          </a:p>
-        </p:txBody>
-      </p:sp>
-      <p:sp>
-        <p:nvSpPr>
-          <p:cNvPr id="7" name="직사각형 6"/>
-          <p:cNvSpPr/>
-          <p:nvPr/>
-        </p:nvSpPr>
-        <p:spPr>
-          <a:xfrm>
-            <a:off x="1268142" y="3189505"/>
-            <a:ext cx="6096000" cy="743280"/>
+            <a:off x="7617526" y="1425037"/>
+            <a:ext cx="2227020" cy="546587"/>
           </a:xfrm>
           <a:prstGeom prst="rect">
             <a:avLst/>
           </a:prstGeom>
         </p:spPr>
         <p:txBody>
-          <a:bodyPr>
-            <a:spAutoFit/>
-          </a:bodyPr>
-          <a:lstStyle/>
-          <a:p>
-            <a:pPr>
-              <a:lnSpc>
-                <a:spcPct val="120000"/>
-              </a:lnSpc>
-              <a:defRPr/>
-            </a:pPr>
-            <a:r>
-              <a:rPr lang="ko-KR" altLang="en-US">
-                <a:latin typeface="DX영화자막 M"/>
-                <a:ea typeface="DX영화자막 M"/>
-              </a:rPr>
-              <a:t>진지하지만 심각하지 않은 사람</a:t>
-            </a:r>
-            <a:r>
-              <a:rPr lang="en-US" altLang="ko-KR">
-                <a:latin typeface="DX영화자막 M"/>
-                <a:ea typeface="DX영화자막 M"/>
-              </a:rPr>
-              <a:t>. </a:t>
-            </a:r>
-            <a:r>
-              <a:rPr lang="ko-KR" altLang="en-US">
-                <a:latin typeface="DX영화자막 M"/>
-                <a:ea typeface="DX영화자막 M"/>
-              </a:rPr>
-              <a:t>밝지만 가볍지 않은 사람</a:t>
-            </a:r>
-            <a:r>
-              <a:rPr lang="en-US" altLang="ko-KR">
-                <a:latin typeface="DX영화자막 M"/>
-                <a:ea typeface="DX영화자막 M"/>
-              </a:rPr>
-              <a:t>.</a:t>
-            </a:r>
-            <a:endParaRPr lang="en-US" altLang="ko-KR">
-              <a:latin typeface="DX영화자막 M"/>
-              <a:ea typeface="DX영화자막 M"/>
-            </a:endParaRPr>
-          </a:p>
-          <a:p>
-            <a:pPr>
-              <a:lnSpc>
-                <a:spcPct val="120000"/>
-              </a:lnSpc>
-              <a:defRPr/>
-            </a:pPr>
-            <a:r>
-              <a:rPr lang="ko-KR" altLang="en-US">
-                <a:latin typeface="DX영화자막 M"/>
-                <a:ea typeface="DX영화자막 M"/>
-              </a:rPr>
-              <a:t>일러스트레이더 겸 글쟁이이자</a:t>
-            </a:r>
-            <a:r>
-              <a:rPr lang="en-US" altLang="ko-KR">
-                <a:latin typeface="DX영화자막 M"/>
-                <a:ea typeface="DX영화자막 M"/>
-              </a:rPr>
-              <a:t> </a:t>
-            </a:r>
-            <a:r>
-              <a:rPr lang="ko-KR" altLang="en-US">
-                <a:latin typeface="DX영화자막 M"/>
-                <a:ea typeface="DX영화자막 M"/>
-              </a:rPr>
-              <a:t>괜찮은 그래픽 디자이너</a:t>
-            </a:r>
-            <a:r>
-              <a:rPr lang="en-US" altLang="ko-KR">
-                <a:latin typeface="DX영화자막 M"/>
-                <a:ea typeface="DX영화자막 M"/>
-              </a:rPr>
-              <a:t>.</a:t>
-            </a:r>
-            <a:endParaRPr lang="en-US" altLang="ko-KR">
-              <a:latin typeface="DX영화자막 M"/>
-              <a:ea typeface="DX영화자막 M"/>
-            </a:endParaRPr>
-          </a:p>
-        </p:txBody>
-      </p:sp>
-      <p:sp>
-        <p:nvSpPr>
-          <p:cNvPr id="31" name="TextBox 30"/>
-          <p:cNvSpPr txBox="1"/>
-          <p:nvPr/>
-        </p:nvSpPr>
-        <p:spPr>
-          <a:xfrm>
-            <a:off x="8560905" y="6493565"/>
-            <a:ext cx="3578087" cy="295855"/>
-          </a:xfrm>
-          <a:prstGeom prst="rect">
-            <a:avLst/>
-          </a:prstGeom>
-          <a:noFill/>
-        </p:spPr>
-        <p:txBody>
           <a:bodyPr wrap="square">
             <a:spAutoFit/>
           </a:bodyPr>
-          <a:lstStyle/>
-          <a:p>
-            <a:pPr algn="r">
+          <a:p>
+            <a:pPr>
               <a:defRPr/>
             </a:pPr>
             <a:r>
-              <a:rPr lang="ko-KR" altLang="en-US" sz="1400">
-                <a:latin typeface="210 스탠다드 030"/>
-                <a:ea typeface="210 스탠다드 030"/>
-              </a:rPr>
-              <a:t>출처 어반브러시 </a:t>
-            </a:r>
-            <a:r>
-              <a:rPr lang="en-US" altLang="ko-KR" sz="1400">
-                <a:latin typeface="210 스탠다드 030"/>
-                <a:ea typeface="210 스탠다드 030"/>
-              </a:rPr>
-              <a:t>Tommy</a:t>
-            </a:r>
-            <a:endParaRPr lang="ko-KR" altLang="en-US" sz="1400">
-              <a:latin typeface="210 스탠다드 030"/>
-              <a:ea typeface="210 스탠다드 030"/>
-            </a:endParaRPr>
-          </a:p>
-        </p:txBody>
-      </p:sp>
-      <p:pic>
-        <p:nvPicPr>
-          <p:cNvPr id="10" name="그림 9"/>
-          <p:cNvPicPr>
-            <a:picLocks noChangeAspect="1"/>
-          </p:cNvPicPr>
-          <p:nvPr/>
-        </p:nvPicPr>
-        <p:blipFill rotWithShape="1">
-          <a:blip r:embed="rId2">
-            <a:duotone>
-              <a:schemeClr val="accent3">
-                <a:shade val="45000"/>
-                <a:satMod val="135000"/>
-              </a:schemeClr>
-              <a:prstClr val="white"/>
-            </a:duotone>
-          </a:blip>
-          <a:srcRect l="9830" t="7110" r="34880" b="17640"/>
-          <a:stretch>
-            <a:fillRect/>
-          </a:stretch>
-        </p:blipFill>
-        <p:spPr>
-          <a:xfrm flipH="1">
-            <a:off x="8524889" y="972028"/>
-            <a:ext cx="3578088" cy="5160176"/>
-          </a:xfrm>
-          <a:prstGeom prst="rect">
-            <a:avLst/>
-          </a:prstGeom>
-        </p:spPr>
-      </p:pic>
-      <p:sp>
-        <p:nvSpPr>
-          <p:cNvPr id="36" name="TextBox 35"/>
-          <p:cNvSpPr txBox="1"/>
+              <a:rPr lang="ko-KR" altLang="en-US" sz="3000" b="1"/>
+              <a:t>황논문 교수</a:t>
+            </a:r>
+            <a:endParaRPr lang="ko-KR" altLang="en-US" sz="3000" b="1"/>
+          </a:p>
+        </p:txBody>
+      </p:sp>
+      <p:sp>
+        <p:nvSpPr>
+          <p:cNvPr id="58" name="순서도: 처리 61"/>
+          <p:cNvSpPr/>
           <p:nvPr/>
         </p:nvSpPr>
         <p:spPr>
           <a:xfrm>
-            <a:off x="5353147" y="732599"/>
-            <a:ext cx="1499547" cy="446596"/>
-          </a:xfrm>
-          <a:prstGeom prst="rect">
-            <a:avLst/>
-          </a:prstGeom>
-          <a:noFill/>
-          <a:ln w="9525">
-            <a:noFill/>
-          </a:ln>
-        </p:spPr>
-        <p:txBody>
-          <a:bodyPr wrap="square">
-            <a:spAutoFit/>
-          </a:bodyPr>
-          <a:lstStyle/>
-          <a:p>
-            <a:pPr lvl="0">
-              <a:defRPr/>
-            </a:pPr>
-            <a:r>
-              <a:rPr lang="ko-KR" altLang="en-US" sz="2400">
-                <a:solidFill>
-                  <a:schemeClr val="tx1">
-                    <a:alpha val="71000"/>
-                  </a:schemeClr>
-                </a:solidFill>
-                <a:latin typeface="DX영화자막 M"/>
-                <a:ea typeface="DX영화자막 M"/>
-              </a:rPr>
-              <a:t>작가소개</a:t>
-            </a:r>
-            <a:endParaRPr lang="ko-KR" altLang="en-US" sz="2400">
-              <a:solidFill>
-                <a:schemeClr val="tx1">
-                  <a:alpha val="71000"/>
-                </a:schemeClr>
-              </a:solidFill>
-              <a:latin typeface="DX영화자막 M"/>
-              <a:ea typeface="DX영화자막 M"/>
-            </a:endParaRPr>
-          </a:p>
-        </p:txBody>
-      </p:sp>
-      <p:pic>
-        <p:nvPicPr>
-          <p:cNvPr id="8" name="그림 7"/>
-          <p:cNvPicPr>
-            <a:picLocks noChangeAspect="1"/>
-          </p:cNvPicPr>
-          <p:nvPr/>
-        </p:nvPicPr>
-        <p:blipFill rotWithShape="1">
-          <a:blip r:embed="rId3"/>
-          <a:stretch>
-            <a:fillRect/>
-          </a:stretch>
-        </p:blipFill>
-        <p:spPr>
-          <a:xfrm>
-            <a:off x="0" y="-1"/>
-            <a:ext cx="12192000" cy="9134475"/>
-          </a:xfrm>
-          <a:prstGeom prst="rect">
-            <a:avLst/>
-          </a:prstGeom>
-        </p:spPr>
-      </p:pic>
-      <p:sp>
-        <p:nvSpPr>
-          <p:cNvPr id="17" name="TextBox 16"/>
-          <p:cNvSpPr txBox="1"/>
-          <p:nvPr/>
-        </p:nvSpPr>
-        <p:spPr>
-          <a:xfrm flipH="1">
-            <a:off x="5041092" y="342101"/>
-            <a:ext cx="2123658" cy="294169"/>
-          </a:xfrm>
-          <a:prstGeom prst="rect">
-            <a:avLst/>
-          </a:prstGeom>
-          <a:noFill/>
-        </p:spPr>
-        <p:txBody>
-          <a:bodyPr vert="horz" wrap="square">
-            <a:spAutoFit/>
-          </a:bodyPr>
-          <a:lstStyle/>
-          <a:p>
-            <a:pPr algn="dist">
-              <a:defRPr/>
-            </a:pPr>
-            <a:r>
-              <a:rPr lang="en-US" altLang="ko-KR" sz="1400">
-                <a:solidFill>
-                  <a:schemeClr val="tx1">
-                    <a:alpha val="71000"/>
-                  </a:schemeClr>
-                </a:solidFill>
-                <a:latin typeface="DX영화자막 M"/>
-                <a:ea typeface="DX영화자막 M"/>
-              </a:rPr>
-              <a:t>SLOW THINKING</a:t>
-            </a:r>
-            <a:endParaRPr lang="ko-KR" altLang="en-US" sz="1400">
-              <a:solidFill>
-                <a:schemeClr val="tx1">
-                  <a:alpha val="71000"/>
-                </a:schemeClr>
-              </a:solidFill>
-              <a:latin typeface="DX영화자막 M"/>
-              <a:ea typeface="DX영화자막 M"/>
-            </a:endParaRPr>
-          </a:p>
-        </p:txBody>
-      </p:sp>
-      <p:sp>
-        <p:nvSpPr>
-          <p:cNvPr id="19" name="TextBox 18"/>
-          <p:cNvSpPr txBox="1"/>
-          <p:nvPr/>
-        </p:nvSpPr>
-        <p:spPr>
-          <a:xfrm>
-            <a:off x="5629302" y="713595"/>
-            <a:ext cx="1499547" cy="446550"/>
-          </a:xfrm>
-          <a:prstGeom prst="rect">
-            <a:avLst/>
-          </a:prstGeom>
-          <a:noFill/>
-          <a:ln w="9525">
-            <a:noFill/>
-          </a:ln>
-        </p:spPr>
-        <p:txBody>
-          <a:bodyPr wrap="square">
-            <a:spAutoFit/>
-          </a:bodyPr>
-          <a:lstStyle/>
-          <a:p>
-            <a:pPr lvl="0">
-              <a:defRPr/>
-            </a:pPr>
-            <a:r>
-              <a:rPr lang="ko-KR" altLang="en-US" sz="2400">
-                <a:solidFill>
-                  <a:schemeClr val="tx1">
-                    <a:alpha val="71000"/>
-                  </a:schemeClr>
-                </a:solidFill>
-                <a:latin typeface="DX영화자막 M"/>
-                <a:ea typeface="DX영화자막 M"/>
-              </a:rPr>
-              <a:t>주 제</a:t>
-            </a:r>
-            <a:endParaRPr lang="ko-KR" altLang="en-US" sz="2400">
-              <a:solidFill>
-                <a:schemeClr val="tx1">
-                  <a:alpha val="71000"/>
-                </a:schemeClr>
-              </a:solidFill>
-              <a:latin typeface="DX영화자막 M"/>
-              <a:ea typeface="DX영화자막 M"/>
-            </a:endParaRPr>
-          </a:p>
-        </p:txBody>
-      </p:sp>
-      <p:grpSp>
-        <p:nvGrpSpPr>
-          <p:cNvPr id="20" name="그룹 19"/>
-          <p:cNvGrpSpPr/>
-          <p:nvPr/>
-        </p:nvGrpSpPr>
-        <p:grpSpPr>
-          <a:xfrm rot="0">
-            <a:off x="393325" y="3093612"/>
-            <a:ext cx="163649" cy="975576"/>
-            <a:chOff x="306686" y="3281373"/>
-            <a:chExt cx="163649" cy="975576"/>
-          </a:xfrm>
-        </p:grpSpPr>
-        <p:cxnSp>
-          <p:nvCxnSpPr>
-            <p:cNvPr id="21" name="직선 연결선 20"/>
-            <p:cNvCxnSpPr/>
-            <p:nvPr/>
-          </p:nvCxnSpPr>
-          <p:spPr>
-            <a:xfrm>
-              <a:off x="306686" y="4127358"/>
-              <a:ext cx="160637" cy="129591"/>
-            </a:xfrm>
-            <a:prstGeom prst="line">
-              <a:avLst/>
-            </a:prstGeom>
-            <a:ln w="12700">
-              <a:solidFill>
-                <a:srgbClr val="ac9d8e"/>
-              </a:solidFill>
-            </a:ln>
-          </p:spPr>
-          <p:style>
-            <a:lnRef idx="1">
-              <a:schemeClr val="accent1"/>
-            </a:lnRef>
-            <a:fillRef idx="0">
-              <a:schemeClr val="accent1"/>
-            </a:fillRef>
-            <a:effectRef idx="0">
-              <a:schemeClr val="accent1"/>
-            </a:effectRef>
-            <a:fontRef idx="minor">
-              <a:schemeClr val="tx1"/>
-            </a:fontRef>
-          </p:style>
-        </p:cxnSp>
-        <p:cxnSp>
-          <p:nvCxnSpPr>
-            <p:cNvPr id="23" name="직선 연결선 22"/>
-            <p:cNvCxnSpPr/>
-            <p:nvPr/>
-          </p:nvCxnSpPr>
-          <p:spPr>
-            <a:xfrm>
-              <a:off x="306686" y="3838775"/>
-              <a:ext cx="160637" cy="129591"/>
-            </a:xfrm>
-            <a:prstGeom prst="line">
-              <a:avLst/>
-            </a:prstGeom>
-            <a:ln w="12700">
-              <a:solidFill>
-                <a:srgbClr val="ac9d8e"/>
-              </a:solidFill>
-            </a:ln>
-          </p:spPr>
-          <p:style>
-            <a:lnRef idx="1">
-              <a:schemeClr val="accent1"/>
-            </a:lnRef>
-            <a:fillRef idx="0">
-              <a:schemeClr val="accent1"/>
-            </a:fillRef>
-            <a:effectRef idx="0">
-              <a:schemeClr val="accent1"/>
-            </a:effectRef>
-            <a:fontRef idx="minor">
-              <a:schemeClr val="tx1"/>
-            </a:fontRef>
-          </p:style>
-        </p:cxnSp>
-        <p:cxnSp>
-          <p:nvCxnSpPr>
-            <p:cNvPr id="25" name="직선 연결선 24"/>
-            <p:cNvCxnSpPr/>
-            <p:nvPr/>
-          </p:nvCxnSpPr>
-          <p:spPr>
-            <a:xfrm>
-              <a:off x="306686" y="3550192"/>
-              <a:ext cx="160637" cy="129591"/>
-            </a:xfrm>
-            <a:prstGeom prst="line">
-              <a:avLst/>
-            </a:prstGeom>
-            <a:ln w="12700">
-              <a:solidFill>
-                <a:srgbClr val="ac9d8e"/>
-              </a:solidFill>
-            </a:ln>
-          </p:spPr>
-          <p:style>
-            <a:lnRef idx="1">
-              <a:schemeClr val="accent1"/>
-            </a:lnRef>
-            <a:fillRef idx="0">
-              <a:schemeClr val="accent1"/>
-            </a:fillRef>
-            <a:effectRef idx="0">
-              <a:schemeClr val="accent1"/>
-            </a:effectRef>
-            <a:fontRef idx="minor">
-              <a:schemeClr val="tx1"/>
-            </a:fontRef>
-          </p:style>
-        </p:cxnSp>
-        <p:cxnSp>
-          <p:nvCxnSpPr>
-            <p:cNvPr id="26" name="직선 연결선 25"/>
-            <p:cNvCxnSpPr/>
-            <p:nvPr/>
-          </p:nvCxnSpPr>
-          <p:spPr>
-            <a:xfrm>
-              <a:off x="309698" y="3281373"/>
-              <a:ext cx="160637" cy="129591"/>
-            </a:xfrm>
-            <a:prstGeom prst="line">
-              <a:avLst/>
-            </a:prstGeom>
-            <a:ln w="12700">
-              <a:solidFill>
-                <a:srgbClr val="ac9d8e"/>
-              </a:solidFill>
-            </a:ln>
-          </p:spPr>
-          <p:style>
-            <a:lnRef idx="1">
-              <a:schemeClr val="accent1"/>
-            </a:lnRef>
-            <a:fillRef idx="0">
-              <a:schemeClr val="accent1"/>
-            </a:fillRef>
-            <a:effectRef idx="0">
-              <a:schemeClr val="accent1"/>
-            </a:effectRef>
-            <a:fontRef idx="minor">
-              <a:schemeClr val="tx1"/>
-            </a:fontRef>
-          </p:style>
-        </p:cxnSp>
-      </p:grpSp>
-      <p:sp>
-        <p:nvSpPr>
-          <p:cNvPr id="27" name="TextBox 26"/>
-          <p:cNvSpPr txBox="1"/>
-          <p:nvPr/>
-        </p:nvSpPr>
-        <p:spPr>
-          <a:xfrm>
-            <a:off x="2622054" y="1486705"/>
-            <a:ext cx="1379789" cy="1614393"/>
-          </a:xfrm>
-          <a:prstGeom prst="rect">
-            <a:avLst/>
-          </a:prstGeom>
-          <a:noFill/>
-        </p:spPr>
-        <p:txBody>
-          <a:bodyPr wrap="square">
-            <a:spAutoFit/>
-          </a:bodyPr>
-          <a:lstStyle/>
-          <a:p>
-            <a:pPr algn="ctr">
-              <a:defRPr/>
-            </a:pPr>
-            <a:r>
-              <a:rPr lang="en-US" altLang="ko-KR" sz="10000">
-                <a:solidFill>
-                  <a:srgbClr val="9a8b85"/>
-                </a:solidFill>
-                <a:latin typeface="휴먼옛체"/>
-                <a:ea typeface="휴먼옛체"/>
-              </a:rPr>
-              <a:t>“</a:t>
-            </a:r>
-            <a:endParaRPr lang="ko-KR" altLang="en-US" sz="10000">
-              <a:solidFill>
-                <a:srgbClr val="9a8b85"/>
-              </a:solidFill>
-              <a:latin typeface="휴먼옛체"/>
-              <a:ea typeface="휴먼옛체"/>
-            </a:endParaRPr>
-          </a:p>
-        </p:txBody>
-      </p:sp>
-      <p:sp>
-        <p:nvSpPr>
-          <p:cNvPr id="28" name="직사각형 27"/>
-          <p:cNvSpPr/>
-          <p:nvPr/>
-        </p:nvSpPr>
-        <p:spPr>
-          <a:xfrm>
-            <a:off x="2712275" y="5245646"/>
-            <a:ext cx="1453225" cy="1612354"/>
-          </a:xfrm>
-          <a:prstGeom prst="rect">
-            <a:avLst/>
-          </a:prstGeom>
-        </p:spPr>
-        <p:txBody>
-          <a:bodyPr wrap="square">
-            <a:spAutoFit/>
-          </a:bodyPr>
-          <a:lstStyle/>
-          <a:p>
-            <a:pPr algn="ctr">
-              <a:defRPr/>
-            </a:pPr>
-            <a:r>
-              <a:rPr lang="en-US" altLang="ko-KR" sz="10000">
-                <a:solidFill>
-                  <a:srgbClr val="9a8b85"/>
-                </a:solidFill>
-                <a:latin typeface="휴먼옛체"/>
-                <a:ea typeface="휴먼옛체"/>
-              </a:rPr>
-              <a:t>”</a:t>
-            </a:r>
-            <a:endParaRPr lang="ko-KR" altLang="en-US" sz="10000">
-              <a:solidFill>
-                <a:srgbClr val="9a8b85"/>
-              </a:solidFill>
-            </a:endParaRPr>
-          </a:p>
-        </p:txBody>
-      </p:sp>
-      <p:sp>
-        <p:nvSpPr>
-          <p:cNvPr id="29" name="TextBox 28"/>
-          <p:cNvSpPr txBox="1"/>
-          <p:nvPr/>
-        </p:nvSpPr>
-        <p:spPr>
-          <a:xfrm>
-            <a:off x="8161965" y="1483595"/>
-            <a:ext cx="1379789" cy="1614536"/>
-          </a:xfrm>
-          <a:prstGeom prst="rect">
-            <a:avLst/>
-          </a:prstGeom>
-          <a:noFill/>
-        </p:spPr>
-        <p:txBody>
-          <a:bodyPr wrap="square">
-            <a:spAutoFit/>
-          </a:bodyPr>
-          <a:lstStyle/>
-          <a:p>
-            <a:pPr algn="ctr">
-              <a:defRPr/>
-            </a:pPr>
-            <a:r>
-              <a:rPr lang="en-US" altLang="ko-KR" sz="10000">
-                <a:solidFill>
-                  <a:srgbClr val="9a8b85"/>
-                </a:solidFill>
-                <a:latin typeface="휴먼옛체"/>
-                <a:ea typeface="휴먼옛체"/>
-              </a:rPr>
-              <a:t>“</a:t>
-            </a:r>
-            <a:endParaRPr lang="ko-KR" altLang="en-US" sz="10000">
-              <a:solidFill>
-                <a:srgbClr val="9a8b85"/>
-              </a:solidFill>
-              <a:latin typeface="휴먼옛체"/>
-              <a:ea typeface="휴먼옛체"/>
-            </a:endParaRPr>
-          </a:p>
-        </p:txBody>
-      </p:sp>
-      <p:sp>
-        <p:nvSpPr>
-          <p:cNvPr id="30" name="직사각형 29"/>
-          <p:cNvSpPr/>
-          <p:nvPr/>
-        </p:nvSpPr>
-        <p:spPr>
-          <a:xfrm>
-            <a:off x="8251570" y="5249796"/>
-            <a:ext cx="1451096" cy="1608204"/>
-          </a:xfrm>
-          <a:prstGeom prst="rect">
-            <a:avLst/>
-          </a:prstGeom>
-        </p:spPr>
-        <p:txBody>
-          <a:bodyPr wrap="none">
-            <a:spAutoFit/>
-          </a:bodyPr>
-          <a:lstStyle/>
-          <a:p>
-            <a:pPr algn="ctr">
-              <a:defRPr/>
-            </a:pPr>
-            <a:r>
-              <a:rPr lang="en-US" altLang="ko-KR" sz="10000">
-                <a:solidFill>
-                  <a:srgbClr val="9a8b85"/>
-                </a:solidFill>
-                <a:latin typeface="휴먼옛체"/>
-                <a:ea typeface="휴먼옛체"/>
-              </a:rPr>
-              <a:t>”</a:t>
-            </a:r>
-            <a:endParaRPr lang="ko-KR" altLang="en-US" sz="10000">
-              <a:solidFill>
-                <a:srgbClr val="9a8b85"/>
-              </a:solidFill>
-            </a:endParaRPr>
-          </a:p>
-        </p:txBody>
-      </p:sp>
-      <p:sp>
-        <p:nvSpPr>
-          <p:cNvPr id="32" name="TextBox 31"/>
-          <p:cNvSpPr txBox="1"/>
-          <p:nvPr/>
-        </p:nvSpPr>
-        <p:spPr>
-          <a:xfrm>
-            <a:off x="2589326" y="2292914"/>
-            <a:ext cx="1499547" cy="449383"/>
-          </a:xfrm>
-          <a:prstGeom prst="rect">
-            <a:avLst/>
-          </a:prstGeom>
-          <a:noFill/>
-          <a:ln w="9525">
-            <a:noFill/>
-          </a:ln>
-        </p:spPr>
-        <p:txBody>
-          <a:bodyPr wrap="square">
-            <a:spAutoFit/>
-          </a:bodyPr>
-          <a:lstStyle/>
-          <a:p>
-            <a:pPr lvl="0">
-              <a:defRPr/>
-            </a:pPr>
-            <a:r>
-              <a:rPr lang="ko-KR" altLang="en-US" sz="2400">
-                <a:solidFill>
-                  <a:schemeClr val="tx1">
-                    <a:alpha val="71000"/>
-                  </a:schemeClr>
-                </a:solidFill>
-                <a:latin typeface="DX영화자막 M"/>
-                <a:ea typeface="DX영화자막 M"/>
-              </a:rPr>
-              <a:t>슬로싱킹</a:t>
-            </a:r>
-            <a:endParaRPr lang="ko-KR" altLang="en-US" sz="2400">
-              <a:solidFill>
-                <a:schemeClr val="tx1">
-                  <a:alpha val="71000"/>
-                </a:schemeClr>
-              </a:solidFill>
-              <a:latin typeface="DX영화자막 M"/>
-              <a:ea typeface="DX영화자막 M"/>
-            </a:endParaRPr>
-          </a:p>
-        </p:txBody>
-      </p:sp>
-      <p:sp>
-        <p:nvSpPr>
-          <p:cNvPr id="33" name="순서도: 처리 61"/>
-          <p:cNvSpPr/>
-          <p:nvPr/>
-        </p:nvSpPr>
-        <p:spPr>
-          <a:xfrm>
-            <a:off x="1131865" y="3192804"/>
-            <a:ext cx="4825172" cy="1889788"/>
+            <a:off x="6381540" y="1952457"/>
+            <a:ext cx="4825172" cy="3324723"/>
           </a:xfrm>
           <a:custGeom>
             <a:avLst/>
@@ -7291,14 +7835,391 @@
       </p:sp>
       <p:sp>
         <p:nvSpPr>
-          <p:cNvPr id="35" name="TextBox 34"/>
+          <p:cNvPr id="59" name=""/>
           <p:cNvSpPr txBox="1"/>
           <p:nvPr/>
         </p:nvSpPr>
         <p:spPr>
           <a:xfrm>
-            <a:off x="8320020" y="2367212"/>
-            <a:ext cx="1499548" cy="450283"/>
+            <a:off x="7234054" y="2414648"/>
+            <a:ext cx="3420611" cy="395176"/>
+          </a:xfrm>
+          <a:prstGeom prst="rect">
+            <a:avLst/>
+          </a:prstGeom>
+        </p:spPr>
+        <p:txBody>
+          <a:bodyPr wrap="none">
+            <a:spAutoFit/>
+          </a:bodyPr>
+          <a:p>
+            <a:pPr>
+              <a:defRPr/>
+            </a:pPr>
+            <a:r>
+              <a:rPr lang="ko-KR" altLang="en-US" sz="2000"/>
+              <a:t>서울대학교 재료공학부 교수</a:t>
+            </a:r>
+            <a:endParaRPr lang="ko-KR" altLang="en-US" sz="2000"/>
+          </a:p>
+        </p:txBody>
+      </p:sp>
+      <p:sp>
+        <p:nvSpPr>
+          <p:cNvPr id="60" name=""/>
+          <p:cNvSpPr txBox="1"/>
+          <p:nvPr/>
+        </p:nvSpPr>
+        <p:spPr>
+          <a:xfrm>
+            <a:off x="7435934" y="3061780"/>
+            <a:ext cx="2904406" cy="393890"/>
+          </a:xfrm>
+          <a:prstGeom prst="rect">
+            <a:avLst/>
+          </a:prstGeom>
+        </p:spPr>
+        <p:txBody>
+          <a:bodyPr wrap="none">
+            <a:spAutoFit/>
+          </a:bodyPr>
+          <a:lstStyle/>
+          <a:p>
+            <a:pPr>
+              <a:defRPr/>
+            </a:pPr>
+            <a:r>
+              <a:rPr lang="ko-KR" altLang="en-US" sz="2000"/>
+              <a:t>카이스트 소재공학 박사</a:t>
+            </a:r>
+            <a:endParaRPr lang="ko-KR" altLang="en-US" sz="2000"/>
+          </a:p>
+        </p:txBody>
+      </p:sp>
+      <p:sp>
+        <p:nvSpPr>
+          <p:cNvPr id="61" name=""/>
+          <p:cNvSpPr txBox="1"/>
+          <p:nvPr/>
+        </p:nvSpPr>
+        <p:spPr>
+          <a:xfrm>
+            <a:off x="7031673" y="3708984"/>
+            <a:ext cx="3833532" cy="394386"/>
+          </a:xfrm>
+          <a:prstGeom prst="rect">
+            <a:avLst/>
+          </a:prstGeom>
+        </p:spPr>
+        <p:txBody>
+          <a:bodyPr wrap="none">
+            <a:spAutoFit/>
+          </a:bodyPr>
+          <a:lstStyle/>
+          <a:p>
+            <a:pPr>
+              <a:defRPr/>
+            </a:pPr>
+            <a:r>
+              <a:rPr lang="ko-KR" altLang="en-US" sz="2000"/>
+              <a:t>한국표준과학연구원 연구책임자</a:t>
+            </a:r>
+            <a:endParaRPr lang="ko-KR" altLang="en-US" sz="2000"/>
+          </a:p>
+        </p:txBody>
+      </p:sp>
+      <p:sp>
+        <p:nvSpPr>
+          <p:cNvPr id="62" name=""/>
+          <p:cNvSpPr txBox="1"/>
+          <p:nvPr/>
+        </p:nvSpPr>
+        <p:spPr>
+          <a:xfrm>
+            <a:off x="7295401" y="4380928"/>
+            <a:ext cx="3322154" cy="389192"/>
+          </a:xfrm>
+          <a:prstGeom prst="rect">
+            <a:avLst/>
+          </a:prstGeom>
+        </p:spPr>
+        <p:txBody>
+          <a:bodyPr wrap="none">
+            <a:spAutoFit/>
+          </a:bodyPr>
+          <a:lstStyle/>
+          <a:p>
+            <a:pPr>
+              <a:defRPr/>
+            </a:pPr>
+            <a:r>
+              <a:rPr lang="ko-KR" altLang="en-US" sz="2000"/>
+              <a:t>미국표준기술연구소 연구원</a:t>
+            </a:r>
+            <a:endParaRPr lang="ko-KR" altLang="en-US" sz="2000"/>
+          </a:p>
+        </p:txBody>
+      </p:sp>
+    </p:spTree>
+  </p:cSld>
+  <p:clrMapOvr>
+    <a:masterClrMapping/>
+  </p:clrMapOvr>
+  <mc:AlternateContent xmlns:mc="http://schemas.openxmlformats.org/markup-compatibility/2006">
+    <mc:Choice xmlns:p14="http://schemas.microsoft.com/office/powerpoint/2010/main" Requires="p14">
+      <p:transition xmlns:mc="http://schemas.openxmlformats.org/markup-compatibility/2006" xmlns:p14="http://schemas.microsoft.com/office/powerpoint/2010/main" mc:Ignorable="p14" p14:dur="500"/>
+    </mc:Choice>
+    <mc:Fallback>
+      <p:transition/>
+    </mc:Fallback>
+  </mc:AlternateContent>
+</p:sld>
+</file>
+
+<file path=ppt/slides/slide4.xml><?xml version="1.0" encoding="utf-8"?>
+<p:sld xmlns:r="http://schemas.openxmlformats.org/officeDocument/2006/relationships" xmlns:c="http://schemas.openxmlformats.org/drawingml/2006/chart" xmlns:a="http://schemas.openxmlformats.org/drawingml/2006/main" xmlns:dgm="http://schemas.openxmlformats.org/drawingml/2006/diagram" xmlns:dsp="http://schemas.microsoft.com/office/drawing/2008/diagram" xmlns:p="http://schemas.openxmlformats.org/presentationml/2006/main">
+  <p:cSld>
+    <p:bg>
+      <p:bgPr shadeToTitle="0">
+        <a:blipFill dpi="0" rotWithShape="1">
+          <a:blip r:embed="rId2">
+            <a:lum/>
+          </a:blip>
+          <a:srcRect/>
+          <a:stretch>
+            <a:fillRect t="-17000" b="-17000"/>
+          </a:stretch>
+        </a:blipFill>
+      </p:bgPr>
+    </p:bg>
+    <p:spTree>
+      <p:nvGrpSpPr>
+        <p:cNvPr id="1" name=""/>
+        <p:cNvGrpSpPr/>
+        <p:nvPr/>
+      </p:nvGrpSpPr>
+      <p:grpSpPr>
+        <a:xfrm>
+          <a:off x="0" y="0"/>
+          <a:ext cx="0" cy="0"/>
+          <a:chOff x="0" y="0"/>
+          <a:chExt cx="0" cy="0"/>
+        </a:xfrm>
+      </p:grpSpPr>
+      <p:sp>
+        <p:nvSpPr>
+          <p:cNvPr id="22" name="TextBox 21"/>
+          <p:cNvSpPr txBox="1"/>
+          <p:nvPr/>
+        </p:nvSpPr>
+        <p:spPr>
+          <a:xfrm flipH="1">
+            <a:off x="5041092" y="342101"/>
+            <a:ext cx="2123658" cy="294169"/>
+          </a:xfrm>
+          <a:prstGeom prst="rect">
+            <a:avLst/>
+          </a:prstGeom>
+          <a:noFill/>
+        </p:spPr>
+        <p:txBody>
+          <a:bodyPr vert="horz" wrap="square">
+            <a:spAutoFit/>
+          </a:bodyPr>
+          <a:lstStyle/>
+          <a:p>
+            <a:pPr algn="dist">
+              <a:defRPr/>
+            </a:pPr>
+            <a:r>
+              <a:rPr lang="en-US" altLang="ko-KR" sz="1400">
+                <a:solidFill>
+                  <a:schemeClr val="tx1">
+                    <a:alpha val="71000"/>
+                  </a:schemeClr>
+                </a:solidFill>
+                <a:latin typeface="DX영화자막 M"/>
+                <a:ea typeface="DX영화자막 M"/>
+              </a:rPr>
+              <a:t>SLOW THINKING</a:t>
+            </a:r>
+            <a:endParaRPr lang="ko-KR" altLang="en-US" sz="1400">
+              <a:solidFill>
+                <a:schemeClr val="tx1">
+                  <a:alpha val="71000"/>
+                </a:schemeClr>
+              </a:solidFill>
+              <a:latin typeface="DX영화자막 M"/>
+              <a:ea typeface="DX영화자막 M"/>
+            </a:endParaRPr>
+          </a:p>
+        </p:txBody>
+      </p:sp>
+      <p:grpSp>
+        <p:nvGrpSpPr>
+          <p:cNvPr id="4" name="그룹 3"/>
+          <p:cNvGrpSpPr/>
+          <p:nvPr/>
+        </p:nvGrpSpPr>
+        <p:grpSpPr>
+          <a:xfrm rot="0">
+            <a:off x="240925" y="2941212"/>
+            <a:ext cx="163649" cy="975576"/>
+            <a:chOff x="306686" y="3281373"/>
+            <a:chExt cx="163649" cy="975576"/>
+          </a:xfrm>
+        </p:grpSpPr>
+        <p:cxnSp>
+          <p:nvCxnSpPr>
+            <p:cNvPr id="3" name="직선 연결선 2"/>
+            <p:cNvCxnSpPr/>
+            <p:nvPr/>
+          </p:nvCxnSpPr>
+          <p:spPr>
+            <a:xfrm>
+              <a:off x="306686" y="4127358"/>
+              <a:ext cx="160637" cy="129591"/>
+            </a:xfrm>
+            <a:prstGeom prst="line">
+              <a:avLst/>
+            </a:prstGeom>
+            <a:ln w="12700">
+              <a:solidFill>
+                <a:srgbClr val="ac9d8e"/>
+              </a:solidFill>
+            </a:ln>
+          </p:spPr>
+          <p:style>
+            <a:lnRef idx="1">
+              <a:schemeClr val="accent1"/>
+            </a:lnRef>
+            <a:fillRef idx="0">
+              <a:schemeClr val="accent1"/>
+            </a:fillRef>
+            <a:effectRef idx="0">
+              <a:schemeClr val="accent1"/>
+            </a:effectRef>
+            <a:fontRef idx="minor">
+              <a:schemeClr val="tx1"/>
+            </a:fontRef>
+          </p:style>
+        </p:cxnSp>
+        <p:cxnSp>
+          <p:nvCxnSpPr>
+            <p:cNvPr id="40" name="직선 연결선 39"/>
+            <p:cNvCxnSpPr/>
+            <p:nvPr/>
+          </p:nvCxnSpPr>
+          <p:spPr>
+            <a:xfrm>
+              <a:off x="306686" y="3838775"/>
+              <a:ext cx="160637" cy="129591"/>
+            </a:xfrm>
+            <a:prstGeom prst="line">
+              <a:avLst/>
+            </a:prstGeom>
+            <a:ln w="12700">
+              <a:solidFill>
+                <a:srgbClr val="ac9d8e"/>
+              </a:solidFill>
+            </a:ln>
+          </p:spPr>
+          <p:style>
+            <a:lnRef idx="1">
+              <a:schemeClr val="accent1"/>
+            </a:lnRef>
+            <a:fillRef idx="0">
+              <a:schemeClr val="accent1"/>
+            </a:fillRef>
+            <a:effectRef idx="0">
+              <a:schemeClr val="accent1"/>
+            </a:effectRef>
+            <a:fontRef idx="minor">
+              <a:schemeClr val="tx1"/>
+            </a:fontRef>
+          </p:style>
+        </p:cxnSp>
+        <p:cxnSp>
+          <p:nvCxnSpPr>
+            <p:cNvPr id="49" name="직선 연결선 48"/>
+            <p:cNvCxnSpPr/>
+            <p:nvPr/>
+          </p:nvCxnSpPr>
+          <p:spPr>
+            <a:xfrm>
+              <a:off x="306686" y="3550192"/>
+              <a:ext cx="160637" cy="129591"/>
+            </a:xfrm>
+            <a:prstGeom prst="line">
+              <a:avLst/>
+            </a:prstGeom>
+            <a:ln w="12700">
+              <a:solidFill>
+                <a:srgbClr val="ac9d8e"/>
+              </a:solidFill>
+            </a:ln>
+          </p:spPr>
+          <p:style>
+            <a:lnRef idx="1">
+              <a:schemeClr val="accent1"/>
+            </a:lnRef>
+            <a:fillRef idx="0">
+              <a:schemeClr val="accent1"/>
+            </a:fillRef>
+            <a:effectRef idx="0">
+              <a:schemeClr val="accent1"/>
+            </a:effectRef>
+            <a:fontRef idx="minor">
+              <a:schemeClr val="tx1"/>
+            </a:fontRef>
+          </p:style>
+        </p:cxnSp>
+        <p:cxnSp>
+          <p:nvCxnSpPr>
+            <p:cNvPr id="51" name="직선 연결선 50"/>
+            <p:cNvCxnSpPr/>
+            <p:nvPr/>
+          </p:nvCxnSpPr>
+          <p:spPr>
+            <a:xfrm>
+              <a:off x="309698" y="3281373"/>
+              <a:ext cx="160637" cy="129591"/>
+            </a:xfrm>
+            <a:prstGeom prst="line">
+              <a:avLst/>
+            </a:prstGeom>
+            <a:ln w="12700">
+              <a:solidFill>
+                <a:srgbClr val="ac9d8e"/>
+              </a:solidFill>
+            </a:ln>
+          </p:spPr>
+          <p:style>
+            <a:lnRef idx="1">
+              <a:schemeClr val="accent1"/>
+            </a:lnRef>
+            <a:fillRef idx="0">
+              <a:schemeClr val="accent1"/>
+            </a:fillRef>
+            <a:effectRef idx="0">
+              <a:schemeClr val="accent1"/>
+            </a:effectRef>
+            <a:fontRef idx="minor">
+              <a:schemeClr val="tx1"/>
+            </a:fontRef>
+          </p:style>
+        </p:cxnSp>
+      </p:grpSp>
+      <p:sp>
+        <p:nvSpPr>
+          <p:cNvPr id="36" name="TextBox 35"/>
+          <p:cNvSpPr txBox="1"/>
+          <p:nvPr/>
+        </p:nvSpPr>
+        <p:spPr>
+          <a:xfrm>
+            <a:off x="5353147" y="732599"/>
+            <a:ext cx="1499546" cy="446596"/>
           </a:xfrm>
           <a:prstGeom prst="rect">
             <a:avLst/>
@@ -7327,7 +8248,7 @@
                 <a:latin typeface="DX영화자막 M"/>
                 <a:ea typeface="DX영화자막 M"/>
               </a:rPr>
-              <a:t>몰 입</a:t>
+              <a:t>작가소개</a:t>
             </a:r>
             <a:endParaRPr lang="ko-KR" altLang="en-US" sz="2400">
               <a:solidFill>
@@ -7341,407 +8262,86 @@
           </a:p>
         </p:txBody>
       </p:sp>
-      <p:sp>
-        <p:nvSpPr>
-          <p:cNvPr id="55" name="순서도: 처리 61"/>
-          <p:cNvSpPr/>
+      <p:pic>
+        <p:nvPicPr>
+          <p:cNvPr id="55" name=""/>
+          <p:cNvPicPr>
+            <a:picLocks noChangeAspect="1"/>
+          </p:cNvPicPr>
           <p:nvPr/>
-        </p:nvSpPr>
+        </p:nvPicPr>
+        <p:blipFill rotWithShape="1">
+          <a:blip r:embed="rId3"/>
+          <a:stretch>
+            <a:fillRect/>
+          </a:stretch>
+        </p:blipFill>
         <p:spPr>
           <a:xfrm>
-            <a:off x="6678424" y="3164731"/>
-            <a:ext cx="4825172" cy="1889788"/>
+            <a:off x="1632856" y="1496310"/>
+            <a:ext cx="8926288" cy="4992352"/>
           </a:xfrm>
-          <a:custGeom>
+          <a:prstGeom prst="rect">
             <a:avLst/>
-            <a:gdLst>
-              <a:gd name="connsiteX0" fmla="*/ 0 w 5799809"/>
-              <a:gd name="connsiteY0" fmla="*/ 0 h 425946"/>
-              <a:gd name="connsiteX1" fmla="*/ 470429 w 5799809"/>
-              <a:gd name="connsiteY1" fmla="*/ 0 h 425946"/>
-              <a:gd name="connsiteX2" fmla="*/ 1056854 w 5799809"/>
-              <a:gd name="connsiteY2" fmla="*/ 0 h 425946"/>
-              <a:gd name="connsiteX3" fmla="*/ 1585281 w 5799809"/>
-              <a:gd name="connsiteY3" fmla="*/ 0 h 425946"/>
-              <a:gd name="connsiteX4" fmla="*/ 2113708 w 5799809"/>
-              <a:gd name="connsiteY4" fmla="*/ 0 h 425946"/>
-              <a:gd name="connsiteX5" fmla="*/ 2758131 w 5799809"/>
-              <a:gd name="connsiteY5" fmla="*/ 0 h 425946"/>
-              <a:gd name="connsiteX6" fmla="*/ 3402555 w 5799809"/>
-              <a:gd name="connsiteY6" fmla="*/ 0 h 425946"/>
-              <a:gd name="connsiteX7" fmla="*/ 3930982 w 5799809"/>
-              <a:gd name="connsiteY7" fmla="*/ 0 h 425946"/>
-              <a:gd name="connsiteX8" fmla="*/ 4633403 w 5799809"/>
-              <a:gd name="connsiteY8" fmla="*/ 0 h 425946"/>
-              <a:gd name="connsiteX9" fmla="*/ 5103832 w 5799809"/>
-              <a:gd name="connsiteY9" fmla="*/ 0 h 425946"/>
-              <a:gd name="connsiteX10" fmla="*/ 5799809 w 5799809"/>
-              <a:gd name="connsiteY10" fmla="*/ 0 h 425946"/>
-              <a:gd name="connsiteX11" fmla="*/ 5799809 w 5799809"/>
-              <a:gd name="connsiteY11" fmla="*/ 425946 h 425946"/>
-              <a:gd name="connsiteX12" fmla="*/ 5155386 w 5799809"/>
-              <a:gd name="connsiteY12" fmla="*/ 425946 h 425946"/>
-              <a:gd name="connsiteX13" fmla="*/ 4684957 w 5799809"/>
-              <a:gd name="connsiteY13" fmla="*/ 425946 h 425946"/>
-              <a:gd name="connsiteX14" fmla="*/ 4040534 w 5799809"/>
-              <a:gd name="connsiteY14" fmla="*/ 425946 h 425946"/>
-              <a:gd name="connsiteX15" fmla="*/ 3338112 w 5799809"/>
-              <a:gd name="connsiteY15" fmla="*/ 425946 h 425946"/>
-              <a:gd name="connsiteX16" fmla="*/ 2809685 w 5799809"/>
-              <a:gd name="connsiteY16" fmla="*/ 425946 h 425946"/>
-              <a:gd name="connsiteX17" fmla="*/ 2165262 w 5799809"/>
-              <a:gd name="connsiteY17" fmla="*/ 425946 h 425946"/>
-              <a:gd name="connsiteX18" fmla="*/ 1462841 w 5799809"/>
-              <a:gd name="connsiteY18" fmla="*/ 425946 h 425946"/>
-              <a:gd name="connsiteX19" fmla="*/ 818417 w 5799809"/>
-              <a:gd name="connsiteY19" fmla="*/ 425946 h 425946"/>
-              <a:gd name="connsiteX20" fmla="*/ 0 w 5799809"/>
-              <a:gd name="connsiteY20" fmla="*/ 425946 h 425946"/>
-              <a:gd name="connsiteX21" fmla="*/ 0 w 5799809"/>
-              <a:gd name="connsiteY21" fmla="*/ 0 h 425946"/>
-            </a:gdLst>
-            <a:cxnLst>
-              <a:cxn ang="0">
-                <a:pos x="connsiteX0" y="connsiteY0"/>
-              </a:cxn>
-              <a:cxn ang="0">
-                <a:pos x="connsiteX1" y="connsiteY1"/>
-              </a:cxn>
-              <a:cxn ang="0">
-                <a:pos x="connsiteX2" y="connsiteY2"/>
-              </a:cxn>
-              <a:cxn ang="0">
-                <a:pos x="connsiteX3" y="connsiteY3"/>
-              </a:cxn>
-              <a:cxn ang="0">
-                <a:pos x="connsiteX4" y="connsiteY4"/>
-              </a:cxn>
-              <a:cxn ang="0">
-                <a:pos x="connsiteX5" y="connsiteY5"/>
-              </a:cxn>
-              <a:cxn ang="0">
-                <a:pos x="connsiteX6" y="connsiteY6"/>
-              </a:cxn>
-              <a:cxn ang="0">
-                <a:pos x="connsiteX7" y="connsiteY7"/>
-              </a:cxn>
-              <a:cxn ang="0">
-                <a:pos x="connsiteX8" y="connsiteY8"/>
-              </a:cxn>
-              <a:cxn ang="0">
-                <a:pos x="connsiteX9" y="connsiteY9"/>
-              </a:cxn>
-              <a:cxn ang="0">
-                <a:pos x="connsiteX10" y="connsiteY10"/>
-              </a:cxn>
-              <a:cxn ang="0">
-                <a:pos x="connsiteX11" y="connsiteY11"/>
-              </a:cxn>
-              <a:cxn ang="0">
-                <a:pos x="connsiteX12" y="connsiteY12"/>
-              </a:cxn>
-              <a:cxn ang="0">
-                <a:pos x="connsiteX13" y="connsiteY13"/>
-              </a:cxn>
-              <a:cxn ang="0">
-                <a:pos x="connsiteX14" y="connsiteY14"/>
-              </a:cxn>
-              <a:cxn ang="0">
-                <a:pos x="connsiteX15" y="connsiteY15"/>
-              </a:cxn>
-              <a:cxn ang="0">
-                <a:pos x="connsiteX16" y="connsiteY16"/>
-              </a:cxn>
-              <a:cxn ang="0">
-                <a:pos x="connsiteX17" y="connsiteY17"/>
-              </a:cxn>
-              <a:cxn ang="0">
-                <a:pos x="connsiteX18" y="connsiteY18"/>
-              </a:cxn>
-              <a:cxn ang="0">
-                <a:pos x="connsiteX19" y="connsiteY19"/>
-              </a:cxn>
-              <a:cxn ang="0">
-                <a:pos x="connsiteX20" y="connsiteY20"/>
-              </a:cxn>
-              <a:cxn ang="0">
-                <a:pos x="connsiteX21" y="connsiteY21"/>
-              </a:cxn>
-            </a:cxnLst>
-            <a:rect l="l" t="t" r="r" b="b"/>
-            <a:pathLst>
-              <a:path w="5799809" h="425946" fill="none" extrusionOk="0">
-                <a:moveTo>
-                  <a:pt x="0" y="0"/>
-                </a:moveTo>
-                <a:cubicBezTo>
-                  <a:pt x="232930" y="11357"/>
-                  <a:pt x="338405" y="-11052"/>
-                  <a:pt x="470429" y="0"/>
-                </a:cubicBezTo>
-                <a:cubicBezTo>
-                  <a:pt x="602453" y="11052"/>
-                  <a:pt x="809389" y="-26878"/>
-                  <a:pt x="1056854" y="0"/>
-                </a:cubicBezTo>
-                <a:cubicBezTo>
-                  <a:pt x="1304320" y="26878"/>
-                  <a:pt x="1468530" y="-24406"/>
-                  <a:pt x="1585281" y="0"/>
-                </a:cubicBezTo>
-                <a:cubicBezTo>
-                  <a:pt x="1702032" y="24406"/>
-                  <a:pt x="2004466" y="14170"/>
-                  <a:pt x="2113708" y="0"/>
-                </a:cubicBezTo>
-                <a:cubicBezTo>
-                  <a:pt x="2222950" y="-14170"/>
-                  <a:pt x="2556011" y="28112"/>
-                  <a:pt x="2758131" y="0"/>
-                </a:cubicBezTo>
-                <a:cubicBezTo>
-                  <a:pt x="2960251" y="-28112"/>
-                  <a:pt x="3097544" y="-7034"/>
-                  <a:pt x="3402555" y="0"/>
-                </a:cubicBezTo>
-                <a:cubicBezTo>
-                  <a:pt x="3707566" y="7034"/>
-                  <a:pt x="3772141" y="4589"/>
-                  <a:pt x="3930982" y="0"/>
-                </a:cubicBezTo>
-                <a:cubicBezTo>
-                  <a:pt x="4089823" y="-4589"/>
-                  <a:pt x="4481847" y="28392"/>
-                  <a:pt x="4633403" y="0"/>
-                </a:cubicBezTo>
-                <a:cubicBezTo>
-                  <a:pt x="4784959" y="-28392"/>
-                  <a:pt x="4910939" y="-2346"/>
-                  <a:pt x="5103832" y="0"/>
-                </a:cubicBezTo>
-                <a:cubicBezTo>
-                  <a:pt x="5296725" y="2346"/>
-                  <a:pt x="5508736" y="-20318"/>
-                  <a:pt x="5799809" y="0"/>
-                </a:cubicBezTo>
-                <a:cubicBezTo>
-                  <a:pt x="5788599" y="198653"/>
-                  <a:pt x="5812935" y="266898"/>
-                  <a:pt x="5799809" y="425946"/>
-                </a:cubicBezTo>
-                <a:cubicBezTo>
-                  <a:pt x="5617430" y="412954"/>
-                  <a:pt x="5331856" y="449678"/>
-                  <a:pt x="5155386" y="425946"/>
-                </a:cubicBezTo>
-                <a:cubicBezTo>
-                  <a:pt x="4978916" y="402214"/>
-                  <a:pt x="4857030" y="423944"/>
-                  <a:pt x="4684957" y="425946"/>
-                </a:cubicBezTo>
-                <a:cubicBezTo>
-                  <a:pt x="4512884" y="427948"/>
-                  <a:pt x="4342832" y="445858"/>
-                  <a:pt x="4040534" y="425946"/>
-                </a:cubicBezTo>
-                <a:cubicBezTo>
-                  <a:pt x="3738236" y="406034"/>
-                  <a:pt x="3513554" y="443777"/>
-                  <a:pt x="3338112" y="425946"/>
-                </a:cubicBezTo>
-                <a:cubicBezTo>
-                  <a:pt x="3162670" y="408115"/>
-                  <a:pt x="3031362" y="412638"/>
-                  <a:pt x="2809685" y="425946"/>
-                </a:cubicBezTo>
-                <a:cubicBezTo>
-                  <a:pt x="2588008" y="439254"/>
-                  <a:pt x="2396513" y="447981"/>
-                  <a:pt x="2165262" y="425946"/>
-                </a:cubicBezTo>
-                <a:cubicBezTo>
-                  <a:pt x="1934011" y="403911"/>
-                  <a:pt x="1762479" y="426888"/>
-                  <a:pt x="1462841" y="425946"/>
-                </a:cubicBezTo>
-                <a:cubicBezTo>
-                  <a:pt x="1163203" y="425004"/>
-                  <a:pt x="955896" y="428651"/>
-                  <a:pt x="818417" y="425946"/>
-                </a:cubicBezTo>
-                <a:cubicBezTo>
-                  <a:pt x="680938" y="423241"/>
-                  <a:pt x="240620" y="433396"/>
-                  <a:pt x="0" y="425946"/>
-                </a:cubicBezTo>
-                <a:cubicBezTo>
-                  <a:pt x="-13937" y="217353"/>
-                  <a:pt x="3380" y="194608"/>
-                  <a:pt x="0" y="0"/>
-                </a:cubicBezTo>
-                <a:close/>
-              </a:path>
-              <a:path w="5799809" h="425946" stroke="0" extrusionOk="0">
-                <a:moveTo>
-                  <a:pt x="0" y="0"/>
-                </a:moveTo>
-                <a:cubicBezTo>
-                  <a:pt x="156451" y="-5263"/>
-                  <a:pt x="344124" y="-7670"/>
-                  <a:pt x="528427" y="0"/>
-                </a:cubicBezTo>
-                <a:cubicBezTo>
-                  <a:pt x="712730" y="7670"/>
-                  <a:pt x="1052845" y="3624"/>
-                  <a:pt x="1288846" y="0"/>
-                </a:cubicBezTo>
-                <a:cubicBezTo>
-                  <a:pt x="1524847" y="-3624"/>
-                  <a:pt x="1572216" y="2669"/>
-                  <a:pt x="1817273" y="0"/>
-                </a:cubicBezTo>
-                <a:cubicBezTo>
-                  <a:pt x="2062330" y="-2669"/>
-                  <a:pt x="2125614" y="-1841"/>
-                  <a:pt x="2287702" y="0"/>
-                </a:cubicBezTo>
-                <a:cubicBezTo>
-                  <a:pt x="2449790" y="1841"/>
-                  <a:pt x="2540838" y="-10545"/>
-                  <a:pt x="2758131" y="0"/>
-                </a:cubicBezTo>
-                <a:cubicBezTo>
-                  <a:pt x="2975424" y="10545"/>
-                  <a:pt x="3070417" y="16952"/>
-                  <a:pt x="3286558" y="0"/>
-                </a:cubicBezTo>
-                <a:cubicBezTo>
-                  <a:pt x="3502699" y="-16952"/>
-                  <a:pt x="3772879" y="25154"/>
-                  <a:pt x="4046978" y="0"/>
-                </a:cubicBezTo>
-                <a:cubicBezTo>
-                  <a:pt x="4321077" y="-25154"/>
-                  <a:pt x="4471091" y="-15419"/>
-                  <a:pt x="4691401" y="0"/>
-                </a:cubicBezTo>
-                <a:cubicBezTo>
-                  <a:pt x="4911711" y="15419"/>
-                  <a:pt x="5486808" y="-34903"/>
-                  <a:pt x="5799809" y="0"/>
-                </a:cubicBezTo>
-                <a:cubicBezTo>
-                  <a:pt x="5811781" y="117662"/>
-                  <a:pt x="5813135" y="213997"/>
-                  <a:pt x="5799809" y="425946"/>
-                </a:cubicBezTo>
-                <a:cubicBezTo>
-                  <a:pt x="5631023" y="426859"/>
-                  <a:pt x="5495897" y="406180"/>
-                  <a:pt x="5329380" y="425946"/>
-                </a:cubicBezTo>
-                <a:cubicBezTo>
-                  <a:pt x="5162863" y="445712"/>
-                  <a:pt x="4971538" y="414601"/>
-                  <a:pt x="4742955" y="425946"/>
-                </a:cubicBezTo>
-                <a:cubicBezTo>
-                  <a:pt x="4514373" y="437291"/>
-                  <a:pt x="4305792" y="401898"/>
-                  <a:pt x="4098532" y="425946"/>
-                </a:cubicBezTo>
-                <a:cubicBezTo>
-                  <a:pt x="3891272" y="449994"/>
-                  <a:pt x="3550710" y="452828"/>
-                  <a:pt x="3396110" y="425946"/>
-                </a:cubicBezTo>
-                <a:cubicBezTo>
-                  <a:pt x="3241510" y="399064"/>
-                  <a:pt x="2987621" y="437035"/>
-                  <a:pt x="2867683" y="425946"/>
-                </a:cubicBezTo>
-                <a:cubicBezTo>
-                  <a:pt x="2747745" y="414857"/>
-                  <a:pt x="2500791" y="420398"/>
-                  <a:pt x="2281258" y="425946"/>
-                </a:cubicBezTo>
-                <a:cubicBezTo>
-                  <a:pt x="2061725" y="431494"/>
-                  <a:pt x="1816635" y="426101"/>
-                  <a:pt x="1636835" y="425946"/>
-                </a:cubicBezTo>
-                <a:cubicBezTo>
-                  <a:pt x="1457035" y="425791"/>
-                  <a:pt x="1307407" y="428836"/>
-                  <a:pt x="1050410" y="425946"/>
-                </a:cubicBezTo>
-                <a:cubicBezTo>
-                  <a:pt x="793414" y="423056"/>
-                  <a:pt x="415100" y="437818"/>
-                  <a:pt x="0" y="425946"/>
-                </a:cubicBezTo>
-                <a:cubicBezTo>
-                  <a:pt x="553" y="260129"/>
-                  <a:pt x="10725" y="188645"/>
-                  <a:pt x="0" y="0"/>
-                </a:cubicBezTo>
-                <a:close/>
-              </a:path>
-            </a:pathLst>
-          </a:custGeom>
-          <a:solidFill>
-            <a:schemeClr val="accent4">
-              <a:lumMod val="40000"/>
-              <a:lumOff val="60000"/>
-              <a:alpha val="35000"/>
-            </a:schemeClr>
-          </a:solidFill>
-          <a:ln>
-            <a:solidFill>
-              <a:schemeClr val="accent4">
-                <a:lumMod val="40000"/>
-                <a:lumOff val="60000"/>
-              </a:schemeClr>
-            </a:solidFill>
-          </a:ln>
+          </a:prstGeom>
         </p:spPr>
-        <p:style>
-          <a:lnRef idx="2">
-            <a:schemeClr val="accent1">
-              <a:shade val="50000"/>
-            </a:schemeClr>
-          </a:lnRef>
-          <a:fillRef idx="1">
-            <a:schemeClr val="accent1"/>
-          </a:fillRef>
-          <a:effectRef idx="0">
-            <a:schemeClr val="accent1"/>
-          </a:effectRef>
-          <a:fontRef idx="minor">
-            <a:schemeClr val="lt1"/>
-          </a:fontRef>
-        </p:style>
-        <p:txBody>
-          <a:bodyPr anchor="ctr"/>
-          <a:lstStyle/>
-          <a:p>
-            <a:pPr algn="ctr">
-              <a:defRPr/>
-            </a:pPr>
-            <a:endParaRPr lang="ko-KR" altLang="en-US"/>
-          </a:p>
-        </p:txBody>
-      </p:sp>
-      <p:sp>
-        <p:nvSpPr>
-          <p:cNvPr id="60" name="TextBox 11"/>
+      </p:pic>
+    </p:spTree>
+  </p:cSld>
+  <p:clrMapOvr>
+    <a:masterClrMapping/>
+  </p:clrMapOvr>
+  <mc:AlternateContent xmlns:mc="http://schemas.openxmlformats.org/markup-compatibility/2006">
+    <mc:Choice xmlns:p14="http://schemas.microsoft.com/office/powerpoint/2010/main" Requires="p14">
+      <p:transition xmlns:mc="http://schemas.openxmlformats.org/markup-compatibility/2006" xmlns:p14="http://schemas.microsoft.com/office/powerpoint/2010/main" mc:Ignorable="p14" p14:dur="500"/>
+    </mc:Choice>
+    <mc:Fallback>
+      <p:transition/>
+    </mc:Fallback>
+  </mc:AlternateContent>
+</p:sld>
+</file>
+
+<file path=ppt/slides/slide5.xml><?xml version="1.0" encoding="utf-8"?>
+<p:sld xmlns:r="http://schemas.openxmlformats.org/officeDocument/2006/relationships" xmlns:c="http://schemas.openxmlformats.org/drawingml/2006/chart" xmlns:a="http://schemas.openxmlformats.org/drawingml/2006/main" xmlns:dgm="http://schemas.openxmlformats.org/drawingml/2006/diagram" xmlns:dsp="http://schemas.microsoft.com/office/drawing/2008/diagram" xmlns:p="http://schemas.openxmlformats.org/presentationml/2006/main">
+  <p:cSld>
+    <p:bg>
+      <p:bgPr shadeToTitle="0">
+        <a:blipFill dpi="0" rotWithShape="1">
+          <a:blip r:embed="rId2">
+            <a:lum/>
+          </a:blip>
+          <a:srcRect/>
+          <a:stretch>
+            <a:fillRect t="-17000" b="-17000"/>
+          </a:stretch>
+        </a:blipFill>
+      </p:bgPr>
+    </p:bg>
+    <p:spTree>
+      <p:nvGrpSpPr>
+        <p:cNvPr id="1" name=""/>
+        <p:cNvGrpSpPr/>
+        <p:nvPr/>
+      </p:nvGrpSpPr>
+      <p:grpSpPr>
+        <a:xfrm>
+          <a:off x="0" y="0"/>
+          <a:ext cx="0" cy="0"/>
+          <a:chOff x="0" y="0"/>
+          <a:chExt cx="0" cy="0"/>
+        </a:xfrm>
+      </p:grpSpPr>
+      <p:sp>
+        <p:nvSpPr>
+          <p:cNvPr id="22" name="TextBox 21"/>
           <p:cNvSpPr txBox="1"/>
           <p:nvPr/>
         </p:nvSpPr>
         <p:spPr>
-          <a:xfrm>
-            <a:off x="6625512" y="3662265"/>
-            <a:ext cx="4744601" cy="641130"/>
+          <a:xfrm flipH="1">
+            <a:off x="5041092" y="342101"/>
+            <a:ext cx="2123658" cy="294169"/>
           </a:xfrm>
           <a:prstGeom prst="rect">
             <a:avLst/>
@@ -7749,60 +8349,31 @@
           <a:noFill/>
         </p:spPr>
         <p:txBody>
-          <a:bodyPr vert="horz" wrap="square" lIns="91440" tIns="45720" rIns="91440" bIns="45720" anchor="t">
+          <a:bodyPr vert="horz" wrap="square">
             <a:spAutoFit/>
           </a:bodyPr>
           <a:lstStyle/>
           <a:p>
-            <a:pPr algn="ctr">
-              <a:lnSpc>
-                <a:spcPct val="150000"/>
-              </a:lnSpc>
+            <a:pPr algn="dist">
               <a:defRPr/>
             </a:pPr>
             <a:r>
-              <a:rPr lang="ko-KR" altLang="en-US" sz="2400" kern="1400">
+              <a:rPr lang="en-US" altLang="ko-KR" sz="1400">
                 <a:solidFill>
-                  <a:schemeClr val="tx1"/>
+                  <a:schemeClr val="tx1">
+                    <a:alpha val="71000"/>
+                  </a:schemeClr>
                 </a:solidFill>
                 <a:latin typeface="DX영화자막 M"/>
                 <a:ea typeface="DX영화자막 M"/>
               </a:rPr>
-              <a:t>몰입의 다른 표현은 </a:t>
-            </a:r>
-            <a:r>
-              <a:rPr lang="en-US" altLang="ko-KR" sz="2400" kern="1400">
-                <a:solidFill>
-                  <a:schemeClr val="tx1"/>
-                </a:solidFill>
-                <a:latin typeface="DX영화자막 M"/>
-                <a:ea typeface="DX영화자막 M"/>
-              </a:rPr>
-              <a:t>‘</a:t>
-            </a:r>
-            <a:r>
-              <a:rPr lang="ko-KR" altLang="en-US" sz="2400" kern="1400">
-                <a:solidFill>
-                  <a:schemeClr val="tx1"/>
-                </a:solidFill>
-                <a:latin typeface="DX영화자막 M"/>
-                <a:ea typeface="DX영화자막 M"/>
-              </a:rPr>
-              <a:t>행복</a:t>
-            </a:r>
-            <a:r>
-              <a:rPr lang="en-US" altLang="ko-KR" sz="2400" kern="1400">
-                <a:solidFill>
-                  <a:schemeClr val="tx1"/>
-                </a:solidFill>
-                <a:latin typeface="DX영화자막 M"/>
-                <a:ea typeface="DX영화자막 M"/>
-              </a:rPr>
-              <a:t>’</a:t>
-            </a:r>
-            <a:endParaRPr lang="ko-KR" altLang="en-US" sz="2400" kern="1400">
+              <a:t>SLOW THINKING</a:t>
+            </a:r>
+            <a:endParaRPr lang="ko-KR" altLang="en-US" sz="1400">
               <a:solidFill>
-                <a:schemeClr val="tx1"/>
+                <a:schemeClr val="tx1">
+                  <a:alpha val="71000"/>
+                </a:schemeClr>
               </a:solidFill>
               <a:latin typeface="DX영화자막 M"/>
               <a:ea typeface="DX영화자막 M"/>
@@ -7810,109 +8381,237 @@
           </a:p>
         </p:txBody>
       </p:sp>
-      <p:sp>
-        <p:nvSpPr>
-          <p:cNvPr id="61" name="TextBox 11"/>
+      <p:grpSp>
+        <p:nvGrpSpPr>
+          <p:cNvPr id="4" name="그룹 3"/>
+          <p:cNvGrpSpPr/>
+          <p:nvPr/>
+        </p:nvGrpSpPr>
+        <p:grpSpPr>
+          <a:xfrm rot="0">
+            <a:off x="240925" y="2941212"/>
+            <a:ext cx="163649" cy="975576"/>
+            <a:chOff x="306686" y="3281373"/>
+            <a:chExt cx="163649" cy="975576"/>
+          </a:xfrm>
+        </p:grpSpPr>
+        <p:cxnSp>
+          <p:nvCxnSpPr>
+            <p:cNvPr id="3" name="직선 연결선 2"/>
+            <p:cNvCxnSpPr/>
+            <p:nvPr/>
+          </p:nvCxnSpPr>
+          <p:spPr>
+            <a:xfrm>
+              <a:off x="306686" y="4127358"/>
+              <a:ext cx="160637" cy="129591"/>
+            </a:xfrm>
+            <a:prstGeom prst="line">
+              <a:avLst/>
+            </a:prstGeom>
+            <a:ln w="12700">
+              <a:solidFill>
+                <a:srgbClr val="ac9d8e"/>
+              </a:solidFill>
+            </a:ln>
+          </p:spPr>
+          <p:style>
+            <a:lnRef idx="1">
+              <a:schemeClr val="accent1"/>
+            </a:lnRef>
+            <a:fillRef idx="0">
+              <a:schemeClr val="accent1"/>
+            </a:fillRef>
+            <a:effectRef idx="0">
+              <a:schemeClr val="accent1"/>
+            </a:effectRef>
+            <a:fontRef idx="minor">
+              <a:schemeClr val="tx1"/>
+            </a:fontRef>
+          </p:style>
+        </p:cxnSp>
+        <p:cxnSp>
+          <p:nvCxnSpPr>
+            <p:cNvPr id="40" name="직선 연결선 39"/>
+            <p:cNvCxnSpPr/>
+            <p:nvPr/>
+          </p:nvCxnSpPr>
+          <p:spPr>
+            <a:xfrm>
+              <a:off x="306686" y="3838775"/>
+              <a:ext cx="160637" cy="129591"/>
+            </a:xfrm>
+            <a:prstGeom prst="line">
+              <a:avLst/>
+            </a:prstGeom>
+            <a:ln w="12700">
+              <a:solidFill>
+                <a:srgbClr val="ac9d8e"/>
+              </a:solidFill>
+            </a:ln>
+          </p:spPr>
+          <p:style>
+            <a:lnRef idx="1">
+              <a:schemeClr val="accent1"/>
+            </a:lnRef>
+            <a:fillRef idx="0">
+              <a:schemeClr val="accent1"/>
+            </a:fillRef>
+            <a:effectRef idx="0">
+              <a:schemeClr val="accent1"/>
+            </a:effectRef>
+            <a:fontRef idx="minor">
+              <a:schemeClr val="tx1"/>
+            </a:fontRef>
+          </p:style>
+        </p:cxnSp>
+        <p:cxnSp>
+          <p:nvCxnSpPr>
+            <p:cNvPr id="49" name="직선 연결선 48"/>
+            <p:cNvCxnSpPr/>
+            <p:nvPr/>
+          </p:nvCxnSpPr>
+          <p:spPr>
+            <a:xfrm>
+              <a:off x="306686" y="3550192"/>
+              <a:ext cx="160637" cy="129591"/>
+            </a:xfrm>
+            <a:prstGeom prst="line">
+              <a:avLst/>
+            </a:prstGeom>
+            <a:ln w="12700">
+              <a:solidFill>
+                <a:srgbClr val="ac9d8e"/>
+              </a:solidFill>
+            </a:ln>
+          </p:spPr>
+          <p:style>
+            <a:lnRef idx="1">
+              <a:schemeClr val="accent1"/>
+            </a:lnRef>
+            <a:fillRef idx="0">
+              <a:schemeClr val="accent1"/>
+            </a:fillRef>
+            <a:effectRef idx="0">
+              <a:schemeClr val="accent1"/>
+            </a:effectRef>
+            <a:fontRef idx="minor">
+              <a:schemeClr val="tx1"/>
+            </a:fontRef>
+          </p:style>
+        </p:cxnSp>
+        <p:cxnSp>
+          <p:nvCxnSpPr>
+            <p:cNvPr id="51" name="직선 연결선 50"/>
+            <p:cNvCxnSpPr/>
+            <p:nvPr/>
+          </p:nvCxnSpPr>
+          <p:spPr>
+            <a:xfrm>
+              <a:off x="309698" y="3281373"/>
+              <a:ext cx="160637" cy="129591"/>
+            </a:xfrm>
+            <a:prstGeom prst="line">
+              <a:avLst/>
+            </a:prstGeom>
+            <a:ln w="12700">
+              <a:solidFill>
+                <a:srgbClr val="ac9d8e"/>
+              </a:solidFill>
+            </a:ln>
+          </p:spPr>
+          <p:style>
+            <a:lnRef idx="1">
+              <a:schemeClr val="accent1"/>
+            </a:lnRef>
+            <a:fillRef idx="0">
+              <a:schemeClr val="accent1"/>
+            </a:fillRef>
+            <a:effectRef idx="0">
+              <a:schemeClr val="accent1"/>
+            </a:effectRef>
+            <a:fontRef idx="minor">
+              <a:schemeClr val="tx1"/>
+            </a:fontRef>
+          </p:style>
+        </p:cxnSp>
+      </p:grpSp>
+      <p:sp>
+        <p:nvSpPr>
+          <p:cNvPr id="36" name="TextBox 35"/>
           <p:cNvSpPr txBox="1"/>
           <p:nvPr/>
         </p:nvSpPr>
         <p:spPr>
           <a:xfrm>
-            <a:off x="1189266" y="3561961"/>
-            <a:ext cx="4744601" cy="1184250"/>
+            <a:off x="5067899" y="750659"/>
+            <a:ext cx="2056201" cy="447586"/>
           </a:xfrm>
           <a:prstGeom prst="rect">
             <a:avLst/>
           </a:prstGeom>
           <a:noFill/>
+          <a:ln w="9525">
+            <a:noFill/>
+          </a:ln>
         </p:spPr>
         <p:txBody>
-          <a:bodyPr vert="horz" wrap="square" lIns="91440" tIns="45720" rIns="91440" bIns="45720" anchor="t">
+          <a:bodyPr wrap="square">
             <a:spAutoFit/>
           </a:bodyPr>
           <a:lstStyle/>
           <a:p>
-            <a:pPr algn="ctr">
-              <a:lnSpc>
-                <a:spcPct val="150000"/>
-              </a:lnSpc>
+            <a:pPr lvl="0">
               <a:defRPr/>
             </a:pPr>
             <a:r>
-              <a:rPr lang="ko-KR" altLang="en-US" sz="2400" kern="1400">
+              <a:rPr lang="ko-KR" altLang="en-US" sz="2400">
                 <a:solidFill>
-                  <a:schemeClr val="tx1"/>
+                  <a:schemeClr val="tx1">
+                    <a:alpha val="71000"/>
+                  </a:schemeClr>
                 </a:solidFill>
                 <a:latin typeface="DX영화자막 M"/>
                 <a:ea typeface="DX영화자막 M"/>
               </a:rPr>
-              <a:t>속도를 늦출수록 탁월해지는</a:t>
-            </a:r>
-            <a:endParaRPr lang="ko-KR" altLang="en-US" sz="2400" kern="1400">
+              <a:t>베스트 셀러</a:t>
+            </a:r>
+            <a:endParaRPr lang="ko-KR" altLang="en-US" sz="2400">
               <a:solidFill>
-                <a:schemeClr val="tx1"/>
+                <a:schemeClr val="tx1">
+                  <a:alpha val="71000"/>
+                </a:schemeClr>
               </a:solidFill>
               <a:latin typeface="DX영화자막 M"/>
               <a:ea typeface="DX영화자막 M"/>
             </a:endParaRPr>
           </a:p>
-          <a:p>
-            <a:pPr algn="ctr">
-              <a:lnSpc>
-                <a:spcPct val="150000"/>
-              </a:lnSpc>
-              <a:defRPr/>
-            </a:pPr>
-            <a:r>
-              <a:rPr lang="ko-KR" altLang="en-US" sz="2400" kern="1400">
-                <a:solidFill>
-                  <a:schemeClr val="tx1"/>
-                </a:solidFill>
-                <a:latin typeface="DX영화자막 M"/>
-                <a:ea typeface="DX영화자막 M"/>
-              </a:rPr>
-              <a:t> 생각의 </a:t>
-            </a:r>
-            <a:r>
-              <a:rPr lang="en-US" altLang="ko-KR" sz="2400" kern="1400">
-                <a:solidFill>
-                  <a:schemeClr val="tx1"/>
-                </a:solidFill>
-                <a:latin typeface="DX영화자막 M"/>
-                <a:ea typeface="DX영화자막 M"/>
-              </a:rPr>
-              <a:t>‘</a:t>
-            </a:r>
-            <a:r>
-              <a:rPr lang="ko-KR" altLang="en-US" sz="2400" kern="1400">
-                <a:solidFill>
-                  <a:schemeClr val="tx1"/>
-                </a:solidFill>
-                <a:latin typeface="DX영화자막 M"/>
-                <a:ea typeface="DX영화자막 M"/>
-              </a:rPr>
-              <a:t>힘</a:t>
-            </a:r>
-            <a:r>
-              <a:rPr lang="en-US" altLang="ko-KR" sz="2400" kern="1400">
-                <a:solidFill>
-                  <a:schemeClr val="tx1"/>
-                </a:solidFill>
-                <a:latin typeface="DX영화자막 M"/>
-                <a:ea typeface="DX영화자막 M"/>
-              </a:rPr>
-              <a:t>’</a:t>
-            </a:r>
-            <a:endParaRPr lang="en-US" altLang="ko-KR" sz="2400" kern="1400">
-              <a:solidFill>
-                <a:schemeClr val="tx1"/>
-              </a:solidFill>
-              <a:latin typeface="DX영화자막 M"/>
-              <a:ea typeface="DX영화자막 M"/>
-            </a:endParaRPr>
-          </a:p>
-        </p:txBody>
-      </p:sp>
+        </p:txBody>
+      </p:sp>
+      <p:pic>
+        <p:nvPicPr>
+          <p:cNvPr id="56" name=""/>
+          <p:cNvPicPr>
+            <a:picLocks noChangeAspect="1"/>
+          </p:cNvPicPr>
+          <p:nvPr/>
+        </p:nvPicPr>
+        <p:blipFill rotWithShape="1">
+          <a:blip r:embed="rId3"/>
+          <a:stretch>
+            <a:fillRect/>
+          </a:stretch>
+        </p:blipFill>
+        <p:spPr>
+          <a:xfrm>
+            <a:off x="4192731" y="1348359"/>
+            <a:ext cx="3806537" cy="5262224"/>
+          </a:xfrm>
+          <a:prstGeom prst="rect">
+            <a:avLst/>
+          </a:prstGeom>
+        </p:spPr>
+      </p:pic>
     </p:spTree>
   </p:cSld>
   <p:clrMapOvr>
@@ -7959,6 +8658,55 @@
           <a:chExt cx="0" cy="0"/>
         </a:xfrm>
       </p:grpSpPr>
+      <p:sp>
+        <p:nvSpPr>
+          <p:cNvPr id="22" name="TextBox 21"/>
+          <p:cNvSpPr txBox="1"/>
+          <p:nvPr/>
+        </p:nvSpPr>
+        <p:spPr>
+          <a:xfrm flipH="1">
+            <a:off x="5041092" y="342101"/>
+            <a:ext cx="2123658" cy="294169"/>
+          </a:xfrm>
+          <a:prstGeom prst="rect">
+            <a:avLst/>
+          </a:prstGeom>
+          <a:noFill/>
+        </p:spPr>
+        <p:txBody>
+          <a:bodyPr vert="horz" wrap="square">
+            <a:spAutoFit/>
+          </a:bodyPr>
+          <a:lstStyle/>
+          <a:p>
+            <a:pPr algn="dist">
+              <a:defRPr/>
+            </a:pPr>
+            <a:r>
+              <a:rPr lang="en-US" altLang="ko-KR" sz="1400">
+                <a:solidFill>
+                  <a:schemeClr val="tx1">
+                    <a:alpha val="71000"/>
+                  </a:schemeClr>
+                </a:solidFill>
+                <a:latin typeface="DX영화자막 M"/>
+                <a:ea typeface="DX영화자막 M"/>
+              </a:rPr>
+              <a:t>SLOW THINKING</a:t>
+            </a:r>
+            <a:endParaRPr lang="ko-KR" altLang="en-US" sz="1400">
+              <a:solidFill>
+                <a:schemeClr val="tx1">
+                  <a:alpha val="71000"/>
+                </a:schemeClr>
+              </a:solidFill>
+              <a:latin typeface="DX영화자막 M"/>
+              <a:ea typeface="DX영화자막 M"/>
+            </a:endParaRPr>
+          </a:p>
+        </p:txBody>
+      </p:sp>
       <p:grpSp>
         <p:nvGrpSpPr>
           <p:cNvPr id="4" name="그룹 3"/>
@@ -8116,98 +8864,14 @@
       </p:grpSp>
       <p:sp>
         <p:nvSpPr>
-          <p:cNvPr id="12" name="TextBox 11"/>
+          <p:cNvPr id="36" name="TextBox 35"/>
           <p:cNvSpPr txBox="1"/>
           <p:nvPr/>
         </p:nvSpPr>
         <p:spPr>
           <a:xfrm>
-            <a:off x="1310354" y="2950725"/>
-            <a:ext cx="9594574" cy="638295"/>
-          </a:xfrm>
-          <a:prstGeom prst="rect">
-            <a:avLst/>
-          </a:prstGeom>
-          <a:noFill/>
-        </p:spPr>
-        <p:txBody>
-          <a:bodyPr wrap="square">
-            <a:spAutoFit/>
-          </a:bodyPr>
-          <a:lstStyle/>
-          <a:p>
-            <a:pPr algn="ctr">
-              <a:lnSpc>
-                <a:spcPct val="150000"/>
-              </a:lnSpc>
-              <a:defRPr/>
-            </a:pPr>
-            <a:endParaRPr lang="ko-KR" altLang="en-US" sz="2400">
-              <a:latin typeface="DX영화자막 M"/>
-              <a:ea typeface="DX영화자막 M"/>
-            </a:endParaRPr>
-          </a:p>
-        </p:txBody>
-      </p:sp>
-      <p:sp>
-        <p:nvSpPr>
-          <p:cNvPr id="52" name="TextBox 51"/>
-          <p:cNvSpPr txBox="1"/>
-          <p:nvPr/>
-        </p:nvSpPr>
-        <p:spPr>
-          <a:xfrm flipH="1">
-            <a:off x="5041092" y="342101"/>
-            <a:ext cx="2123658" cy="294169"/>
-          </a:xfrm>
-          <a:prstGeom prst="rect">
-            <a:avLst/>
-          </a:prstGeom>
-          <a:noFill/>
-        </p:spPr>
-        <p:txBody>
-          <a:bodyPr vert="horz" wrap="square">
-            <a:spAutoFit/>
-          </a:bodyPr>
-          <a:lstStyle/>
-          <a:p>
-            <a:pPr algn="dist">
-              <a:defRPr/>
-            </a:pPr>
-            <a:r>
-              <a:rPr lang="en-US" altLang="ko-KR" sz="1400">
-                <a:solidFill>
-                  <a:schemeClr val="tx1">
-                    <a:alpha val="71000"/>
-                  </a:schemeClr>
-                </a:solidFill>
-                <a:latin typeface="DX영화자막 M"/>
-                <a:ea typeface="DX영화자막 M"/>
-              </a:rPr>
-              <a:t>SLOW THINKING</a:t>
-            </a:r>
-            <a:endParaRPr lang="ko-KR" altLang="en-US" sz="1400">
-              <a:solidFill>
-                <a:schemeClr val="tx1">
-                  <a:alpha val="71000"/>
-                </a:schemeClr>
-              </a:solidFill>
-              <a:latin typeface="DX영화자막 M"/>
-              <a:ea typeface="DX영화자막 M"/>
-            </a:endParaRPr>
-          </a:p>
-        </p:txBody>
-      </p:sp>
-      <p:sp>
-        <p:nvSpPr>
-          <p:cNvPr id="55" name="TextBox 54"/>
-          <p:cNvSpPr txBox="1"/>
-          <p:nvPr/>
-        </p:nvSpPr>
-        <p:spPr>
-          <a:xfrm>
-            <a:off x="5629302" y="713595"/>
-            <a:ext cx="1499547" cy="446550"/>
+            <a:off x="5067899" y="874360"/>
+            <a:ext cx="2056201" cy="450555"/>
           </a:xfrm>
           <a:prstGeom prst="rect">
             <a:avLst/>
@@ -8236,7 +8900,7 @@
                 <a:latin typeface="DX영화자막 M"/>
                 <a:ea typeface="DX영화자막 M"/>
               </a:rPr>
-              <a:t>사 례</a:t>
+              <a:t>      강 연</a:t>
             </a:r>
             <a:endParaRPr lang="ko-KR" altLang="en-US" sz="2400">
               <a:solidFill>
@@ -8252,7 +8916,7 @@
       </p:sp>
       <p:pic>
         <p:nvPicPr>
-          <p:cNvPr id="66" name=""/>
+          <p:cNvPr id="58" name=""/>
           <p:cNvPicPr>
             <a:picLocks noChangeAspect="1"/>
           </p:cNvPicPr>
@@ -8266,8 +8930,8 @@
         </p:blipFill>
         <p:spPr>
           <a:xfrm>
-            <a:off x="3113053" y="1380849"/>
-            <a:ext cx="5965893" cy="5240757"/>
+            <a:off x="1613681" y="1550125"/>
+            <a:ext cx="8964637" cy="5044242"/>
           </a:xfrm>
           <a:prstGeom prst="rect">
             <a:avLst/>
@@ -8477,63 +9141,14 @@
       </p:grpSp>
       <p:sp>
         <p:nvSpPr>
-          <p:cNvPr id="52" name="TextBox 51"/>
+          <p:cNvPr id="66" name="TextBox 65"/>
           <p:cNvSpPr txBox="1"/>
           <p:nvPr/>
         </p:nvSpPr>
         <p:spPr>
-          <a:xfrm flipH="1">
-            <a:off x="5041092" y="342101"/>
-            <a:ext cx="2123658" cy="294169"/>
-          </a:xfrm>
-          <a:prstGeom prst="rect">
-            <a:avLst/>
-          </a:prstGeom>
-          <a:noFill/>
-        </p:spPr>
-        <p:txBody>
-          <a:bodyPr vert="horz" wrap="square">
-            <a:spAutoFit/>
-          </a:bodyPr>
-          <a:lstStyle/>
-          <a:p>
-            <a:pPr algn="dist">
-              <a:defRPr/>
-            </a:pPr>
-            <a:r>
-              <a:rPr lang="en-US" altLang="ko-KR" sz="1400">
-                <a:solidFill>
-                  <a:schemeClr val="tx1">
-                    <a:alpha val="71000"/>
-                  </a:schemeClr>
-                </a:solidFill>
-                <a:latin typeface="DX영화자막 M"/>
-                <a:ea typeface="DX영화자막 M"/>
-              </a:rPr>
-              <a:t>SLOW THINKING</a:t>
-            </a:r>
-            <a:endParaRPr lang="ko-KR" altLang="en-US" sz="1400">
-              <a:solidFill>
-                <a:schemeClr val="tx1">
-                  <a:alpha val="71000"/>
-                </a:schemeClr>
-              </a:solidFill>
-              <a:latin typeface="DX영화자막 M"/>
-              <a:ea typeface="DX영화자막 M"/>
-            </a:endParaRPr>
-          </a:p>
-        </p:txBody>
-      </p:sp>
-      <p:sp>
-        <p:nvSpPr>
-          <p:cNvPr id="53" name="TextBox 52"/>
-          <p:cNvSpPr txBox="1"/>
-          <p:nvPr/>
-        </p:nvSpPr>
-        <p:spPr>
           <a:xfrm>
-            <a:off x="5629302" y="713595"/>
-            <a:ext cx="1499547" cy="446550"/>
+            <a:off x="5450798" y="671692"/>
+            <a:ext cx="1290404" cy="453198"/>
           </a:xfrm>
           <a:prstGeom prst="rect">
             <a:avLst/>
@@ -8562,9 +9177,9 @@
                 <a:latin typeface="DX영화자막 M"/>
                 <a:ea typeface="DX영화자막 M"/>
               </a:rPr>
-              <a:t>효 과</a:t>
-            </a:r>
-            <a:endParaRPr lang="ko-KR" altLang="en-US" sz="2400">
+              <a:t>책 소개 </a:t>
+            </a:r>
+            <a:endParaRPr lang="en-US" altLang="ko-KR" sz="2400">
               <a:solidFill>
                 <a:schemeClr val="tx1">
                   <a:alpha val="71000"/>
@@ -8578,7 +9193,7 @@
       </p:sp>
       <p:pic>
         <p:nvPicPr>
-          <p:cNvPr id="63" name=""/>
+          <p:cNvPr id="6" name="그림 5"/>
           <p:cNvPicPr>
             <a:picLocks noChangeAspect="1"/>
           </p:cNvPicPr>
@@ -8592,14 +9207,63 @@
         </p:blipFill>
         <p:spPr>
           <a:xfrm>
-            <a:off x="3104572" y="1392052"/>
-            <a:ext cx="5982854" cy="5255656"/>
+            <a:off x="4330058" y="1317810"/>
+            <a:ext cx="3531884" cy="5238889"/>
           </a:xfrm>
           <a:prstGeom prst="rect">
             <a:avLst/>
           </a:prstGeom>
         </p:spPr>
       </p:pic>
+      <p:sp>
+        <p:nvSpPr>
+          <p:cNvPr id="31" name="TextBox 30"/>
+          <p:cNvSpPr txBox="1"/>
+          <p:nvPr/>
+        </p:nvSpPr>
+        <p:spPr>
+          <a:xfrm flipH="1">
+            <a:off x="5041092" y="342101"/>
+            <a:ext cx="2123658" cy="294169"/>
+          </a:xfrm>
+          <a:prstGeom prst="rect">
+            <a:avLst/>
+          </a:prstGeom>
+          <a:noFill/>
+        </p:spPr>
+        <p:txBody>
+          <a:bodyPr vert="horz" wrap="square">
+            <a:spAutoFit/>
+          </a:bodyPr>
+          <a:lstStyle/>
+          <a:p>
+            <a:pPr algn="dist">
+              <a:defRPr/>
+            </a:pPr>
+            <a:r>
+              <a:rPr lang="en-US" altLang="ko-KR" sz="1400">
+                <a:solidFill>
+                  <a:schemeClr val="tx1">
+                    <a:alpha val="71000"/>
+                  </a:schemeClr>
+                </a:solidFill>
+                <a:latin typeface="DX영화자막 M"/>
+                <a:ea typeface="DX영화자막 M"/>
+              </a:rPr>
+              <a:t>SLOW THINKING</a:t>
+            </a:r>
+            <a:endParaRPr lang="ko-KR" altLang="en-US" sz="1400">
+              <a:solidFill>
+                <a:schemeClr val="tx1">
+                  <a:alpha val="71000"/>
+                </a:schemeClr>
+              </a:solidFill>
+              <a:latin typeface="DX영화자막 M"/>
+              <a:ea typeface="DX영화자막 M"/>
+            </a:endParaRPr>
+          </a:p>
+        </p:txBody>
+      </p:sp>
     </p:spTree>
   </p:cSld>
   <p:clrMapOvr>
@@ -8619,19 +9283,6 @@
 <file path=ppt/slides/slide8.xml><?xml version="1.0" encoding="utf-8"?>
 <p:sld xmlns:r="http://schemas.openxmlformats.org/officeDocument/2006/relationships" xmlns:c="http://schemas.openxmlformats.org/drawingml/2006/chart" xmlns:a="http://schemas.openxmlformats.org/drawingml/2006/main" xmlns:dgm="http://schemas.openxmlformats.org/drawingml/2006/diagram" xmlns:dsp="http://schemas.microsoft.com/office/drawing/2008/diagram" xmlns:p="http://schemas.openxmlformats.org/presentationml/2006/main">
   <p:cSld>
-    <p:bg>
-      <p:bgPr shadeToTitle="0">
-        <a:blipFill dpi="0" rotWithShape="1">
-          <a:blip r:embed="rId2">
-            <a:lum/>
-          </a:blip>
-          <a:srcRect/>
-          <a:stretch>
-            <a:fillRect t="-17000" b="-17000"/>
-          </a:stretch>
-        </a:blipFill>
-      </p:bgPr>
-    </p:bg>
     <p:spTree>
       <p:nvGrpSpPr>
         <p:cNvPr id="1" name=""/>
@@ -8646,6 +9297,55 @@
           <a:chExt cx="0" cy="0"/>
         </a:xfrm>
       </p:grpSpPr>
+      <p:sp>
+        <p:nvSpPr>
+          <p:cNvPr id="22" name="TextBox 21"/>
+          <p:cNvSpPr txBox="1"/>
+          <p:nvPr/>
+        </p:nvSpPr>
+        <p:spPr>
+          <a:xfrm flipH="1">
+            <a:off x="5041092" y="342101"/>
+            <a:ext cx="2123658" cy="294169"/>
+          </a:xfrm>
+          <a:prstGeom prst="rect">
+            <a:avLst/>
+          </a:prstGeom>
+          <a:noFill/>
+        </p:spPr>
+        <p:txBody>
+          <a:bodyPr vert="horz" wrap="square">
+            <a:spAutoFit/>
+          </a:bodyPr>
+          <a:lstStyle/>
+          <a:p>
+            <a:pPr algn="dist">
+              <a:defRPr/>
+            </a:pPr>
+            <a:r>
+              <a:rPr lang="en-US" altLang="ko-KR" sz="1400">
+                <a:solidFill>
+                  <a:schemeClr val="tx1">
+                    <a:alpha val="71000"/>
+                  </a:schemeClr>
+                </a:solidFill>
+                <a:latin typeface="DX영화자막 M"/>
+                <a:ea typeface="DX영화자막 M"/>
+              </a:rPr>
+              <a:t>SLOW THINKING</a:t>
+            </a:r>
+            <a:endParaRPr lang="ko-KR" altLang="en-US" sz="1400">
+              <a:solidFill>
+                <a:schemeClr val="tx1">
+                  <a:alpha val="71000"/>
+                </a:schemeClr>
+              </a:solidFill>
+              <a:latin typeface="DX영화자막 M"/>
+              <a:ea typeface="DX영화자막 M"/>
+            </a:endParaRPr>
+          </a:p>
+        </p:txBody>
+      </p:sp>
       <p:grpSp>
         <p:nvGrpSpPr>
           <p:cNvPr id="4" name="그룹 3"/>
@@ -8803,40 +9503,67 @@
       </p:grpSp>
       <p:sp>
         <p:nvSpPr>
-          <p:cNvPr id="6" name="별: 꼭짓점 5개 5"/>
+          <p:cNvPr id="2" name="TextBox 1"/>
+          <p:cNvSpPr txBox="1"/>
+          <p:nvPr/>
+        </p:nvSpPr>
+        <p:spPr>
+          <a:xfrm>
+            <a:off x="1268142" y="1611934"/>
+            <a:ext cx="6189707" cy="646331"/>
+          </a:xfrm>
+          <a:prstGeom prst="rect">
+            <a:avLst/>
+          </a:prstGeom>
+          <a:noFill/>
+        </p:spPr>
+        <p:txBody>
+          <a:bodyPr wrap="square">
+            <a:spAutoFit/>
+          </a:bodyPr>
+          <a:lstStyle/>
+          <a:p>
+            <a:pPr lvl="0">
+              <a:defRPr/>
+            </a:pPr>
+            <a:r>
+              <a:rPr lang="ko-KR" altLang="en-US" sz="3600">
+                <a:latin typeface="DX영화자막 M"/>
+                <a:ea typeface="DX영화자막 M"/>
+              </a:rPr>
+              <a:t>홍논문</a:t>
+            </a:r>
+            <a:endParaRPr lang="en-US" altLang="ko-KR" sz="3600">
+              <a:latin typeface="DX영화자막 M"/>
+              <a:ea typeface="DX영화자막 M"/>
+            </a:endParaRPr>
+          </a:p>
+        </p:txBody>
+      </p:sp>
+      <p:sp>
+        <p:nvSpPr>
+          <p:cNvPr id="5" name="직사각형 4"/>
           <p:cNvSpPr/>
           <p:nvPr/>
         </p:nvSpPr>
         <p:spPr>
           <a:xfrm>
-            <a:off x="2649731" y="2311829"/>
-            <a:ext cx="1230890" cy="1230890"/>
+            <a:off x="1431961" y="2449168"/>
+            <a:ext cx="885524" cy="487788"/>
           </a:xfrm>
           <a:custGeom>
             <a:avLst/>
             <a:gdLst>
-              <a:gd name="connsiteX0" fmla="*/ 1 w 1230890"/>
-              <a:gd name="connsiteY0" fmla="*/ 470157 h 1230890"/>
-              <a:gd name="connsiteX1" fmla="*/ 470161 w 1230890"/>
-              <a:gd name="connsiteY1" fmla="*/ 470160 h 1230890"/>
-              <a:gd name="connsiteX2" fmla="*/ 615445 w 1230890"/>
-              <a:gd name="connsiteY2" fmla="*/ 0 h 1230890"/>
-              <a:gd name="connsiteX3" fmla="*/ 760729 w 1230890"/>
-              <a:gd name="connsiteY3" fmla="*/ 470160 h 1230890"/>
-              <a:gd name="connsiteX4" fmla="*/ 1230889 w 1230890"/>
-              <a:gd name="connsiteY4" fmla="*/ 470157 h 1230890"/>
-              <a:gd name="connsiteX5" fmla="*/ 850520 w 1230890"/>
-              <a:gd name="connsiteY5" fmla="*/ 760729 h 1230890"/>
-              <a:gd name="connsiteX6" fmla="*/ 995810 w 1230890"/>
-              <a:gd name="connsiteY6" fmla="*/ 1230887 h 1230890"/>
-              <a:gd name="connsiteX7" fmla="*/ 615445 w 1230890"/>
-              <a:gd name="connsiteY7" fmla="*/ 940310 h 1230890"/>
-              <a:gd name="connsiteX8" fmla="*/ 235080 w 1230890"/>
-              <a:gd name="connsiteY8" fmla="*/ 1230887 h 1230890"/>
-              <a:gd name="connsiteX9" fmla="*/ 380370 w 1230890"/>
-              <a:gd name="connsiteY9" fmla="*/ 760729 h 1230890"/>
-              <a:gd name="connsiteX10" fmla="*/ 1 w 1230890"/>
-              <a:gd name="connsiteY10" fmla="*/ 470157 h 1230890"/>
+              <a:gd name="connsiteX0" fmla="*/ 0 w 885524"/>
+              <a:gd name="connsiteY0" fmla="*/ 0 h 487788"/>
+              <a:gd name="connsiteX1" fmla="*/ 885524 w 885524"/>
+              <a:gd name="connsiteY1" fmla="*/ 0 h 487788"/>
+              <a:gd name="connsiteX2" fmla="*/ 885524 w 885524"/>
+              <a:gd name="connsiteY2" fmla="*/ 487788 h 487788"/>
+              <a:gd name="connsiteX3" fmla="*/ 0 w 885524"/>
+              <a:gd name="connsiteY3" fmla="*/ 487788 h 487788"/>
+              <a:gd name="connsiteX4" fmla="*/ 0 w 885524"/>
+              <a:gd name="connsiteY4" fmla="*/ 0 h 487788"/>
             </a:gdLst>
             <a:cxnLst>
               <a:cxn ang="0">
@@ -8853,147 +9580,202 @@
               </a:cxn>
               <a:cxn ang="0">
                 <a:pos x="connsiteX4" y="connsiteY4"/>
-              </a:cxn>
-              <a:cxn ang="0">
-                <a:pos x="connsiteX5" y="connsiteY5"/>
-              </a:cxn>
-              <a:cxn ang="0">
-                <a:pos x="connsiteX6" y="connsiteY6"/>
-              </a:cxn>
-              <a:cxn ang="0">
-                <a:pos x="connsiteX7" y="connsiteY7"/>
-              </a:cxn>
-              <a:cxn ang="0">
-                <a:pos x="connsiteX8" y="connsiteY8"/>
-              </a:cxn>
-              <a:cxn ang="0">
-                <a:pos x="connsiteX9" y="connsiteY9"/>
-              </a:cxn>
-              <a:cxn ang="0">
-                <a:pos x="connsiteX10" y="connsiteY10"/>
               </a:cxn>
             </a:cxnLst>
             <a:rect l="l" t="t" r="r" b="b"/>
             <a:pathLst>
-              <a:path w="1230890" h="1230890" fill="none" extrusionOk="0">
+              <a:path w="885524" h="487788" extrusionOk="0">
                 <a:moveTo>
-                  <a:pt x="1" y="470157"/>
+                  <a:pt x="0" y="0"/>
                 </a:moveTo>
                 <a:cubicBezTo>
-                  <a:pt x="62045" y="431715"/>
-                  <a:pt x="418737" y="476414"/>
-                  <a:pt x="470161" y="470160"/>
-                </a:cubicBezTo>
-                <a:cubicBezTo>
-                  <a:pt x="555303" y="255256"/>
-                  <a:pt x="557614" y="201808"/>
-                  <a:pt x="615445" y="0"/>
-                </a:cubicBezTo>
-                <a:cubicBezTo>
-                  <a:pt x="643281" y="54737"/>
-                  <a:pt x="701875" y="289644"/>
-                  <a:pt x="760729" y="470160"/>
-                </a:cubicBezTo>
-                <a:cubicBezTo>
-                  <a:pt x="911619" y="474694"/>
-                  <a:pt x="998425" y="444636"/>
-                  <a:pt x="1230889" y="470157"/>
-                </a:cubicBezTo>
-                <a:cubicBezTo>
-                  <a:pt x="1074688" y="559898"/>
-                  <a:pt x="976153" y="681499"/>
-                  <a:pt x="850520" y="760729"/>
-                </a:cubicBezTo>
-                <a:cubicBezTo>
-                  <a:pt x="911470" y="832050"/>
-                  <a:pt x="985980" y="1060852"/>
-                  <a:pt x="995810" y="1230887"/>
-                </a:cubicBezTo>
-                <a:cubicBezTo>
-                  <a:pt x="926340" y="1139406"/>
-                  <a:pt x="661291" y="967915"/>
-                  <a:pt x="615445" y="940310"/>
-                </a:cubicBezTo>
-                <a:cubicBezTo>
-                  <a:pt x="559388" y="1014130"/>
-                  <a:pt x="303251" y="1163077"/>
-                  <a:pt x="235080" y="1230887"/>
-                </a:cubicBezTo>
-                <a:cubicBezTo>
-                  <a:pt x="310778" y="1031663"/>
-                  <a:pt x="307163" y="914246"/>
-                  <a:pt x="380370" y="760729"/>
-                </a:cubicBezTo>
-                <a:cubicBezTo>
-                  <a:pt x="244606" y="685045"/>
-                  <a:pt x="23818" y="537421"/>
-                  <a:pt x="1" y="470157"/>
+                  <a:pt x="147585" y="73323"/>
+                  <a:pt x="474504" y="43906"/>
+                  <a:pt x="885524" y="0"/>
+                </a:cubicBezTo>
+                <a:cubicBezTo>
+                  <a:pt x="866863" y="85762"/>
+                  <a:pt x="848666" y="279246"/>
+                  <a:pt x="885524" y="487788"/>
+                </a:cubicBezTo>
+                <a:cubicBezTo>
+                  <a:pt x="603390" y="566340"/>
+                  <a:pt x="377373" y="441160"/>
+                  <a:pt x="0" y="487788"/>
+                </a:cubicBezTo>
+                <a:cubicBezTo>
+                  <a:pt x="14357" y="340894"/>
+                  <a:pt x="31857" y="149382"/>
+                  <a:pt x="0" y="0"/>
                 </a:cubicBezTo>
                 <a:close/>
               </a:path>
-              <a:path w="1230890" h="1230890" stroke="0" extrusionOk="0">
+            </a:pathLst>
+          </a:custGeom>
+          <a:noFill/>
+          <a:ln>
+            <a:solidFill>
+              <a:srgbClr val="9a8b85"/>
+            </a:solidFill>
+          </a:ln>
+        </p:spPr>
+        <p:style>
+          <a:lnRef idx="2">
+            <a:schemeClr val="accent1">
+              <a:shade val="50000"/>
+            </a:schemeClr>
+          </a:lnRef>
+          <a:fillRef idx="1">
+            <a:schemeClr val="accent1"/>
+          </a:fillRef>
+          <a:effectRef idx="0">
+            <a:schemeClr val="accent1"/>
+          </a:effectRef>
+          <a:fontRef idx="minor">
+            <a:schemeClr val="lt1"/>
+          </a:fontRef>
+        </p:style>
+        <p:txBody>
+          <a:bodyPr anchor="ctr"/>
+          <a:lstStyle/>
+          <a:p>
+            <a:pPr algn="ctr">
+              <a:defRPr/>
+            </a:pPr>
+            <a:endParaRPr lang="ko-KR" altLang="en-US"/>
+          </a:p>
+        </p:txBody>
+      </p:sp>
+      <p:sp>
+        <p:nvSpPr>
+          <p:cNvPr id="24" name="직사각형 23"/>
+          <p:cNvSpPr/>
+          <p:nvPr/>
+        </p:nvSpPr>
+        <p:spPr>
+          <a:xfrm>
+            <a:off x="1410413" y="2487669"/>
+            <a:ext cx="885524" cy="487788"/>
+          </a:xfrm>
+          <a:custGeom>
+            <a:avLst/>
+            <a:gdLst>
+              <a:gd name="connsiteX0" fmla="*/ 0 w 885524"/>
+              <a:gd name="connsiteY0" fmla="*/ 0 h 487788"/>
+              <a:gd name="connsiteX1" fmla="*/ 442762 w 885524"/>
+              <a:gd name="connsiteY1" fmla="*/ 0 h 487788"/>
+              <a:gd name="connsiteX2" fmla="*/ 885524 w 885524"/>
+              <a:gd name="connsiteY2" fmla="*/ 0 h 487788"/>
+              <a:gd name="connsiteX3" fmla="*/ 885524 w 885524"/>
+              <a:gd name="connsiteY3" fmla="*/ 487788 h 487788"/>
+              <a:gd name="connsiteX4" fmla="*/ 425052 w 885524"/>
+              <a:gd name="connsiteY4" fmla="*/ 487788 h 487788"/>
+              <a:gd name="connsiteX5" fmla="*/ 0 w 885524"/>
+              <a:gd name="connsiteY5" fmla="*/ 487788 h 487788"/>
+              <a:gd name="connsiteX6" fmla="*/ 0 w 885524"/>
+              <a:gd name="connsiteY6" fmla="*/ 0 h 487788"/>
+            </a:gdLst>
+            <a:cxnLst>
+              <a:cxn ang="0">
+                <a:pos x="connsiteX0" y="connsiteY0"/>
+              </a:cxn>
+              <a:cxn ang="0">
+                <a:pos x="connsiteX1" y="connsiteY1"/>
+              </a:cxn>
+              <a:cxn ang="0">
+                <a:pos x="connsiteX2" y="connsiteY2"/>
+              </a:cxn>
+              <a:cxn ang="0">
+                <a:pos x="connsiteX3" y="connsiteY3"/>
+              </a:cxn>
+              <a:cxn ang="0">
+                <a:pos x="connsiteX4" y="connsiteY4"/>
+              </a:cxn>
+              <a:cxn ang="0">
+                <a:pos x="connsiteX5" y="connsiteY5"/>
+              </a:cxn>
+              <a:cxn ang="0">
+                <a:pos x="connsiteX6" y="connsiteY6"/>
+              </a:cxn>
+            </a:cxnLst>
+            <a:rect l="l" t="t" r="r" b="b"/>
+            <a:pathLst>
+              <a:path w="885524" h="487788" fill="none" extrusionOk="0">
                 <a:moveTo>
-                  <a:pt x="1" y="470157"/>
+                  <a:pt x="0" y="0"/>
                 </a:moveTo>
                 <a:cubicBezTo>
-                  <a:pt x="73081" y="458614"/>
-                  <a:pt x="291136" y="504584"/>
-                  <a:pt x="470161" y="470160"/>
-                </a:cubicBezTo>
-                <a:cubicBezTo>
-                  <a:pt x="538194" y="358141"/>
-                  <a:pt x="563341" y="64620"/>
-                  <a:pt x="615445" y="0"/>
-                </a:cubicBezTo>
-                <a:cubicBezTo>
-                  <a:pt x="640133" y="71347"/>
-                  <a:pt x="666876" y="245704"/>
-                  <a:pt x="760729" y="470160"/>
-                </a:cubicBezTo>
-                <a:cubicBezTo>
-                  <a:pt x="933453" y="444551"/>
-                  <a:pt x="1045680" y="510482"/>
-                  <a:pt x="1230889" y="470157"/>
-                </a:cubicBezTo>
-                <a:cubicBezTo>
-                  <a:pt x="1093586" y="571503"/>
-                  <a:pt x="984634" y="683784"/>
-                  <a:pt x="850520" y="760729"/>
-                </a:cubicBezTo>
-                <a:cubicBezTo>
-                  <a:pt x="936956" y="929277"/>
-                  <a:pt x="949966" y="1067070"/>
-                  <a:pt x="995810" y="1230887"/>
-                </a:cubicBezTo>
-                <a:cubicBezTo>
-                  <a:pt x="914004" y="1178870"/>
-                  <a:pt x="786340" y="1059692"/>
-                  <a:pt x="615445" y="940310"/>
-                </a:cubicBezTo>
-                <a:cubicBezTo>
-                  <a:pt x="500923" y="1061078"/>
-                  <a:pt x="330669" y="1124548"/>
-                  <a:pt x="235080" y="1230887"/>
-                </a:cubicBezTo>
-                <a:cubicBezTo>
-                  <a:pt x="287761" y="1152149"/>
-                  <a:pt x="338978" y="965975"/>
-                  <a:pt x="380370" y="760729"/>
-                </a:cubicBezTo>
-                <a:cubicBezTo>
-                  <a:pt x="265706" y="677559"/>
-                  <a:pt x="186398" y="560795"/>
-                  <a:pt x="1" y="470157"/>
+                  <a:pt x="189876" y="-27532"/>
+                  <a:pt x="326699" y="51795"/>
+                  <a:pt x="442762" y="0"/>
+                </a:cubicBezTo>
+                <a:cubicBezTo>
+                  <a:pt x="558825" y="-51795"/>
+                  <a:pt x="711044" y="33536"/>
+                  <a:pt x="885524" y="0"/>
+                </a:cubicBezTo>
+                <a:cubicBezTo>
+                  <a:pt x="936190" y="142469"/>
+                  <a:pt x="840840" y="332089"/>
+                  <a:pt x="885524" y="487788"/>
+                </a:cubicBezTo>
+                <a:cubicBezTo>
+                  <a:pt x="725718" y="528142"/>
+                  <a:pt x="590941" y="462966"/>
+                  <a:pt x="425052" y="487788"/>
+                </a:cubicBezTo>
+                <a:cubicBezTo>
+                  <a:pt x="259163" y="512610"/>
+                  <a:pt x="96867" y="465139"/>
+                  <a:pt x="0" y="487788"/>
+                </a:cubicBezTo>
+                <a:cubicBezTo>
+                  <a:pt x="-48569" y="321016"/>
+                  <a:pt x="48220" y="217248"/>
+                  <a:pt x="0" y="0"/>
+                </a:cubicBezTo>
+                <a:close/>
+              </a:path>
+              <a:path w="885524" h="487788" stroke="0" extrusionOk="0">
+                <a:moveTo>
+                  <a:pt x="0" y="0"/>
+                </a:moveTo>
+                <a:cubicBezTo>
+                  <a:pt x="122179" y="-35847"/>
+                  <a:pt x="263364" y="18882"/>
+                  <a:pt x="442762" y="0"/>
+                </a:cubicBezTo>
+                <a:cubicBezTo>
+                  <a:pt x="622160" y="-18882"/>
+                  <a:pt x="685164" y="38820"/>
+                  <a:pt x="885524" y="0"/>
+                </a:cubicBezTo>
+                <a:cubicBezTo>
+                  <a:pt x="938868" y="105536"/>
+                  <a:pt x="839505" y="276099"/>
+                  <a:pt x="885524" y="487788"/>
+                </a:cubicBezTo>
+                <a:cubicBezTo>
+                  <a:pt x="734272" y="498127"/>
+                  <a:pt x="572546" y="440618"/>
+                  <a:pt x="469328" y="487788"/>
+                </a:cubicBezTo>
+                <a:cubicBezTo>
+                  <a:pt x="366110" y="534958"/>
+                  <a:pt x="174657" y="465725"/>
+                  <a:pt x="0" y="487788"/>
+                </a:cubicBezTo>
+                <a:cubicBezTo>
+                  <a:pt x="-13226" y="342024"/>
+                  <a:pt x="54406" y="214492"/>
+                  <a:pt x="0" y="0"/>
                 </a:cubicBezTo>
                 <a:close/>
               </a:path>
             </a:pathLst>
           </a:custGeom>
           <a:solidFill>
-            <a:schemeClr val="accent4">
-              <a:lumMod val="60000"/>
-              <a:lumOff val="40000"/>
-            </a:schemeClr>
+            <a:srgbClr val="d1c9c1"/>
           </a:solidFill>
           <a:ln>
             <a:solidFill>
@@ -9024,46 +9806,856 @@
             <a:pPr algn="ctr">
               <a:defRPr/>
             </a:pPr>
-            <a:endParaRPr lang="ko-KR" altLang="en-US"/>
-          </a:p>
-        </p:txBody>
-      </p:sp>
-      <p:sp>
-        <p:nvSpPr>
-          <p:cNvPr id="48" name="별: 꼭짓점 5개 47"/>
+            <a:endParaRPr lang="ko-KR" altLang="en-US">
+              <a:solidFill>
+                <a:sysClr val="windowText" lastClr="000000"/>
+              </a:solidFill>
+            </a:endParaRPr>
+          </a:p>
+        </p:txBody>
+      </p:sp>
+      <p:sp>
+        <p:nvSpPr>
+          <p:cNvPr id="6" name="TextBox 5"/>
+          <p:cNvSpPr txBox="1"/>
+          <p:nvPr/>
+        </p:nvSpPr>
+        <p:spPr>
+          <a:xfrm>
+            <a:off x="1477790" y="2555388"/>
+            <a:ext cx="750769" cy="369332"/>
+          </a:xfrm>
+          <a:prstGeom prst="rect">
+            <a:avLst/>
+          </a:prstGeom>
+          <a:noFill/>
+        </p:spPr>
+        <p:txBody>
+          <a:bodyPr wrap="square">
+            <a:spAutoFit/>
+          </a:bodyPr>
+          <a:lstStyle/>
+          <a:p>
+            <a:pPr algn="ctr">
+              <a:defRPr/>
+            </a:pPr>
+            <a:r>
+              <a:rPr lang="ko-KR" altLang="en-US" b="1">
+                <a:solidFill>
+                  <a:sysClr val="windowText" lastClr="000000"/>
+                </a:solidFill>
+                <a:latin typeface="DX영화자막 M"/>
+                <a:ea typeface="DX영화자막 M"/>
+              </a:rPr>
+              <a:t>소 개</a:t>
+            </a:r>
+            <a:endParaRPr lang="ko-KR" altLang="en-US" b="1">
+              <a:solidFill>
+                <a:sysClr val="windowText" lastClr="000000"/>
+              </a:solidFill>
+              <a:latin typeface="DX영화자막 M"/>
+              <a:ea typeface="DX영화자막 M"/>
+            </a:endParaRPr>
+          </a:p>
+        </p:txBody>
+      </p:sp>
+      <p:sp>
+        <p:nvSpPr>
+          <p:cNvPr id="7" name="직사각형 6"/>
           <p:cNvSpPr/>
           <p:nvPr/>
         </p:nvSpPr>
         <p:spPr>
           <a:xfrm>
-            <a:off x="4065143" y="2311829"/>
-            <a:ext cx="1230890" cy="1230890"/>
+            <a:off x="1268142" y="3189505"/>
+            <a:ext cx="6096000" cy="743280"/>
+          </a:xfrm>
+          <a:prstGeom prst="rect">
+            <a:avLst/>
+          </a:prstGeom>
+        </p:spPr>
+        <p:txBody>
+          <a:bodyPr>
+            <a:spAutoFit/>
+          </a:bodyPr>
+          <a:lstStyle/>
+          <a:p>
+            <a:pPr>
+              <a:lnSpc>
+                <a:spcPct val="120000"/>
+              </a:lnSpc>
+              <a:defRPr/>
+            </a:pPr>
+            <a:r>
+              <a:rPr lang="ko-KR" altLang="en-US">
+                <a:latin typeface="DX영화자막 M"/>
+                <a:ea typeface="DX영화자막 M"/>
+              </a:rPr>
+              <a:t>진지하지만 심각하지 않은 사람</a:t>
+            </a:r>
+            <a:r>
+              <a:rPr lang="en-US" altLang="ko-KR">
+                <a:latin typeface="DX영화자막 M"/>
+                <a:ea typeface="DX영화자막 M"/>
+              </a:rPr>
+              <a:t>. </a:t>
+            </a:r>
+            <a:r>
+              <a:rPr lang="ko-KR" altLang="en-US">
+                <a:latin typeface="DX영화자막 M"/>
+                <a:ea typeface="DX영화자막 M"/>
+              </a:rPr>
+              <a:t>밝지만 가볍지 않은 사람</a:t>
+            </a:r>
+            <a:r>
+              <a:rPr lang="en-US" altLang="ko-KR">
+                <a:latin typeface="DX영화자막 M"/>
+                <a:ea typeface="DX영화자막 M"/>
+              </a:rPr>
+              <a:t>.</a:t>
+            </a:r>
+            <a:endParaRPr lang="en-US" altLang="ko-KR">
+              <a:latin typeface="DX영화자막 M"/>
+              <a:ea typeface="DX영화자막 M"/>
+            </a:endParaRPr>
+          </a:p>
+          <a:p>
+            <a:pPr>
+              <a:lnSpc>
+                <a:spcPct val="120000"/>
+              </a:lnSpc>
+              <a:defRPr/>
+            </a:pPr>
+            <a:r>
+              <a:rPr lang="ko-KR" altLang="en-US">
+                <a:latin typeface="DX영화자막 M"/>
+                <a:ea typeface="DX영화자막 M"/>
+              </a:rPr>
+              <a:t>일러스트레이더 겸 글쟁이이자</a:t>
+            </a:r>
+            <a:r>
+              <a:rPr lang="en-US" altLang="ko-KR">
+                <a:latin typeface="DX영화자막 M"/>
+                <a:ea typeface="DX영화자막 M"/>
+              </a:rPr>
+              <a:t> </a:t>
+            </a:r>
+            <a:r>
+              <a:rPr lang="ko-KR" altLang="en-US">
+                <a:latin typeface="DX영화자막 M"/>
+                <a:ea typeface="DX영화자막 M"/>
+              </a:rPr>
+              <a:t>괜찮은 그래픽 디자이너</a:t>
+            </a:r>
+            <a:r>
+              <a:rPr lang="en-US" altLang="ko-KR">
+                <a:latin typeface="DX영화자막 M"/>
+                <a:ea typeface="DX영화자막 M"/>
+              </a:rPr>
+              <a:t>.</a:t>
+            </a:r>
+            <a:endParaRPr lang="en-US" altLang="ko-KR">
+              <a:latin typeface="DX영화자막 M"/>
+              <a:ea typeface="DX영화자막 M"/>
+            </a:endParaRPr>
+          </a:p>
+        </p:txBody>
+      </p:sp>
+      <p:sp>
+        <p:nvSpPr>
+          <p:cNvPr id="31" name="TextBox 30"/>
+          <p:cNvSpPr txBox="1"/>
+          <p:nvPr/>
+        </p:nvSpPr>
+        <p:spPr>
+          <a:xfrm>
+            <a:off x="8560905" y="6493565"/>
+            <a:ext cx="3578087" cy="295855"/>
+          </a:xfrm>
+          <a:prstGeom prst="rect">
+            <a:avLst/>
+          </a:prstGeom>
+          <a:noFill/>
+        </p:spPr>
+        <p:txBody>
+          <a:bodyPr wrap="square">
+            <a:spAutoFit/>
+          </a:bodyPr>
+          <a:lstStyle/>
+          <a:p>
+            <a:pPr algn="r">
+              <a:defRPr/>
+            </a:pPr>
+            <a:r>
+              <a:rPr lang="ko-KR" altLang="en-US" sz="1400">
+                <a:latin typeface="210 스탠다드 030"/>
+                <a:ea typeface="210 스탠다드 030"/>
+              </a:rPr>
+              <a:t>출처 어반브러시 </a:t>
+            </a:r>
+            <a:r>
+              <a:rPr lang="en-US" altLang="ko-KR" sz="1400">
+                <a:latin typeface="210 스탠다드 030"/>
+                <a:ea typeface="210 스탠다드 030"/>
+              </a:rPr>
+              <a:t>Tommy</a:t>
+            </a:r>
+            <a:endParaRPr lang="ko-KR" altLang="en-US" sz="1400">
+              <a:latin typeface="210 스탠다드 030"/>
+              <a:ea typeface="210 스탠다드 030"/>
+            </a:endParaRPr>
+          </a:p>
+        </p:txBody>
+      </p:sp>
+      <p:pic>
+        <p:nvPicPr>
+          <p:cNvPr id="10" name="그림 9"/>
+          <p:cNvPicPr>
+            <a:picLocks noChangeAspect="1"/>
+          </p:cNvPicPr>
+          <p:nvPr/>
+        </p:nvPicPr>
+        <p:blipFill rotWithShape="1">
+          <a:blip r:embed="rId2">
+            <a:duotone>
+              <a:schemeClr val="accent3">
+                <a:shade val="45000"/>
+                <a:satMod val="135000"/>
+              </a:schemeClr>
+              <a:prstClr val="white"/>
+            </a:duotone>
+          </a:blip>
+          <a:srcRect l="9830" t="7110" r="34880" b="17640"/>
+          <a:stretch>
+            <a:fillRect/>
+          </a:stretch>
+        </p:blipFill>
+        <p:spPr>
+          <a:xfrm flipH="1">
+            <a:off x="8524889" y="972028"/>
+            <a:ext cx="3578088" cy="5160176"/>
+          </a:xfrm>
+          <a:prstGeom prst="rect">
+            <a:avLst/>
+          </a:prstGeom>
+        </p:spPr>
+      </p:pic>
+      <p:sp>
+        <p:nvSpPr>
+          <p:cNvPr id="36" name="TextBox 35"/>
+          <p:cNvSpPr txBox="1"/>
+          <p:nvPr/>
+        </p:nvSpPr>
+        <p:spPr>
+          <a:xfrm>
+            <a:off x="5353147" y="732599"/>
+            <a:ext cx="1499547" cy="446596"/>
+          </a:xfrm>
+          <a:prstGeom prst="rect">
+            <a:avLst/>
+          </a:prstGeom>
+          <a:noFill/>
+          <a:ln w="9525">
+            <a:noFill/>
+          </a:ln>
+        </p:spPr>
+        <p:txBody>
+          <a:bodyPr wrap="square">
+            <a:spAutoFit/>
+          </a:bodyPr>
+          <a:lstStyle/>
+          <a:p>
+            <a:pPr lvl="0">
+              <a:defRPr/>
+            </a:pPr>
+            <a:r>
+              <a:rPr lang="ko-KR" altLang="en-US" sz="2400">
+                <a:solidFill>
+                  <a:schemeClr val="tx1">
+                    <a:alpha val="71000"/>
+                  </a:schemeClr>
+                </a:solidFill>
+                <a:latin typeface="DX영화자막 M"/>
+                <a:ea typeface="DX영화자막 M"/>
+              </a:rPr>
+              <a:t>작가소개</a:t>
+            </a:r>
+            <a:endParaRPr lang="ko-KR" altLang="en-US" sz="2400">
+              <a:solidFill>
+                <a:schemeClr val="tx1">
+                  <a:alpha val="71000"/>
+                </a:schemeClr>
+              </a:solidFill>
+              <a:latin typeface="DX영화자막 M"/>
+              <a:ea typeface="DX영화자막 M"/>
+            </a:endParaRPr>
+          </a:p>
+        </p:txBody>
+      </p:sp>
+      <p:pic>
+        <p:nvPicPr>
+          <p:cNvPr id="8" name="그림 7"/>
+          <p:cNvPicPr>
+            <a:picLocks noChangeAspect="1"/>
+          </p:cNvPicPr>
+          <p:nvPr/>
+        </p:nvPicPr>
+        <p:blipFill rotWithShape="1">
+          <a:blip r:embed="rId3"/>
+          <a:stretch>
+            <a:fillRect/>
+          </a:stretch>
+        </p:blipFill>
+        <p:spPr>
+          <a:xfrm>
+            <a:off x="0" y="-1"/>
+            <a:ext cx="12192000" cy="9134475"/>
+          </a:xfrm>
+          <a:prstGeom prst="rect">
+            <a:avLst/>
+          </a:prstGeom>
+        </p:spPr>
+      </p:pic>
+      <p:sp>
+        <p:nvSpPr>
+          <p:cNvPr id="17" name="TextBox 16"/>
+          <p:cNvSpPr txBox="1"/>
+          <p:nvPr/>
+        </p:nvSpPr>
+        <p:spPr>
+          <a:xfrm flipH="1">
+            <a:off x="5041092" y="342101"/>
+            <a:ext cx="2123658" cy="294169"/>
+          </a:xfrm>
+          <a:prstGeom prst="rect">
+            <a:avLst/>
+          </a:prstGeom>
+          <a:noFill/>
+        </p:spPr>
+        <p:txBody>
+          <a:bodyPr vert="horz" wrap="square">
+            <a:spAutoFit/>
+          </a:bodyPr>
+          <a:lstStyle/>
+          <a:p>
+            <a:pPr algn="dist">
+              <a:defRPr/>
+            </a:pPr>
+            <a:r>
+              <a:rPr lang="en-US" altLang="ko-KR" sz="1400">
+                <a:solidFill>
+                  <a:schemeClr val="tx1">
+                    <a:alpha val="71000"/>
+                  </a:schemeClr>
+                </a:solidFill>
+                <a:latin typeface="DX영화자막 M"/>
+                <a:ea typeface="DX영화자막 M"/>
+              </a:rPr>
+              <a:t>SLOW THINKING</a:t>
+            </a:r>
+            <a:endParaRPr lang="ko-KR" altLang="en-US" sz="1400">
+              <a:solidFill>
+                <a:schemeClr val="tx1">
+                  <a:alpha val="71000"/>
+                </a:schemeClr>
+              </a:solidFill>
+              <a:latin typeface="DX영화자막 M"/>
+              <a:ea typeface="DX영화자막 M"/>
+            </a:endParaRPr>
+          </a:p>
+        </p:txBody>
+      </p:sp>
+      <p:sp>
+        <p:nvSpPr>
+          <p:cNvPr id="19" name="TextBox 18"/>
+          <p:cNvSpPr txBox="1"/>
+          <p:nvPr/>
+        </p:nvSpPr>
+        <p:spPr>
+          <a:xfrm>
+            <a:off x="5629302" y="713595"/>
+            <a:ext cx="1499547" cy="446550"/>
+          </a:xfrm>
+          <a:prstGeom prst="rect">
+            <a:avLst/>
+          </a:prstGeom>
+          <a:noFill/>
+          <a:ln w="9525">
+            <a:noFill/>
+          </a:ln>
+        </p:spPr>
+        <p:txBody>
+          <a:bodyPr wrap="square">
+            <a:spAutoFit/>
+          </a:bodyPr>
+          <a:lstStyle/>
+          <a:p>
+            <a:pPr lvl="0">
+              <a:defRPr/>
+            </a:pPr>
+            <a:r>
+              <a:rPr lang="ko-KR" altLang="en-US" sz="2400">
+                <a:solidFill>
+                  <a:schemeClr val="tx1">
+                    <a:alpha val="71000"/>
+                  </a:schemeClr>
+                </a:solidFill>
+                <a:latin typeface="DX영화자막 M"/>
+                <a:ea typeface="DX영화자막 M"/>
+              </a:rPr>
+              <a:t>주 제</a:t>
+            </a:r>
+            <a:endParaRPr lang="ko-KR" altLang="en-US" sz="2400">
+              <a:solidFill>
+                <a:schemeClr val="tx1">
+                  <a:alpha val="71000"/>
+                </a:schemeClr>
+              </a:solidFill>
+              <a:latin typeface="DX영화자막 M"/>
+              <a:ea typeface="DX영화자막 M"/>
+            </a:endParaRPr>
+          </a:p>
+        </p:txBody>
+      </p:sp>
+      <p:grpSp>
+        <p:nvGrpSpPr>
+          <p:cNvPr id="20" name="그룹 19"/>
+          <p:cNvGrpSpPr/>
+          <p:nvPr/>
+        </p:nvGrpSpPr>
+        <p:grpSpPr>
+          <a:xfrm rot="0">
+            <a:off x="393325" y="3093612"/>
+            <a:ext cx="163649" cy="975576"/>
+            <a:chOff x="306686" y="3281373"/>
+            <a:chExt cx="163649" cy="975576"/>
+          </a:xfrm>
+        </p:grpSpPr>
+        <p:cxnSp>
+          <p:nvCxnSpPr>
+            <p:cNvPr id="21" name="직선 연결선 20"/>
+            <p:cNvCxnSpPr/>
+            <p:nvPr/>
+          </p:nvCxnSpPr>
+          <p:spPr>
+            <a:xfrm>
+              <a:off x="306686" y="4127358"/>
+              <a:ext cx="160637" cy="129591"/>
+            </a:xfrm>
+            <a:prstGeom prst="line">
+              <a:avLst/>
+            </a:prstGeom>
+            <a:ln w="12700">
+              <a:solidFill>
+                <a:srgbClr val="ac9d8e"/>
+              </a:solidFill>
+            </a:ln>
+          </p:spPr>
+          <p:style>
+            <a:lnRef idx="1">
+              <a:schemeClr val="accent1"/>
+            </a:lnRef>
+            <a:fillRef idx="0">
+              <a:schemeClr val="accent1"/>
+            </a:fillRef>
+            <a:effectRef idx="0">
+              <a:schemeClr val="accent1"/>
+            </a:effectRef>
+            <a:fontRef idx="minor">
+              <a:schemeClr val="tx1"/>
+            </a:fontRef>
+          </p:style>
+        </p:cxnSp>
+        <p:cxnSp>
+          <p:nvCxnSpPr>
+            <p:cNvPr id="23" name="직선 연결선 22"/>
+            <p:cNvCxnSpPr/>
+            <p:nvPr/>
+          </p:nvCxnSpPr>
+          <p:spPr>
+            <a:xfrm>
+              <a:off x="306686" y="3838775"/>
+              <a:ext cx="160637" cy="129591"/>
+            </a:xfrm>
+            <a:prstGeom prst="line">
+              <a:avLst/>
+            </a:prstGeom>
+            <a:ln w="12700">
+              <a:solidFill>
+                <a:srgbClr val="ac9d8e"/>
+              </a:solidFill>
+            </a:ln>
+          </p:spPr>
+          <p:style>
+            <a:lnRef idx="1">
+              <a:schemeClr val="accent1"/>
+            </a:lnRef>
+            <a:fillRef idx="0">
+              <a:schemeClr val="accent1"/>
+            </a:fillRef>
+            <a:effectRef idx="0">
+              <a:schemeClr val="accent1"/>
+            </a:effectRef>
+            <a:fontRef idx="minor">
+              <a:schemeClr val="tx1"/>
+            </a:fontRef>
+          </p:style>
+        </p:cxnSp>
+        <p:cxnSp>
+          <p:nvCxnSpPr>
+            <p:cNvPr id="25" name="직선 연결선 24"/>
+            <p:cNvCxnSpPr/>
+            <p:nvPr/>
+          </p:nvCxnSpPr>
+          <p:spPr>
+            <a:xfrm>
+              <a:off x="306686" y="3550192"/>
+              <a:ext cx="160637" cy="129591"/>
+            </a:xfrm>
+            <a:prstGeom prst="line">
+              <a:avLst/>
+            </a:prstGeom>
+            <a:ln w="12700">
+              <a:solidFill>
+                <a:srgbClr val="ac9d8e"/>
+              </a:solidFill>
+            </a:ln>
+          </p:spPr>
+          <p:style>
+            <a:lnRef idx="1">
+              <a:schemeClr val="accent1"/>
+            </a:lnRef>
+            <a:fillRef idx="0">
+              <a:schemeClr val="accent1"/>
+            </a:fillRef>
+            <a:effectRef idx="0">
+              <a:schemeClr val="accent1"/>
+            </a:effectRef>
+            <a:fontRef idx="minor">
+              <a:schemeClr val="tx1"/>
+            </a:fontRef>
+          </p:style>
+        </p:cxnSp>
+        <p:cxnSp>
+          <p:nvCxnSpPr>
+            <p:cNvPr id="26" name="직선 연결선 25"/>
+            <p:cNvCxnSpPr/>
+            <p:nvPr/>
+          </p:nvCxnSpPr>
+          <p:spPr>
+            <a:xfrm>
+              <a:off x="309698" y="3281373"/>
+              <a:ext cx="160637" cy="129591"/>
+            </a:xfrm>
+            <a:prstGeom prst="line">
+              <a:avLst/>
+            </a:prstGeom>
+            <a:ln w="12700">
+              <a:solidFill>
+                <a:srgbClr val="ac9d8e"/>
+              </a:solidFill>
+            </a:ln>
+          </p:spPr>
+          <p:style>
+            <a:lnRef idx="1">
+              <a:schemeClr val="accent1"/>
+            </a:lnRef>
+            <a:fillRef idx="0">
+              <a:schemeClr val="accent1"/>
+            </a:fillRef>
+            <a:effectRef idx="0">
+              <a:schemeClr val="accent1"/>
+            </a:effectRef>
+            <a:fontRef idx="minor">
+              <a:schemeClr val="tx1"/>
+            </a:fontRef>
+          </p:style>
+        </p:cxnSp>
+      </p:grpSp>
+      <p:sp>
+        <p:nvSpPr>
+          <p:cNvPr id="27" name="TextBox 26"/>
+          <p:cNvSpPr txBox="1"/>
+          <p:nvPr/>
+        </p:nvSpPr>
+        <p:spPr>
+          <a:xfrm>
+            <a:off x="2622054" y="1486705"/>
+            <a:ext cx="1379789" cy="1614393"/>
+          </a:xfrm>
+          <a:prstGeom prst="rect">
+            <a:avLst/>
+          </a:prstGeom>
+          <a:noFill/>
+        </p:spPr>
+        <p:txBody>
+          <a:bodyPr wrap="square">
+            <a:spAutoFit/>
+          </a:bodyPr>
+          <a:lstStyle/>
+          <a:p>
+            <a:pPr algn="ctr">
+              <a:defRPr/>
+            </a:pPr>
+            <a:r>
+              <a:rPr lang="en-US" altLang="ko-KR" sz="10000">
+                <a:solidFill>
+                  <a:srgbClr val="9a8b85"/>
+                </a:solidFill>
+                <a:latin typeface="휴먼옛체"/>
+                <a:ea typeface="휴먼옛체"/>
+              </a:rPr>
+              <a:t>“</a:t>
+            </a:r>
+            <a:endParaRPr lang="ko-KR" altLang="en-US" sz="10000">
+              <a:solidFill>
+                <a:srgbClr val="9a8b85"/>
+              </a:solidFill>
+              <a:latin typeface="휴먼옛체"/>
+              <a:ea typeface="휴먼옛체"/>
+            </a:endParaRPr>
+          </a:p>
+        </p:txBody>
+      </p:sp>
+      <p:sp>
+        <p:nvSpPr>
+          <p:cNvPr id="28" name="직사각형 27"/>
+          <p:cNvSpPr/>
+          <p:nvPr/>
+        </p:nvSpPr>
+        <p:spPr>
+          <a:xfrm>
+            <a:off x="2712275" y="5245646"/>
+            <a:ext cx="1453225" cy="1612354"/>
+          </a:xfrm>
+          <a:prstGeom prst="rect">
+            <a:avLst/>
+          </a:prstGeom>
+        </p:spPr>
+        <p:txBody>
+          <a:bodyPr wrap="square">
+            <a:spAutoFit/>
+          </a:bodyPr>
+          <a:lstStyle/>
+          <a:p>
+            <a:pPr algn="ctr">
+              <a:defRPr/>
+            </a:pPr>
+            <a:r>
+              <a:rPr lang="en-US" altLang="ko-KR" sz="10000">
+                <a:solidFill>
+                  <a:srgbClr val="9a8b85"/>
+                </a:solidFill>
+                <a:latin typeface="휴먼옛체"/>
+                <a:ea typeface="휴먼옛체"/>
+              </a:rPr>
+              <a:t>”</a:t>
+            </a:r>
+            <a:endParaRPr lang="ko-KR" altLang="en-US" sz="10000">
+              <a:solidFill>
+                <a:srgbClr val="9a8b85"/>
+              </a:solidFill>
+            </a:endParaRPr>
+          </a:p>
+        </p:txBody>
+      </p:sp>
+      <p:sp>
+        <p:nvSpPr>
+          <p:cNvPr id="29" name="TextBox 28"/>
+          <p:cNvSpPr txBox="1"/>
+          <p:nvPr/>
+        </p:nvSpPr>
+        <p:spPr>
+          <a:xfrm>
+            <a:off x="8161965" y="1483595"/>
+            <a:ext cx="1379789" cy="1614536"/>
+          </a:xfrm>
+          <a:prstGeom prst="rect">
+            <a:avLst/>
+          </a:prstGeom>
+          <a:noFill/>
+        </p:spPr>
+        <p:txBody>
+          <a:bodyPr wrap="square">
+            <a:spAutoFit/>
+          </a:bodyPr>
+          <a:lstStyle/>
+          <a:p>
+            <a:pPr algn="ctr">
+              <a:defRPr/>
+            </a:pPr>
+            <a:r>
+              <a:rPr lang="en-US" altLang="ko-KR" sz="10000">
+                <a:solidFill>
+                  <a:srgbClr val="9a8b85"/>
+                </a:solidFill>
+                <a:latin typeface="휴먼옛체"/>
+                <a:ea typeface="휴먼옛체"/>
+              </a:rPr>
+              <a:t>“</a:t>
+            </a:r>
+            <a:endParaRPr lang="ko-KR" altLang="en-US" sz="10000">
+              <a:solidFill>
+                <a:srgbClr val="9a8b85"/>
+              </a:solidFill>
+              <a:latin typeface="휴먼옛체"/>
+              <a:ea typeface="휴먼옛체"/>
+            </a:endParaRPr>
+          </a:p>
+        </p:txBody>
+      </p:sp>
+      <p:sp>
+        <p:nvSpPr>
+          <p:cNvPr id="30" name="직사각형 29"/>
+          <p:cNvSpPr/>
+          <p:nvPr/>
+        </p:nvSpPr>
+        <p:spPr>
+          <a:xfrm>
+            <a:off x="8251570" y="5249796"/>
+            <a:ext cx="1451096" cy="1608204"/>
+          </a:xfrm>
+          <a:prstGeom prst="rect">
+            <a:avLst/>
+          </a:prstGeom>
+        </p:spPr>
+        <p:txBody>
+          <a:bodyPr wrap="none">
+            <a:spAutoFit/>
+          </a:bodyPr>
+          <a:lstStyle/>
+          <a:p>
+            <a:pPr algn="ctr">
+              <a:defRPr/>
+            </a:pPr>
+            <a:r>
+              <a:rPr lang="en-US" altLang="ko-KR" sz="10000">
+                <a:solidFill>
+                  <a:srgbClr val="9a8b85"/>
+                </a:solidFill>
+                <a:latin typeface="휴먼옛체"/>
+                <a:ea typeface="휴먼옛체"/>
+              </a:rPr>
+              <a:t>”</a:t>
+            </a:r>
+            <a:endParaRPr lang="ko-KR" altLang="en-US" sz="10000">
+              <a:solidFill>
+                <a:srgbClr val="9a8b85"/>
+              </a:solidFill>
+            </a:endParaRPr>
+          </a:p>
+        </p:txBody>
+      </p:sp>
+      <p:sp>
+        <p:nvSpPr>
+          <p:cNvPr id="32" name="TextBox 31"/>
+          <p:cNvSpPr txBox="1"/>
+          <p:nvPr/>
+        </p:nvSpPr>
+        <p:spPr>
+          <a:xfrm>
+            <a:off x="2589326" y="2292914"/>
+            <a:ext cx="1499547" cy="449383"/>
+          </a:xfrm>
+          <a:prstGeom prst="rect">
+            <a:avLst/>
+          </a:prstGeom>
+          <a:noFill/>
+          <a:ln w="9525">
+            <a:noFill/>
+          </a:ln>
+        </p:spPr>
+        <p:txBody>
+          <a:bodyPr wrap="square">
+            <a:spAutoFit/>
+          </a:bodyPr>
+          <a:lstStyle/>
+          <a:p>
+            <a:pPr lvl="0">
+              <a:defRPr/>
+            </a:pPr>
+            <a:r>
+              <a:rPr lang="ko-KR" altLang="en-US" sz="2400">
+                <a:solidFill>
+                  <a:schemeClr val="tx1">
+                    <a:alpha val="71000"/>
+                  </a:schemeClr>
+                </a:solidFill>
+                <a:latin typeface="DX영화자막 M"/>
+                <a:ea typeface="DX영화자막 M"/>
+              </a:rPr>
+              <a:t>슬로싱킹</a:t>
+            </a:r>
+            <a:endParaRPr lang="ko-KR" altLang="en-US" sz="2400">
+              <a:solidFill>
+                <a:schemeClr val="tx1">
+                  <a:alpha val="71000"/>
+                </a:schemeClr>
+              </a:solidFill>
+              <a:latin typeface="DX영화자막 M"/>
+              <a:ea typeface="DX영화자막 M"/>
+            </a:endParaRPr>
+          </a:p>
+        </p:txBody>
+      </p:sp>
+      <p:sp>
+        <p:nvSpPr>
+          <p:cNvPr id="33" name="순서도: 처리 61"/>
+          <p:cNvSpPr/>
+          <p:nvPr/>
+        </p:nvSpPr>
+        <p:spPr>
+          <a:xfrm>
+            <a:off x="1131865" y="3192804"/>
+            <a:ext cx="4825172" cy="1889788"/>
           </a:xfrm>
           <a:custGeom>
             <a:avLst/>
             <a:gdLst>
-              <a:gd name="connsiteX0" fmla="*/ 1 w 1230890"/>
-              <a:gd name="connsiteY0" fmla="*/ 470157 h 1230890"/>
-              <a:gd name="connsiteX1" fmla="*/ 470161 w 1230890"/>
-              <a:gd name="connsiteY1" fmla="*/ 470160 h 1230890"/>
-              <a:gd name="connsiteX2" fmla="*/ 615445 w 1230890"/>
-              <a:gd name="connsiteY2" fmla="*/ 0 h 1230890"/>
-              <a:gd name="connsiteX3" fmla="*/ 760729 w 1230890"/>
-              <a:gd name="connsiteY3" fmla="*/ 470160 h 1230890"/>
-              <a:gd name="connsiteX4" fmla="*/ 1230889 w 1230890"/>
-              <a:gd name="connsiteY4" fmla="*/ 470157 h 1230890"/>
-              <a:gd name="connsiteX5" fmla="*/ 850520 w 1230890"/>
-              <a:gd name="connsiteY5" fmla="*/ 760729 h 1230890"/>
-              <a:gd name="connsiteX6" fmla="*/ 995810 w 1230890"/>
-              <a:gd name="connsiteY6" fmla="*/ 1230887 h 1230890"/>
-              <a:gd name="connsiteX7" fmla="*/ 615445 w 1230890"/>
-              <a:gd name="connsiteY7" fmla="*/ 940310 h 1230890"/>
-              <a:gd name="connsiteX8" fmla="*/ 235080 w 1230890"/>
-              <a:gd name="connsiteY8" fmla="*/ 1230887 h 1230890"/>
-              <a:gd name="connsiteX9" fmla="*/ 380370 w 1230890"/>
-              <a:gd name="connsiteY9" fmla="*/ 760729 h 1230890"/>
-              <a:gd name="connsiteX10" fmla="*/ 1 w 1230890"/>
-              <a:gd name="connsiteY10" fmla="*/ 470157 h 1230890"/>
+              <a:gd name="connsiteX0" fmla="*/ 0 w 5799809"/>
+              <a:gd name="connsiteY0" fmla="*/ 0 h 425946"/>
+              <a:gd name="connsiteX1" fmla="*/ 470429 w 5799809"/>
+              <a:gd name="connsiteY1" fmla="*/ 0 h 425946"/>
+              <a:gd name="connsiteX2" fmla="*/ 1056854 w 5799809"/>
+              <a:gd name="connsiteY2" fmla="*/ 0 h 425946"/>
+              <a:gd name="connsiteX3" fmla="*/ 1585281 w 5799809"/>
+              <a:gd name="connsiteY3" fmla="*/ 0 h 425946"/>
+              <a:gd name="connsiteX4" fmla="*/ 2113708 w 5799809"/>
+              <a:gd name="connsiteY4" fmla="*/ 0 h 425946"/>
+              <a:gd name="connsiteX5" fmla="*/ 2758131 w 5799809"/>
+              <a:gd name="connsiteY5" fmla="*/ 0 h 425946"/>
+              <a:gd name="connsiteX6" fmla="*/ 3402555 w 5799809"/>
+              <a:gd name="connsiteY6" fmla="*/ 0 h 425946"/>
+              <a:gd name="connsiteX7" fmla="*/ 3930982 w 5799809"/>
+              <a:gd name="connsiteY7" fmla="*/ 0 h 425946"/>
+              <a:gd name="connsiteX8" fmla="*/ 4633403 w 5799809"/>
+              <a:gd name="connsiteY8" fmla="*/ 0 h 425946"/>
+              <a:gd name="connsiteX9" fmla="*/ 5103832 w 5799809"/>
+              <a:gd name="connsiteY9" fmla="*/ 0 h 425946"/>
+              <a:gd name="connsiteX10" fmla="*/ 5799809 w 5799809"/>
+              <a:gd name="connsiteY10" fmla="*/ 0 h 425946"/>
+              <a:gd name="connsiteX11" fmla="*/ 5799809 w 5799809"/>
+              <a:gd name="connsiteY11" fmla="*/ 425946 h 425946"/>
+              <a:gd name="connsiteX12" fmla="*/ 5155386 w 5799809"/>
+              <a:gd name="connsiteY12" fmla="*/ 425946 h 425946"/>
+              <a:gd name="connsiteX13" fmla="*/ 4684957 w 5799809"/>
+              <a:gd name="connsiteY13" fmla="*/ 425946 h 425946"/>
+              <a:gd name="connsiteX14" fmla="*/ 4040534 w 5799809"/>
+              <a:gd name="connsiteY14" fmla="*/ 425946 h 425946"/>
+              <a:gd name="connsiteX15" fmla="*/ 3338112 w 5799809"/>
+              <a:gd name="connsiteY15" fmla="*/ 425946 h 425946"/>
+              <a:gd name="connsiteX16" fmla="*/ 2809685 w 5799809"/>
+              <a:gd name="connsiteY16" fmla="*/ 425946 h 425946"/>
+              <a:gd name="connsiteX17" fmla="*/ 2165262 w 5799809"/>
+              <a:gd name="connsiteY17" fmla="*/ 425946 h 425946"/>
+              <a:gd name="connsiteX18" fmla="*/ 1462841 w 5799809"/>
+              <a:gd name="connsiteY18" fmla="*/ 425946 h 425946"/>
+              <a:gd name="connsiteX19" fmla="*/ 818417 w 5799809"/>
+              <a:gd name="connsiteY19" fmla="*/ 425946 h 425946"/>
+              <a:gd name="connsiteX20" fmla="*/ 0 w 5799809"/>
+              <a:gd name="connsiteY20" fmla="*/ 425946 h 425946"/>
+              <a:gd name="connsiteX21" fmla="*/ 0 w 5799809"/>
+              <a:gd name="connsiteY21" fmla="*/ 0 h 425946"/>
             </a:gdLst>
             <a:cxnLst>
               <a:cxn ang="0">
@@ -9098,119 +10690,257 @@
               </a:cxn>
               <a:cxn ang="0">
                 <a:pos x="connsiteX10" y="connsiteY10"/>
+              </a:cxn>
+              <a:cxn ang="0">
+                <a:pos x="connsiteX11" y="connsiteY11"/>
+              </a:cxn>
+              <a:cxn ang="0">
+                <a:pos x="connsiteX12" y="connsiteY12"/>
+              </a:cxn>
+              <a:cxn ang="0">
+                <a:pos x="connsiteX13" y="connsiteY13"/>
+              </a:cxn>
+              <a:cxn ang="0">
+                <a:pos x="connsiteX14" y="connsiteY14"/>
+              </a:cxn>
+              <a:cxn ang="0">
+                <a:pos x="connsiteX15" y="connsiteY15"/>
+              </a:cxn>
+              <a:cxn ang="0">
+                <a:pos x="connsiteX16" y="connsiteY16"/>
+              </a:cxn>
+              <a:cxn ang="0">
+                <a:pos x="connsiteX17" y="connsiteY17"/>
+              </a:cxn>
+              <a:cxn ang="0">
+                <a:pos x="connsiteX18" y="connsiteY18"/>
+              </a:cxn>
+              <a:cxn ang="0">
+                <a:pos x="connsiteX19" y="connsiteY19"/>
+              </a:cxn>
+              <a:cxn ang="0">
+                <a:pos x="connsiteX20" y="connsiteY20"/>
+              </a:cxn>
+              <a:cxn ang="0">
+                <a:pos x="connsiteX21" y="connsiteY21"/>
               </a:cxn>
             </a:cxnLst>
             <a:rect l="l" t="t" r="r" b="b"/>
             <a:pathLst>
-              <a:path w="1230890" h="1230890" fill="none" extrusionOk="0">
+              <a:path w="5799809" h="425946" fill="none" extrusionOk="0">
                 <a:moveTo>
-                  <a:pt x="1" y="470157"/>
+                  <a:pt x="0" y="0"/>
                 </a:moveTo>
                 <a:cubicBezTo>
-                  <a:pt x="97639" y="505676"/>
-                  <a:pt x="357867" y="481253"/>
-                  <a:pt x="470161" y="470160"/>
-                </a:cubicBezTo>
-                <a:cubicBezTo>
-                  <a:pt x="515381" y="430941"/>
-                  <a:pt x="568926" y="188625"/>
-                  <a:pt x="615445" y="0"/>
-                </a:cubicBezTo>
-                <a:cubicBezTo>
-                  <a:pt x="669787" y="101310"/>
-                  <a:pt x="725881" y="228364"/>
-                  <a:pt x="760729" y="470160"/>
-                </a:cubicBezTo>
-                <a:cubicBezTo>
-                  <a:pt x="844443" y="493595"/>
-                  <a:pt x="1136519" y="508393"/>
-                  <a:pt x="1230889" y="470157"/>
-                </a:cubicBezTo>
-                <a:cubicBezTo>
-                  <a:pt x="1082116" y="626938"/>
-                  <a:pt x="978489" y="622054"/>
-                  <a:pt x="850520" y="760729"/>
-                </a:cubicBezTo>
-                <a:cubicBezTo>
-                  <a:pt x="952712" y="968616"/>
-                  <a:pt x="893178" y="1015093"/>
-                  <a:pt x="995810" y="1230887"/>
-                </a:cubicBezTo>
-                <a:cubicBezTo>
-                  <a:pt x="947557" y="1178776"/>
-                  <a:pt x="737853" y="1044306"/>
-                  <a:pt x="615445" y="940310"/>
-                </a:cubicBezTo>
-                <a:cubicBezTo>
-                  <a:pt x="432759" y="1053646"/>
-                  <a:pt x="277257" y="1153749"/>
-                  <a:pt x="235080" y="1230887"/>
-                </a:cubicBezTo>
-                <a:cubicBezTo>
-                  <a:pt x="246569" y="1048582"/>
-                  <a:pt x="301933" y="891027"/>
-                  <a:pt x="380370" y="760729"/>
-                </a:cubicBezTo>
-                <a:cubicBezTo>
-                  <a:pt x="282569" y="701366"/>
-                  <a:pt x="152070" y="543328"/>
-                  <a:pt x="1" y="470157"/>
+                  <a:pt x="232930" y="11357"/>
+                  <a:pt x="338405" y="-11052"/>
+                  <a:pt x="470429" y="0"/>
+                </a:cubicBezTo>
+                <a:cubicBezTo>
+                  <a:pt x="602453" y="11052"/>
+                  <a:pt x="809389" y="-26878"/>
+                  <a:pt x="1056854" y="0"/>
+                </a:cubicBezTo>
+                <a:cubicBezTo>
+                  <a:pt x="1304320" y="26878"/>
+                  <a:pt x="1468530" y="-24406"/>
+                  <a:pt x="1585281" y="0"/>
+                </a:cubicBezTo>
+                <a:cubicBezTo>
+                  <a:pt x="1702032" y="24406"/>
+                  <a:pt x="2004466" y="14170"/>
+                  <a:pt x="2113708" y="0"/>
+                </a:cubicBezTo>
+                <a:cubicBezTo>
+                  <a:pt x="2222950" y="-14170"/>
+                  <a:pt x="2556011" y="28112"/>
+                  <a:pt x="2758131" y="0"/>
+                </a:cubicBezTo>
+                <a:cubicBezTo>
+                  <a:pt x="2960251" y="-28112"/>
+                  <a:pt x="3097544" y="-7034"/>
+                  <a:pt x="3402555" y="0"/>
+                </a:cubicBezTo>
+                <a:cubicBezTo>
+                  <a:pt x="3707566" y="7034"/>
+                  <a:pt x="3772141" y="4589"/>
+                  <a:pt x="3930982" y="0"/>
+                </a:cubicBezTo>
+                <a:cubicBezTo>
+                  <a:pt x="4089823" y="-4589"/>
+                  <a:pt x="4481847" y="28392"/>
+                  <a:pt x="4633403" y="0"/>
+                </a:cubicBezTo>
+                <a:cubicBezTo>
+                  <a:pt x="4784959" y="-28392"/>
+                  <a:pt x="4910939" y="-2346"/>
+                  <a:pt x="5103832" y="0"/>
+                </a:cubicBezTo>
+                <a:cubicBezTo>
+                  <a:pt x="5296725" y="2346"/>
+                  <a:pt x="5508736" y="-20318"/>
+                  <a:pt x="5799809" y="0"/>
+                </a:cubicBezTo>
+                <a:cubicBezTo>
+                  <a:pt x="5788599" y="198653"/>
+                  <a:pt x="5812935" y="266898"/>
+                  <a:pt x="5799809" y="425946"/>
+                </a:cubicBezTo>
+                <a:cubicBezTo>
+                  <a:pt x="5617430" y="412954"/>
+                  <a:pt x="5331856" y="449678"/>
+                  <a:pt x="5155386" y="425946"/>
+                </a:cubicBezTo>
+                <a:cubicBezTo>
+                  <a:pt x="4978916" y="402214"/>
+                  <a:pt x="4857030" y="423944"/>
+                  <a:pt x="4684957" y="425946"/>
+                </a:cubicBezTo>
+                <a:cubicBezTo>
+                  <a:pt x="4512884" y="427948"/>
+                  <a:pt x="4342832" y="445858"/>
+                  <a:pt x="4040534" y="425946"/>
+                </a:cubicBezTo>
+                <a:cubicBezTo>
+                  <a:pt x="3738236" y="406034"/>
+                  <a:pt x="3513554" y="443777"/>
+                  <a:pt x="3338112" y="425946"/>
+                </a:cubicBezTo>
+                <a:cubicBezTo>
+                  <a:pt x="3162670" y="408115"/>
+                  <a:pt x="3031362" y="412638"/>
+                  <a:pt x="2809685" y="425946"/>
+                </a:cubicBezTo>
+                <a:cubicBezTo>
+                  <a:pt x="2588008" y="439254"/>
+                  <a:pt x="2396513" y="447981"/>
+                  <a:pt x="2165262" y="425946"/>
+                </a:cubicBezTo>
+                <a:cubicBezTo>
+                  <a:pt x="1934011" y="403911"/>
+                  <a:pt x="1762479" y="426888"/>
+                  <a:pt x="1462841" y="425946"/>
+                </a:cubicBezTo>
+                <a:cubicBezTo>
+                  <a:pt x="1163203" y="425004"/>
+                  <a:pt x="955896" y="428651"/>
+                  <a:pt x="818417" y="425946"/>
+                </a:cubicBezTo>
+                <a:cubicBezTo>
+                  <a:pt x="680938" y="423241"/>
+                  <a:pt x="240620" y="433396"/>
+                  <a:pt x="0" y="425946"/>
+                </a:cubicBezTo>
+                <a:cubicBezTo>
+                  <a:pt x="-13937" y="217353"/>
+                  <a:pt x="3380" y="194608"/>
+                  <a:pt x="0" y="0"/>
                 </a:cubicBezTo>
                 <a:close/>
               </a:path>
-              <a:path w="1230890" h="1230890" stroke="0" extrusionOk="0">
+              <a:path w="5799809" h="425946" stroke="0" extrusionOk="0">
                 <a:moveTo>
-                  <a:pt x="1" y="470157"/>
+                  <a:pt x="0" y="0"/>
                 </a:moveTo>
                 <a:cubicBezTo>
-                  <a:pt x="163295" y="428449"/>
-                  <a:pt x="419645" y="455504"/>
-                  <a:pt x="470161" y="470160"/>
-                </a:cubicBezTo>
-                <a:cubicBezTo>
-                  <a:pt x="526475" y="303641"/>
-                  <a:pt x="567351" y="77954"/>
-                  <a:pt x="615445" y="0"/>
-                </a:cubicBezTo>
-                <a:cubicBezTo>
-                  <a:pt x="599529" y="59348"/>
-                  <a:pt x="674069" y="311339"/>
-                  <a:pt x="760729" y="470160"/>
-                </a:cubicBezTo>
-                <a:cubicBezTo>
-                  <a:pt x="809273" y="434665"/>
-                  <a:pt x="1019992" y="457597"/>
-                  <a:pt x="1230889" y="470157"/>
-                </a:cubicBezTo>
-                <a:cubicBezTo>
-                  <a:pt x="1083347" y="609924"/>
-                  <a:pt x="941265" y="695588"/>
-                  <a:pt x="850520" y="760729"/>
-                </a:cubicBezTo>
-                <a:cubicBezTo>
-                  <a:pt x="942979" y="947086"/>
-                  <a:pt x="931195" y="1145567"/>
-                  <a:pt x="995810" y="1230887"/>
-                </a:cubicBezTo>
-                <a:cubicBezTo>
-                  <a:pt x="802514" y="1112882"/>
-                  <a:pt x="763778" y="1100926"/>
-                  <a:pt x="615445" y="940310"/>
-                </a:cubicBezTo>
-                <a:cubicBezTo>
-                  <a:pt x="546200" y="994680"/>
-                  <a:pt x="282761" y="1210392"/>
-                  <a:pt x="235080" y="1230887"/>
-                </a:cubicBezTo>
-                <a:cubicBezTo>
-                  <a:pt x="226715" y="1156783"/>
-                  <a:pt x="290774" y="904408"/>
-                  <a:pt x="380370" y="760729"/>
-                </a:cubicBezTo>
-                <a:cubicBezTo>
-                  <a:pt x="296438" y="661914"/>
-                  <a:pt x="59253" y="527444"/>
-                  <a:pt x="1" y="470157"/>
+                  <a:pt x="156451" y="-5263"/>
+                  <a:pt x="344124" y="-7670"/>
+                  <a:pt x="528427" y="0"/>
+                </a:cubicBezTo>
+                <a:cubicBezTo>
+                  <a:pt x="712730" y="7670"/>
+                  <a:pt x="1052845" y="3624"/>
+                  <a:pt x="1288846" y="0"/>
+                </a:cubicBezTo>
+                <a:cubicBezTo>
+                  <a:pt x="1524847" y="-3624"/>
+                  <a:pt x="1572216" y="2669"/>
+                  <a:pt x="1817273" y="0"/>
+                </a:cubicBezTo>
+                <a:cubicBezTo>
+                  <a:pt x="2062330" y="-2669"/>
+                  <a:pt x="2125614" y="-1841"/>
+                  <a:pt x="2287702" y="0"/>
+                </a:cubicBezTo>
+                <a:cubicBezTo>
+                  <a:pt x="2449790" y="1841"/>
+                  <a:pt x="2540838" y="-10545"/>
+                  <a:pt x="2758131" y="0"/>
+                </a:cubicBezTo>
+                <a:cubicBezTo>
+                  <a:pt x="2975424" y="10545"/>
+                  <a:pt x="3070417" y="16952"/>
+                  <a:pt x="3286558" y="0"/>
+                </a:cubicBezTo>
+                <a:cubicBezTo>
+                  <a:pt x="3502699" y="-16952"/>
+                  <a:pt x="3772879" y="25154"/>
+                  <a:pt x="4046978" y="0"/>
+                </a:cubicBezTo>
+                <a:cubicBezTo>
+                  <a:pt x="4321077" y="-25154"/>
+                  <a:pt x="4471091" y="-15419"/>
+                  <a:pt x="4691401" y="0"/>
+                </a:cubicBezTo>
+                <a:cubicBezTo>
+                  <a:pt x="4911711" y="15419"/>
+                  <a:pt x="5486808" y="-34903"/>
+                  <a:pt x="5799809" y="0"/>
+                </a:cubicBezTo>
+                <a:cubicBezTo>
+                  <a:pt x="5811781" y="117662"/>
+                  <a:pt x="5813135" y="213997"/>
+                  <a:pt x="5799809" y="425946"/>
+                </a:cubicBezTo>
+                <a:cubicBezTo>
+                  <a:pt x="5631023" y="426859"/>
+                  <a:pt x="5495897" y="406180"/>
+                  <a:pt x="5329380" y="425946"/>
+                </a:cubicBezTo>
+                <a:cubicBezTo>
+                  <a:pt x="5162863" y="445712"/>
+                  <a:pt x="4971538" y="414601"/>
+                  <a:pt x="4742955" y="425946"/>
+                </a:cubicBezTo>
+                <a:cubicBezTo>
+                  <a:pt x="4514373" y="437291"/>
+                  <a:pt x="4305792" y="401898"/>
+                  <a:pt x="4098532" y="425946"/>
+                </a:cubicBezTo>
+                <a:cubicBezTo>
+                  <a:pt x="3891272" y="449994"/>
+                  <a:pt x="3550710" y="452828"/>
+                  <a:pt x="3396110" y="425946"/>
+                </a:cubicBezTo>
+                <a:cubicBezTo>
+                  <a:pt x="3241510" y="399064"/>
+                  <a:pt x="2987621" y="437035"/>
+                  <a:pt x="2867683" y="425946"/>
+                </a:cubicBezTo>
+                <a:cubicBezTo>
+                  <a:pt x="2747745" y="414857"/>
+                  <a:pt x="2500791" y="420398"/>
+                  <a:pt x="2281258" y="425946"/>
+                </a:cubicBezTo>
+                <a:cubicBezTo>
+                  <a:pt x="2061725" y="431494"/>
+                  <a:pt x="1816635" y="426101"/>
+                  <a:pt x="1636835" y="425946"/>
+                </a:cubicBezTo>
+                <a:cubicBezTo>
+                  <a:pt x="1457035" y="425791"/>
+                  <a:pt x="1307407" y="428836"/>
+                  <a:pt x="1050410" y="425946"/>
+                </a:cubicBezTo>
+                <a:cubicBezTo>
+                  <a:pt x="793414" y="423056"/>
+                  <a:pt x="415100" y="437818"/>
+                  <a:pt x="0" y="425946"/>
+                </a:cubicBezTo>
+                <a:cubicBezTo>
+                  <a:pt x="553" y="260129"/>
+                  <a:pt x="10725" y="188645"/>
+                  <a:pt x="0" y="0"/>
                 </a:cubicBezTo>
                 <a:close/>
               </a:path>
@@ -9218,13 +10948,17 @@
           </a:custGeom>
           <a:solidFill>
             <a:schemeClr val="accent4">
-              <a:lumMod val="60000"/>
-              <a:lumOff val="40000"/>
+              <a:lumMod val="40000"/>
+              <a:lumOff val="60000"/>
+              <a:alpha val="35000"/>
             </a:schemeClr>
           </a:solidFill>
           <a:ln>
             <a:solidFill>
-              <a:srgbClr val="9a8b85"/>
+              <a:schemeClr val="accent4">
+                <a:lumMod val="40000"/>
+                <a:lumOff val="60000"/>
+              </a:schemeClr>
             </a:solidFill>
           </a:ln>
         </p:spPr>
@@ -9257,40 +10991,114 @@
       </p:sp>
       <p:sp>
         <p:nvSpPr>
-          <p:cNvPr id="50" name="별: 꼭짓점 5개 49"/>
+          <p:cNvPr id="35" name="TextBox 34"/>
+          <p:cNvSpPr txBox="1"/>
+          <p:nvPr/>
+        </p:nvSpPr>
+        <p:spPr>
+          <a:xfrm>
+            <a:off x="8320020" y="2367212"/>
+            <a:ext cx="1499548" cy="450283"/>
+          </a:xfrm>
+          <a:prstGeom prst="rect">
+            <a:avLst/>
+          </a:prstGeom>
+          <a:noFill/>
+          <a:ln w="9525">
+            <a:noFill/>
+          </a:ln>
+        </p:spPr>
+        <p:txBody>
+          <a:bodyPr wrap="square">
+            <a:spAutoFit/>
+          </a:bodyPr>
+          <a:lstStyle/>
+          <a:p>
+            <a:pPr lvl="0">
+              <a:defRPr/>
+            </a:pPr>
+            <a:r>
+              <a:rPr lang="ko-KR" altLang="en-US" sz="2400">
+                <a:solidFill>
+                  <a:schemeClr val="tx1">
+                    <a:alpha val="71000"/>
+                  </a:schemeClr>
+                </a:solidFill>
+                <a:latin typeface="DX영화자막 M"/>
+                <a:ea typeface="DX영화자막 M"/>
+              </a:rPr>
+              <a:t>몰 입</a:t>
+            </a:r>
+            <a:endParaRPr lang="ko-KR" altLang="en-US" sz="2400">
+              <a:solidFill>
+                <a:schemeClr val="tx1">
+                  <a:alpha val="71000"/>
+                </a:schemeClr>
+              </a:solidFill>
+              <a:latin typeface="DX영화자막 M"/>
+              <a:ea typeface="DX영화자막 M"/>
+            </a:endParaRPr>
+          </a:p>
+        </p:txBody>
+      </p:sp>
+      <p:sp>
+        <p:nvSpPr>
+          <p:cNvPr id="55" name="순서도: 처리 61"/>
           <p:cNvSpPr/>
           <p:nvPr/>
         </p:nvSpPr>
         <p:spPr>
           <a:xfrm>
-            <a:off x="8311380" y="2311829"/>
-            <a:ext cx="1230890" cy="1230890"/>
+            <a:off x="6678424" y="3164731"/>
+            <a:ext cx="4825172" cy="1889788"/>
           </a:xfrm>
           <a:custGeom>
             <a:avLst/>
             <a:gdLst>
-              <a:gd name="connsiteX0" fmla="*/ 1 w 1230890"/>
-              <a:gd name="connsiteY0" fmla="*/ 470157 h 1230890"/>
-              <a:gd name="connsiteX1" fmla="*/ 470161 w 1230890"/>
-              <a:gd name="connsiteY1" fmla="*/ 470160 h 1230890"/>
-              <a:gd name="connsiteX2" fmla="*/ 615445 w 1230890"/>
-              <a:gd name="connsiteY2" fmla="*/ 0 h 1230890"/>
-              <a:gd name="connsiteX3" fmla="*/ 760729 w 1230890"/>
-              <a:gd name="connsiteY3" fmla="*/ 470160 h 1230890"/>
-              <a:gd name="connsiteX4" fmla="*/ 1230889 w 1230890"/>
-              <a:gd name="connsiteY4" fmla="*/ 470157 h 1230890"/>
-              <a:gd name="connsiteX5" fmla="*/ 850520 w 1230890"/>
-              <a:gd name="connsiteY5" fmla="*/ 760729 h 1230890"/>
-              <a:gd name="connsiteX6" fmla="*/ 995810 w 1230890"/>
-              <a:gd name="connsiteY6" fmla="*/ 1230887 h 1230890"/>
-              <a:gd name="connsiteX7" fmla="*/ 615445 w 1230890"/>
-              <a:gd name="connsiteY7" fmla="*/ 940310 h 1230890"/>
-              <a:gd name="connsiteX8" fmla="*/ 235080 w 1230890"/>
-              <a:gd name="connsiteY8" fmla="*/ 1230887 h 1230890"/>
-              <a:gd name="connsiteX9" fmla="*/ 380370 w 1230890"/>
-              <a:gd name="connsiteY9" fmla="*/ 760729 h 1230890"/>
-              <a:gd name="connsiteX10" fmla="*/ 1 w 1230890"/>
-              <a:gd name="connsiteY10" fmla="*/ 470157 h 1230890"/>
+              <a:gd name="connsiteX0" fmla="*/ 0 w 5799809"/>
+              <a:gd name="connsiteY0" fmla="*/ 0 h 425946"/>
+              <a:gd name="connsiteX1" fmla="*/ 470429 w 5799809"/>
+              <a:gd name="connsiteY1" fmla="*/ 0 h 425946"/>
+              <a:gd name="connsiteX2" fmla="*/ 1056854 w 5799809"/>
+              <a:gd name="connsiteY2" fmla="*/ 0 h 425946"/>
+              <a:gd name="connsiteX3" fmla="*/ 1585281 w 5799809"/>
+              <a:gd name="connsiteY3" fmla="*/ 0 h 425946"/>
+              <a:gd name="connsiteX4" fmla="*/ 2113708 w 5799809"/>
+              <a:gd name="connsiteY4" fmla="*/ 0 h 425946"/>
+              <a:gd name="connsiteX5" fmla="*/ 2758131 w 5799809"/>
+              <a:gd name="connsiteY5" fmla="*/ 0 h 425946"/>
+              <a:gd name="connsiteX6" fmla="*/ 3402555 w 5799809"/>
+              <a:gd name="connsiteY6" fmla="*/ 0 h 425946"/>
+              <a:gd name="connsiteX7" fmla="*/ 3930982 w 5799809"/>
+              <a:gd name="connsiteY7" fmla="*/ 0 h 425946"/>
+              <a:gd name="connsiteX8" fmla="*/ 4633403 w 5799809"/>
+              <a:gd name="connsiteY8" fmla="*/ 0 h 425946"/>
+              <a:gd name="connsiteX9" fmla="*/ 5103832 w 5799809"/>
+              <a:gd name="connsiteY9" fmla="*/ 0 h 425946"/>
+              <a:gd name="connsiteX10" fmla="*/ 5799809 w 5799809"/>
+              <a:gd name="connsiteY10" fmla="*/ 0 h 425946"/>
+              <a:gd name="connsiteX11" fmla="*/ 5799809 w 5799809"/>
+              <a:gd name="connsiteY11" fmla="*/ 425946 h 425946"/>
+              <a:gd name="connsiteX12" fmla="*/ 5155386 w 5799809"/>
+              <a:gd name="connsiteY12" fmla="*/ 425946 h 425946"/>
+              <a:gd name="connsiteX13" fmla="*/ 4684957 w 5799809"/>
+              <a:gd name="connsiteY13" fmla="*/ 425946 h 425946"/>
+              <a:gd name="connsiteX14" fmla="*/ 4040534 w 5799809"/>
+              <a:gd name="connsiteY14" fmla="*/ 425946 h 425946"/>
+              <a:gd name="connsiteX15" fmla="*/ 3338112 w 5799809"/>
+              <a:gd name="connsiteY15" fmla="*/ 425946 h 425946"/>
+              <a:gd name="connsiteX16" fmla="*/ 2809685 w 5799809"/>
+              <a:gd name="connsiteY16" fmla="*/ 425946 h 425946"/>
+              <a:gd name="connsiteX17" fmla="*/ 2165262 w 5799809"/>
+              <a:gd name="connsiteY17" fmla="*/ 425946 h 425946"/>
+              <a:gd name="connsiteX18" fmla="*/ 1462841 w 5799809"/>
+              <a:gd name="connsiteY18" fmla="*/ 425946 h 425946"/>
+              <a:gd name="connsiteX19" fmla="*/ 818417 w 5799809"/>
+              <a:gd name="connsiteY19" fmla="*/ 425946 h 425946"/>
+              <a:gd name="connsiteX20" fmla="*/ 0 w 5799809"/>
+              <a:gd name="connsiteY20" fmla="*/ 425946 h 425946"/>
+              <a:gd name="connsiteX21" fmla="*/ 0 w 5799809"/>
+              <a:gd name="connsiteY21" fmla="*/ 0 h 425946"/>
             </a:gdLst>
             <a:cxnLst>
               <a:cxn ang="0">
@@ -9325,119 +11133,257 @@
               </a:cxn>
               <a:cxn ang="0">
                 <a:pos x="connsiteX10" y="connsiteY10"/>
+              </a:cxn>
+              <a:cxn ang="0">
+                <a:pos x="connsiteX11" y="connsiteY11"/>
+              </a:cxn>
+              <a:cxn ang="0">
+                <a:pos x="connsiteX12" y="connsiteY12"/>
+              </a:cxn>
+              <a:cxn ang="0">
+                <a:pos x="connsiteX13" y="connsiteY13"/>
+              </a:cxn>
+              <a:cxn ang="0">
+                <a:pos x="connsiteX14" y="connsiteY14"/>
+              </a:cxn>
+              <a:cxn ang="0">
+                <a:pos x="connsiteX15" y="connsiteY15"/>
+              </a:cxn>
+              <a:cxn ang="0">
+                <a:pos x="connsiteX16" y="connsiteY16"/>
+              </a:cxn>
+              <a:cxn ang="0">
+                <a:pos x="connsiteX17" y="connsiteY17"/>
+              </a:cxn>
+              <a:cxn ang="0">
+                <a:pos x="connsiteX18" y="connsiteY18"/>
+              </a:cxn>
+              <a:cxn ang="0">
+                <a:pos x="connsiteX19" y="connsiteY19"/>
+              </a:cxn>
+              <a:cxn ang="0">
+                <a:pos x="connsiteX20" y="connsiteY20"/>
+              </a:cxn>
+              <a:cxn ang="0">
+                <a:pos x="connsiteX21" y="connsiteY21"/>
               </a:cxn>
             </a:cxnLst>
             <a:rect l="l" t="t" r="r" b="b"/>
             <a:pathLst>
-              <a:path w="1230890" h="1230890" fill="none" extrusionOk="0">
+              <a:path w="5799809" h="425946" fill="none" extrusionOk="0">
                 <a:moveTo>
-                  <a:pt x="1" y="470157"/>
+                  <a:pt x="0" y="0"/>
                 </a:moveTo>
                 <a:cubicBezTo>
-                  <a:pt x="53909" y="491104"/>
-                  <a:pt x="254166" y="478029"/>
-                  <a:pt x="470161" y="470160"/>
-                </a:cubicBezTo>
-                <a:cubicBezTo>
-                  <a:pt x="501787" y="358986"/>
-                  <a:pt x="541724" y="203367"/>
-                  <a:pt x="615445" y="0"/>
-                </a:cubicBezTo>
-                <a:cubicBezTo>
-                  <a:pt x="652349" y="177559"/>
-                  <a:pt x="740711" y="372818"/>
-                  <a:pt x="760729" y="470160"/>
-                </a:cubicBezTo>
-                <a:cubicBezTo>
-                  <a:pt x="942310" y="504783"/>
-                  <a:pt x="1173608" y="438923"/>
-                  <a:pt x="1230889" y="470157"/>
-                </a:cubicBezTo>
-                <a:cubicBezTo>
-                  <a:pt x="1055012" y="618879"/>
-                  <a:pt x="997956" y="657494"/>
-                  <a:pt x="850520" y="760729"/>
-                </a:cubicBezTo>
-                <a:cubicBezTo>
-                  <a:pt x="879243" y="849599"/>
-                  <a:pt x="904272" y="1004792"/>
-                  <a:pt x="995810" y="1230887"/>
-                </a:cubicBezTo>
-                <a:cubicBezTo>
-                  <a:pt x="879261" y="1164905"/>
-                  <a:pt x="671092" y="959022"/>
-                  <a:pt x="615445" y="940310"/>
-                </a:cubicBezTo>
-                <a:cubicBezTo>
-                  <a:pt x="575091" y="967633"/>
-                  <a:pt x="328141" y="1157825"/>
-                  <a:pt x="235080" y="1230887"/>
-                </a:cubicBezTo>
-                <a:cubicBezTo>
-                  <a:pt x="267300" y="1017116"/>
-                  <a:pt x="348037" y="1007369"/>
-                  <a:pt x="380370" y="760729"/>
-                </a:cubicBezTo>
-                <a:cubicBezTo>
-                  <a:pt x="255654" y="663053"/>
-                  <a:pt x="109789" y="554798"/>
-                  <a:pt x="1" y="470157"/>
+                  <a:pt x="232930" y="11357"/>
+                  <a:pt x="338405" y="-11052"/>
+                  <a:pt x="470429" y="0"/>
+                </a:cubicBezTo>
+                <a:cubicBezTo>
+                  <a:pt x="602453" y="11052"/>
+                  <a:pt x="809389" y="-26878"/>
+                  <a:pt x="1056854" y="0"/>
+                </a:cubicBezTo>
+                <a:cubicBezTo>
+                  <a:pt x="1304320" y="26878"/>
+                  <a:pt x="1468530" y="-24406"/>
+                  <a:pt x="1585281" y="0"/>
+                </a:cubicBezTo>
+                <a:cubicBezTo>
+                  <a:pt x="1702032" y="24406"/>
+                  <a:pt x="2004466" y="14170"/>
+                  <a:pt x="2113708" y="0"/>
+                </a:cubicBezTo>
+                <a:cubicBezTo>
+                  <a:pt x="2222950" y="-14170"/>
+                  <a:pt x="2556011" y="28112"/>
+                  <a:pt x="2758131" y="0"/>
+                </a:cubicBezTo>
+                <a:cubicBezTo>
+                  <a:pt x="2960251" y="-28112"/>
+                  <a:pt x="3097544" y="-7034"/>
+                  <a:pt x="3402555" y="0"/>
+                </a:cubicBezTo>
+                <a:cubicBezTo>
+                  <a:pt x="3707566" y="7034"/>
+                  <a:pt x="3772141" y="4589"/>
+                  <a:pt x="3930982" y="0"/>
+                </a:cubicBezTo>
+                <a:cubicBezTo>
+                  <a:pt x="4089823" y="-4589"/>
+                  <a:pt x="4481847" y="28392"/>
+                  <a:pt x="4633403" y="0"/>
+                </a:cubicBezTo>
+                <a:cubicBezTo>
+                  <a:pt x="4784959" y="-28392"/>
+                  <a:pt x="4910939" y="-2346"/>
+                  <a:pt x="5103832" y="0"/>
+                </a:cubicBezTo>
+                <a:cubicBezTo>
+                  <a:pt x="5296725" y="2346"/>
+                  <a:pt x="5508736" y="-20318"/>
+                  <a:pt x="5799809" y="0"/>
+                </a:cubicBezTo>
+                <a:cubicBezTo>
+                  <a:pt x="5788599" y="198653"/>
+                  <a:pt x="5812935" y="266898"/>
+                  <a:pt x="5799809" y="425946"/>
+                </a:cubicBezTo>
+                <a:cubicBezTo>
+                  <a:pt x="5617430" y="412954"/>
+                  <a:pt x="5331856" y="449678"/>
+                  <a:pt x="5155386" y="425946"/>
+                </a:cubicBezTo>
+                <a:cubicBezTo>
+                  <a:pt x="4978916" y="402214"/>
+                  <a:pt x="4857030" y="423944"/>
+                  <a:pt x="4684957" y="425946"/>
+                </a:cubicBezTo>
+                <a:cubicBezTo>
+                  <a:pt x="4512884" y="427948"/>
+                  <a:pt x="4342832" y="445858"/>
+                  <a:pt x="4040534" y="425946"/>
+                </a:cubicBezTo>
+                <a:cubicBezTo>
+                  <a:pt x="3738236" y="406034"/>
+                  <a:pt x="3513554" y="443777"/>
+                  <a:pt x="3338112" y="425946"/>
+                </a:cubicBezTo>
+                <a:cubicBezTo>
+                  <a:pt x="3162670" y="408115"/>
+                  <a:pt x="3031362" y="412638"/>
+                  <a:pt x="2809685" y="425946"/>
+                </a:cubicBezTo>
+                <a:cubicBezTo>
+                  <a:pt x="2588008" y="439254"/>
+                  <a:pt x="2396513" y="447981"/>
+                  <a:pt x="2165262" y="425946"/>
+                </a:cubicBezTo>
+                <a:cubicBezTo>
+                  <a:pt x="1934011" y="403911"/>
+                  <a:pt x="1762479" y="426888"/>
+                  <a:pt x="1462841" y="425946"/>
+                </a:cubicBezTo>
+                <a:cubicBezTo>
+                  <a:pt x="1163203" y="425004"/>
+                  <a:pt x="955896" y="428651"/>
+                  <a:pt x="818417" y="425946"/>
+                </a:cubicBezTo>
+                <a:cubicBezTo>
+                  <a:pt x="680938" y="423241"/>
+                  <a:pt x="240620" y="433396"/>
+                  <a:pt x="0" y="425946"/>
+                </a:cubicBezTo>
+                <a:cubicBezTo>
+                  <a:pt x="-13937" y="217353"/>
+                  <a:pt x="3380" y="194608"/>
+                  <a:pt x="0" y="0"/>
                 </a:cubicBezTo>
                 <a:close/>
               </a:path>
-              <a:path w="1230890" h="1230890" stroke="0" extrusionOk="0">
+              <a:path w="5799809" h="425946" stroke="0" extrusionOk="0">
                 <a:moveTo>
-                  <a:pt x="1" y="470157"/>
+                  <a:pt x="0" y="0"/>
                 </a:moveTo>
                 <a:cubicBezTo>
-                  <a:pt x="153207" y="465525"/>
-                  <a:pt x="278011" y="503219"/>
-                  <a:pt x="470161" y="470160"/>
-                </a:cubicBezTo>
-                <a:cubicBezTo>
-                  <a:pt x="542629" y="240650"/>
-                  <a:pt x="589736" y="162780"/>
-                  <a:pt x="615445" y="0"/>
-                </a:cubicBezTo>
-                <a:cubicBezTo>
-                  <a:pt x="656766" y="85811"/>
-                  <a:pt x="730616" y="265011"/>
-                  <a:pt x="760729" y="470160"/>
-                </a:cubicBezTo>
-                <a:cubicBezTo>
-                  <a:pt x="813553" y="509498"/>
-                  <a:pt x="1081742" y="474157"/>
-                  <a:pt x="1230889" y="470157"/>
-                </a:cubicBezTo>
-                <a:cubicBezTo>
-                  <a:pt x="1100567" y="604356"/>
-                  <a:pt x="959198" y="716030"/>
-                  <a:pt x="850520" y="760729"/>
-                </a:cubicBezTo>
-                <a:cubicBezTo>
-                  <a:pt x="911621" y="919119"/>
-                  <a:pt x="915917" y="1065829"/>
-                  <a:pt x="995810" y="1230887"/>
-                </a:cubicBezTo>
-                <a:cubicBezTo>
-                  <a:pt x="907509" y="1162989"/>
-                  <a:pt x="741924" y="1000738"/>
-                  <a:pt x="615445" y="940310"/>
-                </a:cubicBezTo>
-                <a:cubicBezTo>
-                  <a:pt x="475641" y="1067777"/>
-                  <a:pt x="319714" y="1113114"/>
-                  <a:pt x="235080" y="1230887"/>
-                </a:cubicBezTo>
-                <a:cubicBezTo>
-                  <a:pt x="295206" y="1131551"/>
-                  <a:pt x="392599" y="859167"/>
-                  <a:pt x="380370" y="760729"/>
-                </a:cubicBezTo>
-                <a:cubicBezTo>
-                  <a:pt x="331828" y="743269"/>
-                  <a:pt x="114714" y="547124"/>
-                  <a:pt x="1" y="470157"/>
+                  <a:pt x="156451" y="-5263"/>
+                  <a:pt x="344124" y="-7670"/>
+                  <a:pt x="528427" y="0"/>
+                </a:cubicBezTo>
+                <a:cubicBezTo>
+                  <a:pt x="712730" y="7670"/>
+                  <a:pt x="1052845" y="3624"/>
+                  <a:pt x="1288846" y="0"/>
+                </a:cubicBezTo>
+                <a:cubicBezTo>
+                  <a:pt x="1524847" y="-3624"/>
+                  <a:pt x="1572216" y="2669"/>
+                  <a:pt x="1817273" y="0"/>
+                </a:cubicBezTo>
+                <a:cubicBezTo>
+                  <a:pt x="2062330" y="-2669"/>
+                  <a:pt x="2125614" y="-1841"/>
+                  <a:pt x="2287702" y="0"/>
+                </a:cubicBezTo>
+                <a:cubicBezTo>
+                  <a:pt x="2449790" y="1841"/>
+                  <a:pt x="2540838" y="-10545"/>
+                  <a:pt x="2758131" y="0"/>
+                </a:cubicBezTo>
+                <a:cubicBezTo>
+                  <a:pt x="2975424" y="10545"/>
+                  <a:pt x="3070417" y="16952"/>
+                  <a:pt x="3286558" y="0"/>
+                </a:cubicBezTo>
+                <a:cubicBezTo>
+                  <a:pt x="3502699" y="-16952"/>
+                  <a:pt x="3772879" y="25154"/>
+                  <a:pt x="4046978" y="0"/>
+                </a:cubicBezTo>
+                <a:cubicBezTo>
+                  <a:pt x="4321077" y="-25154"/>
+                  <a:pt x="4471091" y="-15419"/>
+                  <a:pt x="4691401" y="0"/>
+                </a:cubicBezTo>
+                <a:cubicBezTo>
+                  <a:pt x="4911711" y="15419"/>
+                  <a:pt x="5486808" y="-34903"/>
+                  <a:pt x="5799809" y="0"/>
+                </a:cubicBezTo>
+                <a:cubicBezTo>
+                  <a:pt x="5811781" y="117662"/>
+                  <a:pt x="5813135" y="213997"/>
+                  <a:pt x="5799809" y="425946"/>
+                </a:cubicBezTo>
+                <a:cubicBezTo>
+                  <a:pt x="5631023" y="426859"/>
+                  <a:pt x="5495897" y="406180"/>
+                  <a:pt x="5329380" y="425946"/>
+                </a:cubicBezTo>
+                <a:cubicBezTo>
+                  <a:pt x="5162863" y="445712"/>
+                  <a:pt x="4971538" y="414601"/>
+                  <a:pt x="4742955" y="425946"/>
+                </a:cubicBezTo>
+                <a:cubicBezTo>
+                  <a:pt x="4514373" y="437291"/>
+                  <a:pt x="4305792" y="401898"/>
+                  <a:pt x="4098532" y="425946"/>
+                </a:cubicBezTo>
+                <a:cubicBezTo>
+                  <a:pt x="3891272" y="449994"/>
+                  <a:pt x="3550710" y="452828"/>
+                  <a:pt x="3396110" y="425946"/>
+                </a:cubicBezTo>
+                <a:cubicBezTo>
+                  <a:pt x="3241510" y="399064"/>
+                  <a:pt x="2987621" y="437035"/>
+                  <a:pt x="2867683" y="425946"/>
+                </a:cubicBezTo>
+                <a:cubicBezTo>
+                  <a:pt x="2747745" y="414857"/>
+                  <a:pt x="2500791" y="420398"/>
+                  <a:pt x="2281258" y="425946"/>
+                </a:cubicBezTo>
+                <a:cubicBezTo>
+                  <a:pt x="2061725" y="431494"/>
+                  <a:pt x="1816635" y="426101"/>
+                  <a:pt x="1636835" y="425946"/>
+                </a:cubicBezTo>
+                <a:cubicBezTo>
+                  <a:pt x="1457035" y="425791"/>
+                  <a:pt x="1307407" y="428836"/>
+                  <a:pt x="1050410" y="425946"/>
+                </a:cubicBezTo>
+                <a:cubicBezTo>
+                  <a:pt x="793414" y="423056"/>
+                  <a:pt x="415100" y="437818"/>
+                  <a:pt x="0" y="425946"/>
+                </a:cubicBezTo>
+                <a:cubicBezTo>
+                  <a:pt x="553" y="260129"/>
+                  <a:pt x="10725" y="188645"/>
+                  <a:pt x="0" y="0"/>
                 </a:cubicBezTo>
                 <a:close/>
               </a:path>
@@ -9445,13 +11391,17 @@
           </a:custGeom>
           <a:solidFill>
             <a:schemeClr val="accent4">
-              <a:lumMod val="60000"/>
-              <a:lumOff val="40000"/>
+              <a:lumMod val="40000"/>
+              <a:lumOff val="60000"/>
+              <a:alpha val="35000"/>
             </a:schemeClr>
           </a:solidFill>
           <a:ln>
             <a:solidFill>
-              <a:srgbClr val="9a8b85"/>
+              <a:schemeClr val="accent4">
+                <a:lumMod val="40000"/>
+                <a:lumOff val="60000"/>
+              </a:schemeClr>
             </a:solidFill>
           </a:ln>
         </p:spPr>
@@ -9484,468 +11434,14 @@
       </p:sp>
       <p:sp>
         <p:nvSpPr>
-          <p:cNvPr id="62" name="별: 꼭짓점 5개 61"/>
-          <p:cNvSpPr/>
+          <p:cNvPr id="60" name="TextBox 11"/>
+          <p:cNvSpPr txBox="1"/>
           <p:nvPr/>
         </p:nvSpPr>
         <p:spPr>
           <a:xfrm>
-            <a:off x="5480555" y="2311829"/>
-            <a:ext cx="1230890" cy="1230890"/>
-          </a:xfrm>
-          <a:custGeom>
-            <a:avLst/>
-            <a:gdLst>
-              <a:gd name="connsiteX0" fmla="*/ 1 w 1230890"/>
-              <a:gd name="connsiteY0" fmla="*/ 470157 h 1230890"/>
-              <a:gd name="connsiteX1" fmla="*/ 470161 w 1230890"/>
-              <a:gd name="connsiteY1" fmla="*/ 470160 h 1230890"/>
-              <a:gd name="connsiteX2" fmla="*/ 615445 w 1230890"/>
-              <a:gd name="connsiteY2" fmla="*/ 0 h 1230890"/>
-              <a:gd name="connsiteX3" fmla="*/ 760729 w 1230890"/>
-              <a:gd name="connsiteY3" fmla="*/ 470160 h 1230890"/>
-              <a:gd name="connsiteX4" fmla="*/ 1230889 w 1230890"/>
-              <a:gd name="connsiteY4" fmla="*/ 470157 h 1230890"/>
-              <a:gd name="connsiteX5" fmla="*/ 850520 w 1230890"/>
-              <a:gd name="connsiteY5" fmla="*/ 760729 h 1230890"/>
-              <a:gd name="connsiteX6" fmla="*/ 995810 w 1230890"/>
-              <a:gd name="connsiteY6" fmla="*/ 1230887 h 1230890"/>
-              <a:gd name="connsiteX7" fmla="*/ 615445 w 1230890"/>
-              <a:gd name="connsiteY7" fmla="*/ 940310 h 1230890"/>
-              <a:gd name="connsiteX8" fmla="*/ 235080 w 1230890"/>
-              <a:gd name="connsiteY8" fmla="*/ 1230887 h 1230890"/>
-              <a:gd name="connsiteX9" fmla="*/ 380370 w 1230890"/>
-              <a:gd name="connsiteY9" fmla="*/ 760729 h 1230890"/>
-              <a:gd name="connsiteX10" fmla="*/ 1 w 1230890"/>
-              <a:gd name="connsiteY10" fmla="*/ 470157 h 1230890"/>
-            </a:gdLst>
-            <a:cxnLst>
-              <a:cxn ang="0">
-                <a:pos x="connsiteX0" y="connsiteY0"/>
-              </a:cxn>
-              <a:cxn ang="0">
-                <a:pos x="connsiteX1" y="connsiteY1"/>
-              </a:cxn>
-              <a:cxn ang="0">
-                <a:pos x="connsiteX2" y="connsiteY2"/>
-              </a:cxn>
-              <a:cxn ang="0">
-                <a:pos x="connsiteX3" y="connsiteY3"/>
-              </a:cxn>
-              <a:cxn ang="0">
-                <a:pos x="connsiteX4" y="connsiteY4"/>
-              </a:cxn>
-              <a:cxn ang="0">
-                <a:pos x="connsiteX5" y="connsiteY5"/>
-              </a:cxn>
-              <a:cxn ang="0">
-                <a:pos x="connsiteX6" y="connsiteY6"/>
-              </a:cxn>
-              <a:cxn ang="0">
-                <a:pos x="connsiteX7" y="connsiteY7"/>
-              </a:cxn>
-              <a:cxn ang="0">
-                <a:pos x="connsiteX8" y="connsiteY8"/>
-              </a:cxn>
-              <a:cxn ang="0">
-                <a:pos x="connsiteX9" y="connsiteY9"/>
-              </a:cxn>
-              <a:cxn ang="0">
-                <a:pos x="connsiteX10" y="connsiteY10"/>
-              </a:cxn>
-            </a:cxnLst>
-            <a:rect l="l" t="t" r="r" b="b"/>
-            <a:pathLst>
-              <a:path w="1230890" h="1230890" fill="none" extrusionOk="0">
-                <a:moveTo>
-                  <a:pt x="1" y="470157"/>
-                </a:moveTo>
-                <a:cubicBezTo>
-                  <a:pt x="224332" y="437811"/>
-                  <a:pt x="421605" y="442267"/>
-                  <a:pt x="470161" y="470160"/>
-                </a:cubicBezTo>
-                <a:cubicBezTo>
-                  <a:pt x="549671" y="278847"/>
-                  <a:pt x="593782" y="65927"/>
-                  <a:pt x="615445" y="0"/>
-                </a:cubicBezTo>
-                <a:cubicBezTo>
-                  <a:pt x="677391" y="158609"/>
-                  <a:pt x="775428" y="380652"/>
-                  <a:pt x="760729" y="470160"/>
-                </a:cubicBezTo>
-                <a:cubicBezTo>
-                  <a:pt x="953097" y="478871"/>
-                  <a:pt x="1138106" y="479262"/>
-                  <a:pt x="1230889" y="470157"/>
-                </a:cubicBezTo>
-                <a:cubicBezTo>
-                  <a:pt x="1117668" y="551521"/>
-                  <a:pt x="925657" y="713319"/>
-                  <a:pt x="850520" y="760729"/>
-                </a:cubicBezTo>
-                <a:cubicBezTo>
-                  <a:pt x="860430" y="879215"/>
-                  <a:pt x="1010581" y="1134810"/>
-                  <a:pt x="995810" y="1230887"/>
-                </a:cubicBezTo>
-                <a:cubicBezTo>
-                  <a:pt x="949958" y="1176968"/>
-                  <a:pt x="685203" y="948725"/>
-                  <a:pt x="615445" y="940310"/>
-                </a:cubicBezTo>
-                <a:cubicBezTo>
-                  <a:pt x="543246" y="999626"/>
-                  <a:pt x="306940" y="1127034"/>
-                  <a:pt x="235080" y="1230887"/>
-                </a:cubicBezTo>
-                <a:cubicBezTo>
-                  <a:pt x="250169" y="1132616"/>
-                  <a:pt x="325291" y="843033"/>
-                  <a:pt x="380370" y="760729"/>
-                </a:cubicBezTo>
-                <a:cubicBezTo>
-                  <a:pt x="279688" y="688647"/>
-                  <a:pt x="94758" y="499026"/>
-                  <a:pt x="1" y="470157"/>
-                </a:cubicBezTo>
-                <a:close/>
-              </a:path>
-              <a:path w="1230890" h="1230890" stroke="0" extrusionOk="0">
-                <a:moveTo>
-                  <a:pt x="1" y="470157"/>
-                </a:moveTo>
-                <a:cubicBezTo>
-                  <a:pt x="229013" y="456353"/>
-                  <a:pt x="422641" y="483990"/>
-                  <a:pt x="470161" y="470160"/>
-                </a:cubicBezTo>
-                <a:cubicBezTo>
-                  <a:pt x="515430" y="276895"/>
-                  <a:pt x="566887" y="133851"/>
-                  <a:pt x="615445" y="0"/>
-                </a:cubicBezTo>
-                <a:cubicBezTo>
-                  <a:pt x="663845" y="229510"/>
-                  <a:pt x="733322" y="369564"/>
-                  <a:pt x="760729" y="470160"/>
-                </a:cubicBezTo>
-                <a:cubicBezTo>
-                  <a:pt x="946376" y="434213"/>
-                  <a:pt x="1033356" y="490993"/>
-                  <a:pt x="1230889" y="470157"/>
-                </a:cubicBezTo>
-                <a:cubicBezTo>
-                  <a:pt x="1146049" y="566245"/>
-                  <a:pt x="977012" y="670307"/>
-                  <a:pt x="850520" y="760729"/>
-                </a:cubicBezTo>
-                <a:cubicBezTo>
-                  <a:pt x="893448" y="877831"/>
-                  <a:pt x="922971" y="1113452"/>
-                  <a:pt x="995810" y="1230887"/>
-                </a:cubicBezTo>
-                <a:cubicBezTo>
-                  <a:pt x="880630" y="1195903"/>
-                  <a:pt x="760150" y="1091697"/>
-                  <a:pt x="615445" y="940310"/>
-                </a:cubicBezTo>
-                <a:cubicBezTo>
-                  <a:pt x="466526" y="1018633"/>
-                  <a:pt x="284228" y="1190036"/>
-                  <a:pt x="235080" y="1230887"/>
-                </a:cubicBezTo>
-                <a:cubicBezTo>
-                  <a:pt x="247064" y="1098319"/>
-                  <a:pt x="323610" y="875957"/>
-                  <a:pt x="380370" y="760729"/>
-                </a:cubicBezTo>
-                <a:cubicBezTo>
-                  <a:pt x="222145" y="646314"/>
-                  <a:pt x="72748" y="488444"/>
-                  <a:pt x="1" y="470157"/>
-                </a:cubicBezTo>
-                <a:close/>
-              </a:path>
-            </a:pathLst>
-          </a:custGeom>
-          <a:solidFill>
-            <a:schemeClr val="accent4">
-              <a:lumMod val="60000"/>
-              <a:lumOff val="40000"/>
-            </a:schemeClr>
-          </a:solidFill>
-          <a:ln>
-            <a:solidFill>
-              <a:srgbClr val="9a8b85"/>
-            </a:solidFill>
-          </a:ln>
-        </p:spPr>
-        <p:style>
-          <a:lnRef idx="2">
-            <a:schemeClr val="accent1">
-              <a:shade val="50000"/>
-            </a:schemeClr>
-          </a:lnRef>
-          <a:fillRef idx="1">
-            <a:schemeClr val="accent1"/>
-          </a:fillRef>
-          <a:effectRef idx="0">
-            <a:schemeClr val="accent1"/>
-          </a:effectRef>
-          <a:fontRef idx="minor">
-            <a:schemeClr val="lt1"/>
-          </a:fontRef>
-        </p:style>
-        <p:txBody>
-          <a:bodyPr anchor="ctr"/>
-          <a:lstStyle/>
-          <a:p>
-            <a:pPr algn="ctr">
-              <a:defRPr/>
-            </a:pPr>
-            <a:endParaRPr lang="ko-KR" altLang="en-US"/>
-          </a:p>
-        </p:txBody>
-      </p:sp>
-      <p:sp>
-        <p:nvSpPr>
-          <p:cNvPr id="65" name="별: 꼭짓점 5개 64"/>
-          <p:cNvSpPr/>
-          <p:nvPr/>
-        </p:nvSpPr>
-        <p:spPr>
-          <a:xfrm>
-            <a:off x="6895967" y="2311829"/>
-            <a:ext cx="1230890" cy="1230890"/>
-          </a:xfrm>
-          <a:custGeom>
-            <a:avLst/>
-            <a:gdLst>
-              <a:gd name="connsiteX0" fmla="*/ 1 w 1230890"/>
-              <a:gd name="connsiteY0" fmla="*/ 470157 h 1230890"/>
-              <a:gd name="connsiteX1" fmla="*/ 470161 w 1230890"/>
-              <a:gd name="connsiteY1" fmla="*/ 470160 h 1230890"/>
-              <a:gd name="connsiteX2" fmla="*/ 615445 w 1230890"/>
-              <a:gd name="connsiteY2" fmla="*/ 0 h 1230890"/>
-              <a:gd name="connsiteX3" fmla="*/ 760729 w 1230890"/>
-              <a:gd name="connsiteY3" fmla="*/ 470160 h 1230890"/>
-              <a:gd name="connsiteX4" fmla="*/ 1230889 w 1230890"/>
-              <a:gd name="connsiteY4" fmla="*/ 470157 h 1230890"/>
-              <a:gd name="connsiteX5" fmla="*/ 850520 w 1230890"/>
-              <a:gd name="connsiteY5" fmla="*/ 760729 h 1230890"/>
-              <a:gd name="connsiteX6" fmla="*/ 995810 w 1230890"/>
-              <a:gd name="connsiteY6" fmla="*/ 1230887 h 1230890"/>
-              <a:gd name="connsiteX7" fmla="*/ 615445 w 1230890"/>
-              <a:gd name="connsiteY7" fmla="*/ 940310 h 1230890"/>
-              <a:gd name="connsiteX8" fmla="*/ 235080 w 1230890"/>
-              <a:gd name="connsiteY8" fmla="*/ 1230887 h 1230890"/>
-              <a:gd name="connsiteX9" fmla="*/ 380370 w 1230890"/>
-              <a:gd name="connsiteY9" fmla="*/ 760729 h 1230890"/>
-              <a:gd name="connsiteX10" fmla="*/ 1 w 1230890"/>
-              <a:gd name="connsiteY10" fmla="*/ 470157 h 1230890"/>
-            </a:gdLst>
-            <a:cxnLst>
-              <a:cxn ang="0">
-                <a:pos x="connsiteX0" y="connsiteY0"/>
-              </a:cxn>
-              <a:cxn ang="0">
-                <a:pos x="connsiteX1" y="connsiteY1"/>
-              </a:cxn>
-              <a:cxn ang="0">
-                <a:pos x="connsiteX2" y="connsiteY2"/>
-              </a:cxn>
-              <a:cxn ang="0">
-                <a:pos x="connsiteX3" y="connsiteY3"/>
-              </a:cxn>
-              <a:cxn ang="0">
-                <a:pos x="connsiteX4" y="connsiteY4"/>
-              </a:cxn>
-              <a:cxn ang="0">
-                <a:pos x="connsiteX5" y="connsiteY5"/>
-              </a:cxn>
-              <a:cxn ang="0">
-                <a:pos x="connsiteX6" y="connsiteY6"/>
-              </a:cxn>
-              <a:cxn ang="0">
-                <a:pos x="connsiteX7" y="connsiteY7"/>
-              </a:cxn>
-              <a:cxn ang="0">
-                <a:pos x="connsiteX8" y="connsiteY8"/>
-              </a:cxn>
-              <a:cxn ang="0">
-                <a:pos x="connsiteX9" y="connsiteY9"/>
-              </a:cxn>
-              <a:cxn ang="0">
-                <a:pos x="connsiteX10" y="connsiteY10"/>
-              </a:cxn>
-            </a:cxnLst>
-            <a:rect l="l" t="t" r="r" b="b"/>
-            <a:pathLst>
-              <a:path w="1230890" h="1230890" fill="none" extrusionOk="0">
-                <a:moveTo>
-                  <a:pt x="1" y="470157"/>
-                </a:moveTo>
-                <a:cubicBezTo>
-                  <a:pt x="211214" y="493508"/>
-                  <a:pt x="405853" y="489665"/>
-                  <a:pt x="470161" y="470160"/>
-                </a:cubicBezTo>
-                <a:cubicBezTo>
-                  <a:pt x="554975" y="329814"/>
-                  <a:pt x="605306" y="49782"/>
-                  <a:pt x="615445" y="0"/>
-                </a:cubicBezTo>
-                <a:cubicBezTo>
-                  <a:pt x="671961" y="193661"/>
-                  <a:pt x="759804" y="346584"/>
-                  <a:pt x="760729" y="470160"/>
-                </a:cubicBezTo>
-                <a:cubicBezTo>
-                  <a:pt x="909629" y="503552"/>
-                  <a:pt x="1179519" y="443540"/>
-                  <a:pt x="1230889" y="470157"/>
-                </a:cubicBezTo>
-                <a:cubicBezTo>
-                  <a:pt x="1177729" y="502890"/>
-                  <a:pt x="938074" y="693583"/>
-                  <a:pt x="850520" y="760729"/>
-                </a:cubicBezTo>
-                <a:cubicBezTo>
-                  <a:pt x="898703" y="807084"/>
-                  <a:pt x="954016" y="1034414"/>
-                  <a:pt x="995810" y="1230887"/>
-                </a:cubicBezTo>
-                <a:cubicBezTo>
-                  <a:pt x="902575" y="1213444"/>
-                  <a:pt x="782712" y="1087920"/>
-                  <a:pt x="615445" y="940310"/>
-                </a:cubicBezTo>
-                <a:cubicBezTo>
-                  <a:pt x="512017" y="1000454"/>
-                  <a:pt x="353343" y="1137732"/>
-                  <a:pt x="235080" y="1230887"/>
-                </a:cubicBezTo>
-                <a:cubicBezTo>
-                  <a:pt x="224056" y="1128106"/>
-                  <a:pt x="310888" y="890419"/>
-                  <a:pt x="380370" y="760729"/>
-                </a:cubicBezTo>
-                <a:cubicBezTo>
-                  <a:pt x="229745" y="650541"/>
-                  <a:pt x="41873" y="526954"/>
-                  <a:pt x="1" y="470157"/>
-                </a:cubicBezTo>
-                <a:close/>
-              </a:path>
-              <a:path w="1230890" h="1230890" stroke="0" extrusionOk="0">
-                <a:moveTo>
-                  <a:pt x="1" y="470157"/>
-                </a:moveTo>
-                <a:cubicBezTo>
-                  <a:pt x="143999" y="463619"/>
-                  <a:pt x="291709" y="492831"/>
-                  <a:pt x="470161" y="470160"/>
-                </a:cubicBezTo>
-                <a:cubicBezTo>
-                  <a:pt x="519087" y="230185"/>
-                  <a:pt x="530214" y="134804"/>
-                  <a:pt x="615445" y="0"/>
-                </a:cubicBezTo>
-                <a:cubicBezTo>
-                  <a:pt x="651203" y="162238"/>
-                  <a:pt x="660196" y="263789"/>
-                  <a:pt x="760729" y="470160"/>
-                </a:cubicBezTo>
-                <a:cubicBezTo>
-                  <a:pt x="885501" y="453349"/>
-                  <a:pt x="1160276" y="446024"/>
-                  <a:pt x="1230889" y="470157"/>
-                </a:cubicBezTo>
-                <a:cubicBezTo>
-                  <a:pt x="1159953" y="556302"/>
-                  <a:pt x="1045858" y="653174"/>
-                  <a:pt x="850520" y="760729"/>
-                </a:cubicBezTo>
-                <a:cubicBezTo>
-                  <a:pt x="893006" y="869418"/>
-                  <a:pt x="927877" y="1035802"/>
-                  <a:pt x="995810" y="1230887"/>
-                </a:cubicBezTo>
-                <a:cubicBezTo>
-                  <a:pt x="880442" y="1106521"/>
-                  <a:pt x="816209" y="1070680"/>
-                  <a:pt x="615445" y="940310"/>
-                </a:cubicBezTo>
-                <a:cubicBezTo>
-                  <a:pt x="586220" y="1012287"/>
-                  <a:pt x="343556" y="1138751"/>
-                  <a:pt x="235080" y="1230887"/>
-                </a:cubicBezTo>
-                <a:cubicBezTo>
-                  <a:pt x="335038" y="1055925"/>
-                  <a:pt x="321716" y="809912"/>
-                  <a:pt x="380370" y="760729"/>
-                </a:cubicBezTo>
-                <a:cubicBezTo>
-                  <a:pt x="363796" y="695611"/>
-                  <a:pt x="129356" y="568695"/>
-                  <a:pt x="1" y="470157"/>
-                </a:cubicBezTo>
-                <a:close/>
-              </a:path>
-            </a:pathLst>
-          </a:custGeom>
-          <a:solidFill>
-            <a:schemeClr val="accent4">
-              <a:lumMod val="60000"/>
-              <a:lumOff val="40000"/>
-            </a:schemeClr>
-          </a:solidFill>
-          <a:ln>
-            <a:solidFill>
-              <a:srgbClr val="9a8b85"/>
-            </a:solidFill>
-          </a:ln>
-        </p:spPr>
-        <p:style>
-          <a:lnRef idx="2">
-            <a:schemeClr val="accent1">
-              <a:shade val="50000"/>
-            </a:schemeClr>
-          </a:lnRef>
-          <a:fillRef idx="1">
-            <a:schemeClr val="accent1"/>
-          </a:fillRef>
-          <a:effectRef idx="0">
-            <a:schemeClr val="accent1"/>
-          </a:effectRef>
-          <a:fontRef idx="minor">
-            <a:schemeClr val="lt1"/>
-          </a:fontRef>
-        </p:style>
-        <p:txBody>
-          <a:bodyPr anchor="ctr"/>
-          <a:lstStyle/>
-          <a:p>
-            <a:pPr algn="ctr">
-              <a:defRPr/>
-            </a:pPr>
-            <a:endParaRPr lang="ko-KR" altLang="en-US"/>
-          </a:p>
-        </p:txBody>
-      </p:sp>
-      <p:sp>
-        <p:nvSpPr>
-          <p:cNvPr id="9" name="TextBox 8"/>
-          <p:cNvSpPr txBox="1"/>
-          <p:nvPr/>
-        </p:nvSpPr>
-        <p:spPr>
-          <a:xfrm>
-            <a:off x="2652799" y="4435015"/>
-            <a:ext cx="6689984" cy="1251254"/>
+            <a:off x="6625512" y="3662265"/>
+            <a:ext cx="4744601" cy="641130"/>
           </a:xfrm>
           <a:prstGeom prst="rect">
             <a:avLst/>
@@ -9953,140 +11449,60 @@
           <a:noFill/>
         </p:spPr>
         <p:txBody>
-          <a:bodyPr wrap="square">
+          <a:bodyPr vert="horz" wrap="square" lIns="91440" tIns="45720" rIns="91440" bIns="45720" anchor="t">
             <a:spAutoFit/>
           </a:bodyPr>
           <a:lstStyle/>
           <a:p>
             <a:pPr algn="ctr">
+              <a:lnSpc>
+                <a:spcPct val="150000"/>
+              </a:lnSpc>
               <a:defRPr/>
             </a:pPr>
             <a:r>
-              <a:rPr lang="en-US" altLang="ko-KR" sz="2200">
+              <a:rPr lang="ko-KR" altLang="en-US" sz="2400" kern="1400">
                 <a:solidFill>
-                  <a:srgbClr val="c80000"/>
-                </a:solidFill>
-                <a:latin typeface="210 스탠다드 040"/>
-                <a:ea typeface="210 스탠다드 040"/>
-              </a:rPr>
-              <a:t>“</a:t>
-            </a:r>
-            <a:r>
-              <a:rPr lang="ko-KR" altLang="en-US" sz="2200">
-                <a:solidFill>
-                  <a:srgbClr val="c80000"/>
-                </a:solidFill>
-                <a:latin typeface="210 스탠다드 040"/>
-                <a:ea typeface="210 스탠다드 040"/>
-              </a:rPr>
-              <a:t>완전 추천해요</a:t>
-            </a:r>
-            <a:r>
-              <a:rPr lang="en-US" altLang="ko-KR" sz="2200">
-                <a:solidFill>
-                  <a:srgbClr val="c80000"/>
-                </a:solidFill>
-                <a:latin typeface="210 스탠다드 040"/>
-                <a:ea typeface="210 스탠다드 040"/>
-              </a:rPr>
-              <a:t>.”</a:t>
-            </a:r>
-            <a:endParaRPr lang="en-US" altLang="ko-KR" sz="2200">
-              <a:solidFill>
-                <a:srgbClr val="c80000"/>
-              </a:solidFill>
-              <a:latin typeface="210 스탠다드 040"/>
-              <a:ea typeface="210 스탠다드 040"/>
-            </a:endParaRPr>
-          </a:p>
-          <a:p>
-            <a:pPr algn="ctr">
-              <a:defRPr/>
-            </a:pPr>
-            <a:endParaRPr lang="en-US" altLang="ko-KR">
-              <a:latin typeface="DX영화자막 M"/>
-              <a:ea typeface="DX영화자막 M"/>
-            </a:endParaRPr>
-          </a:p>
-          <a:p>
-            <a:pPr algn="ctr">
-              <a:defRPr/>
-            </a:pPr>
-            <a:r>
-              <a:rPr lang="ko-KR" altLang="en-US">
-                <a:latin typeface="DX영화자막 M"/>
-                <a:ea typeface="DX영화자막 M"/>
-              </a:rPr>
-              <a:t>힘들 때마다 꺼내 보며 위로 받고 싶은 책</a:t>
-            </a:r>
-            <a:endParaRPr lang="ko-KR" altLang="en-US">
-              <a:latin typeface="DX영화자막 M"/>
-              <a:ea typeface="DX영화자막 M"/>
-            </a:endParaRPr>
-          </a:p>
-          <a:p>
-            <a:pPr algn="ctr">
-              <a:defRPr/>
-            </a:pPr>
-            <a:r>
-              <a:rPr lang="ko-KR" altLang="en-US">
-                <a:latin typeface="DX영화자막 M"/>
-                <a:ea typeface="DX영화자막 M"/>
-              </a:rPr>
-              <a:t>소중한 사람에게 선물하면 좋을 책</a:t>
-            </a:r>
-            <a:endParaRPr lang="ko-KR" altLang="en-US">
-              <a:latin typeface="DX영화자막 M"/>
-              <a:ea typeface="DX영화자막 M"/>
-            </a:endParaRPr>
-          </a:p>
-        </p:txBody>
-      </p:sp>
-      <p:sp>
-        <p:nvSpPr>
-          <p:cNvPr id="42" name="TextBox 41"/>
-          <p:cNvSpPr txBox="1"/>
-          <p:nvPr/>
-        </p:nvSpPr>
-        <p:spPr>
-          <a:xfrm>
-            <a:off x="5629302" y="713595"/>
-            <a:ext cx="1499546" cy="446550"/>
-          </a:xfrm>
-          <a:prstGeom prst="rect">
-            <a:avLst/>
-          </a:prstGeom>
-          <a:noFill/>
-          <a:ln w="9525">
-            <a:noFill/>
-          </a:ln>
-        </p:spPr>
-        <p:txBody>
-          <a:bodyPr wrap="square">
-            <a:spAutoFit/>
-          </a:bodyPr>
-          <a:lstStyle/>
-          <a:p>
-            <a:pPr lvl="0">
-              <a:defRPr/>
-            </a:pPr>
-            <a:r>
-              <a:rPr lang="ko-KR" altLang="en-US" sz="2400">
-                <a:solidFill>
-                  <a:schemeClr val="tx1">
-                    <a:alpha val="71000"/>
-                  </a:schemeClr>
+                  <a:schemeClr val="tx1"/>
                 </a:solidFill>
                 <a:latin typeface="DX영화자막 M"/>
                 <a:ea typeface="DX영화자막 M"/>
               </a:rPr>
-              <a:t>후 기</a:t>
-            </a:r>
-            <a:endParaRPr lang="ko-KR" altLang="en-US" sz="2400">
+              <a:t>몰입의 다른 표현은 </a:t>
+            </a:r>
+            <a:r>
+              <a:rPr lang="en-US" altLang="ko-KR" sz="2400" kern="1400">
+                <a:solidFill>
+                  <a:schemeClr val="tx1"/>
+                </a:solidFill>
+                <a:latin typeface="DX영화자막 M"/>
+                <a:ea typeface="DX영화자막 M"/>
+              </a:rPr>
+              <a:t>‘</a:t>
+            </a:r>
+            <a:r>
+              <a:rPr lang="ko-KR" altLang="en-US" sz="2400" kern="1400">
+                <a:solidFill>
+                  <a:schemeClr val="tx1"/>
+                </a:solidFill>
+                <a:latin typeface="DX영화자막 M"/>
+                <a:ea typeface="DX영화자막 M"/>
+              </a:rPr>
+              <a:t>행복</a:t>
+            </a:r>
+            <a:r>
+              <a:rPr lang="en-US" altLang="ko-KR" sz="2400" kern="1400">
+                <a:solidFill>
+                  <a:schemeClr val="tx1"/>
+                </a:solidFill>
+                <a:latin typeface="DX영화자막 M"/>
+                <a:ea typeface="DX영화자막 M"/>
+              </a:rPr>
+              <a:t>’</a:t>
+            </a:r>
+            <a:endParaRPr lang="ko-KR" altLang="en-US" sz="2400" kern="1400">
               <a:solidFill>
-                <a:schemeClr val="tx1">
-                  <a:alpha val="71000"/>
-                </a:schemeClr>
+                <a:schemeClr val="tx1"/>
               </a:solidFill>
               <a:latin typeface="DX영화자막 M"/>
               <a:ea typeface="DX영화자막 M"/>
@@ -10096,14 +11512,14 @@
       </p:sp>
       <p:sp>
         <p:nvSpPr>
-          <p:cNvPr id="53" name="TextBox 52"/>
+          <p:cNvPr id="61" name="TextBox 11"/>
           <p:cNvSpPr txBox="1"/>
           <p:nvPr/>
         </p:nvSpPr>
         <p:spPr>
-          <a:xfrm flipH="1">
-            <a:off x="5041092" y="342101"/>
-            <a:ext cx="2123658" cy="294169"/>
+          <a:xfrm>
+            <a:off x="1189266" y="3561961"/>
+            <a:ext cx="4744601" cy="1184250"/>
           </a:xfrm>
           <a:prstGeom prst="rect">
             <a:avLst/>
@@ -10111,31 +11527,85 @@
           <a:noFill/>
         </p:spPr>
         <p:txBody>
-          <a:bodyPr vert="horz" wrap="square">
+          <a:bodyPr vert="horz" wrap="square" lIns="91440" tIns="45720" rIns="91440" bIns="45720" anchor="t">
             <a:spAutoFit/>
           </a:bodyPr>
           <a:lstStyle/>
           <a:p>
-            <a:pPr algn="dist">
+            <a:pPr algn="ctr">
+              <a:lnSpc>
+                <a:spcPct val="150000"/>
+              </a:lnSpc>
               <a:defRPr/>
             </a:pPr>
             <a:r>
-              <a:rPr lang="en-US" altLang="ko-KR" sz="1400">
+              <a:rPr lang="ko-KR" altLang="en-US" sz="2400" kern="1400">
                 <a:solidFill>
-                  <a:schemeClr val="tx1">
-                    <a:alpha val="71000"/>
-                  </a:schemeClr>
+                  <a:schemeClr val="tx1"/>
                 </a:solidFill>
                 <a:latin typeface="DX영화자막 M"/>
                 <a:ea typeface="DX영화자막 M"/>
               </a:rPr>
-              <a:t>SLOW THINKING</a:t>
-            </a:r>
-            <a:endParaRPr lang="ko-KR" altLang="en-US" sz="1400">
+              <a:t>속도를 늦출수록 탁월해지는</a:t>
+            </a:r>
+            <a:endParaRPr lang="ko-KR" altLang="en-US" sz="2400" kern="1400">
               <a:solidFill>
-                <a:schemeClr val="tx1">
-                  <a:alpha val="71000"/>
-                </a:schemeClr>
+                <a:schemeClr val="tx1"/>
+              </a:solidFill>
+              <a:latin typeface="DX영화자막 M"/>
+              <a:ea typeface="DX영화자막 M"/>
+            </a:endParaRPr>
+          </a:p>
+          <a:p>
+            <a:pPr algn="ctr">
+              <a:lnSpc>
+                <a:spcPct val="150000"/>
+              </a:lnSpc>
+              <a:defRPr/>
+            </a:pPr>
+            <a:r>
+              <a:rPr lang="ko-KR" altLang="en-US" sz="2400" kern="1400">
+                <a:solidFill>
+                  <a:schemeClr val="tx1"/>
+                </a:solidFill>
+                <a:latin typeface="DX영화자막 M"/>
+                <a:ea typeface="DX영화자막 M"/>
+              </a:rPr>
+              <a:t> 생각의 </a:t>
+            </a:r>
+            <a:r>
+              <a:rPr lang="en-US" altLang="ko-KR" sz="2400" kern="1400">
+                <a:solidFill>
+                  <a:schemeClr val="tx1"/>
+                </a:solidFill>
+                <a:latin typeface="DX영화자막 M"/>
+                <a:ea typeface="DX영화자막 M"/>
+              </a:rPr>
+              <a:t>‘</a:t>
+            </a:r>
+            <a:r>
+              <a:rPr lang="ko-KR" altLang="en-US" sz="2400" kern="1400">
+                <a:solidFill>
+                  <a:schemeClr val="tx1"/>
+                </a:solidFill>
+                <a:latin typeface="DX영화자막 M"/>
+                <a:ea typeface="DX영화자막 M"/>
+              </a:rPr>
+              <a:t>힘</a:t>
+            </a:r>
+            <a:r>
+              <a:rPr lang="en-US" altLang="ko-KR" sz="2400" kern="1400">
+                <a:solidFill>
+                  <a:schemeClr val="tx1"/>
+                </a:solidFill>
+                <a:latin typeface="DX영화자막 M"/>
+                <a:ea typeface="DX영화자막 M"/>
+              </a:rPr>
+              <a:t>’</a:t>
+            </a:r>
+            <a:endParaRPr lang="en-US" altLang="ko-KR" sz="2400" kern="1400">
+              <a:solidFill>
+                <a:schemeClr val="tx1"/>
               </a:solidFill>
               <a:latin typeface="DX영화자막 M"/>
               <a:ea typeface="DX영화자막 M"/>
@@ -10346,14 +11816,14 @@
       </p:grpSp>
       <p:sp>
         <p:nvSpPr>
-          <p:cNvPr id="26" name="TextBox 25"/>
+          <p:cNvPr id="12" name="TextBox 11"/>
           <p:cNvSpPr txBox="1"/>
           <p:nvPr/>
         </p:nvSpPr>
         <p:spPr>
-          <a:xfrm flipH="1">
-            <a:off x="4506439" y="717111"/>
-            <a:ext cx="3078306" cy="400110"/>
+          <a:xfrm>
+            <a:off x="1310354" y="2950725"/>
+            <a:ext cx="9594574" cy="638295"/>
           </a:xfrm>
           <a:prstGeom prst="rect">
             <a:avLst/>
@@ -10361,6 +11831,41 @@
           <a:noFill/>
         </p:spPr>
         <p:txBody>
+          <a:bodyPr wrap="square">
+            <a:spAutoFit/>
+          </a:bodyPr>
+          <a:lstStyle/>
+          <a:p>
+            <a:pPr algn="ctr">
+              <a:lnSpc>
+                <a:spcPct val="150000"/>
+              </a:lnSpc>
+              <a:defRPr/>
+            </a:pPr>
+            <a:endParaRPr lang="ko-KR" altLang="en-US" sz="2400">
+              <a:latin typeface="DX영화자막 M"/>
+              <a:ea typeface="DX영화자막 M"/>
+            </a:endParaRPr>
+          </a:p>
+        </p:txBody>
+      </p:sp>
+      <p:sp>
+        <p:nvSpPr>
+          <p:cNvPr id="52" name="TextBox 51"/>
+          <p:cNvSpPr txBox="1"/>
+          <p:nvPr/>
+        </p:nvSpPr>
+        <p:spPr>
+          <a:xfrm flipH="1">
+            <a:off x="5041092" y="342101"/>
+            <a:ext cx="2123658" cy="294169"/>
+          </a:xfrm>
+          <a:prstGeom prst="rect">
+            <a:avLst/>
+          </a:prstGeom>
+          <a:noFill/>
+        </p:spPr>
+        <p:txBody>
           <a:bodyPr vert="horz" wrap="square">
             <a:spAutoFit/>
           </a:bodyPr>
@@ -10370,7 +11875,7 @@
               <a:defRPr/>
             </a:pPr>
             <a:r>
-              <a:rPr lang="en-US" altLang="ko-KR" sz="2000">
+              <a:rPr lang="en-US" altLang="ko-KR" sz="1400">
                 <a:solidFill>
                   <a:schemeClr val="tx1">
                     <a:alpha val="71000"/>
@@ -10381,7 +11886,7 @@
               </a:rPr>
               <a:t>SLOW THINKING</a:t>
             </a:r>
-            <a:endParaRPr lang="ko-KR" altLang="en-US" sz="2000">
+            <a:endParaRPr lang="ko-KR" altLang="en-US" sz="1400">
               <a:solidFill>
                 <a:schemeClr val="tx1">
                   <a:alpha val="71000"/>
@@ -10393,9 +11898,61 @@
           </a:p>
         </p:txBody>
       </p:sp>
+      <p:sp>
+        <p:nvSpPr>
+          <p:cNvPr id="55" name="TextBox 54"/>
+          <p:cNvSpPr txBox="1"/>
+          <p:nvPr/>
+        </p:nvSpPr>
+        <p:spPr>
+          <a:xfrm>
+            <a:off x="5629302" y="713595"/>
+            <a:ext cx="1499547" cy="446550"/>
+          </a:xfrm>
+          <a:prstGeom prst="rect">
+            <a:avLst/>
+          </a:prstGeom>
+          <a:noFill/>
+          <a:ln w="9525">
+            <a:noFill/>
+          </a:ln>
+        </p:spPr>
+        <p:txBody>
+          <a:bodyPr wrap="square">
+            <a:spAutoFit/>
+          </a:bodyPr>
+          <a:lstStyle/>
+          <a:p>
+            <a:pPr lvl="0">
+              <a:defRPr/>
+            </a:pPr>
+            <a:r>
+              <a:rPr lang="ko-KR" altLang="en-US" sz="2400">
+                <a:solidFill>
+                  <a:schemeClr val="tx1">
+                    <a:alpha val="71000"/>
+                  </a:schemeClr>
+                </a:solidFill>
+                <a:latin typeface="DX영화자막 M"/>
+                <a:ea typeface="DX영화자막 M"/>
+              </a:rPr>
+              <a:t>사 례</a:t>
+            </a:r>
+            <a:endParaRPr lang="ko-KR" altLang="en-US" sz="2400">
+              <a:solidFill>
+                <a:schemeClr val="tx1">
+                  <a:alpha val="71000"/>
+                </a:schemeClr>
+              </a:solidFill>
+              <a:latin typeface="DX영화자막 M"/>
+              <a:ea typeface="DX영화자막 M"/>
+            </a:endParaRPr>
+          </a:p>
+        </p:txBody>
+      </p:sp>
       <p:pic>
         <p:nvPicPr>
-          <p:cNvPr id="70" name=""/>
+          <p:cNvPr id="66" name=""/>
           <p:cNvPicPr>
             <a:picLocks noChangeAspect="1"/>
           </p:cNvPicPr>
@@ -10409,8 +11966,8 @@
         </p:blipFill>
         <p:spPr>
           <a:xfrm>
-            <a:off x="2804307" y="137307"/>
-            <a:ext cx="6583385" cy="6583385"/>
+            <a:off x="3113053" y="1380849"/>
+            <a:ext cx="5965893" cy="5240757"/>
           </a:xfrm>
           <a:prstGeom prst="rect">
             <a:avLst/>

--- a/2조.pptx
+++ b/2조.pptx
@@ -2,7 +2,7 @@
 <file path=ppt/presentation.xml><?xml version="1.0" encoding="utf-8"?>
 <p:presentation xmlns:r="http://schemas.openxmlformats.org/officeDocument/2006/relationships" xmlns:c="http://schemas.openxmlformats.org/drawingml/2006/chart" xmlns:a="http://schemas.openxmlformats.org/drawingml/2006/main" xmlns:dgm="http://schemas.openxmlformats.org/drawingml/2006/diagram" xmlns:dsp="http://schemas.microsoft.com/office/drawing/2008/diagram" xmlns:p="http://schemas.openxmlformats.org/presentationml/2006/main" embedTrueTypeFonts="1" saveSubsetFonts="1" autoCompressPictures="0">
   <p:sldMasterIdLst>
-    <p:sldMasterId id="2147483665" r:id="rId1"/>
+    <p:sldMasterId id="2147483662" r:id="rId1"/>
   </p:sldMasterIdLst>
   <p:sldIdLst>
     <p:sldId id="256" r:id="rId2"/>
@@ -7841,8 +7841,8 @@
         </p:nvSpPr>
         <p:spPr>
           <a:xfrm>
-            <a:off x="7234054" y="2414648"/>
-            <a:ext cx="3420611" cy="395176"/>
+            <a:off x="7234053" y="2414648"/>
+            <a:ext cx="3420612" cy="395175"/>
           </a:xfrm>
           <a:prstGeom prst="rect">
             <a:avLst/>

--- a/2조.pptx
+++ b/2조.pptx
@@ -2,7 +2,7 @@
 <file path=ppt/presentation.xml><?xml version="1.0" encoding="utf-8"?>
 <p:presentation xmlns:r="http://schemas.openxmlformats.org/officeDocument/2006/relationships" xmlns:c="http://schemas.openxmlformats.org/drawingml/2006/chart" xmlns:a="http://schemas.openxmlformats.org/drawingml/2006/main" xmlns:dgm="http://schemas.openxmlformats.org/drawingml/2006/diagram" xmlns:dsp="http://schemas.microsoft.com/office/drawing/2008/diagram" xmlns:p="http://schemas.openxmlformats.org/presentationml/2006/main" embedTrueTypeFonts="1" saveSubsetFonts="1" autoCompressPictures="0">
   <p:sldMasterIdLst>
-    <p:sldMasterId id="2147483662" r:id="rId1"/>
+    <p:sldMasterId id="2147483664" r:id="rId1"/>
   </p:sldMasterIdLst>
   <p:sldIdLst>
     <p:sldId id="256" r:id="rId2"/>
@@ -16,7 +16,6 @@
     <p:sldId id="264" r:id="rId10"/>
     <p:sldId id="265" r:id="rId11"/>
     <p:sldId id="266" r:id="rId12"/>
-    <p:sldId id="267" r:id="rId13"/>
   </p:sldIdLst>
   <p:sldSz cx="12192000" cy="6858000"/>
   <p:notesSz cx="6858000" cy="9144000"/>
@@ -4227,332 +4226,6 @@
       </p:grpSp>
       <p:sp>
         <p:nvSpPr>
-          <p:cNvPr id="52" name="TextBox 51"/>
-          <p:cNvSpPr txBox="1"/>
-          <p:nvPr/>
-        </p:nvSpPr>
-        <p:spPr>
-          <a:xfrm flipH="1">
-            <a:off x="5041092" y="342101"/>
-            <a:ext cx="2123658" cy="294169"/>
-          </a:xfrm>
-          <a:prstGeom prst="rect">
-            <a:avLst/>
-          </a:prstGeom>
-          <a:noFill/>
-        </p:spPr>
-        <p:txBody>
-          <a:bodyPr vert="horz" wrap="square">
-            <a:spAutoFit/>
-          </a:bodyPr>
-          <a:lstStyle/>
-          <a:p>
-            <a:pPr algn="dist">
-              <a:defRPr/>
-            </a:pPr>
-            <a:r>
-              <a:rPr lang="en-US" altLang="ko-KR" sz="1400">
-                <a:solidFill>
-                  <a:schemeClr val="tx1">
-                    <a:alpha val="71000"/>
-                  </a:schemeClr>
-                </a:solidFill>
-                <a:latin typeface="DX영화자막 M"/>
-                <a:ea typeface="DX영화자막 M"/>
-              </a:rPr>
-              <a:t>SLOW THINKING</a:t>
-            </a:r>
-            <a:endParaRPr lang="ko-KR" altLang="en-US" sz="1400">
-              <a:solidFill>
-                <a:schemeClr val="tx1">
-                  <a:alpha val="71000"/>
-                </a:schemeClr>
-              </a:solidFill>
-              <a:latin typeface="DX영화자막 M"/>
-              <a:ea typeface="DX영화자막 M"/>
-            </a:endParaRPr>
-          </a:p>
-        </p:txBody>
-      </p:sp>
-      <p:sp>
-        <p:nvSpPr>
-          <p:cNvPr id="53" name="TextBox 52"/>
-          <p:cNvSpPr txBox="1"/>
-          <p:nvPr/>
-        </p:nvSpPr>
-        <p:spPr>
-          <a:xfrm>
-            <a:off x="5629302" y="713595"/>
-            <a:ext cx="1499547" cy="446550"/>
-          </a:xfrm>
-          <a:prstGeom prst="rect">
-            <a:avLst/>
-          </a:prstGeom>
-          <a:noFill/>
-          <a:ln w="9525">
-            <a:noFill/>
-          </a:ln>
-        </p:spPr>
-        <p:txBody>
-          <a:bodyPr wrap="square">
-            <a:spAutoFit/>
-          </a:bodyPr>
-          <a:lstStyle/>
-          <a:p>
-            <a:pPr lvl="0">
-              <a:defRPr/>
-            </a:pPr>
-            <a:r>
-              <a:rPr lang="ko-KR" altLang="en-US" sz="2400">
-                <a:solidFill>
-                  <a:schemeClr val="tx1">
-                    <a:alpha val="71000"/>
-                  </a:schemeClr>
-                </a:solidFill>
-                <a:latin typeface="DX영화자막 M"/>
-                <a:ea typeface="DX영화자막 M"/>
-              </a:rPr>
-              <a:t>효 과</a:t>
-            </a:r>
-            <a:endParaRPr lang="ko-KR" altLang="en-US" sz="2400">
-              <a:solidFill>
-                <a:schemeClr val="tx1">
-                  <a:alpha val="71000"/>
-                </a:schemeClr>
-              </a:solidFill>
-              <a:latin typeface="DX영화자막 M"/>
-              <a:ea typeface="DX영화자막 M"/>
-            </a:endParaRPr>
-          </a:p>
-        </p:txBody>
-      </p:sp>
-      <p:pic>
-        <p:nvPicPr>
-          <p:cNvPr id="63" name=""/>
-          <p:cNvPicPr>
-            <a:picLocks noChangeAspect="1"/>
-          </p:cNvPicPr>
-          <p:nvPr/>
-        </p:nvPicPr>
-        <p:blipFill rotWithShape="1">
-          <a:blip r:embed="rId3"/>
-          <a:stretch>
-            <a:fillRect/>
-          </a:stretch>
-        </p:blipFill>
-        <p:spPr>
-          <a:xfrm>
-            <a:off x="3104572" y="1392052"/>
-            <a:ext cx="5982854" cy="5255656"/>
-          </a:xfrm>
-          <a:prstGeom prst="rect">
-            <a:avLst/>
-          </a:prstGeom>
-        </p:spPr>
-      </p:pic>
-    </p:spTree>
-  </p:cSld>
-  <p:clrMapOvr>
-    <a:masterClrMapping/>
-  </p:clrMapOvr>
-  <mc:AlternateContent xmlns:mc="http://schemas.openxmlformats.org/markup-compatibility/2006">
-    <mc:Choice xmlns:p14="http://schemas.microsoft.com/office/powerpoint/2010/main" Requires="p14">
-      <p:transition xmlns:mc="http://schemas.openxmlformats.org/markup-compatibility/2006" xmlns:p14="http://schemas.microsoft.com/office/powerpoint/2010/main" mc:Ignorable="p14" p14:dur="500"/>
-    </mc:Choice>
-    <mc:Fallback>
-      <p:transition/>
-    </mc:Fallback>
-  </mc:AlternateContent>
-</p:sld>
-</file>
-
-<file path=ppt/slides/slide11.xml><?xml version="1.0" encoding="utf-8"?>
-<p:sld xmlns:r="http://schemas.openxmlformats.org/officeDocument/2006/relationships" xmlns:c="http://schemas.openxmlformats.org/drawingml/2006/chart" xmlns:a="http://schemas.openxmlformats.org/drawingml/2006/main" xmlns:dgm="http://schemas.openxmlformats.org/drawingml/2006/diagram" xmlns:dsp="http://schemas.microsoft.com/office/drawing/2008/diagram" xmlns:p="http://schemas.openxmlformats.org/presentationml/2006/main">
-  <p:cSld>
-    <p:bg>
-      <p:bgPr shadeToTitle="0">
-        <a:blipFill dpi="0" rotWithShape="1">
-          <a:blip r:embed="rId2">
-            <a:lum/>
-          </a:blip>
-          <a:srcRect/>
-          <a:stretch>
-            <a:fillRect t="-17000" b="-17000"/>
-          </a:stretch>
-        </a:blipFill>
-      </p:bgPr>
-    </p:bg>
-    <p:spTree>
-      <p:nvGrpSpPr>
-        <p:cNvPr id="1" name=""/>
-        <p:cNvGrpSpPr/>
-        <p:nvPr/>
-      </p:nvGrpSpPr>
-      <p:grpSpPr>
-        <a:xfrm>
-          <a:off x="0" y="0"/>
-          <a:ext cx="0" cy="0"/>
-          <a:chOff x="0" y="0"/>
-          <a:chExt cx="0" cy="0"/>
-        </a:xfrm>
-      </p:grpSpPr>
-      <p:grpSp>
-        <p:nvGrpSpPr>
-          <p:cNvPr id="4" name="그룹 3"/>
-          <p:cNvGrpSpPr/>
-          <p:nvPr/>
-        </p:nvGrpSpPr>
-        <p:grpSpPr>
-          <a:xfrm rot="0">
-            <a:off x="240925" y="2941212"/>
-            <a:ext cx="163649" cy="975576"/>
-            <a:chOff x="306686" y="3281373"/>
-            <a:chExt cx="163649" cy="975576"/>
-          </a:xfrm>
-        </p:grpSpPr>
-        <p:cxnSp>
-          <p:nvCxnSpPr>
-            <p:cNvPr id="3" name="직선 연결선 2"/>
-            <p:cNvCxnSpPr/>
-            <p:nvPr/>
-          </p:nvCxnSpPr>
-          <p:spPr>
-            <a:xfrm>
-              <a:off x="306686" y="4127358"/>
-              <a:ext cx="160637" cy="129591"/>
-            </a:xfrm>
-            <a:prstGeom prst="line">
-              <a:avLst/>
-            </a:prstGeom>
-            <a:ln w="12700">
-              <a:solidFill>
-                <a:srgbClr val="ac9d8e"/>
-              </a:solidFill>
-            </a:ln>
-          </p:spPr>
-          <p:style>
-            <a:lnRef idx="1">
-              <a:schemeClr val="accent1"/>
-            </a:lnRef>
-            <a:fillRef idx="0">
-              <a:schemeClr val="accent1"/>
-            </a:fillRef>
-            <a:effectRef idx="0">
-              <a:schemeClr val="accent1"/>
-            </a:effectRef>
-            <a:fontRef idx="minor">
-              <a:schemeClr val="tx1"/>
-            </a:fontRef>
-          </p:style>
-        </p:cxnSp>
-        <p:cxnSp>
-          <p:nvCxnSpPr>
-            <p:cNvPr id="40" name="직선 연결선 39"/>
-            <p:cNvCxnSpPr/>
-            <p:nvPr/>
-          </p:nvCxnSpPr>
-          <p:spPr>
-            <a:xfrm>
-              <a:off x="306686" y="3838775"/>
-              <a:ext cx="160637" cy="129591"/>
-            </a:xfrm>
-            <a:prstGeom prst="line">
-              <a:avLst/>
-            </a:prstGeom>
-            <a:ln w="12700">
-              <a:solidFill>
-                <a:srgbClr val="ac9d8e"/>
-              </a:solidFill>
-            </a:ln>
-          </p:spPr>
-          <p:style>
-            <a:lnRef idx="1">
-              <a:schemeClr val="accent1"/>
-            </a:lnRef>
-            <a:fillRef idx="0">
-              <a:schemeClr val="accent1"/>
-            </a:fillRef>
-            <a:effectRef idx="0">
-              <a:schemeClr val="accent1"/>
-            </a:effectRef>
-            <a:fontRef idx="minor">
-              <a:schemeClr val="tx1"/>
-            </a:fontRef>
-          </p:style>
-        </p:cxnSp>
-        <p:cxnSp>
-          <p:nvCxnSpPr>
-            <p:cNvPr id="49" name="직선 연결선 48"/>
-            <p:cNvCxnSpPr/>
-            <p:nvPr/>
-          </p:nvCxnSpPr>
-          <p:spPr>
-            <a:xfrm>
-              <a:off x="306686" y="3550192"/>
-              <a:ext cx="160637" cy="129591"/>
-            </a:xfrm>
-            <a:prstGeom prst="line">
-              <a:avLst/>
-            </a:prstGeom>
-            <a:ln w="12700">
-              <a:solidFill>
-                <a:srgbClr val="ac9d8e"/>
-              </a:solidFill>
-            </a:ln>
-          </p:spPr>
-          <p:style>
-            <a:lnRef idx="1">
-              <a:schemeClr val="accent1"/>
-            </a:lnRef>
-            <a:fillRef idx="0">
-              <a:schemeClr val="accent1"/>
-            </a:fillRef>
-            <a:effectRef idx="0">
-              <a:schemeClr val="accent1"/>
-            </a:effectRef>
-            <a:fontRef idx="minor">
-              <a:schemeClr val="tx1"/>
-            </a:fontRef>
-          </p:style>
-        </p:cxnSp>
-        <p:cxnSp>
-          <p:nvCxnSpPr>
-            <p:cNvPr id="51" name="직선 연결선 50"/>
-            <p:cNvCxnSpPr/>
-            <p:nvPr/>
-          </p:nvCxnSpPr>
-          <p:spPr>
-            <a:xfrm>
-              <a:off x="309698" y="3281373"/>
-              <a:ext cx="160637" cy="129591"/>
-            </a:xfrm>
-            <a:prstGeom prst="line">
-              <a:avLst/>
-            </a:prstGeom>
-            <a:ln w="12700">
-              <a:solidFill>
-                <a:srgbClr val="ac9d8e"/>
-              </a:solidFill>
-            </a:ln>
-          </p:spPr>
-          <p:style>
-            <a:lnRef idx="1">
-              <a:schemeClr val="accent1"/>
-            </a:lnRef>
-            <a:fillRef idx="0">
-              <a:schemeClr val="accent1"/>
-            </a:fillRef>
-            <a:effectRef idx="0">
-              <a:schemeClr val="accent1"/>
-            </a:effectRef>
-            <a:fontRef idx="minor">
-              <a:schemeClr val="tx1"/>
-            </a:fontRef>
-          </p:style>
-        </p:cxnSp>
-      </p:grpSp>
-      <p:sp>
-        <p:nvSpPr>
           <p:cNvPr id="6" name="별: 꼭짓점 5개 5"/>
           <p:cNvSpPr/>
           <p:nvPr/>
@@ -5909,7 +5582,7 @@
 </p:sld>
 </file>
 
-<file path=ppt/slides/slide12.xml><?xml version="1.0" encoding="utf-8"?>
+<file path=ppt/slides/slide11.xml><?xml version="1.0" encoding="utf-8"?>
 <p:sld xmlns:r="http://schemas.openxmlformats.org/officeDocument/2006/relationships" xmlns:c="http://schemas.openxmlformats.org/drawingml/2006/chart" xmlns:a="http://schemas.openxmlformats.org/drawingml/2006/main" xmlns:dgm="http://schemas.openxmlformats.org/drawingml/2006/diagram" xmlns:dsp="http://schemas.microsoft.com/office/drawing/2008/diagram" xmlns:p="http://schemas.openxmlformats.org/presentationml/2006/main">
   <p:cSld>
     <p:bg>
@@ -7376,590 +7049,14 @@
         </p:blipFill>
         <p:spPr>
           <a:xfrm>
-            <a:off x="2376246" y="1433055"/>
-            <a:ext cx="3719754" cy="4902664"/>
+            <a:off x="1632856" y="1496310"/>
+            <a:ext cx="8926288" cy="4992352"/>
           </a:xfrm>
           <a:prstGeom prst="rect">
             <a:avLst/>
           </a:prstGeom>
         </p:spPr>
       </p:pic>
-      <p:sp>
-        <p:nvSpPr>
-          <p:cNvPr id="56" name=""/>
-          <p:cNvSpPr txBox="1"/>
-          <p:nvPr/>
-        </p:nvSpPr>
-        <p:spPr>
-          <a:xfrm>
-            <a:off x="8026739" y="2457192"/>
-            <a:ext cx="284775" cy="360303"/>
-          </a:xfrm>
-          <a:prstGeom prst="rect">
-            <a:avLst/>
-          </a:prstGeom>
-        </p:spPr>
-        <p:txBody>
-          <a:bodyPr wrap="none">
-            <a:spAutoFit/>
-          </a:bodyPr>
-          <a:p>
-            <a:pPr>
-              <a:defRPr/>
-            </a:pPr>
-            <a:endParaRPr lang="en-US" altLang="ko-KR"/>
-          </a:p>
-        </p:txBody>
-      </p:sp>
-      <p:sp>
-        <p:nvSpPr>
-          <p:cNvPr id="57" name=""/>
-          <p:cNvSpPr txBox="1"/>
-          <p:nvPr/>
-        </p:nvSpPr>
-        <p:spPr>
-          <a:xfrm>
-            <a:off x="7617526" y="1425037"/>
-            <a:ext cx="2227020" cy="546587"/>
-          </a:xfrm>
-          <a:prstGeom prst="rect">
-            <a:avLst/>
-          </a:prstGeom>
-        </p:spPr>
-        <p:txBody>
-          <a:bodyPr wrap="square">
-            <a:spAutoFit/>
-          </a:bodyPr>
-          <a:p>
-            <a:pPr>
-              <a:defRPr/>
-            </a:pPr>
-            <a:r>
-              <a:rPr lang="ko-KR" altLang="en-US" sz="3000" b="1"/>
-              <a:t>황논문 교수</a:t>
-            </a:r>
-            <a:endParaRPr lang="ko-KR" altLang="en-US" sz="3000" b="1"/>
-          </a:p>
-        </p:txBody>
-      </p:sp>
-      <p:sp>
-        <p:nvSpPr>
-          <p:cNvPr id="58" name="순서도: 처리 61"/>
-          <p:cNvSpPr/>
-          <p:nvPr/>
-        </p:nvSpPr>
-        <p:spPr>
-          <a:xfrm>
-            <a:off x="6381540" y="1952457"/>
-            <a:ext cx="4825172" cy="3324723"/>
-          </a:xfrm>
-          <a:custGeom>
-            <a:avLst/>
-            <a:gdLst>
-              <a:gd name="connsiteX0" fmla="*/ 0 w 5799809"/>
-              <a:gd name="connsiteY0" fmla="*/ 0 h 425946"/>
-              <a:gd name="connsiteX1" fmla="*/ 470429 w 5799809"/>
-              <a:gd name="connsiteY1" fmla="*/ 0 h 425946"/>
-              <a:gd name="connsiteX2" fmla="*/ 1056854 w 5799809"/>
-              <a:gd name="connsiteY2" fmla="*/ 0 h 425946"/>
-              <a:gd name="connsiteX3" fmla="*/ 1585281 w 5799809"/>
-              <a:gd name="connsiteY3" fmla="*/ 0 h 425946"/>
-              <a:gd name="connsiteX4" fmla="*/ 2113708 w 5799809"/>
-              <a:gd name="connsiteY4" fmla="*/ 0 h 425946"/>
-              <a:gd name="connsiteX5" fmla="*/ 2758131 w 5799809"/>
-              <a:gd name="connsiteY5" fmla="*/ 0 h 425946"/>
-              <a:gd name="connsiteX6" fmla="*/ 3402555 w 5799809"/>
-              <a:gd name="connsiteY6" fmla="*/ 0 h 425946"/>
-              <a:gd name="connsiteX7" fmla="*/ 3930982 w 5799809"/>
-              <a:gd name="connsiteY7" fmla="*/ 0 h 425946"/>
-              <a:gd name="connsiteX8" fmla="*/ 4633403 w 5799809"/>
-              <a:gd name="connsiteY8" fmla="*/ 0 h 425946"/>
-              <a:gd name="connsiteX9" fmla="*/ 5103832 w 5799809"/>
-              <a:gd name="connsiteY9" fmla="*/ 0 h 425946"/>
-              <a:gd name="connsiteX10" fmla="*/ 5799809 w 5799809"/>
-              <a:gd name="connsiteY10" fmla="*/ 0 h 425946"/>
-              <a:gd name="connsiteX11" fmla="*/ 5799809 w 5799809"/>
-              <a:gd name="connsiteY11" fmla="*/ 425946 h 425946"/>
-              <a:gd name="connsiteX12" fmla="*/ 5155386 w 5799809"/>
-              <a:gd name="connsiteY12" fmla="*/ 425946 h 425946"/>
-              <a:gd name="connsiteX13" fmla="*/ 4684957 w 5799809"/>
-              <a:gd name="connsiteY13" fmla="*/ 425946 h 425946"/>
-              <a:gd name="connsiteX14" fmla="*/ 4040534 w 5799809"/>
-              <a:gd name="connsiteY14" fmla="*/ 425946 h 425946"/>
-              <a:gd name="connsiteX15" fmla="*/ 3338112 w 5799809"/>
-              <a:gd name="connsiteY15" fmla="*/ 425946 h 425946"/>
-              <a:gd name="connsiteX16" fmla="*/ 2809685 w 5799809"/>
-              <a:gd name="connsiteY16" fmla="*/ 425946 h 425946"/>
-              <a:gd name="connsiteX17" fmla="*/ 2165262 w 5799809"/>
-              <a:gd name="connsiteY17" fmla="*/ 425946 h 425946"/>
-              <a:gd name="connsiteX18" fmla="*/ 1462841 w 5799809"/>
-              <a:gd name="connsiteY18" fmla="*/ 425946 h 425946"/>
-              <a:gd name="connsiteX19" fmla="*/ 818417 w 5799809"/>
-              <a:gd name="connsiteY19" fmla="*/ 425946 h 425946"/>
-              <a:gd name="connsiteX20" fmla="*/ 0 w 5799809"/>
-              <a:gd name="connsiteY20" fmla="*/ 425946 h 425946"/>
-              <a:gd name="connsiteX21" fmla="*/ 0 w 5799809"/>
-              <a:gd name="connsiteY21" fmla="*/ 0 h 425946"/>
-            </a:gdLst>
-            <a:cxnLst>
-              <a:cxn ang="0">
-                <a:pos x="connsiteX0" y="connsiteY0"/>
-              </a:cxn>
-              <a:cxn ang="0">
-                <a:pos x="connsiteX1" y="connsiteY1"/>
-              </a:cxn>
-              <a:cxn ang="0">
-                <a:pos x="connsiteX2" y="connsiteY2"/>
-              </a:cxn>
-              <a:cxn ang="0">
-                <a:pos x="connsiteX3" y="connsiteY3"/>
-              </a:cxn>
-              <a:cxn ang="0">
-                <a:pos x="connsiteX4" y="connsiteY4"/>
-              </a:cxn>
-              <a:cxn ang="0">
-                <a:pos x="connsiteX5" y="connsiteY5"/>
-              </a:cxn>
-              <a:cxn ang="0">
-                <a:pos x="connsiteX6" y="connsiteY6"/>
-              </a:cxn>
-              <a:cxn ang="0">
-                <a:pos x="connsiteX7" y="connsiteY7"/>
-              </a:cxn>
-              <a:cxn ang="0">
-                <a:pos x="connsiteX8" y="connsiteY8"/>
-              </a:cxn>
-              <a:cxn ang="0">
-                <a:pos x="connsiteX9" y="connsiteY9"/>
-              </a:cxn>
-              <a:cxn ang="0">
-                <a:pos x="connsiteX10" y="connsiteY10"/>
-              </a:cxn>
-              <a:cxn ang="0">
-                <a:pos x="connsiteX11" y="connsiteY11"/>
-              </a:cxn>
-              <a:cxn ang="0">
-                <a:pos x="connsiteX12" y="connsiteY12"/>
-              </a:cxn>
-              <a:cxn ang="0">
-                <a:pos x="connsiteX13" y="connsiteY13"/>
-              </a:cxn>
-              <a:cxn ang="0">
-                <a:pos x="connsiteX14" y="connsiteY14"/>
-              </a:cxn>
-              <a:cxn ang="0">
-                <a:pos x="connsiteX15" y="connsiteY15"/>
-              </a:cxn>
-              <a:cxn ang="0">
-                <a:pos x="connsiteX16" y="connsiteY16"/>
-              </a:cxn>
-              <a:cxn ang="0">
-                <a:pos x="connsiteX17" y="connsiteY17"/>
-              </a:cxn>
-              <a:cxn ang="0">
-                <a:pos x="connsiteX18" y="connsiteY18"/>
-              </a:cxn>
-              <a:cxn ang="0">
-                <a:pos x="connsiteX19" y="connsiteY19"/>
-              </a:cxn>
-              <a:cxn ang="0">
-                <a:pos x="connsiteX20" y="connsiteY20"/>
-              </a:cxn>
-              <a:cxn ang="0">
-                <a:pos x="connsiteX21" y="connsiteY21"/>
-              </a:cxn>
-            </a:cxnLst>
-            <a:rect l="l" t="t" r="r" b="b"/>
-            <a:pathLst>
-              <a:path w="5799809" h="425946" fill="none" extrusionOk="0">
-                <a:moveTo>
-                  <a:pt x="0" y="0"/>
-                </a:moveTo>
-                <a:cubicBezTo>
-                  <a:pt x="232930" y="11357"/>
-                  <a:pt x="338405" y="-11052"/>
-                  <a:pt x="470429" y="0"/>
-                </a:cubicBezTo>
-                <a:cubicBezTo>
-                  <a:pt x="602453" y="11052"/>
-                  <a:pt x="809389" y="-26878"/>
-                  <a:pt x="1056854" y="0"/>
-                </a:cubicBezTo>
-                <a:cubicBezTo>
-                  <a:pt x="1304320" y="26878"/>
-                  <a:pt x="1468530" y="-24406"/>
-                  <a:pt x="1585281" y="0"/>
-                </a:cubicBezTo>
-                <a:cubicBezTo>
-                  <a:pt x="1702032" y="24406"/>
-                  <a:pt x="2004466" y="14170"/>
-                  <a:pt x="2113708" y="0"/>
-                </a:cubicBezTo>
-                <a:cubicBezTo>
-                  <a:pt x="2222950" y="-14170"/>
-                  <a:pt x="2556011" y="28112"/>
-                  <a:pt x="2758131" y="0"/>
-                </a:cubicBezTo>
-                <a:cubicBezTo>
-                  <a:pt x="2960251" y="-28112"/>
-                  <a:pt x="3097544" y="-7034"/>
-                  <a:pt x="3402555" y="0"/>
-                </a:cubicBezTo>
-                <a:cubicBezTo>
-                  <a:pt x="3707566" y="7034"/>
-                  <a:pt x="3772141" y="4589"/>
-                  <a:pt x="3930982" y="0"/>
-                </a:cubicBezTo>
-                <a:cubicBezTo>
-                  <a:pt x="4089823" y="-4589"/>
-                  <a:pt x="4481847" y="28392"/>
-                  <a:pt x="4633403" y="0"/>
-                </a:cubicBezTo>
-                <a:cubicBezTo>
-                  <a:pt x="4784959" y="-28392"/>
-                  <a:pt x="4910939" y="-2346"/>
-                  <a:pt x="5103832" y="0"/>
-                </a:cubicBezTo>
-                <a:cubicBezTo>
-                  <a:pt x="5296725" y="2346"/>
-                  <a:pt x="5508736" y="-20318"/>
-                  <a:pt x="5799809" y="0"/>
-                </a:cubicBezTo>
-                <a:cubicBezTo>
-                  <a:pt x="5788599" y="198653"/>
-                  <a:pt x="5812935" y="266898"/>
-                  <a:pt x="5799809" y="425946"/>
-                </a:cubicBezTo>
-                <a:cubicBezTo>
-                  <a:pt x="5617430" y="412954"/>
-                  <a:pt x="5331856" y="449678"/>
-                  <a:pt x="5155386" y="425946"/>
-                </a:cubicBezTo>
-                <a:cubicBezTo>
-                  <a:pt x="4978916" y="402214"/>
-                  <a:pt x="4857030" y="423944"/>
-                  <a:pt x="4684957" y="425946"/>
-                </a:cubicBezTo>
-                <a:cubicBezTo>
-                  <a:pt x="4512884" y="427948"/>
-                  <a:pt x="4342832" y="445858"/>
-                  <a:pt x="4040534" y="425946"/>
-                </a:cubicBezTo>
-                <a:cubicBezTo>
-                  <a:pt x="3738236" y="406034"/>
-                  <a:pt x="3513554" y="443777"/>
-                  <a:pt x="3338112" y="425946"/>
-                </a:cubicBezTo>
-                <a:cubicBezTo>
-                  <a:pt x="3162670" y="408115"/>
-                  <a:pt x="3031362" y="412638"/>
-                  <a:pt x="2809685" y="425946"/>
-                </a:cubicBezTo>
-                <a:cubicBezTo>
-                  <a:pt x="2588008" y="439254"/>
-                  <a:pt x="2396513" y="447981"/>
-                  <a:pt x="2165262" y="425946"/>
-                </a:cubicBezTo>
-                <a:cubicBezTo>
-                  <a:pt x="1934011" y="403911"/>
-                  <a:pt x="1762479" y="426888"/>
-                  <a:pt x="1462841" y="425946"/>
-                </a:cubicBezTo>
-                <a:cubicBezTo>
-                  <a:pt x="1163203" y="425004"/>
-                  <a:pt x="955896" y="428651"/>
-                  <a:pt x="818417" y="425946"/>
-                </a:cubicBezTo>
-                <a:cubicBezTo>
-                  <a:pt x="680938" y="423241"/>
-                  <a:pt x="240620" y="433396"/>
-                  <a:pt x="0" y="425946"/>
-                </a:cubicBezTo>
-                <a:cubicBezTo>
-                  <a:pt x="-13937" y="217353"/>
-                  <a:pt x="3380" y="194608"/>
-                  <a:pt x="0" y="0"/>
-                </a:cubicBezTo>
-                <a:close/>
-              </a:path>
-              <a:path w="5799809" h="425946" stroke="0" extrusionOk="0">
-                <a:moveTo>
-                  <a:pt x="0" y="0"/>
-                </a:moveTo>
-                <a:cubicBezTo>
-                  <a:pt x="156451" y="-5263"/>
-                  <a:pt x="344124" y="-7670"/>
-                  <a:pt x="528427" y="0"/>
-                </a:cubicBezTo>
-                <a:cubicBezTo>
-                  <a:pt x="712730" y="7670"/>
-                  <a:pt x="1052845" y="3624"/>
-                  <a:pt x="1288846" y="0"/>
-                </a:cubicBezTo>
-                <a:cubicBezTo>
-                  <a:pt x="1524847" y="-3624"/>
-                  <a:pt x="1572216" y="2669"/>
-                  <a:pt x="1817273" y="0"/>
-                </a:cubicBezTo>
-                <a:cubicBezTo>
-                  <a:pt x="2062330" y="-2669"/>
-                  <a:pt x="2125614" y="-1841"/>
-                  <a:pt x="2287702" y="0"/>
-                </a:cubicBezTo>
-                <a:cubicBezTo>
-                  <a:pt x="2449790" y="1841"/>
-                  <a:pt x="2540838" y="-10545"/>
-                  <a:pt x="2758131" y="0"/>
-                </a:cubicBezTo>
-                <a:cubicBezTo>
-                  <a:pt x="2975424" y="10545"/>
-                  <a:pt x="3070417" y="16952"/>
-                  <a:pt x="3286558" y="0"/>
-                </a:cubicBezTo>
-                <a:cubicBezTo>
-                  <a:pt x="3502699" y="-16952"/>
-                  <a:pt x="3772879" y="25154"/>
-                  <a:pt x="4046978" y="0"/>
-                </a:cubicBezTo>
-                <a:cubicBezTo>
-                  <a:pt x="4321077" y="-25154"/>
-                  <a:pt x="4471091" y="-15419"/>
-                  <a:pt x="4691401" y="0"/>
-                </a:cubicBezTo>
-                <a:cubicBezTo>
-                  <a:pt x="4911711" y="15419"/>
-                  <a:pt x="5486808" y="-34903"/>
-                  <a:pt x="5799809" y="0"/>
-                </a:cubicBezTo>
-                <a:cubicBezTo>
-                  <a:pt x="5811781" y="117662"/>
-                  <a:pt x="5813135" y="213997"/>
-                  <a:pt x="5799809" y="425946"/>
-                </a:cubicBezTo>
-                <a:cubicBezTo>
-                  <a:pt x="5631023" y="426859"/>
-                  <a:pt x="5495897" y="406180"/>
-                  <a:pt x="5329380" y="425946"/>
-                </a:cubicBezTo>
-                <a:cubicBezTo>
-                  <a:pt x="5162863" y="445712"/>
-                  <a:pt x="4971538" y="414601"/>
-                  <a:pt x="4742955" y="425946"/>
-                </a:cubicBezTo>
-                <a:cubicBezTo>
-                  <a:pt x="4514373" y="437291"/>
-                  <a:pt x="4305792" y="401898"/>
-                  <a:pt x="4098532" y="425946"/>
-                </a:cubicBezTo>
-                <a:cubicBezTo>
-                  <a:pt x="3891272" y="449994"/>
-                  <a:pt x="3550710" y="452828"/>
-                  <a:pt x="3396110" y="425946"/>
-                </a:cubicBezTo>
-                <a:cubicBezTo>
-                  <a:pt x="3241510" y="399064"/>
-                  <a:pt x="2987621" y="437035"/>
-                  <a:pt x="2867683" y="425946"/>
-                </a:cubicBezTo>
-                <a:cubicBezTo>
-                  <a:pt x="2747745" y="414857"/>
-                  <a:pt x="2500791" y="420398"/>
-                  <a:pt x="2281258" y="425946"/>
-                </a:cubicBezTo>
-                <a:cubicBezTo>
-                  <a:pt x="2061725" y="431494"/>
-                  <a:pt x="1816635" y="426101"/>
-                  <a:pt x="1636835" y="425946"/>
-                </a:cubicBezTo>
-                <a:cubicBezTo>
-                  <a:pt x="1457035" y="425791"/>
-                  <a:pt x="1307407" y="428836"/>
-                  <a:pt x="1050410" y="425946"/>
-                </a:cubicBezTo>
-                <a:cubicBezTo>
-                  <a:pt x="793414" y="423056"/>
-                  <a:pt x="415100" y="437818"/>
-                  <a:pt x="0" y="425946"/>
-                </a:cubicBezTo>
-                <a:cubicBezTo>
-                  <a:pt x="553" y="260129"/>
-                  <a:pt x="10725" y="188645"/>
-                  <a:pt x="0" y="0"/>
-                </a:cubicBezTo>
-                <a:close/>
-              </a:path>
-            </a:pathLst>
-          </a:custGeom>
-          <a:solidFill>
-            <a:schemeClr val="accent4">
-              <a:lumMod val="40000"/>
-              <a:lumOff val="60000"/>
-              <a:alpha val="35000"/>
-            </a:schemeClr>
-          </a:solidFill>
-          <a:ln>
-            <a:solidFill>
-              <a:schemeClr val="accent4">
-                <a:lumMod val="40000"/>
-                <a:lumOff val="60000"/>
-              </a:schemeClr>
-            </a:solidFill>
-          </a:ln>
-        </p:spPr>
-        <p:style>
-          <a:lnRef idx="2">
-            <a:schemeClr val="accent1">
-              <a:shade val="50000"/>
-            </a:schemeClr>
-          </a:lnRef>
-          <a:fillRef idx="1">
-            <a:schemeClr val="accent1"/>
-          </a:fillRef>
-          <a:effectRef idx="0">
-            <a:schemeClr val="accent1"/>
-          </a:effectRef>
-          <a:fontRef idx="minor">
-            <a:schemeClr val="lt1"/>
-          </a:fontRef>
-        </p:style>
-        <p:txBody>
-          <a:bodyPr anchor="ctr"/>
-          <a:lstStyle/>
-          <a:p>
-            <a:pPr algn="ctr">
-              <a:defRPr/>
-            </a:pPr>
-            <a:endParaRPr lang="ko-KR" altLang="en-US"/>
-          </a:p>
-        </p:txBody>
-      </p:sp>
-      <p:sp>
-        <p:nvSpPr>
-          <p:cNvPr id="59" name=""/>
-          <p:cNvSpPr txBox="1"/>
-          <p:nvPr/>
-        </p:nvSpPr>
-        <p:spPr>
-          <a:xfrm>
-            <a:off x="7234053" y="2414648"/>
-            <a:ext cx="3420612" cy="395175"/>
-          </a:xfrm>
-          <a:prstGeom prst="rect">
-            <a:avLst/>
-          </a:prstGeom>
-        </p:spPr>
-        <p:txBody>
-          <a:bodyPr wrap="none">
-            <a:spAutoFit/>
-          </a:bodyPr>
-          <a:p>
-            <a:pPr>
-              <a:defRPr/>
-            </a:pPr>
-            <a:r>
-              <a:rPr lang="ko-KR" altLang="en-US" sz="2000"/>
-              <a:t>서울대학교 재료공학부 교수</a:t>
-            </a:r>
-            <a:endParaRPr lang="ko-KR" altLang="en-US" sz="2000"/>
-          </a:p>
-        </p:txBody>
-      </p:sp>
-      <p:sp>
-        <p:nvSpPr>
-          <p:cNvPr id="60" name=""/>
-          <p:cNvSpPr txBox="1"/>
-          <p:nvPr/>
-        </p:nvSpPr>
-        <p:spPr>
-          <a:xfrm>
-            <a:off x="7435934" y="3061780"/>
-            <a:ext cx="2904406" cy="393890"/>
-          </a:xfrm>
-          <a:prstGeom prst="rect">
-            <a:avLst/>
-          </a:prstGeom>
-        </p:spPr>
-        <p:txBody>
-          <a:bodyPr wrap="none">
-            <a:spAutoFit/>
-          </a:bodyPr>
-          <a:lstStyle/>
-          <a:p>
-            <a:pPr>
-              <a:defRPr/>
-            </a:pPr>
-            <a:r>
-              <a:rPr lang="ko-KR" altLang="en-US" sz="2000"/>
-              <a:t>카이스트 소재공학 박사</a:t>
-            </a:r>
-            <a:endParaRPr lang="ko-KR" altLang="en-US" sz="2000"/>
-          </a:p>
-        </p:txBody>
-      </p:sp>
-      <p:sp>
-        <p:nvSpPr>
-          <p:cNvPr id="61" name=""/>
-          <p:cNvSpPr txBox="1"/>
-          <p:nvPr/>
-        </p:nvSpPr>
-        <p:spPr>
-          <a:xfrm>
-            <a:off x="7031673" y="3708984"/>
-            <a:ext cx="3833532" cy="394386"/>
-          </a:xfrm>
-          <a:prstGeom prst="rect">
-            <a:avLst/>
-          </a:prstGeom>
-        </p:spPr>
-        <p:txBody>
-          <a:bodyPr wrap="none">
-            <a:spAutoFit/>
-          </a:bodyPr>
-          <a:lstStyle/>
-          <a:p>
-            <a:pPr>
-              <a:defRPr/>
-            </a:pPr>
-            <a:r>
-              <a:rPr lang="ko-KR" altLang="en-US" sz="2000"/>
-              <a:t>한국표준과학연구원 연구책임자</a:t>
-            </a:r>
-            <a:endParaRPr lang="ko-KR" altLang="en-US" sz="2000"/>
-          </a:p>
-        </p:txBody>
-      </p:sp>
-      <p:sp>
-        <p:nvSpPr>
-          <p:cNvPr id="62" name=""/>
-          <p:cNvSpPr txBox="1"/>
-          <p:nvPr/>
-        </p:nvSpPr>
-        <p:spPr>
-          <a:xfrm>
-            <a:off x="7295401" y="4380928"/>
-            <a:ext cx="3322154" cy="389192"/>
-          </a:xfrm>
-          <a:prstGeom prst="rect">
-            <a:avLst/>
-          </a:prstGeom>
-        </p:spPr>
-        <p:txBody>
-          <a:bodyPr wrap="none">
-            <a:spAutoFit/>
-          </a:bodyPr>
-          <a:lstStyle/>
-          <a:p>
-            <a:pPr>
-              <a:defRPr/>
-            </a:pPr>
-            <a:r>
-              <a:rPr lang="ko-KR" altLang="en-US" sz="2000"/>
-              <a:t>미국표준기술연구소 연구원</a:t>
-            </a:r>
-            <a:endParaRPr lang="ko-KR" altLang="en-US" sz="2000"/>
-          </a:p>
-        </p:txBody>
-      </p:sp>
     </p:spTree>
   </p:cSld>
   <p:clrMapOvr>
@@ -8218,8 +7315,8 @@
         </p:nvSpPr>
         <p:spPr>
           <a:xfrm>
-            <a:off x="5353147" y="732599"/>
-            <a:ext cx="1499546" cy="446596"/>
+            <a:off x="5067899" y="750659"/>
+            <a:ext cx="2056201" cy="447586"/>
           </a:xfrm>
           <a:prstGeom prst="rect">
             <a:avLst/>
@@ -8248,7 +7345,7 @@
                 <a:latin typeface="DX영화자막 M"/>
                 <a:ea typeface="DX영화자막 M"/>
               </a:rPr>
-              <a:t>작가소개</a:t>
+              <a:t>베스트 셀러</a:t>
             </a:r>
             <a:endParaRPr lang="ko-KR" altLang="en-US" sz="2400">
               <a:solidFill>
@@ -8264,7 +7361,7 @@
       </p:sp>
       <p:pic>
         <p:nvPicPr>
-          <p:cNvPr id="55" name=""/>
+          <p:cNvPr id="56" name=""/>
           <p:cNvPicPr>
             <a:picLocks noChangeAspect="1"/>
           </p:cNvPicPr>
@@ -8278,8 +7375,8 @@
         </p:blipFill>
         <p:spPr>
           <a:xfrm>
-            <a:off x="1632856" y="1496310"/>
-            <a:ext cx="8926288" cy="4992352"/>
+            <a:off x="4192731" y="1348359"/>
+            <a:ext cx="3806537" cy="5262224"/>
           </a:xfrm>
           <a:prstGeom prst="rect">
             <a:avLst/>
@@ -8544,332 +7641,6 @@
         </p:nvSpPr>
         <p:spPr>
           <a:xfrm>
-            <a:off x="5067899" y="750659"/>
-            <a:ext cx="2056201" cy="447586"/>
-          </a:xfrm>
-          <a:prstGeom prst="rect">
-            <a:avLst/>
-          </a:prstGeom>
-          <a:noFill/>
-          <a:ln w="9525">
-            <a:noFill/>
-          </a:ln>
-        </p:spPr>
-        <p:txBody>
-          <a:bodyPr wrap="square">
-            <a:spAutoFit/>
-          </a:bodyPr>
-          <a:lstStyle/>
-          <a:p>
-            <a:pPr lvl="0">
-              <a:defRPr/>
-            </a:pPr>
-            <a:r>
-              <a:rPr lang="ko-KR" altLang="en-US" sz="2400">
-                <a:solidFill>
-                  <a:schemeClr val="tx1">
-                    <a:alpha val="71000"/>
-                  </a:schemeClr>
-                </a:solidFill>
-                <a:latin typeface="DX영화자막 M"/>
-                <a:ea typeface="DX영화자막 M"/>
-              </a:rPr>
-              <a:t>베스트 셀러</a:t>
-            </a:r>
-            <a:endParaRPr lang="ko-KR" altLang="en-US" sz="2400">
-              <a:solidFill>
-                <a:schemeClr val="tx1">
-                  <a:alpha val="71000"/>
-                </a:schemeClr>
-              </a:solidFill>
-              <a:latin typeface="DX영화자막 M"/>
-              <a:ea typeface="DX영화자막 M"/>
-            </a:endParaRPr>
-          </a:p>
-        </p:txBody>
-      </p:sp>
-      <p:pic>
-        <p:nvPicPr>
-          <p:cNvPr id="56" name=""/>
-          <p:cNvPicPr>
-            <a:picLocks noChangeAspect="1"/>
-          </p:cNvPicPr>
-          <p:nvPr/>
-        </p:nvPicPr>
-        <p:blipFill rotWithShape="1">
-          <a:blip r:embed="rId3"/>
-          <a:stretch>
-            <a:fillRect/>
-          </a:stretch>
-        </p:blipFill>
-        <p:spPr>
-          <a:xfrm>
-            <a:off x="4192731" y="1348359"/>
-            <a:ext cx="3806537" cy="5262224"/>
-          </a:xfrm>
-          <a:prstGeom prst="rect">
-            <a:avLst/>
-          </a:prstGeom>
-        </p:spPr>
-      </p:pic>
-    </p:spTree>
-  </p:cSld>
-  <p:clrMapOvr>
-    <a:masterClrMapping/>
-  </p:clrMapOvr>
-  <mc:AlternateContent xmlns:mc="http://schemas.openxmlformats.org/markup-compatibility/2006">
-    <mc:Choice xmlns:p14="http://schemas.microsoft.com/office/powerpoint/2010/main" Requires="p14">
-      <p:transition xmlns:mc="http://schemas.openxmlformats.org/markup-compatibility/2006" xmlns:p14="http://schemas.microsoft.com/office/powerpoint/2010/main" mc:Ignorable="p14" p14:dur="500"/>
-    </mc:Choice>
-    <mc:Fallback>
-      <p:transition/>
-    </mc:Fallback>
-  </mc:AlternateContent>
-</p:sld>
-</file>
-
-<file path=ppt/slides/slide6.xml><?xml version="1.0" encoding="utf-8"?>
-<p:sld xmlns:r="http://schemas.openxmlformats.org/officeDocument/2006/relationships" xmlns:c="http://schemas.openxmlformats.org/drawingml/2006/chart" xmlns:a="http://schemas.openxmlformats.org/drawingml/2006/main" xmlns:dgm="http://schemas.openxmlformats.org/drawingml/2006/diagram" xmlns:dsp="http://schemas.microsoft.com/office/drawing/2008/diagram" xmlns:p="http://schemas.openxmlformats.org/presentationml/2006/main">
-  <p:cSld>
-    <p:bg>
-      <p:bgPr shadeToTitle="0">
-        <a:blipFill dpi="0" rotWithShape="1">
-          <a:blip r:embed="rId2">
-            <a:lum/>
-          </a:blip>
-          <a:srcRect/>
-          <a:stretch>
-            <a:fillRect t="-17000" b="-17000"/>
-          </a:stretch>
-        </a:blipFill>
-      </p:bgPr>
-    </p:bg>
-    <p:spTree>
-      <p:nvGrpSpPr>
-        <p:cNvPr id="1" name=""/>
-        <p:cNvGrpSpPr/>
-        <p:nvPr/>
-      </p:nvGrpSpPr>
-      <p:grpSpPr>
-        <a:xfrm>
-          <a:off x="0" y="0"/>
-          <a:ext cx="0" cy="0"/>
-          <a:chOff x="0" y="0"/>
-          <a:chExt cx="0" cy="0"/>
-        </a:xfrm>
-      </p:grpSpPr>
-      <p:sp>
-        <p:nvSpPr>
-          <p:cNvPr id="22" name="TextBox 21"/>
-          <p:cNvSpPr txBox="1"/>
-          <p:nvPr/>
-        </p:nvSpPr>
-        <p:spPr>
-          <a:xfrm flipH="1">
-            <a:off x="5041092" y="342101"/>
-            <a:ext cx="2123658" cy="294169"/>
-          </a:xfrm>
-          <a:prstGeom prst="rect">
-            <a:avLst/>
-          </a:prstGeom>
-          <a:noFill/>
-        </p:spPr>
-        <p:txBody>
-          <a:bodyPr vert="horz" wrap="square">
-            <a:spAutoFit/>
-          </a:bodyPr>
-          <a:lstStyle/>
-          <a:p>
-            <a:pPr algn="dist">
-              <a:defRPr/>
-            </a:pPr>
-            <a:r>
-              <a:rPr lang="en-US" altLang="ko-KR" sz="1400">
-                <a:solidFill>
-                  <a:schemeClr val="tx1">
-                    <a:alpha val="71000"/>
-                  </a:schemeClr>
-                </a:solidFill>
-                <a:latin typeface="DX영화자막 M"/>
-                <a:ea typeface="DX영화자막 M"/>
-              </a:rPr>
-              <a:t>SLOW THINKING</a:t>
-            </a:r>
-            <a:endParaRPr lang="ko-KR" altLang="en-US" sz="1400">
-              <a:solidFill>
-                <a:schemeClr val="tx1">
-                  <a:alpha val="71000"/>
-                </a:schemeClr>
-              </a:solidFill>
-              <a:latin typeface="DX영화자막 M"/>
-              <a:ea typeface="DX영화자막 M"/>
-            </a:endParaRPr>
-          </a:p>
-        </p:txBody>
-      </p:sp>
-      <p:grpSp>
-        <p:nvGrpSpPr>
-          <p:cNvPr id="4" name="그룹 3"/>
-          <p:cNvGrpSpPr/>
-          <p:nvPr/>
-        </p:nvGrpSpPr>
-        <p:grpSpPr>
-          <a:xfrm rot="0">
-            <a:off x="240925" y="2941212"/>
-            <a:ext cx="163649" cy="975576"/>
-            <a:chOff x="306686" y="3281373"/>
-            <a:chExt cx="163649" cy="975576"/>
-          </a:xfrm>
-        </p:grpSpPr>
-        <p:cxnSp>
-          <p:nvCxnSpPr>
-            <p:cNvPr id="3" name="직선 연결선 2"/>
-            <p:cNvCxnSpPr/>
-            <p:nvPr/>
-          </p:nvCxnSpPr>
-          <p:spPr>
-            <a:xfrm>
-              <a:off x="306686" y="4127358"/>
-              <a:ext cx="160637" cy="129591"/>
-            </a:xfrm>
-            <a:prstGeom prst="line">
-              <a:avLst/>
-            </a:prstGeom>
-            <a:ln w="12700">
-              <a:solidFill>
-                <a:srgbClr val="ac9d8e"/>
-              </a:solidFill>
-            </a:ln>
-          </p:spPr>
-          <p:style>
-            <a:lnRef idx="1">
-              <a:schemeClr val="accent1"/>
-            </a:lnRef>
-            <a:fillRef idx="0">
-              <a:schemeClr val="accent1"/>
-            </a:fillRef>
-            <a:effectRef idx="0">
-              <a:schemeClr val="accent1"/>
-            </a:effectRef>
-            <a:fontRef idx="minor">
-              <a:schemeClr val="tx1"/>
-            </a:fontRef>
-          </p:style>
-        </p:cxnSp>
-        <p:cxnSp>
-          <p:nvCxnSpPr>
-            <p:cNvPr id="40" name="직선 연결선 39"/>
-            <p:cNvCxnSpPr/>
-            <p:nvPr/>
-          </p:nvCxnSpPr>
-          <p:spPr>
-            <a:xfrm>
-              <a:off x="306686" y="3838775"/>
-              <a:ext cx="160637" cy="129591"/>
-            </a:xfrm>
-            <a:prstGeom prst="line">
-              <a:avLst/>
-            </a:prstGeom>
-            <a:ln w="12700">
-              <a:solidFill>
-                <a:srgbClr val="ac9d8e"/>
-              </a:solidFill>
-            </a:ln>
-          </p:spPr>
-          <p:style>
-            <a:lnRef idx="1">
-              <a:schemeClr val="accent1"/>
-            </a:lnRef>
-            <a:fillRef idx="0">
-              <a:schemeClr val="accent1"/>
-            </a:fillRef>
-            <a:effectRef idx="0">
-              <a:schemeClr val="accent1"/>
-            </a:effectRef>
-            <a:fontRef idx="minor">
-              <a:schemeClr val="tx1"/>
-            </a:fontRef>
-          </p:style>
-        </p:cxnSp>
-        <p:cxnSp>
-          <p:nvCxnSpPr>
-            <p:cNvPr id="49" name="직선 연결선 48"/>
-            <p:cNvCxnSpPr/>
-            <p:nvPr/>
-          </p:nvCxnSpPr>
-          <p:spPr>
-            <a:xfrm>
-              <a:off x="306686" y="3550192"/>
-              <a:ext cx="160637" cy="129591"/>
-            </a:xfrm>
-            <a:prstGeom prst="line">
-              <a:avLst/>
-            </a:prstGeom>
-            <a:ln w="12700">
-              <a:solidFill>
-                <a:srgbClr val="ac9d8e"/>
-              </a:solidFill>
-            </a:ln>
-          </p:spPr>
-          <p:style>
-            <a:lnRef idx="1">
-              <a:schemeClr val="accent1"/>
-            </a:lnRef>
-            <a:fillRef idx="0">
-              <a:schemeClr val="accent1"/>
-            </a:fillRef>
-            <a:effectRef idx="0">
-              <a:schemeClr val="accent1"/>
-            </a:effectRef>
-            <a:fontRef idx="minor">
-              <a:schemeClr val="tx1"/>
-            </a:fontRef>
-          </p:style>
-        </p:cxnSp>
-        <p:cxnSp>
-          <p:nvCxnSpPr>
-            <p:cNvPr id="51" name="직선 연결선 50"/>
-            <p:cNvCxnSpPr/>
-            <p:nvPr/>
-          </p:nvCxnSpPr>
-          <p:spPr>
-            <a:xfrm>
-              <a:off x="309698" y="3281373"/>
-              <a:ext cx="160637" cy="129591"/>
-            </a:xfrm>
-            <a:prstGeom prst="line">
-              <a:avLst/>
-            </a:prstGeom>
-            <a:ln w="12700">
-              <a:solidFill>
-                <a:srgbClr val="ac9d8e"/>
-              </a:solidFill>
-            </a:ln>
-          </p:spPr>
-          <p:style>
-            <a:lnRef idx="1">
-              <a:schemeClr val="accent1"/>
-            </a:lnRef>
-            <a:fillRef idx="0">
-              <a:schemeClr val="accent1"/>
-            </a:fillRef>
-            <a:effectRef idx="0">
-              <a:schemeClr val="accent1"/>
-            </a:effectRef>
-            <a:fontRef idx="minor">
-              <a:schemeClr val="tx1"/>
-            </a:fontRef>
-          </p:style>
-        </p:cxnSp>
-      </p:grpSp>
-      <p:sp>
-        <p:nvSpPr>
-          <p:cNvPr id="36" name="TextBox 35"/>
-          <p:cNvSpPr txBox="1"/>
-          <p:nvPr/>
-        </p:nvSpPr>
-        <p:spPr>
-          <a:xfrm>
             <a:off x="5067899" y="874360"/>
             <a:ext cx="2056201" cy="450555"/>
           </a:xfrm>
@@ -8954,7 +7725,7 @@
 </p:sld>
 </file>
 
-<file path=ppt/slides/slide7.xml><?xml version="1.0" encoding="utf-8"?>
+<file path=ppt/slides/slide6.xml><?xml version="1.0" encoding="utf-8"?>
 <p:sld xmlns:r="http://schemas.openxmlformats.org/officeDocument/2006/relationships" xmlns:c="http://schemas.openxmlformats.org/drawingml/2006/chart" xmlns:a="http://schemas.openxmlformats.org/drawingml/2006/main" xmlns:dgm="http://schemas.openxmlformats.org/drawingml/2006/diagram" xmlns:dsp="http://schemas.microsoft.com/office/drawing/2008/diagram" xmlns:p="http://schemas.openxmlformats.org/presentationml/2006/main">
   <p:cSld>
     <p:bg>
@@ -9207,7 +7978,7 @@
         </p:blipFill>
         <p:spPr>
           <a:xfrm>
-            <a:off x="4330058" y="1317810"/>
+            <a:off x="4330058" y="1308090"/>
             <a:ext cx="3531884" cy="5238889"/>
           </a:xfrm>
           <a:prstGeom prst="rect">
@@ -9280,7 +8051,7 @@
 </p:sld>
 </file>
 
-<file path=ppt/slides/slide8.xml><?xml version="1.0" encoding="utf-8"?>
+<file path=ppt/slides/slide7.xml><?xml version="1.0" encoding="utf-8"?>
 <p:sld xmlns:r="http://schemas.openxmlformats.org/officeDocument/2006/relationships" xmlns:c="http://schemas.openxmlformats.org/drawingml/2006/chart" xmlns:a="http://schemas.openxmlformats.org/drawingml/2006/main" xmlns:dgm="http://schemas.openxmlformats.org/drawingml/2006/diagram" xmlns:dsp="http://schemas.microsoft.com/office/drawing/2008/diagram" xmlns:p="http://schemas.openxmlformats.org/presentationml/2006/main">
   <p:cSld>
     <p:spTree>
@@ -10380,8 +9151,8 @@
         </p:nvSpPr>
         <p:spPr>
           <a:xfrm>
-            <a:off x="2622054" y="1486705"/>
-            <a:ext cx="1379789" cy="1614393"/>
+            <a:off x="2894196" y="1814607"/>
+            <a:ext cx="1379790" cy="1614393"/>
           </a:xfrm>
           <a:prstGeom prst="rect">
             <a:avLst/>
@@ -10467,7 +9238,7 @@
         </p:nvSpPr>
         <p:spPr>
           <a:xfrm>
-            <a:off x="8161965" y="1483595"/>
+            <a:off x="8570179" y="1814464"/>
             <a:ext cx="1379789" cy="1614536"/>
           </a:xfrm>
           <a:prstGeom prst="rect">
@@ -10542,58 +9313,6 @@
               <a:solidFill>
                 <a:srgbClr val="9a8b85"/>
               </a:solidFill>
-            </a:endParaRPr>
-          </a:p>
-        </p:txBody>
-      </p:sp>
-      <p:sp>
-        <p:nvSpPr>
-          <p:cNvPr id="32" name="TextBox 31"/>
-          <p:cNvSpPr txBox="1"/>
-          <p:nvPr/>
-        </p:nvSpPr>
-        <p:spPr>
-          <a:xfrm>
-            <a:off x="2589326" y="2292914"/>
-            <a:ext cx="1499547" cy="449383"/>
-          </a:xfrm>
-          <a:prstGeom prst="rect">
-            <a:avLst/>
-          </a:prstGeom>
-          <a:noFill/>
-          <a:ln w="9525">
-            <a:noFill/>
-          </a:ln>
-        </p:spPr>
-        <p:txBody>
-          <a:bodyPr wrap="square">
-            <a:spAutoFit/>
-          </a:bodyPr>
-          <a:lstStyle/>
-          <a:p>
-            <a:pPr lvl="0">
-              <a:defRPr/>
-            </a:pPr>
-            <a:r>
-              <a:rPr lang="ko-KR" altLang="en-US" sz="2400">
-                <a:solidFill>
-                  <a:schemeClr val="tx1">
-                    <a:alpha val="71000"/>
-                  </a:schemeClr>
-                </a:solidFill>
-                <a:latin typeface="DX영화자막 M"/>
-                <a:ea typeface="DX영화자막 M"/>
-              </a:rPr>
-              <a:t>슬로싱킹</a:t>
-            </a:r>
-            <a:endParaRPr lang="ko-KR" altLang="en-US" sz="2400">
-              <a:solidFill>
-                <a:schemeClr val="tx1">
-                  <a:alpha val="71000"/>
-                </a:schemeClr>
-              </a:solidFill>
-              <a:latin typeface="DX영화자막 M"/>
-              <a:ea typeface="DX영화자막 M"/>
             </a:endParaRPr>
           </a:p>
         </p:txBody>
@@ -10991,14 +9710,14 @@
       </p:sp>
       <p:sp>
         <p:nvSpPr>
-          <p:cNvPr id="35" name="TextBox 34"/>
+          <p:cNvPr id="32" name="TextBox 31"/>
           <p:cNvSpPr txBox="1"/>
           <p:nvPr/>
         </p:nvSpPr>
         <p:spPr>
           <a:xfrm>
-            <a:off x="8320020" y="2367212"/>
-            <a:ext cx="1499548" cy="450283"/>
+            <a:off x="2307462" y="3789698"/>
+            <a:ext cx="2597837" cy="619055"/>
           </a:xfrm>
           <a:prstGeom prst="rect">
             <a:avLst/>
@@ -11018,7 +9737,7 @@
               <a:defRPr/>
             </a:pPr>
             <a:r>
-              <a:rPr lang="ko-KR" altLang="en-US" sz="2400">
+              <a:rPr lang="en-US" altLang="ko-KR" sz="3500">
                 <a:solidFill>
                   <a:schemeClr val="tx1">
                     <a:alpha val="71000"/>
@@ -11027,9 +9746,33 @@
                 <a:latin typeface="DX영화자막 M"/>
                 <a:ea typeface="DX영화자막 M"/>
               </a:rPr>
-              <a:t>몰 입</a:t>
-            </a:r>
-            <a:endParaRPr lang="ko-KR" altLang="en-US" sz="2400">
+              <a:t>“</a:t>
+            </a:r>
+            <a:r>
+              <a:rPr lang="ko-KR" altLang="en-US" sz="3500">
+                <a:solidFill>
+                  <a:schemeClr val="tx1">
+                    <a:alpha val="71000"/>
+                  </a:schemeClr>
+                </a:solidFill>
+                <a:latin typeface="DX영화자막 M"/>
+                <a:ea typeface="DX영화자막 M"/>
+              </a:rPr>
+              <a:t>슬로싱킹</a:t>
+            </a:r>
+            <a:r>
+              <a:rPr lang="en-US" altLang="ko-KR" sz="3500">
+                <a:solidFill>
+                  <a:schemeClr val="tx1">
+                    <a:alpha val="71000"/>
+                  </a:schemeClr>
+                </a:solidFill>
+                <a:latin typeface="DX영화자막 M"/>
+                <a:ea typeface="DX영화자막 M"/>
+              </a:rPr>
+              <a:t>”</a:t>
+            </a:r>
+            <a:endParaRPr lang="en-US" altLang="ko-KR" sz="3500">
               <a:solidFill>
                 <a:schemeClr val="tx1">
                   <a:alpha val="71000"/>
@@ -11434,6 +10177,82 @@
       </p:sp>
       <p:sp>
         <p:nvSpPr>
+          <p:cNvPr id="35" name="TextBox 34"/>
+          <p:cNvSpPr txBox="1"/>
+          <p:nvPr/>
+        </p:nvSpPr>
+        <p:spPr>
+          <a:xfrm>
+            <a:off x="8524129" y="3698768"/>
+            <a:ext cx="1664778" cy="623677"/>
+          </a:xfrm>
+          <a:prstGeom prst="rect">
+            <a:avLst/>
+          </a:prstGeom>
+          <a:noFill/>
+          <a:ln w="9525">
+            <a:noFill/>
+          </a:ln>
+        </p:spPr>
+        <p:txBody>
+          <a:bodyPr wrap="square">
+            <a:spAutoFit/>
+          </a:bodyPr>
+          <a:lstStyle/>
+          <a:p>
+            <a:pPr lvl="0">
+              <a:defRPr/>
+            </a:pPr>
+            <a:r>
+              <a:rPr lang="en-US" altLang="ko-KR" sz="3500">
+                <a:solidFill>
+                  <a:schemeClr val="tx1">
+                    <a:alpha val="71000"/>
+                  </a:schemeClr>
+                </a:solidFill>
+                <a:latin typeface="DX영화자막 M"/>
+                <a:ea typeface="DX영화자막 M"/>
+              </a:rPr>
+              <a:t>“</a:t>
+            </a:r>
+            <a:r>
+              <a:rPr lang="ko-KR" altLang="en-US" sz="3500">
+                <a:solidFill>
+                  <a:schemeClr val="tx1">
+                    <a:alpha val="71000"/>
+                  </a:schemeClr>
+                </a:solidFill>
+                <a:latin typeface="DX영화자막 M"/>
+                <a:ea typeface="DX영화자막 M"/>
+              </a:rPr>
+              <a:t>몰입</a:t>
+            </a:r>
+            <a:r>
+              <a:rPr lang="en-US" altLang="ko-KR" sz="3500">
+                <a:solidFill>
+                  <a:schemeClr val="tx1">
+                    <a:alpha val="71000"/>
+                  </a:schemeClr>
+                </a:solidFill>
+                <a:latin typeface="DX영화자막 M"/>
+                <a:ea typeface="DX영화자막 M"/>
+              </a:rPr>
+              <a:t>”</a:t>
+            </a:r>
+            <a:endParaRPr lang="en-US" altLang="ko-KR" sz="3500">
+              <a:solidFill>
+                <a:schemeClr val="tx1">
+                  <a:alpha val="71000"/>
+                </a:schemeClr>
+              </a:solidFill>
+              <a:latin typeface="DX영화자막 M"/>
+              <a:ea typeface="DX영화자막 M"/>
+            </a:endParaRPr>
+          </a:p>
+        </p:txBody>
+      </p:sp>
+      <p:sp>
+        <p:nvSpPr>
           <p:cNvPr id="60" name="TextBox 11"/>
           <p:cNvSpPr txBox="1"/>
           <p:nvPr/>
@@ -11460,46 +10279,6 @@
               </a:lnSpc>
               <a:defRPr/>
             </a:pPr>
-            <a:r>
-              <a:rPr lang="ko-KR" altLang="en-US" sz="2400" kern="1400">
-                <a:solidFill>
-                  <a:schemeClr val="tx1"/>
-                </a:solidFill>
-                <a:latin typeface="DX영화자막 M"/>
-                <a:ea typeface="DX영화자막 M"/>
-              </a:rPr>
-              <a:t>몰입의 다른 표현은 </a:t>
-            </a:r>
-            <a:r>
-              <a:rPr lang="en-US" altLang="ko-KR" sz="2400" kern="1400">
-                <a:solidFill>
-                  <a:schemeClr val="tx1"/>
-                </a:solidFill>
-                <a:latin typeface="DX영화자막 M"/>
-                <a:ea typeface="DX영화자막 M"/>
-              </a:rPr>
-              <a:t>‘</a:t>
-            </a:r>
-            <a:r>
-              <a:rPr lang="ko-KR" altLang="en-US" sz="2400" kern="1400">
-                <a:solidFill>
-                  <a:schemeClr val="tx1"/>
-                </a:solidFill>
-                <a:latin typeface="DX영화자막 M"/>
-                <a:ea typeface="DX영화자막 M"/>
-              </a:rPr>
-              <a:t>행복</a:t>
-            </a:r>
-            <a:r>
-              <a:rPr lang="en-US" altLang="ko-KR" sz="2400" kern="1400">
-                <a:solidFill>
-                  <a:schemeClr val="tx1"/>
-                </a:solidFill>
-                <a:latin typeface="DX영화자막 M"/>
-                <a:ea typeface="DX영화자막 M"/>
-              </a:rPr>
-              <a:t>’</a:t>
-            </a:r>
             <a:endParaRPr lang="ko-KR" altLang="en-US" sz="2400" kern="1400">
               <a:solidFill>
                 <a:schemeClr val="tx1"/>
@@ -11510,16 +10289,217 @@
           </a:p>
         </p:txBody>
       </p:sp>
-      <p:sp>
-        <p:nvSpPr>
-          <p:cNvPr id="61" name="TextBox 11"/>
+    </p:spTree>
+  </p:cSld>
+  <p:clrMapOvr>
+    <a:masterClrMapping/>
+  </p:clrMapOvr>
+  <mc:AlternateContent xmlns:mc="http://schemas.openxmlformats.org/markup-compatibility/2006">
+    <mc:Choice xmlns:p14="http://schemas.microsoft.com/office/powerpoint/2010/main" Requires="p14">
+      <p:transition xmlns:mc="http://schemas.openxmlformats.org/markup-compatibility/2006" xmlns:p14="http://schemas.microsoft.com/office/powerpoint/2010/main" mc:Ignorable="p14" p14:dur="500"/>
+    </mc:Choice>
+    <mc:Fallback>
+      <p:transition/>
+    </mc:Fallback>
+  </mc:AlternateContent>
+</p:sld>
+</file>
+
+<file path=ppt/slides/slide8.xml><?xml version="1.0" encoding="utf-8"?>
+<p:sld xmlns:r="http://schemas.openxmlformats.org/officeDocument/2006/relationships" xmlns:c="http://schemas.openxmlformats.org/drawingml/2006/chart" xmlns:a="http://schemas.openxmlformats.org/drawingml/2006/main" xmlns:dgm="http://schemas.openxmlformats.org/drawingml/2006/diagram" xmlns:dsp="http://schemas.microsoft.com/office/drawing/2008/diagram" xmlns:p="http://schemas.openxmlformats.org/presentationml/2006/main">
+  <p:cSld>
+    <p:bg>
+      <p:bgPr shadeToTitle="0">
+        <a:blipFill dpi="0" rotWithShape="1">
+          <a:blip r:embed="rId2">
+            <a:lum/>
+          </a:blip>
+          <a:srcRect/>
+          <a:stretch>
+            <a:fillRect t="-17000" b="-17000"/>
+          </a:stretch>
+        </a:blipFill>
+      </p:bgPr>
+    </p:bg>
+    <p:spTree>
+      <p:nvGrpSpPr>
+        <p:cNvPr id="1" name=""/>
+        <p:cNvGrpSpPr/>
+        <p:nvPr/>
+      </p:nvGrpSpPr>
+      <p:grpSpPr>
+        <a:xfrm>
+          <a:off x="0" y="0"/>
+          <a:ext cx="0" cy="0"/>
+          <a:chOff x="0" y="0"/>
+          <a:chExt cx="0" cy="0"/>
+        </a:xfrm>
+      </p:grpSpPr>
+      <p:grpSp>
+        <p:nvGrpSpPr>
+          <p:cNvPr id="4" name="그룹 3"/>
+          <p:cNvGrpSpPr/>
+          <p:nvPr/>
+        </p:nvGrpSpPr>
+        <p:grpSpPr>
+          <a:xfrm rot="0">
+            <a:off x="240925" y="2941212"/>
+            <a:ext cx="163649" cy="975576"/>
+            <a:chOff x="306686" y="3281373"/>
+            <a:chExt cx="163649" cy="975576"/>
+          </a:xfrm>
+        </p:grpSpPr>
+        <p:cxnSp>
+          <p:nvCxnSpPr>
+            <p:cNvPr id="3" name="직선 연결선 2"/>
+            <p:cNvCxnSpPr/>
+            <p:nvPr/>
+          </p:nvCxnSpPr>
+          <p:spPr>
+            <a:xfrm>
+              <a:off x="306686" y="4127358"/>
+              <a:ext cx="160637" cy="129591"/>
+            </a:xfrm>
+            <a:prstGeom prst="line">
+              <a:avLst/>
+            </a:prstGeom>
+            <a:ln w="12700">
+              <a:solidFill>
+                <a:srgbClr val="ac9d8e"/>
+              </a:solidFill>
+            </a:ln>
+          </p:spPr>
+          <p:style>
+            <a:lnRef idx="1">
+              <a:schemeClr val="accent1"/>
+            </a:lnRef>
+            <a:fillRef idx="0">
+              <a:schemeClr val="accent1"/>
+            </a:fillRef>
+            <a:effectRef idx="0">
+              <a:schemeClr val="accent1"/>
+            </a:effectRef>
+            <a:fontRef idx="minor">
+              <a:schemeClr val="tx1"/>
+            </a:fontRef>
+          </p:style>
+        </p:cxnSp>
+        <p:cxnSp>
+          <p:nvCxnSpPr>
+            <p:cNvPr id="40" name="직선 연결선 39"/>
+            <p:cNvCxnSpPr/>
+            <p:nvPr/>
+          </p:nvCxnSpPr>
+          <p:spPr>
+            <a:xfrm>
+              <a:off x="306686" y="3838775"/>
+              <a:ext cx="160637" cy="129591"/>
+            </a:xfrm>
+            <a:prstGeom prst="line">
+              <a:avLst/>
+            </a:prstGeom>
+            <a:ln w="12700">
+              <a:solidFill>
+                <a:srgbClr val="ac9d8e"/>
+              </a:solidFill>
+            </a:ln>
+          </p:spPr>
+          <p:style>
+            <a:lnRef idx="1">
+              <a:schemeClr val="accent1"/>
+            </a:lnRef>
+            <a:fillRef idx="0">
+              <a:schemeClr val="accent1"/>
+            </a:fillRef>
+            <a:effectRef idx="0">
+              <a:schemeClr val="accent1"/>
+            </a:effectRef>
+            <a:fontRef idx="minor">
+              <a:schemeClr val="tx1"/>
+            </a:fontRef>
+          </p:style>
+        </p:cxnSp>
+        <p:cxnSp>
+          <p:nvCxnSpPr>
+            <p:cNvPr id="49" name="직선 연결선 48"/>
+            <p:cNvCxnSpPr/>
+            <p:nvPr/>
+          </p:nvCxnSpPr>
+          <p:spPr>
+            <a:xfrm>
+              <a:off x="306686" y="3550192"/>
+              <a:ext cx="160637" cy="129591"/>
+            </a:xfrm>
+            <a:prstGeom prst="line">
+              <a:avLst/>
+            </a:prstGeom>
+            <a:ln w="12700">
+              <a:solidFill>
+                <a:srgbClr val="ac9d8e"/>
+              </a:solidFill>
+            </a:ln>
+          </p:spPr>
+          <p:style>
+            <a:lnRef idx="1">
+              <a:schemeClr val="accent1"/>
+            </a:lnRef>
+            <a:fillRef idx="0">
+              <a:schemeClr val="accent1"/>
+            </a:fillRef>
+            <a:effectRef idx="0">
+              <a:schemeClr val="accent1"/>
+            </a:effectRef>
+            <a:fontRef idx="minor">
+              <a:schemeClr val="tx1"/>
+            </a:fontRef>
+          </p:style>
+        </p:cxnSp>
+        <p:cxnSp>
+          <p:nvCxnSpPr>
+            <p:cNvPr id="51" name="직선 연결선 50"/>
+            <p:cNvCxnSpPr/>
+            <p:nvPr/>
+          </p:nvCxnSpPr>
+          <p:spPr>
+            <a:xfrm>
+              <a:off x="309698" y="3281373"/>
+              <a:ext cx="160637" cy="129591"/>
+            </a:xfrm>
+            <a:prstGeom prst="line">
+              <a:avLst/>
+            </a:prstGeom>
+            <a:ln w="12700">
+              <a:solidFill>
+                <a:srgbClr val="ac9d8e"/>
+              </a:solidFill>
+            </a:ln>
+          </p:spPr>
+          <p:style>
+            <a:lnRef idx="1">
+              <a:schemeClr val="accent1"/>
+            </a:lnRef>
+            <a:fillRef idx="0">
+              <a:schemeClr val="accent1"/>
+            </a:fillRef>
+            <a:effectRef idx="0">
+              <a:schemeClr val="accent1"/>
+            </a:effectRef>
+            <a:fontRef idx="minor">
+              <a:schemeClr val="tx1"/>
+            </a:fontRef>
+          </p:style>
+        </p:cxnSp>
+      </p:grpSp>
+      <p:sp>
+        <p:nvSpPr>
+          <p:cNvPr id="12" name="TextBox 11"/>
           <p:cNvSpPr txBox="1"/>
           <p:nvPr/>
         </p:nvSpPr>
         <p:spPr>
           <a:xfrm>
-            <a:off x="1189266" y="3561961"/>
-            <a:ext cx="4744601" cy="1184250"/>
+            <a:off x="1310354" y="2950725"/>
+            <a:ext cx="9594574" cy="638295"/>
           </a:xfrm>
           <a:prstGeom prst="rect">
             <a:avLst/>
@@ -11527,7 +10507,7 @@
           <a:noFill/>
         </p:spPr>
         <p:txBody>
-          <a:bodyPr vert="horz" wrap="square" lIns="91440" tIns="45720" rIns="91440" bIns="45720" anchor="t">
+          <a:bodyPr wrap="square">
             <a:spAutoFit/>
           </a:bodyPr>
           <a:lstStyle/>
@@ -11538,74 +10518,107 @@
               </a:lnSpc>
               <a:defRPr/>
             </a:pPr>
-            <a:r>
-              <a:rPr lang="ko-KR" altLang="en-US" sz="2400" kern="1400">
+            <a:endParaRPr lang="ko-KR" altLang="en-US" sz="2400">
+              <a:latin typeface="DX영화자막 M"/>
+              <a:ea typeface="DX영화자막 M"/>
+            </a:endParaRPr>
+          </a:p>
+        </p:txBody>
+      </p:sp>
+      <p:sp>
+        <p:nvSpPr>
+          <p:cNvPr id="52" name="TextBox 51"/>
+          <p:cNvSpPr txBox="1"/>
+          <p:nvPr/>
+        </p:nvSpPr>
+        <p:spPr>
+          <a:xfrm flipH="1">
+            <a:off x="5041092" y="342101"/>
+            <a:ext cx="2123658" cy="294169"/>
+          </a:xfrm>
+          <a:prstGeom prst="rect">
+            <a:avLst/>
+          </a:prstGeom>
+          <a:noFill/>
+        </p:spPr>
+        <p:txBody>
+          <a:bodyPr vert="horz" wrap="square">
+            <a:spAutoFit/>
+          </a:bodyPr>
+          <a:lstStyle/>
+          <a:p>
+            <a:pPr algn="dist">
+              <a:defRPr/>
+            </a:pPr>
+            <a:r>
+              <a:rPr lang="en-US" altLang="ko-KR" sz="1400">
                 <a:solidFill>
-                  <a:schemeClr val="tx1"/>
+                  <a:schemeClr val="tx1">
+                    <a:alpha val="71000"/>
+                  </a:schemeClr>
                 </a:solidFill>
                 <a:latin typeface="DX영화자막 M"/>
                 <a:ea typeface="DX영화자막 M"/>
               </a:rPr>
-              <a:t>속도를 늦출수록 탁월해지는</a:t>
-            </a:r>
-            <a:endParaRPr lang="ko-KR" altLang="en-US" sz="2400" kern="1400">
+              <a:t>SLOW THINKING</a:t>
+            </a:r>
+            <a:endParaRPr lang="ko-KR" altLang="en-US" sz="1400">
               <a:solidFill>
-                <a:schemeClr val="tx1"/>
+                <a:schemeClr val="tx1">
+                  <a:alpha val="71000"/>
+                </a:schemeClr>
               </a:solidFill>
               <a:latin typeface="DX영화자막 M"/>
               <a:ea typeface="DX영화자막 M"/>
             </a:endParaRPr>
           </a:p>
-          <a:p>
-            <a:pPr algn="ctr">
-              <a:lnSpc>
-                <a:spcPct val="150000"/>
-              </a:lnSpc>
+        </p:txBody>
+      </p:sp>
+      <p:sp>
+        <p:nvSpPr>
+          <p:cNvPr id="55" name="TextBox 54"/>
+          <p:cNvSpPr txBox="1"/>
+          <p:nvPr/>
+        </p:nvSpPr>
+        <p:spPr>
+          <a:xfrm>
+            <a:off x="5629302" y="713595"/>
+            <a:ext cx="1499547" cy="446550"/>
+          </a:xfrm>
+          <a:prstGeom prst="rect">
+            <a:avLst/>
+          </a:prstGeom>
+          <a:noFill/>
+          <a:ln w="9525">
+            <a:noFill/>
+          </a:ln>
+        </p:spPr>
+        <p:txBody>
+          <a:bodyPr wrap="square">
+            <a:spAutoFit/>
+          </a:bodyPr>
+          <a:lstStyle/>
+          <a:p>
+            <a:pPr lvl="0">
               <a:defRPr/>
             </a:pPr>
             <a:r>
-              <a:rPr lang="ko-KR" altLang="en-US" sz="2400" kern="1400">
+              <a:rPr lang="ko-KR" altLang="en-US" sz="2400">
                 <a:solidFill>
-                  <a:schemeClr val="tx1"/>
+                  <a:schemeClr val="tx1">
+                    <a:alpha val="71000"/>
+                  </a:schemeClr>
                 </a:solidFill>
                 <a:latin typeface="DX영화자막 M"/>
                 <a:ea typeface="DX영화자막 M"/>
               </a:rPr>
-              <a:t> 생각의 </a:t>
-            </a:r>
-            <a:r>
-              <a:rPr lang="en-US" altLang="ko-KR" sz="2400" kern="1400">
-                <a:solidFill>
-                  <a:schemeClr val="tx1"/>
-                </a:solidFill>
-                <a:latin typeface="DX영화자막 M"/>
-                <a:ea typeface="DX영화자막 M"/>
-              </a:rPr>
-              <a:t>‘</a:t>
-            </a:r>
-            <a:r>
-              <a:rPr lang="ko-KR" altLang="en-US" sz="2400" kern="1400">
-                <a:solidFill>
-                  <a:schemeClr val="tx1"/>
-                </a:solidFill>
-                <a:latin typeface="DX영화자막 M"/>
-                <a:ea typeface="DX영화자막 M"/>
-              </a:rPr>
-              <a:t>힘</a:t>
-            </a:r>
-            <a:r>
-              <a:rPr lang="en-US" altLang="ko-KR" sz="2400" kern="1400">
-                <a:solidFill>
-                  <a:schemeClr val="tx1"/>
-                </a:solidFill>
-                <a:latin typeface="DX영화자막 M"/>
-                <a:ea typeface="DX영화자막 M"/>
-              </a:rPr>
-              <a:t>’</a:t>
-            </a:r>
-            <a:endParaRPr lang="en-US" altLang="ko-KR" sz="2400" kern="1400">
+              <a:t>사 례</a:t>
+            </a:r>
+            <a:endParaRPr lang="ko-KR" altLang="en-US" sz="2400">
               <a:solidFill>
-                <a:schemeClr val="tx1"/>
+                <a:schemeClr val="tx1">
+                  <a:alpha val="71000"/>
+                </a:schemeClr>
               </a:solidFill>
               <a:latin typeface="DX영화자막 M"/>
               <a:ea typeface="DX영화자막 M"/>
@@ -11613,6 +10626,30 @@
           </a:p>
         </p:txBody>
       </p:sp>
+      <p:pic>
+        <p:nvPicPr>
+          <p:cNvPr id="66" name=""/>
+          <p:cNvPicPr>
+            <a:picLocks noChangeAspect="1"/>
+          </p:cNvPicPr>
+          <p:nvPr/>
+        </p:nvPicPr>
+        <p:blipFill rotWithShape="1">
+          <a:blip r:embed="rId3"/>
+          <a:stretch>
+            <a:fillRect/>
+          </a:stretch>
+        </p:blipFill>
+        <p:spPr>
+          <a:xfrm>
+            <a:off x="3113053" y="1380849"/>
+            <a:ext cx="5965893" cy="5240757"/>
+          </a:xfrm>
+          <a:prstGeom prst="rect">
+            <a:avLst/>
+          </a:prstGeom>
+        </p:spPr>
+      </p:pic>
     </p:spTree>
   </p:cSld>
   <p:clrMapOvr>
@@ -11816,41 +10853,6 @@
       </p:grpSp>
       <p:sp>
         <p:nvSpPr>
-          <p:cNvPr id="12" name="TextBox 11"/>
-          <p:cNvSpPr txBox="1"/>
-          <p:nvPr/>
-        </p:nvSpPr>
-        <p:spPr>
-          <a:xfrm>
-            <a:off x="1310354" y="2950725"/>
-            <a:ext cx="9594574" cy="638295"/>
-          </a:xfrm>
-          <a:prstGeom prst="rect">
-            <a:avLst/>
-          </a:prstGeom>
-          <a:noFill/>
-        </p:spPr>
-        <p:txBody>
-          <a:bodyPr wrap="square">
-            <a:spAutoFit/>
-          </a:bodyPr>
-          <a:lstStyle/>
-          <a:p>
-            <a:pPr algn="ctr">
-              <a:lnSpc>
-                <a:spcPct val="150000"/>
-              </a:lnSpc>
-              <a:defRPr/>
-            </a:pPr>
-            <a:endParaRPr lang="ko-KR" altLang="en-US" sz="2400">
-              <a:latin typeface="DX영화자막 M"/>
-              <a:ea typeface="DX영화자막 M"/>
-            </a:endParaRPr>
-          </a:p>
-        </p:txBody>
-      </p:sp>
-      <p:sp>
-        <p:nvSpPr>
           <p:cNvPr id="52" name="TextBox 51"/>
           <p:cNvSpPr txBox="1"/>
           <p:nvPr/>
@@ -11900,7 +10902,7 @@
       </p:sp>
       <p:sp>
         <p:nvSpPr>
-          <p:cNvPr id="55" name="TextBox 54"/>
+          <p:cNvPr id="53" name="TextBox 52"/>
           <p:cNvSpPr txBox="1"/>
           <p:nvPr/>
         </p:nvSpPr>
@@ -11936,7 +10938,7 @@
                 <a:latin typeface="DX영화자막 M"/>
                 <a:ea typeface="DX영화자막 M"/>
               </a:rPr>
-              <a:t>사 례</a:t>
+              <a:t>효 과</a:t>
             </a:r>
             <a:endParaRPr lang="ko-KR" altLang="en-US" sz="2400">
               <a:solidFill>
@@ -11952,7 +10954,7 @@
       </p:sp>
       <p:pic>
         <p:nvPicPr>
-          <p:cNvPr id="66" name=""/>
+          <p:cNvPr id="63" name=""/>
           <p:cNvPicPr>
             <a:picLocks noChangeAspect="1"/>
           </p:cNvPicPr>
@@ -11966,8 +10968,8 @@
         </p:blipFill>
         <p:spPr>
           <a:xfrm>
-            <a:off x="3113053" y="1380849"/>
-            <a:ext cx="5965893" cy="5240757"/>
+            <a:off x="3104572" y="1392052"/>
+            <a:ext cx="5982854" cy="5255656"/>
           </a:xfrm>
           <a:prstGeom prst="rect">
             <a:avLst/>

--- a/2조.pptx
+++ b/2조.pptx
@@ -2,7 +2,7 @@
 <file path=ppt/presentation.xml><?xml version="1.0" encoding="utf-8"?>
 <p:presentation xmlns:r="http://schemas.openxmlformats.org/officeDocument/2006/relationships" xmlns:c="http://schemas.openxmlformats.org/drawingml/2006/chart" xmlns:a="http://schemas.openxmlformats.org/drawingml/2006/main" xmlns:dgm="http://schemas.openxmlformats.org/drawingml/2006/diagram" xmlns:dsp="http://schemas.microsoft.com/office/drawing/2008/diagram" xmlns:p="http://schemas.openxmlformats.org/presentationml/2006/main" embedTrueTypeFonts="1" saveSubsetFonts="1" autoCompressPictures="0">
   <p:sldMasterIdLst>
-    <p:sldMasterId id="2147483664" r:id="rId1"/>
+    <p:sldMasterId id="2147483682" r:id="rId1"/>
   </p:sldMasterIdLst>
   <p:sldIdLst>
     <p:sldId id="256" r:id="rId2"/>
@@ -16,6 +16,10 @@
     <p:sldId id="264" r:id="rId10"/>
     <p:sldId id="265" r:id="rId11"/>
     <p:sldId id="266" r:id="rId12"/>
+    <p:sldId id="267" r:id="rId13"/>
+    <p:sldId id="268" r:id="rId14"/>
+    <p:sldId id="269" r:id="rId15"/>
+    <p:sldId id="270" r:id="rId16"/>
   </p:sldIdLst>
   <p:sldSz cx="12192000" cy="6858000"/>
   <p:notesSz cx="6858000" cy="9144000"/>
@@ -4042,6 +4046,6298 @@
 <file path=ppt/slides/slide10.xml><?xml version="1.0" encoding="utf-8"?>
 <p:sld xmlns:r="http://schemas.openxmlformats.org/officeDocument/2006/relationships" xmlns:c="http://schemas.openxmlformats.org/drawingml/2006/chart" xmlns:a="http://schemas.openxmlformats.org/drawingml/2006/main" xmlns:dgm="http://schemas.openxmlformats.org/drawingml/2006/diagram" xmlns:dsp="http://schemas.microsoft.com/office/drawing/2008/diagram" xmlns:p="http://schemas.openxmlformats.org/presentationml/2006/main">
   <p:cSld>
+    <p:spTree>
+      <p:nvGrpSpPr>
+        <p:cNvPr id="1" name=""/>
+        <p:cNvGrpSpPr/>
+        <p:nvPr/>
+      </p:nvGrpSpPr>
+      <p:grpSpPr>
+        <a:xfrm>
+          <a:off x="0" y="0"/>
+          <a:ext cx="0" cy="0"/>
+          <a:chOff x="0" y="0"/>
+          <a:chExt cx="0" cy="0"/>
+        </a:xfrm>
+      </p:grpSpPr>
+      <p:sp>
+        <p:nvSpPr>
+          <p:cNvPr id="22" name="TextBox 21"/>
+          <p:cNvSpPr txBox="1"/>
+          <p:nvPr/>
+        </p:nvSpPr>
+        <p:spPr>
+          <a:xfrm flipH="1">
+            <a:off x="5041092" y="342101"/>
+            <a:ext cx="2123658" cy="294169"/>
+          </a:xfrm>
+          <a:prstGeom prst="rect">
+            <a:avLst/>
+          </a:prstGeom>
+          <a:noFill/>
+        </p:spPr>
+        <p:txBody>
+          <a:bodyPr vert="horz" wrap="square">
+            <a:spAutoFit/>
+          </a:bodyPr>
+          <a:lstStyle/>
+          <a:p>
+            <a:pPr algn="dist">
+              <a:defRPr/>
+            </a:pPr>
+            <a:r>
+              <a:rPr lang="en-US" altLang="ko-KR" sz="1400">
+                <a:solidFill>
+                  <a:schemeClr val="tx1">
+                    <a:alpha val="71000"/>
+                  </a:schemeClr>
+                </a:solidFill>
+                <a:latin typeface="DX영화자막 M"/>
+                <a:ea typeface="DX영화자막 M"/>
+              </a:rPr>
+              <a:t>SLOW THINKING</a:t>
+            </a:r>
+            <a:endParaRPr lang="ko-KR" altLang="en-US" sz="1400">
+              <a:solidFill>
+                <a:schemeClr val="tx1">
+                  <a:alpha val="71000"/>
+                </a:schemeClr>
+              </a:solidFill>
+              <a:latin typeface="DX영화자막 M"/>
+              <a:ea typeface="DX영화자막 M"/>
+            </a:endParaRPr>
+          </a:p>
+        </p:txBody>
+      </p:sp>
+      <p:grpSp>
+        <p:nvGrpSpPr>
+          <p:cNvPr id="4" name="그룹 3"/>
+          <p:cNvGrpSpPr/>
+          <p:nvPr/>
+        </p:nvGrpSpPr>
+        <p:grpSpPr>
+          <a:xfrm rot="0">
+            <a:off x="240925" y="2941212"/>
+            <a:ext cx="163649" cy="975576"/>
+            <a:chOff x="306686" y="3281373"/>
+            <a:chExt cx="163649" cy="975576"/>
+          </a:xfrm>
+        </p:grpSpPr>
+        <p:cxnSp>
+          <p:nvCxnSpPr>
+            <p:cNvPr id="3" name="직선 연결선 2"/>
+            <p:cNvCxnSpPr/>
+            <p:nvPr/>
+          </p:nvCxnSpPr>
+          <p:spPr>
+            <a:xfrm>
+              <a:off x="306686" y="4127358"/>
+              <a:ext cx="160637" cy="129591"/>
+            </a:xfrm>
+            <a:prstGeom prst="line">
+              <a:avLst/>
+            </a:prstGeom>
+            <a:ln w="12700">
+              <a:solidFill>
+                <a:srgbClr val="ac9d8e"/>
+              </a:solidFill>
+            </a:ln>
+          </p:spPr>
+          <p:style>
+            <a:lnRef idx="1">
+              <a:schemeClr val="accent1"/>
+            </a:lnRef>
+            <a:fillRef idx="0">
+              <a:schemeClr val="accent1"/>
+            </a:fillRef>
+            <a:effectRef idx="0">
+              <a:schemeClr val="accent1"/>
+            </a:effectRef>
+            <a:fontRef idx="minor">
+              <a:schemeClr val="tx1"/>
+            </a:fontRef>
+          </p:style>
+        </p:cxnSp>
+        <p:cxnSp>
+          <p:nvCxnSpPr>
+            <p:cNvPr id="40" name="직선 연결선 39"/>
+            <p:cNvCxnSpPr/>
+            <p:nvPr/>
+          </p:nvCxnSpPr>
+          <p:spPr>
+            <a:xfrm>
+              <a:off x="306686" y="3838775"/>
+              <a:ext cx="160637" cy="129591"/>
+            </a:xfrm>
+            <a:prstGeom prst="line">
+              <a:avLst/>
+            </a:prstGeom>
+            <a:ln w="12700">
+              <a:solidFill>
+                <a:srgbClr val="ac9d8e"/>
+              </a:solidFill>
+            </a:ln>
+          </p:spPr>
+          <p:style>
+            <a:lnRef idx="1">
+              <a:schemeClr val="accent1"/>
+            </a:lnRef>
+            <a:fillRef idx="0">
+              <a:schemeClr val="accent1"/>
+            </a:fillRef>
+            <a:effectRef idx="0">
+              <a:schemeClr val="accent1"/>
+            </a:effectRef>
+            <a:fontRef idx="minor">
+              <a:schemeClr val="tx1"/>
+            </a:fontRef>
+          </p:style>
+        </p:cxnSp>
+        <p:cxnSp>
+          <p:nvCxnSpPr>
+            <p:cNvPr id="49" name="직선 연결선 48"/>
+            <p:cNvCxnSpPr/>
+            <p:nvPr/>
+          </p:nvCxnSpPr>
+          <p:spPr>
+            <a:xfrm>
+              <a:off x="306686" y="3550192"/>
+              <a:ext cx="160637" cy="129591"/>
+            </a:xfrm>
+            <a:prstGeom prst="line">
+              <a:avLst/>
+            </a:prstGeom>
+            <a:ln w="12700">
+              <a:solidFill>
+                <a:srgbClr val="ac9d8e"/>
+              </a:solidFill>
+            </a:ln>
+          </p:spPr>
+          <p:style>
+            <a:lnRef idx="1">
+              <a:schemeClr val="accent1"/>
+            </a:lnRef>
+            <a:fillRef idx="0">
+              <a:schemeClr val="accent1"/>
+            </a:fillRef>
+            <a:effectRef idx="0">
+              <a:schemeClr val="accent1"/>
+            </a:effectRef>
+            <a:fontRef idx="minor">
+              <a:schemeClr val="tx1"/>
+            </a:fontRef>
+          </p:style>
+        </p:cxnSp>
+        <p:cxnSp>
+          <p:nvCxnSpPr>
+            <p:cNvPr id="51" name="직선 연결선 50"/>
+            <p:cNvCxnSpPr/>
+            <p:nvPr/>
+          </p:nvCxnSpPr>
+          <p:spPr>
+            <a:xfrm>
+              <a:off x="309698" y="3281373"/>
+              <a:ext cx="160637" cy="129591"/>
+            </a:xfrm>
+            <a:prstGeom prst="line">
+              <a:avLst/>
+            </a:prstGeom>
+            <a:ln w="12700">
+              <a:solidFill>
+                <a:srgbClr val="ac9d8e"/>
+              </a:solidFill>
+            </a:ln>
+          </p:spPr>
+          <p:style>
+            <a:lnRef idx="1">
+              <a:schemeClr val="accent1"/>
+            </a:lnRef>
+            <a:fillRef idx="0">
+              <a:schemeClr val="accent1"/>
+            </a:fillRef>
+            <a:effectRef idx="0">
+              <a:schemeClr val="accent1"/>
+            </a:effectRef>
+            <a:fontRef idx="minor">
+              <a:schemeClr val="tx1"/>
+            </a:fontRef>
+          </p:style>
+        </p:cxnSp>
+      </p:grpSp>
+      <p:sp>
+        <p:nvSpPr>
+          <p:cNvPr id="2" name="TextBox 1"/>
+          <p:cNvSpPr txBox="1"/>
+          <p:nvPr/>
+        </p:nvSpPr>
+        <p:spPr>
+          <a:xfrm>
+            <a:off x="1268142" y="1611934"/>
+            <a:ext cx="6189707" cy="646331"/>
+          </a:xfrm>
+          <a:prstGeom prst="rect">
+            <a:avLst/>
+          </a:prstGeom>
+          <a:noFill/>
+        </p:spPr>
+        <p:txBody>
+          <a:bodyPr wrap="square">
+            <a:spAutoFit/>
+          </a:bodyPr>
+          <a:lstStyle/>
+          <a:p>
+            <a:pPr lvl="0">
+              <a:defRPr/>
+            </a:pPr>
+            <a:r>
+              <a:rPr lang="ko-KR" altLang="en-US" sz="3600">
+                <a:latin typeface="DX영화자막 M"/>
+                <a:ea typeface="DX영화자막 M"/>
+              </a:rPr>
+              <a:t>홍논문</a:t>
+            </a:r>
+            <a:endParaRPr lang="en-US" altLang="ko-KR" sz="3600">
+              <a:latin typeface="DX영화자막 M"/>
+              <a:ea typeface="DX영화자막 M"/>
+            </a:endParaRPr>
+          </a:p>
+        </p:txBody>
+      </p:sp>
+      <p:sp>
+        <p:nvSpPr>
+          <p:cNvPr id="5" name="직사각형 4"/>
+          <p:cNvSpPr/>
+          <p:nvPr/>
+        </p:nvSpPr>
+        <p:spPr>
+          <a:xfrm>
+            <a:off x="1431961" y="2449168"/>
+            <a:ext cx="885524" cy="487788"/>
+          </a:xfrm>
+          <a:custGeom>
+            <a:avLst/>
+            <a:gdLst>
+              <a:gd name="connsiteX0" fmla="*/ 0 w 885524"/>
+              <a:gd name="connsiteY0" fmla="*/ 0 h 487788"/>
+              <a:gd name="connsiteX1" fmla="*/ 885524 w 885524"/>
+              <a:gd name="connsiteY1" fmla="*/ 0 h 487788"/>
+              <a:gd name="connsiteX2" fmla="*/ 885524 w 885524"/>
+              <a:gd name="connsiteY2" fmla="*/ 487788 h 487788"/>
+              <a:gd name="connsiteX3" fmla="*/ 0 w 885524"/>
+              <a:gd name="connsiteY3" fmla="*/ 487788 h 487788"/>
+              <a:gd name="connsiteX4" fmla="*/ 0 w 885524"/>
+              <a:gd name="connsiteY4" fmla="*/ 0 h 487788"/>
+            </a:gdLst>
+            <a:cxnLst>
+              <a:cxn ang="0">
+                <a:pos x="connsiteX0" y="connsiteY0"/>
+              </a:cxn>
+              <a:cxn ang="0">
+                <a:pos x="connsiteX1" y="connsiteY1"/>
+              </a:cxn>
+              <a:cxn ang="0">
+                <a:pos x="connsiteX2" y="connsiteY2"/>
+              </a:cxn>
+              <a:cxn ang="0">
+                <a:pos x="connsiteX3" y="connsiteY3"/>
+              </a:cxn>
+              <a:cxn ang="0">
+                <a:pos x="connsiteX4" y="connsiteY4"/>
+              </a:cxn>
+            </a:cxnLst>
+            <a:rect l="l" t="t" r="r" b="b"/>
+            <a:pathLst>
+              <a:path w="885524" h="487788" extrusionOk="0">
+                <a:moveTo>
+                  <a:pt x="0" y="0"/>
+                </a:moveTo>
+                <a:cubicBezTo>
+                  <a:pt x="147585" y="73323"/>
+                  <a:pt x="474504" y="43906"/>
+                  <a:pt x="885524" y="0"/>
+                </a:cubicBezTo>
+                <a:cubicBezTo>
+                  <a:pt x="866863" y="85762"/>
+                  <a:pt x="848666" y="279246"/>
+                  <a:pt x="885524" y="487788"/>
+                </a:cubicBezTo>
+                <a:cubicBezTo>
+                  <a:pt x="603390" y="566340"/>
+                  <a:pt x="377373" y="441160"/>
+                  <a:pt x="0" y="487788"/>
+                </a:cubicBezTo>
+                <a:cubicBezTo>
+                  <a:pt x="14357" y="340894"/>
+                  <a:pt x="31857" y="149382"/>
+                  <a:pt x="0" y="0"/>
+                </a:cubicBezTo>
+                <a:close/>
+              </a:path>
+            </a:pathLst>
+          </a:custGeom>
+          <a:noFill/>
+          <a:ln>
+            <a:solidFill>
+              <a:srgbClr val="9a8b85"/>
+            </a:solidFill>
+          </a:ln>
+        </p:spPr>
+        <p:style>
+          <a:lnRef idx="2">
+            <a:schemeClr val="accent1">
+              <a:shade val="50000"/>
+            </a:schemeClr>
+          </a:lnRef>
+          <a:fillRef idx="1">
+            <a:schemeClr val="accent1"/>
+          </a:fillRef>
+          <a:effectRef idx="0">
+            <a:schemeClr val="accent1"/>
+          </a:effectRef>
+          <a:fontRef idx="minor">
+            <a:schemeClr val="lt1"/>
+          </a:fontRef>
+        </p:style>
+        <p:txBody>
+          <a:bodyPr anchor="ctr"/>
+          <a:lstStyle/>
+          <a:p>
+            <a:pPr algn="ctr">
+              <a:defRPr/>
+            </a:pPr>
+            <a:endParaRPr lang="ko-KR" altLang="en-US"/>
+          </a:p>
+        </p:txBody>
+      </p:sp>
+      <p:sp>
+        <p:nvSpPr>
+          <p:cNvPr id="24" name="직사각형 23"/>
+          <p:cNvSpPr/>
+          <p:nvPr/>
+        </p:nvSpPr>
+        <p:spPr>
+          <a:xfrm>
+            <a:off x="1410413" y="2487669"/>
+            <a:ext cx="885524" cy="487788"/>
+          </a:xfrm>
+          <a:custGeom>
+            <a:avLst/>
+            <a:gdLst>
+              <a:gd name="connsiteX0" fmla="*/ 0 w 885524"/>
+              <a:gd name="connsiteY0" fmla="*/ 0 h 487788"/>
+              <a:gd name="connsiteX1" fmla="*/ 442762 w 885524"/>
+              <a:gd name="connsiteY1" fmla="*/ 0 h 487788"/>
+              <a:gd name="connsiteX2" fmla="*/ 885524 w 885524"/>
+              <a:gd name="connsiteY2" fmla="*/ 0 h 487788"/>
+              <a:gd name="connsiteX3" fmla="*/ 885524 w 885524"/>
+              <a:gd name="connsiteY3" fmla="*/ 487788 h 487788"/>
+              <a:gd name="connsiteX4" fmla="*/ 425052 w 885524"/>
+              <a:gd name="connsiteY4" fmla="*/ 487788 h 487788"/>
+              <a:gd name="connsiteX5" fmla="*/ 0 w 885524"/>
+              <a:gd name="connsiteY5" fmla="*/ 487788 h 487788"/>
+              <a:gd name="connsiteX6" fmla="*/ 0 w 885524"/>
+              <a:gd name="connsiteY6" fmla="*/ 0 h 487788"/>
+            </a:gdLst>
+            <a:cxnLst>
+              <a:cxn ang="0">
+                <a:pos x="connsiteX0" y="connsiteY0"/>
+              </a:cxn>
+              <a:cxn ang="0">
+                <a:pos x="connsiteX1" y="connsiteY1"/>
+              </a:cxn>
+              <a:cxn ang="0">
+                <a:pos x="connsiteX2" y="connsiteY2"/>
+              </a:cxn>
+              <a:cxn ang="0">
+                <a:pos x="connsiteX3" y="connsiteY3"/>
+              </a:cxn>
+              <a:cxn ang="0">
+                <a:pos x="connsiteX4" y="connsiteY4"/>
+              </a:cxn>
+              <a:cxn ang="0">
+                <a:pos x="connsiteX5" y="connsiteY5"/>
+              </a:cxn>
+              <a:cxn ang="0">
+                <a:pos x="connsiteX6" y="connsiteY6"/>
+              </a:cxn>
+            </a:cxnLst>
+            <a:rect l="l" t="t" r="r" b="b"/>
+            <a:pathLst>
+              <a:path w="885524" h="487788" fill="none" extrusionOk="0">
+                <a:moveTo>
+                  <a:pt x="0" y="0"/>
+                </a:moveTo>
+                <a:cubicBezTo>
+                  <a:pt x="189876" y="-27532"/>
+                  <a:pt x="326699" y="51795"/>
+                  <a:pt x="442762" y="0"/>
+                </a:cubicBezTo>
+                <a:cubicBezTo>
+                  <a:pt x="558825" y="-51795"/>
+                  <a:pt x="711044" y="33536"/>
+                  <a:pt x="885524" y="0"/>
+                </a:cubicBezTo>
+                <a:cubicBezTo>
+                  <a:pt x="936190" y="142469"/>
+                  <a:pt x="840840" y="332089"/>
+                  <a:pt x="885524" y="487788"/>
+                </a:cubicBezTo>
+                <a:cubicBezTo>
+                  <a:pt x="725718" y="528142"/>
+                  <a:pt x="590941" y="462966"/>
+                  <a:pt x="425052" y="487788"/>
+                </a:cubicBezTo>
+                <a:cubicBezTo>
+                  <a:pt x="259163" y="512610"/>
+                  <a:pt x="96867" y="465139"/>
+                  <a:pt x="0" y="487788"/>
+                </a:cubicBezTo>
+                <a:cubicBezTo>
+                  <a:pt x="-48569" y="321016"/>
+                  <a:pt x="48220" y="217248"/>
+                  <a:pt x="0" y="0"/>
+                </a:cubicBezTo>
+                <a:close/>
+              </a:path>
+              <a:path w="885524" h="487788" stroke="0" extrusionOk="0">
+                <a:moveTo>
+                  <a:pt x="0" y="0"/>
+                </a:moveTo>
+                <a:cubicBezTo>
+                  <a:pt x="122179" y="-35847"/>
+                  <a:pt x="263364" y="18882"/>
+                  <a:pt x="442762" y="0"/>
+                </a:cubicBezTo>
+                <a:cubicBezTo>
+                  <a:pt x="622160" y="-18882"/>
+                  <a:pt x="685164" y="38820"/>
+                  <a:pt x="885524" y="0"/>
+                </a:cubicBezTo>
+                <a:cubicBezTo>
+                  <a:pt x="938868" y="105536"/>
+                  <a:pt x="839505" y="276099"/>
+                  <a:pt x="885524" y="487788"/>
+                </a:cubicBezTo>
+                <a:cubicBezTo>
+                  <a:pt x="734272" y="498127"/>
+                  <a:pt x="572546" y="440618"/>
+                  <a:pt x="469328" y="487788"/>
+                </a:cubicBezTo>
+                <a:cubicBezTo>
+                  <a:pt x="366110" y="534958"/>
+                  <a:pt x="174657" y="465725"/>
+                  <a:pt x="0" y="487788"/>
+                </a:cubicBezTo>
+                <a:cubicBezTo>
+                  <a:pt x="-13226" y="342024"/>
+                  <a:pt x="54406" y="214492"/>
+                  <a:pt x="0" y="0"/>
+                </a:cubicBezTo>
+                <a:close/>
+              </a:path>
+            </a:pathLst>
+          </a:custGeom>
+          <a:solidFill>
+            <a:srgbClr val="d1c9c1"/>
+          </a:solidFill>
+          <a:ln>
+            <a:solidFill>
+              <a:srgbClr val="9a8b85"/>
+            </a:solidFill>
+          </a:ln>
+        </p:spPr>
+        <p:style>
+          <a:lnRef idx="2">
+            <a:schemeClr val="accent1">
+              <a:shade val="50000"/>
+            </a:schemeClr>
+          </a:lnRef>
+          <a:fillRef idx="1">
+            <a:schemeClr val="accent1"/>
+          </a:fillRef>
+          <a:effectRef idx="0">
+            <a:schemeClr val="accent1"/>
+          </a:effectRef>
+          <a:fontRef idx="minor">
+            <a:schemeClr val="lt1"/>
+          </a:fontRef>
+        </p:style>
+        <p:txBody>
+          <a:bodyPr anchor="ctr"/>
+          <a:lstStyle/>
+          <a:p>
+            <a:pPr algn="ctr">
+              <a:defRPr/>
+            </a:pPr>
+            <a:endParaRPr lang="ko-KR" altLang="en-US">
+              <a:solidFill>
+                <a:sysClr val="windowText" lastClr="000000"/>
+              </a:solidFill>
+            </a:endParaRPr>
+          </a:p>
+        </p:txBody>
+      </p:sp>
+      <p:sp>
+        <p:nvSpPr>
+          <p:cNvPr id="6" name="TextBox 5"/>
+          <p:cNvSpPr txBox="1"/>
+          <p:nvPr/>
+        </p:nvSpPr>
+        <p:spPr>
+          <a:xfrm>
+            <a:off x="1477790" y="2555388"/>
+            <a:ext cx="750769" cy="369332"/>
+          </a:xfrm>
+          <a:prstGeom prst="rect">
+            <a:avLst/>
+          </a:prstGeom>
+          <a:noFill/>
+        </p:spPr>
+        <p:txBody>
+          <a:bodyPr wrap="square">
+            <a:spAutoFit/>
+          </a:bodyPr>
+          <a:lstStyle/>
+          <a:p>
+            <a:pPr algn="ctr">
+              <a:defRPr/>
+            </a:pPr>
+            <a:r>
+              <a:rPr lang="ko-KR" altLang="en-US" b="1">
+                <a:solidFill>
+                  <a:sysClr val="windowText" lastClr="000000"/>
+                </a:solidFill>
+                <a:latin typeface="DX영화자막 M"/>
+                <a:ea typeface="DX영화자막 M"/>
+              </a:rPr>
+              <a:t>소 개</a:t>
+            </a:r>
+            <a:endParaRPr lang="ko-KR" altLang="en-US" b="1">
+              <a:solidFill>
+                <a:sysClr val="windowText" lastClr="000000"/>
+              </a:solidFill>
+              <a:latin typeface="DX영화자막 M"/>
+              <a:ea typeface="DX영화자막 M"/>
+            </a:endParaRPr>
+          </a:p>
+        </p:txBody>
+      </p:sp>
+      <p:sp>
+        <p:nvSpPr>
+          <p:cNvPr id="7" name="직사각형 6"/>
+          <p:cNvSpPr/>
+          <p:nvPr/>
+        </p:nvSpPr>
+        <p:spPr>
+          <a:xfrm>
+            <a:off x="1268142" y="3189505"/>
+            <a:ext cx="6096000" cy="743280"/>
+          </a:xfrm>
+          <a:prstGeom prst="rect">
+            <a:avLst/>
+          </a:prstGeom>
+        </p:spPr>
+        <p:txBody>
+          <a:bodyPr>
+            <a:spAutoFit/>
+          </a:bodyPr>
+          <a:lstStyle/>
+          <a:p>
+            <a:pPr>
+              <a:lnSpc>
+                <a:spcPct val="120000"/>
+              </a:lnSpc>
+              <a:defRPr/>
+            </a:pPr>
+            <a:r>
+              <a:rPr lang="ko-KR" altLang="en-US">
+                <a:latin typeface="DX영화자막 M"/>
+                <a:ea typeface="DX영화자막 M"/>
+              </a:rPr>
+              <a:t>진지하지만 심각하지 않은 사람</a:t>
+            </a:r>
+            <a:r>
+              <a:rPr lang="en-US" altLang="ko-KR">
+                <a:latin typeface="DX영화자막 M"/>
+                <a:ea typeface="DX영화자막 M"/>
+              </a:rPr>
+              <a:t>. </a:t>
+            </a:r>
+            <a:r>
+              <a:rPr lang="ko-KR" altLang="en-US">
+                <a:latin typeface="DX영화자막 M"/>
+                <a:ea typeface="DX영화자막 M"/>
+              </a:rPr>
+              <a:t>밝지만 가볍지 않은 사람</a:t>
+            </a:r>
+            <a:r>
+              <a:rPr lang="en-US" altLang="ko-KR">
+                <a:latin typeface="DX영화자막 M"/>
+                <a:ea typeface="DX영화자막 M"/>
+              </a:rPr>
+              <a:t>.</a:t>
+            </a:r>
+            <a:endParaRPr lang="en-US" altLang="ko-KR">
+              <a:latin typeface="DX영화자막 M"/>
+              <a:ea typeface="DX영화자막 M"/>
+            </a:endParaRPr>
+          </a:p>
+          <a:p>
+            <a:pPr>
+              <a:lnSpc>
+                <a:spcPct val="120000"/>
+              </a:lnSpc>
+              <a:defRPr/>
+            </a:pPr>
+            <a:r>
+              <a:rPr lang="ko-KR" altLang="en-US">
+                <a:latin typeface="DX영화자막 M"/>
+                <a:ea typeface="DX영화자막 M"/>
+              </a:rPr>
+              <a:t>일러스트레이더 겸 글쟁이이자</a:t>
+            </a:r>
+            <a:r>
+              <a:rPr lang="en-US" altLang="ko-KR">
+                <a:latin typeface="DX영화자막 M"/>
+                <a:ea typeface="DX영화자막 M"/>
+              </a:rPr>
+              <a:t> </a:t>
+            </a:r>
+            <a:r>
+              <a:rPr lang="ko-KR" altLang="en-US">
+                <a:latin typeface="DX영화자막 M"/>
+                <a:ea typeface="DX영화자막 M"/>
+              </a:rPr>
+              <a:t>괜찮은 그래픽 디자이너</a:t>
+            </a:r>
+            <a:r>
+              <a:rPr lang="en-US" altLang="ko-KR">
+                <a:latin typeface="DX영화자막 M"/>
+                <a:ea typeface="DX영화자막 M"/>
+              </a:rPr>
+              <a:t>.</a:t>
+            </a:r>
+            <a:endParaRPr lang="en-US" altLang="ko-KR">
+              <a:latin typeface="DX영화자막 M"/>
+              <a:ea typeface="DX영화자막 M"/>
+            </a:endParaRPr>
+          </a:p>
+        </p:txBody>
+      </p:sp>
+      <p:sp>
+        <p:nvSpPr>
+          <p:cNvPr id="31" name="TextBox 30"/>
+          <p:cNvSpPr txBox="1"/>
+          <p:nvPr/>
+        </p:nvSpPr>
+        <p:spPr>
+          <a:xfrm>
+            <a:off x="8560905" y="6493565"/>
+            <a:ext cx="3578087" cy="295855"/>
+          </a:xfrm>
+          <a:prstGeom prst="rect">
+            <a:avLst/>
+          </a:prstGeom>
+          <a:noFill/>
+        </p:spPr>
+        <p:txBody>
+          <a:bodyPr wrap="square">
+            <a:spAutoFit/>
+          </a:bodyPr>
+          <a:lstStyle/>
+          <a:p>
+            <a:pPr algn="r">
+              <a:defRPr/>
+            </a:pPr>
+            <a:r>
+              <a:rPr lang="ko-KR" altLang="en-US" sz="1400">
+                <a:latin typeface="210 스탠다드 030"/>
+                <a:ea typeface="210 스탠다드 030"/>
+              </a:rPr>
+              <a:t>출처 어반브러시 </a:t>
+            </a:r>
+            <a:r>
+              <a:rPr lang="en-US" altLang="ko-KR" sz="1400">
+                <a:latin typeface="210 스탠다드 030"/>
+                <a:ea typeface="210 스탠다드 030"/>
+              </a:rPr>
+              <a:t>Tommy</a:t>
+            </a:r>
+            <a:endParaRPr lang="ko-KR" altLang="en-US" sz="1400">
+              <a:latin typeface="210 스탠다드 030"/>
+              <a:ea typeface="210 스탠다드 030"/>
+            </a:endParaRPr>
+          </a:p>
+        </p:txBody>
+      </p:sp>
+      <p:pic>
+        <p:nvPicPr>
+          <p:cNvPr id="10" name="그림 9"/>
+          <p:cNvPicPr>
+            <a:picLocks noChangeAspect="1"/>
+          </p:cNvPicPr>
+          <p:nvPr/>
+        </p:nvPicPr>
+        <p:blipFill rotWithShape="1">
+          <a:blip r:embed="rId2">
+            <a:duotone>
+              <a:schemeClr val="accent3">
+                <a:shade val="45000"/>
+                <a:satMod val="135000"/>
+              </a:schemeClr>
+              <a:prstClr val="white"/>
+            </a:duotone>
+          </a:blip>
+          <a:srcRect l="9830" t="7110" r="34880" b="17640"/>
+          <a:stretch>
+            <a:fillRect/>
+          </a:stretch>
+        </p:blipFill>
+        <p:spPr>
+          <a:xfrm flipH="1">
+            <a:off x="8524889" y="972028"/>
+            <a:ext cx="3578088" cy="5160176"/>
+          </a:xfrm>
+          <a:prstGeom prst="rect">
+            <a:avLst/>
+          </a:prstGeom>
+        </p:spPr>
+      </p:pic>
+      <p:sp>
+        <p:nvSpPr>
+          <p:cNvPr id="36" name="TextBox 35"/>
+          <p:cNvSpPr txBox="1"/>
+          <p:nvPr/>
+        </p:nvSpPr>
+        <p:spPr>
+          <a:xfrm>
+            <a:off x="5353147" y="732599"/>
+            <a:ext cx="1499547" cy="446596"/>
+          </a:xfrm>
+          <a:prstGeom prst="rect">
+            <a:avLst/>
+          </a:prstGeom>
+          <a:noFill/>
+          <a:ln w="9525">
+            <a:noFill/>
+          </a:ln>
+        </p:spPr>
+        <p:txBody>
+          <a:bodyPr wrap="square">
+            <a:spAutoFit/>
+          </a:bodyPr>
+          <a:lstStyle/>
+          <a:p>
+            <a:pPr lvl="0">
+              <a:defRPr/>
+            </a:pPr>
+            <a:r>
+              <a:rPr lang="ko-KR" altLang="en-US" sz="2400">
+                <a:solidFill>
+                  <a:schemeClr val="tx1">
+                    <a:alpha val="71000"/>
+                  </a:schemeClr>
+                </a:solidFill>
+                <a:latin typeface="DX영화자막 M"/>
+                <a:ea typeface="DX영화자막 M"/>
+              </a:rPr>
+              <a:t>작가소개</a:t>
+            </a:r>
+            <a:endParaRPr lang="ko-KR" altLang="en-US" sz="2400">
+              <a:solidFill>
+                <a:schemeClr val="tx1">
+                  <a:alpha val="71000"/>
+                </a:schemeClr>
+              </a:solidFill>
+              <a:latin typeface="DX영화자막 M"/>
+              <a:ea typeface="DX영화자막 M"/>
+            </a:endParaRPr>
+          </a:p>
+        </p:txBody>
+      </p:sp>
+      <p:pic>
+        <p:nvPicPr>
+          <p:cNvPr id="8" name="그림 7"/>
+          <p:cNvPicPr>
+            <a:picLocks noChangeAspect="1"/>
+          </p:cNvPicPr>
+          <p:nvPr/>
+        </p:nvPicPr>
+        <p:blipFill rotWithShape="1">
+          <a:blip r:embed="rId3"/>
+          <a:stretch>
+            <a:fillRect/>
+          </a:stretch>
+        </p:blipFill>
+        <p:spPr>
+          <a:xfrm>
+            <a:off x="0" y="-1"/>
+            <a:ext cx="12192000" cy="9134475"/>
+          </a:xfrm>
+          <a:prstGeom prst="rect">
+            <a:avLst/>
+          </a:prstGeom>
+        </p:spPr>
+      </p:pic>
+      <p:sp>
+        <p:nvSpPr>
+          <p:cNvPr id="17" name="TextBox 16"/>
+          <p:cNvSpPr txBox="1"/>
+          <p:nvPr/>
+        </p:nvSpPr>
+        <p:spPr>
+          <a:xfrm flipH="1">
+            <a:off x="5034171" y="361539"/>
+            <a:ext cx="2123658" cy="294169"/>
+          </a:xfrm>
+          <a:prstGeom prst="rect">
+            <a:avLst/>
+          </a:prstGeom>
+          <a:noFill/>
+        </p:spPr>
+        <p:txBody>
+          <a:bodyPr vert="horz" wrap="square">
+            <a:spAutoFit/>
+          </a:bodyPr>
+          <a:lstStyle/>
+          <a:p>
+            <a:pPr algn="dist">
+              <a:defRPr/>
+            </a:pPr>
+            <a:r>
+              <a:rPr lang="en-US" altLang="ko-KR" sz="1400">
+                <a:solidFill>
+                  <a:schemeClr val="tx1">
+                    <a:alpha val="71000"/>
+                  </a:schemeClr>
+                </a:solidFill>
+                <a:latin typeface="DX영화자막 M"/>
+                <a:ea typeface="DX영화자막 M"/>
+              </a:rPr>
+              <a:t>SLOW THINKING</a:t>
+            </a:r>
+            <a:endParaRPr lang="ko-KR" altLang="en-US" sz="1400">
+              <a:solidFill>
+                <a:schemeClr val="tx1">
+                  <a:alpha val="71000"/>
+                </a:schemeClr>
+              </a:solidFill>
+              <a:latin typeface="DX영화자막 M"/>
+              <a:ea typeface="DX영화자막 M"/>
+            </a:endParaRPr>
+          </a:p>
+        </p:txBody>
+      </p:sp>
+      <p:sp>
+        <p:nvSpPr>
+          <p:cNvPr id="19" name="TextBox 18"/>
+          <p:cNvSpPr txBox="1"/>
+          <p:nvPr/>
+        </p:nvSpPr>
+        <p:spPr>
+          <a:xfrm>
+            <a:off x="3776546" y="830223"/>
+            <a:ext cx="4872172" cy="453357"/>
+          </a:xfrm>
+          <a:prstGeom prst="rect">
+            <a:avLst/>
+          </a:prstGeom>
+          <a:noFill/>
+          <a:ln w="9525">
+            <a:noFill/>
+          </a:ln>
+        </p:spPr>
+        <p:txBody>
+          <a:bodyPr wrap="square">
+            <a:spAutoFit/>
+          </a:bodyPr>
+          <a:lstStyle/>
+          <a:p>
+            <a:pPr lvl="0">
+              <a:defRPr/>
+            </a:pPr>
+            <a:r>
+              <a:rPr lang="ko-KR" altLang="en-US" sz="2400">
+                <a:solidFill>
+                  <a:schemeClr val="tx1">
+                    <a:alpha val="71000"/>
+                  </a:schemeClr>
+                </a:solidFill>
+                <a:latin typeface="DX영화자막 M"/>
+                <a:ea typeface="DX영화자막 M"/>
+              </a:rPr>
+              <a:t>슬로싱킹과 </a:t>
+            </a:r>
+            <a:r>
+              <a:rPr lang="en-US" altLang="ko-KR" sz="2400">
+                <a:solidFill>
+                  <a:schemeClr val="tx1">
+                    <a:alpha val="71000"/>
+                  </a:schemeClr>
+                </a:solidFill>
+                <a:latin typeface="DX영화자막 M"/>
+                <a:ea typeface="DX영화자막 M"/>
+              </a:rPr>
+              <a:t>20</a:t>
+            </a:r>
+            <a:r>
+              <a:rPr lang="ko-KR" altLang="en-US" sz="2400">
+                <a:solidFill>
+                  <a:schemeClr val="tx1">
+                    <a:alpha val="71000"/>
+                  </a:schemeClr>
+                </a:solidFill>
+                <a:latin typeface="DX영화자막 M"/>
+                <a:ea typeface="DX영화자막 M"/>
+              </a:rPr>
+              <a:t>분의 선잠 습관화</a:t>
+            </a:r>
+            <a:endParaRPr lang="ko-KR" altLang="en-US" sz="2400">
+              <a:solidFill>
+                <a:schemeClr val="tx1">
+                  <a:alpha val="71000"/>
+                </a:schemeClr>
+              </a:solidFill>
+              <a:latin typeface="DX영화자막 M"/>
+              <a:ea typeface="DX영화자막 M"/>
+            </a:endParaRPr>
+          </a:p>
+        </p:txBody>
+      </p:sp>
+      <p:grpSp>
+        <p:nvGrpSpPr>
+          <p:cNvPr id="20" name="그룹 19"/>
+          <p:cNvGrpSpPr/>
+          <p:nvPr/>
+        </p:nvGrpSpPr>
+        <p:grpSpPr>
+          <a:xfrm rot="0">
+            <a:off x="393325" y="3093612"/>
+            <a:ext cx="163649" cy="975576"/>
+            <a:chOff x="306686" y="3281373"/>
+            <a:chExt cx="163649" cy="975576"/>
+          </a:xfrm>
+        </p:grpSpPr>
+        <p:cxnSp>
+          <p:nvCxnSpPr>
+            <p:cNvPr id="21" name="직선 연결선 20"/>
+            <p:cNvCxnSpPr/>
+            <p:nvPr/>
+          </p:nvCxnSpPr>
+          <p:spPr>
+            <a:xfrm>
+              <a:off x="306686" y="4127358"/>
+              <a:ext cx="160637" cy="129591"/>
+            </a:xfrm>
+            <a:prstGeom prst="line">
+              <a:avLst/>
+            </a:prstGeom>
+            <a:ln w="12700">
+              <a:solidFill>
+                <a:srgbClr val="ac9d8e"/>
+              </a:solidFill>
+            </a:ln>
+          </p:spPr>
+          <p:style>
+            <a:lnRef idx="1">
+              <a:schemeClr val="accent1"/>
+            </a:lnRef>
+            <a:fillRef idx="0">
+              <a:schemeClr val="accent1"/>
+            </a:fillRef>
+            <a:effectRef idx="0">
+              <a:schemeClr val="accent1"/>
+            </a:effectRef>
+            <a:fontRef idx="minor">
+              <a:schemeClr val="tx1"/>
+            </a:fontRef>
+          </p:style>
+        </p:cxnSp>
+        <p:cxnSp>
+          <p:nvCxnSpPr>
+            <p:cNvPr id="23" name="직선 연결선 22"/>
+            <p:cNvCxnSpPr/>
+            <p:nvPr/>
+          </p:nvCxnSpPr>
+          <p:spPr>
+            <a:xfrm>
+              <a:off x="306686" y="3838775"/>
+              <a:ext cx="160637" cy="129591"/>
+            </a:xfrm>
+            <a:prstGeom prst="line">
+              <a:avLst/>
+            </a:prstGeom>
+            <a:ln w="12700">
+              <a:solidFill>
+                <a:srgbClr val="ac9d8e"/>
+              </a:solidFill>
+            </a:ln>
+          </p:spPr>
+          <p:style>
+            <a:lnRef idx="1">
+              <a:schemeClr val="accent1"/>
+            </a:lnRef>
+            <a:fillRef idx="0">
+              <a:schemeClr val="accent1"/>
+            </a:fillRef>
+            <a:effectRef idx="0">
+              <a:schemeClr val="accent1"/>
+            </a:effectRef>
+            <a:fontRef idx="minor">
+              <a:schemeClr val="tx1"/>
+            </a:fontRef>
+          </p:style>
+        </p:cxnSp>
+        <p:cxnSp>
+          <p:nvCxnSpPr>
+            <p:cNvPr id="25" name="직선 연결선 24"/>
+            <p:cNvCxnSpPr/>
+            <p:nvPr/>
+          </p:nvCxnSpPr>
+          <p:spPr>
+            <a:xfrm>
+              <a:off x="306686" y="3550192"/>
+              <a:ext cx="160637" cy="129591"/>
+            </a:xfrm>
+            <a:prstGeom prst="line">
+              <a:avLst/>
+            </a:prstGeom>
+            <a:ln w="12700">
+              <a:solidFill>
+                <a:srgbClr val="ac9d8e"/>
+              </a:solidFill>
+            </a:ln>
+          </p:spPr>
+          <p:style>
+            <a:lnRef idx="1">
+              <a:schemeClr val="accent1"/>
+            </a:lnRef>
+            <a:fillRef idx="0">
+              <a:schemeClr val="accent1"/>
+            </a:fillRef>
+            <a:effectRef idx="0">
+              <a:schemeClr val="accent1"/>
+            </a:effectRef>
+            <a:fontRef idx="minor">
+              <a:schemeClr val="tx1"/>
+            </a:fontRef>
+          </p:style>
+        </p:cxnSp>
+        <p:cxnSp>
+          <p:nvCxnSpPr>
+            <p:cNvPr id="26" name="직선 연결선 25"/>
+            <p:cNvCxnSpPr/>
+            <p:nvPr/>
+          </p:nvCxnSpPr>
+          <p:spPr>
+            <a:xfrm>
+              <a:off x="309698" y="3281373"/>
+              <a:ext cx="160637" cy="129591"/>
+            </a:xfrm>
+            <a:prstGeom prst="line">
+              <a:avLst/>
+            </a:prstGeom>
+            <a:ln w="12700">
+              <a:solidFill>
+                <a:srgbClr val="ac9d8e"/>
+              </a:solidFill>
+            </a:ln>
+          </p:spPr>
+          <p:style>
+            <a:lnRef idx="1">
+              <a:schemeClr val="accent1"/>
+            </a:lnRef>
+            <a:fillRef idx="0">
+              <a:schemeClr val="accent1"/>
+            </a:fillRef>
+            <a:effectRef idx="0">
+              <a:schemeClr val="accent1"/>
+            </a:effectRef>
+            <a:fontRef idx="minor">
+              <a:schemeClr val="tx1"/>
+            </a:fontRef>
+          </p:style>
+        </p:cxnSp>
+      </p:grpSp>
+      <p:sp>
+        <p:nvSpPr>
+          <p:cNvPr id="33" name="순서도: 처리 61"/>
+          <p:cNvSpPr/>
+          <p:nvPr/>
+        </p:nvSpPr>
+        <p:spPr>
+          <a:xfrm>
+            <a:off x="2138032" y="1753167"/>
+            <a:ext cx="7915937" cy="4484864"/>
+          </a:xfrm>
+          <a:custGeom>
+            <a:avLst/>
+            <a:gdLst>
+              <a:gd name="connsiteX0" fmla="*/ 0 w 5799809"/>
+              <a:gd name="connsiteY0" fmla="*/ 0 h 425946"/>
+              <a:gd name="connsiteX1" fmla="*/ 470429 w 5799809"/>
+              <a:gd name="connsiteY1" fmla="*/ 0 h 425946"/>
+              <a:gd name="connsiteX2" fmla="*/ 1056854 w 5799809"/>
+              <a:gd name="connsiteY2" fmla="*/ 0 h 425946"/>
+              <a:gd name="connsiteX3" fmla="*/ 1585281 w 5799809"/>
+              <a:gd name="connsiteY3" fmla="*/ 0 h 425946"/>
+              <a:gd name="connsiteX4" fmla="*/ 2113708 w 5799809"/>
+              <a:gd name="connsiteY4" fmla="*/ 0 h 425946"/>
+              <a:gd name="connsiteX5" fmla="*/ 2758131 w 5799809"/>
+              <a:gd name="connsiteY5" fmla="*/ 0 h 425946"/>
+              <a:gd name="connsiteX6" fmla="*/ 3402555 w 5799809"/>
+              <a:gd name="connsiteY6" fmla="*/ 0 h 425946"/>
+              <a:gd name="connsiteX7" fmla="*/ 3930982 w 5799809"/>
+              <a:gd name="connsiteY7" fmla="*/ 0 h 425946"/>
+              <a:gd name="connsiteX8" fmla="*/ 4633403 w 5799809"/>
+              <a:gd name="connsiteY8" fmla="*/ 0 h 425946"/>
+              <a:gd name="connsiteX9" fmla="*/ 5103832 w 5799809"/>
+              <a:gd name="connsiteY9" fmla="*/ 0 h 425946"/>
+              <a:gd name="connsiteX10" fmla="*/ 5799809 w 5799809"/>
+              <a:gd name="connsiteY10" fmla="*/ 0 h 425946"/>
+              <a:gd name="connsiteX11" fmla="*/ 5799809 w 5799809"/>
+              <a:gd name="connsiteY11" fmla="*/ 425946 h 425946"/>
+              <a:gd name="connsiteX12" fmla="*/ 5155386 w 5799809"/>
+              <a:gd name="connsiteY12" fmla="*/ 425946 h 425946"/>
+              <a:gd name="connsiteX13" fmla="*/ 4684957 w 5799809"/>
+              <a:gd name="connsiteY13" fmla="*/ 425946 h 425946"/>
+              <a:gd name="connsiteX14" fmla="*/ 4040534 w 5799809"/>
+              <a:gd name="connsiteY14" fmla="*/ 425946 h 425946"/>
+              <a:gd name="connsiteX15" fmla="*/ 3338112 w 5799809"/>
+              <a:gd name="connsiteY15" fmla="*/ 425946 h 425946"/>
+              <a:gd name="connsiteX16" fmla="*/ 2809685 w 5799809"/>
+              <a:gd name="connsiteY16" fmla="*/ 425946 h 425946"/>
+              <a:gd name="connsiteX17" fmla="*/ 2165262 w 5799809"/>
+              <a:gd name="connsiteY17" fmla="*/ 425946 h 425946"/>
+              <a:gd name="connsiteX18" fmla="*/ 1462841 w 5799809"/>
+              <a:gd name="connsiteY18" fmla="*/ 425946 h 425946"/>
+              <a:gd name="connsiteX19" fmla="*/ 818417 w 5799809"/>
+              <a:gd name="connsiteY19" fmla="*/ 425946 h 425946"/>
+              <a:gd name="connsiteX20" fmla="*/ 0 w 5799809"/>
+              <a:gd name="connsiteY20" fmla="*/ 425946 h 425946"/>
+              <a:gd name="connsiteX21" fmla="*/ 0 w 5799809"/>
+              <a:gd name="connsiteY21" fmla="*/ 0 h 425946"/>
+            </a:gdLst>
+            <a:cxnLst>
+              <a:cxn ang="0">
+                <a:pos x="connsiteX0" y="connsiteY0"/>
+              </a:cxn>
+              <a:cxn ang="0">
+                <a:pos x="connsiteX1" y="connsiteY1"/>
+              </a:cxn>
+              <a:cxn ang="0">
+                <a:pos x="connsiteX2" y="connsiteY2"/>
+              </a:cxn>
+              <a:cxn ang="0">
+                <a:pos x="connsiteX3" y="connsiteY3"/>
+              </a:cxn>
+              <a:cxn ang="0">
+                <a:pos x="connsiteX4" y="connsiteY4"/>
+              </a:cxn>
+              <a:cxn ang="0">
+                <a:pos x="connsiteX5" y="connsiteY5"/>
+              </a:cxn>
+              <a:cxn ang="0">
+                <a:pos x="connsiteX6" y="connsiteY6"/>
+              </a:cxn>
+              <a:cxn ang="0">
+                <a:pos x="connsiteX7" y="connsiteY7"/>
+              </a:cxn>
+              <a:cxn ang="0">
+                <a:pos x="connsiteX8" y="connsiteY8"/>
+              </a:cxn>
+              <a:cxn ang="0">
+                <a:pos x="connsiteX9" y="connsiteY9"/>
+              </a:cxn>
+              <a:cxn ang="0">
+                <a:pos x="connsiteX10" y="connsiteY10"/>
+              </a:cxn>
+              <a:cxn ang="0">
+                <a:pos x="connsiteX11" y="connsiteY11"/>
+              </a:cxn>
+              <a:cxn ang="0">
+                <a:pos x="connsiteX12" y="connsiteY12"/>
+              </a:cxn>
+              <a:cxn ang="0">
+                <a:pos x="connsiteX13" y="connsiteY13"/>
+              </a:cxn>
+              <a:cxn ang="0">
+                <a:pos x="connsiteX14" y="connsiteY14"/>
+              </a:cxn>
+              <a:cxn ang="0">
+                <a:pos x="connsiteX15" y="connsiteY15"/>
+              </a:cxn>
+              <a:cxn ang="0">
+                <a:pos x="connsiteX16" y="connsiteY16"/>
+              </a:cxn>
+              <a:cxn ang="0">
+                <a:pos x="connsiteX17" y="connsiteY17"/>
+              </a:cxn>
+              <a:cxn ang="0">
+                <a:pos x="connsiteX18" y="connsiteY18"/>
+              </a:cxn>
+              <a:cxn ang="0">
+                <a:pos x="connsiteX19" y="connsiteY19"/>
+              </a:cxn>
+              <a:cxn ang="0">
+                <a:pos x="connsiteX20" y="connsiteY20"/>
+              </a:cxn>
+              <a:cxn ang="0">
+                <a:pos x="connsiteX21" y="connsiteY21"/>
+              </a:cxn>
+            </a:cxnLst>
+            <a:rect l="l" t="t" r="r" b="b"/>
+            <a:pathLst>
+              <a:path w="5799809" h="425946" fill="none" extrusionOk="0">
+                <a:moveTo>
+                  <a:pt x="0" y="0"/>
+                </a:moveTo>
+                <a:cubicBezTo>
+                  <a:pt x="232930" y="11357"/>
+                  <a:pt x="338405" y="-11052"/>
+                  <a:pt x="470429" y="0"/>
+                </a:cubicBezTo>
+                <a:cubicBezTo>
+                  <a:pt x="602453" y="11052"/>
+                  <a:pt x="809389" y="-26878"/>
+                  <a:pt x="1056854" y="0"/>
+                </a:cubicBezTo>
+                <a:cubicBezTo>
+                  <a:pt x="1304320" y="26878"/>
+                  <a:pt x="1468530" y="-24406"/>
+                  <a:pt x="1585281" y="0"/>
+                </a:cubicBezTo>
+                <a:cubicBezTo>
+                  <a:pt x="1702032" y="24406"/>
+                  <a:pt x="2004466" y="14170"/>
+                  <a:pt x="2113708" y="0"/>
+                </a:cubicBezTo>
+                <a:cubicBezTo>
+                  <a:pt x="2222950" y="-14170"/>
+                  <a:pt x="2556011" y="28112"/>
+                  <a:pt x="2758131" y="0"/>
+                </a:cubicBezTo>
+                <a:cubicBezTo>
+                  <a:pt x="2960251" y="-28112"/>
+                  <a:pt x="3097544" y="-7034"/>
+                  <a:pt x="3402555" y="0"/>
+                </a:cubicBezTo>
+                <a:cubicBezTo>
+                  <a:pt x="3707566" y="7034"/>
+                  <a:pt x="3772141" y="4589"/>
+                  <a:pt x="3930982" y="0"/>
+                </a:cubicBezTo>
+                <a:cubicBezTo>
+                  <a:pt x="4089823" y="-4589"/>
+                  <a:pt x="4481847" y="28392"/>
+                  <a:pt x="4633403" y="0"/>
+                </a:cubicBezTo>
+                <a:cubicBezTo>
+                  <a:pt x="4784959" y="-28392"/>
+                  <a:pt x="4910939" y="-2346"/>
+                  <a:pt x="5103832" y="0"/>
+                </a:cubicBezTo>
+                <a:cubicBezTo>
+                  <a:pt x="5296725" y="2346"/>
+                  <a:pt x="5508736" y="-20318"/>
+                  <a:pt x="5799809" y="0"/>
+                </a:cubicBezTo>
+                <a:cubicBezTo>
+                  <a:pt x="5788599" y="198653"/>
+                  <a:pt x="5812935" y="266898"/>
+                  <a:pt x="5799809" y="425946"/>
+                </a:cubicBezTo>
+                <a:cubicBezTo>
+                  <a:pt x="5617430" y="412954"/>
+                  <a:pt x="5331856" y="449678"/>
+                  <a:pt x="5155386" y="425946"/>
+                </a:cubicBezTo>
+                <a:cubicBezTo>
+                  <a:pt x="4978916" y="402214"/>
+                  <a:pt x="4857030" y="423944"/>
+                  <a:pt x="4684957" y="425946"/>
+                </a:cubicBezTo>
+                <a:cubicBezTo>
+                  <a:pt x="4512884" y="427948"/>
+                  <a:pt x="4342832" y="445858"/>
+                  <a:pt x="4040534" y="425946"/>
+                </a:cubicBezTo>
+                <a:cubicBezTo>
+                  <a:pt x="3738236" y="406034"/>
+                  <a:pt x="3513554" y="443777"/>
+                  <a:pt x="3338112" y="425946"/>
+                </a:cubicBezTo>
+                <a:cubicBezTo>
+                  <a:pt x="3162670" y="408115"/>
+                  <a:pt x="3031362" y="412638"/>
+                  <a:pt x="2809685" y="425946"/>
+                </a:cubicBezTo>
+                <a:cubicBezTo>
+                  <a:pt x="2588008" y="439254"/>
+                  <a:pt x="2396513" y="447981"/>
+                  <a:pt x="2165262" y="425946"/>
+                </a:cubicBezTo>
+                <a:cubicBezTo>
+                  <a:pt x="1934011" y="403911"/>
+                  <a:pt x="1762479" y="426888"/>
+                  <a:pt x="1462841" y="425946"/>
+                </a:cubicBezTo>
+                <a:cubicBezTo>
+                  <a:pt x="1163203" y="425004"/>
+                  <a:pt x="955896" y="428651"/>
+                  <a:pt x="818417" y="425946"/>
+                </a:cubicBezTo>
+                <a:cubicBezTo>
+                  <a:pt x="680938" y="423241"/>
+                  <a:pt x="240620" y="433396"/>
+                  <a:pt x="0" y="425946"/>
+                </a:cubicBezTo>
+                <a:cubicBezTo>
+                  <a:pt x="-13937" y="217353"/>
+                  <a:pt x="3380" y="194608"/>
+                  <a:pt x="0" y="0"/>
+                </a:cubicBezTo>
+                <a:close/>
+              </a:path>
+              <a:path w="5799809" h="425946" stroke="0" extrusionOk="0">
+                <a:moveTo>
+                  <a:pt x="0" y="0"/>
+                </a:moveTo>
+                <a:cubicBezTo>
+                  <a:pt x="156451" y="-5263"/>
+                  <a:pt x="344124" y="-7670"/>
+                  <a:pt x="528427" y="0"/>
+                </a:cubicBezTo>
+                <a:cubicBezTo>
+                  <a:pt x="712730" y="7670"/>
+                  <a:pt x="1052845" y="3624"/>
+                  <a:pt x="1288846" y="0"/>
+                </a:cubicBezTo>
+                <a:cubicBezTo>
+                  <a:pt x="1524847" y="-3624"/>
+                  <a:pt x="1572216" y="2669"/>
+                  <a:pt x="1817273" y="0"/>
+                </a:cubicBezTo>
+                <a:cubicBezTo>
+                  <a:pt x="2062330" y="-2669"/>
+                  <a:pt x="2125614" y="-1841"/>
+                  <a:pt x="2287702" y="0"/>
+                </a:cubicBezTo>
+                <a:cubicBezTo>
+                  <a:pt x="2449790" y="1841"/>
+                  <a:pt x="2540838" y="-10545"/>
+                  <a:pt x="2758131" y="0"/>
+                </a:cubicBezTo>
+                <a:cubicBezTo>
+                  <a:pt x="2975424" y="10545"/>
+                  <a:pt x="3070417" y="16952"/>
+                  <a:pt x="3286558" y="0"/>
+                </a:cubicBezTo>
+                <a:cubicBezTo>
+                  <a:pt x="3502699" y="-16952"/>
+                  <a:pt x="3772879" y="25154"/>
+                  <a:pt x="4046978" y="0"/>
+                </a:cubicBezTo>
+                <a:cubicBezTo>
+                  <a:pt x="4321077" y="-25154"/>
+                  <a:pt x="4471091" y="-15419"/>
+                  <a:pt x="4691401" y="0"/>
+                </a:cubicBezTo>
+                <a:cubicBezTo>
+                  <a:pt x="4911711" y="15419"/>
+                  <a:pt x="5486808" y="-34903"/>
+                  <a:pt x="5799809" y="0"/>
+                </a:cubicBezTo>
+                <a:cubicBezTo>
+                  <a:pt x="5811781" y="117662"/>
+                  <a:pt x="5813135" y="213997"/>
+                  <a:pt x="5799809" y="425946"/>
+                </a:cubicBezTo>
+                <a:cubicBezTo>
+                  <a:pt x="5631023" y="426859"/>
+                  <a:pt x="5495897" y="406180"/>
+                  <a:pt x="5329380" y="425946"/>
+                </a:cubicBezTo>
+                <a:cubicBezTo>
+                  <a:pt x="5162863" y="445712"/>
+                  <a:pt x="4971538" y="414601"/>
+                  <a:pt x="4742955" y="425946"/>
+                </a:cubicBezTo>
+                <a:cubicBezTo>
+                  <a:pt x="4514373" y="437291"/>
+                  <a:pt x="4305792" y="401898"/>
+                  <a:pt x="4098532" y="425946"/>
+                </a:cubicBezTo>
+                <a:cubicBezTo>
+                  <a:pt x="3891272" y="449994"/>
+                  <a:pt x="3550710" y="452828"/>
+                  <a:pt x="3396110" y="425946"/>
+                </a:cubicBezTo>
+                <a:cubicBezTo>
+                  <a:pt x="3241510" y="399064"/>
+                  <a:pt x="2987621" y="437035"/>
+                  <a:pt x="2867683" y="425946"/>
+                </a:cubicBezTo>
+                <a:cubicBezTo>
+                  <a:pt x="2747745" y="414857"/>
+                  <a:pt x="2500791" y="420398"/>
+                  <a:pt x="2281258" y="425946"/>
+                </a:cubicBezTo>
+                <a:cubicBezTo>
+                  <a:pt x="2061725" y="431494"/>
+                  <a:pt x="1816635" y="426101"/>
+                  <a:pt x="1636835" y="425946"/>
+                </a:cubicBezTo>
+                <a:cubicBezTo>
+                  <a:pt x="1457035" y="425791"/>
+                  <a:pt x="1307407" y="428836"/>
+                  <a:pt x="1050410" y="425946"/>
+                </a:cubicBezTo>
+                <a:cubicBezTo>
+                  <a:pt x="793414" y="423056"/>
+                  <a:pt x="415100" y="437818"/>
+                  <a:pt x="0" y="425946"/>
+                </a:cubicBezTo>
+                <a:cubicBezTo>
+                  <a:pt x="553" y="260129"/>
+                  <a:pt x="10725" y="188645"/>
+                  <a:pt x="0" y="0"/>
+                </a:cubicBezTo>
+                <a:close/>
+              </a:path>
+            </a:pathLst>
+          </a:custGeom>
+          <a:solidFill>
+            <a:schemeClr val="accent4">
+              <a:lumMod val="40000"/>
+              <a:lumOff val="60000"/>
+              <a:alpha val="35000"/>
+            </a:schemeClr>
+          </a:solidFill>
+          <a:ln>
+            <a:solidFill>
+              <a:schemeClr val="accent4">
+                <a:lumMod val="40000"/>
+                <a:lumOff val="60000"/>
+              </a:schemeClr>
+            </a:solidFill>
+          </a:ln>
+        </p:spPr>
+        <p:style>
+          <a:lnRef idx="2">
+            <a:schemeClr val="accent1">
+              <a:shade val="50000"/>
+            </a:schemeClr>
+          </a:lnRef>
+          <a:fillRef idx="1">
+            <a:schemeClr val="accent1"/>
+          </a:fillRef>
+          <a:effectRef idx="0">
+            <a:schemeClr val="accent1"/>
+          </a:effectRef>
+          <a:fontRef idx="minor">
+            <a:schemeClr val="lt1"/>
+          </a:fontRef>
+        </p:style>
+        <p:txBody>
+          <a:bodyPr anchor="ctr"/>
+          <a:lstStyle/>
+          <a:p>
+            <a:pPr algn="ctr">
+              <a:defRPr/>
+            </a:pPr>
+            <a:endParaRPr lang="ko-KR" altLang="en-US"/>
+          </a:p>
+        </p:txBody>
+      </p:sp>
+      <p:sp>
+        <p:nvSpPr>
+          <p:cNvPr id="60" name="TextBox 11"/>
+          <p:cNvSpPr txBox="1"/>
+          <p:nvPr/>
+        </p:nvSpPr>
+        <p:spPr>
+          <a:xfrm>
+            <a:off x="6625512" y="3662265"/>
+            <a:ext cx="4744601" cy="641130"/>
+          </a:xfrm>
+          <a:prstGeom prst="rect">
+            <a:avLst/>
+          </a:prstGeom>
+          <a:noFill/>
+        </p:spPr>
+        <p:txBody>
+          <a:bodyPr vert="horz" wrap="square" lIns="91440" tIns="45720" rIns="91440" bIns="45720" anchor="t">
+            <a:spAutoFit/>
+          </a:bodyPr>
+          <a:lstStyle/>
+          <a:p>
+            <a:pPr algn="ctr">
+              <a:lnSpc>
+                <a:spcPct val="150000"/>
+              </a:lnSpc>
+              <a:defRPr/>
+            </a:pPr>
+            <a:endParaRPr lang="ko-KR" altLang="en-US" sz="2400" kern="1400">
+              <a:solidFill>
+                <a:schemeClr val="tx1"/>
+              </a:solidFill>
+              <a:latin typeface="DX영화자막 M"/>
+              <a:ea typeface="DX영화자막 M"/>
+            </a:endParaRPr>
+          </a:p>
+        </p:txBody>
+      </p:sp>
+      <p:pic>
+        <p:nvPicPr>
+          <p:cNvPr id="66" name=""/>
+          <p:cNvPicPr>
+            <a:picLocks noChangeAspect="1"/>
+          </p:cNvPicPr>
+          <p:nvPr/>
+        </p:nvPicPr>
+        <p:blipFill rotWithShape="1">
+          <a:blip r:embed="rId4"/>
+          <a:stretch>
+            <a:fillRect/>
+          </a:stretch>
+        </p:blipFill>
+        <p:spPr>
+          <a:xfrm>
+            <a:off x="4020287" y="1996534"/>
+            <a:ext cx="4151425" cy="4151425"/>
+          </a:xfrm>
+          <a:prstGeom prst="rect">
+            <a:avLst/>
+          </a:prstGeom>
+        </p:spPr>
+      </p:pic>
+    </p:spTree>
+  </p:cSld>
+  <p:clrMapOvr>
+    <a:masterClrMapping/>
+  </p:clrMapOvr>
+  <mc:AlternateContent xmlns:mc="http://schemas.openxmlformats.org/markup-compatibility/2006">
+    <mc:Choice xmlns:p14="http://schemas.microsoft.com/office/powerpoint/2010/main" Requires="p14">
+      <p:transition xmlns:mc="http://schemas.openxmlformats.org/markup-compatibility/2006" xmlns:p14="http://schemas.microsoft.com/office/powerpoint/2010/main" mc:Ignorable="p14" p14:dur="500"/>
+    </mc:Choice>
+    <mc:Fallback>
+      <p:transition/>
+    </mc:Fallback>
+  </mc:AlternateContent>
+</p:sld>
+</file>
+
+<file path=ppt/slides/slide11.xml><?xml version="1.0" encoding="utf-8"?>
+<p:sld xmlns:r="http://schemas.openxmlformats.org/officeDocument/2006/relationships" xmlns:c="http://schemas.openxmlformats.org/drawingml/2006/chart" xmlns:a="http://schemas.openxmlformats.org/drawingml/2006/main" xmlns:dgm="http://schemas.openxmlformats.org/drawingml/2006/diagram" xmlns:dsp="http://schemas.microsoft.com/office/drawing/2008/diagram" xmlns:p="http://schemas.openxmlformats.org/presentationml/2006/main">
+  <p:cSld>
+    <p:spTree>
+      <p:nvGrpSpPr>
+        <p:cNvPr id="1" name=""/>
+        <p:cNvGrpSpPr/>
+        <p:nvPr/>
+      </p:nvGrpSpPr>
+      <p:grpSpPr>
+        <a:xfrm>
+          <a:off x="0" y="0"/>
+          <a:ext cx="0" cy="0"/>
+          <a:chOff x="0" y="0"/>
+          <a:chExt cx="0" cy="0"/>
+        </a:xfrm>
+      </p:grpSpPr>
+      <p:sp>
+        <p:nvSpPr>
+          <p:cNvPr id="22" name="TextBox 21"/>
+          <p:cNvSpPr txBox="1"/>
+          <p:nvPr/>
+        </p:nvSpPr>
+        <p:spPr>
+          <a:xfrm flipH="1">
+            <a:off x="5041092" y="342101"/>
+            <a:ext cx="2123658" cy="294169"/>
+          </a:xfrm>
+          <a:prstGeom prst="rect">
+            <a:avLst/>
+          </a:prstGeom>
+          <a:noFill/>
+        </p:spPr>
+        <p:txBody>
+          <a:bodyPr vert="horz" wrap="square">
+            <a:spAutoFit/>
+          </a:bodyPr>
+          <a:lstStyle/>
+          <a:p>
+            <a:pPr algn="dist">
+              <a:defRPr/>
+            </a:pPr>
+            <a:r>
+              <a:rPr lang="en-US" altLang="ko-KR" sz="1400">
+                <a:solidFill>
+                  <a:schemeClr val="tx1">
+                    <a:alpha val="71000"/>
+                  </a:schemeClr>
+                </a:solidFill>
+                <a:latin typeface="DX영화자막 M"/>
+                <a:ea typeface="DX영화자막 M"/>
+              </a:rPr>
+              <a:t>SLOW THINKING</a:t>
+            </a:r>
+            <a:endParaRPr lang="ko-KR" altLang="en-US" sz="1400">
+              <a:solidFill>
+                <a:schemeClr val="tx1">
+                  <a:alpha val="71000"/>
+                </a:schemeClr>
+              </a:solidFill>
+              <a:latin typeface="DX영화자막 M"/>
+              <a:ea typeface="DX영화자막 M"/>
+            </a:endParaRPr>
+          </a:p>
+        </p:txBody>
+      </p:sp>
+      <p:grpSp>
+        <p:nvGrpSpPr>
+          <p:cNvPr id="4" name="그룹 3"/>
+          <p:cNvGrpSpPr/>
+          <p:nvPr/>
+        </p:nvGrpSpPr>
+        <p:grpSpPr>
+          <a:xfrm rot="0">
+            <a:off x="240925" y="2941212"/>
+            <a:ext cx="163649" cy="975576"/>
+            <a:chOff x="306686" y="3281373"/>
+            <a:chExt cx="163649" cy="975576"/>
+          </a:xfrm>
+        </p:grpSpPr>
+        <p:cxnSp>
+          <p:nvCxnSpPr>
+            <p:cNvPr id="3" name="직선 연결선 2"/>
+            <p:cNvCxnSpPr/>
+            <p:nvPr/>
+          </p:nvCxnSpPr>
+          <p:spPr>
+            <a:xfrm>
+              <a:off x="306686" y="4127358"/>
+              <a:ext cx="160637" cy="129591"/>
+            </a:xfrm>
+            <a:prstGeom prst="line">
+              <a:avLst/>
+            </a:prstGeom>
+            <a:ln w="12700">
+              <a:solidFill>
+                <a:srgbClr val="ac9d8e"/>
+              </a:solidFill>
+            </a:ln>
+          </p:spPr>
+          <p:style>
+            <a:lnRef idx="1">
+              <a:schemeClr val="accent1"/>
+            </a:lnRef>
+            <a:fillRef idx="0">
+              <a:schemeClr val="accent1"/>
+            </a:fillRef>
+            <a:effectRef idx="0">
+              <a:schemeClr val="accent1"/>
+            </a:effectRef>
+            <a:fontRef idx="minor">
+              <a:schemeClr val="tx1"/>
+            </a:fontRef>
+          </p:style>
+        </p:cxnSp>
+        <p:cxnSp>
+          <p:nvCxnSpPr>
+            <p:cNvPr id="40" name="직선 연결선 39"/>
+            <p:cNvCxnSpPr/>
+            <p:nvPr/>
+          </p:nvCxnSpPr>
+          <p:spPr>
+            <a:xfrm>
+              <a:off x="306686" y="3838775"/>
+              <a:ext cx="160637" cy="129591"/>
+            </a:xfrm>
+            <a:prstGeom prst="line">
+              <a:avLst/>
+            </a:prstGeom>
+            <a:ln w="12700">
+              <a:solidFill>
+                <a:srgbClr val="ac9d8e"/>
+              </a:solidFill>
+            </a:ln>
+          </p:spPr>
+          <p:style>
+            <a:lnRef idx="1">
+              <a:schemeClr val="accent1"/>
+            </a:lnRef>
+            <a:fillRef idx="0">
+              <a:schemeClr val="accent1"/>
+            </a:fillRef>
+            <a:effectRef idx="0">
+              <a:schemeClr val="accent1"/>
+            </a:effectRef>
+            <a:fontRef idx="minor">
+              <a:schemeClr val="tx1"/>
+            </a:fontRef>
+          </p:style>
+        </p:cxnSp>
+        <p:cxnSp>
+          <p:nvCxnSpPr>
+            <p:cNvPr id="49" name="직선 연결선 48"/>
+            <p:cNvCxnSpPr/>
+            <p:nvPr/>
+          </p:nvCxnSpPr>
+          <p:spPr>
+            <a:xfrm>
+              <a:off x="306686" y="3550192"/>
+              <a:ext cx="160637" cy="129591"/>
+            </a:xfrm>
+            <a:prstGeom prst="line">
+              <a:avLst/>
+            </a:prstGeom>
+            <a:ln w="12700">
+              <a:solidFill>
+                <a:srgbClr val="ac9d8e"/>
+              </a:solidFill>
+            </a:ln>
+          </p:spPr>
+          <p:style>
+            <a:lnRef idx="1">
+              <a:schemeClr val="accent1"/>
+            </a:lnRef>
+            <a:fillRef idx="0">
+              <a:schemeClr val="accent1"/>
+            </a:fillRef>
+            <a:effectRef idx="0">
+              <a:schemeClr val="accent1"/>
+            </a:effectRef>
+            <a:fontRef idx="minor">
+              <a:schemeClr val="tx1"/>
+            </a:fontRef>
+          </p:style>
+        </p:cxnSp>
+        <p:cxnSp>
+          <p:nvCxnSpPr>
+            <p:cNvPr id="51" name="직선 연결선 50"/>
+            <p:cNvCxnSpPr/>
+            <p:nvPr/>
+          </p:nvCxnSpPr>
+          <p:spPr>
+            <a:xfrm>
+              <a:off x="309698" y="3281373"/>
+              <a:ext cx="160637" cy="129591"/>
+            </a:xfrm>
+            <a:prstGeom prst="line">
+              <a:avLst/>
+            </a:prstGeom>
+            <a:ln w="12700">
+              <a:solidFill>
+                <a:srgbClr val="ac9d8e"/>
+              </a:solidFill>
+            </a:ln>
+          </p:spPr>
+          <p:style>
+            <a:lnRef idx="1">
+              <a:schemeClr val="accent1"/>
+            </a:lnRef>
+            <a:fillRef idx="0">
+              <a:schemeClr val="accent1"/>
+            </a:fillRef>
+            <a:effectRef idx="0">
+              <a:schemeClr val="accent1"/>
+            </a:effectRef>
+            <a:fontRef idx="minor">
+              <a:schemeClr val="tx1"/>
+            </a:fontRef>
+          </p:style>
+        </p:cxnSp>
+      </p:grpSp>
+      <p:sp>
+        <p:nvSpPr>
+          <p:cNvPr id="2" name="TextBox 1"/>
+          <p:cNvSpPr txBox="1"/>
+          <p:nvPr/>
+        </p:nvSpPr>
+        <p:spPr>
+          <a:xfrm>
+            <a:off x="1268142" y="1611934"/>
+            <a:ext cx="6189707" cy="646331"/>
+          </a:xfrm>
+          <a:prstGeom prst="rect">
+            <a:avLst/>
+          </a:prstGeom>
+          <a:noFill/>
+        </p:spPr>
+        <p:txBody>
+          <a:bodyPr wrap="square">
+            <a:spAutoFit/>
+          </a:bodyPr>
+          <a:lstStyle/>
+          <a:p>
+            <a:pPr lvl="0">
+              <a:defRPr/>
+            </a:pPr>
+            <a:r>
+              <a:rPr lang="ko-KR" altLang="en-US" sz="3600">
+                <a:latin typeface="DX영화자막 M"/>
+                <a:ea typeface="DX영화자막 M"/>
+              </a:rPr>
+              <a:t>홍논문</a:t>
+            </a:r>
+            <a:endParaRPr lang="en-US" altLang="ko-KR" sz="3600">
+              <a:latin typeface="DX영화자막 M"/>
+              <a:ea typeface="DX영화자막 M"/>
+            </a:endParaRPr>
+          </a:p>
+        </p:txBody>
+      </p:sp>
+      <p:sp>
+        <p:nvSpPr>
+          <p:cNvPr id="5" name="직사각형 4"/>
+          <p:cNvSpPr/>
+          <p:nvPr/>
+        </p:nvSpPr>
+        <p:spPr>
+          <a:xfrm>
+            <a:off x="1431961" y="2449168"/>
+            <a:ext cx="885524" cy="487788"/>
+          </a:xfrm>
+          <a:custGeom>
+            <a:avLst/>
+            <a:gdLst>
+              <a:gd name="connsiteX0" fmla="*/ 0 w 885524"/>
+              <a:gd name="connsiteY0" fmla="*/ 0 h 487788"/>
+              <a:gd name="connsiteX1" fmla="*/ 885524 w 885524"/>
+              <a:gd name="connsiteY1" fmla="*/ 0 h 487788"/>
+              <a:gd name="connsiteX2" fmla="*/ 885524 w 885524"/>
+              <a:gd name="connsiteY2" fmla="*/ 487788 h 487788"/>
+              <a:gd name="connsiteX3" fmla="*/ 0 w 885524"/>
+              <a:gd name="connsiteY3" fmla="*/ 487788 h 487788"/>
+              <a:gd name="connsiteX4" fmla="*/ 0 w 885524"/>
+              <a:gd name="connsiteY4" fmla="*/ 0 h 487788"/>
+            </a:gdLst>
+            <a:cxnLst>
+              <a:cxn ang="0">
+                <a:pos x="connsiteX0" y="connsiteY0"/>
+              </a:cxn>
+              <a:cxn ang="0">
+                <a:pos x="connsiteX1" y="connsiteY1"/>
+              </a:cxn>
+              <a:cxn ang="0">
+                <a:pos x="connsiteX2" y="connsiteY2"/>
+              </a:cxn>
+              <a:cxn ang="0">
+                <a:pos x="connsiteX3" y="connsiteY3"/>
+              </a:cxn>
+              <a:cxn ang="0">
+                <a:pos x="connsiteX4" y="connsiteY4"/>
+              </a:cxn>
+            </a:cxnLst>
+            <a:rect l="l" t="t" r="r" b="b"/>
+            <a:pathLst>
+              <a:path w="885524" h="487788" extrusionOk="0">
+                <a:moveTo>
+                  <a:pt x="0" y="0"/>
+                </a:moveTo>
+                <a:cubicBezTo>
+                  <a:pt x="147585" y="73323"/>
+                  <a:pt x="474504" y="43906"/>
+                  <a:pt x="885524" y="0"/>
+                </a:cubicBezTo>
+                <a:cubicBezTo>
+                  <a:pt x="866863" y="85762"/>
+                  <a:pt x="848666" y="279246"/>
+                  <a:pt x="885524" y="487788"/>
+                </a:cubicBezTo>
+                <a:cubicBezTo>
+                  <a:pt x="603390" y="566340"/>
+                  <a:pt x="377373" y="441160"/>
+                  <a:pt x="0" y="487788"/>
+                </a:cubicBezTo>
+                <a:cubicBezTo>
+                  <a:pt x="14357" y="340894"/>
+                  <a:pt x="31857" y="149382"/>
+                  <a:pt x="0" y="0"/>
+                </a:cubicBezTo>
+                <a:close/>
+              </a:path>
+            </a:pathLst>
+          </a:custGeom>
+          <a:noFill/>
+          <a:ln>
+            <a:solidFill>
+              <a:srgbClr val="9a8b85"/>
+            </a:solidFill>
+          </a:ln>
+        </p:spPr>
+        <p:style>
+          <a:lnRef idx="2">
+            <a:schemeClr val="accent1">
+              <a:shade val="50000"/>
+            </a:schemeClr>
+          </a:lnRef>
+          <a:fillRef idx="1">
+            <a:schemeClr val="accent1"/>
+          </a:fillRef>
+          <a:effectRef idx="0">
+            <a:schemeClr val="accent1"/>
+          </a:effectRef>
+          <a:fontRef idx="minor">
+            <a:schemeClr val="lt1"/>
+          </a:fontRef>
+        </p:style>
+        <p:txBody>
+          <a:bodyPr anchor="ctr"/>
+          <a:lstStyle/>
+          <a:p>
+            <a:pPr algn="ctr">
+              <a:defRPr/>
+            </a:pPr>
+            <a:endParaRPr lang="ko-KR" altLang="en-US"/>
+          </a:p>
+        </p:txBody>
+      </p:sp>
+      <p:sp>
+        <p:nvSpPr>
+          <p:cNvPr id="24" name="직사각형 23"/>
+          <p:cNvSpPr/>
+          <p:nvPr/>
+        </p:nvSpPr>
+        <p:spPr>
+          <a:xfrm>
+            <a:off x="1410413" y="2487669"/>
+            <a:ext cx="885524" cy="487788"/>
+          </a:xfrm>
+          <a:custGeom>
+            <a:avLst/>
+            <a:gdLst>
+              <a:gd name="connsiteX0" fmla="*/ 0 w 885524"/>
+              <a:gd name="connsiteY0" fmla="*/ 0 h 487788"/>
+              <a:gd name="connsiteX1" fmla="*/ 442762 w 885524"/>
+              <a:gd name="connsiteY1" fmla="*/ 0 h 487788"/>
+              <a:gd name="connsiteX2" fmla="*/ 885524 w 885524"/>
+              <a:gd name="connsiteY2" fmla="*/ 0 h 487788"/>
+              <a:gd name="connsiteX3" fmla="*/ 885524 w 885524"/>
+              <a:gd name="connsiteY3" fmla="*/ 487788 h 487788"/>
+              <a:gd name="connsiteX4" fmla="*/ 425052 w 885524"/>
+              <a:gd name="connsiteY4" fmla="*/ 487788 h 487788"/>
+              <a:gd name="connsiteX5" fmla="*/ 0 w 885524"/>
+              <a:gd name="connsiteY5" fmla="*/ 487788 h 487788"/>
+              <a:gd name="connsiteX6" fmla="*/ 0 w 885524"/>
+              <a:gd name="connsiteY6" fmla="*/ 0 h 487788"/>
+            </a:gdLst>
+            <a:cxnLst>
+              <a:cxn ang="0">
+                <a:pos x="connsiteX0" y="connsiteY0"/>
+              </a:cxn>
+              <a:cxn ang="0">
+                <a:pos x="connsiteX1" y="connsiteY1"/>
+              </a:cxn>
+              <a:cxn ang="0">
+                <a:pos x="connsiteX2" y="connsiteY2"/>
+              </a:cxn>
+              <a:cxn ang="0">
+                <a:pos x="connsiteX3" y="connsiteY3"/>
+              </a:cxn>
+              <a:cxn ang="0">
+                <a:pos x="connsiteX4" y="connsiteY4"/>
+              </a:cxn>
+              <a:cxn ang="0">
+                <a:pos x="connsiteX5" y="connsiteY5"/>
+              </a:cxn>
+              <a:cxn ang="0">
+                <a:pos x="connsiteX6" y="connsiteY6"/>
+              </a:cxn>
+            </a:cxnLst>
+            <a:rect l="l" t="t" r="r" b="b"/>
+            <a:pathLst>
+              <a:path w="885524" h="487788" fill="none" extrusionOk="0">
+                <a:moveTo>
+                  <a:pt x="0" y="0"/>
+                </a:moveTo>
+                <a:cubicBezTo>
+                  <a:pt x="189876" y="-27532"/>
+                  <a:pt x="326699" y="51795"/>
+                  <a:pt x="442762" y="0"/>
+                </a:cubicBezTo>
+                <a:cubicBezTo>
+                  <a:pt x="558825" y="-51795"/>
+                  <a:pt x="711044" y="33536"/>
+                  <a:pt x="885524" y="0"/>
+                </a:cubicBezTo>
+                <a:cubicBezTo>
+                  <a:pt x="936190" y="142469"/>
+                  <a:pt x="840840" y="332089"/>
+                  <a:pt x="885524" y="487788"/>
+                </a:cubicBezTo>
+                <a:cubicBezTo>
+                  <a:pt x="725718" y="528142"/>
+                  <a:pt x="590941" y="462966"/>
+                  <a:pt x="425052" y="487788"/>
+                </a:cubicBezTo>
+                <a:cubicBezTo>
+                  <a:pt x="259163" y="512610"/>
+                  <a:pt x="96867" y="465139"/>
+                  <a:pt x="0" y="487788"/>
+                </a:cubicBezTo>
+                <a:cubicBezTo>
+                  <a:pt x="-48569" y="321016"/>
+                  <a:pt x="48220" y="217248"/>
+                  <a:pt x="0" y="0"/>
+                </a:cubicBezTo>
+                <a:close/>
+              </a:path>
+              <a:path w="885524" h="487788" stroke="0" extrusionOk="0">
+                <a:moveTo>
+                  <a:pt x="0" y="0"/>
+                </a:moveTo>
+                <a:cubicBezTo>
+                  <a:pt x="122179" y="-35847"/>
+                  <a:pt x="263364" y="18882"/>
+                  <a:pt x="442762" y="0"/>
+                </a:cubicBezTo>
+                <a:cubicBezTo>
+                  <a:pt x="622160" y="-18882"/>
+                  <a:pt x="685164" y="38820"/>
+                  <a:pt x="885524" y="0"/>
+                </a:cubicBezTo>
+                <a:cubicBezTo>
+                  <a:pt x="938868" y="105536"/>
+                  <a:pt x="839505" y="276099"/>
+                  <a:pt x="885524" y="487788"/>
+                </a:cubicBezTo>
+                <a:cubicBezTo>
+                  <a:pt x="734272" y="498127"/>
+                  <a:pt x="572546" y="440618"/>
+                  <a:pt x="469328" y="487788"/>
+                </a:cubicBezTo>
+                <a:cubicBezTo>
+                  <a:pt x="366110" y="534958"/>
+                  <a:pt x="174657" y="465725"/>
+                  <a:pt x="0" y="487788"/>
+                </a:cubicBezTo>
+                <a:cubicBezTo>
+                  <a:pt x="-13226" y="342024"/>
+                  <a:pt x="54406" y="214492"/>
+                  <a:pt x="0" y="0"/>
+                </a:cubicBezTo>
+                <a:close/>
+              </a:path>
+            </a:pathLst>
+          </a:custGeom>
+          <a:solidFill>
+            <a:srgbClr val="d1c9c1"/>
+          </a:solidFill>
+          <a:ln>
+            <a:solidFill>
+              <a:srgbClr val="9a8b85"/>
+            </a:solidFill>
+          </a:ln>
+        </p:spPr>
+        <p:style>
+          <a:lnRef idx="2">
+            <a:schemeClr val="accent1">
+              <a:shade val="50000"/>
+            </a:schemeClr>
+          </a:lnRef>
+          <a:fillRef idx="1">
+            <a:schemeClr val="accent1"/>
+          </a:fillRef>
+          <a:effectRef idx="0">
+            <a:schemeClr val="accent1"/>
+          </a:effectRef>
+          <a:fontRef idx="minor">
+            <a:schemeClr val="lt1"/>
+          </a:fontRef>
+        </p:style>
+        <p:txBody>
+          <a:bodyPr anchor="ctr"/>
+          <a:lstStyle/>
+          <a:p>
+            <a:pPr algn="ctr">
+              <a:defRPr/>
+            </a:pPr>
+            <a:endParaRPr lang="ko-KR" altLang="en-US">
+              <a:solidFill>
+                <a:sysClr val="windowText" lastClr="000000"/>
+              </a:solidFill>
+            </a:endParaRPr>
+          </a:p>
+        </p:txBody>
+      </p:sp>
+      <p:sp>
+        <p:nvSpPr>
+          <p:cNvPr id="6" name="TextBox 5"/>
+          <p:cNvSpPr txBox="1"/>
+          <p:nvPr/>
+        </p:nvSpPr>
+        <p:spPr>
+          <a:xfrm>
+            <a:off x="1477790" y="2555388"/>
+            <a:ext cx="750769" cy="369332"/>
+          </a:xfrm>
+          <a:prstGeom prst="rect">
+            <a:avLst/>
+          </a:prstGeom>
+          <a:noFill/>
+        </p:spPr>
+        <p:txBody>
+          <a:bodyPr wrap="square">
+            <a:spAutoFit/>
+          </a:bodyPr>
+          <a:lstStyle/>
+          <a:p>
+            <a:pPr algn="ctr">
+              <a:defRPr/>
+            </a:pPr>
+            <a:r>
+              <a:rPr lang="ko-KR" altLang="en-US" b="1">
+                <a:solidFill>
+                  <a:sysClr val="windowText" lastClr="000000"/>
+                </a:solidFill>
+                <a:latin typeface="DX영화자막 M"/>
+                <a:ea typeface="DX영화자막 M"/>
+              </a:rPr>
+              <a:t>소 개</a:t>
+            </a:r>
+            <a:endParaRPr lang="ko-KR" altLang="en-US" b="1">
+              <a:solidFill>
+                <a:sysClr val="windowText" lastClr="000000"/>
+              </a:solidFill>
+              <a:latin typeface="DX영화자막 M"/>
+              <a:ea typeface="DX영화자막 M"/>
+            </a:endParaRPr>
+          </a:p>
+        </p:txBody>
+      </p:sp>
+      <p:sp>
+        <p:nvSpPr>
+          <p:cNvPr id="7" name="직사각형 6"/>
+          <p:cNvSpPr/>
+          <p:nvPr/>
+        </p:nvSpPr>
+        <p:spPr>
+          <a:xfrm>
+            <a:off x="1268142" y="3189505"/>
+            <a:ext cx="6096000" cy="743280"/>
+          </a:xfrm>
+          <a:prstGeom prst="rect">
+            <a:avLst/>
+          </a:prstGeom>
+        </p:spPr>
+        <p:txBody>
+          <a:bodyPr>
+            <a:spAutoFit/>
+          </a:bodyPr>
+          <a:lstStyle/>
+          <a:p>
+            <a:pPr>
+              <a:lnSpc>
+                <a:spcPct val="120000"/>
+              </a:lnSpc>
+              <a:defRPr/>
+            </a:pPr>
+            <a:r>
+              <a:rPr lang="ko-KR" altLang="en-US">
+                <a:latin typeface="DX영화자막 M"/>
+                <a:ea typeface="DX영화자막 M"/>
+              </a:rPr>
+              <a:t>진지하지만 심각하지 않은 사람</a:t>
+            </a:r>
+            <a:r>
+              <a:rPr lang="en-US" altLang="ko-KR">
+                <a:latin typeface="DX영화자막 M"/>
+                <a:ea typeface="DX영화자막 M"/>
+              </a:rPr>
+              <a:t>. </a:t>
+            </a:r>
+            <a:r>
+              <a:rPr lang="ko-KR" altLang="en-US">
+                <a:latin typeface="DX영화자막 M"/>
+                <a:ea typeface="DX영화자막 M"/>
+              </a:rPr>
+              <a:t>밝지만 가볍지 않은 사람</a:t>
+            </a:r>
+            <a:r>
+              <a:rPr lang="en-US" altLang="ko-KR">
+                <a:latin typeface="DX영화자막 M"/>
+                <a:ea typeface="DX영화자막 M"/>
+              </a:rPr>
+              <a:t>.</a:t>
+            </a:r>
+            <a:endParaRPr lang="en-US" altLang="ko-KR">
+              <a:latin typeface="DX영화자막 M"/>
+              <a:ea typeface="DX영화자막 M"/>
+            </a:endParaRPr>
+          </a:p>
+          <a:p>
+            <a:pPr>
+              <a:lnSpc>
+                <a:spcPct val="120000"/>
+              </a:lnSpc>
+              <a:defRPr/>
+            </a:pPr>
+            <a:r>
+              <a:rPr lang="ko-KR" altLang="en-US">
+                <a:latin typeface="DX영화자막 M"/>
+                <a:ea typeface="DX영화자막 M"/>
+              </a:rPr>
+              <a:t>일러스트레이더 겸 글쟁이이자</a:t>
+            </a:r>
+            <a:r>
+              <a:rPr lang="en-US" altLang="ko-KR">
+                <a:latin typeface="DX영화자막 M"/>
+                <a:ea typeface="DX영화자막 M"/>
+              </a:rPr>
+              <a:t> </a:t>
+            </a:r>
+            <a:r>
+              <a:rPr lang="ko-KR" altLang="en-US">
+                <a:latin typeface="DX영화자막 M"/>
+                <a:ea typeface="DX영화자막 M"/>
+              </a:rPr>
+              <a:t>괜찮은 그래픽 디자이너</a:t>
+            </a:r>
+            <a:r>
+              <a:rPr lang="en-US" altLang="ko-KR">
+                <a:latin typeface="DX영화자막 M"/>
+                <a:ea typeface="DX영화자막 M"/>
+              </a:rPr>
+              <a:t>.</a:t>
+            </a:r>
+            <a:endParaRPr lang="en-US" altLang="ko-KR">
+              <a:latin typeface="DX영화자막 M"/>
+              <a:ea typeface="DX영화자막 M"/>
+            </a:endParaRPr>
+          </a:p>
+        </p:txBody>
+      </p:sp>
+      <p:sp>
+        <p:nvSpPr>
+          <p:cNvPr id="31" name="TextBox 30"/>
+          <p:cNvSpPr txBox="1"/>
+          <p:nvPr/>
+        </p:nvSpPr>
+        <p:spPr>
+          <a:xfrm>
+            <a:off x="8560905" y="6493565"/>
+            <a:ext cx="3578087" cy="295855"/>
+          </a:xfrm>
+          <a:prstGeom prst="rect">
+            <a:avLst/>
+          </a:prstGeom>
+          <a:noFill/>
+        </p:spPr>
+        <p:txBody>
+          <a:bodyPr wrap="square">
+            <a:spAutoFit/>
+          </a:bodyPr>
+          <a:lstStyle/>
+          <a:p>
+            <a:pPr algn="r">
+              <a:defRPr/>
+            </a:pPr>
+            <a:r>
+              <a:rPr lang="ko-KR" altLang="en-US" sz="1400">
+                <a:latin typeface="210 스탠다드 030"/>
+                <a:ea typeface="210 스탠다드 030"/>
+              </a:rPr>
+              <a:t>출처 어반브러시 </a:t>
+            </a:r>
+            <a:r>
+              <a:rPr lang="en-US" altLang="ko-KR" sz="1400">
+                <a:latin typeface="210 스탠다드 030"/>
+                <a:ea typeface="210 스탠다드 030"/>
+              </a:rPr>
+              <a:t>Tommy</a:t>
+            </a:r>
+            <a:endParaRPr lang="ko-KR" altLang="en-US" sz="1400">
+              <a:latin typeface="210 스탠다드 030"/>
+              <a:ea typeface="210 스탠다드 030"/>
+            </a:endParaRPr>
+          </a:p>
+        </p:txBody>
+      </p:sp>
+      <p:pic>
+        <p:nvPicPr>
+          <p:cNvPr id="10" name="그림 9"/>
+          <p:cNvPicPr>
+            <a:picLocks noChangeAspect="1"/>
+          </p:cNvPicPr>
+          <p:nvPr/>
+        </p:nvPicPr>
+        <p:blipFill rotWithShape="1">
+          <a:blip r:embed="rId2">
+            <a:duotone>
+              <a:schemeClr val="accent3">
+                <a:shade val="45000"/>
+                <a:satMod val="135000"/>
+              </a:schemeClr>
+              <a:prstClr val="white"/>
+            </a:duotone>
+          </a:blip>
+          <a:srcRect l="9830" t="7110" r="34880" b="17640"/>
+          <a:stretch>
+            <a:fillRect/>
+          </a:stretch>
+        </p:blipFill>
+        <p:spPr>
+          <a:xfrm flipH="1">
+            <a:off x="8524889" y="972028"/>
+            <a:ext cx="3578088" cy="5160176"/>
+          </a:xfrm>
+          <a:prstGeom prst="rect">
+            <a:avLst/>
+          </a:prstGeom>
+        </p:spPr>
+      </p:pic>
+      <p:sp>
+        <p:nvSpPr>
+          <p:cNvPr id="36" name="TextBox 35"/>
+          <p:cNvSpPr txBox="1"/>
+          <p:nvPr/>
+        </p:nvSpPr>
+        <p:spPr>
+          <a:xfrm>
+            <a:off x="5353147" y="732599"/>
+            <a:ext cx="1499547" cy="446596"/>
+          </a:xfrm>
+          <a:prstGeom prst="rect">
+            <a:avLst/>
+          </a:prstGeom>
+          <a:noFill/>
+          <a:ln w="9525">
+            <a:noFill/>
+          </a:ln>
+        </p:spPr>
+        <p:txBody>
+          <a:bodyPr wrap="square">
+            <a:spAutoFit/>
+          </a:bodyPr>
+          <a:lstStyle/>
+          <a:p>
+            <a:pPr lvl="0">
+              <a:defRPr/>
+            </a:pPr>
+            <a:r>
+              <a:rPr lang="ko-KR" altLang="en-US" sz="2400">
+                <a:solidFill>
+                  <a:schemeClr val="tx1">
+                    <a:alpha val="71000"/>
+                  </a:schemeClr>
+                </a:solidFill>
+                <a:latin typeface="DX영화자막 M"/>
+                <a:ea typeface="DX영화자막 M"/>
+              </a:rPr>
+              <a:t>작가소개</a:t>
+            </a:r>
+            <a:endParaRPr lang="ko-KR" altLang="en-US" sz="2400">
+              <a:solidFill>
+                <a:schemeClr val="tx1">
+                  <a:alpha val="71000"/>
+                </a:schemeClr>
+              </a:solidFill>
+              <a:latin typeface="DX영화자막 M"/>
+              <a:ea typeface="DX영화자막 M"/>
+            </a:endParaRPr>
+          </a:p>
+        </p:txBody>
+      </p:sp>
+      <p:pic>
+        <p:nvPicPr>
+          <p:cNvPr id="8" name="그림 7"/>
+          <p:cNvPicPr>
+            <a:picLocks noChangeAspect="1"/>
+          </p:cNvPicPr>
+          <p:nvPr/>
+        </p:nvPicPr>
+        <p:blipFill rotWithShape="1">
+          <a:blip r:embed="rId3"/>
+          <a:stretch>
+            <a:fillRect/>
+          </a:stretch>
+        </p:blipFill>
+        <p:spPr>
+          <a:xfrm>
+            <a:off x="0" y="-1"/>
+            <a:ext cx="12192000" cy="9134475"/>
+          </a:xfrm>
+          <a:prstGeom prst="rect">
+            <a:avLst/>
+          </a:prstGeom>
+        </p:spPr>
+      </p:pic>
+      <p:sp>
+        <p:nvSpPr>
+          <p:cNvPr id="17" name="TextBox 16"/>
+          <p:cNvSpPr txBox="1"/>
+          <p:nvPr/>
+        </p:nvSpPr>
+        <p:spPr>
+          <a:xfrm flipH="1">
+            <a:off x="5041092" y="342101"/>
+            <a:ext cx="2123658" cy="294169"/>
+          </a:xfrm>
+          <a:prstGeom prst="rect">
+            <a:avLst/>
+          </a:prstGeom>
+          <a:noFill/>
+        </p:spPr>
+        <p:txBody>
+          <a:bodyPr vert="horz" wrap="square">
+            <a:spAutoFit/>
+          </a:bodyPr>
+          <a:lstStyle/>
+          <a:p>
+            <a:pPr algn="dist">
+              <a:defRPr/>
+            </a:pPr>
+            <a:r>
+              <a:rPr lang="en-US" altLang="ko-KR" sz="1400">
+                <a:solidFill>
+                  <a:schemeClr val="tx1">
+                    <a:alpha val="71000"/>
+                  </a:schemeClr>
+                </a:solidFill>
+                <a:latin typeface="DX영화자막 M"/>
+                <a:ea typeface="DX영화자막 M"/>
+              </a:rPr>
+              <a:t>SLOW THINKING</a:t>
+            </a:r>
+            <a:endParaRPr lang="ko-KR" altLang="en-US" sz="1400">
+              <a:solidFill>
+                <a:schemeClr val="tx1">
+                  <a:alpha val="71000"/>
+                </a:schemeClr>
+              </a:solidFill>
+              <a:latin typeface="DX영화자막 M"/>
+              <a:ea typeface="DX영화자막 M"/>
+            </a:endParaRPr>
+          </a:p>
+        </p:txBody>
+      </p:sp>
+      <p:sp>
+        <p:nvSpPr>
+          <p:cNvPr id="19" name="TextBox 18"/>
+          <p:cNvSpPr txBox="1"/>
+          <p:nvPr/>
+        </p:nvSpPr>
+        <p:spPr>
+          <a:xfrm>
+            <a:off x="3990373" y="830223"/>
+            <a:ext cx="4872173" cy="453356"/>
+          </a:xfrm>
+          <a:prstGeom prst="rect">
+            <a:avLst/>
+          </a:prstGeom>
+          <a:noFill/>
+          <a:ln w="9525">
+            <a:noFill/>
+          </a:ln>
+        </p:spPr>
+        <p:txBody>
+          <a:bodyPr wrap="square">
+            <a:spAutoFit/>
+          </a:bodyPr>
+          <a:lstStyle/>
+          <a:p>
+            <a:pPr lvl="0">
+              <a:defRPr/>
+            </a:pPr>
+            <a:r>
+              <a:rPr lang="en-US" altLang="ko-KR" sz="2400">
+                <a:solidFill>
+                  <a:schemeClr val="tx1">
+                    <a:alpha val="71000"/>
+                  </a:schemeClr>
+                </a:solidFill>
+                <a:latin typeface="DX영화자막 M"/>
+                <a:ea typeface="DX영화자막 M"/>
+              </a:rPr>
+              <a:t>1</a:t>
+            </a:r>
+            <a:r>
+              <a:rPr lang="ko-KR" altLang="en-US" sz="2400">
+                <a:solidFill>
+                  <a:schemeClr val="tx1">
+                    <a:alpha val="71000"/>
+                  </a:schemeClr>
+                </a:solidFill>
+                <a:latin typeface="DX영화자막 M"/>
+                <a:ea typeface="DX영화자막 M"/>
+              </a:rPr>
+              <a:t>초도 생각을 놓지 않는 연습</a:t>
+            </a:r>
+            <a:endParaRPr lang="ko-KR" altLang="en-US" sz="2400">
+              <a:solidFill>
+                <a:schemeClr val="tx1">
+                  <a:alpha val="71000"/>
+                </a:schemeClr>
+              </a:solidFill>
+              <a:latin typeface="DX영화자막 M"/>
+              <a:ea typeface="DX영화자막 M"/>
+            </a:endParaRPr>
+          </a:p>
+        </p:txBody>
+      </p:sp>
+      <p:grpSp>
+        <p:nvGrpSpPr>
+          <p:cNvPr id="20" name="그룹 19"/>
+          <p:cNvGrpSpPr/>
+          <p:nvPr/>
+        </p:nvGrpSpPr>
+        <p:grpSpPr>
+          <a:xfrm rot="0">
+            <a:off x="393325" y="3093612"/>
+            <a:ext cx="163649" cy="975576"/>
+            <a:chOff x="306686" y="3281373"/>
+            <a:chExt cx="163649" cy="975576"/>
+          </a:xfrm>
+        </p:grpSpPr>
+        <p:cxnSp>
+          <p:nvCxnSpPr>
+            <p:cNvPr id="21" name="직선 연결선 20"/>
+            <p:cNvCxnSpPr/>
+            <p:nvPr/>
+          </p:nvCxnSpPr>
+          <p:spPr>
+            <a:xfrm>
+              <a:off x="306686" y="4127358"/>
+              <a:ext cx="160637" cy="129591"/>
+            </a:xfrm>
+            <a:prstGeom prst="line">
+              <a:avLst/>
+            </a:prstGeom>
+            <a:ln w="12700">
+              <a:solidFill>
+                <a:srgbClr val="ac9d8e"/>
+              </a:solidFill>
+            </a:ln>
+          </p:spPr>
+          <p:style>
+            <a:lnRef idx="1">
+              <a:schemeClr val="accent1"/>
+            </a:lnRef>
+            <a:fillRef idx="0">
+              <a:schemeClr val="accent1"/>
+            </a:fillRef>
+            <a:effectRef idx="0">
+              <a:schemeClr val="accent1"/>
+            </a:effectRef>
+            <a:fontRef idx="minor">
+              <a:schemeClr val="tx1"/>
+            </a:fontRef>
+          </p:style>
+        </p:cxnSp>
+        <p:cxnSp>
+          <p:nvCxnSpPr>
+            <p:cNvPr id="23" name="직선 연결선 22"/>
+            <p:cNvCxnSpPr/>
+            <p:nvPr/>
+          </p:nvCxnSpPr>
+          <p:spPr>
+            <a:xfrm>
+              <a:off x="306686" y="3838775"/>
+              <a:ext cx="160637" cy="129591"/>
+            </a:xfrm>
+            <a:prstGeom prst="line">
+              <a:avLst/>
+            </a:prstGeom>
+            <a:ln w="12700">
+              <a:solidFill>
+                <a:srgbClr val="ac9d8e"/>
+              </a:solidFill>
+            </a:ln>
+          </p:spPr>
+          <p:style>
+            <a:lnRef idx="1">
+              <a:schemeClr val="accent1"/>
+            </a:lnRef>
+            <a:fillRef idx="0">
+              <a:schemeClr val="accent1"/>
+            </a:fillRef>
+            <a:effectRef idx="0">
+              <a:schemeClr val="accent1"/>
+            </a:effectRef>
+            <a:fontRef idx="minor">
+              <a:schemeClr val="tx1"/>
+            </a:fontRef>
+          </p:style>
+        </p:cxnSp>
+        <p:cxnSp>
+          <p:nvCxnSpPr>
+            <p:cNvPr id="25" name="직선 연결선 24"/>
+            <p:cNvCxnSpPr/>
+            <p:nvPr/>
+          </p:nvCxnSpPr>
+          <p:spPr>
+            <a:xfrm>
+              <a:off x="306686" y="3550192"/>
+              <a:ext cx="160637" cy="129591"/>
+            </a:xfrm>
+            <a:prstGeom prst="line">
+              <a:avLst/>
+            </a:prstGeom>
+            <a:ln w="12700">
+              <a:solidFill>
+                <a:srgbClr val="ac9d8e"/>
+              </a:solidFill>
+            </a:ln>
+          </p:spPr>
+          <p:style>
+            <a:lnRef idx="1">
+              <a:schemeClr val="accent1"/>
+            </a:lnRef>
+            <a:fillRef idx="0">
+              <a:schemeClr val="accent1"/>
+            </a:fillRef>
+            <a:effectRef idx="0">
+              <a:schemeClr val="accent1"/>
+            </a:effectRef>
+            <a:fontRef idx="minor">
+              <a:schemeClr val="tx1"/>
+            </a:fontRef>
+          </p:style>
+        </p:cxnSp>
+        <p:cxnSp>
+          <p:nvCxnSpPr>
+            <p:cNvPr id="26" name="직선 연결선 25"/>
+            <p:cNvCxnSpPr/>
+            <p:nvPr/>
+          </p:nvCxnSpPr>
+          <p:spPr>
+            <a:xfrm>
+              <a:off x="309698" y="3281373"/>
+              <a:ext cx="160637" cy="129591"/>
+            </a:xfrm>
+            <a:prstGeom prst="line">
+              <a:avLst/>
+            </a:prstGeom>
+            <a:ln w="12700">
+              <a:solidFill>
+                <a:srgbClr val="ac9d8e"/>
+              </a:solidFill>
+            </a:ln>
+          </p:spPr>
+          <p:style>
+            <a:lnRef idx="1">
+              <a:schemeClr val="accent1"/>
+            </a:lnRef>
+            <a:fillRef idx="0">
+              <a:schemeClr val="accent1"/>
+            </a:fillRef>
+            <a:effectRef idx="0">
+              <a:schemeClr val="accent1"/>
+            </a:effectRef>
+            <a:fontRef idx="minor">
+              <a:schemeClr val="tx1"/>
+            </a:fontRef>
+          </p:style>
+        </p:cxnSp>
+      </p:grpSp>
+      <p:sp>
+        <p:nvSpPr>
+          <p:cNvPr id="33" name="순서도: 처리 61"/>
+          <p:cNvSpPr/>
+          <p:nvPr/>
+        </p:nvSpPr>
+        <p:spPr>
+          <a:xfrm>
+            <a:off x="2138032" y="1753167"/>
+            <a:ext cx="7915937" cy="4484864"/>
+          </a:xfrm>
+          <a:custGeom>
+            <a:avLst/>
+            <a:gdLst>
+              <a:gd name="connsiteX0" fmla="*/ 0 w 5799809"/>
+              <a:gd name="connsiteY0" fmla="*/ 0 h 425946"/>
+              <a:gd name="connsiteX1" fmla="*/ 470429 w 5799809"/>
+              <a:gd name="connsiteY1" fmla="*/ 0 h 425946"/>
+              <a:gd name="connsiteX2" fmla="*/ 1056854 w 5799809"/>
+              <a:gd name="connsiteY2" fmla="*/ 0 h 425946"/>
+              <a:gd name="connsiteX3" fmla="*/ 1585281 w 5799809"/>
+              <a:gd name="connsiteY3" fmla="*/ 0 h 425946"/>
+              <a:gd name="connsiteX4" fmla="*/ 2113708 w 5799809"/>
+              <a:gd name="connsiteY4" fmla="*/ 0 h 425946"/>
+              <a:gd name="connsiteX5" fmla="*/ 2758131 w 5799809"/>
+              <a:gd name="connsiteY5" fmla="*/ 0 h 425946"/>
+              <a:gd name="connsiteX6" fmla="*/ 3402555 w 5799809"/>
+              <a:gd name="connsiteY6" fmla="*/ 0 h 425946"/>
+              <a:gd name="connsiteX7" fmla="*/ 3930982 w 5799809"/>
+              <a:gd name="connsiteY7" fmla="*/ 0 h 425946"/>
+              <a:gd name="connsiteX8" fmla="*/ 4633403 w 5799809"/>
+              <a:gd name="connsiteY8" fmla="*/ 0 h 425946"/>
+              <a:gd name="connsiteX9" fmla="*/ 5103832 w 5799809"/>
+              <a:gd name="connsiteY9" fmla="*/ 0 h 425946"/>
+              <a:gd name="connsiteX10" fmla="*/ 5799809 w 5799809"/>
+              <a:gd name="connsiteY10" fmla="*/ 0 h 425946"/>
+              <a:gd name="connsiteX11" fmla="*/ 5799809 w 5799809"/>
+              <a:gd name="connsiteY11" fmla="*/ 425946 h 425946"/>
+              <a:gd name="connsiteX12" fmla="*/ 5155386 w 5799809"/>
+              <a:gd name="connsiteY12" fmla="*/ 425946 h 425946"/>
+              <a:gd name="connsiteX13" fmla="*/ 4684957 w 5799809"/>
+              <a:gd name="connsiteY13" fmla="*/ 425946 h 425946"/>
+              <a:gd name="connsiteX14" fmla="*/ 4040534 w 5799809"/>
+              <a:gd name="connsiteY14" fmla="*/ 425946 h 425946"/>
+              <a:gd name="connsiteX15" fmla="*/ 3338112 w 5799809"/>
+              <a:gd name="connsiteY15" fmla="*/ 425946 h 425946"/>
+              <a:gd name="connsiteX16" fmla="*/ 2809685 w 5799809"/>
+              <a:gd name="connsiteY16" fmla="*/ 425946 h 425946"/>
+              <a:gd name="connsiteX17" fmla="*/ 2165262 w 5799809"/>
+              <a:gd name="connsiteY17" fmla="*/ 425946 h 425946"/>
+              <a:gd name="connsiteX18" fmla="*/ 1462841 w 5799809"/>
+              <a:gd name="connsiteY18" fmla="*/ 425946 h 425946"/>
+              <a:gd name="connsiteX19" fmla="*/ 818417 w 5799809"/>
+              <a:gd name="connsiteY19" fmla="*/ 425946 h 425946"/>
+              <a:gd name="connsiteX20" fmla="*/ 0 w 5799809"/>
+              <a:gd name="connsiteY20" fmla="*/ 425946 h 425946"/>
+              <a:gd name="connsiteX21" fmla="*/ 0 w 5799809"/>
+              <a:gd name="connsiteY21" fmla="*/ 0 h 425946"/>
+            </a:gdLst>
+            <a:cxnLst>
+              <a:cxn ang="0">
+                <a:pos x="connsiteX0" y="connsiteY0"/>
+              </a:cxn>
+              <a:cxn ang="0">
+                <a:pos x="connsiteX1" y="connsiteY1"/>
+              </a:cxn>
+              <a:cxn ang="0">
+                <a:pos x="connsiteX2" y="connsiteY2"/>
+              </a:cxn>
+              <a:cxn ang="0">
+                <a:pos x="connsiteX3" y="connsiteY3"/>
+              </a:cxn>
+              <a:cxn ang="0">
+                <a:pos x="connsiteX4" y="connsiteY4"/>
+              </a:cxn>
+              <a:cxn ang="0">
+                <a:pos x="connsiteX5" y="connsiteY5"/>
+              </a:cxn>
+              <a:cxn ang="0">
+                <a:pos x="connsiteX6" y="connsiteY6"/>
+              </a:cxn>
+              <a:cxn ang="0">
+                <a:pos x="connsiteX7" y="connsiteY7"/>
+              </a:cxn>
+              <a:cxn ang="0">
+                <a:pos x="connsiteX8" y="connsiteY8"/>
+              </a:cxn>
+              <a:cxn ang="0">
+                <a:pos x="connsiteX9" y="connsiteY9"/>
+              </a:cxn>
+              <a:cxn ang="0">
+                <a:pos x="connsiteX10" y="connsiteY10"/>
+              </a:cxn>
+              <a:cxn ang="0">
+                <a:pos x="connsiteX11" y="connsiteY11"/>
+              </a:cxn>
+              <a:cxn ang="0">
+                <a:pos x="connsiteX12" y="connsiteY12"/>
+              </a:cxn>
+              <a:cxn ang="0">
+                <a:pos x="connsiteX13" y="connsiteY13"/>
+              </a:cxn>
+              <a:cxn ang="0">
+                <a:pos x="connsiteX14" y="connsiteY14"/>
+              </a:cxn>
+              <a:cxn ang="0">
+                <a:pos x="connsiteX15" y="connsiteY15"/>
+              </a:cxn>
+              <a:cxn ang="0">
+                <a:pos x="connsiteX16" y="connsiteY16"/>
+              </a:cxn>
+              <a:cxn ang="0">
+                <a:pos x="connsiteX17" y="connsiteY17"/>
+              </a:cxn>
+              <a:cxn ang="0">
+                <a:pos x="connsiteX18" y="connsiteY18"/>
+              </a:cxn>
+              <a:cxn ang="0">
+                <a:pos x="connsiteX19" y="connsiteY19"/>
+              </a:cxn>
+              <a:cxn ang="0">
+                <a:pos x="connsiteX20" y="connsiteY20"/>
+              </a:cxn>
+              <a:cxn ang="0">
+                <a:pos x="connsiteX21" y="connsiteY21"/>
+              </a:cxn>
+            </a:cxnLst>
+            <a:rect l="l" t="t" r="r" b="b"/>
+            <a:pathLst>
+              <a:path w="5799809" h="425946" fill="none" extrusionOk="0">
+                <a:moveTo>
+                  <a:pt x="0" y="0"/>
+                </a:moveTo>
+                <a:cubicBezTo>
+                  <a:pt x="232930" y="11357"/>
+                  <a:pt x="338405" y="-11052"/>
+                  <a:pt x="470429" y="0"/>
+                </a:cubicBezTo>
+                <a:cubicBezTo>
+                  <a:pt x="602453" y="11052"/>
+                  <a:pt x="809389" y="-26878"/>
+                  <a:pt x="1056854" y="0"/>
+                </a:cubicBezTo>
+                <a:cubicBezTo>
+                  <a:pt x="1304320" y="26878"/>
+                  <a:pt x="1468530" y="-24406"/>
+                  <a:pt x="1585281" y="0"/>
+                </a:cubicBezTo>
+                <a:cubicBezTo>
+                  <a:pt x="1702032" y="24406"/>
+                  <a:pt x="2004466" y="14170"/>
+                  <a:pt x="2113708" y="0"/>
+                </a:cubicBezTo>
+                <a:cubicBezTo>
+                  <a:pt x="2222950" y="-14170"/>
+                  <a:pt x="2556011" y="28112"/>
+                  <a:pt x="2758131" y="0"/>
+                </a:cubicBezTo>
+                <a:cubicBezTo>
+                  <a:pt x="2960251" y="-28112"/>
+                  <a:pt x="3097544" y="-7034"/>
+                  <a:pt x="3402555" y="0"/>
+                </a:cubicBezTo>
+                <a:cubicBezTo>
+                  <a:pt x="3707566" y="7034"/>
+                  <a:pt x="3772141" y="4589"/>
+                  <a:pt x="3930982" y="0"/>
+                </a:cubicBezTo>
+                <a:cubicBezTo>
+                  <a:pt x="4089823" y="-4589"/>
+                  <a:pt x="4481847" y="28392"/>
+                  <a:pt x="4633403" y="0"/>
+                </a:cubicBezTo>
+                <a:cubicBezTo>
+                  <a:pt x="4784959" y="-28392"/>
+                  <a:pt x="4910939" y="-2346"/>
+                  <a:pt x="5103832" y="0"/>
+                </a:cubicBezTo>
+                <a:cubicBezTo>
+                  <a:pt x="5296725" y="2346"/>
+                  <a:pt x="5508736" y="-20318"/>
+                  <a:pt x="5799809" y="0"/>
+                </a:cubicBezTo>
+                <a:cubicBezTo>
+                  <a:pt x="5788599" y="198653"/>
+                  <a:pt x="5812935" y="266898"/>
+                  <a:pt x="5799809" y="425946"/>
+                </a:cubicBezTo>
+                <a:cubicBezTo>
+                  <a:pt x="5617430" y="412954"/>
+                  <a:pt x="5331856" y="449678"/>
+                  <a:pt x="5155386" y="425946"/>
+                </a:cubicBezTo>
+                <a:cubicBezTo>
+                  <a:pt x="4978916" y="402214"/>
+                  <a:pt x="4857030" y="423944"/>
+                  <a:pt x="4684957" y="425946"/>
+                </a:cubicBezTo>
+                <a:cubicBezTo>
+                  <a:pt x="4512884" y="427948"/>
+                  <a:pt x="4342832" y="445858"/>
+                  <a:pt x="4040534" y="425946"/>
+                </a:cubicBezTo>
+                <a:cubicBezTo>
+                  <a:pt x="3738236" y="406034"/>
+                  <a:pt x="3513554" y="443777"/>
+                  <a:pt x="3338112" y="425946"/>
+                </a:cubicBezTo>
+                <a:cubicBezTo>
+                  <a:pt x="3162670" y="408115"/>
+                  <a:pt x="3031362" y="412638"/>
+                  <a:pt x="2809685" y="425946"/>
+                </a:cubicBezTo>
+                <a:cubicBezTo>
+                  <a:pt x="2588008" y="439254"/>
+                  <a:pt x="2396513" y="447981"/>
+                  <a:pt x="2165262" y="425946"/>
+                </a:cubicBezTo>
+                <a:cubicBezTo>
+                  <a:pt x="1934011" y="403911"/>
+                  <a:pt x="1762479" y="426888"/>
+                  <a:pt x="1462841" y="425946"/>
+                </a:cubicBezTo>
+                <a:cubicBezTo>
+                  <a:pt x="1163203" y="425004"/>
+                  <a:pt x="955896" y="428651"/>
+                  <a:pt x="818417" y="425946"/>
+                </a:cubicBezTo>
+                <a:cubicBezTo>
+                  <a:pt x="680938" y="423241"/>
+                  <a:pt x="240620" y="433396"/>
+                  <a:pt x="0" y="425946"/>
+                </a:cubicBezTo>
+                <a:cubicBezTo>
+                  <a:pt x="-13937" y="217353"/>
+                  <a:pt x="3380" y="194608"/>
+                  <a:pt x="0" y="0"/>
+                </a:cubicBezTo>
+                <a:close/>
+              </a:path>
+              <a:path w="5799809" h="425946" stroke="0" extrusionOk="0">
+                <a:moveTo>
+                  <a:pt x="0" y="0"/>
+                </a:moveTo>
+                <a:cubicBezTo>
+                  <a:pt x="156451" y="-5263"/>
+                  <a:pt x="344124" y="-7670"/>
+                  <a:pt x="528427" y="0"/>
+                </a:cubicBezTo>
+                <a:cubicBezTo>
+                  <a:pt x="712730" y="7670"/>
+                  <a:pt x="1052845" y="3624"/>
+                  <a:pt x="1288846" y="0"/>
+                </a:cubicBezTo>
+                <a:cubicBezTo>
+                  <a:pt x="1524847" y="-3624"/>
+                  <a:pt x="1572216" y="2669"/>
+                  <a:pt x="1817273" y="0"/>
+                </a:cubicBezTo>
+                <a:cubicBezTo>
+                  <a:pt x="2062330" y="-2669"/>
+                  <a:pt x="2125614" y="-1841"/>
+                  <a:pt x="2287702" y="0"/>
+                </a:cubicBezTo>
+                <a:cubicBezTo>
+                  <a:pt x="2449790" y="1841"/>
+                  <a:pt x="2540838" y="-10545"/>
+                  <a:pt x="2758131" y="0"/>
+                </a:cubicBezTo>
+                <a:cubicBezTo>
+                  <a:pt x="2975424" y="10545"/>
+                  <a:pt x="3070417" y="16952"/>
+                  <a:pt x="3286558" y="0"/>
+                </a:cubicBezTo>
+                <a:cubicBezTo>
+                  <a:pt x="3502699" y="-16952"/>
+                  <a:pt x="3772879" y="25154"/>
+                  <a:pt x="4046978" y="0"/>
+                </a:cubicBezTo>
+                <a:cubicBezTo>
+                  <a:pt x="4321077" y="-25154"/>
+                  <a:pt x="4471091" y="-15419"/>
+                  <a:pt x="4691401" y="0"/>
+                </a:cubicBezTo>
+                <a:cubicBezTo>
+                  <a:pt x="4911711" y="15419"/>
+                  <a:pt x="5486808" y="-34903"/>
+                  <a:pt x="5799809" y="0"/>
+                </a:cubicBezTo>
+                <a:cubicBezTo>
+                  <a:pt x="5811781" y="117662"/>
+                  <a:pt x="5813135" y="213997"/>
+                  <a:pt x="5799809" y="425946"/>
+                </a:cubicBezTo>
+                <a:cubicBezTo>
+                  <a:pt x="5631023" y="426859"/>
+                  <a:pt x="5495897" y="406180"/>
+                  <a:pt x="5329380" y="425946"/>
+                </a:cubicBezTo>
+                <a:cubicBezTo>
+                  <a:pt x="5162863" y="445712"/>
+                  <a:pt x="4971538" y="414601"/>
+                  <a:pt x="4742955" y="425946"/>
+                </a:cubicBezTo>
+                <a:cubicBezTo>
+                  <a:pt x="4514373" y="437291"/>
+                  <a:pt x="4305792" y="401898"/>
+                  <a:pt x="4098532" y="425946"/>
+                </a:cubicBezTo>
+                <a:cubicBezTo>
+                  <a:pt x="3891272" y="449994"/>
+                  <a:pt x="3550710" y="452828"/>
+                  <a:pt x="3396110" y="425946"/>
+                </a:cubicBezTo>
+                <a:cubicBezTo>
+                  <a:pt x="3241510" y="399064"/>
+                  <a:pt x="2987621" y="437035"/>
+                  <a:pt x="2867683" y="425946"/>
+                </a:cubicBezTo>
+                <a:cubicBezTo>
+                  <a:pt x="2747745" y="414857"/>
+                  <a:pt x="2500791" y="420398"/>
+                  <a:pt x="2281258" y="425946"/>
+                </a:cubicBezTo>
+                <a:cubicBezTo>
+                  <a:pt x="2061725" y="431494"/>
+                  <a:pt x="1816635" y="426101"/>
+                  <a:pt x="1636835" y="425946"/>
+                </a:cubicBezTo>
+                <a:cubicBezTo>
+                  <a:pt x="1457035" y="425791"/>
+                  <a:pt x="1307407" y="428836"/>
+                  <a:pt x="1050410" y="425946"/>
+                </a:cubicBezTo>
+                <a:cubicBezTo>
+                  <a:pt x="793414" y="423056"/>
+                  <a:pt x="415100" y="437818"/>
+                  <a:pt x="0" y="425946"/>
+                </a:cubicBezTo>
+                <a:cubicBezTo>
+                  <a:pt x="553" y="260129"/>
+                  <a:pt x="10725" y="188645"/>
+                  <a:pt x="0" y="0"/>
+                </a:cubicBezTo>
+                <a:close/>
+              </a:path>
+            </a:pathLst>
+          </a:custGeom>
+          <a:solidFill>
+            <a:schemeClr val="accent4">
+              <a:lumMod val="40000"/>
+              <a:lumOff val="60000"/>
+              <a:alpha val="35000"/>
+            </a:schemeClr>
+          </a:solidFill>
+          <a:ln>
+            <a:solidFill>
+              <a:schemeClr val="accent4">
+                <a:lumMod val="40000"/>
+                <a:lumOff val="60000"/>
+              </a:schemeClr>
+            </a:solidFill>
+          </a:ln>
+        </p:spPr>
+        <p:style>
+          <a:lnRef idx="2">
+            <a:schemeClr val="accent1">
+              <a:shade val="50000"/>
+            </a:schemeClr>
+          </a:lnRef>
+          <a:fillRef idx="1">
+            <a:schemeClr val="accent1"/>
+          </a:fillRef>
+          <a:effectRef idx="0">
+            <a:schemeClr val="accent1"/>
+          </a:effectRef>
+          <a:fontRef idx="minor">
+            <a:schemeClr val="lt1"/>
+          </a:fontRef>
+        </p:style>
+        <p:txBody>
+          <a:bodyPr anchor="ctr"/>
+          <a:lstStyle/>
+          <a:p>
+            <a:pPr algn="ctr">
+              <a:defRPr/>
+            </a:pPr>
+            <a:endParaRPr lang="ko-KR" altLang="en-US"/>
+          </a:p>
+        </p:txBody>
+      </p:sp>
+      <p:sp>
+        <p:nvSpPr>
+          <p:cNvPr id="60" name="TextBox 11"/>
+          <p:cNvSpPr txBox="1"/>
+          <p:nvPr/>
+        </p:nvSpPr>
+        <p:spPr>
+          <a:xfrm>
+            <a:off x="6625512" y="3662265"/>
+            <a:ext cx="4744601" cy="641130"/>
+          </a:xfrm>
+          <a:prstGeom prst="rect">
+            <a:avLst/>
+          </a:prstGeom>
+          <a:noFill/>
+        </p:spPr>
+        <p:txBody>
+          <a:bodyPr vert="horz" wrap="square" lIns="91440" tIns="45720" rIns="91440" bIns="45720" anchor="t">
+            <a:spAutoFit/>
+          </a:bodyPr>
+          <a:lstStyle/>
+          <a:p>
+            <a:pPr algn="ctr">
+              <a:lnSpc>
+                <a:spcPct val="150000"/>
+              </a:lnSpc>
+              <a:defRPr/>
+            </a:pPr>
+            <a:endParaRPr lang="ko-KR" altLang="en-US" sz="2400" kern="1400">
+              <a:solidFill>
+                <a:schemeClr val="tx1"/>
+              </a:solidFill>
+              <a:latin typeface="DX영화자막 M"/>
+              <a:ea typeface="DX영화자막 M"/>
+            </a:endParaRPr>
+          </a:p>
+        </p:txBody>
+      </p:sp>
+      <p:pic>
+        <p:nvPicPr>
+          <p:cNvPr id="67" name=""/>
+          <p:cNvPicPr>
+            <a:picLocks noChangeAspect="1"/>
+          </p:cNvPicPr>
+          <p:nvPr/>
+        </p:nvPicPr>
+        <p:blipFill rotWithShape="1">
+          <a:blip r:embed="rId4"/>
+          <a:stretch>
+            <a:fillRect/>
+          </a:stretch>
+        </p:blipFill>
+        <p:spPr>
+          <a:xfrm>
+            <a:off x="2219419" y="0"/>
+            <a:ext cx="7753162" cy="8365677"/>
+          </a:xfrm>
+          <a:prstGeom prst="rect">
+            <a:avLst/>
+          </a:prstGeom>
+        </p:spPr>
+      </p:pic>
+    </p:spTree>
+  </p:cSld>
+  <p:clrMapOvr>
+    <a:masterClrMapping/>
+  </p:clrMapOvr>
+  <mc:AlternateContent xmlns:mc="http://schemas.openxmlformats.org/markup-compatibility/2006">
+    <mc:Choice xmlns:p14="http://schemas.microsoft.com/office/powerpoint/2010/main" Requires="p14">
+      <p:transition xmlns:mc="http://schemas.openxmlformats.org/markup-compatibility/2006" xmlns:p14="http://schemas.microsoft.com/office/powerpoint/2010/main" mc:Ignorable="p14" p14:dur="500"/>
+    </mc:Choice>
+    <mc:Fallback>
+      <p:transition/>
+    </mc:Fallback>
+  </mc:AlternateContent>
+</p:sld>
+</file>
+
+<file path=ppt/slides/slide12.xml><?xml version="1.0" encoding="utf-8"?>
+<p:sld xmlns:r="http://schemas.openxmlformats.org/officeDocument/2006/relationships" xmlns:c="http://schemas.openxmlformats.org/drawingml/2006/chart" xmlns:a="http://schemas.openxmlformats.org/drawingml/2006/main" xmlns:dgm="http://schemas.openxmlformats.org/drawingml/2006/diagram" xmlns:dsp="http://schemas.microsoft.com/office/drawing/2008/diagram" xmlns:p="http://schemas.openxmlformats.org/presentationml/2006/main">
+  <p:cSld>
+    <p:spTree>
+      <p:nvGrpSpPr>
+        <p:cNvPr id="1" name=""/>
+        <p:cNvGrpSpPr/>
+        <p:nvPr/>
+      </p:nvGrpSpPr>
+      <p:grpSpPr>
+        <a:xfrm>
+          <a:off x="0" y="0"/>
+          <a:ext cx="0" cy="0"/>
+          <a:chOff x="0" y="0"/>
+          <a:chExt cx="0" cy="0"/>
+        </a:xfrm>
+      </p:grpSpPr>
+      <p:sp>
+        <p:nvSpPr>
+          <p:cNvPr id="22" name="TextBox 21"/>
+          <p:cNvSpPr txBox="1"/>
+          <p:nvPr/>
+        </p:nvSpPr>
+        <p:spPr>
+          <a:xfrm flipH="1">
+            <a:off x="5041092" y="342101"/>
+            <a:ext cx="2123658" cy="294169"/>
+          </a:xfrm>
+          <a:prstGeom prst="rect">
+            <a:avLst/>
+          </a:prstGeom>
+          <a:noFill/>
+        </p:spPr>
+        <p:txBody>
+          <a:bodyPr vert="horz" wrap="square">
+            <a:spAutoFit/>
+          </a:bodyPr>
+          <a:lstStyle/>
+          <a:p>
+            <a:pPr algn="dist">
+              <a:defRPr/>
+            </a:pPr>
+            <a:r>
+              <a:rPr lang="en-US" altLang="ko-KR" sz="1400">
+                <a:solidFill>
+                  <a:schemeClr val="tx1">
+                    <a:alpha val="71000"/>
+                  </a:schemeClr>
+                </a:solidFill>
+                <a:latin typeface="DX영화자막 M"/>
+                <a:ea typeface="DX영화자막 M"/>
+              </a:rPr>
+              <a:t>SLOW THINKING</a:t>
+            </a:r>
+            <a:endParaRPr lang="ko-KR" altLang="en-US" sz="1400">
+              <a:solidFill>
+                <a:schemeClr val="tx1">
+                  <a:alpha val="71000"/>
+                </a:schemeClr>
+              </a:solidFill>
+              <a:latin typeface="DX영화자막 M"/>
+              <a:ea typeface="DX영화자막 M"/>
+            </a:endParaRPr>
+          </a:p>
+        </p:txBody>
+      </p:sp>
+      <p:grpSp>
+        <p:nvGrpSpPr>
+          <p:cNvPr id="4" name="그룹 3"/>
+          <p:cNvGrpSpPr/>
+          <p:nvPr/>
+        </p:nvGrpSpPr>
+        <p:grpSpPr>
+          <a:xfrm rot="0">
+            <a:off x="240925" y="2941212"/>
+            <a:ext cx="163649" cy="975576"/>
+            <a:chOff x="306686" y="3281373"/>
+            <a:chExt cx="163649" cy="975576"/>
+          </a:xfrm>
+        </p:grpSpPr>
+        <p:cxnSp>
+          <p:nvCxnSpPr>
+            <p:cNvPr id="3" name="직선 연결선 2"/>
+            <p:cNvCxnSpPr/>
+            <p:nvPr/>
+          </p:nvCxnSpPr>
+          <p:spPr>
+            <a:xfrm>
+              <a:off x="306686" y="4127358"/>
+              <a:ext cx="160637" cy="129591"/>
+            </a:xfrm>
+            <a:prstGeom prst="line">
+              <a:avLst/>
+            </a:prstGeom>
+            <a:ln w="12700">
+              <a:solidFill>
+                <a:srgbClr val="ac9d8e"/>
+              </a:solidFill>
+            </a:ln>
+          </p:spPr>
+          <p:style>
+            <a:lnRef idx="1">
+              <a:schemeClr val="accent1"/>
+            </a:lnRef>
+            <a:fillRef idx="0">
+              <a:schemeClr val="accent1"/>
+            </a:fillRef>
+            <a:effectRef idx="0">
+              <a:schemeClr val="accent1"/>
+            </a:effectRef>
+            <a:fontRef idx="minor">
+              <a:schemeClr val="tx1"/>
+            </a:fontRef>
+          </p:style>
+        </p:cxnSp>
+        <p:cxnSp>
+          <p:nvCxnSpPr>
+            <p:cNvPr id="40" name="직선 연결선 39"/>
+            <p:cNvCxnSpPr/>
+            <p:nvPr/>
+          </p:nvCxnSpPr>
+          <p:spPr>
+            <a:xfrm>
+              <a:off x="306686" y="3838775"/>
+              <a:ext cx="160637" cy="129591"/>
+            </a:xfrm>
+            <a:prstGeom prst="line">
+              <a:avLst/>
+            </a:prstGeom>
+            <a:ln w="12700">
+              <a:solidFill>
+                <a:srgbClr val="ac9d8e"/>
+              </a:solidFill>
+            </a:ln>
+          </p:spPr>
+          <p:style>
+            <a:lnRef idx="1">
+              <a:schemeClr val="accent1"/>
+            </a:lnRef>
+            <a:fillRef idx="0">
+              <a:schemeClr val="accent1"/>
+            </a:fillRef>
+            <a:effectRef idx="0">
+              <a:schemeClr val="accent1"/>
+            </a:effectRef>
+            <a:fontRef idx="minor">
+              <a:schemeClr val="tx1"/>
+            </a:fontRef>
+          </p:style>
+        </p:cxnSp>
+        <p:cxnSp>
+          <p:nvCxnSpPr>
+            <p:cNvPr id="49" name="직선 연결선 48"/>
+            <p:cNvCxnSpPr/>
+            <p:nvPr/>
+          </p:nvCxnSpPr>
+          <p:spPr>
+            <a:xfrm>
+              <a:off x="306686" y="3550192"/>
+              <a:ext cx="160637" cy="129591"/>
+            </a:xfrm>
+            <a:prstGeom prst="line">
+              <a:avLst/>
+            </a:prstGeom>
+            <a:ln w="12700">
+              <a:solidFill>
+                <a:srgbClr val="ac9d8e"/>
+              </a:solidFill>
+            </a:ln>
+          </p:spPr>
+          <p:style>
+            <a:lnRef idx="1">
+              <a:schemeClr val="accent1"/>
+            </a:lnRef>
+            <a:fillRef idx="0">
+              <a:schemeClr val="accent1"/>
+            </a:fillRef>
+            <a:effectRef idx="0">
+              <a:schemeClr val="accent1"/>
+            </a:effectRef>
+            <a:fontRef idx="minor">
+              <a:schemeClr val="tx1"/>
+            </a:fontRef>
+          </p:style>
+        </p:cxnSp>
+        <p:cxnSp>
+          <p:nvCxnSpPr>
+            <p:cNvPr id="51" name="직선 연결선 50"/>
+            <p:cNvCxnSpPr/>
+            <p:nvPr/>
+          </p:nvCxnSpPr>
+          <p:spPr>
+            <a:xfrm>
+              <a:off x="309698" y="3281373"/>
+              <a:ext cx="160637" cy="129591"/>
+            </a:xfrm>
+            <a:prstGeom prst="line">
+              <a:avLst/>
+            </a:prstGeom>
+            <a:ln w="12700">
+              <a:solidFill>
+                <a:srgbClr val="ac9d8e"/>
+              </a:solidFill>
+            </a:ln>
+          </p:spPr>
+          <p:style>
+            <a:lnRef idx="1">
+              <a:schemeClr val="accent1"/>
+            </a:lnRef>
+            <a:fillRef idx="0">
+              <a:schemeClr val="accent1"/>
+            </a:fillRef>
+            <a:effectRef idx="0">
+              <a:schemeClr val="accent1"/>
+            </a:effectRef>
+            <a:fontRef idx="minor">
+              <a:schemeClr val="tx1"/>
+            </a:fontRef>
+          </p:style>
+        </p:cxnSp>
+      </p:grpSp>
+      <p:sp>
+        <p:nvSpPr>
+          <p:cNvPr id="2" name="TextBox 1"/>
+          <p:cNvSpPr txBox="1"/>
+          <p:nvPr/>
+        </p:nvSpPr>
+        <p:spPr>
+          <a:xfrm>
+            <a:off x="1268142" y="1611934"/>
+            <a:ext cx="6189707" cy="646331"/>
+          </a:xfrm>
+          <a:prstGeom prst="rect">
+            <a:avLst/>
+          </a:prstGeom>
+          <a:noFill/>
+        </p:spPr>
+        <p:txBody>
+          <a:bodyPr wrap="square">
+            <a:spAutoFit/>
+          </a:bodyPr>
+          <a:lstStyle/>
+          <a:p>
+            <a:pPr lvl="0">
+              <a:defRPr/>
+            </a:pPr>
+            <a:r>
+              <a:rPr lang="ko-KR" altLang="en-US" sz="3600">
+                <a:latin typeface="DX영화자막 M"/>
+                <a:ea typeface="DX영화자막 M"/>
+              </a:rPr>
+              <a:t>홍논문</a:t>
+            </a:r>
+            <a:endParaRPr lang="en-US" altLang="ko-KR" sz="3600">
+              <a:latin typeface="DX영화자막 M"/>
+              <a:ea typeface="DX영화자막 M"/>
+            </a:endParaRPr>
+          </a:p>
+        </p:txBody>
+      </p:sp>
+      <p:sp>
+        <p:nvSpPr>
+          <p:cNvPr id="5" name="직사각형 4"/>
+          <p:cNvSpPr/>
+          <p:nvPr/>
+        </p:nvSpPr>
+        <p:spPr>
+          <a:xfrm>
+            <a:off x="1431961" y="2449168"/>
+            <a:ext cx="885524" cy="487788"/>
+          </a:xfrm>
+          <a:custGeom>
+            <a:avLst/>
+            <a:gdLst>
+              <a:gd name="connsiteX0" fmla="*/ 0 w 885524"/>
+              <a:gd name="connsiteY0" fmla="*/ 0 h 487788"/>
+              <a:gd name="connsiteX1" fmla="*/ 885524 w 885524"/>
+              <a:gd name="connsiteY1" fmla="*/ 0 h 487788"/>
+              <a:gd name="connsiteX2" fmla="*/ 885524 w 885524"/>
+              <a:gd name="connsiteY2" fmla="*/ 487788 h 487788"/>
+              <a:gd name="connsiteX3" fmla="*/ 0 w 885524"/>
+              <a:gd name="connsiteY3" fmla="*/ 487788 h 487788"/>
+              <a:gd name="connsiteX4" fmla="*/ 0 w 885524"/>
+              <a:gd name="connsiteY4" fmla="*/ 0 h 487788"/>
+            </a:gdLst>
+            <a:cxnLst>
+              <a:cxn ang="0">
+                <a:pos x="connsiteX0" y="connsiteY0"/>
+              </a:cxn>
+              <a:cxn ang="0">
+                <a:pos x="connsiteX1" y="connsiteY1"/>
+              </a:cxn>
+              <a:cxn ang="0">
+                <a:pos x="connsiteX2" y="connsiteY2"/>
+              </a:cxn>
+              <a:cxn ang="0">
+                <a:pos x="connsiteX3" y="connsiteY3"/>
+              </a:cxn>
+              <a:cxn ang="0">
+                <a:pos x="connsiteX4" y="connsiteY4"/>
+              </a:cxn>
+            </a:cxnLst>
+            <a:rect l="l" t="t" r="r" b="b"/>
+            <a:pathLst>
+              <a:path w="885524" h="487788" extrusionOk="0">
+                <a:moveTo>
+                  <a:pt x="0" y="0"/>
+                </a:moveTo>
+                <a:cubicBezTo>
+                  <a:pt x="147585" y="73323"/>
+                  <a:pt x="474504" y="43906"/>
+                  <a:pt x="885524" y="0"/>
+                </a:cubicBezTo>
+                <a:cubicBezTo>
+                  <a:pt x="866863" y="85762"/>
+                  <a:pt x="848666" y="279246"/>
+                  <a:pt x="885524" y="487788"/>
+                </a:cubicBezTo>
+                <a:cubicBezTo>
+                  <a:pt x="603390" y="566340"/>
+                  <a:pt x="377373" y="441160"/>
+                  <a:pt x="0" y="487788"/>
+                </a:cubicBezTo>
+                <a:cubicBezTo>
+                  <a:pt x="14357" y="340894"/>
+                  <a:pt x="31857" y="149382"/>
+                  <a:pt x="0" y="0"/>
+                </a:cubicBezTo>
+                <a:close/>
+              </a:path>
+            </a:pathLst>
+          </a:custGeom>
+          <a:noFill/>
+          <a:ln>
+            <a:solidFill>
+              <a:srgbClr val="9a8b85"/>
+            </a:solidFill>
+          </a:ln>
+        </p:spPr>
+        <p:style>
+          <a:lnRef idx="2">
+            <a:schemeClr val="accent1">
+              <a:shade val="50000"/>
+            </a:schemeClr>
+          </a:lnRef>
+          <a:fillRef idx="1">
+            <a:schemeClr val="accent1"/>
+          </a:fillRef>
+          <a:effectRef idx="0">
+            <a:schemeClr val="accent1"/>
+          </a:effectRef>
+          <a:fontRef idx="minor">
+            <a:schemeClr val="lt1"/>
+          </a:fontRef>
+        </p:style>
+        <p:txBody>
+          <a:bodyPr anchor="ctr"/>
+          <a:lstStyle/>
+          <a:p>
+            <a:pPr algn="ctr">
+              <a:defRPr/>
+            </a:pPr>
+            <a:endParaRPr lang="ko-KR" altLang="en-US"/>
+          </a:p>
+        </p:txBody>
+      </p:sp>
+      <p:sp>
+        <p:nvSpPr>
+          <p:cNvPr id="24" name="직사각형 23"/>
+          <p:cNvSpPr/>
+          <p:nvPr/>
+        </p:nvSpPr>
+        <p:spPr>
+          <a:xfrm>
+            <a:off x="1410413" y="2487669"/>
+            <a:ext cx="885524" cy="487788"/>
+          </a:xfrm>
+          <a:custGeom>
+            <a:avLst/>
+            <a:gdLst>
+              <a:gd name="connsiteX0" fmla="*/ 0 w 885524"/>
+              <a:gd name="connsiteY0" fmla="*/ 0 h 487788"/>
+              <a:gd name="connsiteX1" fmla="*/ 442762 w 885524"/>
+              <a:gd name="connsiteY1" fmla="*/ 0 h 487788"/>
+              <a:gd name="connsiteX2" fmla="*/ 885524 w 885524"/>
+              <a:gd name="connsiteY2" fmla="*/ 0 h 487788"/>
+              <a:gd name="connsiteX3" fmla="*/ 885524 w 885524"/>
+              <a:gd name="connsiteY3" fmla="*/ 487788 h 487788"/>
+              <a:gd name="connsiteX4" fmla="*/ 425052 w 885524"/>
+              <a:gd name="connsiteY4" fmla="*/ 487788 h 487788"/>
+              <a:gd name="connsiteX5" fmla="*/ 0 w 885524"/>
+              <a:gd name="connsiteY5" fmla="*/ 487788 h 487788"/>
+              <a:gd name="connsiteX6" fmla="*/ 0 w 885524"/>
+              <a:gd name="connsiteY6" fmla="*/ 0 h 487788"/>
+            </a:gdLst>
+            <a:cxnLst>
+              <a:cxn ang="0">
+                <a:pos x="connsiteX0" y="connsiteY0"/>
+              </a:cxn>
+              <a:cxn ang="0">
+                <a:pos x="connsiteX1" y="connsiteY1"/>
+              </a:cxn>
+              <a:cxn ang="0">
+                <a:pos x="connsiteX2" y="connsiteY2"/>
+              </a:cxn>
+              <a:cxn ang="0">
+                <a:pos x="connsiteX3" y="connsiteY3"/>
+              </a:cxn>
+              <a:cxn ang="0">
+                <a:pos x="connsiteX4" y="connsiteY4"/>
+              </a:cxn>
+              <a:cxn ang="0">
+                <a:pos x="connsiteX5" y="connsiteY5"/>
+              </a:cxn>
+              <a:cxn ang="0">
+                <a:pos x="connsiteX6" y="connsiteY6"/>
+              </a:cxn>
+            </a:cxnLst>
+            <a:rect l="l" t="t" r="r" b="b"/>
+            <a:pathLst>
+              <a:path w="885524" h="487788" fill="none" extrusionOk="0">
+                <a:moveTo>
+                  <a:pt x="0" y="0"/>
+                </a:moveTo>
+                <a:cubicBezTo>
+                  <a:pt x="189876" y="-27532"/>
+                  <a:pt x="326699" y="51795"/>
+                  <a:pt x="442762" y="0"/>
+                </a:cubicBezTo>
+                <a:cubicBezTo>
+                  <a:pt x="558825" y="-51795"/>
+                  <a:pt x="711044" y="33536"/>
+                  <a:pt x="885524" y="0"/>
+                </a:cubicBezTo>
+                <a:cubicBezTo>
+                  <a:pt x="936190" y="142469"/>
+                  <a:pt x="840840" y="332089"/>
+                  <a:pt x="885524" y="487788"/>
+                </a:cubicBezTo>
+                <a:cubicBezTo>
+                  <a:pt x="725718" y="528142"/>
+                  <a:pt x="590941" y="462966"/>
+                  <a:pt x="425052" y="487788"/>
+                </a:cubicBezTo>
+                <a:cubicBezTo>
+                  <a:pt x="259163" y="512610"/>
+                  <a:pt x="96867" y="465139"/>
+                  <a:pt x="0" y="487788"/>
+                </a:cubicBezTo>
+                <a:cubicBezTo>
+                  <a:pt x="-48569" y="321016"/>
+                  <a:pt x="48220" y="217248"/>
+                  <a:pt x="0" y="0"/>
+                </a:cubicBezTo>
+                <a:close/>
+              </a:path>
+              <a:path w="885524" h="487788" stroke="0" extrusionOk="0">
+                <a:moveTo>
+                  <a:pt x="0" y="0"/>
+                </a:moveTo>
+                <a:cubicBezTo>
+                  <a:pt x="122179" y="-35847"/>
+                  <a:pt x="263364" y="18882"/>
+                  <a:pt x="442762" y="0"/>
+                </a:cubicBezTo>
+                <a:cubicBezTo>
+                  <a:pt x="622160" y="-18882"/>
+                  <a:pt x="685164" y="38820"/>
+                  <a:pt x="885524" y="0"/>
+                </a:cubicBezTo>
+                <a:cubicBezTo>
+                  <a:pt x="938868" y="105536"/>
+                  <a:pt x="839505" y="276099"/>
+                  <a:pt x="885524" y="487788"/>
+                </a:cubicBezTo>
+                <a:cubicBezTo>
+                  <a:pt x="734272" y="498127"/>
+                  <a:pt x="572546" y="440618"/>
+                  <a:pt x="469328" y="487788"/>
+                </a:cubicBezTo>
+                <a:cubicBezTo>
+                  <a:pt x="366110" y="534958"/>
+                  <a:pt x="174657" y="465725"/>
+                  <a:pt x="0" y="487788"/>
+                </a:cubicBezTo>
+                <a:cubicBezTo>
+                  <a:pt x="-13226" y="342024"/>
+                  <a:pt x="54406" y="214492"/>
+                  <a:pt x="0" y="0"/>
+                </a:cubicBezTo>
+                <a:close/>
+              </a:path>
+            </a:pathLst>
+          </a:custGeom>
+          <a:solidFill>
+            <a:srgbClr val="d1c9c1"/>
+          </a:solidFill>
+          <a:ln>
+            <a:solidFill>
+              <a:srgbClr val="9a8b85"/>
+            </a:solidFill>
+          </a:ln>
+        </p:spPr>
+        <p:style>
+          <a:lnRef idx="2">
+            <a:schemeClr val="accent1">
+              <a:shade val="50000"/>
+            </a:schemeClr>
+          </a:lnRef>
+          <a:fillRef idx="1">
+            <a:schemeClr val="accent1"/>
+          </a:fillRef>
+          <a:effectRef idx="0">
+            <a:schemeClr val="accent1"/>
+          </a:effectRef>
+          <a:fontRef idx="minor">
+            <a:schemeClr val="lt1"/>
+          </a:fontRef>
+        </p:style>
+        <p:txBody>
+          <a:bodyPr anchor="ctr"/>
+          <a:lstStyle/>
+          <a:p>
+            <a:pPr algn="ctr">
+              <a:defRPr/>
+            </a:pPr>
+            <a:endParaRPr lang="ko-KR" altLang="en-US">
+              <a:solidFill>
+                <a:sysClr val="windowText" lastClr="000000"/>
+              </a:solidFill>
+            </a:endParaRPr>
+          </a:p>
+        </p:txBody>
+      </p:sp>
+      <p:sp>
+        <p:nvSpPr>
+          <p:cNvPr id="6" name="TextBox 5"/>
+          <p:cNvSpPr txBox="1"/>
+          <p:nvPr/>
+        </p:nvSpPr>
+        <p:spPr>
+          <a:xfrm>
+            <a:off x="1477790" y="2555388"/>
+            <a:ext cx="750769" cy="369332"/>
+          </a:xfrm>
+          <a:prstGeom prst="rect">
+            <a:avLst/>
+          </a:prstGeom>
+          <a:noFill/>
+        </p:spPr>
+        <p:txBody>
+          <a:bodyPr wrap="square">
+            <a:spAutoFit/>
+          </a:bodyPr>
+          <a:lstStyle/>
+          <a:p>
+            <a:pPr algn="ctr">
+              <a:defRPr/>
+            </a:pPr>
+            <a:r>
+              <a:rPr lang="ko-KR" altLang="en-US" b="1">
+                <a:solidFill>
+                  <a:sysClr val="windowText" lastClr="000000"/>
+                </a:solidFill>
+                <a:latin typeface="DX영화자막 M"/>
+                <a:ea typeface="DX영화자막 M"/>
+              </a:rPr>
+              <a:t>소 개</a:t>
+            </a:r>
+            <a:endParaRPr lang="ko-KR" altLang="en-US" b="1">
+              <a:solidFill>
+                <a:sysClr val="windowText" lastClr="000000"/>
+              </a:solidFill>
+              <a:latin typeface="DX영화자막 M"/>
+              <a:ea typeface="DX영화자막 M"/>
+            </a:endParaRPr>
+          </a:p>
+        </p:txBody>
+      </p:sp>
+      <p:sp>
+        <p:nvSpPr>
+          <p:cNvPr id="7" name="직사각형 6"/>
+          <p:cNvSpPr/>
+          <p:nvPr/>
+        </p:nvSpPr>
+        <p:spPr>
+          <a:xfrm>
+            <a:off x="1268142" y="3189505"/>
+            <a:ext cx="6096000" cy="743280"/>
+          </a:xfrm>
+          <a:prstGeom prst="rect">
+            <a:avLst/>
+          </a:prstGeom>
+        </p:spPr>
+        <p:txBody>
+          <a:bodyPr>
+            <a:spAutoFit/>
+          </a:bodyPr>
+          <a:lstStyle/>
+          <a:p>
+            <a:pPr>
+              <a:lnSpc>
+                <a:spcPct val="120000"/>
+              </a:lnSpc>
+              <a:defRPr/>
+            </a:pPr>
+            <a:r>
+              <a:rPr lang="ko-KR" altLang="en-US">
+                <a:latin typeface="DX영화자막 M"/>
+                <a:ea typeface="DX영화자막 M"/>
+              </a:rPr>
+              <a:t>진지하지만 심각하지 않은 사람</a:t>
+            </a:r>
+            <a:r>
+              <a:rPr lang="en-US" altLang="ko-KR">
+                <a:latin typeface="DX영화자막 M"/>
+                <a:ea typeface="DX영화자막 M"/>
+              </a:rPr>
+              <a:t>. </a:t>
+            </a:r>
+            <a:r>
+              <a:rPr lang="ko-KR" altLang="en-US">
+                <a:latin typeface="DX영화자막 M"/>
+                <a:ea typeface="DX영화자막 M"/>
+              </a:rPr>
+              <a:t>밝지만 가볍지 않은 사람</a:t>
+            </a:r>
+            <a:r>
+              <a:rPr lang="en-US" altLang="ko-KR">
+                <a:latin typeface="DX영화자막 M"/>
+                <a:ea typeface="DX영화자막 M"/>
+              </a:rPr>
+              <a:t>.</a:t>
+            </a:r>
+            <a:endParaRPr lang="en-US" altLang="ko-KR">
+              <a:latin typeface="DX영화자막 M"/>
+              <a:ea typeface="DX영화자막 M"/>
+            </a:endParaRPr>
+          </a:p>
+          <a:p>
+            <a:pPr>
+              <a:lnSpc>
+                <a:spcPct val="120000"/>
+              </a:lnSpc>
+              <a:defRPr/>
+            </a:pPr>
+            <a:r>
+              <a:rPr lang="ko-KR" altLang="en-US">
+                <a:latin typeface="DX영화자막 M"/>
+                <a:ea typeface="DX영화자막 M"/>
+              </a:rPr>
+              <a:t>일러스트레이더 겸 글쟁이이자</a:t>
+            </a:r>
+            <a:r>
+              <a:rPr lang="en-US" altLang="ko-KR">
+                <a:latin typeface="DX영화자막 M"/>
+                <a:ea typeface="DX영화자막 M"/>
+              </a:rPr>
+              <a:t> </a:t>
+            </a:r>
+            <a:r>
+              <a:rPr lang="ko-KR" altLang="en-US">
+                <a:latin typeface="DX영화자막 M"/>
+                <a:ea typeface="DX영화자막 M"/>
+              </a:rPr>
+              <a:t>괜찮은 그래픽 디자이너</a:t>
+            </a:r>
+            <a:r>
+              <a:rPr lang="en-US" altLang="ko-KR">
+                <a:latin typeface="DX영화자막 M"/>
+                <a:ea typeface="DX영화자막 M"/>
+              </a:rPr>
+              <a:t>.</a:t>
+            </a:r>
+            <a:endParaRPr lang="en-US" altLang="ko-KR">
+              <a:latin typeface="DX영화자막 M"/>
+              <a:ea typeface="DX영화자막 M"/>
+            </a:endParaRPr>
+          </a:p>
+        </p:txBody>
+      </p:sp>
+      <p:sp>
+        <p:nvSpPr>
+          <p:cNvPr id="31" name="TextBox 30"/>
+          <p:cNvSpPr txBox="1"/>
+          <p:nvPr/>
+        </p:nvSpPr>
+        <p:spPr>
+          <a:xfrm>
+            <a:off x="8560905" y="6493565"/>
+            <a:ext cx="3578087" cy="295855"/>
+          </a:xfrm>
+          <a:prstGeom prst="rect">
+            <a:avLst/>
+          </a:prstGeom>
+          <a:noFill/>
+        </p:spPr>
+        <p:txBody>
+          <a:bodyPr wrap="square">
+            <a:spAutoFit/>
+          </a:bodyPr>
+          <a:lstStyle/>
+          <a:p>
+            <a:pPr algn="r">
+              <a:defRPr/>
+            </a:pPr>
+            <a:r>
+              <a:rPr lang="ko-KR" altLang="en-US" sz="1400">
+                <a:latin typeface="210 스탠다드 030"/>
+                <a:ea typeface="210 스탠다드 030"/>
+              </a:rPr>
+              <a:t>출처 어반브러시 </a:t>
+            </a:r>
+            <a:r>
+              <a:rPr lang="en-US" altLang="ko-KR" sz="1400">
+                <a:latin typeface="210 스탠다드 030"/>
+                <a:ea typeface="210 스탠다드 030"/>
+              </a:rPr>
+              <a:t>Tommy</a:t>
+            </a:r>
+            <a:endParaRPr lang="ko-KR" altLang="en-US" sz="1400">
+              <a:latin typeface="210 스탠다드 030"/>
+              <a:ea typeface="210 스탠다드 030"/>
+            </a:endParaRPr>
+          </a:p>
+        </p:txBody>
+      </p:sp>
+      <p:pic>
+        <p:nvPicPr>
+          <p:cNvPr id="10" name="그림 9"/>
+          <p:cNvPicPr>
+            <a:picLocks noChangeAspect="1"/>
+          </p:cNvPicPr>
+          <p:nvPr/>
+        </p:nvPicPr>
+        <p:blipFill rotWithShape="1">
+          <a:blip r:embed="rId2">
+            <a:duotone>
+              <a:schemeClr val="accent3">
+                <a:shade val="45000"/>
+                <a:satMod val="135000"/>
+              </a:schemeClr>
+              <a:prstClr val="white"/>
+            </a:duotone>
+          </a:blip>
+          <a:srcRect l="9830" t="7110" r="34880" b="17640"/>
+          <a:stretch>
+            <a:fillRect/>
+          </a:stretch>
+        </p:blipFill>
+        <p:spPr>
+          <a:xfrm flipH="1">
+            <a:off x="8524889" y="972028"/>
+            <a:ext cx="3578088" cy="5160176"/>
+          </a:xfrm>
+          <a:prstGeom prst="rect">
+            <a:avLst/>
+          </a:prstGeom>
+        </p:spPr>
+      </p:pic>
+      <p:sp>
+        <p:nvSpPr>
+          <p:cNvPr id="36" name="TextBox 35"/>
+          <p:cNvSpPr txBox="1"/>
+          <p:nvPr/>
+        </p:nvSpPr>
+        <p:spPr>
+          <a:xfrm>
+            <a:off x="5353147" y="732599"/>
+            <a:ext cx="1499547" cy="446596"/>
+          </a:xfrm>
+          <a:prstGeom prst="rect">
+            <a:avLst/>
+          </a:prstGeom>
+          <a:noFill/>
+          <a:ln w="9525">
+            <a:noFill/>
+          </a:ln>
+        </p:spPr>
+        <p:txBody>
+          <a:bodyPr wrap="square">
+            <a:spAutoFit/>
+          </a:bodyPr>
+          <a:lstStyle/>
+          <a:p>
+            <a:pPr lvl="0">
+              <a:defRPr/>
+            </a:pPr>
+            <a:r>
+              <a:rPr lang="ko-KR" altLang="en-US" sz="2400">
+                <a:solidFill>
+                  <a:schemeClr val="tx1">
+                    <a:alpha val="71000"/>
+                  </a:schemeClr>
+                </a:solidFill>
+                <a:latin typeface="DX영화자막 M"/>
+                <a:ea typeface="DX영화자막 M"/>
+              </a:rPr>
+              <a:t>작가소개</a:t>
+            </a:r>
+            <a:endParaRPr lang="ko-KR" altLang="en-US" sz="2400">
+              <a:solidFill>
+                <a:schemeClr val="tx1">
+                  <a:alpha val="71000"/>
+                </a:schemeClr>
+              </a:solidFill>
+              <a:latin typeface="DX영화자막 M"/>
+              <a:ea typeface="DX영화자막 M"/>
+            </a:endParaRPr>
+          </a:p>
+        </p:txBody>
+      </p:sp>
+      <p:pic>
+        <p:nvPicPr>
+          <p:cNvPr id="8" name="그림 7"/>
+          <p:cNvPicPr>
+            <a:picLocks noChangeAspect="1"/>
+          </p:cNvPicPr>
+          <p:nvPr/>
+        </p:nvPicPr>
+        <p:blipFill rotWithShape="1">
+          <a:blip r:embed="rId3"/>
+          <a:stretch>
+            <a:fillRect/>
+          </a:stretch>
+        </p:blipFill>
+        <p:spPr>
+          <a:xfrm>
+            <a:off x="0" y="-1"/>
+            <a:ext cx="12192000" cy="9134475"/>
+          </a:xfrm>
+          <a:prstGeom prst="rect">
+            <a:avLst/>
+          </a:prstGeom>
+        </p:spPr>
+      </p:pic>
+      <p:sp>
+        <p:nvSpPr>
+          <p:cNvPr id="17" name="TextBox 16"/>
+          <p:cNvSpPr txBox="1"/>
+          <p:nvPr/>
+        </p:nvSpPr>
+        <p:spPr>
+          <a:xfrm flipH="1">
+            <a:off x="5041092" y="342101"/>
+            <a:ext cx="2123658" cy="294169"/>
+          </a:xfrm>
+          <a:prstGeom prst="rect">
+            <a:avLst/>
+          </a:prstGeom>
+          <a:noFill/>
+        </p:spPr>
+        <p:txBody>
+          <a:bodyPr vert="horz" wrap="square">
+            <a:spAutoFit/>
+          </a:bodyPr>
+          <a:lstStyle/>
+          <a:p>
+            <a:pPr algn="dist">
+              <a:defRPr/>
+            </a:pPr>
+            <a:r>
+              <a:rPr lang="en-US" altLang="ko-KR" sz="1400">
+                <a:solidFill>
+                  <a:schemeClr val="tx1">
+                    <a:alpha val="71000"/>
+                  </a:schemeClr>
+                </a:solidFill>
+                <a:latin typeface="DX영화자막 M"/>
+                <a:ea typeface="DX영화자막 M"/>
+              </a:rPr>
+              <a:t>SLOW THINKING</a:t>
+            </a:r>
+            <a:endParaRPr lang="ko-KR" altLang="en-US" sz="1400">
+              <a:solidFill>
+                <a:schemeClr val="tx1">
+                  <a:alpha val="71000"/>
+                </a:schemeClr>
+              </a:solidFill>
+              <a:latin typeface="DX영화자막 M"/>
+              <a:ea typeface="DX영화자막 M"/>
+            </a:endParaRPr>
+          </a:p>
+        </p:txBody>
+      </p:sp>
+      <p:sp>
+        <p:nvSpPr>
+          <p:cNvPr id="19" name="TextBox 18"/>
+          <p:cNvSpPr txBox="1"/>
+          <p:nvPr/>
+        </p:nvSpPr>
+        <p:spPr>
+          <a:xfrm>
+            <a:off x="2065935" y="888541"/>
+            <a:ext cx="8060130" cy="453357"/>
+          </a:xfrm>
+          <a:prstGeom prst="rect">
+            <a:avLst/>
+          </a:prstGeom>
+          <a:noFill/>
+          <a:ln w="9525">
+            <a:noFill/>
+          </a:ln>
+        </p:spPr>
+        <p:txBody>
+          <a:bodyPr wrap="square">
+            <a:spAutoFit/>
+          </a:bodyPr>
+          <a:lstStyle/>
+          <a:p>
+            <a:pPr lvl="0">
+              <a:defRPr/>
+            </a:pPr>
+            <a:r>
+              <a:rPr lang="ko-KR" altLang="en-US" sz="2400">
+                <a:solidFill>
+                  <a:schemeClr val="tx1">
+                    <a:alpha val="71000"/>
+                  </a:schemeClr>
+                </a:solidFill>
+                <a:latin typeface="DX영화자막 M"/>
+                <a:ea typeface="DX영화자막 M"/>
+              </a:rPr>
+              <a:t>하루에 여러 과목보다는 한 과목을 일주일 이상 집중 적으로</a:t>
+            </a:r>
+            <a:endParaRPr lang="ko-KR" altLang="en-US" sz="2400">
+              <a:solidFill>
+                <a:schemeClr val="tx1">
+                  <a:alpha val="71000"/>
+                </a:schemeClr>
+              </a:solidFill>
+              <a:latin typeface="DX영화자막 M"/>
+              <a:ea typeface="DX영화자막 M"/>
+            </a:endParaRPr>
+          </a:p>
+        </p:txBody>
+      </p:sp>
+      <p:grpSp>
+        <p:nvGrpSpPr>
+          <p:cNvPr id="20" name="그룹 19"/>
+          <p:cNvGrpSpPr/>
+          <p:nvPr/>
+        </p:nvGrpSpPr>
+        <p:grpSpPr>
+          <a:xfrm rot="0">
+            <a:off x="393325" y="3093612"/>
+            <a:ext cx="163649" cy="975576"/>
+            <a:chOff x="306686" y="3281373"/>
+            <a:chExt cx="163649" cy="975576"/>
+          </a:xfrm>
+        </p:grpSpPr>
+        <p:cxnSp>
+          <p:nvCxnSpPr>
+            <p:cNvPr id="21" name="직선 연결선 20"/>
+            <p:cNvCxnSpPr/>
+            <p:nvPr/>
+          </p:nvCxnSpPr>
+          <p:spPr>
+            <a:xfrm>
+              <a:off x="306686" y="4127358"/>
+              <a:ext cx="160637" cy="129591"/>
+            </a:xfrm>
+            <a:prstGeom prst="line">
+              <a:avLst/>
+            </a:prstGeom>
+            <a:ln w="12700">
+              <a:solidFill>
+                <a:srgbClr val="ac9d8e"/>
+              </a:solidFill>
+            </a:ln>
+          </p:spPr>
+          <p:style>
+            <a:lnRef idx="1">
+              <a:schemeClr val="accent1"/>
+            </a:lnRef>
+            <a:fillRef idx="0">
+              <a:schemeClr val="accent1"/>
+            </a:fillRef>
+            <a:effectRef idx="0">
+              <a:schemeClr val="accent1"/>
+            </a:effectRef>
+            <a:fontRef idx="minor">
+              <a:schemeClr val="tx1"/>
+            </a:fontRef>
+          </p:style>
+        </p:cxnSp>
+        <p:cxnSp>
+          <p:nvCxnSpPr>
+            <p:cNvPr id="23" name="직선 연결선 22"/>
+            <p:cNvCxnSpPr/>
+            <p:nvPr/>
+          </p:nvCxnSpPr>
+          <p:spPr>
+            <a:xfrm>
+              <a:off x="306686" y="3838775"/>
+              <a:ext cx="160637" cy="129591"/>
+            </a:xfrm>
+            <a:prstGeom prst="line">
+              <a:avLst/>
+            </a:prstGeom>
+            <a:ln w="12700">
+              <a:solidFill>
+                <a:srgbClr val="ac9d8e"/>
+              </a:solidFill>
+            </a:ln>
+          </p:spPr>
+          <p:style>
+            <a:lnRef idx="1">
+              <a:schemeClr val="accent1"/>
+            </a:lnRef>
+            <a:fillRef idx="0">
+              <a:schemeClr val="accent1"/>
+            </a:fillRef>
+            <a:effectRef idx="0">
+              <a:schemeClr val="accent1"/>
+            </a:effectRef>
+            <a:fontRef idx="minor">
+              <a:schemeClr val="tx1"/>
+            </a:fontRef>
+          </p:style>
+        </p:cxnSp>
+        <p:cxnSp>
+          <p:nvCxnSpPr>
+            <p:cNvPr id="25" name="직선 연결선 24"/>
+            <p:cNvCxnSpPr/>
+            <p:nvPr/>
+          </p:nvCxnSpPr>
+          <p:spPr>
+            <a:xfrm>
+              <a:off x="306686" y="3550192"/>
+              <a:ext cx="160637" cy="129591"/>
+            </a:xfrm>
+            <a:prstGeom prst="line">
+              <a:avLst/>
+            </a:prstGeom>
+            <a:ln w="12700">
+              <a:solidFill>
+                <a:srgbClr val="ac9d8e"/>
+              </a:solidFill>
+            </a:ln>
+          </p:spPr>
+          <p:style>
+            <a:lnRef idx="1">
+              <a:schemeClr val="accent1"/>
+            </a:lnRef>
+            <a:fillRef idx="0">
+              <a:schemeClr val="accent1"/>
+            </a:fillRef>
+            <a:effectRef idx="0">
+              <a:schemeClr val="accent1"/>
+            </a:effectRef>
+            <a:fontRef idx="minor">
+              <a:schemeClr val="tx1"/>
+            </a:fontRef>
+          </p:style>
+        </p:cxnSp>
+        <p:cxnSp>
+          <p:nvCxnSpPr>
+            <p:cNvPr id="26" name="직선 연결선 25"/>
+            <p:cNvCxnSpPr/>
+            <p:nvPr/>
+          </p:nvCxnSpPr>
+          <p:spPr>
+            <a:xfrm>
+              <a:off x="309698" y="3281373"/>
+              <a:ext cx="160637" cy="129591"/>
+            </a:xfrm>
+            <a:prstGeom prst="line">
+              <a:avLst/>
+            </a:prstGeom>
+            <a:ln w="12700">
+              <a:solidFill>
+                <a:srgbClr val="ac9d8e"/>
+              </a:solidFill>
+            </a:ln>
+          </p:spPr>
+          <p:style>
+            <a:lnRef idx="1">
+              <a:schemeClr val="accent1"/>
+            </a:lnRef>
+            <a:fillRef idx="0">
+              <a:schemeClr val="accent1"/>
+            </a:fillRef>
+            <a:effectRef idx="0">
+              <a:schemeClr val="accent1"/>
+            </a:effectRef>
+            <a:fontRef idx="minor">
+              <a:schemeClr val="tx1"/>
+            </a:fontRef>
+          </p:style>
+        </p:cxnSp>
+      </p:grpSp>
+      <p:sp>
+        <p:nvSpPr>
+          <p:cNvPr id="33" name="순서도: 처리 61"/>
+          <p:cNvSpPr/>
+          <p:nvPr/>
+        </p:nvSpPr>
+        <p:spPr>
+          <a:xfrm>
+            <a:off x="2138032" y="1753167"/>
+            <a:ext cx="7915937" cy="4484864"/>
+          </a:xfrm>
+          <a:custGeom>
+            <a:avLst/>
+            <a:gdLst>
+              <a:gd name="connsiteX0" fmla="*/ 0 w 5799809"/>
+              <a:gd name="connsiteY0" fmla="*/ 0 h 425946"/>
+              <a:gd name="connsiteX1" fmla="*/ 470429 w 5799809"/>
+              <a:gd name="connsiteY1" fmla="*/ 0 h 425946"/>
+              <a:gd name="connsiteX2" fmla="*/ 1056854 w 5799809"/>
+              <a:gd name="connsiteY2" fmla="*/ 0 h 425946"/>
+              <a:gd name="connsiteX3" fmla="*/ 1585281 w 5799809"/>
+              <a:gd name="connsiteY3" fmla="*/ 0 h 425946"/>
+              <a:gd name="connsiteX4" fmla="*/ 2113708 w 5799809"/>
+              <a:gd name="connsiteY4" fmla="*/ 0 h 425946"/>
+              <a:gd name="connsiteX5" fmla="*/ 2758131 w 5799809"/>
+              <a:gd name="connsiteY5" fmla="*/ 0 h 425946"/>
+              <a:gd name="connsiteX6" fmla="*/ 3402555 w 5799809"/>
+              <a:gd name="connsiteY6" fmla="*/ 0 h 425946"/>
+              <a:gd name="connsiteX7" fmla="*/ 3930982 w 5799809"/>
+              <a:gd name="connsiteY7" fmla="*/ 0 h 425946"/>
+              <a:gd name="connsiteX8" fmla="*/ 4633403 w 5799809"/>
+              <a:gd name="connsiteY8" fmla="*/ 0 h 425946"/>
+              <a:gd name="connsiteX9" fmla="*/ 5103832 w 5799809"/>
+              <a:gd name="connsiteY9" fmla="*/ 0 h 425946"/>
+              <a:gd name="connsiteX10" fmla="*/ 5799809 w 5799809"/>
+              <a:gd name="connsiteY10" fmla="*/ 0 h 425946"/>
+              <a:gd name="connsiteX11" fmla="*/ 5799809 w 5799809"/>
+              <a:gd name="connsiteY11" fmla="*/ 425946 h 425946"/>
+              <a:gd name="connsiteX12" fmla="*/ 5155386 w 5799809"/>
+              <a:gd name="connsiteY12" fmla="*/ 425946 h 425946"/>
+              <a:gd name="connsiteX13" fmla="*/ 4684957 w 5799809"/>
+              <a:gd name="connsiteY13" fmla="*/ 425946 h 425946"/>
+              <a:gd name="connsiteX14" fmla="*/ 4040534 w 5799809"/>
+              <a:gd name="connsiteY14" fmla="*/ 425946 h 425946"/>
+              <a:gd name="connsiteX15" fmla="*/ 3338112 w 5799809"/>
+              <a:gd name="connsiteY15" fmla="*/ 425946 h 425946"/>
+              <a:gd name="connsiteX16" fmla="*/ 2809685 w 5799809"/>
+              <a:gd name="connsiteY16" fmla="*/ 425946 h 425946"/>
+              <a:gd name="connsiteX17" fmla="*/ 2165262 w 5799809"/>
+              <a:gd name="connsiteY17" fmla="*/ 425946 h 425946"/>
+              <a:gd name="connsiteX18" fmla="*/ 1462841 w 5799809"/>
+              <a:gd name="connsiteY18" fmla="*/ 425946 h 425946"/>
+              <a:gd name="connsiteX19" fmla="*/ 818417 w 5799809"/>
+              <a:gd name="connsiteY19" fmla="*/ 425946 h 425946"/>
+              <a:gd name="connsiteX20" fmla="*/ 0 w 5799809"/>
+              <a:gd name="connsiteY20" fmla="*/ 425946 h 425946"/>
+              <a:gd name="connsiteX21" fmla="*/ 0 w 5799809"/>
+              <a:gd name="connsiteY21" fmla="*/ 0 h 425946"/>
+            </a:gdLst>
+            <a:cxnLst>
+              <a:cxn ang="0">
+                <a:pos x="connsiteX0" y="connsiteY0"/>
+              </a:cxn>
+              <a:cxn ang="0">
+                <a:pos x="connsiteX1" y="connsiteY1"/>
+              </a:cxn>
+              <a:cxn ang="0">
+                <a:pos x="connsiteX2" y="connsiteY2"/>
+              </a:cxn>
+              <a:cxn ang="0">
+                <a:pos x="connsiteX3" y="connsiteY3"/>
+              </a:cxn>
+              <a:cxn ang="0">
+                <a:pos x="connsiteX4" y="connsiteY4"/>
+              </a:cxn>
+              <a:cxn ang="0">
+                <a:pos x="connsiteX5" y="connsiteY5"/>
+              </a:cxn>
+              <a:cxn ang="0">
+                <a:pos x="connsiteX6" y="connsiteY6"/>
+              </a:cxn>
+              <a:cxn ang="0">
+                <a:pos x="connsiteX7" y="connsiteY7"/>
+              </a:cxn>
+              <a:cxn ang="0">
+                <a:pos x="connsiteX8" y="connsiteY8"/>
+              </a:cxn>
+              <a:cxn ang="0">
+                <a:pos x="connsiteX9" y="connsiteY9"/>
+              </a:cxn>
+              <a:cxn ang="0">
+                <a:pos x="connsiteX10" y="connsiteY10"/>
+              </a:cxn>
+              <a:cxn ang="0">
+                <a:pos x="connsiteX11" y="connsiteY11"/>
+              </a:cxn>
+              <a:cxn ang="0">
+                <a:pos x="connsiteX12" y="connsiteY12"/>
+              </a:cxn>
+              <a:cxn ang="0">
+                <a:pos x="connsiteX13" y="connsiteY13"/>
+              </a:cxn>
+              <a:cxn ang="0">
+                <a:pos x="connsiteX14" y="connsiteY14"/>
+              </a:cxn>
+              <a:cxn ang="0">
+                <a:pos x="connsiteX15" y="connsiteY15"/>
+              </a:cxn>
+              <a:cxn ang="0">
+                <a:pos x="connsiteX16" y="connsiteY16"/>
+              </a:cxn>
+              <a:cxn ang="0">
+                <a:pos x="connsiteX17" y="connsiteY17"/>
+              </a:cxn>
+              <a:cxn ang="0">
+                <a:pos x="connsiteX18" y="connsiteY18"/>
+              </a:cxn>
+              <a:cxn ang="0">
+                <a:pos x="connsiteX19" y="connsiteY19"/>
+              </a:cxn>
+              <a:cxn ang="0">
+                <a:pos x="connsiteX20" y="connsiteY20"/>
+              </a:cxn>
+              <a:cxn ang="0">
+                <a:pos x="connsiteX21" y="connsiteY21"/>
+              </a:cxn>
+            </a:cxnLst>
+            <a:rect l="l" t="t" r="r" b="b"/>
+            <a:pathLst>
+              <a:path w="5799809" h="425946" fill="none" extrusionOk="0">
+                <a:moveTo>
+                  <a:pt x="0" y="0"/>
+                </a:moveTo>
+                <a:cubicBezTo>
+                  <a:pt x="232930" y="11357"/>
+                  <a:pt x="338405" y="-11052"/>
+                  <a:pt x="470429" y="0"/>
+                </a:cubicBezTo>
+                <a:cubicBezTo>
+                  <a:pt x="602453" y="11052"/>
+                  <a:pt x="809389" y="-26878"/>
+                  <a:pt x="1056854" y="0"/>
+                </a:cubicBezTo>
+                <a:cubicBezTo>
+                  <a:pt x="1304320" y="26878"/>
+                  <a:pt x="1468530" y="-24406"/>
+                  <a:pt x="1585281" y="0"/>
+                </a:cubicBezTo>
+                <a:cubicBezTo>
+                  <a:pt x="1702032" y="24406"/>
+                  <a:pt x="2004466" y="14170"/>
+                  <a:pt x="2113708" y="0"/>
+                </a:cubicBezTo>
+                <a:cubicBezTo>
+                  <a:pt x="2222950" y="-14170"/>
+                  <a:pt x="2556011" y="28112"/>
+                  <a:pt x="2758131" y="0"/>
+                </a:cubicBezTo>
+                <a:cubicBezTo>
+                  <a:pt x="2960251" y="-28112"/>
+                  <a:pt x="3097544" y="-7034"/>
+                  <a:pt x="3402555" y="0"/>
+                </a:cubicBezTo>
+                <a:cubicBezTo>
+                  <a:pt x="3707566" y="7034"/>
+                  <a:pt x="3772141" y="4589"/>
+                  <a:pt x="3930982" y="0"/>
+                </a:cubicBezTo>
+                <a:cubicBezTo>
+                  <a:pt x="4089823" y="-4589"/>
+                  <a:pt x="4481847" y="28392"/>
+                  <a:pt x="4633403" y="0"/>
+                </a:cubicBezTo>
+                <a:cubicBezTo>
+                  <a:pt x="4784959" y="-28392"/>
+                  <a:pt x="4910939" y="-2346"/>
+                  <a:pt x="5103832" y="0"/>
+                </a:cubicBezTo>
+                <a:cubicBezTo>
+                  <a:pt x="5296725" y="2346"/>
+                  <a:pt x="5508736" y="-20318"/>
+                  <a:pt x="5799809" y="0"/>
+                </a:cubicBezTo>
+                <a:cubicBezTo>
+                  <a:pt x="5788599" y="198653"/>
+                  <a:pt x="5812935" y="266898"/>
+                  <a:pt x="5799809" y="425946"/>
+                </a:cubicBezTo>
+                <a:cubicBezTo>
+                  <a:pt x="5617430" y="412954"/>
+                  <a:pt x="5331856" y="449678"/>
+                  <a:pt x="5155386" y="425946"/>
+                </a:cubicBezTo>
+                <a:cubicBezTo>
+                  <a:pt x="4978916" y="402214"/>
+                  <a:pt x="4857030" y="423944"/>
+                  <a:pt x="4684957" y="425946"/>
+                </a:cubicBezTo>
+                <a:cubicBezTo>
+                  <a:pt x="4512884" y="427948"/>
+                  <a:pt x="4342832" y="445858"/>
+                  <a:pt x="4040534" y="425946"/>
+                </a:cubicBezTo>
+                <a:cubicBezTo>
+                  <a:pt x="3738236" y="406034"/>
+                  <a:pt x="3513554" y="443777"/>
+                  <a:pt x="3338112" y="425946"/>
+                </a:cubicBezTo>
+                <a:cubicBezTo>
+                  <a:pt x="3162670" y="408115"/>
+                  <a:pt x="3031362" y="412638"/>
+                  <a:pt x="2809685" y="425946"/>
+                </a:cubicBezTo>
+                <a:cubicBezTo>
+                  <a:pt x="2588008" y="439254"/>
+                  <a:pt x="2396513" y="447981"/>
+                  <a:pt x="2165262" y="425946"/>
+                </a:cubicBezTo>
+                <a:cubicBezTo>
+                  <a:pt x="1934011" y="403911"/>
+                  <a:pt x="1762479" y="426888"/>
+                  <a:pt x="1462841" y="425946"/>
+                </a:cubicBezTo>
+                <a:cubicBezTo>
+                  <a:pt x="1163203" y="425004"/>
+                  <a:pt x="955896" y="428651"/>
+                  <a:pt x="818417" y="425946"/>
+                </a:cubicBezTo>
+                <a:cubicBezTo>
+                  <a:pt x="680938" y="423241"/>
+                  <a:pt x="240620" y="433396"/>
+                  <a:pt x="0" y="425946"/>
+                </a:cubicBezTo>
+                <a:cubicBezTo>
+                  <a:pt x="-13937" y="217353"/>
+                  <a:pt x="3380" y="194608"/>
+                  <a:pt x="0" y="0"/>
+                </a:cubicBezTo>
+                <a:close/>
+              </a:path>
+              <a:path w="5799809" h="425946" stroke="0" extrusionOk="0">
+                <a:moveTo>
+                  <a:pt x="0" y="0"/>
+                </a:moveTo>
+                <a:cubicBezTo>
+                  <a:pt x="156451" y="-5263"/>
+                  <a:pt x="344124" y="-7670"/>
+                  <a:pt x="528427" y="0"/>
+                </a:cubicBezTo>
+                <a:cubicBezTo>
+                  <a:pt x="712730" y="7670"/>
+                  <a:pt x="1052845" y="3624"/>
+                  <a:pt x="1288846" y="0"/>
+                </a:cubicBezTo>
+                <a:cubicBezTo>
+                  <a:pt x="1524847" y="-3624"/>
+                  <a:pt x="1572216" y="2669"/>
+                  <a:pt x="1817273" y="0"/>
+                </a:cubicBezTo>
+                <a:cubicBezTo>
+                  <a:pt x="2062330" y="-2669"/>
+                  <a:pt x="2125614" y="-1841"/>
+                  <a:pt x="2287702" y="0"/>
+                </a:cubicBezTo>
+                <a:cubicBezTo>
+                  <a:pt x="2449790" y="1841"/>
+                  <a:pt x="2540838" y="-10545"/>
+                  <a:pt x="2758131" y="0"/>
+                </a:cubicBezTo>
+                <a:cubicBezTo>
+                  <a:pt x="2975424" y="10545"/>
+                  <a:pt x="3070417" y="16952"/>
+                  <a:pt x="3286558" y="0"/>
+                </a:cubicBezTo>
+                <a:cubicBezTo>
+                  <a:pt x="3502699" y="-16952"/>
+                  <a:pt x="3772879" y="25154"/>
+                  <a:pt x="4046978" y="0"/>
+                </a:cubicBezTo>
+                <a:cubicBezTo>
+                  <a:pt x="4321077" y="-25154"/>
+                  <a:pt x="4471091" y="-15419"/>
+                  <a:pt x="4691401" y="0"/>
+                </a:cubicBezTo>
+                <a:cubicBezTo>
+                  <a:pt x="4911711" y="15419"/>
+                  <a:pt x="5486808" y="-34903"/>
+                  <a:pt x="5799809" y="0"/>
+                </a:cubicBezTo>
+                <a:cubicBezTo>
+                  <a:pt x="5811781" y="117662"/>
+                  <a:pt x="5813135" y="213997"/>
+                  <a:pt x="5799809" y="425946"/>
+                </a:cubicBezTo>
+                <a:cubicBezTo>
+                  <a:pt x="5631023" y="426859"/>
+                  <a:pt x="5495897" y="406180"/>
+                  <a:pt x="5329380" y="425946"/>
+                </a:cubicBezTo>
+                <a:cubicBezTo>
+                  <a:pt x="5162863" y="445712"/>
+                  <a:pt x="4971538" y="414601"/>
+                  <a:pt x="4742955" y="425946"/>
+                </a:cubicBezTo>
+                <a:cubicBezTo>
+                  <a:pt x="4514373" y="437291"/>
+                  <a:pt x="4305792" y="401898"/>
+                  <a:pt x="4098532" y="425946"/>
+                </a:cubicBezTo>
+                <a:cubicBezTo>
+                  <a:pt x="3891272" y="449994"/>
+                  <a:pt x="3550710" y="452828"/>
+                  <a:pt x="3396110" y="425946"/>
+                </a:cubicBezTo>
+                <a:cubicBezTo>
+                  <a:pt x="3241510" y="399064"/>
+                  <a:pt x="2987621" y="437035"/>
+                  <a:pt x="2867683" y="425946"/>
+                </a:cubicBezTo>
+                <a:cubicBezTo>
+                  <a:pt x="2747745" y="414857"/>
+                  <a:pt x="2500791" y="420398"/>
+                  <a:pt x="2281258" y="425946"/>
+                </a:cubicBezTo>
+                <a:cubicBezTo>
+                  <a:pt x="2061725" y="431494"/>
+                  <a:pt x="1816635" y="426101"/>
+                  <a:pt x="1636835" y="425946"/>
+                </a:cubicBezTo>
+                <a:cubicBezTo>
+                  <a:pt x="1457035" y="425791"/>
+                  <a:pt x="1307407" y="428836"/>
+                  <a:pt x="1050410" y="425946"/>
+                </a:cubicBezTo>
+                <a:cubicBezTo>
+                  <a:pt x="793414" y="423056"/>
+                  <a:pt x="415100" y="437818"/>
+                  <a:pt x="0" y="425946"/>
+                </a:cubicBezTo>
+                <a:cubicBezTo>
+                  <a:pt x="553" y="260129"/>
+                  <a:pt x="10725" y="188645"/>
+                  <a:pt x="0" y="0"/>
+                </a:cubicBezTo>
+                <a:close/>
+              </a:path>
+            </a:pathLst>
+          </a:custGeom>
+          <a:solidFill>
+            <a:schemeClr val="accent4">
+              <a:lumMod val="40000"/>
+              <a:lumOff val="60000"/>
+              <a:alpha val="35000"/>
+            </a:schemeClr>
+          </a:solidFill>
+          <a:ln>
+            <a:solidFill>
+              <a:schemeClr val="accent4">
+                <a:lumMod val="40000"/>
+                <a:lumOff val="60000"/>
+              </a:schemeClr>
+            </a:solidFill>
+          </a:ln>
+        </p:spPr>
+        <p:style>
+          <a:lnRef idx="2">
+            <a:schemeClr val="accent1">
+              <a:shade val="50000"/>
+            </a:schemeClr>
+          </a:lnRef>
+          <a:fillRef idx="1">
+            <a:schemeClr val="accent1"/>
+          </a:fillRef>
+          <a:effectRef idx="0">
+            <a:schemeClr val="accent1"/>
+          </a:effectRef>
+          <a:fontRef idx="minor">
+            <a:schemeClr val="lt1"/>
+          </a:fontRef>
+        </p:style>
+        <p:txBody>
+          <a:bodyPr anchor="ctr"/>
+          <a:lstStyle/>
+          <a:p>
+            <a:pPr algn="ctr">
+              <a:defRPr/>
+            </a:pPr>
+            <a:endParaRPr lang="ko-KR" altLang="en-US"/>
+          </a:p>
+        </p:txBody>
+      </p:sp>
+      <p:sp>
+        <p:nvSpPr>
+          <p:cNvPr id="60" name="TextBox 11"/>
+          <p:cNvSpPr txBox="1"/>
+          <p:nvPr/>
+        </p:nvSpPr>
+        <p:spPr>
+          <a:xfrm>
+            <a:off x="6625512" y="3662265"/>
+            <a:ext cx="4744601" cy="641130"/>
+          </a:xfrm>
+          <a:prstGeom prst="rect">
+            <a:avLst/>
+          </a:prstGeom>
+          <a:noFill/>
+        </p:spPr>
+        <p:txBody>
+          <a:bodyPr vert="horz" wrap="square" lIns="91440" tIns="45720" rIns="91440" bIns="45720" anchor="t">
+            <a:spAutoFit/>
+          </a:bodyPr>
+          <a:lstStyle/>
+          <a:p>
+            <a:pPr algn="ctr">
+              <a:lnSpc>
+                <a:spcPct val="150000"/>
+              </a:lnSpc>
+              <a:defRPr/>
+            </a:pPr>
+            <a:endParaRPr lang="ko-KR" altLang="en-US" sz="2400" kern="1400">
+              <a:solidFill>
+                <a:schemeClr val="tx1"/>
+              </a:solidFill>
+              <a:latin typeface="DX영화자막 M"/>
+              <a:ea typeface="DX영화자막 M"/>
+            </a:endParaRPr>
+          </a:p>
+        </p:txBody>
+      </p:sp>
+      <p:pic>
+        <p:nvPicPr>
+          <p:cNvPr id="68" name=""/>
+          <p:cNvPicPr>
+            <a:picLocks noChangeAspect="1"/>
+          </p:cNvPicPr>
+          <p:nvPr/>
+        </p:nvPicPr>
+        <p:blipFill rotWithShape="1">
+          <a:blip r:embed="rId4"/>
+          <a:stretch>
+            <a:fillRect/>
+          </a:stretch>
+        </p:blipFill>
+        <p:spPr>
+          <a:xfrm>
+            <a:off x="3518182" y="1817602"/>
+            <a:ext cx="5155636" cy="4297934"/>
+          </a:xfrm>
+          <a:prstGeom prst="rect">
+            <a:avLst/>
+          </a:prstGeom>
+        </p:spPr>
+      </p:pic>
+    </p:spTree>
+  </p:cSld>
+  <p:clrMapOvr>
+    <a:masterClrMapping/>
+  </p:clrMapOvr>
+  <mc:AlternateContent xmlns:mc="http://schemas.openxmlformats.org/markup-compatibility/2006">
+    <mc:Choice xmlns:p14="http://schemas.microsoft.com/office/powerpoint/2010/main" Requires="p14">
+      <p:transition xmlns:mc="http://schemas.openxmlformats.org/markup-compatibility/2006" xmlns:p14="http://schemas.microsoft.com/office/powerpoint/2010/main" mc:Ignorable="p14" p14:dur="500"/>
+    </mc:Choice>
+    <mc:Fallback>
+      <p:transition/>
+    </mc:Fallback>
+  </mc:AlternateContent>
+</p:sld>
+</file>
+
+<file path=ppt/slides/slide13.xml><?xml version="1.0" encoding="utf-8"?>
+<p:sld xmlns:r="http://schemas.openxmlformats.org/officeDocument/2006/relationships" xmlns:c="http://schemas.openxmlformats.org/drawingml/2006/chart" xmlns:a="http://schemas.openxmlformats.org/drawingml/2006/main" xmlns:dgm="http://schemas.openxmlformats.org/drawingml/2006/diagram" xmlns:dsp="http://schemas.microsoft.com/office/drawing/2008/diagram" xmlns:p="http://schemas.openxmlformats.org/presentationml/2006/main">
+  <p:cSld>
+    <p:spTree>
+      <p:nvGrpSpPr>
+        <p:cNvPr id="1" name=""/>
+        <p:cNvGrpSpPr/>
+        <p:nvPr/>
+      </p:nvGrpSpPr>
+      <p:grpSpPr>
+        <a:xfrm>
+          <a:off x="0" y="0"/>
+          <a:ext cx="0" cy="0"/>
+          <a:chOff x="0" y="0"/>
+          <a:chExt cx="0" cy="0"/>
+        </a:xfrm>
+      </p:grpSpPr>
+      <p:sp>
+        <p:nvSpPr>
+          <p:cNvPr id="22" name="TextBox 21"/>
+          <p:cNvSpPr txBox="1"/>
+          <p:nvPr/>
+        </p:nvSpPr>
+        <p:spPr>
+          <a:xfrm flipH="1">
+            <a:off x="5041092" y="342101"/>
+            <a:ext cx="2123658" cy="294169"/>
+          </a:xfrm>
+          <a:prstGeom prst="rect">
+            <a:avLst/>
+          </a:prstGeom>
+          <a:noFill/>
+        </p:spPr>
+        <p:txBody>
+          <a:bodyPr vert="horz" wrap="square">
+            <a:spAutoFit/>
+          </a:bodyPr>
+          <a:lstStyle/>
+          <a:p>
+            <a:pPr algn="dist">
+              <a:defRPr/>
+            </a:pPr>
+            <a:r>
+              <a:rPr lang="en-US" altLang="ko-KR" sz="1400">
+                <a:solidFill>
+                  <a:schemeClr val="tx1">
+                    <a:alpha val="71000"/>
+                  </a:schemeClr>
+                </a:solidFill>
+                <a:latin typeface="DX영화자막 M"/>
+                <a:ea typeface="DX영화자막 M"/>
+              </a:rPr>
+              <a:t>SLOW THINKING</a:t>
+            </a:r>
+            <a:endParaRPr lang="ko-KR" altLang="en-US" sz="1400">
+              <a:solidFill>
+                <a:schemeClr val="tx1">
+                  <a:alpha val="71000"/>
+                </a:schemeClr>
+              </a:solidFill>
+              <a:latin typeface="DX영화자막 M"/>
+              <a:ea typeface="DX영화자막 M"/>
+            </a:endParaRPr>
+          </a:p>
+        </p:txBody>
+      </p:sp>
+      <p:grpSp>
+        <p:nvGrpSpPr>
+          <p:cNvPr id="4" name="그룹 3"/>
+          <p:cNvGrpSpPr/>
+          <p:nvPr/>
+        </p:nvGrpSpPr>
+        <p:grpSpPr>
+          <a:xfrm rot="0">
+            <a:off x="240925" y="2941212"/>
+            <a:ext cx="163649" cy="975576"/>
+            <a:chOff x="306686" y="3281373"/>
+            <a:chExt cx="163649" cy="975576"/>
+          </a:xfrm>
+        </p:grpSpPr>
+        <p:cxnSp>
+          <p:nvCxnSpPr>
+            <p:cNvPr id="3" name="직선 연결선 2"/>
+            <p:cNvCxnSpPr/>
+            <p:nvPr/>
+          </p:nvCxnSpPr>
+          <p:spPr>
+            <a:xfrm>
+              <a:off x="306686" y="4127358"/>
+              <a:ext cx="160637" cy="129591"/>
+            </a:xfrm>
+            <a:prstGeom prst="line">
+              <a:avLst/>
+            </a:prstGeom>
+            <a:ln w="12700">
+              <a:solidFill>
+                <a:srgbClr val="ac9d8e"/>
+              </a:solidFill>
+            </a:ln>
+          </p:spPr>
+          <p:style>
+            <a:lnRef idx="1">
+              <a:schemeClr val="accent1"/>
+            </a:lnRef>
+            <a:fillRef idx="0">
+              <a:schemeClr val="accent1"/>
+            </a:fillRef>
+            <a:effectRef idx="0">
+              <a:schemeClr val="accent1"/>
+            </a:effectRef>
+            <a:fontRef idx="minor">
+              <a:schemeClr val="tx1"/>
+            </a:fontRef>
+          </p:style>
+        </p:cxnSp>
+        <p:cxnSp>
+          <p:nvCxnSpPr>
+            <p:cNvPr id="40" name="직선 연결선 39"/>
+            <p:cNvCxnSpPr/>
+            <p:nvPr/>
+          </p:nvCxnSpPr>
+          <p:spPr>
+            <a:xfrm>
+              <a:off x="306686" y="3838775"/>
+              <a:ext cx="160637" cy="129591"/>
+            </a:xfrm>
+            <a:prstGeom prst="line">
+              <a:avLst/>
+            </a:prstGeom>
+            <a:ln w="12700">
+              <a:solidFill>
+                <a:srgbClr val="ac9d8e"/>
+              </a:solidFill>
+            </a:ln>
+          </p:spPr>
+          <p:style>
+            <a:lnRef idx="1">
+              <a:schemeClr val="accent1"/>
+            </a:lnRef>
+            <a:fillRef idx="0">
+              <a:schemeClr val="accent1"/>
+            </a:fillRef>
+            <a:effectRef idx="0">
+              <a:schemeClr val="accent1"/>
+            </a:effectRef>
+            <a:fontRef idx="minor">
+              <a:schemeClr val="tx1"/>
+            </a:fontRef>
+          </p:style>
+        </p:cxnSp>
+        <p:cxnSp>
+          <p:nvCxnSpPr>
+            <p:cNvPr id="49" name="직선 연결선 48"/>
+            <p:cNvCxnSpPr/>
+            <p:nvPr/>
+          </p:nvCxnSpPr>
+          <p:spPr>
+            <a:xfrm>
+              <a:off x="306686" y="3550192"/>
+              <a:ext cx="160637" cy="129591"/>
+            </a:xfrm>
+            <a:prstGeom prst="line">
+              <a:avLst/>
+            </a:prstGeom>
+            <a:ln w="12700">
+              <a:solidFill>
+                <a:srgbClr val="ac9d8e"/>
+              </a:solidFill>
+            </a:ln>
+          </p:spPr>
+          <p:style>
+            <a:lnRef idx="1">
+              <a:schemeClr val="accent1"/>
+            </a:lnRef>
+            <a:fillRef idx="0">
+              <a:schemeClr val="accent1"/>
+            </a:fillRef>
+            <a:effectRef idx="0">
+              <a:schemeClr val="accent1"/>
+            </a:effectRef>
+            <a:fontRef idx="minor">
+              <a:schemeClr val="tx1"/>
+            </a:fontRef>
+          </p:style>
+        </p:cxnSp>
+        <p:cxnSp>
+          <p:nvCxnSpPr>
+            <p:cNvPr id="51" name="직선 연결선 50"/>
+            <p:cNvCxnSpPr/>
+            <p:nvPr/>
+          </p:nvCxnSpPr>
+          <p:spPr>
+            <a:xfrm>
+              <a:off x="309698" y="3281373"/>
+              <a:ext cx="160637" cy="129591"/>
+            </a:xfrm>
+            <a:prstGeom prst="line">
+              <a:avLst/>
+            </a:prstGeom>
+            <a:ln w="12700">
+              <a:solidFill>
+                <a:srgbClr val="ac9d8e"/>
+              </a:solidFill>
+            </a:ln>
+          </p:spPr>
+          <p:style>
+            <a:lnRef idx="1">
+              <a:schemeClr val="accent1"/>
+            </a:lnRef>
+            <a:fillRef idx="0">
+              <a:schemeClr val="accent1"/>
+            </a:fillRef>
+            <a:effectRef idx="0">
+              <a:schemeClr val="accent1"/>
+            </a:effectRef>
+            <a:fontRef idx="minor">
+              <a:schemeClr val="tx1"/>
+            </a:fontRef>
+          </p:style>
+        </p:cxnSp>
+      </p:grpSp>
+      <p:sp>
+        <p:nvSpPr>
+          <p:cNvPr id="2" name="TextBox 1"/>
+          <p:cNvSpPr txBox="1"/>
+          <p:nvPr/>
+        </p:nvSpPr>
+        <p:spPr>
+          <a:xfrm>
+            <a:off x="1268142" y="1611934"/>
+            <a:ext cx="6189707" cy="646331"/>
+          </a:xfrm>
+          <a:prstGeom prst="rect">
+            <a:avLst/>
+          </a:prstGeom>
+          <a:noFill/>
+        </p:spPr>
+        <p:txBody>
+          <a:bodyPr wrap="square">
+            <a:spAutoFit/>
+          </a:bodyPr>
+          <a:lstStyle/>
+          <a:p>
+            <a:pPr lvl="0">
+              <a:defRPr/>
+            </a:pPr>
+            <a:r>
+              <a:rPr lang="ko-KR" altLang="en-US" sz="3600">
+                <a:latin typeface="DX영화자막 M"/>
+                <a:ea typeface="DX영화자막 M"/>
+              </a:rPr>
+              <a:t>홍논문</a:t>
+            </a:r>
+            <a:endParaRPr lang="en-US" altLang="ko-KR" sz="3600">
+              <a:latin typeface="DX영화자막 M"/>
+              <a:ea typeface="DX영화자막 M"/>
+            </a:endParaRPr>
+          </a:p>
+        </p:txBody>
+      </p:sp>
+      <p:sp>
+        <p:nvSpPr>
+          <p:cNvPr id="5" name="직사각형 4"/>
+          <p:cNvSpPr/>
+          <p:nvPr/>
+        </p:nvSpPr>
+        <p:spPr>
+          <a:xfrm>
+            <a:off x="1431961" y="2449168"/>
+            <a:ext cx="885524" cy="487788"/>
+          </a:xfrm>
+          <a:custGeom>
+            <a:avLst/>
+            <a:gdLst>
+              <a:gd name="connsiteX0" fmla="*/ 0 w 885524"/>
+              <a:gd name="connsiteY0" fmla="*/ 0 h 487788"/>
+              <a:gd name="connsiteX1" fmla="*/ 885524 w 885524"/>
+              <a:gd name="connsiteY1" fmla="*/ 0 h 487788"/>
+              <a:gd name="connsiteX2" fmla="*/ 885524 w 885524"/>
+              <a:gd name="connsiteY2" fmla="*/ 487788 h 487788"/>
+              <a:gd name="connsiteX3" fmla="*/ 0 w 885524"/>
+              <a:gd name="connsiteY3" fmla="*/ 487788 h 487788"/>
+              <a:gd name="connsiteX4" fmla="*/ 0 w 885524"/>
+              <a:gd name="connsiteY4" fmla="*/ 0 h 487788"/>
+            </a:gdLst>
+            <a:cxnLst>
+              <a:cxn ang="0">
+                <a:pos x="connsiteX0" y="connsiteY0"/>
+              </a:cxn>
+              <a:cxn ang="0">
+                <a:pos x="connsiteX1" y="connsiteY1"/>
+              </a:cxn>
+              <a:cxn ang="0">
+                <a:pos x="connsiteX2" y="connsiteY2"/>
+              </a:cxn>
+              <a:cxn ang="0">
+                <a:pos x="connsiteX3" y="connsiteY3"/>
+              </a:cxn>
+              <a:cxn ang="0">
+                <a:pos x="connsiteX4" y="connsiteY4"/>
+              </a:cxn>
+            </a:cxnLst>
+            <a:rect l="l" t="t" r="r" b="b"/>
+            <a:pathLst>
+              <a:path w="885524" h="487788" extrusionOk="0">
+                <a:moveTo>
+                  <a:pt x="0" y="0"/>
+                </a:moveTo>
+                <a:cubicBezTo>
+                  <a:pt x="147585" y="73323"/>
+                  <a:pt x="474504" y="43906"/>
+                  <a:pt x="885524" y="0"/>
+                </a:cubicBezTo>
+                <a:cubicBezTo>
+                  <a:pt x="866863" y="85762"/>
+                  <a:pt x="848666" y="279246"/>
+                  <a:pt x="885524" y="487788"/>
+                </a:cubicBezTo>
+                <a:cubicBezTo>
+                  <a:pt x="603390" y="566340"/>
+                  <a:pt x="377373" y="441160"/>
+                  <a:pt x="0" y="487788"/>
+                </a:cubicBezTo>
+                <a:cubicBezTo>
+                  <a:pt x="14357" y="340894"/>
+                  <a:pt x="31857" y="149382"/>
+                  <a:pt x="0" y="0"/>
+                </a:cubicBezTo>
+                <a:close/>
+              </a:path>
+            </a:pathLst>
+          </a:custGeom>
+          <a:noFill/>
+          <a:ln>
+            <a:solidFill>
+              <a:srgbClr val="9a8b85"/>
+            </a:solidFill>
+          </a:ln>
+        </p:spPr>
+        <p:style>
+          <a:lnRef idx="2">
+            <a:schemeClr val="accent1">
+              <a:shade val="50000"/>
+            </a:schemeClr>
+          </a:lnRef>
+          <a:fillRef idx="1">
+            <a:schemeClr val="accent1"/>
+          </a:fillRef>
+          <a:effectRef idx="0">
+            <a:schemeClr val="accent1"/>
+          </a:effectRef>
+          <a:fontRef idx="minor">
+            <a:schemeClr val="lt1"/>
+          </a:fontRef>
+        </p:style>
+        <p:txBody>
+          <a:bodyPr anchor="ctr"/>
+          <a:lstStyle/>
+          <a:p>
+            <a:pPr algn="ctr">
+              <a:defRPr/>
+            </a:pPr>
+            <a:endParaRPr lang="ko-KR" altLang="en-US"/>
+          </a:p>
+        </p:txBody>
+      </p:sp>
+      <p:sp>
+        <p:nvSpPr>
+          <p:cNvPr id="24" name="직사각형 23"/>
+          <p:cNvSpPr/>
+          <p:nvPr/>
+        </p:nvSpPr>
+        <p:spPr>
+          <a:xfrm>
+            <a:off x="1410413" y="2487669"/>
+            <a:ext cx="885524" cy="487788"/>
+          </a:xfrm>
+          <a:custGeom>
+            <a:avLst/>
+            <a:gdLst>
+              <a:gd name="connsiteX0" fmla="*/ 0 w 885524"/>
+              <a:gd name="connsiteY0" fmla="*/ 0 h 487788"/>
+              <a:gd name="connsiteX1" fmla="*/ 442762 w 885524"/>
+              <a:gd name="connsiteY1" fmla="*/ 0 h 487788"/>
+              <a:gd name="connsiteX2" fmla="*/ 885524 w 885524"/>
+              <a:gd name="connsiteY2" fmla="*/ 0 h 487788"/>
+              <a:gd name="connsiteX3" fmla="*/ 885524 w 885524"/>
+              <a:gd name="connsiteY3" fmla="*/ 487788 h 487788"/>
+              <a:gd name="connsiteX4" fmla="*/ 425052 w 885524"/>
+              <a:gd name="connsiteY4" fmla="*/ 487788 h 487788"/>
+              <a:gd name="connsiteX5" fmla="*/ 0 w 885524"/>
+              <a:gd name="connsiteY5" fmla="*/ 487788 h 487788"/>
+              <a:gd name="connsiteX6" fmla="*/ 0 w 885524"/>
+              <a:gd name="connsiteY6" fmla="*/ 0 h 487788"/>
+            </a:gdLst>
+            <a:cxnLst>
+              <a:cxn ang="0">
+                <a:pos x="connsiteX0" y="connsiteY0"/>
+              </a:cxn>
+              <a:cxn ang="0">
+                <a:pos x="connsiteX1" y="connsiteY1"/>
+              </a:cxn>
+              <a:cxn ang="0">
+                <a:pos x="connsiteX2" y="connsiteY2"/>
+              </a:cxn>
+              <a:cxn ang="0">
+                <a:pos x="connsiteX3" y="connsiteY3"/>
+              </a:cxn>
+              <a:cxn ang="0">
+                <a:pos x="connsiteX4" y="connsiteY4"/>
+              </a:cxn>
+              <a:cxn ang="0">
+                <a:pos x="connsiteX5" y="connsiteY5"/>
+              </a:cxn>
+              <a:cxn ang="0">
+                <a:pos x="connsiteX6" y="connsiteY6"/>
+              </a:cxn>
+            </a:cxnLst>
+            <a:rect l="l" t="t" r="r" b="b"/>
+            <a:pathLst>
+              <a:path w="885524" h="487788" fill="none" extrusionOk="0">
+                <a:moveTo>
+                  <a:pt x="0" y="0"/>
+                </a:moveTo>
+                <a:cubicBezTo>
+                  <a:pt x="189876" y="-27532"/>
+                  <a:pt x="326699" y="51795"/>
+                  <a:pt x="442762" y="0"/>
+                </a:cubicBezTo>
+                <a:cubicBezTo>
+                  <a:pt x="558825" y="-51795"/>
+                  <a:pt x="711044" y="33536"/>
+                  <a:pt x="885524" y="0"/>
+                </a:cubicBezTo>
+                <a:cubicBezTo>
+                  <a:pt x="936190" y="142469"/>
+                  <a:pt x="840840" y="332089"/>
+                  <a:pt x="885524" y="487788"/>
+                </a:cubicBezTo>
+                <a:cubicBezTo>
+                  <a:pt x="725718" y="528142"/>
+                  <a:pt x="590941" y="462966"/>
+                  <a:pt x="425052" y="487788"/>
+                </a:cubicBezTo>
+                <a:cubicBezTo>
+                  <a:pt x="259163" y="512610"/>
+                  <a:pt x="96867" y="465139"/>
+                  <a:pt x="0" y="487788"/>
+                </a:cubicBezTo>
+                <a:cubicBezTo>
+                  <a:pt x="-48569" y="321016"/>
+                  <a:pt x="48220" y="217248"/>
+                  <a:pt x="0" y="0"/>
+                </a:cubicBezTo>
+                <a:close/>
+              </a:path>
+              <a:path w="885524" h="487788" stroke="0" extrusionOk="0">
+                <a:moveTo>
+                  <a:pt x="0" y="0"/>
+                </a:moveTo>
+                <a:cubicBezTo>
+                  <a:pt x="122179" y="-35847"/>
+                  <a:pt x="263364" y="18882"/>
+                  <a:pt x="442762" y="0"/>
+                </a:cubicBezTo>
+                <a:cubicBezTo>
+                  <a:pt x="622160" y="-18882"/>
+                  <a:pt x="685164" y="38820"/>
+                  <a:pt x="885524" y="0"/>
+                </a:cubicBezTo>
+                <a:cubicBezTo>
+                  <a:pt x="938868" y="105536"/>
+                  <a:pt x="839505" y="276099"/>
+                  <a:pt x="885524" y="487788"/>
+                </a:cubicBezTo>
+                <a:cubicBezTo>
+                  <a:pt x="734272" y="498127"/>
+                  <a:pt x="572546" y="440618"/>
+                  <a:pt x="469328" y="487788"/>
+                </a:cubicBezTo>
+                <a:cubicBezTo>
+                  <a:pt x="366110" y="534958"/>
+                  <a:pt x="174657" y="465725"/>
+                  <a:pt x="0" y="487788"/>
+                </a:cubicBezTo>
+                <a:cubicBezTo>
+                  <a:pt x="-13226" y="342024"/>
+                  <a:pt x="54406" y="214492"/>
+                  <a:pt x="0" y="0"/>
+                </a:cubicBezTo>
+                <a:close/>
+              </a:path>
+            </a:pathLst>
+          </a:custGeom>
+          <a:solidFill>
+            <a:srgbClr val="d1c9c1"/>
+          </a:solidFill>
+          <a:ln>
+            <a:solidFill>
+              <a:srgbClr val="9a8b85"/>
+            </a:solidFill>
+          </a:ln>
+        </p:spPr>
+        <p:style>
+          <a:lnRef idx="2">
+            <a:schemeClr val="accent1">
+              <a:shade val="50000"/>
+            </a:schemeClr>
+          </a:lnRef>
+          <a:fillRef idx="1">
+            <a:schemeClr val="accent1"/>
+          </a:fillRef>
+          <a:effectRef idx="0">
+            <a:schemeClr val="accent1"/>
+          </a:effectRef>
+          <a:fontRef idx="minor">
+            <a:schemeClr val="lt1"/>
+          </a:fontRef>
+        </p:style>
+        <p:txBody>
+          <a:bodyPr anchor="ctr"/>
+          <a:lstStyle/>
+          <a:p>
+            <a:pPr algn="ctr">
+              <a:defRPr/>
+            </a:pPr>
+            <a:endParaRPr lang="ko-KR" altLang="en-US">
+              <a:solidFill>
+                <a:sysClr val="windowText" lastClr="000000"/>
+              </a:solidFill>
+            </a:endParaRPr>
+          </a:p>
+        </p:txBody>
+      </p:sp>
+      <p:sp>
+        <p:nvSpPr>
+          <p:cNvPr id="6" name="TextBox 5"/>
+          <p:cNvSpPr txBox="1"/>
+          <p:nvPr/>
+        </p:nvSpPr>
+        <p:spPr>
+          <a:xfrm>
+            <a:off x="1477790" y="2555388"/>
+            <a:ext cx="750769" cy="369332"/>
+          </a:xfrm>
+          <a:prstGeom prst="rect">
+            <a:avLst/>
+          </a:prstGeom>
+          <a:noFill/>
+        </p:spPr>
+        <p:txBody>
+          <a:bodyPr wrap="square">
+            <a:spAutoFit/>
+          </a:bodyPr>
+          <a:lstStyle/>
+          <a:p>
+            <a:pPr algn="ctr">
+              <a:defRPr/>
+            </a:pPr>
+            <a:r>
+              <a:rPr lang="ko-KR" altLang="en-US" b="1">
+                <a:solidFill>
+                  <a:sysClr val="windowText" lastClr="000000"/>
+                </a:solidFill>
+                <a:latin typeface="DX영화자막 M"/>
+                <a:ea typeface="DX영화자막 M"/>
+              </a:rPr>
+              <a:t>소 개</a:t>
+            </a:r>
+            <a:endParaRPr lang="ko-KR" altLang="en-US" b="1">
+              <a:solidFill>
+                <a:sysClr val="windowText" lastClr="000000"/>
+              </a:solidFill>
+              <a:latin typeface="DX영화자막 M"/>
+              <a:ea typeface="DX영화자막 M"/>
+            </a:endParaRPr>
+          </a:p>
+        </p:txBody>
+      </p:sp>
+      <p:sp>
+        <p:nvSpPr>
+          <p:cNvPr id="7" name="직사각형 6"/>
+          <p:cNvSpPr/>
+          <p:nvPr/>
+        </p:nvSpPr>
+        <p:spPr>
+          <a:xfrm>
+            <a:off x="1268142" y="3189505"/>
+            <a:ext cx="6096000" cy="743280"/>
+          </a:xfrm>
+          <a:prstGeom prst="rect">
+            <a:avLst/>
+          </a:prstGeom>
+        </p:spPr>
+        <p:txBody>
+          <a:bodyPr>
+            <a:spAutoFit/>
+          </a:bodyPr>
+          <a:lstStyle/>
+          <a:p>
+            <a:pPr>
+              <a:lnSpc>
+                <a:spcPct val="120000"/>
+              </a:lnSpc>
+              <a:defRPr/>
+            </a:pPr>
+            <a:r>
+              <a:rPr lang="ko-KR" altLang="en-US">
+                <a:latin typeface="DX영화자막 M"/>
+                <a:ea typeface="DX영화자막 M"/>
+              </a:rPr>
+              <a:t>진지하지만 심각하지 않은 사람</a:t>
+            </a:r>
+            <a:r>
+              <a:rPr lang="en-US" altLang="ko-KR">
+                <a:latin typeface="DX영화자막 M"/>
+                <a:ea typeface="DX영화자막 M"/>
+              </a:rPr>
+              <a:t>. </a:t>
+            </a:r>
+            <a:r>
+              <a:rPr lang="ko-KR" altLang="en-US">
+                <a:latin typeface="DX영화자막 M"/>
+                <a:ea typeface="DX영화자막 M"/>
+              </a:rPr>
+              <a:t>밝지만 가볍지 않은 사람</a:t>
+            </a:r>
+            <a:r>
+              <a:rPr lang="en-US" altLang="ko-KR">
+                <a:latin typeface="DX영화자막 M"/>
+                <a:ea typeface="DX영화자막 M"/>
+              </a:rPr>
+              <a:t>.</a:t>
+            </a:r>
+            <a:endParaRPr lang="en-US" altLang="ko-KR">
+              <a:latin typeface="DX영화자막 M"/>
+              <a:ea typeface="DX영화자막 M"/>
+            </a:endParaRPr>
+          </a:p>
+          <a:p>
+            <a:pPr>
+              <a:lnSpc>
+                <a:spcPct val="120000"/>
+              </a:lnSpc>
+              <a:defRPr/>
+            </a:pPr>
+            <a:r>
+              <a:rPr lang="ko-KR" altLang="en-US">
+                <a:latin typeface="DX영화자막 M"/>
+                <a:ea typeface="DX영화자막 M"/>
+              </a:rPr>
+              <a:t>일러스트레이더 겸 글쟁이이자</a:t>
+            </a:r>
+            <a:r>
+              <a:rPr lang="en-US" altLang="ko-KR">
+                <a:latin typeface="DX영화자막 M"/>
+                <a:ea typeface="DX영화자막 M"/>
+              </a:rPr>
+              <a:t> </a:t>
+            </a:r>
+            <a:r>
+              <a:rPr lang="ko-KR" altLang="en-US">
+                <a:latin typeface="DX영화자막 M"/>
+                <a:ea typeface="DX영화자막 M"/>
+              </a:rPr>
+              <a:t>괜찮은 그래픽 디자이너</a:t>
+            </a:r>
+            <a:r>
+              <a:rPr lang="en-US" altLang="ko-KR">
+                <a:latin typeface="DX영화자막 M"/>
+                <a:ea typeface="DX영화자막 M"/>
+              </a:rPr>
+              <a:t>.</a:t>
+            </a:r>
+            <a:endParaRPr lang="en-US" altLang="ko-KR">
+              <a:latin typeface="DX영화자막 M"/>
+              <a:ea typeface="DX영화자막 M"/>
+            </a:endParaRPr>
+          </a:p>
+        </p:txBody>
+      </p:sp>
+      <p:sp>
+        <p:nvSpPr>
+          <p:cNvPr id="31" name="TextBox 30"/>
+          <p:cNvSpPr txBox="1"/>
+          <p:nvPr/>
+        </p:nvSpPr>
+        <p:spPr>
+          <a:xfrm>
+            <a:off x="8560905" y="6493565"/>
+            <a:ext cx="3578087" cy="295855"/>
+          </a:xfrm>
+          <a:prstGeom prst="rect">
+            <a:avLst/>
+          </a:prstGeom>
+          <a:noFill/>
+        </p:spPr>
+        <p:txBody>
+          <a:bodyPr wrap="square">
+            <a:spAutoFit/>
+          </a:bodyPr>
+          <a:lstStyle/>
+          <a:p>
+            <a:pPr algn="r">
+              <a:defRPr/>
+            </a:pPr>
+            <a:r>
+              <a:rPr lang="ko-KR" altLang="en-US" sz="1400">
+                <a:latin typeface="210 스탠다드 030"/>
+                <a:ea typeface="210 스탠다드 030"/>
+              </a:rPr>
+              <a:t>출처 어반브러시 </a:t>
+            </a:r>
+            <a:r>
+              <a:rPr lang="en-US" altLang="ko-KR" sz="1400">
+                <a:latin typeface="210 스탠다드 030"/>
+                <a:ea typeface="210 스탠다드 030"/>
+              </a:rPr>
+              <a:t>Tommy</a:t>
+            </a:r>
+            <a:endParaRPr lang="ko-KR" altLang="en-US" sz="1400">
+              <a:latin typeface="210 스탠다드 030"/>
+              <a:ea typeface="210 스탠다드 030"/>
+            </a:endParaRPr>
+          </a:p>
+        </p:txBody>
+      </p:sp>
+      <p:pic>
+        <p:nvPicPr>
+          <p:cNvPr id="10" name="그림 9"/>
+          <p:cNvPicPr>
+            <a:picLocks noChangeAspect="1"/>
+          </p:cNvPicPr>
+          <p:nvPr/>
+        </p:nvPicPr>
+        <p:blipFill rotWithShape="1">
+          <a:blip r:embed="rId2">
+            <a:duotone>
+              <a:schemeClr val="accent3">
+                <a:shade val="45000"/>
+                <a:satMod val="135000"/>
+              </a:schemeClr>
+              <a:prstClr val="white"/>
+            </a:duotone>
+          </a:blip>
+          <a:srcRect l="9830" t="7110" r="34880" b="17640"/>
+          <a:stretch>
+            <a:fillRect/>
+          </a:stretch>
+        </p:blipFill>
+        <p:spPr>
+          <a:xfrm flipH="1">
+            <a:off x="8524889" y="972028"/>
+            <a:ext cx="3578088" cy="5160176"/>
+          </a:xfrm>
+          <a:prstGeom prst="rect">
+            <a:avLst/>
+          </a:prstGeom>
+        </p:spPr>
+      </p:pic>
+      <p:sp>
+        <p:nvSpPr>
+          <p:cNvPr id="36" name="TextBox 35"/>
+          <p:cNvSpPr txBox="1"/>
+          <p:nvPr/>
+        </p:nvSpPr>
+        <p:spPr>
+          <a:xfrm>
+            <a:off x="5353147" y="732599"/>
+            <a:ext cx="1499547" cy="446596"/>
+          </a:xfrm>
+          <a:prstGeom prst="rect">
+            <a:avLst/>
+          </a:prstGeom>
+          <a:noFill/>
+          <a:ln w="9525">
+            <a:noFill/>
+          </a:ln>
+        </p:spPr>
+        <p:txBody>
+          <a:bodyPr wrap="square">
+            <a:spAutoFit/>
+          </a:bodyPr>
+          <a:lstStyle/>
+          <a:p>
+            <a:pPr lvl="0">
+              <a:defRPr/>
+            </a:pPr>
+            <a:r>
+              <a:rPr lang="ko-KR" altLang="en-US" sz="2400">
+                <a:solidFill>
+                  <a:schemeClr val="tx1">
+                    <a:alpha val="71000"/>
+                  </a:schemeClr>
+                </a:solidFill>
+                <a:latin typeface="DX영화자막 M"/>
+                <a:ea typeface="DX영화자막 M"/>
+              </a:rPr>
+              <a:t>작가소개</a:t>
+            </a:r>
+            <a:endParaRPr lang="ko-KR" altLang="en-US" sz="2400">
+              <a:solidFill>
+                <a:schemeClr val="tx1">
+                  <a:alpha val="71000"/>
+                </a:schemeClr>
+              </a:solidFill>
+              <a:latin typeface="DX영화자막 M"/>
+              <a:ea typeface="DX영화자막 M"/>
+            </a:endParaRPr>
+          </a:p>
+        </p:txBody>
+      </p:sp>
+      <p:pic>
+        <p:nvPicPr>
+          <p:cNvPr id="8" name="그림 7"/>
+          <p:cNvPicPr>
+            <a:picLocks noChangeAspect="1"/>
+          </p:cNvPicPr>
+          <p:nvPr/>
+        </p:nvPicPr>
+        <p:blipFill rotWithShape="1">
+          <a:blip r:embed="rId3"/>
+          <a:stretch>
+            <a:fillRect/>
+          </a:stretch>
+        </p:blipFill>
+        <p:spPr>
+          <a:xfrm>
+            <a:off x="0" y="-1"/>
+            <a:ext cx="12192000" cy="9134475"/>
+          </a:xfrm>
+          <a:prstGeom prst="rect">
+            <a:avLst/>
+          </a:prstGeom>
+        </p:spPr>
+      </p:pic>
+      <p:sp>
+        <p:nvSpPr>
+          <p:cNvPr id="17" name="TextBox 16"/>
+          <p:cNvSpPr txBox="1"/>
+          <p:nvPr/>
+        </p:nvSpPr>
+        <p:spPr>
+          <a:xfrm flipH="1">
+            <a:off x="5041092" y="342101"/>
+            <a:ext cx="2123658" cy="294169"/>
+          </a:xfrm>
+          <a:prstGeom prst="rect">
+            <a:avLst/>
+          </a:prstGeom>
+          <a:noFill/>
+        </p:spPr>
+        <p:txBody>
+          <a:bodyPr vert="horz" wrap="square">
+            <a:spAutoFit/>
+          </a:bodyPr>
+          <a:lstStyle/>
+          <a:p>
+            <a:pPr algn="dist">
+              <a:defRPr/>
+            </a:pPr>
+            <a:r>
+              <a:rPr lang="en-US" altLang="ko-KR" sz="1400">
+                <a:solidFill>
+                  <a:schemeClr val="tx1">
+                    <a:alpha val="71000"/>
+                  </a:schemeClr>
+                </a:solidFill>
+                <a:latin typeface="DX영화자막 M"/>
+                <a:ea typeface="DX영화자막 M"/>
+              </a:rPr>
+              <a:t>SLOW THINKING</a:t>
+            </a:r>
+            <a:endParaRPr lang="ko-KR" altLang="en-US" sz="1400">
+              <a:solidFill>
+                <a:schemeClr val="tx1">
+                  <a:alpha val="71000"/>
+                </a:schemeClr>
+              </a:solidFill>
+              <a:latin typeface="DX영화자막 M"/>
+              <a:ea typeface="DX영화자막 M"/>
+            </a:endParaRPr>
+          </a:p>
+        </p:txBody>
+      </p:sp>
+      <p:sp>
+        <p:nvSpPr>
+          <p:cNvPr id="19" name="TextBox 18"/>
+          <p:cNvSpPr txBox="1"/>
+          <p:nvPr/>
+        </p:nvSpPr>
+        <p:spPr>
+          <a:xfrm>
+            <a:off x="2974697" y="898259"/>
+            <a:ext cx="6806331" cy="453356"/>
+          </a:xfrm>
+          <a:prstGeom prst="rect">
+            <a:avLst/>
+          </a:prstGeom>
+          <a:noFill/>
+          <a:ln w="9525">
+            <a:noFill/>
+          </a:ln>
+        </p:spPr>
+        <p:txBody>
+          <a:bodyPr wrap="square">
+            <a:spAutoFit/>
+          </a:bodyPr>
+          <a:lstStyle/>
+          <a:p>
+            <a:pPr lvl="0">
+              <a:defRPr/>
+            </a:pPr>
+            <a:r>
+              <a:rPr lang="ko-KR" altLang="en-US" sz="2400">
+                <a:solidFill>
+                  <a:schemeClr val="tx1">
+                    <a:alpha val="71000"/>
+                  </a:schemeClr>
+                </a:solidFill>
+                <a:latin typeface="DX영화자막 M"/>
+                <a:ea typeface="DX영화자막 M"/>
+              </a:rPr>
+              <a:t>결과보다 과정에 집중할 대 불안감이 통제된다</a:t>
+            </a:r>
+            <a:r>
+              <a:rPr lang="en-US" altLang="ko-KR" sz="2400">
+                <a:solidFill>
+                  <a:schemeClr val="tx1">
+                    <a:alpha val="71000"/>
+                  </a:schemeClr>
+                </a:solidFill>
+                <a:latin typeface="DX영화자막 M"/>
+                <a:ea typeface="DX영화자막 M"/>
+              </a:rPr>
+              <a:t>.</a:t>
+            </a:r>
+            <a:endParaRPr lang="en-US" altLang="ko-KR" sz="2400">
+              <a:solidFill>
+                <a:schemeClr val="tx1">
+                  <a:alpha val="71000"/>
+                </a:schemeClr>
+              </a:solidFill>
+              <a:latin typeface="DX영화자막 M"/>
+              <a:ea typeface="DX영화자막 M"/>
+            </a:endParaRPr>
+          </a:p>
+        </p:txBody>
+      </p:sp>
+      <p:grpSp>
+        <p:nvGrpSpPr>
+          <p:cNvPr id="20" name="그룹 19"/>
+          <p:cNvGrpSpPr/>
+          <p:nvPr/>
+        </p:nvGrpSpPr>
+        <p:grpSpPr>
+          <a:xfrm rot="0">
+            <a:off x="393325" y="3093612"/>
+            <a:ext cx="163649" cy="975576"/>
+            <a:chOff x="306686" y="3281373"/>
+            <a:chExt cx="163649" cy="975576"/>
+          </a:xfrm>
+        </p:grpSpPr>
+        <p:cxnSp>
+          <p:nvCxnSpPr>
+            <p:cNvPr id="21" name="직선 연결선 20"/>
+            <p:cNvCxnSpPr/>
+            <p:nvPr/>
+          </p:nvCxnSpPr>
+          <p:spPr>
+            <a:xfrm>
+              <a:off x="306686" y="4127358"/>
+              <a:ext cx="160637" cy="129591"/>
+            </a:xfrm>
+            <a:prstGeom prst="line">
+              <a:avLst/>
+            </a:prstGeom>
+            <a:ln w="12700">
+              <a:solidFill>
+                <a:srgbClr val="ac9d8e"/>
+              </a:solidFill>
+            </a:ln>
+          </p:spPr>
+          <p:style>
+            <a:lnRef idx="1">
+              <a:schemeClr val="accent1"/>
+            </a:lnRef>
+            <a:fillRef idx="0">
+              <a:schemeClr val="accent1"/>
+            </a:fillRef>
+            <a:effectRef idx="0">
+              <a:schemeClr val="accent1"/>
+            </a:effectRef>
+            <a:fontRef idx="minor">
+              <a:schemeClr val="tx1"/>
+            </a:fontRef>
+          </p:style>
+        </p:cxnSp>
+        <p:cxnSp>
+          <p:nvCxnSpPr>
+            <p:cNvPr id="23" name="직선 연결선 22"/>
+            <p:cNvCxnSpPr/>
+            <p:nvPr/>
+          </p:nvCxnSpPr>
+          <p:spPr>
+            <a:xfrm>
+              <a:off x="306686" y="3838775"/>
+              <a:ext cx="160637" cy="129591"/>
+            </a:xfrm>
+            <a:prstGeom prst="line">
+              <a:avLst/>
+            </a:prstGeom>
+            <a:ln w="12700">
+              <a:solidFill>
+                <a:srgbClr val="ac9d8e"/>
+              </a:solidFill>
+            </a:ln>
+          </p:spPr>
+          <p:style>
+            <a:lnRef idx="1">
+              <a:schemeClr val="accent1"/>
+            </a:lnRef>
+            <a:fillRef idx="0">
+              <a:schemeClr val="accent1"/>
+            </a:fillRef>
+            <a:effectRef idx="0">
+              <a:schemeClr val="accent1"/>
+            </a:effectRef>
+            <a:fontRef idx="minor">
+              <a:schemeClr val="tx1"/>
+            </a:fontRef>
+          </p:style>
+        </p:cxnSp>
+        <p:cxnSp>
+          <p:nvCxnSpPr>
+            <p:cNvPr id="25" name="직선 연결선 24"/>
+            <p:cNvCxnSpPr/>
+            <p:nvPr/>
+          </p:nvCxnSpPr>
+          <p:spPr>
+            <a:xfrm>
+              <a:off x="306686" y="3550192"/>
+              <a:ext cx="160637" cy="129591"/>
+            </a:xfrm>
+            <a:prstGeom prst="line">
+              <a:avLst/>
+            </a:prstGeom>
+            <a:ln w="12700">
+              <a:solidFill>
+                <a:srgbClr val="ac9d8e"/>
+              </a:solidFill>
+            </a:ln>
+          </p:spPr>
+          <p:style>
+            <a:lnRef idx="1">
+              <a:schemeClr val="accent1"/>
+            </a:lnRef>
+            <a:fillRef idx="0">
+              <a:schemeClr val="accent1"/>
+            </a:fillRef>
+            <a:effectRef idx="0">
+              <a:schemeClr val="accent1"/>
+            </a:effectRef>
+            <a:fontRef idx="minor">
+              <a:schemeClr val="tx1"/>
+            </a:fontRef>
+          </p:style>
+        </p:cxnSp>
+        <p:cxnSp>
+          <p:nvCxnSpPr>
+            <p:cNvPr id="26" name="직선 연결선 25"/>
+            <p:cNvCxnSpPr/>
+            <p:nvPr/>
+          </p:nvCxnSpPr>
+          <p:spPr>
+            <a:xfrm>
+              <a:off x="309698" y="3281373"/>
+              <a:ext cx="160637" cy="129591"/>
+            </a:xfrm>
+            <a:prstGeom prst="line">
+              <a:avLst/>
+            </a:prstGeom>
+            <a:ln w="12700">
+              <a:solidFill>
+                <a:srgbClr val="ac9d8e"/>
+              </a:solidFill>
+            </a:ln>
+          </p:spPr>
+          <p:style>
+            <a:lnRef idx="1">
+              <a:schemeClr val="accent1"/>
+            </a:lnRef>
+            <a:fillRef idx="0">
+              <a:schemeClr val="accent1"/>
+            </a:fillRef>
+            <a:effectRef idx="0">
+              <a:schemeClr val="accent1"/>
+            </a:effectRef>
+            <a:fontRef idx="minor">
+              <a:schemeClr val="tx1"/>
+            </a:fontRef>
+          </p:style>
+        </p:cxnSp>
+      </p:grpSp>
+      <p:sp>
+        <p:nvSpPr>
+          <p:cNvPr id="33" name="순서도: 처리 61"/>
+          <p:cNvSpPr/>
+          <p:nvPr/>
+        </p:nvSpPr>
+        <p:spPr>
+          <a:xfrm>
+            <a:off x="2138032" y="1753167"/>
+            <a:ext cx="7915937" cy="4484864"/>
+          </a:xfrm>
+          <a:custGeom>
+            <a:avLst/>
+            <a:gdLst>
+              <a:gd name="connsiteX0" fmla="*/ 0 w 5799809"/>
+              <a:gd name="connsiteY0" fmla="*/ 0 h 425946"/>
+              <a:gd name="connsiteX1" fmla="*/ 470429 w 5799809"/>
+              <a:gd name="connsiteY1" fmla="*/ 0 h 425946"/>
+              <a:gd name="connsiteX2" fmla="*/ 1056854 w 5799809"/>
+              <a:gd name="connsiteY2" fmla="*/ 0 h 425946"/>
+              <a:gd name="connsiteX3" fmla="*/ 1585281 w 5799809"/>
+              <a:gd name="connsiteY3" fmla="*/ 0 h 425946"/>
+              <a:gd name="connsiteX4" fmla="*/ 2113708 w 5799809"/>
+              <a:gd name="connsiteY4" fmla="*/ 0 h 425946"/>
+              <a:gd name="connsiteX5" fmla="*/ 2758131 w 5799809"/>
+              <a:gd name="connsiteY5" fmla="*/ 0 h 425946"/>
+              <a:gd name="connsiteX6" fmla="*/ 3402555 w 5799809"/>
+              <a:gd name="connsiteY6" fmla="*/ 0 h 425946"/>
+              <a:gd name="connsiteX7" fmla="*/ 3930982 w 5799809"/>
+              <a:gd name="connsiteY7" fmla="*/ 0 h 425946"/>
+              <a:gd name="connsiteX8" fmla="*/ 4633403 w 5799809"/>
+              <a:gd name="connsiteY8" fmla="*/ 0 h 425946"/>
+              <a:gd name="connsiteX9" fmla="*/ 5103832 w 5799809"/>
+              <a:gd name="connsiteY9" fmla="*/ 0 h 425946"/>
+              <a:gd name="connsiteX10" fmla="*/ 5799809 w 5799809"/>
+              <a:gd name="connsiteY10" fmla="*/ 0 h 425946"/>
+              <a:gd name="connsiteX11" fmla="*/ 5799809 w 5799809"/>
+              <a:gd name="connsiteY11" fmla="*/ 425946 h 425946"/>
+              <a:gd name="connsiteX12" fmla="*/ 5155386 w 5799809"/>
+              <a:gd name="connsiteY12" fmla="*/ 425946 h 425946"/>
+              <a:gd name="connsiteX13" fmla="*/ 4684957 w 5799809"/>
+              <a:gd name="connsiteY13" fmla="*/ 425946 h 425946"/>
+              <a:gd name="connsiteX14" fmla="*/ 4040534 w 5799809"/>
+              <a:gd name="connsiteY14" fmla="*/ 425946 h 425946"/>
+              <a:gd name="connsiteX15" fmla="*/ 3338112 w 5799809"/>
+              <a:gd name="connsiteY15" fmla="*/ 425946 h 425946"/>
+              <a:gd name="connsiteX16" fmla="*/ 2809685 w 5799809"/>
+              <a:gd name="connsiteY16" fmla="*/ 425946 h 425946"/>
+              <a:gd name="connsiteX17" fmla="*/ 2165262 w 5799809"/>
+              <a:gd name="connsiteY17" fmla="*/ 425946 h 425946"/>
+              <a:gd name="connsiteX18" fmla="*/ 1462841 w 5799809"/>
+              <a:gd name="connsiteY18" fmla="*/ 425946 h 425946"/>
+              <a:gd name="connsiteX19" fmla="*/ 818417 w 5799809"/>
+              <a:gd name="connsiteY19" fmla="*/ 425946 h 425946"/>
+              <a:gd name="connsiteX20" fmla="*/ 0 w 5799809"/>
+              <a:gd name="connsiteY20" fmla="*/ 425946 h 425946"/>
+              <a:gd name="connsiteX21" fmla="*/ 0 w 5799809"/>
+              <a:gd name="connsiteY21" fmla="*/ 0 h 425946"/>
+            </a:gdLst>
+            <a:cxnLst>
+              <a:cxn ang="0">
+                <a:pos x="connsiteX0" y="connsiteY0"/>
+              </a:cxn>
+              <a:cxn ang="0">
+                <a:pos x="connsiteX1" y="connsiteY1"/>
+              </a:cxn>
+              <a:cxn ang="0">
+                <a:pos x="connsiteX2" y="connsiteY2"/>
+              </a:cxn>
+              <a:cxn ang="0">
+                <a:pos x="connsiteX3" y="connsiteY3"/>
+              </a:cxn>
+              <a:cxn ang="0">
+                <a:pos x="connsiteX4" y="connsiteY4"/>
+              </a:cxn>
+              <a:cxn ang="0">
+                <a:pos x="connsiteX5" y="connsiteY5"/>
+              </a:cxn>
+              <a:cxn ang="0">
+                <a:pos x="connsiteX6" y="connsiteY6"/>
+              </a:cxn>
+              <a:cxn ang="0">
+                <a:pos x="connsiteX7" y="connsiteY7"/>
+              </a:cxn>
+              <a:cxn ang="0">
+                <a:pos x="connsiteX8" y="connsiteY8"/>
+              </a:cxn>
+              <a:cxn ang="0">
+                <a:pos x="connsiteX9" y="connsiteY9"/>
+              </a:cxn>
+              <a:cxn ang="0">
+                <a:pos x="connsiteX10" y="connsiteY10"/>
+              </a:cxn>
+              <a:cxn ang="0">
+                <a:pos x="connsiteX11" y="connsiteY11"/>
+              </a:cxn>
+              <a:cxn ang="0">
+                <a:pos x="connsiteX12" y="connsiteY12"/>
+              </a:cxn>
+              <a:cxn ang="0">
+                <a:pos x="connsiteX13" y="connsiteY13"/>
+              </a:cxn>
+              <a:cxn ang="0">
+                <a:pos x="connsiteX14" y="connsiteY14"/>
+              </a:cxn>
+              <a:cxn ang="0">
+                <a:pos x="connsiteX15" y="connsiteY15"/>
+              </a:cxn>
+              <a:cxn ang="0">
+                <a:pos x="connsiteX16" y="connsiteY16"/>
+              </a:cxn>
+              <a:cxn ang="0">
+                <a:pos x="connsiteX17" y="connsiteY17"/>
+              </a:cxn>
+              <a:cxn ang="0">
+                <a:pos x="connsiteX18" y="connsiteY18"/>
+              </a:cxn>
+              <a:cxn ang="0">
+                <a:pos x="connsiteX19" y="connsiteY19"/>
+              </a:cxn>
+              <a:cxn ang="0">
+                <a:pos x="connsiteX20" y="connsiteY20"/>
+              </a:cxn>
+              <a:cxn ang="0">
+                <a:pos x="connsiteX21" y="connsiteY21"/>
+              </a:cxn>
+            </a:cxnLst>
+            <a:rect l="l" t="t" r="r" b="b"/>
+            <a:pathLst>
+              <a:path w="5799809" h="425946" fill="none" extrusionOk="0">
+                <a:moveTo>
+                  <a:pt x="0" y="0"/>
+                </a:moveTo>
+                <a:cubicBezTo>
+                  <a:pt x="232930" y="11357"/>
+                  <a:pt x="338405" y="-11052"/>
+                  <a:pt x="470429" y="0"/>
+                </a:cubicBezTo>
+                <a:cubicBezTo>
+                  <a:pt x="602453" y="11052"/>
+                  <a:pt x="809389" y="-26878"/>
+                  <a:pt x="1056854" y="0"/>
+                </a:cubicBezTo>
+                <a:cubicBezTo>
+                  <a:pt x="1304320" y="26878"/>
+                  <a:pt x="1468530" y="-24406"/>
+                  <a:pt x="1585281" y="0"/>
+                </a:cubicBezTo>
+                <a:cubicBezTo>
+                  <a:pt x="1702032" y="24406"/>
+                  <a:pt x="2004466" y="14170"/>
+                  <a:pt x="2113708" y="0"/>
+                </a:cubicBezTo>
+                <a:cubicBezTo>
+                  <a:pt x="2222950" y="-14170"/>
+                  <a:pt x="2556011" y="28112"/>
+                  <a:pt x="2758131" y="0"/>
+                </a:cubicBezTo>
+                <a:cubicBezTo>
+                  <a:pt x="2960251" y="-28112"/>
+                  <a:pt x="3097544" y="-7034"/>
+                  <a:pt x="3402555" y="0"/>
+                </a:cubicBezTo>
+                <a:cubicBezTo>
+                  <a:pt x="3707566" y="7034"/>
+                  <a:pt x="3772141" y="4589"/>
+                  <a:pt x="3930982" y="0"/>
+                </a:cubicBezTo>
+                <a:cubicBezTo>
+                  <a:pt x="4089823" y="-4589"/>
+                  <a:pt x="4481847" y="28392"/>
+                  <a:pt x="4633403" y="0"/>
+                </a:cubicBezTo>
+                <a:cubicBezTo>
+                  <a:pt x="4784959" y="-28392"/>
+                  <a:pt x="4910939" y="-2346"/>
+                  <a:pt x="5103832" y="0"/>
+                </a:cubicBezTo>
+                <a:cubicBezTo>
+                  <a:pt x="5296725" y="2346"/>
+                  <a:pt x="5508736" y="-20318"/>
+                  <a:pt x="5799809" y="0"/>
+                </a:cubicBezTo>
+                <a:cubicBezTo>
+                  <a:pt x="5788599" y="198653"/>
+                  <a:pt x="5812935" y="266898"/>
+                  <a:pt x="5799809" y="425946"/>
+                </a:cubicBezTo>
+                <a:cubicBezTo>
+                  <a:pt x="5617430" y="412954"/>
+                  <a:pt x="5331856" y="449678"/>
+                  <a:pt x="5155386" y="425946"/>
+                </a:cubicBezTo>
+                <a:cubicBezTo>
+                  <a:pt x="4978916" y="402214"/>
+                  <a:pt x="4857030" y="423944"/>
+                  <a:pt x="4684957" y="425946"/>
+                </a:cubicBezTo>
+                <a:cubicBezTo>
+                  <a:pt x="4512884" y="427948"/>
+                  <a:pt x="4342832" y="445858"/>
+                  <a:pt x="4040534" y="425946"/>
+                </a:cubicBezTo>
+                <a:cubicBezTo>
+                  <a:pt x="3738236" y="406034"/>
+                  <a:pt x="3513554" y="443777"/>
+                  <a:pt x="3338112" y="425946"/>
+                </a:cubicBezTo>
+                <a:cubicBezTo>
+                  <a:pt x="3162670" y="408115"/>
+                  <a:pt x="3031362" y="412638"/>
+                  <a:pt x="2809685" y="425946"/>
+                </a:cubicBezTo>
+                <a:cubicBezTo>
+                  <a:pt x="2588008" y="439254"/>
+                  <a:pt x="2396513" y="447981"/>
+                  <a:pt x="2165262" y="425946"/>
+                </a:cubicBezTo>
+                <a:cubicBezTo>
+                  <a:pt x="1934011" y="403911"/>
+                  <a:pt x="1762479" y="426888"/>
+                  <a:pt x="1462841" y="425946"/>
+                </a:cubicBezTo>
+                <a:cubicBezTo>
+                  <a:pt x="1163203" y="425004"/>
+                  <a:pt x="955896" y="428651"/>
+                  <a:pt x="818417" y="425946"/>
+                </a:cubicBezTo>
+                <a:cubicBezTo>
+                  <a:pt x="680938" y="423241"/>
+                  <a:pt x="240620" y="433396"/>
+                  <a:pt x="0" y="425946"/>
+                </a:cubicBezTo>
+                <a:cubicBezTo>
+                  <a:pt x="-13937" y="217353"/>
+                  <a:pt x="3380" y="194608"/>
+                  <a:pt x="0" y="0"/>
+                </a:cubicBezTo>
+                <a:close/>
+              </a:path>
+              <a:path w="5799809" h="425946" stroke="0" extrusionOk="0">
+                <a:moveTo>
+                  <a:pt x="0" y="0"/>
+                </a:moveTo>
+                <a:cubicBezTo>
+                  <a:pt x="156451" y="-5263"/>
+                  <a:pt x="344124" y="-7670"/>
+                  <a:pt x="528427" y="0"/>
+                </a:cubicBezTo>
+                <a:cubicBezTo>
+                  <a:pt x="712730" y="7670"/>
+                  <a:pt x="1052845" y="3624"/>
+                  <a:pt x="1288846" y="0"/>
+                </a:cubicBezTo>
+                <a:cubicBezTo>
+                  <a:pt x="1524847" y="-3624"/>
+                  <a:pt x="1572216" y="2669"/>
+                  <a:pt x="1817273" y="0"/>
+                </a:cubicBezTo>
+                <a:cubicBezTo>
+                  <a:pt x="2062330" y="-2669"/>
+                  <a:pt x="2125614" y="-1841"/>
+                  <a:pt x="2287702" y="0"/>
+                </a:cubicBezTo>
+                <a:cubicBezTo>
+                  <a:pt x="2449790" y="1841"/>
+                  <a:pt x="2540838" y="-10545"/>
+                  <a:pt x="2758131" y="0"/>
+                </a:cubicBezTo>
+                <a:cubicBezTo>
+                  <a:pt x="2975424" y="10545"/>
+                  <a:pt x="3070417" y="16952"/>
+                  <a:pt x="3286558" y="0"/>
+                </a:cubicBezTo>
+                <a:cubicBezTo>
+                  <a:pt x="3502699" y="-16952"/>
+                  <a:pt x="3772879" y="25154"/>
+                  <a:pt x="4046978" y="0"/>
+                </a:cubicBezTo>
+                <a:cubicBezTo>
+                  <a:pt x="4321077" y="-25154"/>
+                  <a:pt x="4471091" y="-15419"/>
+                  <a:pt x="4691401" y="0"/>
+                </a:cubicBezTo>
+                <a:cubicBezTo>
+                  <a:pt x="4911711" y="15419"/>
+                  <a:pt x="5486808" y="-34903"/>
+                  <a:pt x="5799809" y="0"/>
+                </a:cubicBezTo>
+                <a:cubicBezTo>
+                  <a:pt x="5811781" y="117662"/>
+                  <a:pt x="5813135" y="213997"/>
+                  <a:pt x="5799809" y="425946"/>
+                </a:cubicBezTo>
+                <a:cubicBezTo>
+                  <a:pt x="5631023" y="426859"/>
+                  <a:pt x="5495897" y="406180"/>
+                  <a:pt x="5329380" y="425946"/>
+                </a:cubicBezTo>
+                <a:cubicBezTo>
+                  <a:pt x="5162863" y="445712"/>
+                  <a:pt x="4971538" y="414601"/>
+                  <a:pt x="4742955" y="425946"/>
+                </a:cubicBezTo>
+                <a:cubicBezTo>
+                  <a:pt x="4514373" y="437291"/>
+                  <a:pt x="4305792" y="401898"/>
+                  <a:pt x="4098532" y="425946"/>
+                </a:cubicBezTo>
+                <a:cubicBezTo>
+                  <a:pt x="3891272" y="449994"/>
+                  <a:pt x="3550710" y="452828"/>
+                  <a:pt x="3396110" y="425946"/>
+                </a:cubicBezTo>
+                <a:cubicBezTo>
+                  <a:pt x="3241510" y="399064"/>
+                  <a:pt x="2987621" y="437035"/>
+                  <a:pt x="2867683" y="425946"/>
+                </a:cubicBezTo>
+                <a:cubicBezTo>
+                  <a:pt x="2747745" y="414857"/>
+                  <a:pt x="2500791" y="420398"/>
+                  <a:pt x="2281258" y="425946"/>
+                </a:cubicBezTo>
+                <a:cubicBezTo>
+                  <a:pt x="2061725" y="431494"/>
+                  <a:pt x="1816635" y="426101"/>
+                  <a:pt x="1636835" y="425946"/>
+                </a:cubicBezTo>
+                <a:cubicBezTo>
+                  <a:pt x="1457035" y="425791"/>
+                  <a:pt x="1307407" y="428836"/>
+                  <a:pt x="1050410" y="425946"/>
+                </a:cubicBezTo>
+                <a:cubicBezTo>
+                  <a:pt x="793414" y="423056"/>
+                  <a:pt x="415100" y="437818"/>
+                  <a:pt x="0" y="425946"/>
+                </a:cubicBezTo>
+                <a:cubicBezTo>
+                  <a:pt x="553" y="260129"/>
+                  <a:pt x="10725" y="188645"/>
+                  <a:pt x="0" y="0"/>
+                </a:cubicBezTo>
+                <a:close/>
+              </a:path>
+            </a:pathLst>
+          </a:custGeom>
+          <a:solidFill>
+            <a:schemeClr val="accent4">
+              <a:lumMod val="40000"/>
+              <a:lumOff val="60000"/>
+              <a:alpha val="35000"/>
+            </a:schemeClr>
+          </a:solidFill>
+          <a:ln>
+            <a:solidFill>
+              <a:schemeClr val="accent4">
+                <a:lumMod val="40000"/>
+                <a:lumOff val="60000"/>
+              </a:schemeClr>
+            </a:solidFill>
+          </a:ln>
+        </p:spPr>
+        <p:style>
+          <a:lnRef idx="2">
+            <a:schemeClr val="accent1">
+              <a:shade val="50000"/>
+            </a:schemeClr>
+          </a:lnRef>
+          <a:fillRef idx="1">
+            <a:schemeClr val="accent1"/>
+          </a:fillRef>
+          <a:effectRef idx="0">
+            <a:schemeClr val="accent1"/>
+          </a:effectRef>
+          <a:fontRef idx="minor">
+            <a:schemeClr val="lt1"/>
+          </a:fontRef>
+        </p:style>
+        <p:txBody>
+          <a:bodyPr anchor="ctr"/>
+          <a:lstStyle/>
+          <a:p>
+            <a:pPr algn="ctr">
+              <a:defRPr/>
+            </a:pPr>
+            <a:endParaRPr lang="ko-KR" altLang="en-US"/>
+          </a:p>
+        </p:txBody>
+      </p:sp>
+      <p:sp>
+        <p:nvSpPr>
+          <p:cNvPr id="60" name="TextBox 11"/>
+          <p:cNvSpPr txBox="1"/>
+          <p:nvPr/>
+        </p:nvSpPr>
+        <p:spPr>
+          <a:xfrm>
+            <a:off x="6625512" y="3662265"/>
+            <a:ext cx="4744601" cy="641130"/>
+          </a:xfrm>
+          <a:prstGeom prst="rect">
+            <a:avLst/>
+          </a:prstGeom>
+          <a:noFill/>
+        </p:spPr>
+        <p:txBody>
+          <a:bodyPr vert="horz" wrap="square" lIns="91440" tIns="45720" rIns="91440" bIns="45720" anchor="t">
+            <a:spAutoFit/>
+          </a:bodyPr>
+          <a:lstStyle/>
+          <a:p>
+            <a:pPr algn="ctr">
+              <a:lnSpc>
+                <a:spcPct val="150000"/>
+              </a:lnSpc>
+              <a:defRPr/>
+            </a:pPr>
+            <a:endParaRPr lang="ko-KR" altLang="en-US" sz="2400" kern="1400">
+              <a:solidFill>
+                <a:schemeClr val="tx1"/>
+              </a:solidFill>
+              <a:latin typeface="DX영화자막 M"/>
+              <a:ea typeface="DX영화자막 M"/>
+            </a:endParaRPr>
+          </a:p>
+        </p:txBody>
+      </p:sp>
+      <p:pic>
+        <p:nvPicPr>
+          <p:cNvPr id="65" name=""/>
+          <p:cNvPicPr>
+            <a:picLocks noChangeAspect="1"/>
+          </p:cNvPicPr>
+          <p:nvPr/>
+        </p:nvPicPr>
+        <p:blipFill rotWithShape="1">
+          <a:blip r:embed="rId4"/>
+          <a:stretch>
+            <a:fillRect/>
+          </a:stretch>
+        </p:blipFill>
+        <p:spPr>
+          <a:xfrm>
+            <a:off x="3386975" y="2040807"/>
+            <a:ext cx="5418049" cy="3985276"/>
+          </a:xfrm>
+          <a:prstGeom prst="rect">
+            <a:avLst/>
+          </a:prstGeom>
+        </p:spPr>
+      </p:pic>
+    </p:spTree>
+  </p:cSld>
+  <p:clrMapOvr>
+    <a:masterClrMapping/>
+  </p:clrMapOvr>
+  <mc:AlternateContent xmlns:mc="http://schemas.openxmlformats.org/markup-compatibility/2006">
+    <mc:Choice xmlns:p14="http://schemas.microsoft.com/office/powerpoint/2010/main" Requires="p14">
+      <p:transition xmlns:mc="http://schemas.openxmlformats.org/markup-compatibility/2006" xmlns:p14="http://schemas.microsoft.com/office/powerpoint/2010/main" mc:Ignorable="p14" p14:dur="500"/>
+    </mc:Choice>
+    <mc:Fallback>
+      <p:transition/>
+    </mc:Fallback>
+  </mc:AlternateContent>
+</p:sld>
+</file>
+
+<file path=ppt/slides/slide14.xml><?xml version="1.0" encoding="utf-8"?>
+<p:sld xmlns:r="http://schemas.openxmlformats.org/officeDocument/2006/relationships" xmlns:c="http://schemas.openxmlformats.org/drawingml/2006/chart" xmlns:a="http://schemas.openxmlformats.org/drawingml/2006/main" xmlns:dgm="http://schemas.openxmlformats.org/drawingml/2006/diagram" xmlns:dsp="http://schemas.microsoft.com/office/drawing/2008/diagram" xmlns:p="http://schemas.openxmlformats.org/presentationml/2006/main">
+  <p:cSld>
     <p:bg>
       <p:bgPr shadeToTitle="0">
         <a:blipFill dpi="0" rotWithShape="1">
@@ -5582,7 +11878,7 @@
 </p:sld>
 </file>
 
-<file path=ppt/slides/slide11.xml><?xml version="1.0" encoding="utf-8"?>
+<file path=ppt/slides/slide15.xml><?xml version="1.0" encoding="utf-8"?>
 <p:sld xmlns:r="http://schemas.openxmlformats.org/officeDocument/2006/relationships" xmlns:c="http://schemas.openxmlformats.org/drawingml/2006/chart" xmlns:a="http://schemas.openxmlformats.org/drawingml/2006/main" xmlns:dgm="http://schemas.openxmlformats.org/drawingml/2006/diagram" xmlns:dsp="http://schemas.microsoft.com/office/drawing/2008/diagram" xmlns:p="http://schemas.openxmlformats.org/presentationml/2006/main">
   <p:cSld>
     <p:bg>
@@ -10308,19 +16604,6 @@
 <file path=ppt/slides/slide8.xml><?xml version="1.0" encoding="utf-8"?>
 <p:sld xmlns:r="http://schemas.openxmlformats.org/officeDocument/2006/relationships" xmlns:c="http://schemas.openxmlformats.org/drawingml/2006/chart" xmlns:a="http://schemas.openxmlformats.org/drawingml/2006/main" xmlns:dgm="http://schemas.openxmlformats.org/drawingml/2006/diagram" xmlns:dsp="http://schemas.microsoft.com/office/drawing/2008/diagram" xmlns:p="http://schemas.openxmlformats.org/presentationml/2006/main">
   <p:cSld>
-    <p:bg>
-      <p:bgPr shadeToTitle="0">
-        <a:blipFill dpi="0" rotWithShape="1">
-          <a:blip r:embed="rId2">
-            <a:lum/>
-          </a:blip>
-          <a:srcRect/>
-          <a:stretch>
-            <a:fillRect t="-17000" b="-17000"/>
-          </a:stretch>
-        </a:blipFill>
-      </p:bgPr>
-    </p:bg>
     <p:spTree>
       <p:nvGrpSpPr>
         <p:cNvPr id="1" name=""/>
@@ -10335,6 +16618,55 @@
           <a:chExt cx="0" cy="0"/>
         </a:xfrm>
       </p:grpSpPr>
+      <p:sp>
+        <p:nvSpPr>
+          <p:cNvPr id="22" name="TextBox 21"/>
+          <p:cNvSpPr txBox="1"/>
+          <p:nvPr/>
+        </p:nvSpPr>
+        <p:spPr>
+          <a:xfrm flipH="1">
+            <a:off x="5041092" y="342101"/>
+            <a:ext cx="2123658" cy="294169"/>
+          </a:xfrm>
+          <a:prstGeom prst="rect">
+            <a:avLst/>
+          </a:prstGeom>
+          <a:noFill/>
+        </p:spPr>
+        <p:txBody>
+          <a:bodyPr vert="horz" wrap="square">
+            <a:spAutoFit/>
+          </a:bodyPr>
+          <a:lstStyle/>
+          <a:p>
+            <a:pPr algn="dist">
+              <a:defRPr/>
+            </a:pPr>
+            <a:r>
+              <a:rPr lang="en-US" altLang="ko-KR" sz="1400">
+                <a:solidFill>
+                  <a:schemeClr val="tx1">
+                    <a:alpha val="71000"/>
+                  </a:schemeClr>
+                </a:solidFill>
+                <a:latin typeface="DX영화자막 M"/>
+                <a:ea typeface="DX영화자막 M"/>
+              </a:rPr>
+              <a:t>SLOW THINKING</a:t>
+            </a:r>
+            <a:endParaRPr lang="ko-KR" altLang="en-US" sz="1400">
+              <a:solidFill>
+                <a:schemeClr val="tx1">
+                  <a:alpha val="71000"/>
+                </a:schemeClr>
+              </a:solidFill>
+              <a:latin typeface="DX영화자막 M"/>
+              <a:ea typeface="DX영화자막 M"/>
+            </a:endParaRPr>
+          </a:p>
+        </p:txBody>
+      </p:sp>
       <p:grpSp>
         <p:nvGrpSpPr>
           <p:cNvPr id="4" name="그룹 3"/>
@@ -10492,14 +16824,14 @@
       </p:grpSp>
       <p:sp>
         <p:nvSpPr>
-          <p:cNvPr id="12" name="TextBox 11"/>
+          <p:cNvPr id="2" name="TextBox 1"/>
           <p:cNvSpPr txBox="1"/>
           <p:nvPr/>
         </p:nvSpPr>
         <p:spPr>
           <a:xfrm>
-            <a:off x="1310354" y="2950725"/>
-            <a:ext cx="9594574" cy="638295"/>
+            <a:off x="1268142" y="1611934"/>
+            <a:ext cx="6189707" cy="646331"/>
           </a:xfrm>
           <a:prstGeom prst="rect">
             <a:avLst/>
@@ -10512,13 +16844,17 @@
           </a:bodyPr>
           <a:lstStyle/>
           <a:p>
-            <a:pPr algn="ctr">
-              <a:lnSpc>
-                <a:spcPct val="150000"/>
-              </a:lnSpc>
+            <a:pPr lvl="0">
               <a:defRPr/>
             </a:pPr>
-            <a:endParaRPr lang="ko-KR" altLang="en-US" sz="2400">
+            <a:r>
+              <a:rPr lang="ko-KR" altLang="en-US" sz="3600">
+                <a:latin typeface="DX영화자막 M"/>
+                <a:ea typeface="DX영화자막 M"/>
+              </a:rPr>
+              <a:t>홍논문</a:t>
+            </a:r>
+            <a:endParaRPr lang="en-US" altLang="ko-KR" sz="3600">
               <a:latin typeface="DX영화자막 M"/>
               <a:ea typeface="DX영화자막 M"/>
             </a:endParaRPr>
@@ -10527,7 +16863,583 @@
       </p:sp>
       <p:sp>
         <p:nvSpPr>
-          <p:cNvPr id="52" name="TextBox 51"/>
+          <p:cNvPr id="5" name="직사각형 4"/>
+          <p:cNvSpPr/>
+          <p:nvPr/>
+        </p:nvSpPr>
+        <p:spPr>
+          <a:xfrm>
+            <a:off x="1431961" y="2449168"/>
+            <a:ext cx="885524" cy="487788"/>
+          </a:xfrm>
+          <a:custGeom>
+            <a:avLst/>
+            <a:gdLst>
+              <a:gd name="connsiteX0" fmla="*/ 0 w 885524"/>
+              <a:gd name="connsiteY0" fmla="*/ 0 h 487788"/>
+              <a:gd name="connsiteX1" fmla="*/ 885524 w 885524"/>
+              <a:gd name="connsiteY1" fmla="*/ 0 h 487788"/>
+              <a:gd name="connsiteX2" fmla="*/ 885524 w 885524"/>
+              <a:gd name="connsiteY2" fmla="*/ 487788 h 487788"/>
+              <a:gd name="connsiteX3" fmla="*/ 0 w 885524"/>
+              <a:gd name="connsiteY3" fmla="*/ 487788 h 487788"/>
+              <a:gd name="connsiteX4" fmla="*/ 0 w 885524"/>
+              <a:gd name="connsiteY4" fmla="*/ 0 h 487788"/>
+            </a:gdLst>
+            <a:cxnLst>
+              <a:cxn ang="0">
+                <a:pos x="connsiteX0" y="connsiteY0"/>
+              </a:cxn>
+              <a:cxn ang="0">
+                <a:pos x="connsiteX1" y="connsiteY1"/>
+              </a:cxn>
+              <a:cxn ang="0">
+                <a:pos x="connsiteX2" y="connsiteY2"/>
+              </a:cxn>
+              <a:cxn ang="0">
+                <a:pos x="connsiteX3" y="connsiteY3"/>
+              </a:cxn>
+              <a:cxn ang="0">
+                <a:pos x="connsiteX4" y="connsiteY4"/>
+              </a:cxn>
+            </a:cxnLst>
+            <a:rect l="l" t="t" r="r" b="b"/>
+            <a:pathLst>
+              <a:path w="885524" h="487788" extrusionOk="0">
+                <a:moveTo>
+                  <a:pt x="0" y="0"/>
+                </a:moveTo>
+                <a:cubicBezTo>
+                  <a:pt x="147585" y="73323"/>
+                  <a:pt x="474504" y="43906"/>
+                  <a:pt x="885524" y="0"/>
+                </a:cubicBezTo>
+                <a:cubicBezTo>
+                  <a:pt x="866863" y="85762"/>
+                  <a:pt x="848666" y="279246"/>
+                  <a:pt x="885524" y="487788"/>
+                </a:cubicBezTo>
+                <a:cubicBezTo>
+                  <a:pt x="603390" y="566340"/>
+                  <a:pt x="377373" y="441160"/>
+                  <a:pt x="0" y="487788"/>
+                </a:cubicBezTo>
+                <a:cubicBezTo>
+                  <a:pt x="14357" y="340894"/>
+                  <a:pt x="31857" y="149382"/>
+                  <a:pt x="0" y="0"/>
+                </a:cubicBezTo>
+                <a:close/>
+              </a:path>
+            </a:pathLst>
+          </a:custGeom>
+          <a:noFill/>
+          <a:ln>
+            <a:solidFill>
+              <a:srgbClr val="9a8b85"/>
+            </a:solidFill>
+          </a:ln>
+        </p:spPr>
+        <p:style>
+          <a:lnRef idx="2">
+            <a:schemeClr val="accent1">
+              <a:shade val="50000"/>
+            </a:schemeClr>
+          </a:lnRef>
+          <a:fillRef idx="1">
+            <a:schemeClr val="accent1"/>
+          </a:fillRef>
+          <a:effectRef idx="0">
+            <a:schemeClr val="accent1"/>
+          </a:effectRef>
+          <a:fontRef idx="minor">
+            <a:schemeClr val="lt1"/>
+          </a:fontRef>
+        </p:style>
+        <p:txBody>
+          <a:bodyPr anchor="ctr"/>
+          <a:lstStyle/>
+          <a:p>
+            <a:pPr algn="ctr">
+              <a:defRPr/>
+            </a:pPr>
+            <a:endParaRPr lang="ko-KR" altLang="en-US"/>
+          </a:p>
+        </p:txBody>
+      </p:sp>
+      <p:sp>
+        <p:nvSpPr>
+          <p:cNvPr id="24" name="직사각형 23"/>
+          <p:cNvSpPr/>
+          <p:nvPr/>
+        </p:nvSpPr>
+        <p:spPr>
+          <a:xfrm>
+            <a:off x="1410413" y="2487669"/>
+            <a:ext cx="885524" cy="487788"/>
+          </a:xfrm>
+          <a:custGeom>
+            <a:avLst/>
+            <a:gdLst>
+              <a:gd name="connsiteX0" fmla="*/ 0 w 885524"/>
+              <a:gd name="connsiteY0" fmla="*/ 0 h 487788"/>
+              <a:gd name="connsiteX1" fmla="*/ 442762 w 885524"/>
+              <a:gd name="connsiteY1" fmla="*/ 0 h 487788"/>
+              <a:gd name="connsiteX2" fmla="*/ 885524 w 885524"/>
+              <a:gd name="connsiteY2" fmla="*/ 0 h 487788"/>
+              <a:gd name="connsiteX3" fmla="*/ 885524 w 885524"/>
+              <a:gd name="connsiteY3" fmla="*/ 487788 h 487788"/>
+              <a:gd name="connsiteX4" fmla="*/ 425052 w 885524"/>
+              <a:gd name="connsiteY4" fmla="*/ 487788 h 487788"/>
+              <a:gd name="connsiteX5" fmla="*/ 0 w 885524"/>
+              <a:gd name="connsiteY5" fmla="*/ 487788 h 487788"/>
+              <a:gd name="connsiteX6" fmla="*/ 0 w 885524"/>
+              <a:gd name="connsiteY6" fmla="*/ 0 h 487788"/>
+            </a:gdLst>
+            <a:cxnLst>
+              <a:cxn ang="0">
+                <a:pos x="connsiteX0" y="connsiteY0"/>
+              </a:cxn>
+              <a:cxn ang="0">
+                <a:pos x="connsiteX1" y="connsiteY1"/>
+              </a:cxn>
+              <a:cxn ang="0">
+                <a:pos x="connsiteX2" y="connsiteY2"/>
+              </a:cxn>
+              <a:cxn ang="0">
+                <a:pos x="connsiteX3" y="connsiteY3"/>
+              </a:cxn>
+              <a:cxn ang="0">
+                <a:pos x="connsiteX4" y="connsiteY4"/>
+              </a:cxn>
+              <a:cxn ang="0">
+                <a:pos x="connsiteX5" y="connsiteY5"/>
+              </a:cxn>
+              <a:cxn ang="0">
+                <a:pos x="connsiteX6" y="connsiteY6"/>
+              </a:cxn>
+            </a:cxnLst>
+            <a:rect l="l" t="t" r="r" b="b"/>
+            <a:pathLst>
+              <a:path w="885524" h="487788" fill="none" extrusionOk="0">
+                <a:moveTo>
+                  <a:pt x="0" y="0"/>
+                </a:moveTo>
+                <a:cubicBezTo>
+                  <a:pt x="189876" y="-27532"/>
+                  <a:pt x="326699" y="51795"/>
+                  <a:pt x="442762" y="0"/>
+                </a:cubicBezTo>
+                <a:cubicBezTo>
+                  <a:pt x="558825" y="-51795"/>
+                  <a:pt x="711044" y="33536"/>
+                  <a:pt x="885524" y="0"/>
+                </a:cubicBezTo>
+                <a:cubicBezTo>
+                  <a:pt x="936190" y="142469"/>
+                  <a:pt x="840840" y="332089"/>
+                  <a:pt x="885524" y="487788"/>
+                </a:cubicBezTo>
+                <a:cubicBezTo>
+                  <a:pt x="725718" y="528142"/>
+                  <a:pt x="590941" y="462966"/>
+                  <a:pt x="425052" y="487788"/>
+                </a:cubicBezTo>
+                <a:cubicBezTo>
+                  <a:pt x="259163" y="512610"/>
+                  <a:pt x="96867" y="465139"/>
+                  <a:pt x="0" y="487788"/>
+                </a:cubicBezTo>
+                <a:cubicBezTo>
+                  <a:pt x="-48569" y="321016"/>
+                  <a:pt x="48220" y="217248"/>
+                  <a:pt x="0" y="0"/>
+                </a:cubicBezTo>
+                <a:close/>
+              </a:path>
+              <a:path w="885524" h="487788" stroke="0" extrusionOk="0">
+                <a:moveTo>
+                  <a:pt x="0" y="0"/>
+                </a:moveTo>
+                <a:cubicBezTo>
+                  <a:pt x="122179" y="-35847"/>
+                  <a:pt x="263364" y="18882"/>
+                  <a:pt x="442762" y="0"/>
+                </a:cubicBezTo>
+                <a:cubicBezTo>
+                  <a:pt x="622160" y="-18882"/>
+                  <a:pt x="685164" y="38820"/>
+                  <a:pt x="885524" y="0"/>
+                </a:cubicBezTo>
+                <a:cubicBezTo>
+                  <a:pt x="938868" y="105536"/>
+                  <a:pt x="839505" y="276099"/>
+                  <a:pt x="885524" y="487788"/>
+                </a:cubicBezTo>
+                <a:cubicBezTo>
+                  <a:pt x="734272" y="498127"/>
+                  <a:pt x="572546" y="440618"/>
+                  <a:pt x="469328" y="487788"/>
+                </a:cubicBezTo>
+                <a:cubicBezTo>
+                  <a:pt x="366110" y="534958"/>
+                  <a:pt x="174657" y="465725"/>
+                  <a:pt x="0" y="487788"/>
+                </a:cubicBezTo>
+                <a:cubicBezTo>
+                  <a:pt x="-13226" y="342024"/>
+                  <a:pt x="54406" y="214492"/>
+                  <a:pt x="0" y="0"/>
+                </a:cubicBezTo>
+                <a:close/>
+              </a:path>
+            </a:pathLst>
+          </a:custGeom>
+          <a:solidFill>
+            <a:srgbClr val="d1c9c1"/>
+          </a:solidFill>
+          <a:ln>
+            <a:solidFill>
+              <a:srgbClr val="9a8b85"/>
+            </a:solidFill>
+          </a:ln>
+        </p:spPr>
+        <p:style>
+          <a:lnRef idx="2">
+            <a:schemeClr val="accent1">
+              <a:shade val="50000"/>
+            </a:schemeClr>
+          </a:lnRef>
+          <a:fillRef idx="1">
+            <a:schemeClr val="accent1"/>
+          </a:fillRef>
+          <a:effectRef idx="0">
+            <a:schemeClr val="accent1"/>
+          </a:effectRef>
+          <a:fontRef idx="minor">
+            <a:schemeClr val="lt1"/>
+          </a:fontRef>
+        </p:style>
+        <p:txBody>
+          <a:bodyPr anchor="ctr"/>
+          <a:lstStyle/>
+          <a:p>
+            <a:pPr algn="ctr">
+              <a:defRPr/>
+            </a:pPr>
+            <a:endParaRPr lang="ko-KR" altLang="en-US">
+              <a:solidFill>
+                <a:sysClr val="windowText" lastClr="000000"/>
+              </a:solidFill>
+            </a:endParaRPr>
+          </a:p>
+        </p:txBody>
+      </p:sp>
+      <p:sp>
+        <p:nvSpPr>
+          <p:cNvPr id="6" name="TextBox 5"/>
+          <p:cNvSpPr txBox="1"/>
+          <p:nvPr/>
+        </p:nvSpPr>
+        <p:spPr>
+          <a:xfrm>
+            <a:off x="1477790" y="2555388"/>
+            <a:ext cx="750769" cy="369332"/>
+          </a:xfrm>
+          <a:prstGeom prst="rect">
+            <a:avLst/>
+          </a:prstGeom>
+          <a:noFill/>
+        </p:spPr>
+        <p:txBody>
+          <a:bodyPr wrap="square">
+            <a:spAutoFit/>
+          </a:bodyPr>
+          <a:lstStyle/>
+          <a:p>
+            <a:pPr algn="ctr">
+              <a:defRPr/>
+            </a:pPr>
+            <a:r>
+              <a:rPr lang="ko-KR" altLang="en-US" b="1">
+                <a:solidFill>
+                  <a:sysClr val="windowText" lastClr="000000"/>
+                </a:solidFill>
+                <a:latin typeface="DX영화자막 M"/>
+                <a:ea typeface="DX영화자막 M"/>
+              </a:rPr>
+              <a:t>소 개</a:t>
+            </a:r>
+            <a:endParaRPr lang="ko-KR" altLang="en-US" b="1">
+              <a:solidFill>
+                <a:sysClr val="windowText" lastClr="000000"/>
+              </a:solidFill>
+              <a:latin typeface="DX영화자막 M"/>
+              <a:ea typeface="DX영화자막 M"/>
+            </a:endParaRPr>
+          </a:p>
+        </p:txBody>
+      </p:sp>
+      <p:sp>
+        <p:nvSpPr>
+          <p:cNvPr id="7" name="직사각형 6"/>
+          <p:cNvSpPr/>
+          <p:nvPr/>
+        </p:nvSpPr>
+        <p:spPr>
+          <a:xfrm>
+            <a:off x="1268142" y="3189505"/>
+            <a:ext cx="6096000" cy="743280"/>
+          </a:xfrm>
+          <a:prstGeom prst="rect">
+            <a:avLst/>
+          </a:prstGeom>
+        </p:spPr>
+        <p:txBody>
+          <a:bodyPr>
+            <a:spAutoFit/>
+          </a:bodyPr>
+          <a:lstStyle/>
+          <a:p>
+            <a:pPr>
+              <a:lnSpc>
+                <a:spcPct val="120000"/>
+              </a:lnSpc>
+              <a:defRPr/>
+            </a:pPr>
+            <a:r>
+              <a:rPr lang="ko-KR" altLang="en-US">
+                <a:latin typeface="DX영화자막 M"/>
+                <a:ea typeface="DX영화자막 M"/>
+              </a:rPr>
+              <a:t>진지하지만 심각하지 않은 사람</a:t>
+            </a:r>
+            <a:r>
+              <a:rPr lang="en-US" altLang="ko-KR">
+                <a:latin typeface="DX영화자막 M"/>
+                <a:ea typeface="DX영화자막 M"/>
+              </a:rPr>
+              <a:t>. </a:t>
+            </a:r>
+            <a:r>
+              <a:rPr lang="ko-KR" altLang="en-US">
+                <a:latin typeface="DX영화자막 M"/>
+                <a:ea typeface="DX영화자막 M"/>
+              </a:rPr>
+              <a:t>밝지만 가볍지 않은 사람</a:t>
+            </a:r>
+            <a:r>
+              <a:rPr lang="en-US" altLang="ko-KR">
+                <a:latin typeface="DX영화자막 M"/>
+                <a:ea typeface="DX영화자막 M"/>
+              </a:rPr>
+              <a:t>.</a:t>
+            </a:r>
+            <a:endParaRPr lang="en-US" altLang="ko-KR">
+              <a:latin typeface="DX영화자막 M"/>
+              <a:ea typeface="DX영화자막 M"/>
+            </a:endParaRPr>
+          </a:p>
+          <a:p>
+            <a:pPr>
+              <a:lnSpc>
+                <a:spcPct val="120000"/>
+              </a:lnSpc>
+              <a:defRPr/>
+            </a:pPr>
+            <a:r>
+              <a:rPr lang="ko-KR" altLang="en-US">
+                <a:latin typeface="DX영화자막 M"/>
+                <a:ea typeface="DX영화자막 M"/>
+              </a:rPr>
+              <a:t>일러스트레이더 겸 글쟁이이자</a:t>
+            </a:r>
+            <a:r>
+              <a:rPr lang="en-US" altLang="ko-KR">
+                <a:latin typeface="DX영화자막 M"/>
+                <a:ea typeface="DX영화자막 M"/>
+              </a:rPr>
+              <a:t> </a:t>
+            </a:r>
+            <a:r>
+              <a:rPr lang="ko-KR" altLang="en-US">
+                <a:latin typeface="DX영화자막 M"/>
+                <a:ea typeface="DX영화자막 M"/>
+              </a:rPr>
+              <a:t>괜찮은 그래픽 디자이너</a:t>
+            </a:r>
+            <a:r>
+              <a:rPr lang="en-US" altLang="ko-KR">
+                <a:latin typeface="DX영화자막 M"/>
+                <a:ea typeface="DX영화자막 M"/>
+              </a:rPr>
+              <a:t>.</a:t>
+            </a:r>
+            <a:endParaRPr lang="en-US" altLang="ko-KR">
+              <a:latin typeface="DX영화자막 M"/>
+              <a:ea typeface="DX영화자막 M"/>
+            </a:endParaRPr>
+          </a:p>
+        </p:txBody>
+      </p:sp>
+      <p:sp>
+        <p:nvSpPr>
+          <p:cNvPr id="31" name="TextBox 30"/>
+          <p:cNvSpPr txBox="1"/>
+          <p:nvPr/>
+        </p:nvSpPr>
+        <p:spPr>
+          <a:xfrm>
+            <a:off x="8560905" y="6493565"/>
+            <a:ext cx="3578087" cy="295855"/>
+          </a:xfrm>
+          <a:prstGeom prst="rect">
+            <a:avLst/>
+          </a:prstGeom>
+          <a:noFill/>
+        </p:spPr>
+        <p:txBody>
+          <a:bodyPr wrap="square">
+            <a:spAutoFit/>
+          </a:bodyPr>
+          <a:lstStyle/>
+          <a:p>
+            <a:pPr algn="r">
+              <a:defRPr/>
+            </a:pPr>
+            <a:r>
+              <a:rPr lang="ko-KR" altLang="en-US" sz="1400">
+                <a:latin typeface="210 스탠다드 030"/>
+                <a:ea typeface="210 스탠다드 030"/>
+              </a:rPr>
+              <a:t>출처 어반브러시 </a:t>
+            </a:r>
+            <a:r>
+              <a:rPr lang="en-US" altLang="ko-KR" sz="1400">
+                <a:latin typeface="210 스탠다드 030"/>
+                <a:ea typeface="210 스탠다드 030"/>
+              </a:rPr>
+              <a:t>Tommy</a:t>
+            </a:r>
+            <a:endParaRPr lang="ko-KR" altLang="en-US" sz="1400">
+              <a:latin typeface="210 스탠다드 030"/>
+              <a:ea typeface="210 스탠다드 030"/>
+            </a:endParaRPr>
+          </a:p>
+        </p:txBody>
+      </p:sp>
+      <p:pic>
+        <p:nvPicPr>
+          <p:cNvPr id="10" name="그림 9"/>
+          <p:cNvPicPr>
+            <a:picLocks noChangeAspect="1"/>
+          </p:cNvPicPr>
+          <p:nvPr/>
+        </p:nvPicPr>
+        <p:blipFill rotWithShape="1">
+          <a:blip r:embed="rId2">
+            <a:duotone>
+              <a:schemeClr val="accent3">
+                <a:shade val="45000"/>
+                <a:satMod val="135000"/>
+              </a:schemeClr>
+              <a:prstClr val="white"/>
+            </a:duotone>
+          </a:blip>
+          <a:srcRect l="9830" t="7110" r="34880" b="17640"/>
+          <a:stretch>
+            <a:fillRect/>
+          </a:stretch>
+        </p:blipFill>
+        <p:spPr>
+          <a:xfrm flipH="1">
+            <a:off x="8524889" y="972028"/>
+            <a:ext cx="3578088" cy="5160176"/>
+          </a:xfrm>
+          <a:prstGeom prst="rect">
+            <a:avLst/>
+          </a:prstGeom>
+        </p:spPr>
+      </p:pic>
+      <p:sp>
+        <p:nvSpPr>
+          <p:cNvPr id="36" name="TextBox 35"/>
+          <p:cNvSpPr txBox="1"/>
+          <p:nvPr/>
+        </p:nvSpPr>
+        <p:spPr>
+          <a:xfrm>
+            <a:off x="5353147" y="732599"/>
+            <a:ext cx="1499547" cy="446596"/>
+          </a:xfrm>
+          <a:prstGeom prst="rect">
+            <a:avLst/>
+          </a:prstGeom>
+          <a:noFill/>
+          <a:ln w="9525">
+            <a:noFill/>
+          </a:ln>
+        </p:spPr>
+        <p:txBody>
+          <a:bodyPr wrap="square">
+            <a:spAutoFit/>
+          </a:bodyPr>
+          <a:lstStyle/>
+          <a:p>
+            <a:pPr lvl="0">
+              <a:defRPr/>
+            </a:pPr>
+            <a:r>
+              <a:rPr lang="ko-KR" altLang="en-US" sz="2400">
+                <a:solidFill>
+                  <a:schemeClr val="tx1">
+                    <a:alpha val="71000"/>
+                  </a:schemeClr>
+                </a:solidFill>
+                <a:latin typeface="DX영화자막 M"/>
+                <a:ea typeface="DX영화자막 M"/>
+              </a:rPr>
+              <a:t>작가소개</a:t>
+            </a:r>
+            <a:endParaRPr lang="ko-KR" altLang="en-US" sz="2400">
+              <a:solidFill>
+                <a:schemeClr val="tx1">
+                  <a:alpha val="71000"/>
+                </a:schemeClr>
+              </a:solidFill>
+              <a:latin typeface="DX영화자막 M"/>
+              <a:ea typeface="DX영화자막 M"/>
+            </a:endParaRPr>
+          </a:p>
+        </p:txBody>
+      </p:sp>
+      <p:pic>
+        <p:nvPicPr>
+          <p:cNvPr id="8" name="그림 7"/>
+          <p:cNvPicPr>
+            <a:picLocks noChangeAspect="1"/>
+          </p:cNvPicPr>
+          <p:nvPr/>
+        </p:nvPicPr>
+        <p:blipFill rotWithShape="1">
+          <a:blip r:embed="rId3"/>
+          <a:stretch>
+            <a:fillRect/>
+          </a:stretch>
+        </p:blipFill>
+        <p:spPr>
+          <a:xfrm>
+            <a:off x="0" y="-1"/>
+            <a:ext cx="12192000" cy="9134475"/>
+          </a:xfrm>
+          <a:prstGeom prst="rect">
+            <a:avLst/>
+          </a:prstGeom>
+        </p:spPr>
+      </p:pic>
+      <p:sp>
+        <p:nvSpPr>
+          <p:cNvPr id="17" name="TextBox 16"/>
           <p:cNvSpPr txBox="1"/>
           <p:nvPr/>
         </p:nvSpPr>
@@ -10576,14 +17488,14 @@
       </p:sp>
       <p:sp>
         <p:nvSpPr>
-          <p:cNvPr id="55" name="TextBox 54"/>
+          <p:cNvPr id="19" name="TextBox 18"/>
           <p:cNvSpPr txBox="1"/>
           <p:nvPr/>
         </p:nvSpPr>
         <p:spPr>
           <a:xfrm>
-            <a:off x="5629302" y="713595"/>
-            <a:ext cx="1499547" cy="446550"/>
+            <a:off x="3825143" y="839944"/>
+            <a:ext cx="4541714" cy="446550"/>
           </a:xfrm>
           <a:prstGeom prst="rect">
             <a:avLst/>
@@ -10612,9 +17524,21 @@
                 <a:latin typeface="DX영화자막 M"/>
                 <a:ea typeface="DX영화자막 M"/>
               </a:rPr>
-              <a:t>사 례</a:t>
-            </a:r>
-            <a:endParaRPr lang="ko-KR" altLang="en-US" sz="2400">
+              <a:t>슬로싱킹은 어떻게 작동하는가</a:t>
+            </a:r>
+            <a:r>
+              <a:rPr lang="en-US" altLang="ko-KR" sz="2400">
+                <a:solidFill>
+                  <a:schemeClr val="tx1">
+                    <a:alpha val="71000"/>
+                  </a:schemeClr>
+                </a:solidFill>
+                <a:latin typeface="DX영화자막 M"/>
+                <a:ea typeface="DX영화자막 M"/>
+              </a:rPr>
+              <a:t>?</a:t>
+            </a:r>
+            <a:endParaRPr lang="en-US" altLang="ko-KR" sz="2400">
               <a:solidFill>
                 <a:schemeClr val="tx1">
                   <a:alpha val="71000"/>
@@ -10626,30 +17550,1248 @@
           </a:p>
         </p:txBody>
       </p:sp>
-      <p:pic>
-        <p:nvPicPr>
-          <p:cNvPr id="66" name=""/>
-          <p:cNvPicPr>
-            <a:picLocks noChangeAspect="1"/>
-          </p:cNvPicPr>
+      <p:grpSp>
+        <p:nvGrpSpPr>
+          <p:cNvPr id="20" name="그룹 19"/>
+          <p:cNvGrpSpPr/>
           <p:nvPr/>
-        </p:nvPicPr>
-        <p:blipFill rotWithShape="1">
-          <a:blip r:embed="rId3"/>
-          <a:stretch>
-            <a:fillRect/>
-          </a:stretch>
-        </p:blipFill>
+        </p:nvGrpSpPr>
+        <p:grpSpPr>
+          <a:xfrm rot="0">
+            <a:off x="393325" y="3093612"/>
+            <a:ext cx="163649" cy="975576"/>
+            <a:chOff x="306686" y="3281373"/>
+            <a:chExt cx="163649" cy="975576"/>
+          </a:xfrm>
+        </p:grpSpPr>
+        <p:cxnSp>
+          <p:nvCxnSpPr>
+            <p:cNvPr id="21" name="직선 연결선 20"/>
+            <p:cNvCxnSpPr/>
+            <p:nvPr/>
+          </p:nvCxnSpPr>
+          <p:spPr>
+            <a:xfrm>
+              <a:off x="306686" y="4127358"/>
+              <a:ext cx="160637" cy="129591"/>
+            </a:xfrm>
+            <a:prstGeom prst="line">
+              <a:avLst/>
+            </a:prstGeom>
+            <a:ln w="12700">
+              <a:solidFill>
+                <a:srgbClr val="ac9d8e"/>
+              </a:solidFill>
+            </a:ln>
+          </p:spPr>
+          <p:style>
+            <a:lnRef idx="1">
+              <a:schemeClr val="accent1"/>
+            </a:lnRef>
+            <a:fillRef idx="0">
+              <a:schemeClr val="accent1"/>
+            </a:fillRef>
+            <a:effectRef idx="0">
+              <a:schemeClr val="accent1"/>
+            </a:effectRef>
+            <a:fontRef idx="minor">
+              <a:schemeClr val="tx1"/>
+            </a:fontRef>
+          </p:style>
+        </p:cxnSp>
+        <p:cxnSp>
+          <p:nvCxnSpPr>
+            <p:cNvPr id="23" name="직선 연결선 22"/>
+            <p:cNvCxnSpPr/>
+            <p:nvPr/>
+          </p:nvCxnSpPr>
+          <p:spPr>
+            <a:xfrm>
+              <a:off x="306686" y="3838775"/>
+              <a:ext cx="160637" cy="129591"/>
+            </a:xfrm>
+            <a:prstGeom prst="line">
+              <a:avLst/>
+            </a:prstGeom>
+            <a:ln w="12700">
+              <a:solidFill>
+                <a:srgbClr val="ac9d8e"/>
+              </a:solidFill>
+            </a:ln>
+          </p:spPr>
+          <p:style>
+            <a:lnRef idx="1">
+              <a:schemeClr val="accent1"/>
+            </a:lnRef>
+            <a:fillRef idx="0">
+              <a:schemeClr val="accent1"/>
+            </a:fillRef>
+            <a:effectRef idx="0">
+              <a:schemeClr val="accent1"/>
+            </a:effectRef>
+            <a:fontRef idx="minor">
+              <a:schemeClr val="tx1"/>
+            </a:fontRef>
+          </p:style>
+        </p:cxnSp>
+        <p:cxnSp>
+          <p:nvCxnSpPr>
+            <p:cNvPr id="25" name="직선 연결선 24"/>
+            <p:cNvCxnSpPr/>
+            <p:nvPr/>
+          </p:nvCxnSpPr>
+          <p:spPr>
+            <a:xfrm>
+              <a:off x="306686" y="3550192"/>
+              <a:ext cx="160637" cy="129591"/>
+            </a:xfrm>
+            <a:prstGeom prst="line">
+              <a:avLst/>
+            </a:prstGeom>
+            <a:ln w="12700">
+              <a:solidFill>
+                <a:srgbClr val="ac9d8e"/>
+              </a:solidFill>
+            </a:ln>
+          </p:spPr>
+          <p:style>
+            <a:lnRef idx="1">
+              <a:schemeClr val="accent1"/>
+            </a:lnRef>
+            <a:fillRef idx="0">
+              <a:schemeClr val="accent1"/>
+            </a:fillRef>
+            <a:effectRef idx="0">
+              <a:schemeClr val="accent1"/>
+            </a:effectRef>
+            <a:fontRef idx="minor">
+              <a:schemeClr val="tx1"/>
+            </a:fontRef>
+          </p:style>
+        </p:cxnSp>
+        <p:cxnSp>
+          <p:nvCxnSpPr>
+            <p:cNvPr id="26" name="직선 연결선 25"/>
+            <p:cNvCxnSpPr/>
+            <p:nvPr/>
+          </p:nvCxnSpPr>
+          <p:spPr>
+            <a:xfrm>
+              <a:off x="309698" y="3281373"/>
+              <a:ext cx="160637" cy="129591"/>
+            </a:xfrm>
+            <a:prstGeom prst="line">
+              <a:avLst/>
+            </a:prstGeom>
+            <a:ln w="12700">
+              <a:solidFill>
+                <a:srgbClr val="ac9d8e"/>
+              </a:solidFill>
+            </a:ln>
+          </p:spPr>
+          <p:style>
+            <a:lnRef idx="1">
+              <a:schemeClr val="accent1"/>
+            </a:lnRef>
+            <a:fillRef idx="0">
+              <a:schemeClr val="accent1"/>
+            </a:fillRef>
+            <a:effectRef idx="0">
+              <a:schemeClr val="accent1"/>
+            </a:effectRef>
+            <a:fontRef idx="minor">
+              <a:schemeClr val="tx1"/>
+            </a:fontRef>
+          </p:style>
+        </p:cxnSp>
+      </p:grpSp>
+      <p:sp>
+        <p:nvSpPr>
+          <p:cNvPr id="27" name="TextBox 26"/>
+          <p:cNvSpPr txBox="1"/>
+          <p:nvPr/>
+        </p:nvSpPr>
         <p:spPr>
           <a:xfrm>
-            <a:off x="3113053" y="1380849"/>
-            <a:ext cx="5965893" cy="5240757"/>
+            <a:off x="5406105" y="1163408"/>
+            <a:ext cx="1379790" cy="1614393"/>
+          </a:xfrm>
+          <a:prstGeom prst="rect">
+            <a:avLst/>
+          </a:prstGeom>
+          <a:noFill/>
+        </p:spPr>
+        <p:txBody>
+          <a:bodyPr wrap="square">
+            <a:spAutoFit/>
+          </a:bodyPr>
+          <a:lstStyle/>
+          <a:p>
+            <a:pPr algn="ctr">
+              <a:defRPr/>
+            </a:pPr>
+            <a:r>
+              <a:rPr lang="en-US" altLang="ko-KR" sz="10000">
+                <a:solidFill>
+                  <a:srgbClr val="9a8b85"/>
+                </a:solidFill>
+                <a:latin typeface="휴먼옛체"/>
+                <a:ea typeface="휴먼옛체"/>
+              </a:rPr>
+              <a:t>“</a:t>
+            </a:r>
+            <a:endParaRPr lang="ko-KR" altLang="en-US" sz="10000">
+              <a:solidFill>
+                <a:srgbClr val="9a8b85"/>
+              </a:solidFill>
+              <a:latin typeface="휴먼옛체"/>
+              <a:ea typeface="휴먼옛체"/>
+            </a:endParaRPr>
+          </a:p>
+        </p:txBody>
+      </p:sp>
+      <p:sp>
+        <p:nvSpPr>
+          <p:cNvPr id="30" name="직사각형 29"/>
+          <p:cNvSpPr/>
+          <p:nvPr/>
+        </p:nvSpPr>
+        <p:spPr>
+          <a:xfrm>
+            <a:off x="5370452" y="6053898"/>
+            <a:ext cx="1455162" cy="1611822"/>
           </a:xfrm>
           <a:prstGeom prst="rect">
             <a:avLst/>
           </a:prstGeom>
         </p:spPr>
-      </p:pic>
+        <p:txBody>
+          <a:bodyPr wrap="none">
+            <a:spAutoFit/>
+          </a:bodyPr>
+          <a:lstStyle/>
+          <a:p>
+            <a:pPr algn="ctr">
+              <a:defRPr/>
+            </a:pPr>
+            <a:r>
+              <a:rPr lang="en-US" altLang="ko-KR" sz="10000">
+                <a:solidFill>
+                  <a:srgbClr val="9a8b85"/>
+                </a:solidFill>
+                <a:latin typeface="휴먼옛체"/>
+                <a:ea typeface="휴먼옛체"/>
+              </a:rPr>
+              <a:t>”</a:t>
+            </a:r>
+            <a:endParaRPr lang="ko-KR" altLang="en-US" sz="10000">
+              <a:solidFill>
+                <a:srgbClr val="9a8b85"/>
+              </a:solidFill>
+            </a:endParaRPr>
+          </a:p>
+        </p:txBody>
+      </p:sp>
+      <p:sp>
+        <p:nvSpPr>
+          <p:cNvPr id="33" name="순서도: 처리 61"/>
+          <p:cNvSpPr/>
+          <p:nvPr/>
+        </p:nvSpPr>
+        <p:spPr>
+          <a:xfrm>
+            <a:off x="3683413" y="2065353"/>
+            <a:ext cx="4825172" cy="1889788"/>
+          </a:xfrm>
+          <a:custGeom>
+            <a:avLst/>
+            <a:gdLst>
+              <a:gd name="connsiteX0" fmla="*/ 0 w 5799809"/>
+              <a:gd name="connsiteY0" fmla="*/ 0 h 425946"/>
+              <a:gd name="connsiteX1" fmla="*/ 470429 w 5799809"/>
+              <a:gd name="connsiteY1" fmla="*/ 0 h 425946"/>
+              <a:gd name="connsiteX2" fmla="*/ 1056854 w 5799809"/>
+              <a:gd name="connsiteY2" fmla="*/ 0 h 425946"/>
+              <a:gd name="connsiteX3" fmla="*/ 1585281 w 5799809"/>
+              <a:gd name="connsiteY3" fmla="*/ 0 h 425946"/>
+              <a:gd name="connsiteX4" fmla="*/ 2113708 w 5799809"/>
+              <a:gd name="connsiteY4" fmla="*/ 0 h 425946"/>
+              <a:gd name="connsiteX5" fmla="*/ 2758131 w 5799809"/>
+              <a:gd name="connsiteY5" fmla="*/ 0 h 425946"/>
+              <a:gd name="connsiteX6" fmla="*/ 3402555 w 5799809"/>
+              <a:gd name="connsiteY6" fmla="*/ 0 h 425946"/>
+              <a:gd name="connsiteX7" fmla="*/ 3930982 w 5799809"/>
+              <a:gd name="connsiteY7" fmla="*/ 0 h 425946"/>
+              <a:gd name="connsiteX8" fmla="*/ 4633403 w 5799809"/>
+              <a:gd name="connsiteY8" fmla="*/ 0 h 425946"/>
+              <a:gd name="connsiteX9" fmla="*/ 5103832 w 5799809"/>
+              <a:gd name="connsiteY9" fmla="*/ 0 h 425946"/>
+              <a:gd name="connsiteX10" fmla="*/ 5799809 w 5799809"/>
+              <a:gd name="connsiteY10" fmla="*/ 0 h 425946"/>
+              <a:gd name="connsiteX11" fmla="*/ 5799809 w 5799809"/>
+              <a:gd name="connsiteY11" fmla="*/ 425946 h 425946"/>
+              <a:gd name="connsiteX12" fmla="*/ 5155386 w 5799809"/>
+              <a:gd name="connsiteY12" fmla="*/ 425946 h 425946"/>
+              <a:gd name="connsiteX13" fmla="*/ 4684957 w 5799809"/>
+              <a:gd name="connsiteY13" fmla="*/ 425946 h 425946"/>
+              <a:gd name="connsiteX14" fmla="*/ 4040534 w 5799809"/>
+              <a:gd name="connsiteY14" fmla="*/ 425946 h 425946"/>
+              <a:gd name="connsiteX15" fmla="*/ 3338112 w 5799809"/>
+              <a:gd name="connsiteY15" fmla="*/ 425946 h 425946"/>
+              <a:gd name="connsiteX16" fmla="*/ 2809685 w 5799809"/>
+              <a:gd name="connsiteY16" fmla="*/ 425946 h 425946"/>
+              <a:gd name="connsiteX17" fmla="*/ 2165262 w 5799809"/>
+              <a:gd name="connsiteY17" fmla="*/ 425946 h 425946"/>
+              <a:gd name="connsiteX18" fmla="*/ 1462841 w 5799809"/>
+              <a:gd name="connsiteY18" fmla="*/ 425946 h 425946"/>
+              <a:gd name="connsiteX19" fmla="*/ 818417 w 5799809"/>
+              <a:gd name="connsiteY19" fmla="*/ 425946 h 425946"/>
+              <a:gd name="connsiteX20" fmla="*/ 0 w 5799809"/>
+              <a:gd name="connsiteY20" fmla="*/ 425946 h 425946"/>
+              <a:gd name="connsiteX21" fmla="*/ 0 w 5799809"/>
+              <a:gd name="connsiteY21" fmla="*/ 0 h 425946"/>
+            </a:gdLst>
+            <a:cxnLst>
+              <a:cxn ang="0">
+                <a:pos x="connsiteX0" y="connsiteY0"/>
+              </a:cxn>
+              <a:cxn ang="0">
+                <a:pos x="connsiteX1" y="connsiteY1"/>
+              </a:cxn>
+              <a:cxn ang="0">
+                <a:pos x="connsiteX2" y="connsiteY2"/>
+              </a:cxn>
+              <a:cxn ang="0">
+                <a:pos x="connsiteX3" y="connsiteY3"/>
+              </a:cxn>
+              <a:cxn ang="0">
+                <a:pos x="connsiteX4" y="connsiteY4"/>
+              </a:cxn>
+              <a:cxn ang="0">
+                <a:pos x="connsiteX5" y="connsiteY5"/>
+              </a:cxn>
+              <a:cxn ang="0">
+                <a:pos x="connsiteX6" y="connsiteY6"/>
+              </a:cxn>
+              <a:cxn ang="0">
+                <a:pos x="connsiteX7" y="connsiteY7"/>
+              </a:cxn>
+              <a:cxn ang="0">
+                <a:pos x="connsiteX8" y="connsiteY8"/>
+              </a:cxn>
+              <a:cxn ang="0">
+                <a:pos x="connsiteX9" y="connsiteY9"/>
+              </a:cxn>
+              <a:cxn ang="0">
+                <a:pos x="connsiteX10" y="connsiteY10"/>
+              </a:cxn>
+              <a:cxn ang="0">
+                <a:pos x="connsiteX11" y="connsiteY11"/>
+              </a:cxn>
+              <a:cxn ang="0">
+                <a:pos x="connsiteX12" y="connsiteY12"/>
+              </a:cxn>
+              <a:cxn ang="0">
+                <a:pos x="connsiteX13" y="connsiteY13"/>
+              </a:cxn>
+              <a:cxn ang="0">
+                <a:pos x="connsiteX14" y="connsiteY14"/>
+              </a:cxn>
+              <a:cxn ang="0">
+                <a:pos x="connsiteX15" y="connsiteY15"/>
+              </a:cxn>
+              <a:cxn ang="0">
+                <a:pos x="connsiteX16" y="connsiteY16"/>
+              </a:cxn>
+              <a:cxn ang="0">
+                <a:pos x="connsiteX17" y="connsiteY17"/>
+              </a:cxn>
+              <a:cxn ang="0">
+                <a:pos x="connsiteX18" y="connsiteY18"/>
+              </a:cxn>
+              <a:cxn ang="0">
+                <a:pos x="connsiteX19" y="connsiteY19"/>
+              </a:cxn>
+              <a:cxn ang="0">
+                <a:pos x="connsiteX20" y="connsiteY20"/>
+              </a:cxn>
+              <a:cxn ang="0">
+                <a:pos x="connsiteX21" y="connsiteY21"/>
+              </a:cxn>
+            </a:cxnLst>
+            <a:rect l="l" t="t" r="r" b="b"/>
+            <a:pathLst>
+              <a:path w="5799809" h="425946" fill="none" extrusionOk="0">
+                <a:moveTo>
+                  <a:pt x="0" y="0"/>
+                </a:moveTo>
+                <a:cubicBezTo>
+                  <a:pt x="232930" y="11357"/>
+                  <a:pt x="338405" y="-11052"/>
+                  <a:pt x="470429" y="0"/>
+                </a:cubicBezTo>
+                <a:cubicBezTo>
+                  <a:pt x="602453" y="11052"/>
+                  <a:pt x="809389" y="-26878"/>
+                  <a:pt x="1056854" y="0"/>
+                </a:cubicBezTo>
+                <a:cubicBezTo>
+                  <a:pt x="1304320" y="26878"/>
+                  <a:pt x="1468530" y="-24406"/>
+                  <a:pt x="1585281" y="0"/>
+                </a:cubicBezTo>
+                <a:cubicBezTo>
+                  <a:pt x="1702032" y="24406"/>
+                  <a:pt x="2004466" y="14170"/>
+                  <a:pt x="2113708" y="0"/>
+                </a:cubicBezTo>
+                <a:cubicBezTo>
+                  <a:pt x="2222950" y="-14170"/>
+                  <a:pt x="2556011" y="28112"/>
+                  <a:pt x="2758131" y="0"/>
+                </a:cubicBezTo>
+                <a:cubicBezTo>
+                  <a:pt x="2960251" y="-28112"/>
+                  <a:pt x="3097544" y="-7034"/>
+                  <a:pt x="3402555" y="0"/>
+                </a:cubicBezTo>
+                <a:cubicBezTo>
+                  <a:pt x="3707566" y="7034"/>
+                  <a:pt x="3772141" y="4589"/>
+                  <a:pt x="3930982" y="0"/>
+                </a:cubicBezTo>
+                <a:cubicBezTo>
+                  <a:pt x="4089823" y="-4589"/>
+                  <a:pt x="4481847" y="28392"/>
+                  <a:pt x="4633403" y="0"/>
+                </a:cubicBezTo>
+                <a:cubicBezTo>
+                  <a:pt x="4784959" y="-28392"/>
+                  <a:pt x="4910939" y="-2346"/>
+                  <a:pt x="5103832" y="0"/>
+                </a:cubicBezTo>
+                <a:cubicBezTo>
+                  <a:pt x="5296725" y="2346"/>
+                  <a:pt x="5508736" y="-20318"/>
+                  <a:pt x="5799809" y="0"/>
+                </a:cubicBezTo>
+                <a:cubicBezTo>
+                  <a:pt x="5788599" y="198653"/>
+                  <a:pt x="5812935" y="266898"/>
+                  <a:pt x="5799809" y="425946"/>
+                </a:cubicBezTo>
+                <a:cubicBezTo>
+                  <a:pt x="5617430" y="412954"/>
+                  <a:pt x="5331856" y="449678"/>
+                  <a:pt x="5155386" y="425946"/>
+                </a:cubicBezTo>
+                <a:cubicBezTo>
+                  <a:pt x="4978916" y="402214"/>
+                  <a:pt x="4857030" y="423944"/>
+                  <a:pt x="4684957" y="425946"/>
+                </a:cubicBezTo>
+                <a:cubicBezTo>
+                  <a:pt x="4512884" y="427948"/>
+                  <a:pt x="4342832" y="445858"/>
+                  <a:pt x="4040534" y="425946"/>
+                </a:cubicBezTo>
+                <a:cubicBezTo>
+                  <a:pt x="3738236" y="406034"/>
+                  <a:pt x="3513554" y="443777"/>
+                  <a:pt x="3338112" y="425946"/>
+                </a:cubicBezTo>
+                <a:cubicBezTo>
+                  <a:pt x="3162670" y="408115"/>
+                  <a:pt x="3031362" y="412638"/>
+                  <a:pt x="2809685" y="425946"/>
+                </a:cubicBezTo>
+                <a:cubicBezTo>
+                  <a:pt x="2588008" y="439254"/>
+                  <a:pt x="2396513" y="447981"/>
+                  <a:pt x="2165262" y="425946"/>
+                </a:cubicBezTo>
+                <a:cubicBezTo>
+                  <a:pt x="1934011" y="403911"/>
+                  <a:pt x="1762479" y="426888"/>
+                  <a:pt x="1462841" y="425946"/>
+                </a:cubicBezTo>
+                <a:cubicBezTo>
+                  <a:pt x="1163203" y="425004"/>
+                  <a:pt x="955896" y="428651"/>
+                  <a:pt x="818417" y="425946"/>
+                </a:cubicBezTo>
+                <a:cubicBezTo>
+                  <a:pt x="680938" y="423241"/>
+                  <a:pt x="240620" y="433396"/>
+                  <a:pt x="0" y="425946"/>
+                </a:cubicBezTo>
+                <a:cubicBezTo>
+                  <a:pt x="-13937" y="217353"/>
+                  <a:pt x="3380" y="194608"/>
+                  <a:pt x="0" y="0"/>
+                </a:cubicBezTo>
+                <a:close/>
+              </a:path>
+              <a:path w="5799809" h="425946" stroke="0" extrusionOk="0">
+                <a:moveTo>
+                  <a:pt x="0" y="0"/>
+                </a:moveTo>
+                <a:cubicBezTo>
+                  <a:pt x="156451" y="-5263"/>
+                  <a:pt x="344124" y="-7670"/>
+                  <a:pt x="528427" y="0"/>
+                </a:cubicBezTo>
+                <a:cubicBezTo>
+                  <a:pt x="712730" y="7670"/>
+                  <a:pt x="1052845" y="3624"/>
+                  <a:pt x="1288846" y="0"/>
+                </a:cubicBezTo>
+                <a:cubicBezTo>
+                  <a:pt x="1524847" y="-3624"/>
+                  <a:pt x="1572216" y="2669"/>
+                  <a:pt x="1817273" y="0"/>
+                </a:cubicBezTo>
+                <a:cubicBezTo>
+                  <a:pt x="2062330" y="-2669"/>
+                  <a:pt x="2125614" y="-1841"/>
+                  <a:pt x="2287702" y="0"/>
+                </a:cubicBezTo>
+                <a:cubicBezTo>
+                  <a:pt x="2449790" y="1841"/>
+                  <a:pt x="2540838" y="-10545"/>
+                  <a:pt x="2758131" y="0"/>
+                </a:cubicBezTo>
+                <a:cubicBezTo>
+                  <a:pt x="2975424" y="10545"/>
+                  <a:pt x="3070417" y="16952"/>
+                  <a:pt x="3286558" y="0"/>
+                </a:cubicBezTo>
+                <a:cubicBezTo>
+                  <a:pt x="3502699" y="-16952"/>
+                  <a:pt x="3772879" y="25154"/>
+                  <a:pt x="4046978" y="0"/>
+                </a:cubicBezTo>
+                <a:cubicBezTo>
+                  <a:pt x="4321077" y="-25154"/>
+                  <a:pt x="4471091" y="-15419"/>
+                  <a:pt x="4691401" y="0"/>
+                </a:cubicBezTo>
+                <a:cubicBezTo>
+                  <a:pt x="4911711" y="15419"/>
+                  <a:pt x="5486808" y="-34903"/>
+                  <a:pt x="5799809" y="0"/>
+                </a:cubicBezTo>
+                <a:cubicBezTo>
+                  <a:pt x="5811781" y="117662"/>
+                  <a:pt x="5813135" y="213997"/>
+                  <a:pt x="5799809" y="425946"/>
+                </a:cubicBezTo>
+                <a:cubicBezTo>
+                  <a:pt x="5631023" y="426859"/>
+                  <a:pt x="5495897" y="406180"/>
+                  <a:pt x="5329380" y="425946"/>
+                </a:cubicBezTo>
+                <a:cubicBezTo>
+                  <a:pt x="5162863" y="445712"/>
+                  <a:pt x="4971538" y="414601"/>
+                  <a:pt x="4742955" y="425946"/>
+                </a:cubicBezTo>
+                <a:cubicBezTo>
+                  <a:pt x="4514373" y="437291"/>
+                  <a:pt x="4305792" y="401898"/>
+                  <a:pt x="4098532" y="425946"/>
+                </a:cubicBezTo>
+                <a:cubicBezTo>
+                  <a:pt x="3891272" y="449994"/>
+                  <a:pt x="3550710" y="452828"/>
+                  <a:pt x="3396110" y="425946"/>
+                </a:cubicBezTo>
+                <a:cubicBezTo>
+                  <a:pt x="3241510" y="399064"/>
+                  <a:pt x="2987621" y="437035"/>
+                  <a:pt x="2867683" y="425946"/>
+                </a:cubicBezTo>
+                <a:cubicBezTo>
+                  <a:pt x="2747745" y="414857"/>
+                  <a:pt x="2500791" y="420398"/>
+                  <a:pt x="2281258" y="425946"/>
+                </a:cubicBezTo>
+                <a:cubicBezTo>
+                  <a:pt x="2061725" y="431494"/>
+                  <a:pt x="1816635" y="426101"/>
+                  <a:pt x="1636835" y="425946"/>
+                </a:cubicBezTo>
+                <a:cubicBezTo>
+                  <a:pt x="1457035" y="425791"/>
+                  <a:pt x="1307407" y="428836"/>
+                  <a:pt x="1050410" y="425946"/>
+                </a:cubicBezTo>
+                <a:cubicBezTo>
+                  <a:pt x="793414" y="423056"/>
+                  <a:pt x="415100" y="437818"/>
+                  <a:pt x="0" y="425946"/>
+                </a:cubicBezTo>
+                <a:cubicBezTo>
+                  <a:pt x="553" y="260129"/>
+                  <a:pt x="10725" y="188645"/>
+                  <a:pt x="0" y="0"/>
+                </a:cubicBezTo>
+                <a:close/>
+              </a:path>
+            </a:pathLst>
+          </a:custGeom>
+          <a:solidFill>
+            <a:schemeClr val="accent4">
+              <a:lumMod val="40000"/>
+              <a:lumOff val="60000"/>
+              <a:alpha val="35000"/>
+            </a:schemeClr>
+          </a:solidFill>
+          <a:ln>
+            <a:solidFill>
+              <a:schemeClr val="accent4">
+                <a:lumMod val="40000"/>
+                <a:lumOff val="60000"/>
+              </a:schemeClr>
+            </a:solidFill>
+          </a:ln>
+        </p:spPr>
+        <p:style>
+          <a:lnRef idx="2">
+            <a:schemeClr val="accent1">
+              <a:shade val="50000"/>
+            </a:schemeClr>
+          </a:lnRef>
+          <a:fillRef idx="1">
+            <a:schemeClr val="accent1"/>
+          </a:fillRef>
+          <a:effectRef idx="0">
+            <a:schemeClr val="accent1"/>
+          </a:effectRef>
+          <a:fontRef idx="minor">
+            <a:schemeClr val="lt1"/>
+          </a:fontRef>
+        </p:style>
+        <p:txBody>
+          <a:bodyPr anchor="ctr"/>
+          <a:lstStyle/>
+          <a:p>
+            <a:pPr algn="ctr">
+              <a:defRPr/>
+            </a:pPr>
+            <a:endParaRPr lang="ko-KR" altLang="en-US"/>
+          </a:p>
+        </p:txBody>
+      </p:sp>
+      <p:sp>
+        <p:nvSpPr>
+          <p:cNvPr id="55" name="순서도: 처리 61"/>
+          <p:cNvSpPr/>
+          <p:nvPr/>
+        </p:nvSpPr>
+        <p:spPr>
+          <a:xfrm>
+            <a:off x="3683413" y="4418531"/>
+            <a:ext cx="4825172" cy="1889788"/>
+          </a:xfrm>
+          <a:custGeom>
+            <a:avLst/>
+            <a:gdLst>
+              <a:gd name="connsiteX0" fmla="*/ 0 w 5799809"/>
+              <a:gd name="connsiteY0" fmla="*/ 0 h 425946"/>
+              <a:gd name="connsiteX1" fmla="*/ 470429 w 5799809"/>
+              <a:gd name="connsiteY1" fmla="*/ 0 h 425946"/>
+              <a:gd name="connsiteX2" fmla="*/ 1056854 w 5799809"/>
+              <a:gd name="connsiteY2" fmla="*/ 0 h 425946"/>
+              <a:gd name="connsiteX3" fmla="*/ 1585281 w 5799809"/>
+              <a:gd name="connsiteY3" fmla="*/ 0 h 425946"/>
+              <a:gd name="connsiteX4" fmla="*/ 2113708 w 5799809"/>
+              <a:gd name="connsiteY4" fmla="*/ 0 h 425946"/>
+              <a:gd name="connsiteX5" fmla="*/ 2758131 w 5799809"/>
+              <a:gd name="connsiteY5" fmla="*/ 0 h 425946"/>
+              <a:gd name="connsiteX6" fmla="*/ 3402555 w 5799809"/>
+              <a:gd name="connsiteY6" fmla="*/ 0 h 425946"/>
+              <a:gd name="connsiteX7" fmla="*/ 3930982 w 5799809"/>
+              <a:gd name="connsiteY7" fmla="*/ 0 h 425946"/>
+              <a:gd name="connsiteX8" fmla="*/ 4633403 w 5799809"/>
+              <a:gd name="connsiteY8" fmla="*/ 0 h 425946"/>
+              <a:gd name="connsiteX9" fmla="*/ 5103832 w 5799809"/>
+              <a:gd name="connsiteY9" fmla="*/ 0 h 425946"/>
+              <a:gd name="connsiteX10" fmla="*/ 5799809 w 5799809"/>
+              <a:gd name="connsiteY10" fmla="*/ 0 h 425946"/>
+              <a:gd name="connsiteX11" fmla="*/ 5799809 w 5799809"/>
+              <a:gd name="connsiteY11" fmla="*/ 425946 h 425946"/>
+              <a:gd name="connsiteX12" fmla="*/ 5155386 w 5799809"/>
+              <a:gd name="connsiteY12" fmla="*/ 425946 h 425946"/>
+              <a:gd name="connsiteX13" fmla="*/ 4684957 w 5799809"/>
+              <a:gd name="connsiteY13" fmla="*/ 425946 h 425946"/>
+              <a:gd name="connsiteX14" fmla="*/ 4040534 w 5799809"/>
+              <a:gd name="connsiteY14" fmla="*/ 425946 h 425946"/>
+              <a:gd name="connsiteX15" fmla="*/ 3338112 w 5799809"/>
+              <a:gd name="connsiteY15" fmla="*/ 425946 h 425946"/>
+              <a:gd name="connsiteX16" fmla="*/ 2809685 w 5799809"/>
+              <a:gd name="connsiteY16" fmla="*/ 425946 h 425946"/>
+              <a:gd name="connsiteX17" fmla="*/ 2165262 w 5799809"/>
+              <a:gd name="connsiteY17" fmla="*/ 425946 h 425946"/>
+              <a:gd name="connsiteX18" fmla="*/ 1462841 w 5799809"/>
+              <a:gd name="connsiteY18" fmla="*/ 425946 h 425946"/>
+              <a:gd name="connsiteX19" fmla="*/ 818417 w 5799809"/>
+              <a:gd name="connsiteY19" fmla="*/ 425946 h 425946"/>
+              <a:gd name="connsiteX20" fmla="*/ 0 w 5799809"/>
+              <a:gd name="connsiteY20" fmla="*/ 425946 h 425946"/>
+              <a:gd name="connsiteX21" fmla="*/ 0 w 5799809"/>
+              <a:gd name="connsiteY21" fmla="*/ 0 h 425946"/>
+            </a:gdLst>
+            <a:cxnLst>
+              <a:cxn ang="0">
+                <a:pos x="connsiteX0" y="connsiteY0"/>
+              </a:cxn>
+              <a:cxn ang="0">
+                <a:pos x="connsiteX1" y="connsiteY1"/>
+              </a:cxn>
+              <a:cxn ang="0">
+                <a:pos x="connsiteX2" y="connsiteY2"/>
+              </a:cxn>
+              <a:cxn ang="0">
+                <a:pos x="connsiteX3" y="connsiteY3"/>
+              </a:cxn>
+              <a:cxn ang="0">
+                <a:pos x="connsiteX4" y="connsiteY4"/>
+              </a:cxn>
+              <a:cxn ang="0">
+                <a:pos x="connsiteX5" y="connsiteY5"/>
+              </a:cxn>
+              <a:cxn ang="0">
+                <a:pos x="connsiteX6" y="connsiteY6"/>
+              </a:cxn>
+              <a:cxn ang="0">
+                <a:pos x="connsiteX7" y="connsiteY7"/>
+              </a:cxn>
+              <a:cxn ang="0">
+                <a:pos x="connsiteX8" y="connsiteY8"/>
+              </a:cxn>
+              <a:cxn ang="0">
+                <a:pos x="connsiteX9" y="connsiteY9"/>
+              </a:cxn>
+              <a:cxn ang="0">
+                <a:pos x="connsiteX10" y="connsiteY10"/>
+              </a:cxn>
+              <a:cxn ang="0">
+                <a:pos x="connsiteX11" y="connsiteY11"/>
+              </a:cxn>
+              <a:cxn ang="0">
+                <a:pos x="connsiteX12" y="connsiteY12"/>
+              </a:cxn>
+              <a:cxn ang="0">
+                <a:pos x="connsiteX13" y="connsiteY13"/>
+              </a:cxn>
+              <a:cxn ang="0">
+                <a:pos x="connsiteX14" y="connsiteY14"/>
+              </a:cxn>
+              <a:cxn ang="0">
+                <a:pos x="connsiteX15" y="connsiteY15"/>
+              </a:cxn>
+              <a:cxn ang="0">
+                <a:pos x="connsiteX16" y="connsiteY16"/>
+              </a:cxn>
+              <a:cxn ang="0">
+                <a:pos x="connsiteX17" y="connsiteY17"/>
+              </a:cxn>
+              <a:cxn ang="0">
+                <a:pos x="connsiteX18" y="connsiteY18"/>
+              </a:cxn>
+              <a:cxn ang="0">
+                <a:pos x="connsiteX19" y="connsiteY19"/>
+              </a:cxn>
+              <a:cxn ang="0">
+                <a:pos x="connsiteX20" y="connsiteY20"/>
+              </a:cxn>
+              <a:cxn ang="0">
+                <a:pos x="connsiteX21" y="connsiteY21"/>
+              </a:cxn>
+            </a:cxnLst>
+            <a:rect l="l" t="t" r="r" b="b"/>
+            <a:pathLst>
+              <a:path w="5799809" h="425946" fill="none" extrusionOk="0">
+                <a:moveTo>
+                  <a:pt x="0" y="0"/>
+                </a:moveTo>
+                <a:cubicBezTo>
+                  <a:pt x="232930" y="11357"/>
+                  <a:pt x="338405" y="-11052"/>
+                  <a:pt x="470429" y="0"/>
+                </a:cubicBezTo>
+                <a:cubicBezTo>
+                  <a:pt x="602453" y="11052"/>
+                  <a:pt x="809389" y="-26878"/>
+                  <a:pt x="1056854" y="0"/>
+                </a:cubicBezTo>
+                <a:cubicBezTo>
+                  <a:pt x="1304320" y="26878"/>
+                  <a:pt x="1468530" y="-24406"/>
+                  <a:pt x="1585281" y="0"/>
+                </a:cubicBezTo>
+                <a:cubicBezTo>
+                  <a:pt x="1702032" y="24406"/>
+                  <a:pt x="2004466" y="14170"/>
+                  <a:pt x="2113708" y="0"/>
+                </a:cubicBezTo>
+                <a:cubicBezTo>
+                  <a:pt x="2222950" y="-14170"/>
+                  <a:pt x="2556011" y="28112"/>
+                  <a:pt x="2758131" y="0"/>
+                </a:cubicBezTo>
+                <a:cubicBezTo>
+                  <a:pt x="2960251" y="-28112"/>
+                  <a:pt x="3097544" y="-7034"/>
+                  <a:pt x="3402555" y="0"/>
+                </a:cubicBezTo>
+                <a:cubicBezTo>
+                  <a:pt x="3707566" y="7034"/>
+                  <a:pt x="3772141" y="4589"/>
+                  <a:pt x="3930982" y="0"/>
+                </a:cubicBezTo>
+                <a:cubicBezTo>
+                  <a:pt x="4089823" y="-4589"/>
+                  <a:pt x="4481847" y="28392"/>
+                  <a:pt x="4633403" y="0"/>
+                </a:cubicBezTo>
+                <a:cubicBezTo>
+                  <a:pt x="4784959" y="-28392"/>
+                  <a:pt x="4910939" y="-2346"/>
+                  <a:pt x="5103832" y="0"/>
+                </a:cubicBezTo>
+                <a:cubicBezTo>
+                  <a:pt x="5296725" y="2346"/>
+                  <a:pt x="5508736" y="-20318"/>
+                  <a:pt x="5799809" y="0"/>
+                </a:cubicBezTo>
+                <a:cubicBezTo>
+                  <a:pt x="5788599" y="198653"/>
+                  <a:pt x="5812935" y="266898"/>
+                  <a:pt x="5799809" y="425946"/>
+                </a:cubicBezTo>
+                <a:cubicBezTo>
+                  <a:pt x="5617430" y="412954"/>
+                  <a:pt x="5331856" y="449678"/>
+                  <a:pt x="5155386" y="425946"/>
+                </a:cubicBezTo>
+                <a:cubicBezTo>
+                  <a:pt x="4978916" y="402214"/>
+                  <a:pt x="4857030" y="423944"/>
+                  <a:pt x="4684957" y="425946"/>
+                </a:cubicBezTo>
+                <a:cubicBezTo>
+                  <a:pt x="4512884" y="427948"/>
+                  <a:pt x="4342832" y="445858"/>
+                  <a:pt x="4040534" y="425946"/>
+                </a:cubicBezTo>
+                <a:cubicBezTo>
+                  <a:pt x="3738236" y="406034"/>
+                  <a:pt x="3513554" y="443777"/>
+                  <a:pt x="3338112" y="425946"/>
+                </a:cubicBezTo>
+                <a:cubicBezTo>
+                  <a:pt x="3162670" y="408115"/>
+                  <a:pt x="3031362" y="412638"/>
+                  <a:pt x="2809685" y="425946"/>
+                </a:cubicBezTo>
+                <a:cubicBezTo>
+                  <a:pt x="2588008" y="439254"/>
+                  <a:pt x="2396513" y="447981"/>
+                  <a:pt x="2165262" y="425946"/>
+                </a:cubicBezTo>
+                <a:cubicBezTo>
+                  <a:pt x="1934011" y="403911"/>
+                  <a:pt x="1762479" y="426888"/>
+                  <a:pt x="1462841" y="425946"/>
+                </a:cubicBezTo>
+                <a:cubicBezTo>
+                  <a:pt x="1163203" y="425004"/>
+                  <a:pt x="955896" y="428651"/>
+                  <a:pt x="818417" y="425946"/>
+                </a:cubicBezTo>
+                <a:cubicBezTo>
+                  <a:pt x="680938" y="423241"/>
+                  <a:pt x="240620" y="433396"/>
+                  <a:pt x="0" y="425946"/>
+                </a:cubicBezTo>
+                <a:cubicBezTo>
+                  <a:pt x="-13937" y="217353"/>
+                  <a:pt x="3380" y="194608"/>
+                  <a:pt x="0" y="0"/>
+                </a:cubicBezTo>
+                <a:close/>
+              </a:path>
+              <a:path w="5799809" h="425946" stroke="0" extrusionOk="0">
+                <a:moveTo>
+                  <a:pt x="0" y="0"/>
+                </a:moveTo>
+                <a:cubicBezTo>
+                  <a:pt x="156451" y="-5263"/>
+                  <a:pt x="344124" y="-7670"/>
+                  <a:pt x="528427" y="0"/>
+                </a:cubicBezTo>
+                <a:cubicBezTo>
+                  <a:pt x="712730" y="7670"/>
+                  <a:pt x="1052845" y="3624"/>
+                  <a:pt x="1288846" y="0"/>
+                </a:cubicBezTo>
+                <a:cubicBezTo>
+                  <a:pt x="1524847" y="-3624"/>
+                  <a:pt x="1572216" y="2669"/>
+                  <a:pt x="1817273" y="0"/>
+                </a:cubicBezTo>
+                <a:cubicBezTo>
+                  <a:pt x="2062330" y="-2669"/>
+                  <a:pt x="2125614" y="-1841"/>
+                  <a:pt x="2287702" y="0"/>
+                </a:cubicBezTo>
+                <a:cubicBezTo>
+                  <a:pt x="2449790" y="1841"/>
+                  <a:pt x="2540838" y="-10545"/>
+                  <a:pt x="2758131" y="0"/>
+                </a:cubicBezTo>
+                <a:cubicBezTo>
+                  <a:pt x="2975424" y="10545"/>
+                  <a:pt x="3070417" y="16952"/>
+                  <a:pt x="3286558" y="0"/>
+                </a:cubicBezTo>
+                <a:cubicBezTo>
+                  <a:pt x="3502699" y="-16952"/>
+                  <a:pt x="3772879" y="25154"/>
+                  <a:pt x="4046978" y="0"/>
+                </a:cubicBezTo>
+                <a:cubicBezTo>
+                  <a:pt x="4321077" y="-25154"/>
+                  <a:pt x="4471091" y="-15419"/>
+                  <a:pt x="4691401" y="0"/>
+                </a:cubicBezTo>
+                <a:cubicBezTo>
+                  <a:pt x="4911711" y="15419"/>
+                  <a:pt x="5486808" y="-34903"/>
+                  <a:pt x="5799809" y="0"/>
+                </a:cubicBezTo>
+                <a:cubicBezTo>
+                  <a:pt x="5811781" y="117662"/>
+                  <a:pt x="5813135" y="213997"/>
+                  <a:pt x="5799809" y="425946"/>
+                </a:cubicBezTo>
+                <a:cubicBezTo>
+                  <a:pt x="5631023" y="426859"/>
+                  <a:pt x="5495897" y="406180"/>
+                  <a:pt x="5329380" y="425946"/>
+                </a:cubicBezTo>
+                <a:cubicBezTo>
+                  <a:pt x="5162863" y="445712"/>
+                  <a:pt x="4971538" y="414601"/>
+                  <a:pt x="4742955" y="425946"/>
+                </a:cubicBezTo>
+                <a:cubicBezTo>
+                  <a:pt x="4514373" y="437291"/>
+                  <a:pt x="4305792" y="401898"/>
+                  <a:pt x="4098532" y="425946"/>
+                </a:cubicBezTo>
+                <a:cubicBezTo>
+                  <a:pt x="3891272" y="449994"/>
+                  <a:pt x="3550710" y="452828"/>
+                  <a:pt x="3396110" y="425946"/>
+                </a:cubicBezTo>
+                <a:cubicBezTo>
+                  <a:pt x="3241510" y="399064"/>
+                  <a:pt x="2987621" y="437035"/>
+                  <a:pt x="2867683" y="425946"/>
+                </a:cubicBezTo>
+                <a:cubicBezTo>
+                  <a:pt x="2747745" y="414857"/>
+                  <a:pt x="2500791" y="420398"/>
+                  <a:pt x="2281258" y="425946"/>
+                </a:cubicBezTo>
+                <a:cubicBezTo>
+                  <a:pt x="2061725" y="431494"/>
+                  <a:pt x="1816635" y="426101"/>
+                  <a:pt x="1636835" y="425946"/>
+                </a:cubicBezTo>
+                <a:cubicBezTo>
+                  <a:pt x="1457035" y="425791"/>
+                  <a:pt x="1307407" y="428836"/>
+                  <a:pt x="1050410" y="425946"/>
+                </a:cubicBezTo>
+                <a:cubicBezTo>
+                  <a:pt x="793414" y="423056"/>
+                  <a:pt x="415100" y="437818"/>
+                  <a:pt x="0" y="425946"/>
+                </a:cubicBezTo>
+                <a:cubicBezTo>
+                  <a:pt x="553" y="260129"/>
+                  <a:pt x="10725" y="188645"/>
+                  <a:pt x="0" y="0"/>
+                </a:cubicBezTo>
+                <a:close/>
+              </a:path>
+            </a:pathLst>
+          </a:custGeom>
+          <a:solidFill>
+            <a:schemeClr val="accent4">
+              <a:lumMod val="40000"/>
+              <a:lumOff val="60000"/>
+              <a:alpha val="35000"/>
+            </a:schemeClr>
+          </a:solidFill>
+          <a:ln>
+            <a:solidFill>
+              <a:schemeClr val="accent4">
+                <a:lumMod val="40000"/>
+                <a:lumOff val="60000"/>
+              </a:schemeClr>
+            </a:solidFill>
+          </a:ln>
+        </p:spPr>
+        <p:style>
+          <a:lnRef idx="2">
+            <a:schemeClr val="accent1">
+              <a:shade val="50000"/>
+            </a:schemeClr>
+          </a:lnRef>
+          <a:fillRef idx="1">
+            <a:schemeClr val="accent1"/>
+          </a:fillRef>
+          <a:effectRef idx="0">
+            <a:schemeClr val="accent1"/>
+          </a:effectRef>
+          <a:fontRef idx="minor">
+            <a:schemeClr val="lt1"/>
+          </a:fontRef>
+        </p:style>
+        <p:txBody>
+          <a:bodyPr anchor="ctr"/>
+          <a:lstStyle/>
+          <a:p>
+            <a:pPr algn="ctr">
+              <a:defRPr/>
+            </a:pPr>
+            <a:endParaRPr lang="ko-KR" altLang="en-US"/>
+          </a:p>
+        </p:txBody>
+      </p:sp>
+      <p:sp>
+        <p:nvSpPr>
+          <p:cNvPr id="60" name="TextBox 11"/>
+          <p:cNvSpPr txBox="1"/>
+          <p:nvPr/>
+        </p:nvSpPr>
+        <p:spPr>
+          <a:xfrm>
+            <a:off x="6625512" y="3662265"/>
+            <a:ext cx="4744601" cy="641130"/>
+          </a:xfrm>
+          <a:prstGeom prst="rect">
+            <a:avLst/>
+          </a:prstGeom>
+          <a:noFill/>
+        </p:spPr>
+        <p:txBody>
+          <a:bodyPr vert="horz" wrap="square" lIns="91440" tIns="45720" rIns="91440" bIns="45720" anchor="t">
+            <a:spAutoFit/>
+          </a:bodyPr>
+          <a:lstStyle/>
+          <a:p>
+            <a:pPr algn="ctr">
+              <a:lnSpc>
+                <a:spcPct val="150000"/>
+              </a:lnSpc>
+              <a:defRPr/>
+            </a:pPr>
+            <a:endParaRPr lang="ko-KR" altLang="en-US" sz="2400" kern="1400">
+              <a:solidFill>
+                <a:schemeClr val="tx1"/>
+              </a:solidFill>
+              <a:latin typeface="DX영화자막 M"/>
+              <a:ea typeface="DX영화자막 M"/>
+            </a:endParaRPr>
+          </a:p>
+        </p:txBody>
+      </p:sp>
+      <p:sp>
+        <p:nvSpPr>
+          <p:cNvPr id="62" name="TextBox 34"/>
+          <p:cNvSpPr txBox="1"/>
+          <p:nvPr/>
+        </p:nvSpPr>
+        <p:spPr>
+          <a:xfrm>
+            <a:off x="4014669" y="2579792"/>
+            <a:ext cx="4376489" cy="849208"/>
+          </a:xfrm>
+          <a:prstGeom prst="rect">
+            <a:avLst/>
+          </a:prstGeom>
+          <a:noFill/>
+          <a:ln w="9525">
+            <a:noFill/>
+          </a:ln>
+        </p:spPr>
+        <p:txBody>
+          <a:bodyPr wrap="square">
+            <a:spAutoFit/>
+          </a:bodyPr>
+          <a:lstStyle/>
+          <a:p>
+            <a:pPr lvl="0">
+              <a:defRPr/>
+            </a:pPr>
+            <a:r>
+              <a:rPr lang="en-US" altLang="ko-KR" sz="2500">
+                <a:solidFill>
+                  <a:schemeClr val="tx1">
+                    <a:alpha val="71000"/>
+                  </a:schemeClr>
+                </a:solidFill>
+                <a:latin typeface="DX영화자막 M"/>
+                <a:ea typeface="DX영화자막 M"/>
+              </a:rPr>
+              <a:t>1.</a:t>
+            </a:r>
+            <a:r>
+              <a:rPr lang="ko-KR" altLang="en-US" sz="2500">
+                <a:solidFill>
+                  <a:schemeClr val="tx1">
+                    <a:alpha val="71000"/>
+                  </a:schemeClr>
+                </a:solidFill>
+                <a:latin typeface="DX영화자막 M"/>
+                <a:ea typeface="DX영화자막 M"/>
+              </a:rPr>
+              <a:t>오랜기간 공부할때 기억할 </a:t>
+            </a:r>
+            <a:endParaRPr lang="ko-KR" altLang="en-US" sz="2500">
+              <a:solidFill>
+                <a:schemeClr val="tx1">
+                  <a:alpha val="71000"/>
+                </a:schemeClr>
+              </a:solidFill>
+              <a:latin typeface="DX영화자막 M"/>
+              <a:ea typeface="DX영화자막 M"/>
+            </a:endParaRPr>
+          </a:p>
+          <a:p>
+            <a:pPr lvl="0">
+              <a:defRPr/>
+            </a:pPr>
+            <a:r>
+              <a:rPr lang="ko-KR" altLang="en-US" sz="2500">
+                <a:solidFill>
+                  <a:schemeClr val="tx1">
+                    <a:alpha val="71000"/>
+                  </a:schemeClr>
+                </a:solidFill>
+                <a:latin typeface="DX영화자막 M"/>
+                <a:ea typeface="DX영화자막 M"/>
+              </a:rPr>
+              <a:t>     슬로싱킹 몰입 원칙</a:t>
+            </a:r>
+            <a:endParaRPr lang="ko-KR" altLang="en-US" sz="2500">
+              <a:solidFill>
+                <a:schemeClr val="tx1">
+                  <a:alpha val="71000"/>
+                </a:schemeClr>
+              </a:solidFill>
+              <a:latin typeface="DX영화자막 M"/>
+              <a:ea typeface="DX영화자막 M"/>
+            </a:endParaRPr>
+          </a:p>
+        </p:txBody>
+      </p:sp>
+      <p:sp>
+        <p:nvSpPr>
+          <p:cNvPr id="64" name="TextBox 34"/>
+          <p:cNvSpPr txBox="1"/>
+          <p:nvPr/>
+        </p:nvSpPr>
+        <p:spPr>
+          <a:xfrm>
+            <a:off x="4072985" y="4878314"/>
+            <a:ext cx="4046030" cy="847417"/>
+          </a:xfrm>
+          <a:prstGeom prst="rect">
+            <a:avLst/>
+          </a:prstGeom>
+          <a:noFill/>
+          <a:ln w="9525">
+            <a:noFill/>
+          </a:ln>
+        </p:spPr>
+        <p:txBody>
+          <a:bodyPr wrap="square">
+            <a:spAutoFit/>
+          </a:bodyPr>
+          <a:lstStyle/>
+          <a:p>
+            <a:pPr lvl="0">
+              <a:defRPr/>
+            </a:pPr>
+            <a:r>
+              <a:rPr lang="en-US" altLang="ko-KR" sz="2500">
+                <a:solidFill>
+                  <a:schemeClr val="tx1">
+                    <a:alpha val="71000"/>
+                  </a:schemeClr>
+                </a:solidFill>
+                <a:latin typeface="DX영화자막 M"/>
+                <a:ea typeface="DX영화자막 M"/>
+              </a:rPr>
+              <a:t>2.</a:t>
+            </a:r>
+            <a:r>
+              <a:rPr lang="ko-KR" altLang="en-US" sz="2500">
+                <a:solidFill>
+                  <a:schemeClr val="tx1">
+                    <a:alpha val="71000"/>
+                  </a:schemeClr>
+                </a:solidFill>
+                <a:latin typeface="DX영화자막 M"/>
+                <a:ea typeface="DX영화자막 M"/>
+              </a:rPr>
+              <a:t>슬로싱킹을 계속하는 동안 </a:t>
+            </a:r>
+            <a:endParaRPr lang="ko-KR" altLang="en-US" sz="2500">
+              <a:solidFill>
+                <a:schemeClr val="tx1">
+                  <a:alpha val="71000"/>
+                </a:schemeClr>
+              </a:solidFill>
+              <a:latin typeface="DX영화자막 M"/>
+              <a:ea typeface="DX영화자막 M"/>
+            </a:endParaRPr>
+          </a:p>
+          <a:p>
+            <a:pPr lvl="0">
+              <a:defRPr/>
+            </a:pPr>
+            <a:r>
+              <a:rPr lang="ko-KR" altLang="en-US" sz="2500">
+                <a:solidFill>
+                  <a:schemeClr val="tx1">
+                    <a:alpha val="71000"/>
+                  </a:schemeClr>
+                </a:solidFill>
+                <a:latin typeface="DX영화자막 M"/>
+                <a:ea typeface="DX영화자막 M"/>
+              </a:rPr>
+              <a:t>	달라지는 것들</a:t>
+            </a:r>
+            <a:endParaRPr lang="ko-KR" altLang="en-US" sz="2500">
+              <a:solidFill>
+                <a:schemeClr val="tx1">
+                  <a:alpha val="71000"/>
+                </a:schemeClr>
+              </a:solidFill>
+              <a:latin typeface="DX영화자막 M"/>
+              <a:ea typeface="DX영화자막 M"/>
+            </a:endParaRPr>
+          </a:p>
+        </p:txBody>
+      </p:sp>
     </p:spTree>
   </p:cSld>
   <p:clrMapOvr>
@@ -10669,19 +18811,6 @@
 <file path=ppt/slides/slide9.xml><?xml version="1.0" encoding="utf-8"?>
 <p:sld xmlns:r="http://schemas.openxmlformats.org/officeDocument/2006/relationships" xmlns:c="http://schemas.openxmlformats.org/drawingml/2006/chart" xmlns:a="http://schemas.openxmlformats.org/drawingml/2006/main" xmlns:dgm="http://schemas.openxmlformats.org/drawingml/2006/diagram" xmlns:dsp="http://schemas.microsoft.com/office/drawing/2008/diagram" xmlns:p="http://schemas.openxmlformats.org/presentationml/2006/main">
   <p:cSld>
-    <p:bg>
-      <p:bgPr shadeToTitle="0">
-        <a:blipFill dpi="0" rotWithShape="1">
-          <a:blip r:embed="rId2">
-            <a:lum/>
-          </a:blip>
-          <a:srcRect/>
-          <a:stretch>
-            <a:fillRect t="-17000" b="-17000"/>
-          </a:stretch>
-        </a:blipFill>
-      </p:bgPr>
-    </p:bg>
     <p:spTree>
       <p:nvGrpSpPr>
         <p:cNvPr id="1" name=""/>
@@ -10696,6 +18825,55 @@
           <a:chExt cx="0" cy="0"/>
         </a:xfrm>
       </p:grpSpPr>
+      <p:sp>
+        <p:nvSpPr>
+          <p:cNvPr id="22" name="TextBox 21"/>
+          <p:cNvSpPr txBox="1"/>
+          <p:nvPr/>
+        </p:nvSpPr>
+        <p:spPr>
+          <a:xfrm flipH="1">
+            <a:off x="5041092" y="342101"/>
+            <a:ext cx="2123658" cy="294169"/>
+          </a:xfrm>
+          <a:prstGeom prst="rect">
+            <a:avLst/>
+          </a:prstGeom>
+          <a:noFill/>
+        </p:spPr>
+        <p:txBody>
+          <a:bodyPr vert="horz" wrap="square">
+            <a:spAutoFit/>
+          </a:bodyPr>
+          <a:lstStyle/>
+          <a:p>
+            <a:pPr algn="dist">
+              <a:defRPr/>
+            </a:pPr>
+            <a:r>
+              <a:rPr lang="en-US" altLang="ko-KR" sz="1400">
+                <a:solidFill>
+                  <a:schemeClr val="tx1">
+                    <a:alpha val="71000"/>
+                  </a:schemeClr>
+                </a:solidFill>
+                <a:latin typeface="DX영화자막 M"/>
+                <a:ea typeface="DX영화자막 M"/>
+              </a:rPr>
+              <a:t>SLOW THINKING</a:t>
+            </a:r>
+            <a:endParaRPr lang="ko-KR" altLang="en-US" sz="1400">
+              <a:solidFill>
+                <a:schemeClr val="tx1">
+                  <a:alpha val="71000"/>
+                </a:schemeClr>
+              </a:solidFill>
+              <a:latin typeface="DX영화자막 M"/>
+              <a:ea typeface="DX영화자막 M"/>
+            </a:endParaRPr>
+          </a:p>
+        </p:txBody>
+      </p:sp>
       <p:grpSp>
         <p:nvGrpSpPr>
           <p:cNvPr id="4" name="그룹 3"/>
@@ -10853,7 +19031,622 @@
       </p:grpSp>
       <p:sp>
         <p:nvSpPr>
-          <p:cNvPr id="52" name="TextBox 51"/>
+          <p:cNvPr id="2" name="TextBox 1"/>
+          <p:cNvSpPr txBox="1"/>
+          <p:nvPr/>
+        </p:nvSpPr>
+        <p:spPr>
+          <a:xfrm>
+            <a:off x="1268142" y="1611934"/>
+            <a:ext cx="6189707" cy="646331"/>
+          </a:xfrm>
+          <a:prstGeom prst="rect">
+            <a:avLst/>
+          </a:prstGeom>
+          <a:noFill/>
+        </p:spPr>
+        <p:txBody>
+          <a:bodyPr wrap="square">
+            <a:spAutoFit/>
+          </a:bodyPr>
+          <a:lstStyle/>
+          <a:p>
+            <a:pPr lvl="0">
+              <a:defRPr/>
+            </a:pPr>
+            <a:r>
+              <a:rPr lang="ko-KR" altLang="en-US" sz="3600">
+                <a:latin typeface="DX영화자막 M"/>
+                <a:ea typeface="DX영화자막 M"/>
+              </a:rPr>
+              <a:t>홍논문</a:t>
+            </a:r>
+            <a:endParaRPr lang="en-US" altLang="ko-KR" sz="3600">
+              <a:latin typeface="DX영화자막 M"/>
+              <a:ea typeface="DX영화자막 M"/>
+            </a:endParaRPr>
+          </a:p>
+        </p:txBody>
+      </p:sp>
+      <p:sp>
+        <p:nvSpPr>
+          <p:cNvPr id="5" name="직사각형 4"/>
+          <p:cNvSpPr/>
+          <p:nvPr/>
+        </p:nvSpPr>
+        <p:spPr>
+          <a:xfrm>
+            <a:off x="1431961" y="2449168"/>
+            <a:ext cx="885524" cy="487788"/>
+          </a:xfrm>
+          <a:custGeom>
+            <a:avLst/>
+            <a:gdLst>
+              <a:gd name="connsiteX0" fmla="*/ 0 w 885524"/>
+              <a:gd name="connsiteY0" fmla="*/ 0 h 487788"/>
+              <a:gd name="connsiteX1" fmla="*/ 885524 w 885524"/>
+              <a:gd name="connsiteY1" fmla="*/ 0 h 487788"/>
+              <a:gd name="connsiteX2" fmla="*/ 885524 w 885524"/>
+              <a:gd name="connsiteY2" fmla="*/ 487788 h 487788"/>
+              <a:gd name="connsiteX3" fmla="*/ 0 w 885524"/>
+              <a:gd name="connsiteY3" fmla="*/ 487788 h 487788"/>
+              <a:gd name="connsiteX4" fmla="*/ 0 w 885524"/>
+              <a:gd name="connsiteY4" fmla="*/ 0 h 487788"/>
+            </a:gdLst>
+            <a:cxnLst>
+              <a:cxn ang="0">
+                <a:pos x="connsiteX0" y="connsiteY0"/>
+              </a:cxn>
+              <a:cxn ang="0">
+                <a:pos x="connsiteX1" y="connsiteY1"/>
+              </a:cxn>
+              <a:cxn ang="0">
+                <a:pos x="connsiteX2" y="connsiteY2"/>
+              </a:cxn>
+              <a:cxn ang="0">
+                <a:pos x="connsiteX3" y="connsiteY3"/>
+              </a:cxn>
+              <a:cxn ang="0">
+                <a:pos x="connsiteX4" y="connsiteY4"/>
+              </a:cxn>
+            </a:cxnLst>
+            <a:rect l="l" t="t" r="r" b="b"/>
+            <a:pathLst>
+              <a:path w="885524" h="487788" extrusionOk="0">
+                <a:moveTo>
+                  <a:pt x="0" y="0"/>
+                </a:moveTo>
+                <a:cubicBezTo>
+                  <a:pt x="147585" y="73323"/>
+                  <a:pt x="474504" y="43906"/>
+                  <a:pt x="885524" y="0"/>
+                </a:cubicBezTo>
+                <a:cubicBezTo>
+                  <a:pt x="866863" y="85762"/>
+                  <a:pt x="848666" y="279246"/>
+                  <a:pt x="885524" y="487788"/>
+                </a:cubicBezTo>
+                <a:cubicBezTo>
+                  <a:pt x="603390" y="566340"/>
+                  <a:pt x="377373" y="441160"/>
+                  <a:pt x="0" y="487788"/>
+                </a:cubicBezTo>
+                <a:cubicBezTo>
+                  <a:pt x="14357" y="340894"/>
+                  <a:pt x="31857" y="149382"/>
+                  <a:pt x="0" y="0"/>
+                </a:cubicBezTo>
+                <a:close/>
+              </a:path>
+            </a:pathLst>
+          </a:custGeom>
+          <a:noFill/>
+          <a:ln>
+            <a:solidFill>
+              <a:srgbClr val="9a8b85"/>
+            </a:solidFill>
+          </a:ln>
+        </p:spPr>
+        <p:style>
+          <a:lnRef idx="2">
+            <a:schemeClr val="accent1">
+              <a:shade val="50000"/>
+            </a:schemeClr>
+          </a:lnRef>
+          <a:fillRef idx="1">
+            <a:schemeClr val="accent1"/>
+          </a:fillRef>
+          <a:effectRef idx="0">
+            <a:schemeClr val="accent1"/>
+          </a:effectRef>
+          <a:fontRef idx="minor">
+            <a:schemeClr val="lt1"/>
+          </a:fontRef>
+        </p:style>
+        <p:txBody>
+          <a:bodyPr anchor="ctr"/>
+          <a:lstStyle/>
+          <a:p>
+            <a:pPr algn="ctr">
+              <a:defRPr/>
+            </a:pPr>
+            <a:endParaRPr lang="ko-KR" altLang="en-US"/>
+          </a:p>
+        </p:txBody>
+      </p:sp>
+      <p:sp>
+        <p:nvSpPr>
+          <p:cNvPr id="24" name="직사각형 23"/>
+          <p:cNvSpPr/>
+          <p:nvPr/>
+        </p:nvSpPr>
+        <p:spPr>
+          <a:xfrm>
+            <a:off x="1410413" y="2487669"/>
+            <a:ext cx="885524" cy="487788"/>
+          </a:xfrm>
+          <a:custGeom>
+            <a:avLst/>
+            <a:gdLst>
+              <a:gd name="connsiteX0" fmla="*/ 0 w 885524"/>
+              <a:gd name="connsiteY0" fmla="*/ 0 h 487788"/>
+              <a:gd name="connsiteX1" fmla="*/ 442762 w 885524"/>
+              <a:gd name="connsiteY1" fmla="*/ 0 h 487788"/>
+              <a:gd name="connsiteX2" fmla="*/ 885524 w 885524"/>
+              <a:gd name="connsiteY2" fmla="*/ 0 h 487788"/>
+              <a:gd name="connsiteX3" fmla="*/ 885524 w 885524"/>
+              <a:gd name="connsiteY3" fmla="*/ 487788 h 487788"/>
+              <a:gd name="connsiteX4" fmla="*/ 425052 w 885524"/>
+              <a:gd name="connsiteY4" fmla="*/ 487788 h 487788"/>
+              <a:gd name="connsiteX5" fmla="*/ 0 w 885524"/>
+              <a:gd name="connsiteY5" fmla="*/ 487788 h 487788"/>
+              <a:gd name="connsiteX6" fmla="*/ 0 w 885524"/>
+              <a:gd name="connsiteY6" fmla="*/ 0 h 487788"/>
+            </a:gdLst>
+            <a:cxnLst>
+              <a:cxn ang="0">
+                <a:pos x="connsiteX0" y="connsiteY0"/>
+              </a:cxn>
+              <a:cxn ang="0">
+                <a:pos x="connsiteX1" y="connsiteY1"/>
+              </a:cxn>
+              <a:cxn ang="0">
+                <a:pos x="connsiteX2" y="connsiteY2"/>
+              </a:cxn>
+              <a:cxn ang="0">
+                <a:pos x="connsiteX3" y="connsiteY3"/>
+              </a:cxn>
+              <a:cxn ang="0">
+                <a:pos x="connsiteX4" y="connsiteY4"/>
+              </a:cxn>
+              <a:cxn ang="0">
+                <a:pos x="connsiteX5" y="connsiteY5"/>
+              </a:cxn>
+              <a:cxn ang="0">
+                <a:pos x="connsiteX6" y="connsiteY6"/>
+              </a:cxn>
+            </a:cxnLst>
+            <a:rect l="l" t="t" r="r" b="b"/>
+            <a:pathLst>
+              <a:path w="885524" h="487788" fill="none" extrusionOk="0">
+                <a:moveTo>
+                  <a:pt x="0" y="0"/>
+                </a:moveTo>
+                <a:cubicBezTo>
+                  <a:pt x="189876" y="-27532"/>
+                  <a:pt x="326699" y="51795"/>
+                  <a:pt x="442762" y="0"/>
+                </a:cubicBezTo>
+                <a:cubicBezTo>
+                  <a:pt x="558825" y="-51795"/>
+                  <a:pt x="711044" y="33536"/>
+                  <a:pt x="885524" y="0"/>
+                </a:cubicBezTo>
+                <a:cubicBezTo>
+                  <a:pt x="936190" y="142469"/>
+                  <a:pt x="840840" y="332089"/>
+                  <a:pt x="885524" y="487788"/>
+                </a:cubicBezTo>
+                <a:cubicBezTo>
+                  <a:pt x="725718" y="528142"/>
+                  <a:pt x="590941" y="462966"/>
+                  <a:pt x="425052" y="487788"/>
+                </a:cubicBezTo>
+                <a:cubicBezTo>
+                  <a:pt x="259163" y="512610"/>
+                  <a:pt x="96867" y="465139"/>
+                  <a:pt x="0" y="487788"/>
+                </a:cubicBezTo>
+                <a:cubicBezTo>
+                  <a:pt x="-48569" y="321016"/>
+                  <a:pt x="48220" y="217248"/>
+                  <a:pt x="0" y="0"/>
+                </a:cubicBezTo>
+                <a:close/>
+              </a:path>
+              <a:path w="885524" h="487788" stroke="0" extrusionOk="0">
+                <a:moveTo>
+                  <a:pt x="0" y="0"/>
+                </a:moveTo>
+                <a:cubicBezTo>
+                  <a:pt x="122179" y="-35847"/>
+                  <a:pt x="263364" y="18882"/>
+                  <a:pt x="442762" y="0"/>
+                </a:cubicBezTo>
+                <a:cubicBezTo>
+                  <a:pt x="622160" y="-18882"/>
+                  <a:pt x="685164" y="38820"/>
+                  <a:pt x="885524" y="0"/>
+                </a:cubicBezTo>
+                <a:cubicBezTo>
+                  <a:pt x="938868" y="105536"/>
+                  <a:pt x="839505" y="276099"/>
+                  <a:pt x="885524" y="487788"/>
+                </a:cubicBezTo>
+                <a:cubicBezTo>
+                  <a:pt x="734272" y="498127"/>
+                  <a:pt x="572546" y="440618"/>
+                  <a:pt x="469328" y="487788"/>
+                </a:cubicBezTo>
+                <a:cubicBezTo>
+                  <a:pt x="366110" y="534958"/>
+                  <a:pt x="174657" y="465725"/>
+                  <a:pt x="0" y="487788"/>
+                </a:cubicBezTo>
+                <a:cubicBezTo>
+                  <a:pt x="-13226" y="342024"/>
+                  <a:pt x="54406" y="214492"/>
+                  <a:pt x="0" y="0"/>
+                </a:cubicBezTo>
+                <a:close/>
+              </a:path>
+            </a:pathLst>
+          </a:custGeom>
+          <a:solidFill>
+            <a:srgbClr val="d1c9c1"/>
+          </a:solidFill>
+          <a:ln>
+            <a:solidFill>
+              <a:srgbClr val="9a8b85"/>
+            </a:solidFill>
+          </a:ln>
+        </p:spPr>
+        <p:style>
+          <a:lnRef idx="2">
+            <a:schemeClr val="accent1">
+              <a:shade val="50000"/>
+            </a:schemeClr>
+          </a:lnRef>
+          <a:fillRef idx="1">
+            <a:schemeClr val="accent1"/>
+          </a:fillRef>
+          <a:effectRef idx="0">
+            <a:schemeClr val="accent1"/>
+          </a:effectRef>
+          <a:fontRef idx="minor">
+            <a:schemeClr val="lt1"/>
+          </a:fontRef>
+        </p:style>
+        <p:txBody>
+          <a:bodyPr anchor="ctr"/>
+          <a:lstStyle/>
+          <a:p>
+            <a:pPr algn="ctr">
+              <a:defRPr/>
+            </a:pPr>
+            <a:endParaRPr lang="ko-KR" altLang="en-US">
+              <a:solidFill>
+                <a:sysClr val="windowText" lastClr="000000"/>
+              </a:solidFill>
+            </a:endParaRPr>
+          </a:p>
+        </p:txBody>
+      </p:sp>
+      <p:sp>
+        <p:nvSpPr>
+          <p:cNvPr id="6" name="TextBox 5"/>
+          <p:cNvSpPr txBox="1"/>
+          <p:nvPr/>
+        </p:nvSpPr>
+        <p:spPr>
+          <a:xfrm>
+            <a:off x="1477790" y="2555388"/>
+            <a:ext cx="750769" cy="369332"/>
+          </a:xfrm>
+          <a:prstGeom prst="rect">
+            <a:avLst/>
+          </a:prstGeom>
+          <a:noFill/>
+        </p:spPr>
+        <p:txBody>
+          <a:bodyPr wrap="square">
+            <a:spAutoFit/>
+          </a:bodyPr>
+          <a:lstStyle/>
+          <a:p>
+            <a:pPr algn="ctr">
+              <a:defRPr/>
+            </a:pPr>
+            <a:r>
+              <a:rPr lang="ko-KR" altLang="en-US" b="1">
+                <a:solidFill>
+                  <a:sysClr val="windowText" lastClr="000000"/>
+                </a:solidFill>
+                <a:latin typeface="DX영화자막 M"/>
+                <a:ea typeface="DX영화자막 M"/>
+              </a:rPr>
+              <a:t>소 개</a:t>
+            </a:r>
+            <a:endParaRPr lang="ko-KR" altLang="en-US" b="1">
+              <a:solidFill>
+                <a:sysClr val="windowText" lastClr="000000"/>
+              </a:solidFill>
+              <a:latin typeface="DX영화자막 M"/>
+              <a:ea typeface="DX영화자막 M"/>
+            </a:endParaRPr>
+          </a:p>
+        </p:txBody>
+      </p:sp>
+      <p:sp>
+        <p:nvSpPr>
+          <p:cNvPr id="7" name="직사각형 6"/>
+          <p:cNvSpPr/>
+          <p:nvPr/>
+        </p:nvSpPr>
+        <p:spPr>
+          <a:xfrm>
+            <a:off x="1268142" y="3189505"/>
+            <a:ext cx="6096000" cy="743280"/>
+          </a:xfrm>
+          <a:prstGeom prst="rect">
+            <a:avLst/>
+          </a:prstGeom>
+        </p:spPr>
+        <p:txBody>
+          <a:bodyPr>
+            <a:spAutoFit/>
+          </a:bodyPr>
+          <a:lstStyle/>
+          <a:p>
+            <a:pPr>
+              <a:lnSpc>
+                <a:spcPct val="120000"/>
+              </a:lnSpc>
+              <a:defRPr/>
+            </a:pPr>
+            <a:r>
+              <a:rPr lang="ko-KR" altLang="en-US">
+                <a:latin typeface="DX영화자막 M"/>
+                <a:ea typeface="DX영화자막 M"/>
+              </a:rPr>
+              <a:t>진지하지만 심각하지 않은 사람</a:t>
+            </a:r>
+            <a:r>
+              <a:rPr lang="en-US" altLang="ko-KR">
+                <a:latin typeface="DX영화자막 M"/>
+                <a:ea typeface="DX영화자막 M"/>
+              </a:rPr>
+              <a:t>. </a:t>
+            </a:r>
+            <a:r>
+              <a:rPr lang="ko-KR" altLang="en-US">
+                <a:latin typeface="DX영화자막 M"/>
+                <a:ea typeface="DX영화자막 M"/>
+              </a:rPr>
+              <a:t>밝지만 가볍지 않은 사람</a:t>
+            </a:r>
+            <a:r>
+              <a:rPr lang="en-US" altLang="ko-KR">
+                <a:latin typeface="DX영화자막 M"/>
+                <a:ea typeface="DX영화자막 M"/>
+              </a:rPr>
+              <a:t>.</a:t>
+            </a:r>
+            <a:endParaRPr lang="en-US" altLang="ko-KR">
+              <a:latin typeface="DX영화자막 M"/>
+              <a:ea typeface="DX영화자막 M"/>
+            </a:endParaRPr>
+          </a:p>
+          <a:p>
+            <a:pPr>
+              <a:lnSpc>
+                <a:spcPct val="120000"/>
+              </a:lnSpc>
+              <a:defRPr/>
+            </a:pPr>
+            <a:r>
+              <a:rPr lang="ko-KR" altLang="en-US">
+                <a:latin typeface="DX영화자막 M"/>
+                <a:ea typeface="DX영화자막 M"/>
+              </a:rPr>
+              <a:t>일러스트레이더 겸 글쟁이이자</a:t>
+            </a:r>
+            <a:r>
+              <a:rPr lang="en-US" altLang="ko-KR">
+                <a:latin typeface="DX영화자막 M"/>
+                <a:ea typeface="DX영화자막 M"/>
+              </a:rPr>
+              <a:t> </a:t>
+            </a:r>
+            <a:r>
+              <a:rPr lang="ko-KR" altLang="en-US">
+                <a:latin typeface="DX영화자막 M"/>
+                <a:ea typeface="DX영화자막 M"/>
+              </a:rPr>
+              <a:t>괜찮은 그래픽 디자이너</a:t>
+            </a:r>
+            <a:r>
+              <a:rPr lang="en-US" altLang="ko-KR">
+                <a:latin typeface="DX영화자막 M"/>
+                <a:ea typeface="DX영화자막 M"/>
+              </a:rPr>
+              <a:t>.</a:t>
+            </a:r>
+            <a:endParaRPr lang="en-US" altLang="ko-KR">
+              <a:latin typeface="DX영화자막 M"/>
+              <a:ea typeface="DX영화자막 M"/>
+            </a:endParaRPr>
+          </a:p>
+        </p:txBody>
+      </p:sp>
+      <p:sp>
+        <p:nvSpPr>
+          <p:cNvPr id="31" name="TextBox 30"/>
+          <p:cNvSpPr txBox="1"/>
+          <p:nvPr/>
+        </p:nvSpPr>
+        <p:spPr>
+          <a:xfrm>
+            <a:off x="8560905" y="6493565"/>
+            <a:ext cx="3578087" cy="295855"/>
+          </a:xfrm>
+          <a:prstGeom prst="rect">
+            <a:avLst/>
+          </a:prstGeom>
+          <a:noFill/>
+        </p:spPr>
+        <p:txBody>
+          <a:bodyPr wrap="square">
+            <a:spAutoFit/>
+          </a:bodyPr>
+          <a:lstStyle/>
+          <a:p>
+            <a:pPr algn="r">
+              <a:defRPr/>
+            </a:pPr>
+            <a:r>
+              <a:rPr lang="ko-KR" altLang="en-US" sz="1400">
+                <a:latin typeface="210 스탠다드 030"/>
+                <a:ea typeface="210 스탠다드 030"/>
+              </a:rPr>
+              <a:t>출처 어반브러시 </a:t>
+            </a:r>
+            <a:r>
+              <a:rPr lang="en-US" altLang="ko-KR" sz="1400">
+                <a:latin typeface="210 스탠다드 030"/>
+                <a:ea typeface="210 스탠다드 030"/>
+              </a:rPr>
+              <a:t>Tommy</a:t>
+            </a:r>
+            <a:endParaRPr lang="ko-KR" altLang="en-US" sz="1400">
+              <a:latin typeface="210 스탠다드 030"/>
+              <a:ea typeface="210 스탠다드 030"/>
+            </a:endParaRPr>
+          </a:p>
+        </p:txBody>
+      </p:sp>
+      <p:pic>
+        <p:nvPicPr>
+          <p:cNvPr id="10" name="그림 9"/>
+          <p:cNvPicPr>
+            <a:picLocks noChangeAspect="1"/>
+          </p:cNvPicPr>
+          <p:nvPr/>
+        </p:nvPicPr>
+        <p:blipFill rotWithShape="1">
+          <a:blip r:embed="rId2">
+            <a:duotone>
+              <a:schemeClr val="accent3">
+                <a:shade val="45000"/>
+                <a:satMod val="135000"/>
+              </a:schemeClr>
+              <a:prstClr val="white"/>
+            </a:duotone>
+          </a:blip>
+          <a:srcRect l="9830" t="7110" r="34880" b="17640"/>
+          <a:stretch>
+            <a:fillRect/>
+          </a:stretch>
+        </p:blipFill>
+        <p:spPr>
+          <a:xfrm flipH="1">
+            <a:off x="8524889" y="972028"/>
+            <a:ext cx="3578088" cy="5160176"/>
+          </a:xfrm>
+          <a:prstGeom prst="rect">
+            <a:avLst/>
+          </a:prstGeom>
+        </p:spPr>
+      </p:pic>
+      <p:sp>
+        <p:nvSpPr>
+          <p:cNvPr id="36" name="TextBox 35"/>
+          <p:cNvSpPr txBox="1"/>
+          <p:nvPr/>
+        </p:nvSpPr>
+        <p:spPr>
+          <a:xfrm>
+            <a:off x="5353147" y="732599"/>
+            <a:ext cx="1499547" cy="446596"/>
+          </a:xfrm>
+          <a:prstGeom prst="rect">
+            <a:avLst/>
+          </a:prstGeom>
+          <a:noFill/>
+          <a:ln w="9525">
+            <a:noFill/>
+          </a:ln>
+        </p:spPr>
+        <p:txBody>
+          <a:bodyPr wrap="square">
+            <a:spAutoFit/>
+          </a:bodyPr>
+          <a:lstStyle/>
+          <a:p>
+            <a:pPr lvl="0">
+              <a:defRPr/>
+            </a:pPr>
+            <a:r>
+              <a:rPr lang="ko-KR" altLang="en-US" sz="2400">
+                <a:solidFill>
+                  <a:schemeClr val="tx1">
+                    <a:alpha val="71000"/>
+                  </a:schemeClr>
+                </a:solidFill>
+                <a:latin typeface="DX영화자막 M"/>
+                <a:ea typeface="DX영화자막 M"/>
+              </a:rPr>
+              <a:t>작가소개</a:t>
+            </a:r>
+            <a:endParaRPr lang="ko-KR" altLang="en-US" sz="2400">
+              <a:solidFill>
+                <a:schemeClr val="tx1">
+                  <a:alpha val="71000"/>
+                </a:schemeClr>
+              </a:solidFill>
+              <a:latin typeface="DX영화자막 M"/>
+              <a:ea typeface="DX영화자막 M"/>
+            </a:endParaRPr>
+          </a:p>
+        </p:txBody>
+      </p:sp>
+      <p:pic>
+        <p:nvPicPr>
+          <p:cNvPr id="8" name="그림 7"/>
+          <p:cNvPicPr>
+            <a:picLocks noChangeAspect="1"/>
+          </p:cNvPicPr>
+          <p:nvPr/>
+        </p:nvPicPr>
+        <p:blipFill rotWithShape="1">
+          <a:blip r:embed="rId3"/>
+          <a:stretch>
+            <a:fillRect/>
+          </a:stretch>
+        </p:blipFill>
+        <p:spPr>
+          <a:xfrm>
+            <a:off x="0" y="-1"/>
+            <a:ext cx="12192000" cy="9134475"/>
+          </a:xfrm>
+          <a:prstGeom prst="rect">
+            <a:avLst/>
+          </a:prstGeom>
+        </p:spPr>
+      </p:pic>
+      <p:sp>
+        <p:nvSpPr>
+          <p:cNvPr id="17" name="TextBox 16"/>
           <p:cNvSpPr txBox="1"/>
           <p:nvPr/>
         </p:nvSpPr>
@@ -10902,14 +19695,14 @@
       </p:sp>
       <p:sp>
         <p:nvSpPr>
-          <p:cNvPr id="53" name="TextBox 52"/>
+          <p:cNvPr id="19" name="TextBox 18"/>
           <p:cNvSpPr txBox="1"/>
           <p:nvPr/>
         </p:nvSpPr>
         <p:spPr>
           <a:xfrm>
-            <a:off x="5629302" y="713595"/>
-            <a:ext cx="1499547" cy="446550"/>
+            <a:off x="3893178" y="839943"/>
+            <a:ext cx="4872172" cy="453357"/>
           </a:xfrm>
           <a:prstGeom prst="rect">
             <a:avLst/>
@@ -10938,7 +19731,7 @@
                 <a:latin typeface="DX영화자막 M"/>
                 <a:ea typeface="DX영화자막 M"/>
               </a:rPr>
-              <a:t>효 과</a:t>
+              <a:t>자는 시간이 곧 복습 하는 시간</a:t>
             </a:r>
             <a:endParaRPr lang="ko-KR" altLang="en-US" sz="2400">
               <a:solidFill>
@@ -10952,24 +19745,608 @@
           </a:p>
         </p:txBody>
       </p:sp>
+      <p:grpSp>
+        <p:nvGrpSpPr>
+          <p:cNvPr id="20" name="그룹 19"/>
+          <p:cNvGrpSpPr/>
+          <p:nvPr/>
+        </p:nvGrpSpPr>
+        <p:grpSpPr>
+          <a:xfrm rot="0">
+            <a:off x="393325" y="3093612"/>
+            <a:ext cx="163649" cy="975576"/>
+            <a:chOff x="306686" y="3281373"/>
+            <a:chExt cx="163649" cy="975576"/>
+          </a:xfrm>
+        </p:grpSpPr>
+        <p:cxnSp>
+          <p:nvCxnSpPr>
+            <p:cNvPr id="21" name="직선 연결선 20"/>
+            <p:cNvCxnSpPr/>
+            <p:nvPr/>
+          </p:nvCxnSpPr>
+          <p:spPr>
+            <a:xfrm>
+              <a:off x="306686" y="4127358"/>
+              <a:ext cx="160637" cy="129591"/>
+            </a:xfrm>
+            <a:prstGeom prst="line">
+              <a:avLst/>
+            </a:prstGeom>
+            <a:ln w="12700">
+              <a:solidFill>
+                <a:srgbClr val="ac9d8e"/>
+              </a:solidFill>
+            </a:ln>
+          </p:spPr>
+          <p:style>
+            <a:lnRef idx="1">
+              <a:schemeClr val="accent1"/>
+            </a:lnRef>
+            <a:fillRef idx="0">
+              <a:schemeClr val="accent1"/>
+            </a:fillRef>
+            <a:effectRef idx="0">
+              <a:schemeClr val="accent1"/>
+            </a:effectRef>
+            <a:fontRef idx="minor">
+              <a:schemeClr val="tx1"/>
+            </a:fontRef>
+          </p:style>
+        </p:cxnSp>
+        <p:cxnSp>
+          <p:nvCxnSpPr>
+            <p:cNvPr id="23" name="직선 연결선 22"/>
+            <p:cNvCxnSpPr/>
+            <p:nvPr/>
+          </p:nvCxnSpPr>
+          <p:spPr>
+            <a:xfrm>
+              <a:off x="306686" y="3838775"/>
+              <a:ext cx="160637" cy="129591"/>
+            </a:xfrm>
+            <a:prstGeom prst="line">
+              <a:avLst/>
+            </a:prstGeom>
+            <a:ln w="12700">
+              <a:solidFill>
+                <a:srgbClr val="ac9d8e"/>
+              </a:solidFill>
+            </a:ln>
+          </p:spPr>
+          <p:style>
+            <a:lnRef idx="1">
+              <a:schemeClr val="accent1"/>
+            </a:lnRef>
+            <a:fillRef idx="0">
+              <a:schemeClr val="accent1"/>
+            </a:fillRef>
+            <a:effectRef idx="0">
+              <a:schemeClr val="accent1"/>
+            </a:effectRef>
+            <a:fontRef idx="minor">
+              <a:schemeClr val="tx1"/>
+            </a:fontRef>
+          </p:style>
+        </p:cxnSp>
+        <p:cxnSp>
+          <p:nvCxnSpPr>
+            <p:cNvPr id="25" name="직선 연결선 24"/>
+            <p:cNvCxnSpPr/>
+            <p:nvPr/>
+          </p:nvCxnSpPr>
+          <p:spPr>
+            <a:xfrm>
+              <a:off x="306686" y="3550192"/>
+              <a:ext cx="160637" cy="129591"/>
+            </a:xfrm>
+            <a:prstGeom prst="line">
+              <a:avLst/>
+            </a:prstGeom>
+            <a:ln w="12700">
+              <a:solidFill>
+                <a:srgbClr val="ac9d8e"/>
+              </a:solidFill>
+            </a:ln>
+          </p:spPr>
+          <p:style>
+            <a:lnRef idx="1">
+              <a:schemeClr val="accent1"/>
+            </a:lnRef>
+            <a:fillRef idx="0">
+              <a:schemeClr val="accent1"/>
+            </a:fillRef>
+            <a:effectRef idx="0">
+              <a:schemeClr val="accent1"/>
+            </a:effectRef>
+            <a:fontRef idx="minor">
+              <a:schemeClr val="tx1"/>
+            </a:fontRef>
+          </p:style>
+        </p:cxnSp>
+        <p:cxnSp>
+          <p:nvCxnSpPr>
+            <p:cNvPr id="26" name="직선 연결선 25"/>
+            <p:cNvCxnSpPr/>
+            <p:nvPr/>
+          </p:nvCxnSpPr>
+          <p:spPr>
+            <a:xfrm>
+              <a:off x="309698" y="3281373"/>
+              <a:ext cx="160637" cy="129591"/>
+            </a:xfrm>
+            <a:prstGeom prst="line">
+              <a:avLst/>
+            </a:prstGeom>
+            <a:ln w="12700">
+              <a:solidFill>
+                <a:srgbClr val="ac9d8e"/>
+              </a:solidFill>
+            </a:ln>
+          </p:spPr>
+          <p:style>
+            <a:lnRef idx="1">
+              <a:schemeClr val="accent1"/>
+            </a:lnRef>
+            <a:fillRef idx="0">
+              <a:schemeClr val="accent1"/>
+            </a:fillRef>
+            <a:effectRef idx="0">
+              <a:schemeClr val="accent1"/>
+            </a:effectRef>
+            <a:fontRef idx="minor">
+              <a:schemeClr val="tx1"/>
+            </a:fontRef>
+          </p:style>
+        </p:cxnSp>
+      </p:grpSp>
+      <p:sp>
+        <p:nvSpPr>
+          <p:cNvPr id="33" name="순서도: 처리 61"/>
+          <p:cNvSpPr/>
+          <p:nvPr/>
+        </p:nvSpPr>
+        <p:spPr>
+          <a:xfrm>
+            <a:off x="2138032" y="1753167"/>
+            <a:ext cx="7915937" cy="4484864"/>
+          </a:xfrm>
+          <a:custGeom>
+            <a:avLst/>
+            <a:gdLst>
+              <a:gd name="connsiteX0" fmla="*/ 0 w 5799809"/>
+              <a:gd name="connsiteY0" fmla="*/ 0 h 425946"/>
+              <a:gd name="connsiteX1" fmla="*/ 470429 w 5799809"/>
+              <a:gd name="connsiteY1" fmla="*/ 0 h 425946"/>
+              <a:gd name="connsiteX2" fmla="*/ 1056854 w 5799809"/>
+              <a:gd name="connsiteY2" fmla="*/ 0 h 425946"/>
+              <a:gd name="connsiteX3" fmla="*/ 1585281 w 5799809"/>
+              <a:gd name="connsiteY3" fmla="*/ 0 h 425946"/>
+              <a:gd name="connsiteX4" fmla="*/ 2113708 w 5799809"/>
+              <a:gd name="connsiteY4" fmla="*/ 0 h 425946"/>
+              <a:gd name="connsiteX5" fmla="*/ 2758131 w 5799809"/>
+              <a:gd name="connsiteY5" fmla="*/ 0 h 425946"/>
+              <a:gd name="connsiteX6" fmla="*/ 3402555 w 5799809"/>
+              <a:gd name="connsiteY6" fmla="*/ 0 h 425946"/>
+              <a:gd name="connsiteX7" fmla="*/ 3930982 w 5799809"/>
+              <a:gd name="connsiteY7" fmla="*/ 0 h 425946"/>
+              <a:gd name="connsiteX8" fmla="*/ 4633403 w 5799809"/>
+              <a:gd name="connsiteY8" fmla="*/ 0 h 425946"/>
+              <a:gd name="connsiteX9" fmla="*/ 5103832 w 5799809"/>
+              <a:gd name="connsiteY9" fmla="*/ 0 h 425946"/>
+              <a:gd name="connsiteX10" fmla="*/ 5799809 w 5799809"/>
+              <a:gd name="connsiteY10" fmla="*/ 0 h 425946"/>
+              <a:gd name="connsiteX11" fmla="*/ 5799809 w 5799809"/>
+              <a:gd name="connsiteY11" fmla="*/ 425946 h 425946"/>
+              <a:gd name="connsiteX12" fmla="*/ 5155386 w 5799809"/>
+              <a:gd name="connsiteY12" fmla="*/ 425946 h 425946"/>
+              <a:gd name="connsiteX13" fmla="*/ 4684957 w 5799809"/>
+              <a:gd name="connsiteY13" fmla="*/ 425946 h 425946"/>
+              <a:gd name="connsiteX14" fmla="*/ 4040534 w 5799809"/>
+              <a:gd name="connsiteY14" fmla="*/ 425946 h 425946"/>
+              <a:gd name="connsiteX15" fmla="*/ 3338112 w 5799809"/>
+              <a:gd name="connsiteY15" fmla="*/ 425946 h 425946"/>
+              <a:gd name="connsiteX16" fmla="*/ 2809685 w 5799809"/>
+              <a:gd name="connsiteY16" fmla="*/ 425946 h 425946"/>
+              <a:gd name="connsiteX17" fmla="*/ 2165262 w 5799809"/>
+              <a:gd name="connsiteY17" fmla="*/ 425946 h 425946"/>
+              <a:gd name="connsiteX18" fmla="*/ 1462841 w 5799809"/>
+              <a:gd name="connsiteY18" fmla="*/ 425946 h 425946"/>
+              <a:gd name="connsiteX19" fmla="*/ 818417 w 5799809"/>
+              <a:gd name="connsiteY19" fmla="*/ 425946 h 425946"/>
+              <a:gd name="connsiteX20" fmla="*/ 0 w 5799809"/>
+              <a:gd name="connsiteY20" fmla="*/ 425946 h 425946"/>
+              <a:gd name="connsiteX21" fmla="*/ 0 w 5799809"/>
+              <a:gd name="connsiteY21" fmla="*/ 0 h 425946"/>
+            </a:gdLst>
+            <a:cxnLst>
+              <a:cxn ang="0">
+                <a:pos x="connsiteX0" y="connsiteY0"/>
+              </a:cxn>
+              <a:cxn ang="0">
+                <a:pos x="connsiteX1" y="connsiteY1"/>
+              </a:cxn>
+              <a:cxn ang="0">
+                <a:pos x="connsiteX2" y="connsiteY2"/>
+              </a:cxn>
+              <a:cxn ang="0">
+                <a:pos x="connsiteX3" y="connsiteY3"/>
+              </a:cxn>
+              <a:cxn ang="0">
+                <a:pos x="connsiteX4" y="connsiteY4"/>
+              </a:cxn>
+              <a:cxn ang="0">
+                <a:pos x="connsiteX5" y="connsiteY5"/>
+              </a:cxn>
+              <a:cxn ang="0">
+                <a:pos x="connsiteX6" y="connsiteY6"/>
+              </a:cxn>
+              <a:cxn ang="0">
+                <a:pos x="connsiteX7" y="connsiteY7"/>
+              </a:cxn>
+              <a:cxn ang="0">
+                <a:pos x="connsiteX8" y="connsiteY8"/>
+              </a:cxn>
+              <a:cxn ang="0">
+                <a:pos x="connsiteX9" y="connsiteY9"/>
+              </a:cxn>
+              <a:cxn ang="0">
+                <a:pos x="connsiteX10" y="connsiteY10"/>
+              </a:cxn>
+              <a:cxn ang="0">
+                <a:pos x="connsiteX11" y="connsiteY11"/>
+              </a:cxn>
+              <a:cxn ang="0">
+                <a:pos x="connsiteX12" y="connsiteY12"/>
+              </a:cxn>
+              <a:cxn ang="0">
+                <a:pos x="connsiteX13" y="connsiteY13"/>
+              </a:cxn>
+              <a:cxn ang="0">
+                <a:pos x="connsiteX14" y="connsiteY14"/>
+              </a:cxn>
+              <a:cxn ang="0">
+                <a:pos x="connsiteX15" y="connsiteY15"/>
+              </a:cxn>
+              <a:cxn ang="0">
+                <a:pos x="connsiteX16" y="connsiteY16"/>
+              </a:cxn>
+              <a:cxn ang="0">
+                <a:pos x="connsiteX17" y="connsiteY17"/>
+              </a:cxn>
+              <a:cxn ang="0">
+                <a:pos x="connsiteX18" y="connsiteY18"/>
+              </a:cxn>
+              <a:cxn ang="0">
+                <a:pos x="connsiteX19" y="connsiteY19"/>
+              </a:cxn>
+              <a:cxn ang="0">
+                <a:pos x="connsiteX20" y="connsiteY20"/>
+              </a:cxn>
+              <a:cxn ang="0">
+                <a:pos x="connsiteX21" y="connsiteY21"/>
+              </a:cxn>
+            </a:cxnLst>
+            <a:rect l="l" t="t" r="r" b="b"/>
+            <a:pathLst>
+              <a:path w="5799809" h="425946" fill="none" extrusionOk="0">
+                <a:moveTo>
+                  <a:pt x="0" y="0"/>
+                </a:moveTo>
+                <a:cubicBezTo>
+                  <a:pt x="232930" y="11357"/>
+                  <a:pt x="338405" y="-11052"/>
+                  <a:pt x="470429" y="0"/>
+                </a:cubicBezTo>
+                <a:cubicBezTo>
+                  <a:pt x="602453" y="11052"/>
+                  <a:pt x="809389" y="-26878"/>
+                  <a:pt x="1056854" y="0"/>
+                </a:cubicBezTo>
+                <a:cubicBezTo>
+                  <a:pt x="1304320" y="26878"/>
+                  <a:pt x="1468530" y="-24406"/>
+                  <a:pt x="1585281" y="0"/>
+                </a:cubicBezTo>
+                <a:cubicBezTo>
+                  <a:pt x="1702032" y="24406"/>
+                  <a:pt x="2004466" y="14170"/>
+                  <a:pt x="2113708" y="0"/>
+                </a:cubicBezTo>
+                <a:cubicBezTo>
+                  <a:pt x="2222950" y="-14170"/>
+                  <a:pt x="2556011" y="28112"/>
+                  <a:pt x="2758131" y="0"/>
+                </a:cubicBezTo>
+                <a:cubicBezTo>
+                  <a:pt x="2960251" y="-28112"/>
+                  <a:pt x="3097544" y="-7034"/>
+                  <a:pt x="3402555" y="0"/>
+                </a:cubicBezTo>
+                <a:cubicBezTo>
+                  <a:pt x="3707566" y="7034"/>
+                  <a:pt x="3772141" y="4589"/>
+                  <a:pt x="3930982" y="0"/>
+                </a:cubicBezTo>
+                <a:cubicBezTo>
+                  <a:pt x="4089823" y="-4589"/>
+                  <a:pt x="4481847" y="28392"/>
+                  <a:pt x="4633403" y="0"/>
+                </a:cubicBezTo>
+                <a:cubicBezTo>
+                  <a:pt x="4784959" y="-28392"/>
+                  <a:pt x="4910939" y="-2346"/>
+                  <a:pt x="5103832" y="0"/>
+                </a:cubicBezTo>
+                <a:cubicBezTo>
+                  <a:pt x="5296725" y="2346"/>
+                  <a:pt x="5508736" y="-20318"/>
+                  <a:pt x="5799809" y="0"/>
+                </a:cubicBezTo>
+                <a:cubicBezTo>
+                  <a:pt x="5788599" y="198653"/>
+                  <a:pt x="5812935" y="266898"/>
+                  <a:pt x="5799809" y="425946"/>
+                </a:cubicBezTo>
+                <a:cubicBezTo>
+                  <a:pt x="5617430" y="412954"/>
+                  <a:pt x="5331856" y="449678"/>
+                  <a:pt x="5155386" y="425946"/>
+                </a:cubicBezTo>
+                <a:cubicBezTo>
+                  <a:pt x="4978916" y="402214"/>
+                  <a:pt x="4857030" y="423944"/>
+                  <a:pt x="4684957" y="425946"/>
+                </a:cubicBezTo>
+                <a:cubicBezTo>
+                  <a:pt x="4512884" y="427948"/>
+                  <a:pt x="4342832" y="445858"/>
+                  <a:pt x="4040534" y="425946"/>
+                </a:cubicBezTo>
+                <a:cubicBezTo>
+                  <a:pt x="3738236" y="406034"/>
+                  <a:pt x="3513554" y="443777"/>
+                  <a:pt x="3338112" y="425946"/>
+                </a:cubicBezTo>
+                <a:cubicBezTo>
+                  <a:pt x="3162670" y="408115"/>
+                  <a:pt x="3031362" y="412638"/>
+                  <a:pt x="2809685" y="425946"/>
+                </a:cubicBezTo>
+                <a:cubicBezTo>
+                  <a:pt x="2588008" y="439254"/>
+                  <a:pt x="2396513" y="447981"/>
+                  <a:pt x="2165262" y="425946"/>
+                </a:cubicBezTo>
+                <a:cubicBezTo>
+                  <a:pt x="1934011" y="403911"/>
+                  <a:pt x="1762479" y="426888"/>
+                  <a:pt x="1462841" y="425946"/>
+                </a:cubicBezTo>
+                <a:cubicBezTo>
+                  <a:pt x="1163203" y="425004"/>
+                  <a:pt x="955896" y="428651"/>
+                  <a:pt x="818417" y="425946"/>
+                </a:cubicBezTo>
+                <a:cubicBezTo>
+                  <a:pt x="680938" y="423241"/>
+                  <a:pt x="240620" y="433396"/>
+                  <a:pt x="0" y="425946"/>
+                </a:cubicBezTo>
+                <a:cubicBezTo>
+                  <a:pt x="-13937" y="217353"/>
+                  <a:pt x="3380" y="194608"/>
+                  <a:pt x="0" y="0"/>
+                </a:cubicBezTo>
+                <a:close/>
+              </a:path>
+              <a:path w="5799809" h="425946" stroke="0" extrusionOk="0">
+                <a:moveTo>
+                  <a:pt x="0" y="0"/>
+                </a:moveTo>
+                <a:cubicBezTo>
+                  <a:pt x="156451" y="-5263"/>
+                  <a:pt x="344124" y="-7670"/>
+                  <a:pt x="528427" y="0"/>
+                </a:cubicBezTo>
+                <a:cubicBezTo>
+                  <a:pt x="712730" y="7670"/>
+                  <a:pt x="1052845" y="3624"/>
+                  <a:pt x="1288846" y="0"/>
+                </a:cubicBezTo>
+                <a:cubicBezTo>
+                  <a:pt x="1524847" y="-3624"/>
+                  <a:pt x="1572216" y="2669"/>
+                  <a:pt x="1817273" y="0"/>
+                </a:cubicBezTo>
+                <a:cubicBezTo>
+                  <a:pt x="2062330" y="-2669"/>
+                  <a:pt x="2125614" y="-1841"/>
+                  <a:pt x="2287702" y="0"/>
+                </a:cubicBezTo>
+                <a:cubicBezTo>
+                  <a:pt x="2449790" y="1841"/>
+                  <a:pt x="2540838" y="-10545"/>
+                  <a:pt x="2758131" y="0"/>
+                </a:cubicBezTo>
+                <a:cubicBezTo>
+                  <a:pt x="2975424" y="10545"/>
+                  <a:pt x="3070417" y="16952"/>
+                  <a:pt x="3286558" y="0"/>
+                </a:cubicBezTo>
+                <a:cubicBezTo>
+                  <a:pt x="3502699" y="-16952"/>
+                  <a:pt x="3772879" y="25154"/>
+                  <a:pt x="4046978" y="0"/>
+                </a:cubicBezTo>
+                <a:cubicBezTo>
+                  <a:pt x="4321077" y="-25154"/>
+                  <a:pt x="4471091" y="-15419"/>
+                  <a:pt x="4691401" y="0"/>
+                </a:cubicBezTo>
+                <a:cubicBezTo>
+                  <a:pt x="4911711" y="15419"/>
+                  <a:pt x="5486808" y="-34903"/>
+                  <a:pt x="5799809" y="0"/>
+                </a:cubicBezTo>
+                <a:cubicBezTo>
+                  <a:pt x="5811781" y="117662"/>
+                  <a:pt x="5813135" y="213997"/>
+                  <a:pt x="5799809" y="425946"/>
+                </a:cubicBezTo>
+                <a:cubicBezTo>
+                  <a:pt x="5631023" y="426859"/>
+                  <a:pt x="5495897" y="406180"/>
+                  <a:pt x="5329380" y="425946"/>
+                </a:cubicBezTo>
+                <a:cubicBezTo>
+                  <a:pt x="5162863" y="445712"/>
+                  <a:pt x="4971538" y="414601"/>
+                  <a:pt x="4742955" y="425946"/>
+                </a:cubicBezTo>
+                <a:cubicBezTo>
+                  <a:pt x="4514373" y="437291"/>
+                  <a:pt x="4305792" y="401898"/>
+                  <a:pt x="4098532" y="425946"/>
+                </a:cubicBezTo>
+                <a:cubicBezTo>
+                  <a:pt x="3891272" y="449994"/>
+                  <a:pt x="3550710" y="452828"/>
+                  <a:pt x="3396110" y="425946"/>
+                </a:cubicBezTo>
+                <a:cubicBezTo>
+                  <a:pt x="3241510" y="399064"/>
+                  <a:pt x="2987621" y="437035"/>
+                  <a:pt x="2867683" y="425946"/>
+                </a:cubicBezTo>
+                <a:cubicBezTo>
+                  <a:pt x="2747745" y="414857"/>
+                  <a:pt x="2500791" y="420398"/>
+                  <a:pt x="2281258" y="425946"/>
+                </a:cubicBezTo>
+                <a:cubicBezTo>
+                  <a:pt x="2061725" y="431494"/>
+                  <a:pt x="1816635" y="426101"/>
+                  <a:pt x="1636835" y="425946"/>
+                </a:cubicBezTo>
+                <a:cubicBezTo>
+                  <a:pt x="1457035" y="425791"/>
+                  <a:pt x="1307407" y="428836"/>
+                  <a:pt x="1050410" y="425946"/>
+                </a:cubicBezTo>
+                <a:cubicBezTo>
+                  <a:pt x="793414" y="423056"/>
+                  <a:pt x="415100" y="437818"/>
+                  <a:pt x="0" y="425946"/>
+                </a:cubicBezTo>
+                <a:cubicBezTo>
+                  <a:pt x="553" y="260129"/>
+                  <a:pt x="10725" y="188645"/>
+                  <a:pt x="0" y="0"/>
+                </a:cubicBezTo>
+                <a:close/>
+              </a:path>
+            </a:pathLst>
+          </a:custGeom>
+          <a:solidFill>
+            <a:schemeClr val="accent4">
+              <a:lumMod val="40000"/>
+              <a:lumOff val="60000"/>
+              <a:alpha val="35000"/>
+            </a:schemeClr>
+          </a:solidFill>
+          <a:ln>
+            <a:solidFill>
+              <a:schemeClr val="accent4">
+                <a:lumMod val="40000"/>
+                <a:lumOff val="60000"/>
+              </a:schemeClr>
+            </a:solidFill>
+          </a:ln>
+        </p:spPr>
+        <p:style>
+          <a:lnRef idx="2">
+            <a:schemeClr val="accent1">
+              <a:shade val="50000"/>
+            </a:schemeClr>
+          </a:lnRef>
+          <a:fillRef idx="1">
+            <a:schemeClr val="accent1"/>
+          </a:fillRef>
+          <a:effectRef idx="0">
+            <a:schemeClr val="accent1"/>
+          </a:effectRef>
+          <a:fontRef idx="minor">
+            <a:schemeClr val="lt1"/>
+          </a:fontRef>
+        </p:style>
+        <p:txBody>
+          <a:bodyPr anchor="ctr"/>
+          <a:lstStyle/>
+          <a:p>
+            <a:pPr algn="ctr">
+              <a:defRPr/>
+            </a:pPr>
+            <a:endParaRPr lang="ko-KR" altLang="en-US"/>
+          </a:p>
+        </p:txBody>
+      </p:sp>
+      <p:sp>
+        <p:nvSpPr>
+          <p:cNvPr id="60" name="TextBox 11"/>
+          <p:cNvSpPr txBox="1"/>
+          <p:nvPr/>
+        </p:nvSpPr>
+        <p:spPr>
+          <a:xfrm>
+            <a:off x="6625512" y="3662265"/>
+            <a:ext cx="4744601" cy="641130"/>
+          </a:xfrm>
+          <a:prstGeom prst="rect">
+            <a:avLst/>
+          </a:prstGeom>
+          <a:noFill/>
+        </p:spPr>
+        <p:txBody>
+          <a:bodyPr vert="horz" wrap="square" lIns="91440" tIns="45720" rIns="91440" bIns="45720" anchor="t">
+            <a:spAutoFit/>
+          </a:bodyPr>
+          <a:lstStyle/>
+          <a:p>
+            <a:pPr algn="ctr">
+              <a:lnSpc>
+                <a:spcPct val="150000"/>
+              </a:lnSpc>
+              <a:defRPr/>
+            </a:pPr>
+            <a:endParaRPr lang="ko-KR" altLang="en-US" sz="2400" kern="1400">
+              <a:solidFill>
+                <a:schemeClr val="tx1"/>
+              </a:solidFill>
+              <a:latin typeface="DX영화자막 M"/>
+              <a:ea typeface="DX영화자막 M"/>
+            </a:endParaRPr>
+          </a:p>
+        </p:txBody>
+      </p:sp>
       <p:pic>
         <p:nvPicPr>
-          <p:cNvPr id="63" name=""/>
+          <p:cNvPr id="65" name=""/>
           <p:cNvPicPr>
             <a:picLocks noChangeAspect="1"/>
           </p:cNvPicPr>
           <p:nvPr/>
         </p:nvPicPr>
         <p:blipFill rotWithShape="1">
-          <a:blip r:embed="rId3"/>
+          <a:blip r:embed="rId4"/>
           <a:stretch>
             <a:fillRect/>
           </a:stretch>
         </p:blipFill>
         <p:spPr>
           <a:xfrm>
-            <a:off x="3104572" y="1392052"/>
-            <a:ext cx="5982854" cy="5255656"/>
+            <a:off x="3429000" y="1298863"/>
+            <a:ext cx="5334000" cy="5334000"/>
           </a:xfrm>
           <a:prstGeom prst="rect">
             <a:avLst/>

--- a/2조.pptx
+++ b/2조.pptx
@@ -2,7 +2,7 @@
 <file path=ppt/presentation.xml><?xml version="1.0" encoding="utf-8"?>
 <p:presentation xmlns:r="http://schemas.openxmlformats.org/officeDocument/2006/relationships" xmlns:c="http://schemas.openxmlformats.org/drawingml/2006/chart" xmlns:a="http://schemas.openxmlformats.org/drawingml/2006/main" xmlns:dgm="http://schemas.openxmlformats.org/drawingml/2006/diagram" xmlns:dsp="http://schemas.microsoft.com/office/drawing/2008/diagram" xmlns:p="http://schemas.openxmlformats.org/presentationml/2006/main" embedTrueTypeFonts="1" saveSubsetFonts="1" autoCompressPictures="0">
   <p:sldMasterIdLst>
-    <p:sldMasterId id="2147483682" r:id="rId1"/>
+    <p:sldMasterId id="2147483662" r:id="rId1"/>
   </p:sldMasterIdLst>
   <p:sldIdLst>
     <p:sldId id="256" r:id="rId2"/>
@@ -18,8 +18,6 @@
     <p:sldId id="266" r:id="rId12"/>
     <p:sldId id="267" r:id="rId13"/>
     <p:sldId id="268" r:id="rId14"/>
-    <p:sldId id="269" r:id="rId15"/>
-    <p:sldId id="270" r:id="rId16"/>
   </p:sldIdLst>
   <p:sldSz cx="12192000" cy="6858000"/>
   <p:notesSz cx="6858000" cy="9144000"/>
@@ -4887,7 +4885,7 @@
         </p:nvSpPr>
         <p:spPr>
           <a:xfrm flipH="1">
-            <a:off x="5034171" y="361539"/>
+            <a:off x="5041092" y="342101"/>
             <a:ext cx="2123658" cy="294169"/>
           </a:xfrm>
           <a:prstGeom prst="rect">
@@ -4936,8 +4934,8 @@
         </p:nvSpPr>
         <p:spPr>
           <a:xfrm>
-            <a:off x="3776546" y="830223"/>
-            <a:ext cx="4872172" cy="453357"/>
+            <a:off x="3990373" y="830223"/>
+            <a:ext cx="4872173" cy="453356"/>
           </a:xfrm>
           <a:prstGeom prst="rect">
             <a:avLst/>
@@ -4957,6 +4955,18 @@
               <a:defRPr/>
             </a:pPr>
             <a:r>
+              <a:rPr lang="en-US" altLang="ko-KR" sz="2400">
+                <a:solidFill>
+                  <a:schemeClr val="tx1">
+                    <a:alpha val="71000"/>
+                  </a:schemeClr>
+                </a:solidFill>
+                <a:latin typeface="DX영화자막 M"/>
+                <a:ea typeface="DX영화자막 M"/>
+              </a:rPr>
+              <a:t>1</a:t>
+            </a:r>
+            <a:r>
               <a:rPr lang="ko-KR" altLang="en-US" sz="2400">
                 <a:solidFill>
                   <a:schemeClr val="tx1">
@@ -4966,31 +4976,7 @@
                 <a:latin typeface="DX영화자막 M"/>
                 <a:ea typeface="DX영화자막 M"/>
               </a:rPr>
-              <a:t>슬로싱킹과 </a:t>
-            </a:r>
-            <a:r>
-              <a:rPr lang="en-US" altLang="ko-KR" sz="2400">
-                <a:solidFill>
-                  <a:schemeClr val="tx1">
-                    <a:alpha val="71000"/>
-                  </a:schemeClr>
-                </a:solidFill>
-                <a:latin typeface="DX영화자막 M"/>
-                <a:ea typeface="DX영화자막 M"/>
-              </a:rPr>
-              <a:t>20</a:t>
-            </a:r>
-            <a:r>
-              <a:rPr lang="ko-KR" altLang="en-US" sz="2400">
-                <a:solidFill>
-                  <a:schemeClr val="tx1">
-                    <a:alpha val="71000"/>
-                  </a:schemeClr>
-                </a:solidFill>
-                <a:latin typeface="DX영화자막 M"/>
-                <a:ea typeface="DX영화자막 M"/>
-              </a:rPr>
-              <a:t>분의 선잠 습관화</a:t>
+              <a:t>초도 생각을 놓지 않는 연습</a:t>
             </a:r>
             <a:endParaRPr lang="ko-KR" altLang="en-US" sz="2400">
               <a:solidFill>
@@ -5590,7 +5576,7 @@
       </p:sp>
       <p:pic>
         <p:nvPicPr>
-          <p:cNvPr id="66" name=""/>
+          <p:cNvPr id="67" name=""/>
           <p:cNvPicPr>
             <a:picLocks noChangeAspect="1"/>
           </p:cNvPicPr>
@@ -5604,8 +5590,8 @@
         </p:blipFill>
         <p:spPr>
           <a:xfrm>
-            <a:off x="4020287" y="1996534"/>
-            <a:ext cx="4151425" cy="4151425"/>
+            <a:off x="2219419" y="0"/>
+            <a:ext cx="7753162" cy="8365677"/>
           </a:xfrm>
           <a:prstGeom prst="rect">
             <a:avLst/>
@@ -6521,8 +6507,8 @@
         </p:nvSpPr>
         <p:spPr>
           <a:xfrm>
-            <a:off x="3990373" y="830223"/>
-            <a:ext cx="4872173" cy="453356"/>
+            <a:off x="2065935" y="888541"/>
+            <a:ext cx="8060130" cy="453357"/>
           </a:xfrm>
           <a:prstGeom prst="rect">
             <a:avLst/>
@@ -6542,18 +6528,6 @@
               <a:defRPr/>
             </a:pPr>
             <a:r>
-              <a:rPr lang="en-US" altLang="ko-KR" sz="2400">
-                <a:solidFill>
-                  <a:schemeClr val="tx1">
-                    <a:alpha val="71000"/>
-                  </a:schemeClr>
-                </a:solidFill>
-                <a:latin typeface="DX영화자막 M"/>
-                <a:ea typeface="DX영화자막 M"/>
-              </a:rPr>
-              <a:t>1</a:t>
-            </a:r>
-            <a:r>
               <a:rPr lang="ko-KR" altLang="en-US" sz="2400">
                 <a:solidFill>
                   <a:schemeClr val="tx1">
@@ -6563,7 +6537,7 @@
                 <a:latin typeface="DX영화자막 M"/>
                 <a:ea typeface="DX영화자막 M"/>
               </a:rPr>
-              <a:t>초도 생각을 놓지 않는 연습</a:t>
+              <a:t>하루에 여러 과목보다는 한 과목을 일주일 이상 집중 적으로</a:t>
             </a:r>
             <a:endParaRPr lang="ko-KR" altLang="en-US" sz="2400">
               <a:solidFill>
@@ -7163,1567 +7137,6 @@
       </p:sp>
       <p:pic>
         <p:nvPicPr>
-          <p:cNvPr id="67" name=""/>
-          <p:cNvPicPr>
-            <a:picLocks noChangeAspect="1"/>
-          </p:cNvPicPr>
-          <p:nvPr/>
-        </p:nvPicPr>
-        <p:blipFill rotWithShape="1">
-          <a:blip r:embed="rId4"/>
-          <a:stretch>
-            <a:fillRect/>
-          </a:stretch>
-        </p:blipFill>
-        <p:spPr>
-          <a:xfrm>
-            <a:off x="2219419" y="0"/>
-            <a:ext cx="7753162" cy="8365677"/>
-          </a:xfrm>
-          <a:prstGeom prst="rect">
-            <a:avLst/>
-          </a:prstGeom>
-        </p:spPr>
-      </p:pic>
-    </p:spTree>
-  </p:cSld>
-  <p:clrMapOvr>
-    <a:masterClrMapping/>
-  </p:clrMapOvr>
-  <mc:AlternateContent xmlns:mc="http://schemas.openxmlformats.org/markup-compatibility/2006">
-    <mc:Choice xmlns:p14="http://schemas.microsoft.com/office/powerpoint/2010/main" Requires="p14">
-      <p:transition xmlns:mc="http://schemas.openxmlformats.org/markup-compatibility/2006" xmlns:p14="http://schemas.microsoft.com/office/powerpoint/2010/main" mc:Ignorable="p14" p14:dur="500"/>
-    </mc:Choice>
-    <mc:Fallback>
-      <p:transition/>
-    </mc:Fallback>
-  </mc:AlternateContent>
-</p:sld>
-</file>
-
-<file path=ppt/slides/slide12.xml><?xml version="1.0" encoding="utf-8"?>
-<p:sld xmlns:r="http://schemas.openxmlformats.org/officeDocument/2006/relationships" xmlns:c="http://schemas.openxmlformats.org/drawingml/2006/chart" xmlns:a="http://schemas.openxmlformats.org/drawingml/2006/main" xmlns:dgm="http://schemas.openxmlformats.org/drawingml/2006/diagram" xmlns:dsp="http://schemas.microsoft.com/office/drawing/2008/diagram" xmlns:p="http://schemas.openxmlformats.org/presentationml/2006/main">
-  <p:cSld>
-    <p:spTree>
-      <p:nvGrpSpPr>
-        <p:cNvPr id="1" name=""/>
-        <p:cNvGrpSpPr/>
-        <p:nvPr/>
-      </p:nvGrpSpPr>
-      <p:grpSpPr>
-        <a:xfrm>
-          <a:off x="0" y="0"/>
-          <a:ext cx="0" cy="0"/>
-          <a:chOff x="0" y="0"/>
-          <a:chExt cx="0" cy="0"/>
-        </a:xfrm>
-      </p:grpSpPr>
-      <p:sp>
-        <p:nvSpPr>
-          <p:cNvPr id="22" name="TextBox 21"/>
-          <p:cNvSpPr txBox="1"/>
-          <p:nvPr/>
-        </p:nvSpPr>
-        <p:spPr>
-          <a:xfrm flipH="1">
-            <a:off x="5041092" y="342101"/>
-            <a:ext cx="2123658" cy="294169"/>
-          </a:xfrm>
-          <a:prstGeom prst="rect">
-            <a:avLst/>
-          </a:prstGeom>
-          <a:noFill/>
-        </p:spPr>
-        <p:txBody>
-          <a:bodyPr vert="horz" wrap="square">
-            <a:spAutoFit/>
-          </a:bodyPr>
-          <a:lstStyle/>
-          <a:p>
-            <a:pPr algn="dist">
-              <a:defRPr/>
-            </a:pPr>
-            <a:r>
-              <a:rPr lang="en-US" altLang="ko-KR" sz="1400">
-                <a:solidFill>
-                  <a:schemeClr val="tx1">
-                    <a:alpha val="71000"/>
-                  </a:schemeClr>
-                </a:solidFill>
-                <a:latin typeface="DX영화자막 M"/>
-                <a:ea typeface="DX영화자막 M"/>
-              </a:rPr>
-              <a:t>SLOW THINKING</a:t>
-            </a:r>
-            <a:endParaRPr lang="ko-KR" altLang="en-US" sz="1400">
-              <a:solidFill>
-                <a:schemeClr val="tx1">
-                  <a:alpha val="71000"/>
-                </a:schemeClr>
-              </a:solidFill>
-              <a:latin typeface="DX영화자막 M"/>
-              <a:ea typeface="DX영화자막 M"/>
-            </a:endParaRPr>
-          </a:p>
-        </p:txBody>
-      </p:sp>
-      <p:grpSp>
-        <p:nvGrpSpPr>
-          <p:cNvPr id="4" name="그룹 3"/>
-          <p:cNvGrpSpPr/>
-          <p:nvPr/>
-        </p:nvGrpSpPr>
-        <p:grpSpPr>
-          <a:xfrm rot="0">
-            <a:off x="240925" y="2941212"/>
-            <a:ext cx="163649" cy="975576"/>
-            <a:chOff x="306686" y="3281373"/>
-            <a:chExt cx="163649" cy="975576"/>
-          </a:xfrm>
-        </p:grpSpPr>
-        <p:cxnSp>
-          <p:nvCxnSpPr>
-            <p:cNvPr id="3" name="직선 연결선 2"/>
-            <p:cNvCxnSpPr/>
-            <p:nvPr/>
-          </p:nvCxnSpPr>
-          <p:spPr>
-            <a:xfrm>
-              <a:off x="306686" y="4127358"/>
-              <a:ext cx="160637" cy="129591"/>
-            </a:xfrm>
-            <a:prstGeom prst="line">
-              <a:avLst/>
-            </a:prstGeom>
-            <a:ln w="12700">
-              <a:solidFill>
-                <a:srgbClr val="ac9d8e"/>
-              </a:solidFill>
-            </a:ln>
-          </p:spPr>
-          <p:style>
-            <a:lnRef idx="1">
-              <a:schemeClr val="accent1"/>
-            </a:lnRef>
-            <a:fillRef idx="0">
-              <a:schemeClr val="accent1"/>
-            </a:fillRef>
-            <a:effectRef idx="0">
-              <a:schemeClr val="accent1"/>
-            </a:effectRef>
-            <a:fontRef idx="minor">
-              <a:schemeClr val="tx1"/>
-            </a:fontRef>
-          </p:style>
-        </p:cxnSp>
-        <p:cxnSp>
-          <p:nvCxnSpPr>
-            <p:cNvPr id="40" name="직선 연결선 39"/>
-            <p:cNvCxnSpPr/>
-            <p:nvPr/>
-          </p:nvCxnSpPr>
-          <p:spPr>
-            <a:xfrm>
-              <a:off x="306686" y="3838775"/>
-              <a:ext cx="160637" cy="129591"/>
-            </a:xfrm>
-            <a:prstGeom prst="line">
-              <a:avLst/>
-            </a:prstGeom>
-            <a:ln w="12700">
-              <a:solidFill>
-                <a:srgbClr val="ac9d8e"/>
-              </a:solidFill>
-            </a:ln>
-          </p:spPr>
-          <p:style>
-            <a:lnRef idx="1">
-              <a:schemeClr val="accent1"/>
-            </a:lnRef>
-            <a:fillRef idx="0">
-              <a:schemeClr val="accent1"/>
-            </a:fillRef>
-            <a:effectRef idx="0">
-              <a:schemeClr val="accent1"/>
-            </a:effectRef>
-            <a:fontRef idx="minor">
-              <a:schemeClr val="tx1"/>
-            </a:fontRef>
-          </p:style>
-        </p:cxnSp>
-        <p:cxnSp>
-          <p:nvCxnSpPr>
-            <p:cNvPr id="49" name="직선 연결선 48"/>
-            <p:cNvCxnSpPr/>
-            <p:nvPr/>
-          </p:nvCxnSpPr>
-          <p:spPr>
-            <a:xfrm>
-              <a:off x="306686" y="3550192"/>
-              <a:ext cx="160637" cy="129591"/>
-            </a:xfrm>
-            <a:prstGeom prst="line">
-              <a:avLst/>
-            </a:prstGeom>
-            <a:ln w="12700">
-              <a:solidFill>
-                <a:srgbClr val="ac9d8e"/>
-              </a:solidFill>
-            </a:ln>
-          </p:spPr>
-          <p:style>
-            <a:lnRef idx="1">
-              <a:schemeClr val="accent1"/>
-            </a:lnRef>
-            <a:fillRef idx="0">
-              <a:schemeClr val="accent1"/>
-            </a:fillRef>
-            <a:effectRef idx="0">
-              <a:schemeClr val="accent1"/>
-            </a:effectRef>
-            <a:fontRef idx="minor">
-              <a:schemeClr val="tx1"/>
-            </a:fontRef>
-          </p:style>
-        </p:cxnSp>
-        <p:cxnSp>
-          <p:nvCxnSpPr>
-            <p:cNvPr id="51" name="직선 연결선 50"/>
-            <p:cNvCxnSpPr/>
-            <p:nvPr/>
-          </p:nvCxnSpPr>
-          <p:spPr>
-            <a:xfrm>
-              <a:off x="309698" y="3281373"/>
-              <a:ext cx="160637" cy="129591"/>
-            </a:xfrm>
-            <a:prstGeom prst="line">
-              <a:avLst/>
-            </a:prstGeom>
-            <a:ln w="12700">
-              <a:solidFill>
-                <a:srgbClr val="ac9d8e"/>
-              </a:solidFill>
-            </a:ln>
-          </p:spPr>
-          <p:style>
-            <a:lnRef idx="1">
-              <a:schemeClr val="accent1"/>
-            </a:lnRef>
-            <a:fillRef idx="0">
-              <a:schemeClr val="accent1"/>
-            </a:fillRef>
-            <a:effectRef idx="0">
-              <a:schemeClr val="accent1"/>
-            </a:effectRef>
-            <a:fontRef idx="minor">
-              <a:schemeClr val="tx1"/>
-            </a:fontRef>
-          </p:style>
-        </p:cxnSp>
-      </p:grpSp>
-      <p:sp>
-        <p:nvSpPr>
-          <p:cNvPr id="2" name="TextBox 1"/>
-          <p:cNvSpPr txBox="1"/>
-          <p:nvPr/>
-        </p:nvSpPr>
-        <p:spPr>
-          <a:xfrm>
-            <a:off x="1268142" y="1611934"/>
-            <a:ext cx="6189707" cy="646331"/>
-          </a:xfrm>
-          <a:prstGeom prst="rect">
-            <a:avLst/>
-          </a:prstGeom>
-          <a:noFill/>
-        </p:spPr>
-        <p:txBody>
-          <a:bodyPr wrap="square">
-            <a:spAutoFit/>
-          </a:bodyPr>
-          <a:lstStyle/>
-          <a:p>
-            <a:pPr lvl="0">
-              <a:defRPr/>
-            </a:pPr>
-            <a:r>
-              <a:rPr lang="ko-KR" altLang="en-US" sz="3600">
-                <a:latin typeface="DX영화자막 M"/>
-                <a:ea typeface="DX영화자막 M"/>
-              </a:rPr>
-              <a:t>홍논문</a:t>
-            </a:r>
-            <a:endParaRPr lang="en-US" altLang="ko-KR" sz="3600">
-              <a:latin typeface="DX영화자막 M"/>
-              <a:ea typeface="DX영화자막 M"/>
-            </a:endParaRPr>
-          </a:p>
-        </p:txBody>
-      </p:sp>
-      <p:sp>
-        <p:nvSpPr>
-          <p:cNvPr id="5" name="직사각형 4"/>
-          <p:cNvSpPr/>
-          <p:nvPr/>
-        </p:nvSpPr>
-        <p:spPr>
-          <a:xfrm>
-            <a:off x="1431961" y="2449168"/>
-            <a:ext cx="885524" cy="487788"/>
-          </a:xfrm>
-          <a:custGeom>
-            <a:avLst/>
-            <a:gdLst>
-              <a:gd name="connsiteX0" fmla="*/ 0 w 885524"/>
-              <a:gd name="connsiteY0" fmla="*/ 0 h 487788"/>
-              <a:gd name="connsiteX1" fmla="*/ 885524 w 885524"/>
-              <a:gd name="connsiteY1" fmla="*/ 0 h 487788"/>
-              <a:gd name="connsiteX2" fmla="*/ 885524 w 885524"/>
-              <a:gd name="connsiteY2" fmla="*/ 487788 h 487788"/>
-              <a:gd name="connsiteX3" fmla="*/ 0 w 885524"/>
-              <a:gd name="connsiteY3" fmla="*/ 487788 h 487788"/>
-              <a:gd name="connsiteX4" fmla="*/ 0 w 885524"/>
-              <a:gd name="connsiteY4" fmla="*/ 0 h 487788"/>
-            </a:gdLst>
-            <a:cxnLst>
-              <a:cxn ang="0">
-                <a:pos x="connsiteX0" y="connsiteY0"/>
-              </a:cxn>
-              <a:cxn ang="0">
-                <a:pos x="connsiteX1" y="connsiteY1"/>
-              </a:cxn>
-              <a:cxn ang="0">
-                <a:pos x="connsiteX2" y="connsiteY2"/>
-              </a:cxn>
-              <a:cxn ang="0">
-                <a:pos x="connsiteX3" y="connsiteY3"/>
-              </a:cxn>
-              <a:cxn ang="0">
-                <a:pos x="connsiteX4" y="connsiteY4"/>
-              </a:cxn>
-            </a:cxnLst>
-            <a:rect l="l" t="t" r="r" b="b"/>
-            <a:pathLst>
-              <a:path w="885524" h="487788" extrusionOk="0">
-                <a:moveTo>
-                  <a:pt x="0" y="0"/>
-                </a:moveTo>
-                <a:cubicBezTo>
-                  <a:pt x="147585" y="73323"/>
-                  <a:pt x="474504" y="43906"/>
-                  <a:pt x="885524" y="0"/>
-                </a:cubicBezTo>
-                <a:cubicBezTo>
-                  <a:pt x="866863" y="85762"/>
-                  <a:pt x="848666" y="279246"/>
-                  <a:pt x="885524" y="487788"/>
-                </a:cubicBezTo>
-                <a:cubicBezTo>
-                  <a:pt x="603390" y="566340"/>
-                  <a:pt x="377373" y="441160"/>
-                  <a:pt x="0" y="487788"/>
-                </a:cubicBezTo>
-                <a:cubicBezTo>
-                  <a:pt x="14357" y="340894"/>
-                  <a:pt x="31857" y="149382"/>
-                  <a:pt x="0" y="0"/>
-                </a:cubicBezTo>
-                <a:close/>
-              </a:path>
-            </a:pathLst>
-          </a:custGeom>
-          <a:noFill/>
-          <a:ln>
-            <a:solidFill>
-              <a:srgbClr val="9a8b85"/>
-            </a:solidFill>
-          </a:ln>
-        </p:spPr>
-        <p:style>
-          <a:lnRef idx="2">
-            <a:schemeClr val="accent1">
-              <a:shade val="50000"/>
-            </a:schemeClr>
-          </a:lnRef>
-          <a:fillRef idx="1">
-            <a:schemeClr val="accent1"/>
-          </a:fillRef>
-          <a:effectRef idx="0">
-            <a:schemeClr val="accent1"/>
-          </a:effectRef>
-          <a:fontRef idx="minor">
-            <a:schemeClr val="lt1"/>
-          </a:fontRef>
-        </p:style>
-        <p:txBody>
-          <a:bodyPr anchor="ctr"/>
-          <a:lstStyle/>
-          <a:p>
-            <a:pPr algn="ctr">
-              <a:defRPr/>
-            </a:pPr>
-            <a:endParaRPr lang="ko-KR" altLang="en-US"/>
-          </a:p>
-        </p:txBody>
-      </p:sp>
-      <p:sp>
-        <p:nvSpPr>
-          <p:cNvPr id="24" name="직사각형 23"/>
-          <p:cNvSpPr/>
-          <p:nvPr/>
-        </p:nvSpPr>
-        <p:spPr>
-          <a:xfrm>
-            <a:off x="1410413" y="2487669"/>
-            <a:ext cx="885524" cy="487788"/>
-          </a:xfrm>
-          <a:custGeom>
-            <a:avLst/>
-            <a:gdLst>
-              <a:gd name="connsiteX0" fmla="*/ 0 w 885524"/>
-              <a:gd name="connsiteY0" fmla="*/ 0 h 487788"/>
-              <a:gd name="connsiteX1" fmla="*/ 442762 w 885524"/>
-              <a:gd name="connsiteY1" fmla="*/ 0 h 487788"/>
-              <a:gd name="connsiteX2" fmla="*/ 885524 w 885524"/>
-              <a:gd name="connsiteY2" fmla="*/ 0 h 487788"/>
-              <a:gd name="connsiteX3" fmla="*/ 885524 w 885524"/>
-              <a:gd name="connsiteY3" fmla="*/ 487788 h 487788"/>
-              <a:gd name="connsiteX4" fmla="*/ 425052 w 885524"/>
-              <a:gd name="connsiteY4" fmla="*/ 487788 h 487788"/>
-              <a:gd name="connsiteX5" fmla="*/ 0 w 885524"/>
-              <a:gd name="connsiteY5" fmla="*/ 487788 h 487788"/>
-              <a:gd name="connsiteX6" fmla="*/ 0 w 885524"/>
-              <a:gd name="connsiteY6" fmla="*/ 0 h 487788"/>
-            </a:gdLst>
-            <a:cxnLst>
-              <a:cxn ang="0">
-                <a:pos x="connsiteX0" y="connsiteY0"/>
-              </a:cxn>
-              <a:cxn ang="0">
-                <a:pos x="connsiteX1" y="connsiteY1"/>
-              </a:cxn>
-              <a:cxn ang="0">
-                <a:pos x="connsiteX2" y="connsiteY2"/>
-              </a:cxn>
-              <a:cxn ang="0">
-                <a:pos x="connsiteX3" y="connsiteY3"/>
-              </a:cxn>
-              <a:cxn ang="0">
-                <a:pos x="connsiteX4" y="connsiteY4"/>
-              </a:cxn>
-              <a:cxn ang="0">
-                <a:pos x="connsiteX5" y="connsiteY5"/>
-              </a:cxn>
-              <a:cxn ang="0">
-                <a:pos x="connsiteX6" y="connsiteY6"/>
-              </a:cxn>
-            </a:cxnLst>
-            <a:rect l="l" t="t" r="r" b="b"/>
-            <a:pathLst>
-              <a:path w="885524" h="487788" fill="none" extrusionOk="0">
-                <a:moveTo>
-                  <a:pt x="0" y="0"/>
-                </a:moveTo>
-                <a:cubicBezTo>
-                  <a:pt x="189876" y="-27532"/>
-                  <a:pt x="326699" y="51795"/>
-                  <a:pt x="442762" y="0"/>
-                </a:cubicBezTo>
-                <a:cubicBezTo>
-                  <a:pt x="558825" y="-51795"/>
-                  <a:pt x="711044" y="33536"/>
-                  <a:pt x="885524" y="0"/>
-                </a:cubicBezTo>
-                <a:cubicBezTo>
-                  <a:pt x="936190" y="142469"/>
-                  <a:pt x="840840" y="332089"/>
-                  <a:pt x="885524" y="487788"/>
-                </a:cubicBezTo>
-                <a:cubicBezTo>
-                  <a:pt x="725718" y="528142"/>
-                  <a:pt x="590941" y="462966"/>
-                  <a:pt x="425052" y="487788"/>
-                </a:cubicBezTo>
-                <a:cubicBezTo>
-                  <a:pt x="259163" y="512610"/>
-                  <a:pt x="96867" y="465139"/>
-                  <a:pt x="0" y="487788"/>
-                </a:cubicBezTo>
-                <a:cubicBezTo>
-                  <a:pt x="-48569" y="321016"/>
-                  <a:pt x="48220" y="217248"/>
-                  <a:pt x="0" y="0"/>
-                </a:cubicBezTo>
-                <a:close/>
-              </a:path>
-              <a:path w="885524" h="487788" stroke="0" extrusionOk="0">
-                <a:moveTo>
-                  <a:pt x="0" y="0"/>
-                </a:moveTo>
-                <a:cubicBezTo>
-                  <a:pt x="122179" y="-35847"/>
-                  <a:pt x="263364" y="18882"/>
-                  <a:pt x="442762" y="0"/>
-                </a:cubicBezTo>
-                <a:cubicBezTo>
-                  <a:pt x="622160" y="-18882"/>
-                  <a:pt x="685164" y="38820"/>
-                  <a:pt x="885524" y="0"/>
-                </a:cubicBezTo>
-                <a:cubicBezTo>
-                  <a:pt x="938868" y="105536"/>
-                  <a:pt x="839505" y="276099"/>
-                  <a:pt x="885524" y="487788"/>
-                </a:cubicBezTo>
-                <a:cubicBezTo>
-                  <a:pt x="734272" y="498127"/>
-                  <a:pt x="572546" y="440618"/>
-                  <a:pt x="469328" y="487788"/>
-                </a:cubicBezTo>
-                <a:cubicBezTo>
-                  <a:pt x="366110" y="534958"/>
-                  <a:pt x="174657" y="465725"/>
-                  <a:pt x="0" y="487788"/>
-                </a:cubicBezTo>
-                <a:cubicBezTo>
-                  <a:pt x="-13226" y="342024"/>
-                  <a:pt x="54406" y="214492"/>
-                  <a:pt x="0" y="0"/>
-                </a:cubicBezTo>
-                <a:close/>
-              </a:path>
-            </a:pathLst>
-          </a:custGeom>
-          <a:solidFill>
-            <a:srgbClr val="d1c9c1"/>
-          </a:solidFill>
-          <a:ln>
-            <a:solidFill>
-              <a:srgbClr val="9a8b85"/>
-            </a:solidFill>
-          </a:ln>
-        </p:spPr>
-        <p:style>
-          <a:lnRef idx="2">
-            <a:schemeClr val="accent1">
-              <a:shade val="50000"/>
-            </a:schemeClr>
-          </a:lnRef>
-          <a:fillRef idx="1">
-            <a:schemeClr val="accent1"/>
-          </a:fillRef>
-          <a:effectRef idx="0">
-            <a:schemeClr val="accent1"/>
-          </a:effectRef>
-          <a:fontRef idx="minor">
-            <a:schemeClr val="lt1"/>
-          </a:fontRef>
-        </p:style>
-        <p:txBody>
-          <a:bodyPr anchor="ctr"/>
-          <a:lstStyle/>
-          <a:p>
-            <a:pPr algn="ctr">
-              <a:defRPr/>
-            </a:pPr>
-            <a:endParaRPr lang="ko-KR" altLang="en-US">
-              <a:solidFill>
-                <a:sysClr val="windowText" lastClr="000000"/>
-              </a:solidFill>
-            </a:endParaRPr>
-          </a:p>
-        </p:txBody>
-      </p:sp>
-      <p:sp>
-        <p:nvSpPr>
-          <p:cNvPr id="6" name="TextBox 5"/>
-          <p:cNvSpPr txBox="1"/>
-          <p:nvPr/>
-        </p:nvSpPr>
-        <p:spPr>
-          <a:xfrm>
-            <a:off x="1477790" y="2555388"/>
-            <a:ext cx="750769" cy="369332"/>
-          </a:xfrm>
-          <a:prstGeom prst="rect">
-            <a:avLst/>
-          </a:prstGeom>
-          <a:noFill/>
-        </p:spPr>
-        <p:txBody>
-          <a:bodyPr wrap="square">
-            <a:spAutoFit/>
-          </a:bodyPr>
-          <a:lstStyle/>
-          <a:p>
-            <a:pPr algn="ctr">
-              <a:defRPr/>
-            </a:pPr>
-            <a:r>
-              <a:rPr lang="ko-KR" altLang="en-US" b="1">
-                <a:solidFill>
-                  <a:sysClr val="windowText" lastClr="000000"/>
-                </a:solidFill>
-                <a:latin typeface="DX영화자막 M"/>
-                <a:ea typeface="DX영화자막 M"/>
-              </a:rPr>
-              <a:t>소 개</a:t>
-            </a:r>
-            <a:endParaRPr lang="ko-KR" altLang="en-US" b="1">
-              <a:solidFill>
-                <a:sysClr val="windowText" lastClr="000000"/>
-              </a:solidFill>
-              <a:latin typeface="DX영화자막 M"/>
-              <a:ea typeface="DX영화자막 M"/>
-            </a:endParaRPr>
-          </a:p>
-        </p:txBody>
-      </p:sp>
-      <p:sp>
-        <p:nvSpPr>
-          <p:cNvPr id="7" name="직사각형 6"/>
-          <p:cNvSpPr/>
-          <p:nvPr/>
-        </p:nvSpPr>
-        <p:spPr>
-          <a:xfrm>
-            <a:off x="1268142" y="3189505"/>
-            <a:ext cx="6096000" cy="743280"/>
-          </a:xfrm>
-          <a:prstGeom prst="rect">
-            <a:avLst/>
-          </a:prstGeom>
-        </p:spPr>
-        <p:txBody>
-          <a:bodyPr>
-            <a:spAutoFit/>
-          </a:bodyPr>
-          <a:lstStyle/>
-          <a:p>
-            <a:pPr>
-              <a:lnSpc>
-                <a:spcPct val="120000"/>
-              </a:lnSpc>
-              <a:defRPr/>
-            </a:pPr>
-            <a:r>
-              <a:rPr lang="ko-KR" altLang="en-US">
-                <a:latin typeface="DX영화자막 M"/>
-                <a:ea typeface="DX영화자막 M"/>
-              </a:rPr>
-              <a:t>진지하지만 심각하지 않은 사람</a:t>
-            </a:r>
-            <a:r>
-              <a:rPr lang="en-US" altLang="ko-KR">
-                <a:latin typeface="DX영화자막 M"/>
-                <a:ea typeface="DX영화자막 M"/>
-              </a:rPr>
-              <a:t>. </a:t>
-            </a:r>
-            <a:r>
-              <a:rPr lang="ko-KR" altLang="en-US">
-                <a:latin typeface="DX영화자막 M"/>
-                <a:ea typeface="DX영화자막 M"/>
-              </a:rPr>
-              <a:t>밝지만 가볍지 않은 사람</a:t>
-            </a:r>
-            <a:r>
-              <a:rPr lang="en-US" altLang="ko-KR">
-                <a:latin typeface="DX영화자막 M"/>
-                <a:ea typeface="DX영화자막 M"/>
-              </a:rPr>
-              <a:t>.</a:t>
-            </a:r>
-            <a:endParaRPr lang="en-US" altLang="ko-KR">
-              <a:latin typeface="DX영화자막 M"/>
-              <a:ea typeface="DX영화자막 M"/>
-            </a:endParaRPr>
-          </a:p>
-          <a:p>
-            <a:pPr>
-              <a:lnSpc>
-                <a:spcPct val="120000"/>
-              </a:lnSpc>
-              <a:defRPr/>
-            </a:pPr>
-            <a:r>
-              <a:rPr lang="ko-KR" altLang="en-US">
-                <a:latin typeface="DX영화자막 M"/>
-                <a:ea typeface="DX영화자막 M"/>
-              </a:rPr>
-              <a:t>일러스트레이더 겸 글쟁이이자</a:t>
-            </a:r>
-            <a:r>
-              <a:rPr lang="en-US" altLang="ko-KR">
-                <a:latin typeface="DX영화자막 M"/>
-                <a:ea typeface="DX영화자막 M"/>
-              </a:rPr>
-              <a:t> </a:t>
-            </a:r>
-            <a:r>
-              <a:rPr lang="ko-KR" altLang="en-US">
-                <a:latin typeface="DX영화자막 M"/>
-                <a:ea typeface="DX영화자막 M"/>
-              </a:rPr>
-              <a:t>괜찮은 그래픽 디자이너</a:t>
-            </a:r>
-            <a:r>
-              <a:rPr lang="en-US" altLang="ko-KR">
-                <a:latin typeface="DX영화자막 M"/>
-                <a:ea typeface="DX영화자막 M"/>
-              </a:rPr>
-              <a:t>.</a:t>
-            </a:r>
-            <a:endParaRPr lang="en-US" altLang="ko-KR">
-              <a:latin typeface="DX영화자막 M"/>
-              <a:ea typeface="DX영화자막 M"/>
-            </a:endParaRPr>
-          </a:p>
-        </p:txBody>
-      </p:sp>
-      <p:sp>
-        <p:nvSpPr>
-          <p:cNvPr id="31" name="TextBox 30"/>
-          <p:cNvSpPr txBox="1"/>
-          <p:nvPr/>
-        </p:nvSpPr>
-        <p:spPr>
-          <a:xfrm>
-            <a:off x="8560905" y="6493565"/>
-            <a:ext cx="3578087" cy="295855"/>
-          </a:xfrm>
-          <a:prstGeom prst="rect">
-            <a:avLst/>
-          </a:prstGeom>
-          <a:noFill/>
-        </p:spPr>
-        <p:txBody>
-          <a:bodyPr wrap="square">
-            <a:spAutoFit/>
-          </a:bodyPr>
-          <a:lstStyle/>
-          <a:p>
-            <a:pPr algn="r">
-              <a:defRPr/>
-            </a:pPr>
-            <a:r>
-              <a:rPr lang="ko-KR" altLang="en-US" sz="1400">
-                <a:latin typeface="210 스탠다드 030"/>
-                <a:ea typeface="210 스탠다드 030"/>
-              </a:rPr>
-              <a:t>출처 어반브러시 </a:t>
-            </a:r>
-            <a:r>
-              <a:rPr lang="en-US" altLang="ko-KR" sz="1400">
-                <a:latin typeface="210 스탠다드 030"/>
-                <a:ea typeface="210 스탠다드 030"/>
-              </a:rPr>
-              <a:t>Tommy</a:t>
-            </a:r>
-            <a:endParaRPr lang="ko-KR" altLang="en-US" sz="1400">
-              <a:latin typeface="210 스탠다드 030"/>
-              <a:ea typeface="210 스탠다드 030"/>
-            </a:endParaRPr>
-          </a:p>
-        </p:txBody>
-      </p:sp>
-      <p:pic>
-        <p:nvPicPr>
-          <p:cNvPr id="10" name="그림 9"/>
-          <p:cNvPicPr>
-            <a:picLocks noChangeAspect="1"/>
-          </p:cNvPicPr>
-          <p:nvPr/>
-        </p:nvPicPr>
-        <p:blipFill rotWithShape="1">
-          <a:blip r:embed="rId2">
-            <a:duotone>
-              <a:schemeClr val="accent3">
-                <a:shade val="45000"/>
-                <a:satMod val="135000"/>
-              </a:schemeClr>
-              <a:prstClr val="white"/>
-            </a:duotone>
-          </a:blip>
-          <a:srcRect l="9830" t="7110" r="34880" b="17640"/>
-          <a:stretch>
-            <a:fillRect/>
-          </a:stretch>
-        </p:blipFill>
-        <p:spPr>
-          <a:xfrm flipH="1">
-            <a:off x="8524889" y="972028"/>
-            <a:ext cx="3578088" cy="5160176"/>
-          </a:xfrm>
-          <a:prstGeom prst="rect">
-            <a:avLst/>
-          </a:prstGeom>
-        </p:spPr>
-      </p:pic>
-      <p:sp>
-        <p:nvSpPr>
-          <p:cNvPr id="36" name="TextBox 35"/>
-          <p:cNvSpPr txBox="1"/>
-          <p:nvPr/>
-        </p:nvSpPr>
-        <p:spPr>
-          <a:xfrm>
-            <a:off x="5353147" y="732599"/>
-            <a:ext cx="1499547" cy="446596"/>
-          </a:xfrm>
-          <a:prstGeom prst="rect">
-            <a:avLst/>
-          </a:prstGeom>
-          <a:noFill/>
-          <a:ln w="9525">
-            <a:noFill/>
-          </a:ln>
-        </p:spPr>
-        <p:txBody>
-          <a:bodyPr wrap="square">
-            <a:spAutoFit/>
-          </a:bodyPr>
-          <a:lstStyle/>
-          <a:p>
-            <a:pPr lvl="0">
-              <a:defRPr/>
-            </a:pPr>
-            <a:r>
-              <a:rPr lang="ko-KR" altLang="en-US" sz="2400">
-                <a:solidFill>
-                  <a:schemeClr val="tx1">
-                    <a:alpha val="71000"/>
-                  </a:schemeClr>
-                </a:solidFill>
-                <a:latin typeface="DX영화자막 M"/>
-                <a:ea typeface="DX영화자막 M"/>
-              </a:rPr>
-              <a:t>작가소개</a:t>
-            </a:r>
-            <a:endParaRPr lang="ko-KR" altLang="en-US" sz="2400">
-              <a:solidFill>
-                <a:schemeClr val="tx1">
-                  <a:alpha val="71000"/>
-                </a:schemeClr>
-              </a:solidFill>
-              <a:latin typeface="DX영화자막 M"/>
-              <a:ea typeface="DX영화자막 M"/>
-            </a:endParaRPr>
-          </a:p>
-        </p:txBody>
-      </p:sp>
-      <p:pic>
-        <p:nvPicPr>
-          <p:cNvPr id="8" name="그림 7"/>
-          <p:cNvPicPr>
-            <a:picLocks noChangeAspect="1"/>
-          </p:cNvPicPr>
-          <p:nvPr/>
-        </p:nvPicPr>
-        <p:blipFill rotWithShape="1">
-          <a:blip r:embed="rId3"/>
-          <a:stretch>
-            <a:fillRect/>
-          </a:stretch>
-        </p:blipFill>
-        <p:spPr>
-          <a:xfrm>
-            <a:off x="0" y="-1"/>
-            <a:ext cx="12192000" cy="9134475"/>
-          </a:xfrm>
-          <a:prstGeom prst="rect">
-            <a:avLst/>
-          </a:prstGeom>
-        </p:spPr>
-      </p:pic>
-      <p:sp>
-        <p:nvSpPr>
-          <p:cNvPr id="17" name="TextBox 16"/>
-          <p:cNvSpPr txBox="1"/>
-          <p:nvPr/>
-        </p:nvSpPr>
-        <p:spPr>
-          <a:xfrm flipH="1">
-            <a:off x="5041092" y="342101"/>
-            <a:ext cx="2123658" cy="294169"/>
-          </a:xfrm>
-          <a:prstGeom prst="rect">
-            <a:avLst/>
-          </a:prstGeom>
-          <a:noFill/>
-        </p:spPr>
-        <p:txBody>
-          <a:bodyPr vert="horz" wrap="square">
-            <a:spAutoFit/>
-          </a:bodyPr>
-          <a:lstStyle/>
-          <a:p>
-            <a:pPr algn="dist">
-              <a:defRPr/>
-            </a:pPr>
-            <a:r>
-              <a:rPr lang="en-US" altLang="ko-KR" sz="1400">
-                <a:solidFill>
-                  <a:schemeClr val="tx1">
-                    <a:alpha val="71000"/>
-                  </a:schemeClr>
-                </a:solidFill>
-                <a:latin typeface="DX영화자막 M"/>
-                <a:ea typeface="DX영화자막 M"/>
-              </a:rPr>
-              <a:t>SLOW THINKING</a:t>
-            </a:r>
-            <a:endParaRPr lang="ko-KR" altLang="en-US" sz="1400">
-              <a:solidFill>
-                <a:schemeClr val="tx1">
-                  <a:alpha val="71000"/>
-                </a:schemeClr>
-              </a:solidFill>
-              <a:latin typeface="DX영화자막 M"/>
-              <a:ea typeface="DX영화자막 M"/>
-            </a:endParaRPr>
-          </a:p>
-        </p:txBody>
-      </p:sp>
-      <p:sp>
-        <p:nvSpPr>
-          <p:cNvPr id="19" name="TextBox 18"/>
-          <p:cNvSpPr txBox="1"/>
-          <p:nvPr/>
-        </p:nvSpPr>
-        <p:spPr>
-          <a:xfrm>
-            <a:off x="2065935" y="888541"/>
-            <a:ext cx="8060130" cy="453357"/>
-          </a:xfrm>
-          <a:prstGeom prst="rect">
-            <a:avLst/>
-          </a:prstGeom>
-          <a:noFill/>
-          <a:ln w="9525">
-            <a:noFill/>
-          </a:ln>
-        </p:spPr>
-        <p:txBody>
-          <a:bodyPr wrap="square">
-            <a:spAutoFit/>
-          </a:bodyPr>
-          <a:lstStyle/>
-          <a:p>
-            <a:pPr lvl="0">
-              <a:defRPr/>
-            </a:pPr>
-            <a:r>
-              <a:rPr lang="ko-KR" altLang="en-US" sz="2400">
-                <a:solidFill>
-                  <a:schemeClr val="tx1">
-                    <a:alpha val="71000"/>
-                  </a:schemeClr>
-                </a:solidFill>
-                <a:latin typeface="DX영화자막 M"/>
-                <a:ea typeface="DX영화자막 M"/>
-              </a:rPr>
-              <a:t>하루에 여러 과목보다는 한 과목을 일주일 이상 집중 적으로</a:t>
-            </a:r>
-            <a:endParaRPr lang="ko-KR" altLang="en-US" sz="2400">
-              <a:solidFill>
-                <a:schemeClr val="tx1">
-                  <a:alpha val="71000"/>
-                </a:schemeClr>
-              </a:solidFill>
-              <a:latin typeface="DX영화자막 M"/>
-              <a:ea typeface="DX영화자막 M"/>
-            </a:endParaRPr>
-          </a:p>
-        </p:txBody>
-      </p:sp>
-      <p:grpSp>
-        <p:nvGrpSpPr>
-          <p:cNvPr id="20" name="그룹 19"/>
-          <p:cNvGrpSpPr/>
-          <p:nvPr/>
-        </p:nvGrpSpPr>
-        <p:grpSpPr>
-          <a:xfrm rot="0">
-            <a:off x="393325" y="3093612"/>
-            <a:ext cx="163649" cy="975576"/>
-            <a:chOff x="306686" y="3281373"/>
-            <a:chExt cx="163649" cy="975576"/>
-          </a:xfrm>
-        </p:grpSpPr>
-        <p:cxnSp>
-          <p:nvCxnSpPr>
-            <p:cNvPr id="21" name="직선 연결선 20"/>
-            <p:cNvCxnSpPr/>
-            <p:nvPr/>
-          </p:nvCxnSpPr>
-          <p:spPr>
-            <a:xfrm>
-              <a:off x="306686" y="4127358"/>
-              <a:ext cx="160637" cy="129591"/>
-            </a:xfrm>
-            <a:prstGeom prst="line">
-              <a:avLst/>
-            </a:prstGeom>
-            <a:ln w="12700">
-              <a:solidFill>
-                <a:srgbClr val="ac9d8e"/>
-              </a:solidFill>
-            </a:ln>
-          </p:spPr>
-          <p:style>
-            <a:lnRef idx="1">
-              <a:schemeClr val="accent1"/>
-            </a:lnRef>
-            <a:fillRef idx="0">
-              <a:schemeClr val="accent1"/>
-            </a:fillRef>
-            <a:effectRef idx="0">
-              <a:schemeClr val="accent1"/>
-            </a:effectRef>
-            <a:fontRef idx="minor">
-              <a:schemeClr val="tx1"/>
-            </a:fontRef>
-          </p:style>
-        </p:cxnSp>
-        <p:cxnSp>
-          <p:nvCxnSpPr>
-            <p:cNvPr id="23" name="직선 연결선 22"/>
-            <p:cNvCxnSpPr/>
-            <p:nvPr/>
-          </p:nvCxnSpPr>
-          <p:spPr>
-            <a:xfrm>
-              <a:off x="306686" y="3838775"/>
-              <a:ext cx="160637" cy="129591"/>
-            </a:xfrm>
-            <a:prstGeom prst="line">
-              <a:avLst/>
-            </a:prstGeom>
-            <a:ln w="12700">
-              <a:solidFill>
-                <a:srgbClr val="ac9d8e"/>
-              </a:solidFill>
-            </a:ln>
-          </p:spPr>
-          <p:style>
-            <a:lnRef idx="1">
-              <a:schemeClr val="accent1"/>
-            </a:lnRef>
-            <a:fillRef idx="0">
-              <a:schemeClr val="accent1"/>
-            </a:fillRef>
-            <a:effectRef idx="0">
-              <a:schemeClr val="accent1"/>
-            </a:effectRef>
-            <a:fontRef idx="minor">
-              <a:schemeClr val="tx1"/>
-            </a:fontRef>
-          </p:style>
-        </p:cxnSp>
-        <p:cxnSp>
-          <p:nvCxnSpPr>
-            <p:cNvPr id="25" name="직선 연결선 24"/>
-            <p:cNvCxnSpPr/>
-            <p:nvPr/>
-          </p:nvCxnSpPr>
-          <p:spPr>
-            <a:xfrm>
-              <a:off x="306686" y="3550192"/>
-              <a:ext cx="160637" cy="129591"/>
-            </a:xfrm>
-            <a:prstGeom prst="line">
-              <a:avLst/>
-            </a:prstGeom>
-            <a:ln w="12700">
-              <a:solidFill>
-                <a:srgbClr val="ac9d8e"/>
-              </a:solidFill>
-            </a:ln>
-          </p:spPr>
-          <p:style>
-            <a:lnRef idx="1">
-              <a:schemeClr val="accent1"/>
-            </a:lnRef>
-            <a:fillRef idx="0">
-              <a:schemeClr val="accent1"/>
-            </a:fillRef>
-            <a:effectRef idx="0">
-              <a:schemeClr val="accent1"/>
-            </a:effectRef>
-            <a:fontRef idx="minor">
-              <a:schemeClr val="tx1"/>
-            </a:fontRef>
-          </p:style>
-        </p:cxnSp>
-        <p:cxnSp>
-          <p:nvCxnSpPr>
-            <p:cNvPr id="26" name="직선 연결선 25"/>
-            <p:cNvCxnSpPr/>
-            <p:nvPr/>
-          </p:nvCxnSpPr>
-          <p:spPr>
-            <a:xfrm>
-              <a:off x="309698" y="3281373"/>
-              <a:ext cx="160637" cy="129591"/>
-            </a:xfrm>
-            <a:prstGeom prst="line">
-              <a:avLst/>
-            </a:prstGeom>
-            <a:ln w="12700">
-              <a:solidFill>
-                <a:srgbClr val="ac9d8e"/>
-              </a:solidFill>
-            </a:ln>
-          </p:spPr>
-          <p:style>
-            <a:lnRef idx="1">
-              <a:schemeClr val="accent1"/>
-            </a:lnRef>
-            <a:fillRef idx="0">
-              <a:schemeClr val="accent1"/>
-            </a:fillRef>
-            <a:effectRef idx="0">
-              <a:schemeClr val="accent1"/>
-            </a:effectRef>
-            <a:fontRef idx="minor">
-              <a:schemeClr val="tx1"/>
-            </a:fontRef>
-          </p:style>
-        </p:cxnSp>
-      </p:grpSp>
-      <p:sp>
-        <p:nvSpPr>
-          <p:cNvPr id="33" name="순서도: 처리 61"/>
-          <p:cNvSpPr/>
-          <p:nvPr/>
-        </p:nvSpPr>
-        <p:spPr>
-          <a:xfrm>
-            <a:off x="2138032" y="1753167"/>
-            <a:ext cx="7915937" cy="4484864"/>
-          </a:xfrm>
-          <a:custGeom>
-            <a:avLst/>
-            <a:gdLst>
-              <a:gd name="connsiteX0" fmla="*/ 0 w 5799809"/>
-              <a:gd name="connsiteY0" fmla="*/ 0 h 425946"/>
-              <a:gd name="connsiteX1" fmla="*/ 470429 w 5799809"/>
-              <a:gd name="connsiteY1" fmla="*/ 0 h 425946"/>
-              <a:gd name="connsiteX2" fmla="*/ 1056854 w 5799809"/>
-              <a:gd name="connsiteY2" fmla="*/ 0 h 425946"/>
-              <a:gd name="connsiteX3" fmla="*/ 1585281 w 5799809"/>
-              <a:gd name="connsiteY3" fmla="*/ 0 h 425946"/>
-              <a:gd name="connsiteX4" fmla="*/ 2113708 w 5799809"/>
-              <a:gd name="connsiteY4" fmla="*/ 0 h 425946"/>
-              <a:gd name="connsiteX5" fmla="*/ 2758131 w 5799809"/>
-              <a:gd name="connsiteY5" fmla="*/ 0 h 425946"/>
-              <a:gd name="connsiteX6" fmla="*/ 3402555 w 5799809"/>
-              <a:gd name="connsiteY6" fmla="*/ 0 h 425946"/>
-              <a:gd name="connsiteX7" fmla="*/ 3930982 w 5799809"/>
-              <a:gd name="connsiteY7" fmla="*/ 0 h 425946"/>
-              <a:gd name="connsiteX8" fmla="*/ 4633403 w 5799809"/>
-              <a:gd name="connsiteY8" fmla="*/ 0 h 425946"/>
-              <a:gd name="connsiteX9" fmla="*/ 5103832 w 5799809"/>
-              <a:gd name="connsiteY9" fmla="*/ 0 h 425946"/>
-              <a:gd name="connsiteX10" fmla="*/ 5799809 w 5799809"/>
-              <a:gd name="connsiteY10" fmla="*/ 0 h 425946"/>
-              <a:gd name="connsiteX11" fmla="*/ 5799809 w 5799809"/>
-              <a:gd name="connsiteY11" fmla="*/ 425946 h 425946"/>
-              <a:gd name="connsiteX12" fmla="*/ 5155386 w 5799809"/>
-              <a:gd name="connsiteY12" fmla="*/ 425946 h 425946"/>
-              <a:gd name="connsiteX13" fmla="*/ 4684957 w 5799809"/>
-              <a:gd name="connsiteY13" fmla="*/ 425946 h 425946"/>
-              <a:gd name="connsiteX14" fmla="*/ 4040534 w 5799809"/>
-              <a:gd name="connsiteY14" fmla="*/ 425946 h 425946"/>
-              <a:gd name="connsiteX15" fmla="*/ 3338112 w 5799809"/>
-              <a:gd name="connsiteY15" fmla="*/ 425946 h 425946"/>
-              <a:gd name="connsiteX16" fmla="*/ 2809685 w 5799809"/>
-              <a:gd name="connsiteY16" fmla="*/ 425946 h 425946"/>
-              <a:gd name="connsiteX17" fmla="*/ 2165262 w 5799809"/>
-              <a:gd name="connsiteY17" fmla="*/ 425946 h 425946"/>
-              <a:gd name="connsiteX18" fmla="*/ 1462841 w 5799809"/>
-              <a:gd name="connsiteY18" fmla="*/ 425946 h 425946"/>
-              <a:gd name="connsiteX19" fmla="*/ 818417 w 5799809"/>
-              <a:gd name="connsiteY19" fmla="*/ 425946 h 425946"/>
-              <a:gd name="connsiteX20" fmla="*/ 0 w 5799809"/>
-              <a:gd name="connsiteY20" fmla="*/ 425946 h 425946"/>
-              <a:gd name="connsiteX21" fmla="*/ 0 w 5799809"/>
-              <a:gd name="connsiteY21" fmla="*/ 0 h 425946"/>
-            </a:gdLst>
-            <a:cxnLst>
-              <a:cxn ang="0">
-                <a:pos x="connsiteX0" y="connsiteY0"/>
-              </a:cxn>
-              <a:cxn ang="0">
-                <a:pos x="connsiteX1" y="connsiteY1"/>
-              </a:cxn>
-              <a:cxn ang="0">
-                <a:pos x="connsiteX2" y="connsiteY2"/>
-              </a:cxn>
-              <a:cxn ang="0">
-                <a:pos x="connsiteX3" y="connsiteY3"/>
-              </a:cxn>
-              <a:cxn ang="0">
-                <a:pos x="connsiteX4" y="connsiteY4"/>
-              </a:cxn>
-              <a:cxn ang="0">
-                <a:pos x="connsiteX5" y="connsiteY5"/>
-              </a:cxn>
-              <a:cxn ang="0">
-                <a:pos x="connsiteX6" y="connsiteY6"/>
-              </a:cxn>
-              <a:cxn ang="0">
-                <a:pos x="connsiteX7" y="connsiteY7"/>
-              </a:cxn>
-              <a:cxn ang="0">
-                <a:pos x="connsiteX8" y="connsiteY8"/>
-              </a:cxn>
-              <a:cxn ang="0">
-                <a:pos x="connsiteX9" y="connsiteY9"/>
-              </a:cxn>
-              <a:cxn ang="0">
-                <a:pos x="connsiteX10" y="connsiteY10"/>
-              </a:cxn>
-              <a:cxn ang="0">
-                <a:pos x="connsiteX11" y="connsiteY11"/>
-              </a:cxn>
-              <a:cxn ang="0">
-                <a:pos x="connsiteX12" y="connsiteY12"/>
-              </a:cxn>
-              <a:cxn ang="0">
-                <a:pos x="connsiteX13" y="connsiteY13"/>
-              </a:cxn>
-              <a:cxn ang="0">
-                <a:pos x="connsiteX14" y="connsiteY14"/>
-              </a:cxn>
-              <a:cxn ang="0">
-                <a:pos x="connsiteX15" y="connsiteY15"/>
-              </a:cxn>
-              <a:cxn ang="0">
-                <a:pos x="connsiteX16" y="connsiteY16"/>
-              </a:cxn>
-              <a:cxn ang="0">
-                <a:pos x="connsiteX17" y="connsiteY17"/>
-              </a:cxn>
-              <a:cxn ang="0">
-                <a:pos x="connsiteX18" y="connsiteY18"/>
-              </a:cxn>
-              <a:cxn ang="0">
-                <a:pos x="connsiteX19" y="connsiteY19"/>
-              </a:cxn>
-              <a:cxn ang="0">
-                <a:pos x="connsiteX20" y="connsiteY20"/>
-              </a:cxn>
-              <a:cxn ang="0">
-                <a:pos x="connsiteX21" y="connsiteY21"/>
-              </a:cxn>
-            </a:cxnLst>
-            <a:rect l="l" t="t" r="r" b="b"/>
-            <a:pathLst>
-              <a:path w="5799809" h="425946" fill="none" extrusionOk="0">
-                <a:moveTo>
-                  <a:pt x="0" y="0"/>
-                </a:moveTo>
-                <a:cubicBezTo>
-                  <a:pt x="232930" y="11357"/>
-                  <a:pt x="338405" y="-11052"/>
-                  <a:pt x="470429" y="0"/>
-                </a:cubicBezTo>
-                <a:cubicBezTo>
-                  <a:pt x="602453" y="11052"/>
-                  <a:pt x="809389" y="-26878"/>
-                  <a:pt x="1056854" y="0"/>
-                </a:cubicBezTo>
-                <a:cubicBezTo>
-                  <a:pt x="1304320" y="26878"/>
-                  <a:pt x="1468530" y="-24406"/>
-                  <a:pt x="1585281" y="0"/>
-                </a:cubicBezTo>
-                <a:cubicBezTo>
-                  <a:pt x="1702032" y="24406"/>
-                  <a:pt x="2004466" y="14170"/>
-                  <a:pt x="2113708" y="0"/>
-                </a:cubicBezTo>
-                <a:cubicBezTo>
-                  <a:pt x="2222950" y="-14170"/>
-                  <a:pt x="2556011" y="28112"/>
-                  <a:pt x="2758131" y="0"/>
-                </a:cubicBezTo>
-                <a:cubicBezTo>
-                  <a:pt x="2960251" y="-28112"/>
-                  <a:pt x="3097544" y="-7034"/>
-                  <a:pt x="3402555" y="0"/>
-                </a:cubicBezTo>
-                <a:cubicBezTo>
-                  <a:pt x="3707566" y="7034"/>
-                  <a:pt x="3772141" y="4589"/>
-                  <a:pt x="3930982" y="0"/>
-                </a:cubicBezTo>
-                <a:cubicBezTo>
-                  <a:pt x="4089823" y="-4589"/>
-                  <a:pt x="4481847" y="28392"/>
-                  <a:pt x="4633403" y="0"/>
-                </a:cubicBezTo>
-                <a:cubicBezTo>
-                  <a:pt x="4784959" y="-28392"/>
-                  <a:pt x="4910939" y="-2346"/>
-                  <a:pt x="5103832" y="0"/>
-                </a:cubicBezTo>
-                <a:cubicBezTo>
-                  <a:pt x="5296725" y="2346"/>
-                  <a:pt x="5508736" y="-20318"/>
-                  <a:pt x="5799809" y="0"/>
-                </a:cubicBezTo>
-                <a:cubicBezTo>
-                  <a:pt x="5788599" y="198653"/>
-                  <a:pt x="5812935" y="266898"/>
-                  <a:pt x="5799809" y="425946"/>
-                </a:cubicBezTo>
-                <a:cubicBezTo>
-                  <a:pt x="5617430" y="412954"/>
-                  <a:pt x="5331856" y="449678"/>
-                  <a:pt x="5155386" y="425946"/>
-                </a:cubicBezTo>
-                <a:cubicBezTo>
-                  <a:pt x="4978916" y="402214"/>
-                  <a:pt x="4857030" y="423944"/>
-                  <a:pt x="4684957" y="425946"/>
-                </a:cubicBezTo>
-                <a:cubicBezTo>
-                  <a:pt x="4512884" y="427948"/>
-                  <a:pt x="4342832" y="445858"/>
-                  <a:pt x="4040534" y="425946"/>
-                </a:cubicBezTo>
-                <a:cubicBezTo>
-                  <a:pt x="3738236" y="406034"/>
-                  <a:pt x="3513554" y="443777"/>
-                  <a:pt x="3338112" y="425946"/>
-                </a:cubicBezTo>
-                <a:cubicBezTo>
-                  <a:pt x="3162670" y="408115"/>
-                  <a:pt x="3031362" y="412638"/>
-                  <a:pt x="2809685" y="425946"/>
-                </a:cubicBezTo>
-                <a:cubicBezTo>
-                  <a:pt x="2588008" y="439254"/>
-                  <a:pt x="2396513" y="447981"/>
-                  <a:pt x="2165262" y="425946"/>
-                </a:cubicBezTo>
-                <a:cubicBezTo>
-                  <a:pt x="1934011" y="403911"/>
-                  <a:pt x="1762479" y="426888"/>
-                  <a:pt x="1462841" y="425946"/>
-                </a:cubicBezTo>
-                <a:cubicBezTo>
-                  <a:pt x="1163203" y="425004"/>
-                  <a:pt x="955896" y="428651"/>
-                  <a:pt x="818417" y="425946"/>
-                </a:cubicBezTo>
-                <a:cubicBezTo>
-                  <a:pt x="680938" y="423241"/>
-                  <a:pt x="240620" y="433396"/>
-                  <a:pt x="0" y="425946"/>
-                </a:cubicBezTo>
-                <a:cubicBezTo>
-                  <a:pt x="-13937" y="217353"/>
-                  <a:pt x="3380" y="194608"/>
-                  <a:pt x="0" y="0"/>
-                </a:cubicBezTo>
-                <a:close/>
-              </a:path>
-              <a:path w="5799809" h="425946" stroke="0" extrusionOk="0">
-                <a:moveTo>
-                  <a:pt x="0" y="0"/>
-                </a:moveTo>
-                <a:cubicBezTo>
-                  <a:pt x="156451" y="-5263"/>
-                  <a:pt x="344124" y="-7670"/>
-                  <a:pt x="528427" y="0"/>
-                </a:cubicBezTo>
-                <a:cubicBezTo>
-                  <a:pt x="712730" y="7670"/>
-                  <a:pt x="1052845" y="3624"/>
-                  <a:pt x="1288846" y="0"/>
-                </a:cubicBezTo>
-                <a:cubicBezTo>
-                  <a:pt x="1524847" y="-3624"/>
-                  <a:pt x="1572216" y="2669"/>
-                  <a:pt x="1817273" y="0"/>
-                </a:cubicBezTo>
-                <a:cubicBezTo>
-                  <a:pt x="2062330" y="-2669"/>
-                  <a:pt x="2125614" y="-1841"/>
-                  <a:pt x="2287702" y="0"/>
-                </a:cubicBezTo>
-                <a:cubicBezTo>
-                  <a:pt x="2449790" y="1841"/>
-                  <a:pt x="2540838" y="-10545"/>
-                  <a:pt x="2758131" y="0"/>
-                </a:cubicBezTo>
-                <a:cubicBezTo>
-                  <a:pt x="2975424" y="10545"/>
-                  <a:pt x="3070417" y="16952"/>
-                  <a:pt x="3286558" y="0"/>
-                </a:cubicBezTo>
-                <a:cubicBezTo>
-                  <a:pt x="3502699" y="-16952"/>
-                  <a:pt x="3772879" y="25154"/>
-                  <a:pt x="4046978" y="0"/>
-                </a:cubicBezTo>
-                <a:cubicBezTo>
-                  <a:pt x="4321077" y="-25154"/>
-                  <a:pt x="4471091" y="-15419"/>
-                  <a:pt x="4691401" y="0"/>
-                </a:cubicBezTo>
-                <a:cubicBezTo>
-                  <a:pt x="4911711" y="15419"/>
-                  <a:pt x="5486808" y="-34903"/>
-                  <a:pt x="5799809" y="0"/>
-                </a:cubicBezTo>
-                <a:cubicBezTo>
-                  <a:pt x="5811781" y="117662"/>
-                  <a:pt x="5813135" y="213997"/>
-                  <a:pt x="5799809" y="425946"/>
-                </a:cubicBezTo>
-                <a:cubicBezTo>
-                  <a:pt x="5631023" y="426859"/>
-                  <a:pt x="5495897" y="406180"/>
-                  <a:pt x="5329380" y="425946"/>
-                </a:cubicBezTo>
-                <a:cubicBezTo>
-                  <a:pt x="5162863" y="445712"/>
-                  <a:pt x="4971538" y="414601"/>
-                  <a:pt x="4742955" y="425946"/>
-                </a:cubicBezTo>
-                <a:cubicBezTo>
-                  <a:pt x="4514373" y="437291"/>
-                  <a:pt x="4305792" y="401898"/>
-                  <a:pt x="4098532" y="425946"/>
-                </a:cubicBezTo>
-                <a:cubicBezTo>
-                  <a:pt x="3891272" y="449994"/>
-                  <a:pt x="3550710" y="452828"/>
-                  <a:pt x="3396110" y="425946"/>
-                </a:cubicBezTo>
-                <a:cubicBezTo>
-                  <a:pt x="3241510" y="399064"/>
-                  <a:pt x="2987621" y="437035"/>
-                  <a:pt x="2867683" y="425946"/>
-                </a:cubicBezTo>
-                <a:cubicBezTo>
-                  <a:pt x="2747745" y="414857"/>
-                  <a:pt x="2500791" y="420398"/>
-                  <a:pt x="2281258" y="425946"/>
-                </a:cubicBezTo>
-                <a:cubicBezTo>
-                  <a:pt x="2061725" y="431494"/>
-                  <a:pt x="1816635" y="426101"/>
-                  <a:pt x="1636835" y="425946"/>
-                </a:cubicBezTo>
-                <a:cubicBezTo>
-                  <a:pt x="1457035" y="425791"/>
-                  <a:pt x="1307407" y="428836"/>
-                  <a:pt x="1050410" y="425946"/>
-                </a:cubicBezTo>
-                <a:cubicBezTo>
-                  <a:pt x="793414" y="423056"/>
-                  <a:pt x="415100" y="437818"/>
-                  <a:pt x="0" y="425946"/>
-                </a:cubicBezTo>
-                <a:cubicBezTo>
-                  <a:pt x="553" y="260129"/>
-                  <a:pt x="10725" y="188645"/>
-                  <a:pt x="0" y="0"/>
-                </a:cubicBezTo>
-                <a:close/>
-              </a:path>
-            </a:pathLst>
-          </a:custGeom>
-          <a:solidFill>
-            <a:schemeClr val="accent4">
-              <a:lumMod val="40000"/>
-              <a:lumOff val="60000"/>
-              <a:alpha val="35000"/>
-            </a:schemeClr>
-          </a:solidFill>
-          <a:ln>
-            <a:solidFill>
-              <a:schemeClr val="accent4">
-                <a:lumMod val="40000"/>
-                <a:lumOff val="60000"/>
-              </a:schemeClr>
-            </a:solidFill>
-          </a:ln>
-        </p:spPr>
-        <p:style>
-          <a:lnRef idx="2">
-            <a:schemeClr val="accent1">
-              <a:shade val="50000"/>
-            </a:schemeClr>
-          </a:lnRef>
-          <a:fillRef idx="1">
-            <a:schemeClr val="accent1"/>
-          </a:fillRef>
-          <a:effectRef idx="0">
-            <a:schemeClr val="accent1"/>
-          </a:effectRef>
-          <a:fontRef idx="minor">
-            <a:schemeClr val="lt1"/>
-          </a:fontRef>
-        </p:style>
-        <p:txBody>
-          <a:bodyPr anchor="ctr"/>
-          <a:lstStyle/>
-          <a:p>
-            <a:pPr algn="ctr">
-              <a:defRPr/>
-            </a:pPr>
-            <a:endParaRPr lang="ko-KR" altLang="en-US"/>
-          </a:p>
-        </p:txBody>
-      </p:sp>
-      <p:sp>
-        <p:nvSpPr>
-          <p:cNvPr id="60" name="TextBox 11"/>
-          <p:cNvSpPr txBox="1"/>
-          <p:nvPr/>
-        </p:nvSpPr>
-        <p:spPr>
-          <a:xfrm>
-            <a:off x="6625512" y="3662265"/>
-            <a:ext cx="4744601" cy="641130"/>
-          </a:xfrm>
-          <a:prstGeom prst="rect">
-            <a:avLst/>
-          </a:prstGeom>
-          <a:noFill/>
-        </p:spPr>
-        <p:txBody>
-          <a:bodyPr vert="horz" wrap="square" lIns="91440" tIns="45720" rIns="91440" bIns="45720" anchor="t">
-            <a:spAutoFit/>
-          </a:bodyPr>
-          <a:lstStyle/>
-          <a:p>
-            <a:pPr algn="ctr">
-              <a:lnSpc>
-                <a:spcPct val="150000"/>
-              </a:lnSpc>
-              <a:defRPr/>
-            </a:pPr>
-            <a:endParaRPr lang="ko-KR" altLang="en-US" sz="2400" kern="1400">
-              <a:solidFill>
-                <a:schemeClr val="tx1"/>
-              </a:solidFill>
-              <a:latin typeface="DX영화자막 M"/>
-              <a:ea typeface="DX영화자막 M"/>
-            </a:endParaRPr>
-          </a:p>
-        </p:txBody>
-      </p:sp>
-      <p:pic>
-        <p:nvPicPr>
           <p:cNvPr id="68" name=""/>
           <p:cNvPicPr>
             <a:picLocks noChangeAspect="1"/>
@@ -8762,1580 +7175,7 @@
 </p:sld>
 </file>
 
-<file path=ppt/slides/slide13.xml><?xml version="1.0" encoding="utf-8"?>
-<p:sld xmlns:r="http://schemas.openxmlformats.org/officeDocument/2006/relationships" xmlns:c="http://schemas.openxmlformats.org/drawingml/2006/chart" xmlns:a="http://schemas.openxmlformats.org/drawingml/2006/main" xmlns:dgm="http://schemas.openxmlformats.org/drawingml/2006/diagram" xmlns:dsp="http://schemas.microsoft.com/office/drawing/2008/diagram" xmlns:p="http://schemas.openxmlformats.org/presentationml/2006/main">
-  <p:cSld>
-    <p:spTree>
-      <p:nvGrpSpPr>
-        <p:cNvPr id="1" name=""/>
-        <p:cNvGrpSpPr/>
-        <p:nvPr/>
-      </p:nvGrpSpPr>
-      <p:grpSpPr>
-        <a:xfrm>
-          <a:off x="0" y="0"/>
-          <a:ext cx="0" cy="0"/>
-          <a:chOff x="0" y="0"/>
-          <a:chExt cx="0" cy="0"/>
-        </a:xfrm>
-      </p:grpSpPr>
-      <p:sp>
-        <p:nvSpPr>
-          <p:cNvPr id="22" name="TextBox 21"/>
-          <p:cNvSpPr txBox="1"/>
-          <p:nvPr/>
-        </p:nvSpPr>
-        <p:spPr>
-          <a:xfrm flipH="1">
-            <a:off x="5041092" y="342101"/>
-            <a:ext cx="2123658" cy="294169"/>
-          </a:xfrm>
-          <a:prstGeom prst="rect">
-            <a:avLst/>
-          </a:prstGeom>
-          <a:noFill/>
-        </p:spPr>
-        <p:txBody>
-          <a:bodyPr vert="horz" wrap="square">
-            <a:spAutoFit/>
-          </a:bodyPr>
-          <a:lstStyle/>
-          <a:p>
-            <a:pPr algn="dist">
-              <a:defRPr/>
-            </a:pPr>
-            <a:r>
-              <a:rPr lang="en-US" altLang="ko-KR" sz="1400">
-                <a:solidFill>
-                  <a:schemeClr val="tx1">
-                    <a:alpha val="71000"/>
-                  </a:schemeClr>
-                </a:solidFill>
-                <a:latin typeface="DX영화자막 M"/>
-                <a:ea typeface="DX영화자막 M"/>
-              </a:rPr>
-              <a:t>SLOW THINKING</a:t>
-            </a:r>
-            <a:endParaRPr lang="ko-KR" altLang="en-US" sz="1400">
-              <a:solidFill>
-                <a:schemeClr val="tx1">
-                  <a:alpha val="71000"/>
-                </a:schemeClr>
-              </a:solidFill>
-              <a:latin typeface="DX영화자막 M"/>
-              <a:ea typeface="DX영화자막 M"/>
-            </a:endParaRPr>
-          </a:p>
-        </p:txBody>
-      </p:sp>
-      <p:grpSp>
-        <p:nvGrpSpPr>
-          <p:cNvPr id="4" name="그룹 3"/>
-          <p:cNvGrpSpPr/>
-          <p:nvPr/>
-        </p:nvGrpSpPr>
-        <p:grpSpPr>
-          <a:xfrm rot="0">
-            <a:off x="240925" y="2941212"/>
-            <a:ext cx="163649" cy="975576"/>
-            <a:chOff x="306686" y="3281373"/>
-            <a:chExt cx="163649" cy="975576"/>
-          </a:xfrm>
-        </p:grpSpPr>
-        <p:cxnSp>
-          <p:nvCxnSpPr>
-            <p:cNvPr id="3" name="직선 연결선 2"/>
-            <p:cNvCxnSpPr/>
-            <p:nvPr/>
-          </p:nvCxnSpPr>
-          <p:spPr>
-            <a:xfrm>
-              <a:off x="306686" y="4127358"/>
-              <a:ext cx="160637" cy="129591"/>
-            </a:xfrm>
-            <a:prstGeom prst="line">
-              <a:avLst/>
-            </a:prstGeom>
-            <a:ln w="12700">
-              <a:solidFill>
-                <a:srgbClr val="ac9d8e"/>
-              </a:solidFill>
-            </a:ln>
-          </p:spPr>
-          <p:style>
-            <a:lnRef idx="1">
-              <a:schemeClr val="accent1"/>
-            </a:lnRef>
-            <a:fillRef idx="0">
-              <a:schemeClr val="accent1"/>
-            </a:fillRef>
-            <a:effectRef idx="0">
-              <a:schemeClr val="accent1"/>
-            </a:effectRef>
-            <a:fontRef idx="minor">
-              <a:schemeClr val="tx1"/>
-            </a:fontRef>
-          </p:style>
-        </p:cxnSp>
-        <p:cxnSp>
-          <p:nvCxnSpPr>
-            <p:cNvPr id="40" name="직선 연결선 39"/>
-            <p:cNvCxnSpPr/>
-            <p:nvPr/>
-          </p:nvCxnSpPr>
-          <p:spPr>
-            <a:xfrm>
-              <a:off x="306686" y="3838775"/>
-              <a:ext cx="160637" cy="129591"/>
-            </a:xfrm>
-            <a:prstGeom prst="line">
-              <a:avLst/>
-            </a:prstGeom>
-            <a:ln w="12700">
-              <a:solidFill>
-                <a:srgbClr val="ac9d8e"/>
-              </a:solidFill>
-            </a:ln>
-          </p:spPr>
-          <p:style>
-            <a:lnRef idx="1">
-              <a:schemeClr val="accent1"/>
-            </a:lnRef>
-            <a:fillRef idx="0">
-              <a:schemeClr val="accent1"/>
-            </a:fillRef>
-            <a:effectRef idx="0">
-              <a:schemeClr val="accent1"/>
-            </a:effectRef>
-            <a:fontRef idx="minor">
-              <a:schemeClr val="tx1"/>
-            </a:fontRef>
-          </p:style>
-        </p:cxnSp>
-        <p:cxnSp>
-          <p:nvCxnSpPr>
-            <p:cNvPr id="49" name="직선 연결선 48"/>
-            <p:cNvCxnSpPr/>
-            <p:nvPr/>
-          </p:nvCxnSpPr>
-          <p:spPr>
-            <a:xfrm>
-              <a:off x="306686" y="3550192"/>
-              <a:ext cx="160637" cy="129591"/>
-            </a:xfrm>
-            <a:prstGeom prst="line">
-              <a:avLst/>
-            </a:prstGeom>
-            <a:ln w="12700">
-              <a:solidFill>
-                <a:srgbClr val="ac9d8e"/>
-              </a:solidFill>
-            </a:ln>
-          </p:spPr>
-          <p:style>
-            <a:lnRef idx="1">
-              <a:schemeClr val="accent1"/>
-            </a:lnRef>
-            <a:fillRef idx="0">
-              <a:schemeClr val="accent1"/>
-            </a:fillRef>
-            <a:effectRef idx="0">
-              <a:schemeClr val="accent1"/>
-            </a:effectRef>
-            <a:fontRef idx="minor">
-              <a:schemeClr val="tx1"/>
-            </a:fontRef>
-          </p:style>
-        </p:cxnSp>
-        <p:cxnSp>
-          <p:nvCxnSpPr>
-            <p:cNvPr id="51" name="직선 연결선 50"/>
-            <p:cNvCxnSpPr/>
-            <p:nvPr/>
-          </p:nvCxnSpPr>
-          <p:spPr>
-            <a:xfrm>
-              <a:off x="309698" y="3281373"/>
-              <a:ext cx="160637" cy="129591"/>
-            </a:xfrm>
-            <a:prstGeom prst="line">
-              <a:avLst/>
-            </a:prstGeom>
-            <a:ln w="12700">
-              <a:solidFill>
-                <a:srgbClr val="ac9d8e"/>
-              </a:solidFill>
-            </a:ln>
-          </p:spPr>
-          <p:style>
-            <a:lnRef idx="1">
-              <a:schemeClr val="accent1"/>
-            </a:lnRef>
-            <a:fillRef idx="0">
-              <a:schemeClr val="accent1"/>
-            </a:fillRef>
-            <a:effectRef idx="0">
-              <a:schemeClr val="accent1"/>
-            </a:effectRef>
-            <a:fontRef idx="minor">
-              <a:schemeClr val="tx1"/>
-            </a:fontRef>
-          </p:style>
-        </p:cxnSp>
-      </p:grpSp>
-      <p:sp>
-        <p:nvSpPr>
-          <p:cNvPr id="2" name="TextBox 1"/>
-          <p:cNvSpPr txBox="1"/>
-          <p:nvPr/>
-        </p:nvSpPr>
-        <p:spPr>
-          <a:xfrm>
-            <a:off x="1268142" y="1611934"/>
-            <a:ext cx="6189707" cy="646331"/>
-          </a:xfrm>
-          <a:prstGeom prst="rect">
-            <a:avLst/>
-          </a:prstGeom>
-          <a:noFill/>
-        </p:spPr>
-        <p:txBody>
-          <a:bodyPr wrap="square">
-            <a:spAutoFit/>
-          </a:bodyPr>
-          <a:lstStyle/>
-          <a:p>
-            <a:pPr lvl="0">
-              <a:defRPr/>
-            </a:pPr>
-            <a:r>
-              <a:rPr lang="ko-KR" altLang="en-US" sz="3600">
-                <a:latin typeface="DX영화자막 M"/>
-                <a:ea typeface="DX영화자막 M"/>
-              </a:rPr>
-              <a:t>홍논문</a:t>
-            </a:r>
-            <a:endParaRPr lang="en-US" altLang="ko-KR" sz="3600">
-              <a:latin typeface="DX영화자막 M"/>
-              <a:ea typeface="DX영화자막 M"/>
-            </a:endParaRPr>
-          </a:p>
-        </p:txBody>
-      </p:sp>
-      <p:sp>
-        <p:nvSpPr>
-          <p:cNvPr id="5" name="직사각형 4"/>
-          <p:cNvSpPr/>
-          <p:nvPr/>
-        </p:nvSpPr>
-        <p:spPr>
-          <a:xfrm>
-            <a:off x="1431961" y="2449168"/>
-            <a:ext cx="885524" cy="487788"/>
-          </a:xfrm>
-          <a:custGeom>
-            <a:avLst/>
-            <a:gdLst>
-              <a:gd name="connsiteX0" fmla="*/ 0 w 885524"/>
-              <a:gd name="connsiteY0" fmla="*/ 0 h 487788"/>
-              <a:gd name="connsiteX1" fmla="*/ 885524 w 885524"/>
-              <a:gd name="connsiteY1" fmla="*/ 0 h 487788"/>
-              <a:gd name="connsiteX2" fmla="*/ 885524 w 885524"/>
-              <a:gd name="connsiteY2" fmla="*/ 487788 h 487788"/>
-              <a:gd name="connsiteX3" fmla="*/ 0 w 885524"/>
-              <a:gd name="connsiteY3" fmla="*/ 487788 h 487788"/>
-              <a:gd name="connsiteX4" fmla="*/ 0 w 885524"/>
-              <a:gd name="connsiteY4" fmla="*/ 0 h 487788"/>
-            </a:gdLst>
-            <a:cxnLst>
-              <a:cxn ang="0">
-                <a:pos x="connsiteX0" y="connsiteY0"/>
-              </a:cxn>
-              <a:cxn ang="0">
-                <a:pos x="connsiteX1" y="connsiteY1"/>
-              </a:cxn>
-              <a:cxn ang="0">
-                <a:pos x="connsiteX2" y="connsiteY2"/>
-              </a:cxn>
-              <a:cxn ang="0">
-                <a:pos x="connsiteX3" y="connsiteY3"/>
-              </a:cxn>
-              <a:cxn ang="0">
-                <a:pos x="connsiteX4" y="connsiteY4"/>
-              </a:cxn>
-            </a:cxnLst>
-            <a:rect l="l" t="t" r="r" b="b"/>
-            <a:pathLst>
-              <a:path w="885524" h="487788" extrusionOk="0">
-                <a:moveTo>
-                  <a:pt x="0" y="0"/>
-                </a:moveTo>
-                <a:cubicBezTo>
-                  <a:pt x="147585" y="73323"/>
-                  <a:pt x="474504" y="43906"/>
-                  <a:pt x="885524" y="0"/>
-                </a:cubicBezTo>
-                <a:cubicBezTo>
-                  <a:pt x="866863" y="85762"/>
-                  <a:pt x="848666" y="279246"/>
-                  <a:pt x="885524" y="487788"/>
-                </a:cubicBezTo>
-                <a:cubicBezTo>
-                  <a:pt x="603390" y="566340"/>
-                  <a:pt x="377373" y="441160"/>
-                  <a:pt x="0" y="487788"/>
-                </a:cubicBezTo>
-                <a:cubicBezTo>
-                  <a:pt x="14357" y="340894"/>
-                  <a:pt x="31857" y="149382"/>
-                  <a:pt x="0" y="0"/>
-                </a:cubicBezTo>
-                <a:close/>
-              </a:path>
-            </a:pathLst>
-          </a:custGeom>
-          <a:noFill/>
-          <a:ln>
-            <a:solidFill>
-              <a:srgbClr val="9a8b85"/>
-            </a:solidFill>
-          </a:ln>
-        </p:spPr>
-        <p:style>
-          <a:lnRef idx="2">
-            <a:schemeClr val="accent1">
-              <a:shade val="50000"/>
-            </a:schemeClr>
-          </a:lnRef>
-          <a:fillRef idx="1">
-            <a:schemeClr val="accent1"/>
-          </a:fillRef>
-          <a:effectRef idx="0">
-            <a:schemeClr val="accent1"/>
-          </a:effectRef>
-          <a:fontRef idx="minor">
-            <a:schemeClr val="lt1"/>
-          </a:fontRef>
-        </p:style>
-        <p:txBody>
-          <a:bodyPr anchor="ctr"/>
-          <a:lstStyle/>
-          <a:p>
-            <a:pPr algn="ctr">
-              <a:defRPr/>
-            </a:pPr>
-            <a:endParaRPr lang="ko-KR" altLang="en-US"/>
-          </a:p>
-        </p:txBody>
-      </p:sp>
-      <p:sp>
-        <p:nvSpPr>
-          <p:cNvPr id="24" name="직사각형 23"/>
-          <p:cNvSpPr/>
-          <p:nvPr/>
-        </p:nvSpPr>
-        <p:spPr>
-          <a:xfrm>
-            <a:off x="1410413" y="2487669"/>
-            <a:ext cx="885524" cy="487788"/>
-          </a:xfrm>
-          <a:custGeom>
-            <a:avLst/>
-            <a:gdLst>
-              <a:gd name="connsiteX0" fmla="*/ 0 w 885524"/>
-              <a:gd name="connsiteY0" fmla="*/ 0 h 487788"/>
-              <a:gd name="connsiteX1" fmla="*/ 442762 w 885524"/>
-              <a:gd name="connsiteY1" fmla="*/ 0 h 487788"/>
-              <a:gd name="connsiteX2" fmla="*/ 885524 w 885524"/>
-              <a:gd name="connsiteY2" fmla="*/ 0 h 487788"/>
-              <a:gd name="connsiteX3" fmla="*/ 885524 w 885524"/>
-              <a:gd name="connsiteY3" fmla="*/ 487788 h 487788"/>
-              <a:gd name="connsiteX4" fmla="*/ 425052 w 885524"/>
-              <a:gd name="connsiteY4" fmla="*/ 487788 h 487788"/>
-              <a:gd name="connsiteX5" fmla="*/ 0 w 885524"/>
-              <a:gd name="connsiteY5" fmla="*/ 487788 h 487788"/>
-              <a:gd name="connsiteX6" fmla="*/ 0 w 885524"/>
-              <a:gd name="connsiteY6" fmla="*/ 0 h 487788"/>
-            </a:gdLst>
-            <a:cxnLst>
-              <a:cxn ang="0">
-                <a:pos x="connsiteX0" y="connsiteY0"/>
-              </a:cxn>
-              <a:cxn ang="0">
-                <a:pos x="connsiteX1" y="connsiteY1"/>
-              </a:cxn>
-              <a:cxn ang="0">
-                <a:pos x="connsiteX2" y="connsiteY2"/>
-              </a:cxn>
-              <a:cxn ang="0">
-                <a:pos x="connsiteX3" y="connsiteY3"/>
-              </a:cxn>
-              <a:cxn ang="0">
-                <a:pos x="connsiteX4" y="connsiteY4"/>
-              </a:cxn>
-              <a:cxn ang="0">
-                <a:pos x="connsiteX5" y="connsiteY5"/>
-              </a:cxn>
-              <a:cxn ang="0">
-                <a:pos x="connsiteX6" y="connsiteY6"/>
-              </a:cxn>
-            </a:cxnLst>
-            <a:rect l="l" t="t" r="r" b="b"/>
-            <a:pathLst>
-              <a:path w="885524" h="487788" fill="none" extrusionOk="0">
-                <a:moveTo>
-                  <a:pt x="0" y="0"/>
-                </a:moveTo>
-                <a:cubicBezTo>
-                  <a:pt x="189876" y="-27532"/>
-                  <a:pt x="326699" y="51795"/>
-                  <a:pt x="442762" y="0"/>
-                </a:cubicBezTo>
-                <a:cubicBezTo>
-                  <a:pt x="558825" y="-51795"/>
-                  <a:pt x="711044" y="33536"/>
-                  <a:pt x="885524" y="0"/>
-                </a:cubicBezTo>
-                <a:cubicBezTo>
-                  <a:pt x="936190" y="142469"/>
-                  <a:pt x="840840" y="332089"/>
-                  <a:pt x="885524" y="487788"/>
-                </a:cubicBezTo>
-                <a:cubicBezTo>
-                  <a:pt x="725718" y="528142"/>
-                  <a:pt x="590941" y="462966"/>
-                  <a:pt x="425052" y="487788"/>
-                </a:cubicBezTo>
-                <a:cubicBezTo>
-                  <a:pt x="259163" y="512610"/>
-                  <a:pt x="96867" y="465139"/>
-                  <a:pt x="0" y="487788"/>
-                </a:cubicBezTo>
-                <a:cubicBezTo>
-                  <a:pt x="-48569" y="321016"/>
-                  <a:pt x="48220" y="217248"/>
-                  <a:pt x="0" y="0"/>
-                </a:cubicBezTo>
-                <a:close/>
-              </a:path>
-              <a:path w="885524" h="487788" stroke="0" extrusionOk="0">
-                <a:moveTo>
-                  <a:pt x="0" y="0"/>
-                </a:moveTo>
-                <a:cubicBezTo>
-                  <a:pt x="122179" y="-35847"/>
-                  <a:pt x="263364" y="18882"/>
-                  <a:pt x="442762" y="0"/>
-                </a:cubicBezTo>
-                <a:cubicBezTo>
-                  <a:pt x="622160" y="-18882"/>
-                  <a:pt x="685164" y="38820"/>
-                  <a:pt x="885524" y="0"/>
-                </a:cubicBezTo>
-                <a:cubicBezTo>
-                  <a:pt x="938868" y="105536"/>
-                  <a:pt x="839505" y="276099"/>
-                  <a:pt x="885524" y="487788"/>
-                </a:cubicBezTo>
-                <a:cubicBezTo>
-                  <a:pt x="734272" y="498127"/>
-                  <a:pt x="572546" y="440618"/>
-                  <a:pt x="469328" y="487788"/>
-                </a:cubicBezTo>
-                <a:cubicBezTo>
-                  <a:pt x="366110" y="534958"/>
-                  <a:pt x="174657" y="465725"/>
-                  <a:pt x="0" y="487788"/>
-                </a:cubicBezTo>
-                <a:cubicBezTo>
-                  <a:pt x="-13226" y="342024"/>
-                  <a:pt x="54406" y="214492"/>
-                  <a:pt x="0" y="0"/>
-                </a:cubicBezTo>
-                <a:close/>
-              </a:path>
-            </a:pathLst>
-          </a:custGeom>
-          <a:solidFill>
-            <a:srgbClr val="d1c9c1"/>
-          </a:solidFill>
-          <a:ln>
-            <a:solidFill>
-              <a:srgbClr val="9a8b85"/>
-            </a:solidFill>
-          </a:ln>
-        </p:spPr>
-        <p:style>
-          <a:lnRef idx="2">
-            <a:schemeClr val="accent1">
-              <a:shade val="50000"/>
-            </a:schemeClr>
-          </a:lnRef>
-          <a:fillRef idx="1">
-            <a:schemeClr val="accent1"/>
-          </a:fillRef>
-          <a:effectRef idx="0">
-            <a:schemeClr val="accent1"/>
-          </a:effectRef>
-          <a:fontRef idx="minor">
-            <a:schemeClr val="lt1"/>
-          </a:fontRef>
-        </p:style>
-        <p:txBody>
-          <a:bodyPr anchor="ctr"/>
-          <a:lstStyle/>
-          <a:p>
-            <a:pPr algn="ctr">
-              <a:defRPr/>
-            </a:pPr>
-            <a:endParaRPr lang="ko-KR" altLang="en-US">
-              <a:solidFill>
-                <a:sysClr val="windowText" lastClr="000000"/>
-              </a:solidFill>
-            </a:endParaRPr>
-          </a:p>
-        </p:txBody>
-      </p:sp>
-      <p:sp>
-        <p:nvSpPr>
-          <p:cNvPr id="6" name="TextBox 5"/>
-          <p:cNvSpPr txBox="1"/>
-          <p:nvPr/>
-        </p:nvSpPr>
-        <p:spPr>
-          <a:xfrm>
-            <a:off x="1477790" y="2555388"/>
-            <a:ext cx="750769" cy="369332"/>
-          </a:xfrm>
-          <a:prstGeom prst="rect">
-            <a:avLst/>
-          </a:prstGeom>
-          <a:noFill/>
-        </p:spPr>
-        <p:txBody>
-          <a:bodyPr wrap="square">
-            <a:spAutoFit/>
-          </a:bodyPr>
-          <a:lstStyle/>
-          <a:p>
-            <a:pPr algn="ctr">
-              <a:defRPr/>
-            </a:pPr>
-            <a:r>
-              <a:rPr lang="ko-KR" altLang="en-US" b="1">
-                <a:solidFill>
-                  <a:sysClr val="windowText" lastClr="000000"/>
-                </a:solidFill>
-                <a:latin typeface="DX영화자막 M"/>
-                <a:ea typeface="DX영화자막 M"/>
-              </a:rPr>
-              <a:t>소 개</a:t>
-            </a:r>
-            <a:endParaRPr lang="ko-KR" altLang="en-US" b="1">
-              <a:solidFill>
-                <a:sysClr val="windowText" lastClr="000000"/>
-              </a:solidFill>
-              <a:latin typeface="DX영화자막 M"/>
-              <a:ea typeface="DX영화자막 M"/>
-            </a:endParaRPr>
-          </a:p>
-        </p:txBody>
-      </p:sp>
-      <p:sp>
-        <p:nvSpPr>
-          <p:cNvPr id="7" name="직사각형 6"/>
-          <p:cNvSpPr/>
-          <p:nvPr/>
-        </p:nvSpPr>
-        <p:spPr>
-          <a:xfrm>
-            <a:off x="1268142" y="3189505"/>
-            <a:ext cx="6096000" cy="743280"/>
-          </a:xfrm>
-          <a:prstGeom prst="rect">
-            <a:avLst/>
-          </a:prstGeom>
-        </p:spPr>
-        <p:txBody>
-          <a:bodyPr>
-            <a:spAutoFit/>
-          </a:bodyPr>
-          <a:lstStyle/>
-          <a:p>
-            <a:pPr>
-              <a:lnSpc>
-                <a:spcPct val="120000"/>
-              </a:lnSpc>
-              <a:defRPr/>
-            </a:pPr>
-            <a:r>
-              <a:rPr lang="ko-KR" altLang="en-US">
-                <a:latin typeface="DX영화자막 M"/>
-                <a:ea typeface="DX영화자막 M"/>
-              </a:rPr>
-              <a:t>진지하지만 심각하지 않은 사람</a:t>
-            </a:r>
-            <a:r>
-              <a:rPr lang="en-US" altLang="ko-KR">
-                <a:latin typeface="DX영화자막 M"/>
-                <a:ea typeface="DX영화자막 M"/>
-              </a:rPr>
-              <a:t>. </a:t>
-            </a:r>
-            <a:r>
-              <a:rPr lang="ko-KR" altLang="en-US">
-                <a:latin typeface="DX영화자막 M"/>
-                <a:ea typeface="DX영화자막 M"/>
-              </a:rPr>
-              <a:t>밝지만 가볍지 않은 사람</a:t>
-            </a:r>
-            <a:r>
-              <a:rPr lang="en-US" altLang="ko-KR">
-                <a:latin typeface="DX영화자막 M"/>
-                <a:ea typeface="DX영화자막 M"/>
-              </a:rPr>
-              <a:t>.</a:t>
-            </a:r>
-            <a:endParaRPr lang="en-US" altLang="ko-KR">
-              <a:latin typeface="DX영화자막 M"/>
-              <a:ea typeface="DX영화자막 M"/>
-            </a:endParaRPr>
-          </a:p>
-          <a:p>
-            <a:pPr>
-              <a:lnSpc>
-                <a:spcPct val="120000"/>
-              </a:lnSpc>
-              <a:defRPr/>
-            </a:pPr>
-            <a:r>
-              <a:rPr lang="ko-KR" altLang="en-US">
-                <a:latin typeface="DX영화자막 M"/>
-                <a:ea typeface="DX영화자막 M"/>
-              </a:rPr>
-              <a:t>일러스트레이더 겸 글쟁이이자</a:t>
-            </a:r>
-            <a:r>
-              <a:rPr lang="en-US" altLang="ko-KR">
-                <a:latin typeface="DX영화자막 M"/>
-                <a:ea typeface="DX영화자막 M"/>
-              </a:rPr>
-              <a:t> </a:t>
-            </a:r>
-            <a:r>
-              <a:rPr lang="ko-KR" altLang="en-US">
-                <a:latin typeface="DX영화자막 M"/>
-                <a:ea typeface="DX영화자막 M"/>
-              </a:rPr>
-              <a:t>괜찮은 그래픽 디자이너</a:t>
-            </a:r>
-            <a:r>
-              <a:rPr lang="en-US" altLang="ko-KR">
-                <a:latin typeface="DX영화자막 M"/>
-                <a:ea typeface="DX영화자막 M"/>
-              </a:rPr>
-              <a:t>.</a:t>
-            </a:r>
-            <a:endParaRPr lang="en-US" altLang="ko-KR">
-              <a:latin typeface="DX영화자막 M"/>
-              <a:ea typeface="DX영화자막 M"/>
-            </a:endParaRPr>
-          </a:p>
-        </p:txBody>
-      </p:sp>
-      <p:sp>
-        <p:nvSpPr>
-          <p:cNvPr id="31" name="TextBox 30"/>
-          <p:cNvSpPr txBox="1"/>
-          <p:nvPr/>
-        </p:nvSpPr>
-        <p:spPr>
-          <a:xfrm>
-            <a:off x="8560905" y="6493565"/>
-            <a:ext cx="3578087" cy="295855"/>
-          </a:xfrm>
-          <a:prstGeom prst="rect">
-            <a:avLst/>
-          </a:prstGeom>
-          <a:noFill/>
-        </p:spPr>
-        <p:txBody>
-          <a:bodyPr wrap="square">
-            <a:spAutoFit/>
-          </a:bodyPr>
-          <a:lstStyle/>
-          <a:p>
-            <a:pPr algn="r">
-              <a:defRPr/>
-            </a:pPr>
-            <a:r>
-              <a:rPr lang="ko-KR" altLang="en-US" sz="1400">
-                <a:latin typeface="210 스탠다드 030"/>
-                <a:ea typeface="210 스탠다드 030"/>
-              </a:rPr>
-              <a:t>출처 어반브러시 </a:t>
-            </a:r>
-            <a:r>
-              <a:rPr lang="en-US" altLang="ko-KR" sz="1400">
-                <a:latin typeface="210 스탠다드 030"/>
-                <a:ea typeface="210 스탠다드 030"/>
-              </a:rPr>
-              <a:t>Tommy</a:t>
-            </a:r>
-            <a:endParaRPr lang="ko-KR" altLang="en-US" sz="1400">
-              <a:latin typeface="210 스탠다드 030"/>
-              <a:ea typeface="210 스탠다드 030"/>
-            </a:endParaRPr>
-          </a:p>
-        </p:txBody>
-      </p:sp>
-      <p:pic>
-        <p:nvPicPr>
-          <p:cNvPr id="10" name="그림 9"/>
-          <p:cNvPicPr>
-            <a:picLocks noChangeAspect="1"/>
-          </p:cNvPicPr>
-          <p:nvPr/>
-        </p:nvPicPr>
-        <p:blipFill rotWithShape="1">
-          <a:blip r:embed="rId2">
-            <a:duotone>
-              <a:schemeClr val="accent3">
-                <a:shade val="45000"/>
-                <a:satMod val="135000"/>
-              </a:schemeClr>
-              <a:prstClr val="white"/>
-            </a:duotone>
-          </a:blip>
-          <a:srcRect l="9830" t="7110" r="34880" b="17640"/>
-          <a:stretch>
-            <a:fillRect/>
-          </a:stretch>
-        </p:blipFill>
-        <p:spPr>
-          <a:xfrm flipH="1">
-            <a:off x="8524889" y="972028"/>
-            <a:ext cx="3578088" cy="5160176"/>
-          </a:xfrm>
-          <a:prstGeom prst="rect">
-            <a:avLst/>
-          </a:prstGeom>
-        </p:spPr>
-      </p:pic>
-      <p:sp>
-        <p:nvSpPr>
-          <p:cNvPr id="36" name="TextBox 35"/>
-          <p:cNvSpPr txBox="1"/>
-          <p:nvPr/>
-        </p:nvSpPr>
-        <p:spPr>
-          <a:xfrm>
-            <a:off x="5353147" y="732599"/>
-            <a:ext cx="1499547" cy="446596"/>
-          </a:xfrm>
-          <a:prstGeom prst="rect">
-            <a:avLst/>
-          </a:prstGeom>
-          <a:noFill/>
-          <a:ln w="9525">
-            <a:noFill/>
-          </a:ln>
-        </p:spPr>
-        <p:txBody>
-          <a:bodyPr wrap="square">
-            <a:spAutoFit/>
-          </a:bodyPr>
-          <a:lstStyle/>
-          <a:p>
-            <a:pPr lvl="0">
-              <a:defRPr/>
-            </a:pPr>
-            <a:r>
-              <a:rPr lang="ko-KR" altLang="en-US" sz="2400">
-                <a:solidFill>
-                  <a:schemeClr val="tx1">
-                    <a:alpha val="71000"/>
-                  </a:schemeClr>
-                </a:solidFill>
-                <a:latin typeface="DX영화자막 M"/>
-                <a:ea typeface="DX영화자막 M"/>
-              </a:rPr>
-              <a:t>작가소개</a:t>
-            </a:r>
-            <a:endParaRPr lang="ko-KR" altLang="en-US" sz="2400">
-              <a:solidFill>
-                <a:schemeClr val="tx1">
-                  <a:alpha val="71000"/>
-                </a:schemeClr>
-              </a:solidFill>
-              <a:latin typeface="DX영화자막 M"/>
-              <a:ea typeface="DX영화자막 M"/>
-            </a:endParaRPr>
-          </a:p>
-        </p:txBody>
-      </p:sp>
-      <p:pic>
-        <p:nvPicPr>
-          <p:cNvPr id="8" name="그림 7"/>
-          <p:cNvPicPr>
-            <a:picLocks noChangeAspect="1"/>
-          </p:cNvPicPr>
-          <p:nvPr/>
-        </p:nvPicPr>
-        <p:blipFill rotWithShape="1">
-          <a:blip r:embed="rId3"/>
-          <a:stretch>
-            <a:fillRect/>
-          </a:stretch>
-        </p:blipFill>
-        <p:spPr>
-          <a:xfrm>
-            <a:off x="0" y="-1"/>
-            <a:ext cx="12192000" cy="9134475"/>
-          </a:xfrm>
-          <a:prstGeom prst="rect">
-            <a:avLst/>
-          </a:prstGeom>
-        </p:spPr>
-      </p:pic>
-      <p:sp>
-        <p:nvSpPr>
-          <p:cNvPr id="17" name="TextBox 16"/>
-          <p:cNvSpPr txBox="1"/>
-          <p:nvPr/>
-        </p:nvSpPr>
-        <p:spPr>
-          <a:xfrm flipH="1">
-            <a:off x="5041092" y="342101"/>
-            <a:ext cx="2123658" cy="294169"/>
-          </a:xfrm>
-          <a:prstGeom prst="rect">
-            <a:avLst/>
-          </a:prstGeom>
-          <a:noFill/>
-        </p:spPr>
-        <p:txBody>
-          <a:bodyPr vert="horz" wrap="square">
-            <a:spAutoFit/>
-          </a:bodyPr>
-          <a:lstStyle/>
-          <a:p>
-            <a:pPr algn="dist">
-              <a:defRPr/>
-            </a:pPr>
-            <a:r>
-              <a:rPr lang="en-US" altLang="ko-KR" sz="1400">
-                <a:solidFill>
-                  <a:schemeClr val="tx1">
-                    <a:alpha val="71000"/>
-                  </a:schemeClr>
-                </a:solidFill>
-                <a:latin typeface="DX영화자막 M"/>
-                <a:ea typeface="DX영화자막 M"/>
-              </a:rPr>
-              <a:t>SLOW THINKING</a:t>
-            </a:r>
-            <a:endParaRPr lang="ko-KR" altLang="en-US" sz="1400">
-              <a:solidFill>
-                <a:schemeClr val="tx1">
-                  <a:alpha val="71000"/>
-                </a:schemeClr>
-              </a:solidFill>
-              <a:latin typeface="DX영화자막 M"/>
-              <a:ea typeface="DX영화자막 M"/>
-            </a:endParaRPr>
-          </a:p>
-        </p:txBody>
-      </p:sp>
-      <p:sp>
-        <p:nvSpPr>
-          <p:cNvPr id="19" name="TextBox 18"/>
-          <p:cNvSpPr txBox="1"/>
-          <p:nvPr/>
-        </p:nvSpPr>
-        <p:spPr>
-          <a:xfrm>
-            <a:off x="2974697" y="898259"/>
-            <a:ext cx="6806331" cy="453356"/>
-          </a:xfrm>
-          <a:prstGeom prst="rect">
-            <a:avLst/>
-          </a:prstGeom>
-          <a:noFill/>
-          <a:ln w="9525">
-            <a:noFill/>
-          </a:ln>
-        </p:spPr>
-        <p:txBody>
-          <a:bodyPr wrap="square">
-            <a:spAutoFit/>
-          </a:bodyPr>
-          <a:lstStyle/>
-          <a:p>
-            <a:pPr lvl="0">
-              <a:defRPr/>
-            </a:pPr>
-            <a:r>
-              <a:rPr lang="ko-KR" altLang="en-US" sz="2400">
-                <a:solidFill>
-                  <a:schemeClr val="tx1">
-                    <a:alpha val="71000"/>
-                  </a:schemeClr>
-                </a:solidFill>
-                <a:latin typeface="DX영화자막 M"/>
-                <a:ea typeface="DX영화자막 M"/>
-              </a:rPr>
-              <a:t>결과보다 과정에 집중할 대 불안감이 통제된다</a:t>
-            </a:r>
-            <a:r>
-              <a:rPr lang="en-US" altLang="ko-KR" sz="2400">
-                <a:solidFill>
-                  <a:schemeClr val="tx1">
-                    <a:alpha val="71000"/>
-                  </a:schemeClr>
-                </a:solidFill>
-                <a:latin typeface="DX영화자막 M"/>
-                <a:ea typeface="DX영화자막 M"/>
-              </a:rPr>
-              <a:t>.</a:t>
-            </a:r>
-            <a:endParaRPr lang="en-US" altLang="ko-KR" sz="2400">
-              <a:solidFill>
-                <a:schemeClr val="tx1">
-                  <a:alpha val="71000"/>
-                </a:schemeClr>
-              </a:solidFill>
-              <a:latin typeface="DX영화자막 M"/>
-              <a:ea typeface="DX영화자막 M"/>
-            </a:endParaRPr>
-          </a:p>
-        </p:txBody>
-      </p:sp>
-      <p:grpSp>
-        <p:nvGrpSpPr>
-          <p:cNvPr id="20" name="그룹 19"/>
-          <p:cNvGrpSpPr/>
-          <p:nvPr/>
-        </p:nvGrpSpPr>
-        <p:grpSpPr>
-          <a:xfrm rot="0">
-            <a:off x="393325" y="3093612"/>
-            <a:ext cx="163649" cy="975576"/>
-            <a:chOff x="306686" y="3281373"/>
-            <a:chExt cx="163649" cy="975576"/>
-          </a:xfrm>
-        </p:grpSpPr>
-        <p:cxnSp>
-          <p:nvCxnSpPr>
-            <p:cNvPr id="21" name="직선 연결선 20"/>
-            <p:cNvCxnSpPr/>
-            <p:nvPr/>
-          </p:nvCxnSpPr>
-          <p:spPr>
-            <a:xfrm>
-              <a:off x="306686" y="4127358"/>
-              <a:ext cx="160637" cy="129591"/>
-            </a:xfrm>
-            <a:prstGeom prst="line">
-              <a:avLst/>
-            </a:prstGeom>
-            <a:ln w="12700">
-              <a:solidFill>
-                <a:srgbClr val="ac9d8e"/>
-              </a:solidFill>
-            </a:ln>
-          </p:spPr>
-          <p:style>
-            <a:lnRef idx="1">
-              <a:schemeClr val="accent1"/>
-            </a:lnRef>
-            <a:fillRef idx="0">
-              <a:schemeClr val="accent1"/>
-            </a:fillRef>
-            <a:effectRef idx="0">
-              <a:schemeClr val="accent1"/>
-            </a:effectRef>
-            <a:fontRef idx="minor">
-              <a:schemeClr val="tx1"/>
-            </a:fontRef>
-          </p:style>
-        </p:cxnSp>
-        <p:cxnSp>
-          <p:nvCxnSpPr>
-            <p:cNvPr id="23" name="직선 연결선 22"/>
-            <p:cNvCxnSpPr/>
-            <p:nvPr/>
-          </p:nvCxnSpPr>
-          <p:spPr>
-            <a:xfrm>
-              <a:off x="306686" y="3838775"/>
-              <a:ext cx="160637" cy="129591"/>
-            </a:xfrm>
-            <a:prstGeom prst="line">
-              <a:avLst/>
-            </a:prstGeom>
-            <a:ln w="12700">
-              <a:solidFill>
-                <a:srgbClr val="ac9d8e"/>
-              </a:solidFill>
-            </a:ln>
-          </p:spPr>
-          <p:style>
-            <a:lnRef idx="1">
-              <a:schemeClr val="accent1"/>
-            </a:lnRef>
-            <a:fillRef idx="0">
-              <a:schemeClr val="accent1"/>
-            </a:fillRef>
-            <a:effectRef idx="0">
-              <a:schemeClr val="accent1"/>
-            </a:effectRef>
-            <a:fontRef idx="minor">
-              <a:schemeClr val="tx1"/>
-            </a:fontRef>
-          </p:style>
-        </p:cxnSp>
-        <p:cxnSp>
-          <p:nvCxnSpPr>
-            <p:cNvPr id="25" name="직선 연결선 24"/>
-            <p:cNvCxnSpPr/>
-            <p:nvPr/>
-          </p:nvCxnSpPr>
-          <p:spPr>
-            <a:xfrm>
-              <a:off x="306686" y="3550192"/>
-              <a:ext cx="160637" cy="129591"/>
-            </a:xfrm>
-            <a:prstGeom prst="line">
-              <a:avLst/>
-            </a:prstGeom>
-            <a:ln w="12700">
-              <a:solidFill>
-                <a:srgbClr val="ac9d8e"/>
-              </a:solidFill>
-            </a:ln>
-          </p:spPr>
-          <p:style>
-            <a:lnRef idx="1">
-              <a:schemeClr val="accent1"/>
-            </a:lnRef>
-            <a:fillRef idx="0">
-              <a:schemeClr val="accent1"/>
-            </a:fillRef>
-            <a:effectRef idx="0">
-              <a:schemeClr val="accent1"/>
-            </a:effectRef>
-            <a:fontRef idx="minor">
-              <a:schemeClr val="tx1"/>
-            </a:fontRef>
-          </p:style>
-        </p:cxnSp>
-        <p:cxnSp>
-          <p:nvCxnSpPr>
-            <p:cNvPr id="26" name="직선 연결선 25"/>
-            <p:cNvCxnSpPr/>
-            <p:nvPr/>
-          </p:nvCxnSpPr>
-          <p:spPr>
-            <a:xfrm>
-              <a:off x="309698" y="3281373"/>
-              <a:ext cx="160637" cy="129591"/>
-            </a:xfrm>
-            <a:prstGeom prst="line">
-              <a:avLst/>
-            </a:prstGeom>
-            <a:ln w="12700">
-              <a:solidFill>
-                <a:srgbClr val="ac9d8e"/>
-              </a:solidFill>
-            </a:ln>
-          </p:spPr>
-          <p:style>
-            <a:lnRef idx="1">
-              <a:schemeClr val="accent1"/>
-            </a:lnRef>
-            <a:fillRef idx="0">
-              <a:schemeClr val="accent1"/>
-            </a:fillRef>
-            <a:effectRef idx="0">
-              <a:schemeClr val="accent1"/>
-            </a:effectRef>
-            <a:fontRef idx="minor">
-              <a:schemeClr val="tx1"/>
-            </a:fontRef>
-          </p:style>
-        </p:cxnSp>
-      </p:grpSp>
-      <p:sp>
-        <p:nvSpPr>
-          <p:cNvPr id="33" name="순서도: 처리 61"/>
-          <p:cNvSpPr/>
-          <p:nvPr/>
-        </p:nvSpPr>
-        <p:spPr>
-          <a:xfrm>
-            <a:off x="2138032" y="1753167"/>
-            <a:ext cx="7915937" cy="4484864"/>
-          </a:xfrm>
-          <a:custGeom>
-            <a:avLst/>
-            <a:gdLst>
-              <a:gd name="connsiteX0" fmla="*/ 0 w 5799809"/>
-              <a:gd name="connsiteY0" fmla="*/ 0 h 425946"/>
-              <a:gd name="connsiteX1" fmla="*/ 470429 w 5799809"/>
-              <a:gd name="connsiteY1" fmla="*/ 0 h 425946"/>
-              <a:gd name="connsiteX2" fmla="*/ 1056854 w 5799809"/>
-              <a:gd name="connsiteY2" fmla="*/ 0 h 425946"/>
-              <a:gd name="connsiteX3" fmla="*/ 1585281 w 5799809"/>
-              <a:gd name="connsiteY3" fmla="*/ 0 h 425946"/>
-              <a:gd name="connsiteX4" fmla="*/ 2113708 w 5799809"/>
-              <a:gd name="connsiteY4" fmla="*/ 0 h 425946"/>
-              <a:gd name="connsiteX5" fmla="*/ 2758131 w 5799809"/>
-              <a:gd name="connsiteY5" fmla="*/ 0 h 425946"/>
-              <a:gd name="connsiteX6" fmla="*/ 3402555 w 5799809"/>
-              <a:gd name="connsiteY6" fmla="*/ 0 h 425946"/>
-              <a:gd name="connsiteX7" fmla="*/ 3930982 w 5799809"/>
-              <a:gd name="connsiteY7" fmla="*/ 0 h 425946"/>
-              <a:gd name="connsiteX8" fmla="*/ 4633403 w 5799809"/>
-              <a:gd name="connsiteY8" fmla="*/ 0 h 425946"/>
-              <a:gd name="connsiteX9" fmla="*/ 5103832 w 5799809"/>
-              <a:gd name="connsiteY9" fmla="*/ 0 h 425946"/>
-              <a:gd name="connsiteX10" fmla="*/ 5799809 w 5799809"/>
-              <a:gd name="connsiteY10" fmla="*/ 0 h 425946"/>
-              <a:gd name="connsiteX11" fmla="*/ 5799809 w 5799809"/>
-              <a:gd name="connsiteY11" fmla="*/ 425946 h 425946"/>
-              <a:gd name="connsiteX12" fmla="*/ 5155386 w 5799809"/>
-              <a:gd name="connsiteY12" fmla="*/ 425946 h 425946"/>
-              <a:gd name="connsiteX13" fmla="*/ 4684957 w 5799809"/>
-              <a:gd name="connsiteY13" fmla="*/ 425946 h 425946"/>
-              <a:gd name="connsiteX14" fmla="*/ 4040534 w 5799809"/>
-              <a:gd name="connsiteY14" fmla="*/ 425946 h 425946"/>
-              <a:gd name="connsiteX15" fmla="*/ 3338112 w 5799809"/>
-              <a:gd name="connsiteY15" fmla="*/ 425946 h 425946"/>
-              <a:gd name="connsiteX16" fmla="*/ 2809685 w 5799809"/>
-              <a:gd name="connsiteY16" fmla="*/ 425946 h 425946"/>
-              <a:gd name="connsiteX17" fmla="*/ 2165262 w 5799809"/>
-              <a:gd name="connsiteY17" fmla="*/ 425946 h 425946"/>
-              <a:gd name="connsiteX18" fmla="*/ 1462841 w 5799809"/>
-              <a:gd name="connsiteY18" fmla="*/ 425946 h 425946"/>
-              <a:gd name="connsiteX19" fmla="*/ 818417 w 5799809"/>
-              <a:gd name="connsiteY19" fmla="*/ 425946 h 425946"/>
-              <a:gd name="connsiteX20" fmla="*/ 0 w 5799809"/>
-              <a:gd name="connsiteY20" fmla="*/ 425946 h 425946"/>
-              <a:gd name="connsiteX21" fmla="*/ 0 w 5799809"/>
-              <a:gd name="connsiteY21" fmla="*/ 0 h 425946"/>
-            </a:gdLst>
-            <a:cxnLst>
-              <a:cxn ang="0">
-                <a:pos x="connsiteX0" y="connsiteY0"/>
-              </a:cxn>
-              <a:cxn ang="0">
-                <a:pos x="connsiteX1" y="connsiteY1"/>
-              </a:cxn>
-              <a:cxn ang="0">
-                <a:pos x="connsiteX2" y="connsiteY2"/>
-              </a:cxn>
-              <a:cxn ang="0">
-                <a:pos x="connsiteX3" y="connsiteY3"/>
-              </a:cxn>
-              <a:cxn ang="0">
-                <a:pos x="connsiteX4" y="connsiteY4"/>
-              </a:cxn>
-              <a:cxn ang="0">
-                <a:pos x="connsiteX5" y="connsiteY5"/>
-              </a:cxn>
-              <a:cxn ang="0">
-                <a:pos x="connsiteX6" y="connsiteY6"/>
-              </a:cxn>
-              <a:cxn ang="0">
-                <a:pos x="connsiteX7" y="connsiteY7"/>
-              </a:cxn>
-              <a:cxn ang="0">
-                <a:pos x="connsiteX8" y="connsiteY8"/>
-              </a:cxn>
-              <a:cxn ang="0">
-                <a:pos x="connsiteX9" y="connsiteY9"/>
-              </a:cxn>
-              <a:cxn ang="0">
-                <a:pos x="connsiteX10" y="connsiteY10"/>
-              </a:cxn>
-              <a:cxn ang="0">
-                <a:pos x="connsiteX11" y="connsiteY11"/>
-              </a:cxn>
-              <a:cxn ang="0">
-                <a:pos x="connsiteX12" y="connsiteY12"/>
-              </a:cxn>
-              <a:cxn ang="0">
-                <a:pos x="connsiteX13" y="connsiteY13"/>
-              </a:cxn>
-              <a:cxn ang="0">
-                <a:pos x="connsiteX14" y="connsiteY14"/>
-              </a:cxn>
-              <a:cxn ang="0">
-                <a:pos x="connsiteX15" y="connsiteY15"/>
-              </a:cxn>
-              <a:cxn ang="0">
-                <a:pos x="connsiteX16" y="connsiteY16"/>
-              </a:cxn>
-              <a:cxn ang="0">
-                <a:pos x="connsiteX17" y="connsiteY17"/>
-              </a:cxn>
-              <a:cxn ang="0">
-                <a:pos x="connsiteX18" y="connsiteY18"/>
-              </a:cxn>
-              <a:cxn ang="0">
-                <a:pos x="connsiteX19" y="connsiteY19"/>
-              </a:cxn>
-              <a:cxn ang="0">
-                <a:pos x="connsiteX20" y="connsiteY20"/>
-              </a:cxn>
-              <a:cxn ang="0">
-                <a:pos x="connsiteX21" y="connsiteY21"/>
-              </a:cxn>
-            </a:cxnLst>
-            <a:rect l="l" t="t" r="r" b="b"/>
-            <a:pathLst>
-              <a:path w="5799809" h="425946" fill="none" extrusionOk="0">
-                <a:moveTo>
-                  <a:pt x="0" y="0"/>
-                </a:moveTo>
-                <a:cubicBezTo>
-                  <a:pt x="232930" y="11357"/>
-                  <a:pt x="338405" y="-11052"/>
-                  <a:pt x="470429" y="0"/>
-                </a:cubicBezTo>
-                <a:cubicBezTo>
-                  <a:pt x="602453" y="11052"/>
-                  <a:pt x="809389" y="-26878"/>
-                  <a:pt x="1056854" y="0"/>
-                </a:cubicBezTo>
-                <a:cubicBezTo>
-                  <a:pt x="1304320" y="26878"/>
-                  <a:pt x="1468530" y="-24406"/>
-                  <a:pt x="1585281" y="0"/>
-                </a:cubicBezTo>
-                <a:cubicBezTo>
-                  <a:pt x="1702032" y="24406"/>
-                  <a:pt x="2004466" y="14170"/>
-                  <a:pt x="2113708" y="0"/>
-                </a:cubicBezTo>
-                <a:cubicBezTo>
-                  <a:pt x="2222950" y="-14170"/>
-                  <a:pt x="2556011" y="28112"/>
-                  <a:pt x="2758131" y="0"/>
-                </a:cubicBezTo>
-                <a:cubicBezTo>
-                  <a:pt x="2960251" y="-28112"/>
-                  <a:pt x="3097544" y="-7034"/>
-                  <a:pt x="3402555" y="0"/>
-                </a:cubicBezTo>
-                <a:cubicBezTo>
-                  <a:pt x="3707566" y="7034"/>
-                  <a:pt x="3772141" y="4589"/>
-                  <a:pt x="3930982" y="0"/>
-                </a:cubicBezTo>
-                <a:cubicBezTo>
-                  <a:pt x="4089823" y="-4589"/>
-                  <a:pt x="4481847" y="28392"/>
-                  <a:pt x="4633403" y="0"/>
-                </a:cubicBezTo>
-                <a:cubicBezTo>
-                  <a:pt x="4784959" y="-28392"/>
-                  <a:pt x="4910939" y="-2346"/>
-                  <a:pt x="5103832" y="0"/>
-                </a:cubicBezTo>
-                <a:cubicBezTo>
-                  <a:pt x="5296725" y="2346"/>
-                  <a:pt x="5508736" y="-20318"/>
-                  <a:pt x="5799809" y="0"/>
-                </a:cubicBezTo>
-                <a:cubicBezTo>
-                  <a:pt x="5788599" y="198653"/>
-                  <a:pt x="5812935" y="266898"/>
-                  <a:pt x="5799809" y="425946"/>
-                </a:cubicBezTo>
-                <a:cubicBezTo>
-                  <a:pt x="5617430" y="412954"/>
-                  <a:pt x="5331856" y="449678"/>
-                  <a:pt x="5155386" y="425946"/>
-                </a:cubicBezTo>
-                <a:cubicBezTo>
-                  <a:pt x="4978916" y="402214"/>
-                  <a:pt x="4857030" y="423944"/>
-                  <a:pt x="4684957" y="425946"/>
-                </a:cubicBezTo>
-                <a:cubicBezTo>
-                  <a:pt x="4512884" y="427948"/>
-                  <a:pt x="4342832" y="445858"/>
-                  <a:pt x="4040534" y="425946"/>
-                </a:cubicBezTo>
-                <a:cubicBezTo>
-                  <a:pt x="3738236" y="406034"/>
-                  <a:pt x="3513554" y="443777"/>
-                  <a:pt x="3338112" y="425946"/>
-                </a:cubicBezTo>
-                <a:cubicBezTo>
-                  <a:pt x="3162670" y="408115"/>
-                  <a:pt x="3031362" y="412638"/>
-                  <a:pt x="2809685" y="425946"/>
-                </a:cubicBezTo>
-                <a:cubicBezTo>
-                  <a:pt x="2588008" y="439254"/>
-                  <a:pt x="2396513" y="447981"/>
-                  <a:pt x="2165262" y="425946"/>
-                </a:cubicBezTo>
-                <a:cubicBezTo>
-                  <a:pt x="1934011" y="403911"/>
-                  <a:pt x="1762479" y="426888"/>
-                  <a:pt x="1462841" y="425946"/>
-                </a:cubicBezTo>
-                <a:cubicBezTo>
-                  <a:pt x="1163203" y="425004"/>
-                  <a:pt x="955896" y="428651"/>
-                  <a:pt x="818417" y="425946"/>
-                </a:cubicBezTo>
-                <a:cubicBezTo>
-                  <a:pt x="680938" y="423241"/>
-                  <a:pt x="240620" y="433396"/>
-                  <a:pt x="0" y="425946"/>
-                </a:cubicBezTo>
-                <a:cubicBezTo>
-                  <a:pt x="-13937" y="217353"/>
-                  <a:pt x="3380" y="194608"/>
-                  <a:pt x="0" y="0"/>
-                </a:cubicBezTo>
-                <a:close/>
-              </a:path>
-              <a:path w="5799809" h="425946" stroke="0" extrusionOk="0">
-                <a:moveTo>
-                  <a:pt x="0" y="0"/>
-                </a:moveTo>
-                <a:cubicBezTo>
-                  <a:pt x="156451" y="-5263"/>
-                  <a:pt x="344124" y="-7670"/>
-                  <a:pt x="528427" y="0"/>
-                </a:cubicBezTo>
-                <a:cubicBezTo>
-                  <a:pt x="712730" y="7670"/>
-                  <a:pt x="1052845" y="3624"/>
-                  <a:pt x="1288846" y="0"/>
-                </a:cubicBezTo>
-                <a:cubicBezTo>
-                  <a:pt x="1524847" y="-3624"/>
-                  <a:pt x="1572216" y="2669"/>
-                  <a:pt x="1817273" y="0"/>
-                </a:cubicBezTo>
-                <a:cubicBezTo>
-                  <a:pt x="2062330" y="-2669"/>
-                  <a:pt x="2125614" y="-1841"/>
-                  <a:pt x="2287702" y="0"/>
-                </a:cubicBezTo>
-                <a:cubicBezTo>
-                  <a:pt x="2449790" y="1841"/>
-                  <a:pt x="2540838" y="-10545"/>
-                  <a:pt x="2758131" y="0"/>
-                </a:cubicBezTo>
-                <a:cubicBezTo>
-                  <a:pt x="2975424" y="10545"/>
-                  <a:pt x="3070417" y="16952"/>
-                  <a:pt x="3286558" y="0"/>
-                </a:cubicBezTo>
-                <a:cubicBezTo>
-                  <a:pt x="3502699" y="-16952"/>
-                  <a:pt x="3772879" y="25154"/>
-                  <a:pt x="4046978" y="0"/>
-                </a:cubicBezTo>
-                <a:cubicBezTo>
-                  <a:pt x="4321077" y="-25154"/>
-                  <a:pt x="4471091" y="-15419"/>
-                  <a:pt x="4691401" y="0"/>
-                </a:cubicBezTo>
-                <a:cubicBezTo>
-                  <a:pt x="4911711" y="15419"/>
-                  <a:pt x="5486808" y="-34903"/>
-                  <a:pt x="5799809" y="0"/>
-                </a:cubicBezTo>
-                <a:cubicBezTo>
-                  <a:pt x="5811781" y="117662"/>
-                  <a:pt x="5813135" y="213997"/>
-                  <a:pt x="5799809" y="425946"/>
-                </a:cubicBezTo>
-                <a:cubicBezTo>
-                  <a:pt x="5631023" y="426859"/>
-                  <a:pt x="5495897" y="406180"/>
-                  <a:pt x="5329380" y="425946"/>
-                </a:cubicBezTo>
-                <a:cubicBezTo>
-                  <a:pt x="5162863" y="445712"/>
-                  <a:pt x="4971538" y="414601"/>
-                  <a:pt x="4742955" y="425946"/>
-                </a:cubicBezTo>
-                <a:cubicBezTo>
-                  <a:pt x="4514373" y="437291"/>
-                  <a:pt x="4305792" y="401898"/>
-                  <a:pt x="4098532" y="425946"/>
-                </a:cubicBezTo>
-                <a:cubicBezTo>
-                  <a:pt x="3891272" y="449994"/>
-                  <a:pt x="3550710" y="452828"/>
-                  <a:pt x="3396110" y="425946"/>
-                </a:cubicBezTo>
-                <a:cubicBezTo>
-                  <a:pt x="3241510" y="399064"/>
-                  <a:pt x="2987621" y="437035"/>
-                  <a:pt x="2867683" y="425946"/>
-                </a:cubicBezTo>
-                <a:cubicBezTo>
-                  <a:pt x="2747745" y="414857"/>
-                  <a:pt x="2500791" y="420398"/>
-                  <a:pt x="2281258" y="425946"/>
-                </a:cubicBezTo>
-                <a:cubicBezTo>
-                  <a:pt x="2061725" y="431494"/>
-                  <a:pt x="1816635" y="426101"/>
-                  <a:pt x="1636835" y="425946"/>
-                </a:cubicBezTo>
-                <a:cubicBezTo>
-                  <a:pt x="1457035" y="425791"/>
-                  <a:pt x="1307407" y="428836"/>
-                  <a:pt x="1050410" y="425946"/>
-                </a:cubicBezTo>
-                <a:cubicBezTo>
-                  <a:pt x="793414" y="423056"/>
-                  <a:pt x="415100" y="437818"/>
-                  <a:pt x="0" y="425946"/>
-                </a:cubicBezTo>
-                <a:cubicBezTo>
-                  <a:pt x="553" y="260129"/>
-                  <a:pt x="10725" y="188645"/>
-                  <a:pt x="0" y="0"/>
-                </a:cubicBezTo>
-                <a:close/>
-              </a:path>
-            </a:pathLst>
-          </a:custGeom>
-          <a:solidFill>
-            <a:schemeClr val="accent4">
-              <a:lumMod val="40000"/>
-              <a:lumOff val="60000"/>
-              <a:alpha val="35000"/>
-            </a:schemeClr>
-          </a:solidFill>
-          <a:ln>
-            <a:solidFill>
-              <a:schemeClr val="accent4">
-                <a:lumMod val="40000"/>
-                <a:lumOff val="60000"/>
-              </a:schemeClr>
-            </a:solidFill>
-          </a:ln>
-        </p:spPr>
-        <p:style>
-          <a:lnRef idx="2">
-            <a:schemeClr val="accent1">
-              <a:shade val="50000"/>
-            </a:schemeClr>
-          </a:lnRef>
-          <a:fillRef idx="1">
-            <a:schemeClr val="accent1"/>
-          </a:fillRef>
-          <a:effectRef idx="0">
-            <a:schemeClr val="accent1"/>
-          </a:effectRef>
-          <a:fontRef idx="minor">
-            <a:schemeClr val="lt1"/>
-          </a:fontRef>
-        </p:style>
-        <p:txBody>
-          <a:bodyPr anchor="ctr"/>
-          <a:lstStyle/>
-          <a:p>
-            <a:pPr algn="ctr">
-              <a:defRPr/>
-            </a:pPr>
-            <a:endParaRPr lang="ko-KR" altLang="en-US"/>
-          </a:p>
-        </p:txBody>
-      </p:sp>
-      <p:sp>
-        <p:nvSpPr>
-          <p:cNvPr id="60" name="TextBox 11"/>
-          <p:cNvSpPr txBox="1"/>
-          <p:nvPr/>
-        </p:nvSpPr>
-        <p:spPr>
-          <a:xfrm>
-            <a:off x="6625512" y="3662265"/>
-            <a:ext cx="4744601" cy="641130"/>
-          </a:xfrm>
-          <a:prstGeom prst="rect">
-            <a:avLst/>
-          </a:prstGeom>
-          <a:noFill/>
-        </p:spPr>
-        <p:txBody>
-          <a:bodyPr vert="horz" wrap="square" lIns="91440" tIns="45720" rIns="91440" bIns="45720" anchor="t">
-            <a:spAutoFit/>
-          </a:bodyPr>
-          <a:lstStyle/>
-          <a:p>
-            <a:pPr algn="ctr">
-              <a:lnSpc>
-                <a:spcPct val="150000"/>
-              </a:lnSpc>
-              <a:defRPr/>
-            </a:pPr>
-            <a:endParaRPr lang="ko-KR" altLang="en-US" sz="2400" kern="1400">
-              <a:solidFill>
-                <a:schemeClr val="tx1"/>
-              </a:solidFill>
-              <a:latin typeface="DX영화자막 M"/>
-              <a:ea typeface="DX영화자막 M"/>
-            </a:endParaRPr>
-          </a:p>
-        </p:txBody>
-      </p:sp>
-      <p:pic>
-        <p:nvPicPr>
-          <p:cNvPr id="65" name=""/>
-          <p:cNvPicPr>
-            <a:picLocks noChangeAspect="1"/>
-          </p:cNvPicPr>
-          <p:nvPr/>
-        </p:nvPicPr>
-        <p:blipFill rotWithShape="1">
-          <a:blip r:embed="rId4"/>
-          <a:stretch>
-            <a:fillRect/>
-          </a:stretch>
-        </p:blipFill>
-        <p:spPr>
-          <a:xfrm>
-            <a:off x="3386975" y="2040807"/>
-            <a:ext cx="5418049" cy="3985276"/>
-          </a:xfrm>
-          <a:prstGeom prst="rect">
-            <a:avLst/>
-          </a:prstGeom>
-        </p:spPr>
-      </p:pic>
-    </p:spTree>
-  </p:cSld>
-  <p:clrMapOvr>
-    <a:masterClrMapping/>
-  </p:clrMapOvr>
-  <mc:AlternateContent xmlns:mc="http://schemas.openxmlformats.org/markup-compatibility/2006">
-    <mc:Choice xmlns:p14="http://schemas.microsoft.com/office/powerpoint/2010/main" Requires="p14">
-      <p:transition xmlns:mc="http://schemas.openxmlformats.org/markup-compatibility/2006" xmlns:p14="http://schemas.microsoft.com/office/powerpoint/2010/main" mc:Ignorable="p14" p14:dur="500"/>
-    </mc:Choice>
-    <mc:Fallback>
-      <p:transition/>
-    </mc:Fallback>
-  </mc:AlternateContent>
-</p:sld>
-</file>
-
-<file path=ppt/slides/slide14.xml><?xml version="1.0" encoding="utf-8"?>
+<file path=ppt/slides/slide12.xml><?xml version="1.0" encoding="utf-8"?>
 <p:sld xmlns:r="http://schemas.openxmlformats.org/officeDocument/2006/relationships" xmlns:c="http://schemas.openxmlformats.org/drawingml/2006/chart" xmlns:a="http://schemas.openxmlformats.org/drawingml/2006/main" xmlns:dgm="http://schemas.openxmlformats.org/drawingml/2006/diagram" xmlns:dsp="http://schemas.microsoft.com/office/drawing/2008/diagram" xmlns:p="http://schemas.openxmlformats.org/presentationml/2006/main">
   <p:cSld>
     <p:bg>
@@ -11663,8 +8503,8 @@
         </p:nvSpPr>
         <p:spPr>
           <a:xfrm>
-            <a:off x="2652799" y="4435015"/>
-            <a:ext cx="6689984" cy="1251254"/>
+            <a:off x="2751008" y="4668280"/>
+            <a:ext cx="6689984" cy="1401905"/>
           </a:xfrm>
           <a:prstGeom prst="rect">
             <a:avLst/>
@@ -11681,7 +8521,7 @@
               <a:defRPr/>
             </a:pPr>
             <a:r>
-              <a:rPr lang="en-US" altLang="ko-KR" sz="2200">
+              <a:rPr lang="en-US" altLang="ko-KR" sz="5000">
                 <a:solidFill>
                   <a:srgbClr val="c80000"/>
                 </a:solidFill>
@@ -11691,7 +8531,7 @@
               <a:t>“</a:t>
             </a:r>
             <a:r>
-              <a:rPr lang="ko-KR" altLang="en-US" sz="2200">
+              <a:rPr lang="ko-KR" altLang="en-US" sz="5000">
                 <a:solidFill>
                   <a:srgbClr val="c80000"/>
                 </a:solidFill>
@@ -11701,7 +8541,7 @@
               <a:t>완전 추천해요</a:t>
             </a:r>
             <a:r>
-              <a:rPr lang="en-US" altLang="ko-KR" sz="2200">
+              <a:rPr lang="en-US" altLang="ko-KR" sz="5000">
                 <a:solidFill>
                   <a:srgbClr val="c80000"/>
                 </a:solidFill>
@@ -11731,29 +8571,6 @@
             <a:pPr algn="ctr">
               <a:defRPr/>
             </a:pPr>
-            <a:r>
-              <a:rPr lang="ko-KR" altLang="en-US">
-                <a:latin typeface="DX영화자막 M"/>
-                <a:ea typeface="DX영화자막 M"/>
-              </a:rPr>
-              <a:t>힘들 때마다 꺼내 보며 위로 받고 싶은 책</a:t>
-            </a:r>
-            <a:endParaRPr lang="ko-KR" altLang="en-US">
-              <a:latin typeface="DX영화자막 M"/>
-              <a:ea typeface="DX영화자막 M"/>
-            </a:endParaRPr>
-          </a:p>
-          <a:p>
-            <a:pPr algn="ctr">
-              <a:defRPr/>
-            </a:pPr>
-            <a:r>
-              <a:rPr lang="ko-KR" altLang="en-US">
-                <a:latin typeface="DX영화자막 M"/>
-                <a:ea typeface="DX영화자막 M"/>
-              </a:rPr>
-              <a:t>소중한 사람에게 선물하면 좋을 책</a:t>
-            </a:r>
             <a:endParaRPr lang="ko-KR" altLang="en-US">
               <a:latin typeface="DX영화자막 M"/>
               <a:ea typeface="DX영화자막 M"/>
@@ -11878,7 +8695,7 @@
 </p:sld>
 </file>
 
-<file path=ppt/slides/slide15.xml><?xml version="1.0" encoding="utf-8"?>
+<file path=ppt/slides/slide13.xml><?xml version="1.0" encoding="utf-8"?>
 <p:sld xmlns:r="http://schemas.openxmlformats.org/officeDocument/2006/relationships" xmlns:c="http://schemas.openxmlformats.org/drawingml/2006/chart" xmlns:a="http://schemas.openxmlformats.org/drawingml/2006/main" xmlns:dgm="http://schemas.openxmlformats.org/drawingml/2006/diagram" xmlns:dsp="http://schemas.microsoft.com/office/drawing/2008/diagram" xmlns:p="http://schemas.openxmlformats.org/presentationml/2006/main">
   <p:cSld>
     <p:bg>
